--- a/Praesentationen/01-Definitionsphase/Präsentation.pptx
+++ b/Praesentationen/01-Definitionsphase/Präsentation.pptx
@@ -18,7 +18,7 @@
     <p:sldId id="262" r:id="rId9"/>
     <p:sldId id="263" r:id="rId10"/>
     <p:sldId id="268" r:id="rId11"/>
-    <p:sldId id="267" r:id="rId12"/>
+    <p:sldId id="270" r:id="rId12"/>
     <p:sldId id="265" r:id="rId13"/>
     <p:sldId id="266" r:id="rId14"/>
     <p:sldId id="269" r:id="rId15"/>
@@ -120,15 +120,170 @@
       </a:defRPr>
     </a:lvl9pPr>
   </p:defaultTextStyle>
+  <p:extLst>
+    <p:ext uri="{EFAFB233-063F-42B5-8137-9DF3F51BA10A}">
+      <p15:sldGuideLst xmlns:p15="http://schemas.microsoft.com/office/powerpoint/2012/main"/>
+    </p:ext>
+  </p:extLst>
 </p:presentation>
 </file>
 
 <file path=ppt/revisionInfo.xml><?xml version="1.0" encoding="utf-8"?>
 <p1510:revInfo xmlns:a="http://schemas.openxmlformats.org/drawingml/2006/main" xmlns:r="http://schemas.openxmlformats.org/officeDocument/2006/relationships" xmlns:p1510="http://schemas.microsoft.com/office/powerpoint/2015/10/main">
   <p1510:revLst>
-    <p1510:client id="{D321EB78-646E-7546-8478-D5F05974E81C}" v="45" dt="2021-12-01T10:53:52.971"/>
+    <p1510:client id="{D321EB78-646E-7546-8478-D5F05974E81C}" v="50" dt="2021-12-01T16:17:45.236"/>
   </p1510:revLst>
 </p1510:revInfo>
+</file>
+
+<file path=ppt/changesInfos/changesInfo1.xml><?xml version="1.0" encoding="utf-8"?>
+<pc:chgInfo xmlns:a="http://schemas.openxmlformats.org/drawingml/2006/main" xmlns:r="http://schemas.openxmlformats.org/officeDocument/2006/relationships" xmlns:ac="http://schemas.microsoft.com/office/drawing/2013/main/command" xmlns:pc="http://schemas.microsoft.com/office/powerpoint/2013/main/command">
+  <pc:docChgLst>
+    <pc:chgData name="Antonia ..." userId="df27490986ae0560" providerId="LiveId" clId="{D321EB78-646E-7546-8478-D5F05974E81C}"/>
+    <pc:docChg chg="custSel addSld delSld modSld">
+      <pc:chgData name="Antonia ..." userId="df27490986ae0560" providerId="LiveId" clId="{D321EB78-646E-7546-8478-D5F05974E81C}" dt="2021-12-01T16:21:05.801" v="1365" actId="20577"/>
+      <pc:docMkLst>
+        <pc:docMk/>
+      </pc:docMkLst>
+      <pc:sldChg chg="modSp mod">
+        <pc:chgData name="Antonia ..." userId="df27490986ae0560" providerId="LiveId" clId="{D321EB78-646E-7546-8478-D5F05974E81C}" dt="2021-12-01T16:10:15.713" v="229" actId="20577"/>
+        <pc:sldMkLst>
+          <pc:docMk/>
+          <pc:sldMk cId="2237529051" sldId="260"/>
+        </pc:sldMkLst>
+        <pc:spChg chg="mod">
+          <ac:chgData name="Antonia ..." userId="df27490986ae0560" providerId="LiveId" clId="{D321EB78-646E-7546-8478-D5F05974E81C}" dt="2021-12-01T16:09:26.826" v="41" actId="20577"/>
+          <ac:spMkLst>
+            <pc:docMk/>
+            <pc:sldMk cId="2237529051" sldId="260"/>
+            <ac:spMk id="2" creationId="{822227DC-CFFD-5145-A3E5-B71A5DCEBC4F}"/>
+          </ac:spMkLst>
+        </pc:spChg>
+        <pc:spChg chg="mod">
+          <ac:chgData name="Antonia ..." userId="df27490986ae0560" providerId="LiveId" clId="{D321EB78-646E-7546-8478-D5F05974E81C}" dt="2021-12-01T16:10:15.713" v="229" actId="20577"/>
+          <ac:spMkLst>
+            <pc:docMk/>
+            <pc:sldMk cId="2237529051" sldId="260"/>
+            <ac:spMk id="3" creationId="{4342BC06-8266-114E-837E-8D2DC729DDA3}"/>
+          </ac:spMkLst>
+        </pc:spChg>
+      </pc:sldChg>
+      <pc:sldChg chg="modNotesTx">
+        <pc:chgData name="Antonia ..." userId="df27490986ae0560" providerId="LiveId" clId="{D321EB78-646E-7546-8478-D5F05974E81C}" dt="2021-12-01T16:19:47.544" v="1183" actId="20577"/>
+        <pc:sldMkLst>
+          <pc:docMk/>
+          <pc:sldMk cId="464097652" sldId="261"/>
+        </pc:sldMkLst>
+      </pc:sldChg>
+      <pc:sldChg chg="modSp mod">
+        <pc:chgData name="Antonia ..." userId="df27490986ae0560" providerId="LiveId" clId="{D321EB78-646E-7546-8478-D5F05974E81C}" dt="2021-12-01T16:12:21.604" v="490" actId="20577"/>
+        <pc:sldMkLst>
+          <pc:docMk/>
+          <pc:sldMk cId="1634240290" sldId="262"/>
+        </pc:sldMkLst>
+        <pc:spChg chg="mod">
+          <ac:chgData name="Antonia ..." userId="df27490986ae0560" providerId="LiveId" clId="{D321EB78-646E-7546-8478-D5F05974E81C}" dt="2021-12-01T16:11:54.600" v="426" actId="20577"/>
+          <ac:spMkLst>
+            <pc:docMk/>
+            <pc:sldMk cId="1634240290" sldId="262"/>
+            <ac:spMk id="2" creationId="{CE9A98DF-6756-BA44-98B3-C02810FFD835}"/>
+          </ac:spMkLst>
+        </pc:spChg>
+        <pc:spChg chg="mod">
+          <ac:chgData name="Antonia ..." userId="df27490986ae0560" providerId="LiveId" clId="{D321EB78-646E-7546-8478-D5F05974E81C}" dt="2021-12-01T16:12:21.604" v="490" actId="20577"/>
+          <ac:spMkLst>
+            <pc:docMk/>
+            <pc:sldMk cId="1634240290" sldId="262"/>
+            <ac:spMk id="3" creationId="{1B0751E5-F111-2642-BB0C-F037C2D3D85B}"/>
+          </ac:spMkLst>
+        </pc:spChg>
+      </pc:sldChg>
+      <pc:sldChg chg="modSp mod">
+        <pc:chgData name="Antonia ..." userId="df27490986ae0560" providerId="LiveId" clId="{D321EB78-646E-7546-8478-D5F05974E81C}" dt="2021-12-01T16:11:20.063" v="377" actId="20577"/>
+        <pc:sldMkLst>
+          <pc:docMk/>
+          <pc:sldMk cId="2229930519" sldId="264"/>
+        </pc:sldMkLst>
+        <pc:spChg chg="mod">
+          <ac:chgData name="Antonia ..." userId="df27490986ae0560" providerId="LiveId" clId="{D321EB78-646E-7546-8478-D5F05974E81C}" dt="2021-12-01T16:10:24.268" v="246" actId="20577"/>
+          <ac:spMkLst>
+            <pc:docMk/>
+            <pc:sldMk cId="2229930519" sldId="264"/>
+            <ac:spMk id="2" creationId="{3EEB4CF8-24FA-E346-803C-13F76BFB4B96}"/>
+          </ac:spMkLst>
+        </pc:spChg>
+        <pc:spChg chg="mod">
+          <ac:chgData name="Antonia ..." userId="df27490986ae0560" providerId="LiveId" clId="{D321EB78-646E-7546-8478-D5F05974E81C}" dt="2021-12-01T16:11:20.063" v="377" actId="20577"/>
+          <ac:spMkLst>
+            <pc:docMk/>
+            <pc:sldMk cId="2229930519" sldId="264"/>
+            <ac:spMk id="3" creationId="{40AF4B88-7E41-0940-A3CB-219830E08A6F}"/>
+          </ac:spMkLst>
+        </pc:spChg>
+      </pc:sldChg>
+      <pc:sldChg chg="modNotesTx">
+        <pc:chgData name="Antonia ..." userId="df27490986ae0560" providerId="LiveId" clId="{D321EB78-646E-7546-8478-D5F05974E81C}" dt="2021-12-01T16:20:09.551" v="1211" actId="20577"/>
+        <pc:sldMkLst>
+          <pc:docMk/>
+          <pc:sldMk cId="2401719195" sldId="265"/>
+        </pc:sldMkLst>
+      </pc:sldChg>
+      <pc:sldChg chg="modSp del mod modNotesTx">
+        <pc:chgData name="Antonia ..." userId="df27490986ae0560" providerId="LiveId" clId="{D321EB78-646E-7546-8478-D5F05974E81C}" dt="2021-12-01T16:15:52.054" v="787" actId="2696"/>
+        <pc:sldMkLst>
+          <pc:docMk/>
+          <pc:sldMk cId="2184346236" sldId="267"/>
+        </pc:sldMkLst>
+        <pc:spChg chg="mod">
+          <ac:chgData name="Antonia ..." userId="df27490986ae0560" providerId="LiveId" clId="{D321EB78-646E-7546-8478-D5F05974E81C}" dt="2021-12-01T16:14:37.480" v="785" actId="20577"/>
+          <ac:spMkLst>
+            <pc:docMk/>
+            <pc:sldMk cId="2184346236" sldId="267"/>
+            <ac:spMk id="3" creationId="{DA4C6C3E-938F-D64A-9F08-F16461B9A766}"/>
+          </ac:spMkLst>
+        </pc:spChg>
+      </pc:sldChg>
+      <pc:sldChg chg="modNotesTx">
+        <pc:chgData name="Antonia ..." userId="df27490986ae0560" providerId="LiveId" clId="{D321EB78-646E-7546-8478-D5F05974E81C}" dt="2021-12-01T16:21:05.801" v="1365" actId="20577"/>
+        <pc:sldMkLst>
+          <pc:docMk/>
+          <pc:sldMk cId="1841952403" sldId="268"/>
+        </pc:sldMkLst>
+      </pc:sldChg>
+      <pc:sldChg chg="modSp new mod modNotesTx">
+        <pc:chgData name="Antonia ..." userId="df27490986ae0560" providerId="LiveId" clId="{D321EB78-646E-7546-8478-D5F05974E81C}" dt="2021-12-01T16:20:04.600" v="1202" actId="20577"/>
+        <pc:sldMkLst>
+          <pc:docMk/>
+          <pc:sldMk cId="4009044167" sldId="270"/>
+        </pc:sldMkLst>
+        <pc:spChg chg="mod">
+          <ac:chgData name="Antonia ..." userId="df27490986ae0560" providerId="LiveId" clId="{D321EB78-646E-7546-8478-D5F05974E81C}" dt="2021-12-01T16:15:58.423" v="805" actId="20577"/>
+          <ac:spMkLst>
+            <pc:docMk/>
+            <pc:sldMk cId="4009044167" sldId="270"/>
+            <ac:spMk id="2" creationId="{DC10472C-A722-2447-B559-3E2A15526694}"/>
+          </ac:spMkLst>
+        </pc:spChg>
+        <pc:spChg chg="mod">
+          <ac:chgData name="Antonia ..." userId="df27490986ae0560" providerId="LiveId" clId="{D321EB78-646E-7546-8478-D5F05974E81C}" dt="2021-12-01T16:19:12.160" v="1178" actId="114"/>
+          <ac:spMkLst>
+            <pc:docMk/>
+            <pc:sldMk cId="4009044167" sldId="270"/>
+            <ac:spMk id="3" creationId="{B4CE9685-B6BD-E54F-9949-8301147A8987}"/>
+          </ac:spMkLst>
+        </pc:spChg>
+        <pc:spChg chg="mod">
+          <ac:chgData name="Antonia ..." userId="df27490986ae0560" providerId="LiveId" clId="{D321EB78-646E-7546-8478-D5F05974E81C}" dt="2021-12-01T16:19:16.055" v="1179" actId="114"/>
+          <ac:spMkLst>
+            <pc:docMk/>
+            <pc:sldMk cId="4009044167" sldId="270"/>
+            <ac:spMk id="4" creationId="{1825F776-8941-3A45-808C-5F30340B4C02}"/>
+          </ac:spMkLst>
+        </pc:spChg>
+      </pc:sldChg>
+    </pc:docChg>
+  </pc:docChgLst>
+</pc:chgInfo>
 </file>
 
 <file path=ppt/charts/chart1.xml><?xml version="1.0" encoding="utf-8"?>
@@ -198,6 +353,11 @@
               </a:ln>
               <a:effectLst/>
             </c:spPr>
+            <c:extLst>
+              <c:ext xmlns:c16="http://schemas.microsoft.com/office/drawing/2014/chart" uri="{C3380CC4-5D6E-409C-BE32-E72D297353CC}">
+                <c16:uniqueId val="{00000003-9221-DE45-A6A2-F43E70392D2E}"/>
+              </c:ext>
+            </c:extLst>
           </c:dPt>
           <c:dPt>
             <c:idx val="2"/>
@@ -213,6 +373,11 @@
               </a:ln>
               <a:effectLst/>
             </c:spPr>
+            <c:extLst>
+              <c:ext xmlns:c16="http://schemas.microsoft.com/office/drawing/2014/chart" uri="{C3380CC4-5D6E-409C-BE32-E72D297353CC}">
+                <c16:uniqueId val="{00000005-9221-DE45-A6A2-F43E70392D2E}"/>
+              </c:ext>
+            </c:extLst>
           </c:dPt>
           <c:dPt>
             <c:idx val="3"/>
@@ -228,6 +393,11 @@
               </a:ln>
               <a:effectLst/>
             </c:spPr>
+            <c:extLst>
+              <c:ext xmlns:c16="http://schemas.microsoft.com/office/drawing/2014/chart" uri="{C3380CC4-5D6E-409C-BE32-E72D297353CC}">
+                <c16:uniqueId val="{00000007-9221-DE45-A6A2-F43E70392D2E}"/>
+              </c:ext>
+            </c:extLst>
           </c:dPt>
           <c:cat>
             <c:strRef>
@@ -498,7 +668,6 @@
           </c:extLst>
         </c:ser>
         <c:dLbls>
-          <c:dLblPos val="ctr"/>
           <c:showLegendKey val="0"/>
           <c:showVal val="0"/>
           <c:showCatName val="0"/>
@@ -2218,7 +2387,52 @@
           <a:p>
             <a:r>
               <a:rPr lang="de-DE" dirty="0"/>
-              <a:t>Arne</a:t>
+              <a:t>Alice </a:t>
+            </a:r>
+            <a:r>
+              <a:rPr lang="de-DE" dirty="0" err="1"/>
+              <a:t>einzelprojekt</a:t>
+            </a:r>
+            <a:r>
+              <a:rPr lang="de-DE" dirty="0"/>
+              <a:t>:</a:t>
+            </a:r>
+          </a:p>
+          <a:p>
+            <a:r>
+              <a:rPr lang="de-DE" dirty="0"/>
+              <a:t>Idee: Auch wissen wie viel Cola sie trinkt, gern auch im vergleich zum Kaffee</a:t>
+            </a:r>
+          </a:p>
+          <a:p>
+            <a:endParaRPr lang="de-DE" dirty="0"/>
+          </a:p>
+          <a:p>
+            <a:r>
+              <a:rPr lang="de-DE" dirty="0"/>
+              <a:t>-&gt; </a:t>
+            </a:r>
+            <a:r>
+              <a:rPr lang="de-DE" dirty="0" err="1"/>
+              <a:t>möglichkeit</a:t>
+            </a:r>
+            <a:r>
+              <a:rPr lang="de-DE" dirty="0"/>
+              <a:t> </a:t>
+            </a:r>
+            <a:r>
+              <a:rPr lang="de-DE"/>
+              <a:t>das hinzuzufügen? </a:t>
+            </a:r>
+            <a:endParaRPr lang="de-DE" dirty="0"/>
+          </a:p>
+          <a:p>
+            <a:endParaRPr lang="de-DE" dirty="0"/>
+          </a:p>
+          <a:p>
+            <a:r>
+              <a:rPr lang="de-DE" dirty="0"/>
+              <a:t>Antonia</a:t>
             </a:r>
           </a:p>
         </p:txBody>
@@ -2305,8 +2519,112 @@
           <a:p>
             <a:r>
               <a:rPr lang="de-DE" dirty="0"/>
+              <a:t>Antonia</a:t>
+            </a:r>
+          </a:p>
+          <a:p>
+            <a:r>
+              <a:rPr lang="de-DE" dirty="0"/>
               <a:t>(90 sec)</a:t>
             </a:r>
+          </a:p>
+          <a:p>
+            <a:r>
+              <a:rPr lang="de-DE" dirty="0"/>
+              <a:t>Coole Idee:</a:t>
+            </a:r>
+          </a:p>
+          <a:p>
+            <a:r>
+              <a:rPr lang="de-DE" dirty="0"/>
+              <a:t>Zeilen &amp; Spalten hinzufügen</a:t>
+            </a:r>
+          </a:p>
+          <a:p>
+            <a:r>
+              <a:rPr lang="de-DE" dirty="0"/>
+              <a:t>Neue Ideen der Nutzenden umsetzbar</a:t>
+            </a:r>
+          </a:p>
+          <a:p>
+            <a:r>
+              <a:rPr lang="de-DE" dirty="0"/>
+              <a:t>Korrekturmöglichkeiten von ganz alten Daten</a:t>
+            </a:r>
+          </a:p>
+          <a:p>
+            <a:r>
+              <a:rPr lang="de-DE" dirty="0"/>
+              <a:t>Muss nicht alles neu gemacht werden</a:t>
+            </a:r>
+          </a:p>
+          <a:p>
+            <a:endParaRPr lang="de-DE" dirty="0"/>
+          </a:p>
+          <a:p>
+            <a:endParaRPr lang="de-DE" dirty="0"/>
+          </a:p>
+          <a:p>
+            <a:endParaRPr lang="de-DE" dirty="0"/>
+          </a:p>
+          <a:p>
+            <a:pPr marL="171450" indent="-171450">
+              <a:buFontTx/>
+              <a:buChar char="-"/>
+            </a:pPr>
+            <a:r>
+              <a:rPr lang="de-DE" dirty="0"/>
+              <a:t>Hohes Konfliktpotential durch Spalten und Zeilen hinzufügen</a:t>
+            </a:r>
+          </a:p>
+          <a:p>
+            <a:pPr marL="171450" indent="-171450">
+              <a:buFontTx/>
+              <a:buChar char="-"/>
+            </a:pPr>
+            <a:r>
+              <a:rPr lang="de-DE" dirty="0"/>
+              <a:t>Hilft der </a:t>
+            </a:r>
+            <a:r>
+              <a:rPr lang="de-DE" dirty="0" err="1"/>
+              <a:t>Intuitivität</a:t>
+            </a:r>
+            <a:r>
+              <a:rPr lang="de-DE" dirty="0"/>
+              <a:t> nicht</a:t>
+            </a:r>
+          </a:p>
+          <a:p>
+            <a:pPr marL="171450" indent="-171450">
+              <a:buFontTx/>
+              <a:buChar char="-"/>
+            </a:pPr>
+            <a:r>
+              <a:rPr lang="de-DE" dirty="0"/>
+              <a:t>Bringt noch nicht so einen großen </a:t>
+            </a:r>
+            <a:r>
+              <a:rPr lang="de-DE" dirty="0" err="1"/>
+              <a:t>mehrwert</a:t>
+            </a:r>
+            <a:r>
+              <a:rPr lang="de-DE" dirty="0"/>
+              <a:t>, da noch wenig Graphen und die Projekte generell noch nicht so komplex. </a:t>
+            </a:r>
+          </a:p>
+          <a:p>
+            <a:pPr marL="171450" indent="-171450">
+              <a:buFontTx/>
+              <a:buChar char="-"/>
+            </a:pPr>
+            <a:r>
+              <a:rPr lang="de-DE" dirty="0"/>
+              <a:t>Schöne Funktion aber eher weitergehend</a:t>
+            </a:r>
+          </a:p>
+          <a:p>
+            <a:endParaRPr lang="de-DE" dirty="0"/>
           </a:p>
         </p:txBody>
       </p:sp>
@@ -2336,7 +2654,7 @@
     </p:spTree>
     <p:extLst>
       <p:ext uri="{BB962C8B-B14F-4D97-AF65-F5344CB8AC3E}">
-        <p14:creationId xmlns:p14="http://schemas.microsoft.com/office/powerpoint/2010/main" val="2820617298"/>
+        <p14:creationId xmlns:p14="http://schemas.microsoft.com/office/powerpoint/2010/main" val="2293199994"/>
       </p:ext>
     </p:extLst>
   </p:cSld>
@@ -2393,6 +2711,12 @@
             <a:r>
               <a:rPr lang="de-DE" dirty="0"/>
               <a:t>(90 sec)</a:t>
+            </a:r>
+          </a:p>
+          <a:p>
+            <a:r>
+              <a:rPr lang="de-DE" dirty="0"/>
+              <a:t>Arne</a:t>
             </a:r>
           </a:p>
         </p:txBody>
@@ -3385,15 +3709,7 @@
           <a:p>
             <a:r>
               <a:rPr lang="de-DE" dirty="0"/>
-              <a:t>Anton(</a:t>
-            </a:r>
-            <a:r>
-              <a:rPr lang="de-DE" dirty="0" err="1"/>
-              <a:t>ia</a:t>
-            </a:r>
-            <a:r>
-              <a:rPr lang="de-DE" dirty="0"/>
-              <a:t>)</a:t>
+              <a:t>Antonia</a:t>
             </a:r>
           </a:p>
         </p:txBody>
@@ -7401,7 +7717,7 @@
           <p:cNvPr id="2" name="Titel 1">
             <a:extLst>
               <a:ext uri="{FF2B5EF4-FFF2-40B4-BE49-F238E27FC236}">
-                <a16:creationId xmlns:a16="http://schemas.microsoft.com/office/drawing/2014/main" id="{14483323-233E-684E-8865-A1D08ADEE9D5}"/>
+                <a16:creationId xmlns:a16="http://schemas.microsoft.com/office/drawing/2014/main" id="{DC10472C-A722-2447-B559-3E2A15526694}"/>
               </a:ext>
             </a:extLst>
           </p:cNvPr>
@@ -7429,32 +7745,108 @@
           <p:cNvPr id="3" name="Inhaltsplatzhalter 2">
             <a:extLst>
               <a:ext uri="{FF2B5EF4-FFF2-40B4-BE49-F238E27FC236}">
-                <a16:creationId xmlns:a16="http://schemas.microsoft.com/office/drawing/2014/main" id="{DA4C6C3E-938F-D64A-9F08-F16461B9A766}"/>
-              </a:ext>
-            </a:extLst>
-          </p:cNvPr>
-          <p:cNvSpPr>
-            <a:spLocks noGrp="1"/>
-          </p:cNvSpPr>
-          <p:nvPr>
-            <p:ph idx="1"/>
-          </p:nvPr>
-        </p:nvSpPr>
-        <p:spPr/>
-        <p:txBody>
-          <a:bodyPr/>
-          <a:lstStyle/>
-          <a:p>
-            <a:endParaRPr lang="de-DE"/>
-          </a:p>
-        </p:txBody>
-      </p:sp>
-      <p:sp>
-        <p:nvSpPr>
-          <p:cNvPr id="4" name="Datumsplatzhalter 3">
-            <a:extLst>
-              <a:ext uri="{FF2B5EF4-FFF2-40B4-BE49-F238E27FC236}">
-                <a16:creationId xmlns:a16="http://schemas.microsoft.com/office/drawing/2014/main" id="{A3522803-D27D-AE4B-A923-ED4B3EB3668E}"/>
+                <a16:creationId xmlns:a16="http://schemas.microsoft.com/office/drawing/2014/main" id="{B4CE9685-B6BD-E54F-9949-8301147A8987}"/>
+              </a:ext>
+            </a:extLst>
+          </p:cNvPr>
+          <p:cNvSpPr>
+            <a:spLocks noGrp="1"/>
+          </p:cNvSpPr>
+          <p:nvPr>
+            <p:ph sz="half" idx="1"/>
+          </p:nvPr>
+        </p:nvSpPr>
+        <p:spPr/>
+        <p:txBody>
+          <a:bodyPr/>
+          <a:lstStyle/>
+          <a:p>
+            <a:pPr marL="0" indent="0">
+              <a:buNone/>
+            </a:pPr>
+            <a:r>
+              <a:rPr lang="de-DE" i="1" dirty="0"/>
+              <a:t>Warum gewünscht: </a:t>
+            </a:r>
+          </a:p>
+          <a:p>
+            <a:pPr marL="0" indent="0">
+              <a:buNone/>
+            </a:pPr>
+            <a:endParaRPr lang="de-DE" dirty="0"/>
+          </a:p>
+          <a:p>
+            <a:r>
+              <a:rPr lang="de-DE" dirty="0"/>
+              <a:t>Zeilen &amp; Spalten hinzufügen</a:t>
+            </a:r>
+          </a:p>
+          <a:p>
+            <a:r>
+              <a:rPr lang="de-DE" dirty="0"/>
+              <a:t>Neue Ideen</a:t>
+            </a:r>
+          </a:p>
+          <a:p>
+            <a:r>
+              <a:rPr lang="de-DE" dirty="0"/>
+              <a:t>Korrekturmöglichkeiten</a:t>
+            </a:r>
+          </a:p>
+        </p:txBody>
+      </p:sp>
+      <p:sp>
+        <p:nvSpPr>
+          <p:cNvPr id="4" name="Inhaltsplatzhalter 3">
+            <a:extLst>
+              <a:ext uri="{FF2B5EF4-FFF2-40B4-BE49-F238E27FC236}">
+                <a16:creationId xmlns:a16="http://schemas.microsoft.com/office/drawing/2014/main" id="{1825F776-8941-3A45-808C-5F30340B4C02}"/>
+              </a:ext>
+            </a:extLst>
+          </p:cNvPr>
+          <p:cNvSpPr>
+            <a:spLocks noGrp="1"/>
+          </p:cNvSpPr>
+          <p:nvPr>
+            <p:ph sz="half" idx="2"/>
+          </p:nvPr>
+        </p:nvSpPr>
+        <p:spPr/>
+        <p:txBody>
+          <a:bodyPr/>
+          <a:lstStyle/>
+          <a:p>
+            <a:pPr marL="0" indent="0">
+              <a:buNone/>
+            </a:pPr>
+            <a:r>
+              <a:rPr lang="de-DE" i="1" dirty="0"/>
+              <a:t>Warum Wunsch:</a:t>
+            </a:r>
+          </a:p>
+          <a:p>
+            <a:pPr marL="0" indent="0">
+              <a:buNone/>
+            </a:pPr>
+            <a:endParaRPr lang="de-DE" dirty="0"/>
+          </a:p>
+          <a:p>
+            <a:r>
+              <a:rPr lang="de-DE" dirty="0"/>
+              <a:t>Hohes Konfliktpotential</a:t>
+            </a:r>
+          </a:p>
+          <a:p>
+            <a:endParaRPr lang="de-DE" dirty="0"/>
+          </a:p>
+        </p:txBody>
+      </p:sp>
+      <p:sp>
+        <p:nvSpPr>
+          <p:cNvPr id="5" name="Datumsplatzhalter 4">
+            <a:extLst>
+              <a:ext uri="{FF2B5EF4-FFF2-40B4-BE49-F238E27FC236}">
+                <a16:creationId xmlns:a16="http://schemas.microsoft.com/office/drawing/2014/main" id="{D8780823-4011-B446-8F50-A7EEA649C23D}"/>
               </a:ext>
             </a:extLst>
           </p:cNvPr>
@@ -7479,10 +7871,10 @@
       </p:sp>
       <p:sp>
         <p:nvSpPr>
-          <p:cNvPr id="5" name="Foliennummernplatzhalter 4">
-            <a:extLst>
-              <a:ext uri="{FF2B5EF4-FFF2-40B4-BE49-F238E27FC236}">
-                <a16:creationId xmlns:a16="http://schemas.microsoft.com/office/drawing/2014/main" id="{8B88B439-9C4C-C041-9DB9-F127957A9BB5}"/>
+          <p:cNvPr id="6" name="Foliennummernplatzhalter 5">
+            <a:extLst>
+              <a:ext uri="{FF2B5EF4-FFF2-40B4-BE49-F238E27FC236}">
+                <a16:creationId xmlns:a16="http://schemas.microsoft.com/office/drawing/2014/main" id="{B5EE29CD-5AC9-344B-8B73-C8F68BF714AA}"/>
               </a:ext>
             </a:extLst>
           </p:cNvPr>
@@ -7509,7 +7901,7 @@
     </p:spTree>
     <p:extLst>
       <p:ext uri="{BB962C8B-B14F-4D97-AF65-F5344CB8AC3E}">
-        <p14:creationId xmlns:p14="http://schemas.microsoft.com/office/powerpoint/2010/main" val="2184346236"/>
+        <p14:creationId xmlns:p14="http://schemas.microsoft.com/office/powerpoint/2010/main" val="4009044167"/>
       </p:ext>
     </p:extLst>
   </p:cSld>
@@ -9205,7 +9597,10 @@
           <a:bodyPr/>
           <a:lstStyle/>
           <a:p>
-            <a:endParaRPr lang="de-DE"/>
+            <a:r>
+              <a:rPr lang="de-DE" dirty="0"/>
+              <a:t>Resultat für die Pflichtkriterien</a:t>
+            </a:r>
           </a:p>
         </p:txBody>
       </p:sp>
@@ -9232,10 +9627,28 @@
           </a:bodyPr>
           <a:lstStyle/>
           <a:p>
-            <a:pPr marL="0" indent="0">
-              <a:buNone/>
-            </a:pPr>
-            <a:endParaRPr lang="de-DE" dirty="0"/>
+            <a:r>
+              <a:rPr lang="de-DE" dirty="0"/>
+              <a:t>Eingeschränkte Funktionalität des Servers</a:t>
+            </a:r>
+          </a:p>
+          <a:p>
+            <a:r>
+              <a:rPr lang="de-DE" dirty="0"/>
+              <a:t>Weniger Graphen</a:t>
+            </a:r>
+          </a:p>
+          <a:p>
+            <a:r>
+              <a:rPr lang="de-DE" dirty="0"/>
+              <a:t>Weniger individuelles Projekt</a:t>
+            </a:r>
+          </a:p>
+          <a:p>
+            <a:r>
+              <a:rPr lang="de-DE" dirty="0"/>
+              <a:t>Beschränktere Möglichkeiten, de Projekttabelle zu bearbeiten</a:t>
+            </a:r>
           </a:p>
         </p:txBody>
       </p:sp>
@@ -9347,7 +9760,10 @@
           <a:bodyPr/>
           <a:lstStyle/>
           <a:p>
-            <a:endParaRPr lang="de-DE"/>
+            <a:r>
+              <a:rPr lang="de-DE" dirty="0"/>
+              <a:t>Modularität</a:t>
+            </a:r>
           </a:p>
         </p:txBody>
       </p:sp>
@@ -9372,7 +9788,34 @@
           <a:bodyPr/>
           <a:lstStyle/>
           <a:p>
-            <a:endParaRPr lang="de-DE"/>
+            <a:pPr marL="0" indent="0">
+              <a:buNone/>
+            </a:pPr>
+            <a:r>
+              <a:rPr lang="de-DE" dirty="0"/>
+              <a:t>Einschränkung durch Pflichtkriterien</a:t>
+            </a:r>
+          </a:p>
+          <a:p>
+            <a:r>
+              <a:rPr lang="de-DE" dirty="0" err="1"/>
+              <a:t>Auwirkung</a:t>
+            </a:r>
+            <a:r>
+              <a:rPr lang="de-DE" dirty="0"/>
+              <a:t> auf den Entwurf</a:t>
+            </a:r>
+          </a:p>
+          <a:p>
+            <a:r>
+              <a:rPr lang="de-DE" dirty="0"/>
+              <a:t>z.B. neue </a:t>
+            </a:r>
+            <a:r>
+              <a:rPr lang="de-DE" dirty="0" err="1"/>
+              <a:t>Graphtypen</a:t>
+            </a:r>
+            <a:endParaRPr lang="de-DE" dirty="0"/>
           </a:p>
         </p:txBody>
       </p:sp>
@@ -9967,7 +10410,10 @@
           <a:bodyPr/>
           <a:lstStyle/>
           <a:p>
-            <a:endParaRPr lang="de-DE"/>
+            <a:r>
+              <a:rPr lang="de-DE" dirty="0"/>
+              <a:t>Funktionalität des Server</a:t>
+            </a:r>
           </a:p>
         </p:txBody>
       </p:sp>
@@ -9992,7 +10438,19 @@
           <a:bodyPr/>
           <a:lstStyle/>
           <a:p>
-            <a:endParaRPr lang="de-DE"/>
+            <a:r>
+              <a:rPr lang="de-DE" dirty="0"/>
+              <a:t>Gemeinsame Projekte</a:t>
+            </a:r>
+          </a:p>
+          <a:p>
+            <a:r>
+              <a:rPr lang="de-DE" dirty="0"/>
+              <a:t>Templates teilen</a:t>
+            </a:r>
+          </a:p>
+          <a:p>
+            <a:endParaRPr lang="de-DE" dirty="0"/>
           </a:p>
         </p:txBody>
       </p:sp>

--- a/Praesentationen/01-Definitionsphase/Präsentation.pptx
+++ b/Praesentationen/01-Definitionsphase/Präsentation.pptx
@@ -5,23 +5,24 @@
     <p:sldMasterId id="2147483648" r:id="rId1"/>
   </p:sldMasterIdLst>
   <p:notesMasterIdLst>
-    <p:notesMasterId r:id="rId16"/>
+    <p:notesMasterId r:id="rId17"/>
   </p:notesMasterIdLst>
   <p:sldIdLst>
     <p:sldId id="256" r:id="rId2"/>
     <p:sldId id="257" r:id="rId3"/>
-    <p:sldId id="258" r:id="rId4"/>
-    <p:sldId id="259" r:id="rId5"/>
-    <p:sldId id="260" r:id="rId6"/>
-    <p:sldId id="264" r:id="rId7"/>
-    <p:sldId id="261" r:id="rId8"/>
-    <p:sldId id="262" r:id="rId9"/>
-    <p:sldId id="263" r:id="rId10"/>
-    <p:sldId id="268" r:id="rId11"/>
-    <p:sldId id="270" r:id="rId12"/>
-    <p:sldId id="265" r:id="rId13"/>
-    <p:sldId id="266" r:id="rId14"/>
-    <p:sldId id="269" r:id="rId15"/>
+    <p:sldId id="271" r:id="rId4"/>
+    <p:sldId id="258" r:id="rId5"/>
+    <p:sldId id="259" r:id="rId6"/>
+    <p:sldId id="260" r:id="rId7"/>
+    <p:sldId id="264" r:id="rId8"/>
+    <p:sldId id="261" r:id="rId9"/>
+    <p:sldId id="262" r:id="rId10"/>
+    <p:sldId id="263" r:id="rId11"/>
+    <p:sldId id="268" r:id="rId12"/>
+    <p:sldId id="270" r:id="rId13"/>
+    <p:sldId id="265" r:id="rId14"/>
+    <p:sldId id="266" r:id="rId15"/>
+    <p:sldId id="269" r:id="rId16"/>
   </p:sldIdLst>
   <p:sldSz cx="12192000" cy="6858000"/>
   <p:notesSz cx="6858000" cy="9144000"/>
@@ -131,6 +132,7 @@
 <file path=ppt/revisionInfo.xml><?xml version="1.0" encoding="utf-8"?>
 <p1510:revInfo xmlns:a="http://schemas.openxmlformats.org/drawingml/2006/main" xmlns:r="http://schemas.openxmlformats.org/officeDocument/2006/relationships" xmlns:p1510="http://schemas.microsoft.com/office/powerpoint/2015/10/main">
   <p1510:revLst>
+    <p1510:client id="{7C58C18B-0A27-44B7-9B45-AA675080F6E7}" v="79" dt="2021-12-02T08:06:22.801"/>
     <p1510:client id="{D321EB78-646E-7546-8478-D5F05974E81C}" v="50" dt="2021-12-01T16:17:45.236"/>
   </p1510:revLst>
 </p1510:revInfo>
@@ -138,6 +140,553 @@
 
 <file path=ppt/changesInfos/changesInfo1.xml><?xml version="1.0" encoding="utf-8"?>
 <pc:chgInfo xmlns:a="http://schemas.openxmlformats.org/drawingml/2006/main" xmlns:r="http://schemas.openxmlformats.org/officeDocument/2006/relationships" xmlns:ac="http://schemas.microsoft.com/office/drawing/2013/main/command" xmlns:pc="http://schemas.microsoft.com/office/powerpoint/2013/main/command">
+  <pc:docChgLst>
+    <pc:chgData name="Ender Merlin" userId="b6c700318fa50b6b" providerId="LiveId" clId="{7C58C18B-0A27-44B7-9B45-AA675080F6E7}"/>
+    <pc:docChg chg="undo redo custSel addSld modSld">
+      <pc:chgData name="Ender Merlin" userId="b6c700318fa50b6b" providerId="LiveId" clId="{7C58C18B-0A27-44B7-9B45-AA675080F6E7}" dt="2021-12-02T08:07:16.713" v="533" actId="1076"/>
+      <pc:docMkLst>
+        <pc:docMk/>
+      </pc:docMkLst>
+      <pc:sldChg chg="addSp delSp modSp mod modAnim">
+        <pc:chgData name="Ender Merlin" userId="b6c700318fa50b6b" providerId="LiveId" clId="{7C58C18B-0A27-44B7-9B45-AA675080F6E7}" dt="2021-12-02T07:29:39.960" v="280"/>
+        <pc:sldMkLst>
+          <pc:docMk/>
+          <pc:sldMk cId="735487197" sldId="257"/>
+        </pc:sldMkLst>
+        <pc:spChg chg="mod">
+          <ac:chgData name="Ender Merlin" userId="b6c700318fa50b6b" providerId="LiveId" clId="{7C58C18B-0A27-44B7-9B45-AA675080F6E7}" dt="2021-12-02T07:28:40.195" v="274" actId="1076"/>
+          <ac:spMkLst>
+            <pc:docMk/>
+            <pc:sldMk cId="735487197" sldId="257"/>
+            <ac:spMk id="2" creationId="{CA602554-BCBF-044C-9749-B37622C4E913}"/>
+          </ac:spMkLst>
+        </pc:spChg>
+        <pc:spChg chg="add mod">
+          <ac:chgData name="Ender Merlin" userId="b6c700318fa50b6b" providerId="LiveId" clId="{7C58C18B-0A27-44B7-9B45-AA675080F6E7}" dt="2021-12-02T07:14:34.598" v="139" actId="1076"/>
+          <ac:spMkLst>
+            <pc:docMk/>
+            <pc:sldMk cId="735487197" sldId="257"/>
+            <ac:spMk id="16" creationId="{666A4CFE-E5F3-407C-AEBD-EBD7310491F9}"/>
+          </ac:spMkLst>
+        </pc:spChg>
+        <pc:spChg chg="add del mod">
+          <ac:chgData name="Ender Merlin" userId="b6c700318fa50b6b" providerId="LiveId" clId="{7C58C18B-0A27-44B7-9B45-AA675080F6E7}" dt="2021-12-02T07:13:57.179" v="130"/>
+          <ac:spMkLst>
+            <pc:docMk/>
+            <pc:sldMk cId="735487197" sldId="257"/>
+            <ac:spMk id="18" creationId="{259E6192-79EC-4C54-87C5-CC755DB47C8B}"/>
+          </ac:spMkLst>
+        </pc:spChg>
+        <pc:spChg chg="add mod">
+          <ac:chgData name="Ender Merlin" userId="b6c700318fa50b6b" providerId="LiveId" clId="{7C58C18B-0A27-44B7-9B45-AA675080F6E7}" dt="2021-12-02T07:25:50.710" v="244" actId="14100"/>
+          <ac:spMkLst>
+            <pc:docMk/>
+            <pc:sldMk cId="735487197" sldId="257"/>
+            <ac:spMk id="36" creationId="{BE40E607-B478-41A4-B5DC-899979FBDAC4}"/>
+          </ac:spMkLst>
+        </pc:spChg>
+        <pc:picChg chg="add del mod">
+          <ac:chgData name="Ender Merlin" userId="b6c700318fa50b6b" providerId="LiveId" clId="{7C58C18B-0A27-44B7-9B45-AA675080F6E7}" dt="2021-12-02T07:11:49.094" v="109" actId="478"/>
+          <ac:picMkLst>
+            <pc:docMk/>
+            <pc:sldMk cId="735487197" sldId="257"/>
+            <ac:picMk id="6" creationId="{8E623D69-066E-40A2-90E8-7C75833A22C8}"/>
+          </ac:picMkLst>
+        </pc:picChg>
+        <pc:picChg chg="mod">
+          <ac:chgData name="Ender Merlin" userId="b6c700318fa50b6b" providerId="LiveId" clId="{7C58C18B-0A27-44B7-9B45-AA675080F6E7}" dt="2021-12-02T07:25:34.928" v="243" actId="1076"/>
+          <ac:picMkLst>
+            <pc:docMk/>
+            <pc:sldMk cId="735487197" sldId="257"/>
+            <ac:picMk id="7" creationId="{6FEC9959-BBB4-4349-9B9B-8A77287021C2}"/>
+          </ac:picMkLst>
+        </pc:picChg>
+        <pc:picChg chg="del">
+          <ac:chgData name="Ender Merlin" userId="b6c700318fa50b6b" providerId="LiveId" clId="{7C58C18B-0A27-44B7-9B45-AA675080F6E7}" dt="2021-12-02T07:14:11.485" v="133" actId="478"/>
+          <ac:picMkLst>
+            <pc:docMk/>
+            <pc:sldMk cId="735487197" sldId="257"/>
+            <ac:picMk id="9" creationId="{FBAD76BB-7B39-3A4D-AC66-81EAE02D052E}"/>
+          </ac:picMkLst>
+        </pc:picChg>
+        <pc:picChg chg="del">
+          <ac:chgData name="Ender Merlin" userId="b6c700318fa50b6b" providerId="LiveId" clId="{7C58C18B-0A27-44B7-9B45-AA675080F6E7}" dt="2021-12-02T07:14:16.788" v="134" actId="478"/>
+          <ac:picMkLst>
+            <pc:docMk/>
+            <pc:sldMk cId="735487197" sldId="257"/>
+            <ac:picMk id="10" creationId="{083068C5-31FB-6D40-AA80-7CEC2FC7AE8F}"/>
+          </ac:picMkLst>
+        </pc:picChg>
+        <pc:picChg chg="del mod">
+          <ac:chgData name="Ender Merlin" userId="b6c700318fa50b6b" providerId="LiveId" clId="{7C58C18B-0A27-44B7-9B45-AA675080F6E7}" dt="2021-12-02T07:14:25.974" v="137" actId="21"/>
+          <ac:picMkLst>
+            <pc:docMk/>
+            <pc:sldMk cId="735487197" sldId="257"/>
+            <ac:picMk id="11" creationId="{4DA94D56-C0FF-514C-A649-1C3FA52240BC}"/>
+          </ac:picMkLst>
+        </pc:picChg>
+        <pc:picChg chg="add mod ord">
+          <ac:chgData name="Ender Merlin" userId="b6c700318fa50b6b" providerId="LiveId" clId="{7C58C18B-0A27-44B7-9B45-AA675080F6E7}" dt="2021-12-02T07:17:52.106" v="169" actId="1036"/>
+          <ac:picMkLst>
+            <pc:docMk/>
+            <pc:sldMk cId="735487197" sldId="257"/>
+            <ac:picMk id="12" creationId="{7982447E-A225-4405-89DA-52EB8CAE2C70}"/>
+          </ac:picMkLst>
+        </pc:picChg>
+        <pc:picChg chg="del mod">
+          <ac:chgData name="Ender Merlin" userId="b6c700318fa50b6b" providerId="LiveId" clId="{7C58C18B-0A27-44B7-9B45-AA675080F6E7}" dt="2021-12-02T07:14:10.852" v="132" actId="478"/>
+          <ac:picMkLst>
+            <pc:docMk/>
+            <pc:sldMk cId="735487197" sldId="257"/>
+            <ac:picMk id="13" creationId="{9369829C-21E4-FB4F-8755-FDE1B7FE853E}"/>
+          </ac:picMkLst>
+        </pc:picChg>
+        <pc:picChg chg="add del mod">
+          <ac:chgData name="Ender Merlin" userId="b6c700318fa50b6b" providerId="LiveId" clId="{7C58C18B-0A27-44B7-9B45-AA675080F6E7}" dt="2021-12-02T07:12:17.191" v="115" actId="931"/>
+          <ac:picMkLst>
+            <pc:docMk/>
+            <pc:sldMk cId="735487197" sldId="257"/>
+            <ac:picMk id="15" creationId="{55815059-49FE-402A-9EC9-329C923969B0}"/>
+          </ac:picMkLst>
+        </pc:picChg>
+        <pc:picChg chg="add mod">
+          <ac:chgData name="Ender Merlin" userId="b6c700318fa50b6b" providerId="LiveId" clId="{7C58C18B-0A27-44B7-9B45-AA675080F6E7}" dt="2021-12-02T07:13:44.948" v="128" actId="571"/>
+          <ac:picMkLst>
+            <pc:docMk/>
+            <pc:sldMk cId="735487197" sldId="257"/>
+            <ac:picMk id="17" creationId="{3244A43C-EA53-413C-BD24-5E81D9998089}"/>
+          </ac:picMkLst>
+        </pc:picChg>
+        <pc:picChg chg="add mod">
+          <ac:chgData name="Ender Merlin" userId="b6c700318fa50b6b" providerId="LiveId" clId="{7C58C18B-0A27-44B7-9B45-AA675080F6E7}" dt="2021-12-02T07:17:32.643" v="168" actId="1076"/>
+          <ac:picMkLst>
+            <pc:docMk/>
+            <pc:sldMk cId="735487197" sldId="257"/>
+            <ac:picMk id="20" creationId="{ECA12507-03D9-47CE-931A-B4A23DEDB32D}"/>
+          </ac:picMkLst>
+        </pc:picChg>
+        <pc:picChg chg="add mod">
+          <ac:chgData name="Ender Merlin" userId="b6c700318fa50b6b" providerId="LiveId" clId="{7C58C18B-0A27-44B7-9B45-AA675080F6E7}" dt="2021-12-02T07:17:32.643" v="168" actId="1076"/>
+          <ac:picMkLst>
+            <pc:docMk/>
+            <pc:sldMk cId="735487197" sldId="257"/>
+            <ac:picMk id="21" creationId="{A597B6EE-EE70-4F95-9603-E400B9B2A7EE}"/>
+          </ac:picMkLst>
+        </pc:picChg>
+        <pc:picChg chg="add mod">
+          <ac:chgData name="Ender Merlin" userId="b6c700318fa50b6b" providerId="LiveId" clId="{7C58C18B-0A27-44B7-9B45-AA675080F6E7}" dt="2021-12-02T07:17:32.643" v="168" actId="1076"/>
+          <ac:picMkLst>
+            <pc:docMk/>
+            <pc:sldMk cId="735487197" sldId="257"/>
+            <ac:picMk id="22" creationId="{4905DCBB-E0CD-4DEC-8CBC-1B030CA91379}"/>
+          </ac:picMkLst>
+        </pc:picChg>
+        <pc:picChg chg="add mod">
+          <ac:chgData name="Ender Merlin" userId="b6c700318fa50b6b" providerId="LiveId" clId="{7C58C18B-0A27-44B7-9B45-AA675080F6E7}" dt="2021-12-02T07:17:32.643" v="168" actId="1076"/>
+          <ac:picMkLst>
+            <pc:docMk/>
+            <pc:sldMk cId="735487197" sldId="257"/>
+            <ac:picMk id="23" creationId="{9487F55C-20AD-49F9-BBE0-6F0FDE7AF55A}"/>
+          </ac:picMkLst>
+        </pc:picChg>
+        <pc:picChg chg="add mod">
+          <ac:chgData name="Ender Merlin" userId="b6c700318fa50b6b" providerId="LiveId" clId="{7C58C18B-0A27-44B7-9B45-AA675080F6E7}" dt="2021-12-02T07:17:32.643" v="168" actId="1076"/>
+          <ac:picMkLst>
+            <pc:docMk/>
+            <pc:sldMk cId="735487197" sldId="257"/>
+            <ac:picMk id="24" creationId="{124B4FB1-02C5-4E57-8E1A-26CDDA88F3BB}"/>
+          </ac:picMkLst>
+        </pc:picChg>
+        <pc:picChg chg="add del mod">
+          <ac:chgData name="Ender Merlin" userId="b6c700318fa50b6b" providerId="LiveId" clId="{7C58C18B-0A27-44B7-9B45-AA675080F6E7}" dt="2021-12-02T07:17:12.280" v="162" actId="478"/>
+          <ac:picMkLst>
+            <pc:docMk/>
+            <pc:sldMk cId="735487197" sldId="257"/>
+            <ac:picMk id="25" creationId="{E6D555E2-F000-4D0C-A8BB-7E97BFA67BFF}"/>
+          </ac:picMkLst>
+        </pc:picChg>
+        <pc:picChg chg="add del mod">
+          <ac:chgData name="Ender Merlin" userId="b6c700318fa50b6b" providerId="LiveId" clId="{7C58C18B-0A27-44B7-9B45-AA675080F6E7}" dt="2021-12-02T07:17:20.045" v="166"/>
+          <ac:picMkLst>
+            <pc:docMk/>
+            <pc:sldMk cId="735487197" sldId="257"/>
+            <ac:picMk id="26" creationId="{4BFADFBE-3862-4D17-913A-155E80EC4DA7}"/>
+          </ac:picMkLst>
+        </pc:picChg>
+        <pc:picChg chg="add del mod">
+          <ac:chgData name="Ender Merlin" userId="b6c700318fa50b6b" providerId="LiveId" clId="{7C58C18B-0A27-44B7-9B45-AA675080F6E7}" dt="2021-12-02T07:17:20.045" v="166"/>
+          <ac:picMkLst>
+            <pc:docMk/>
+            <pc:sldMk cId="735487197" sldId="257"/>
+            <ac:picMk id="27" creationId="{CFE82E6F-C50B-426C-BCBF-71D51B215D2F}"/>
+          </ac:picMkLst>
+        </pc:picChg>
+        <pc:picChg chg="add del mod">
+          <ac:chgData name="Ender Merlin" userId="b6c700318fa50b6b" providerId="LiveId" clId="{7C58C18B-0A27-44B7-9B45-AA675080F6E7}" dt="2021-12-02T07:17:20.045" v="166"/>
+          <ac:picMkLst>
+            <pc:docMk/>
+            <pc:sldMk cId="735487197" sldId="257"/>
+            <ac:picMk id="28" creationId="{246DD496-D207-47ED-A95D-4054FEEC1704}"/>
+          </ac:picMkLst>
+        </pc:picChg>
+        <pc:picChg chg="add mod">
+          <ac:chgData name="Ender Merlin" userId="b6c700318fa50b6b" providerId="LiveId" clId="{7C58C18B-0A27-44B7-9B45-AA675080F6E7}" dt="2021-12-02T07:17:21.287" v="167"/>
+          <ac:picMkLst>
+            <pc:docMk/>
+            <pc:sldMk cId="735487197" sldId="257"/>
+            <ac:picMk id="29" creationId="{9C5930A0-241C-4035-A8FD-8FE75979B860}"/>
+          </ac:picMkLst>
+        </pc:picChg>
+        <pc:picChg chg="add mod">
+          <ac:chgData name="Ender Merlin" userId="b6c700318fa50b6b" providerId="LiveId" clId="{7C58C18B-0A27-44B7-9B45-AA675080F6E7}" dt="2021-12-02T07:28:28.065" v="272" actId="1076"/>
+          <ac:picMkLst>
+            <pc:docMk/>
+            <pc:sldMk cId="735487197" sldId="257"/>
+            <ac:picMk id="30" creationId="{17CC66B5-B06F-4761-A22D-FD5676FE6BF2}"/>
+          </ac:picMkLst>
+        </pc:picChg>
+        <pc:picChg chg="add mod">
+          <ac:chgData name="Ender Merlin" userId="b6c700318fa50b6b" providerId="LiveId" clId="{7C58C18B-0A27-44B7-9B45-AA675080F6E7}" dt="2021-12-02T07:17:21.287" v="167"/>
+          <ac:picMkLst>
+            <pc:docMk/>
+            <pc:sldMk cId="735487197" sldId="257"/>
+            <ac:picMk id="31" creationId="{B529790F-E58A-48D3-801D-3C406F64EF9C}"/>
+          </ac:picMkLst>
+        </pc:picChg>
+        <pc:picChg chg="add del mod ord modCrop">
+          <ac:chgData name="Ender Merlin" userId="b6c700318fa50b6b" providerId="LiveId" clId="{7C58C18B-0A27-44B7-9B45-AA675080F6E7}" dt="2021-12-02T07:27:06.925" v="262" actId="478"/>
+          <ac:picMkLst>
+            <pc:docMk/>
+            <pc:sldMk cId="735487197" sldId="257"/>
+            <ac:picMk id="33" creationId="{B315ADD7-2284-4A36-87C4-A565099F0FC9}"/>
+          </ac:picMkLst>
+        </pc:picChg>
+        <pc:picChg chg="add mod ord modCrop">
+          <ac:chgData name="Ender Merlin" userId="b6c700318fa50b6b" providerId="LiveId" clId="{7C58C18B-0A27-44B7-9B45-AA675080F6E7}" dt="2021-12-02T07:28:15.247" v="269" actId="1076"/>
+          <ac:picMkLst>
+            <pc:docMk/>
+            <pc:sldMk cId="735487197" sldId="257"/>
+            <ac:picMk id="35" creationId="{863C5BE3-16BE-490F-A82A-28300F38D9E1}"/>
+          </ac:picMkLst>
+        </pc:picChg>
+        <pc:picChg chg="add mod">
+          <ac:chgData name="Ender Merlin" userId="b6c700318fa50b6b" providerId="LiveId" clId="{7C58C18B-0A27-44B7-9B45-AA675080F6E7}" dt="2021-12-02T07:28:15.247" v="269" actId="1076"/>
+          <ac:picMkLst>
+            <pc:docMk/>
+            <pc:sldMk cId="735487197" sldId="257"/>
+            <ac:picMk id="38" creationId="{ECA1A8DE-D487-48B5-8C20-982F0CD4BB79}"/>
+          </ac:picMkLst>
+        </pc:picChg>
+      </pc:sldChg>
+      <pc:sldChg chg="modSp mod">
+        <pc:chgData name="Ender Merlin" userId="b6c700318fa50b6b" providerId="LiveId" clId="{7C58C18B-0A27-44B7-9B45-AA675080F6E7}" dt="2021-12-02T07:57:51.944" v="405" actId="12385"/>
+        <pc:sldMkLst>
+          <pc:docMk/>
+          <pc:sldMk cId="800652924" sldId="258"/>
+        </pc:sldMkLst>
+        <pc:graphicFrameChg chg="modGraphic">
+          <ac:chgData name="Ender Merlin" userId="b6c700318fa50b6b" providerId="LiveId" clId="{7C58C18B-0A27-44B7-9B45-AA675080F6E7}" dt="2021-12-02T07:57:51.944" v="405" actId="12385"/>
+          <ac:graphicFrameMkLst>
+            <pc:docMk/>
+            <pc:sldMk cId="800652924" sldId="258"/>
+            <ac:graphicFrameMk id="8" creationId="{A318CABA-BA57-ED4E-8E08-AA00840B9656}"/>
+          </ac:graphicFrameMkLst>
+        </pc:graphicFrameChg>
+      </pc:sldChg>
+      <pc:sldChg chg="addSp delSp modSp mod">
+        <pc:chgData name="Ender Merlin" userId="b6c700318fa50b6b" providerId="LiveId" clId="{7C58C18B-0A27-44B7-9B45-AA675080F6E7}" dt="2021-12-02T07:37:17.749" v="349" actId="1076"/>
+        <pc:sldMkLst>
+          <pc:docMk/>
+          <pc:sldMk cId="1570510890" sldId="259"/>
+        </pc:sldMkLst>
+        <pc:spChg chg="del mod">
+          <ac:chgData name="Ender Merlin" userId="b6c700318fa50b6b" providerId="LiveId" clId="{7C58C18B-0A27-44B7-9B45-AA675080F6E7}" dt="2021-12-02T07:10:33.996" v="98" actId="478"/>
+          <ac:spMkLst>
+            <pc:docMk/>
+            <pc:sldMk cId="1570510890" sldId="259"/>
+            <ac:spMk id="3" creationId="{7BBAF8E6-6108-7346-B1C4-6D0D2DF3F8FC}"/>
+          </ac:spMkLst>
+        </pc:spChg>
+        <pc:spChg chg="add mod">
+          <ac:chgData name="Ender Merlin" userId="b6c700318fa50b6b" providerId="LiveId" clId="{7C58C18B-0A27-44B7-9B45-AA675080F6E7}" dt="2021-12-02T07:35:38.015" v="331" actId="1076"/>
+          <ac:spMkLst>
+            <pc:docMk/>
+            <pc:sldMk cId="1570510890" sldId="259"/>
+            <ac:spMk id="12" creationId="{CC1B486D-D564-4D4F-84E6-0D4BC6D9C4D7}"/>
+          </ac:spMkLst>
+        </pc:spChg>
+        <pc:spChg chg="add mod">
+          <ac:chgData name="Ender Merlin" userId="b6c700318fa50b6b" providerId="LiveId" clId="{7C58C18B-0A27-44B7-9B45-AA675080F6E7}" dt="2021-12-02T07:36:53.566" v="346" actId="1076"/>
+          <ac:spMkLst>
+            <pc:docMk/>
+            <pc:sldMk cId="1570510890" sldId="259"/>
+            <ac:spMk id="13" creationId="{665B5804-E496-4E10-A8B5-4A1E93368868}"/>
+          </ac:spMkLst>
+        </pc:spChg>
+        <pc:spChg chg="add mod">
+          <ac:chgData name="Ender Merlin" userId="b6c700318fa50b6b" providerId="LiveId" clId="{7C58C18B-0A27-44B7-9B45-AA675080F6E7}" dt="2021-12-02T07:37:13.009" v="348" actId="1076"/>
+          <ac:spMkLst>
+            <pc:docMk/>
+            <pc:sldMk cId="1570510890" sldId="259"/>
+            <ac:spMk id="14" creationId="{05C10691-CA4B-4B50-9E8A-CA4865BCD621}"/>
+          </ac:spMkLst>
+        </pc:spChg>
+        <pc:spChg chg="add del mod">
+          <ac:chgData name="Ender Merlin" userId="b6c700318fa50b6b" providerId="LiveId" clId="{7C58C18B-0A27-44B7-9B45-AA675080F6E7}" dt="2021-12-02T07:10:37.456" v="99" actId="478"/>
+          <ac:spMkLst>
+            <pc:docMk/>
+            <pc:sldMk cId="1570510890" sldId="259"/>
+            <ac:spMk id="16" creationId="{D4C0629C-C160-4D2C-A65C-B346291CD32F}"/>
+          </ac:spMkLst>
+        </pc:spChg>
+        <pc:picChg chg="add mod">
+          <ac:chgData name="Ender Merlin" userId="b6c700318fa50b6b" providerId="LiveId" clId="{7C58C18B-0A27-44B7-9B45-AA675080F6E7}" dt="2021-12-02T07:36:16.777" v="339" actId="1076"/>
+          <ac:picMkLst>
+            <pc:docMk/>
+            <pc:sldMk cId="1570510890" sldId="259"/>
+            <ac:picMk id="6" creationId="{25E77581-0383-43A3-AAC8-3720B65C3912}"/>
+          </ac:picMkLst>
+        </pc:picChg>
+        <pc:picChg chg="add del mod">
+          <ac:chgData name="Ender Merlin" userId="b6c700318fa50b6b" providerId="LiveId" clId="{7C58C18B-0A27-44B7-9B45-AA675080F6E7}" dt="2021-12-02T07:07:17.340" v="24" actId="478"/>
+          <ac:picMkLst>
+            <pc:docMk/>
+            <pc:sldMk cId="1570510890" sldId="259"/>
+            <ac:picMk id="7" creationId="{1831EC4F-BA03-4224-99DF-11759A5C534A}"/>
+          </ac:picMkLst>
+        </pc:picChg>
+        <pc:picChg chg="add mod">
+          <ac:chgData name="Ender Merlin" userId="b6c700318fa50b6b" providerId="LiveId" clId="{7C58C18B-0A27-44B7-9B45-AA675080F6E7}" dt="2021-12-02T07:37:17.749" v="349" actId="1076"/>
+          <ac:picMkLst>
+            <pc:docMk/>
+            <pc:sldMk cId="1570510890" sldId="259"/>
+            <ac:picMk id="9" creationId="{09DC9EF8-91F1-4024-B6EE-DDC5C63D54E1}"/>
+          </ac:picMkLst>
+        </pc:picChg>
+        <pc:picChg chg="add mod">
+          <ac:chgData name="Ender Merlin" userId="b6c700318fa50b6b" providerId="LiveId" clId="{7C58C18B-0A27-44B7-9B45-AA675080F6E7}" dt="2021-12-02T07:36:30.970" v="341" actId="1076"/>
+          <ac:picMkLst>
+            <pc:docMk/>
+            <pc:sldMk cId="1570510890" sldId="259"/>
+            <ac:picMk id="11" creationId="{0BAFABCD-72EA-420E-BAD5-1A3232ED9E37}"/>
+          </ac:picMkLst>
+        </pc:picChg>
+      </pc:sldChg>
+      <pc:sldChg chg="addSp delSp modSp mod">
+        <pc:chgData name="Ender Merlin" userId="b6c700318fa50b6b" providerId="LiveId" clId="{7C58C18B-0A27-44B7-9B45-AA675080F6E7}" dt="2021-12-02T08:07:16.713" v="533" actId="1076"/>
+        <pc:sldMkLst>
+          <pc:docMk/>
+          <pc:sldMk cId="2237529051" sldId="260"/>
+        </pc:sldMkLst>
+        <pc:spChg chg="mod">
+          <ac:chgData name="Ender Merlin" userId="b6c700318fa50b6b" providerId="LiveId" clId="{7C58C18B-0A27-44B7-9B45-AA675080F6E7}" dt="2021-12-02T08:03:35.681" v="497" actId="1076"/>
+          <ac:spMkLst>
+            <pc:docMk/>
+            <pc:sldMk cId="2237529051" sldId="260"/>
+            <ac:spMk id="2" creationId="{822227DC-CFFD-5145-A3E5-B71A5DCEBC4F}"/>
+          </ac:spMkLst>
+        </pc:spChg>
+        <pc:spChg chg="del mod">
+          <ac:chgData name="Ender Merlin" userId="b6c700318fa50b6b" providerId="LiveId" clId="{7C58C18B-0A27-44B7-9B45-AA675080F6E7}" dt="2021-12-02T08:02:22" v="483" actId="21"/>
+          <ac:spMkLst>
+            <pc:docMk/>
+            <pc:sldMk cId="2237529051" sldId="260"/>
+            <ac:spMk id="3" creationId="{4342BC06-8266-114E-837E-8D2DC729DDA3}"/>
+          </ac:spMkLst>
+        </pc:spChg>
+        <pc:spChg chg="mod">
+          <ac:chgData name="Ender Merlin" userId="b6c700318fa50b6b" providerId="LiveId" clId="{7C58C18B-0A27-44B7-9B45-AA675080F6E7}" dt="2021-12-02T08:01:24.870" v="462" actId="1076"/>
+          <ac:spMkLst>
+            <pc:docMk/>
+            <pc:sldMk cId="2237529051" sldId="260"/>
+            <ac:spMk id="4" creationId="{C8919947-DCF6-544A-9803-5984DE6FBED3}"/>
+          </ac:spMkLst>
+        </pc:spChg>
+        <pc:spChg chg="add mod">
+          <ac:chgData name="Ender Merlin" userId="b6c700318fa50b6b" providerId="LiveId" clId="{7C58C18B-0A27-44B7-9B45-AA675080F6E7}" dt="2021-12-02T08:04:25.282" v="505" actId="1076"/>
+          <ac:spMkLst>
+            <pc:docMk/>
+            <pc:sldMk cId="2237529051" sldId="260"/>
+            <ac:spMk id="9" creationId="{C1CB3013-E547-42F7-A8A4-A30B5097F422}"/>
+          </ac:spMkLst>
+        </pc:spChg>
+        <pc:spChg chg="add mod">
+          <ac:chgData name="Ender Merlin" userId="b6c700318fa50b6b" providerId="LiveId" clId="{7C58C18B-0A27-44B7-9B45-AA675080F6E7}" dt="2021-12-02T08:07:16.713" v="533" actId="1076"/>
+          <ac:spMkLst>
+            <pc:docMk/>
+            <pc:sldMk cId="2237529051" sldId="260"/>
+            <ac:spMk id="10" creationId="{19051105-7BE8-4893-93C8-F0AA91C9AA7F}"/>
+          </ac:spMkLst>
+        </pc:spChg>
+        <pc:spChg chg="add mod">
+          <ac:chgData name="Ender Merlin" userId="b6c700318fa50b6b" providerId="LiveId" clId="{7C58C18B-0A27-44B7-9B45-AA675080F6E7}" dt="2021-12-02T08:03:59.239" v="500" actId="14100"/>
+          <ac:spMkLst>
+            <pc:docMk/>
+            <pc:sldMk cId="2237529051" sldId="260"/>
+            <ac:spMk id="13" creationId="{23F98581-D2B6-4689-8565-8174D73EEB67}"/>
+          </ac:spMkLst>
+        </pc:spChg>
+        <pc:spChg chg="add del mod">
+          <ac:chgData name="Ender Merlin" userId="b6c700318fa50b6b" providerId="LiveId" clId="{7C58C18B-0A27-44B7-9B45-AA675080F6E7}" dt="2021-12-02T08:02:24.629" v="484" actId="478"/>
+          <ac:spMkLst>
+            <pc:docMk/>
+            <pc:sldMk cId="2237529051" sldId="260"/>
+            <ac:spMk id="26" creationId="{14C8D98A-5397-4649-8258-DA7BC6FD4A5B}"/>
+          </ac:spMkLst>
+        </pc:spChg>
+        <pc:spChg chg="add mod">
+          <ac:chgData name="Ender Merlin" userId="b6c700318fa50b6b" providerId="LiveId" clId="{7C58C18B-0A27-44B7-9B45-AA675080F6E7}" dt="2021-12-02T08:03:18.987" v="495" actId="1076"/>
+          <ac:spMkLst>
+            <pc:docMk/>
+            <pc:sldMk cId="2237529051" sldId="260"/>
+            <ac:spMk id="27" creationId="{A443DA9C-9647-40DE-AC5D-7CEF9BCF94BB}"/>
+          </ac:spMkLst>
+        </pc:spChg>
+        <pc:graphicFrameChg chg="add del mod">
+          <ac:chgData name="Ender Merlin" userId="b6c700318fa50b6b" providerId="LiveId" clId="{7C58C18B-0A27-44B7-9B45-AA675080F6E7}" dt="2021-12-02T08:05:45.249" v="517" actId="478"/>
+          <ac:graphicFrameMkLst>
+            <pc:docMk/>
+            <pc:sldMk cId="2237529051" sldId="260"/>
+            <ac:graphicFrameMk id="8" creationId="{FABE141A-0F53-4D1D-9565-8D83F7467486}"/>
+          </ac:graphicFrameMkLst>
+        </pc:graphicFrameChg>
+        <pc:graphicFrameChg chg="add del mod modGraphic">
+          <ac:chgData name="Ender Merlin" userId="b6c700318fa50b6b" providerId="LiveId" clId="{7C58C18B-0A27-44B7-9B45-AA675080F6E7}" dt="2021-12-02T07:57:27.773" v="401"/>
+          <ac:graphicFrameMkLst>
+            <pc:docMk/>
+            <pc:sldMk cId="2237529051" sldId="260"/>
+            <ac:graphicFrameMk id="14" creationId="{6EADD29D-B97E-420C-B995-90BAF13CC3DB}"/>
+          </ac:graphicFrameMkLst>
+        </pc:graphicFrameChg>
+        <pc:graphicFrameChg chg="add del mod">
+          <ac:chgData name="Ender Merlin" userId="b6c700318fa50b6b" providerId="LiveId" clId="{7C58C18B-0A27-44B7-9B45-AA675080F6E7}" dt="2021-12-02T08:06:16.149" v="526" actId="21"/>
+          <ac:graphicFrameMkLst>
+            <pc:docMk/>
+            <pc:sldMk cId="2237529051" sldId="260"/>
+            <ac:graphicFrameMk id="31" creationId="{88A9F251-3A22-4B38-8AEA-2AE975878FC3}"/>
+          </ac:graphicFrameMkLst>
+        </pc:graphicFrameChg>
+        <pc:graphicFrameChg chg="add mod">
+          <ac:chgData name="Ender Merlin" userId="b6c700318fa50b6b" providerId="LiveId" clId="{7C58C18B-0A27-44B7-9B45-AA675080F6E7}" dt="2021-12-02T08:06:28.947" v="532" actId="14100"/>
+          <ac:graphicFrameMkLst>
+            <pc:docMk/>
+            <pc:sldMk cId="2237529051" sldId="260"/>
+            <ac:graphicFrameMk id="32" creationId="{D8FBB47F-CEB5-46FE-AB3E-DFF6EDBE7D06}"/>
+          </ac:graphicFrameMkLst>
+        </pc:graphicFrameChg>
+        <pc:picChg chg="add mod">
+          <ac:chgData name="Ender Merlin" userId="b6c700318fa50b6b" providerId="LiveId" clId="{7C58C18B-0A27-44B7-9B45-AA675080F6E7}" dt="2021-12-02T08:04:17.692" v="504" actId="1076"/>
+          <ac:picMkLst>
+            <pc:docMk/>
+            <pc:sldMk cId="2237529051" sldId="260"/>
+            <ac:picMk id="7" creationId="{5440E81D-3600-4443-A68D-8A2229693E65}"/>
+          </ac:picMkLst>
+        </pc:picChg>
+        <pc:picChg chg="add del mod">
+          <ac:chgData name="Ender Merlin" userId="b6c700318fa50b6b" providerId="LiveId" clId="{7C58C18B-0A27-44B7-9B45-AA675080F6E7}" dt="2021-12-02T08:02:22" v="483" actId="21"/>
+          <ac:picMkLst>
+            <pc:docMk/>
+            <pc:sldMk cId="2237529051" sldId="260"/>
+            <ac:picMk id="12" creationId="{18315C48-0EE1-4A7B-AE41-69A518C1F516}"/>
+          </ac:picMkLst>
+        </pc:picChg>
+        <pc:picChg chg="add del">
+          <ac:chgData name="Ender Merlin" userId="b6c700318fa50b6b" providerId="LiveId" clId="{7C58C18B-0A27-44B7-9B45-AA675080F6E7}" dt="2021-12-02T07:57:37.792" v="403" actId="22"/>
+          <ac:picMkLst>
+            <pc:docMk/>
+            <pc:sldMk cId="2237529051" sldId="260"/>
+            <ac:picMk id="16" creationId="{0F2F0595-52B3-4CE9-9336-0CAD7C5B45D4}"/>
+          </ac:picMkLst>
+        </pc:picChg>
+        <pc:picChg chg="add mod">
+          <ac:chgData name="Ender Merlin" userId="b6c700318fa50b6b" providerId="LiveId" clId="{7C58C18B-0A27-44B7-9B45-AA675080F6E7}" dt="2021-12-02T08:02:58.578" v="492" actId="1076"/>
+          <ac:picMkLst>
+            <pc:docMk/>
+            <pc:sldMk cId="2237529051" sldId="260"/>
+            <ac:picMk id="18" creationId="{1A356D30-71CF-402E-B8ED-D27A0D1AC0BF}"/>
+          </ac:picMkLst>
+        </pc:picChg>
+        <pc:picChg chg="add mod">
+          <ac:chgData name="Ender Merlin" userId="b6c700318fa50b6b" providerId="LiveId" clId="{7C58C18B-0A27-44B7-9B45-AA675080F6E7}" dt="2021-12-02T08:02:58.578" v="492" actId="1076"/>
+          <ac:picMkLst>
+            <pc:docMk/>
+            <pc:sldMk cId="2237529051" sldId="260"/>
+            <ac:picMk id="20" creationId="{EDBB3302-297F-4093-9C08-93501E6A15E5}"/>
+          </ac:picMkLst>
+        </pc:picChg>
+        <pc:picChg chg="add del mod">
+          <ac:chgData name="Ender Merlin" userId="b6c700318fa50b6b" providerId="LiveId" clId="{7C58C18B-0A27-44B7-9B45-AA675080F6E7}" dt="2021-12-02T08:00:30.947" v="445" actId="478"/>
+          <ac:picMkLst>
+            <pc:docMk/>
+            <pc:sldMk cId="2237529051" sldId="260"/>
+            <ac:picMk id="22" creationId="{9976B596-8A33-4143-A097-9C4D5FC4FD60}"/>
+          </ac:picMkLst>
+        </pc:picChg>
+        <pc:picChg chg="add del mod">
+          <ac:chgData name="Ender Merlin" userId="b6c700318fa50b6b" providerId="LiveId" clId="{7C58C18B-0A27-44B7-9B45-AA675080F6E7}" dt="2021-12-02T08:00:21.338" v="436"/>
+          <ac:picMkLst>
+            <pc:docMk/>
+            <pc:sldMk cId="2237529051" sldId="260"/>
+            <ac:picMk id="23" creationId="{C842A050-6BD7-4BA8-ADB8-C82F87A77D64}"/>
+          </ac:picMkLst>
+        </pc:picChg>
+        <pc:picChg chg="add del mod">
+          <ac:chgData name="Ender Merlin" userId="b6c700318fa50b6b" providerId="LiveId" clId="{7C58C18B-0A27-44B7-9B45-AA675080F6E7}" dt="2021-12-02T08:00:20.730" v="434"/>
+          <ac:picMkLst>
+            <pc:docMk/>
+            <pc:sldMk cId="2237529051" sldId="260"/>
+            <ac:picMk id="24" creationId="{C533521D-F680-49E5-B7CB-0F537FDA1CFF}"/>
+          </ac:picMkLst>
+        </pc:picChg>
+        <pc:picChg chg="add mod">
+          <ac:chgData name="Ender Merlin" userId="b6c700318fa50b6b" providerId="LiveId" clId="{7C58C18B-0A27-44B7-9B45-AA675080F6E7}" dt="2021-12-02T08:04:31.609" v="506" actId="1076"/>
+          <ac:picMkLst>
+            <pc:docMk/>
+            <pc:sldMk cId="2237529051" sldId="260"/>
+            <ac:picMk id="28" creationId="{7FEFC4C6-2595-48DC-A2B2-7A9AF769C471}"/>
+          </ac:picMkLst>
+        </pc:picChg>
+      </pc:sldChg>
+      <pc:sldChg chg="addSp delSp modSp mod">
+        <pc:chgData name="Ender Merlin" userId="b6c700318fa50b6b" providerId="LiveId" clId="{7C58C18B-0A27-44B7-9B45-AA675080F6E7}" dt="2021-12-02T07:32:55.904" v="311" actId="1076"/>
+        <pc:sldMkLst>
+          <pc:docMk/>
+          <pc:sldMk cId="2229930519" sldId="264"/>
+        </pc:sldMkLst>
+        <pc:picChg chg="add del mod">
+          <ac:chgData name="Ender Merlin" userId="b6c700318fa50b6b" providerId="LiveId" clId="{7C58C18B-0A27-44B7-9B45-AA675080F6E7}" dt="2021-12-02T07:32:33.201" v="302" actId="478"/>
+          <ac:picMkLst>
+            <pc:docMk/>
+            <pc:sldMk cId="2229930519" sldId="264"/>
+            <ac:picMk id="7" creationId="{213E712B-5F17-4401-A572-1EB333FBB935}"/>
+          </ac:picMkLst>
+        </pc:picChg>
+        <pc:picChg chg="add del mod">
+          <ac:chgData name="Ender Merlin" userId="b6c700318fa50b6b" providerId="LiveId" clId="{7C58C18B-0A27-44B7-9B45-AA675080F6E7}" dt="2021-12-02T07:05:20.963" v="5" actId="21"/>
+          <ac:picMkLst>
+            <pc:docMk/>
+            <pc:sldMk cId="2229930519" sldId="264"/>
+            <ac:picMk id="9" creationId="{50A3C140-2B11-42BD-A4E2-D3E19DCF0040}"/>
+          </ac:picMkLst>
+        </pc:picChg>
+        <pc:picChg chg="add mod">
+          <ac:chgData name="Ender Merlin" userId="b6c700318fa50b6b" providerId="LiveId" clId="{7C58C18B-0A27-44B7-9B45-AA675080F6E7}" dt="2021-12-02T07:32:55.904" v="311" actId="1076"/>
+          <ac:picMkLst>
+            <pc:docMk/>
+            <pc:sldMk cId="2229930519" sldId="264"/>
+            <ac:picMk id="10" creationId="{FF063A98-42D7-46A3-AE46-1E8F42468868}"/>
+          </ac:picMkLst>
+        </pc:picChg>
+      </pc:sldChg>
+      <pc:sldChg chg="add">
+        <pc:chgData name="Ender Merlin" userId="b6c700318fa50b6b" providerId="LiveId" clId="{7C58C18B-0A27-44B7-9B45-AA675080F6E7}" dt="2021-12-02T07:13:58.662" v="131"/>
+        <pc:sldMkLst>
+          <pc:docMk/>
+          <pc:sldMk cId="2043457189" sldId="271"/>
+        </pc:sldMkLst>
+      </pc:sldChg>
+    </pc:docChg>
+  </pc:docChgLst>
   <pc:docChgLst>
     <pc:chgData name="Antonia ..." userId="df27490986ae0560" providerId="LiveId" clId="{D321EB78-646E-7546-8478-D5F05974E81C}"/>
     <pc:docChg chg="custSel addSld delSld modSld">
@@ -515,6 +1064,352 @@
   <c:chart>
     <c:autoTitleDeleted val="1"/>
     <c:plotArea>
+      <c:layout>
+        <c:manualLayout>
+          <c:layoutTarget val="inner"/>
+          <c:xMode val="edge"/>
+          <c:yMode val="edge"/>
+          <c:x val="0"/>
+          <c:y val="4.5962850133448356E-2"/>
+          <c:w val="1"/>
+          <c:h val="0.88404887714663138"/>
+        </c:manualLayout>
+      </c:layout>
+      <c:barChart>
+        <c:barDir val="col"/>
+        <c:grouping val="clustered"/>
+        <c:varyColors val="0"/>
+        <c:ser>
+          <c:idx val="0"/>
+          <c:order val="0"/>
+          <c:tx>
+            <c:strRef>
+              <c:f>Tabelle1!$B$1</c:f>
+              <c:strCache>
+                <c:ptCount val="1"/>
+                <c:pt idx="0">
+                  <c:v>Datenreihe 1</c:v>
+                </c:pt>
+              </c:strCache>
+            </c:strRef>
+          </c:tx>
+          <c:spPr>
+            <a:solidFill>
+              <a:schemeClr val="accent1"/>
+            </a:solidFill>
+            <a:ln>
+              <a:noFill/>
+            </a:ln>
+            <a:effectLst/>
+          </c:spPr>
+          <c:invertIfNegative val="0"/>
+          <c:cat>
+            <c:strRef>
+              <c:f>Tabelle1!$A$2:$A$5</c:f>
+              <c:strCache>
+                <c:ptCount val="4"/>
+                <c:pt idx="0">
+                  <c:v>Kategorie 1</c:v>
+                </c:pt>
+                <c:pt idx="1">
+                  <c:v>Kategorie 2</c:v>
+                </c:pt>
+                <c:pt idx="2">
+                  <c:v>Kategorie 3</c:v>
+                </c:pt>
+                <c:pt idx="3">
+                  <c:v>Kategorie 4</c:v>
+                </c:pt>
+              </c:strCache>
+            </c:strRef>
+          </c:cat>
+          <c:val>
+            <c:numRef>
+              <c:f>Tabelle1!$B$2:$B$5</c:f>
+              <c:numCache>
+                <c:formatCode>General</c:formatCode>
+                <c:ptCount val="4"/>
+                <c:pt idx="0">
+                  <c:v>4.3</c:v>
+                </c:pt>
+                <c:pt idx="1">
+                  <c:v>2.5</c:v>
+                </c:pt>
+                <c:pt idx="2">
+                  <c:v>3.5</c:v>
+                </c:pt>
+                <c:pt idx="3">
+                  <c:v>4.5</c:v>
+                </c:pt>
+              </c:numCache>
+            </c:numRef>
+          </c:val>
+          <c:extLst>
+            <c:ext xmlns:c16="http://schemas.microsoft.com/office/drawing/2014/chart" uri="{C3380CC4-5D6E-409C-BE32-E72D297353CC}">
+              <c16:uniqueId val="{00000000-52F9-417E-9FAA-EDFC39D42030}"/>
+            </c:ext>
+          </c:extLst>
+        </c:ser>
+        <c:ser>
+          <c:idx val="1"/>
+          <c:order val="1"/>
+          <c:tx>
+            <c:strRef>
+              <c:f>Tabelle1!$C$1</c:f>
+              <c:strCache>
+                <c:ptCount val="1"/>
+                <c:pt idx="0">
+                  <c:v>Datenreihe 2</c:v>
+                </c:pt>
+              </c:strCache>
+            </c:strRef>
+          </c:tx>
+          <c:spPr>
+            <a:solidFill>
+              <a:schemeClr val="accent2"/>
+            </a:solidFill>
+            <a:ln>
+              <a:noFill/>
+            </a:ln>
+            <a:effectLst/>
+          </c:spPr>
+          <c:invertIfNegative val="0"/>
+          <c:cat>
+            <c:strRef>
+              <c:f>Tabelle1!$A$2:$A$5</c:f>
+              <c:strCache>
+                <c:ptCount val="4"/>
+                <c:pt idx="0">
+                  <c:v>Kategorie 1</c:v>
+                </c:pt>
+                <c:pt idx="1">
+                  <c:v>Kategorie 2</c:v>
+                </c:pt>
+                <c:pt idx="2">
+                  <c:v>Kategorie 3</c:v>
+                </c:pt>
+                <c:pt idx="3">
+                  <c:v>Kategorie 4</c:v>
+                </c:pt>
+              </c:strCache>
+            </c:strRef>
+          </c:cat>
+          <c:val>
+            <c:numRef>
+              <c:f>Tabelle1!$C$2:$C$5</c:f>
+              <c:numCache>
+                <c:formatCode>General</c:formatCode>
+                <c:ptCount val="4"/>
+                <c:pt idx="0">
+                  <c:v>2.4</c:v>
+                </c:pt>
+                <c:pt idx="1">
+                  <c:v>4.4000000000000004</c:v>
+                </c:pt>
+                <c:pt idx="2">
+                  <c:v>1.8</c:v>
+                </c:pt>
+                <c:pt idx="3">
+                  <c:v>2.8</c:v>
+                </c:pt>
+              </c:numCache>
+            </c:numRef>
+          </c:val>
+          <c:extLst>
+            <c:ext xmlns:c16="http://schemas.microsoft.com/office/drawing/2014/chart" uri="{C3380CC4-5D6E-409C-BE32-E72D297353CC}">
+              <c16:uniqueId val="{00000001-52F9-417E-9FAA-EDFC39D42030}"/>
+            </c:ext>
+          </c:extLst>
+        </c:ser>
+        <c:ser>
+          <c:idx val="2"/>
+          <c:order val="2"/>
+          <c:tx>
+            <c:strRef>
+              <c:f>Tabelle1!$D$1</c:f>
+              <c:strCache>
+                <c:ptCount val="1"/>
+                <c:pt idx="0">
+                  <c:v>Datenreihe 3</c:v>
+                </c:pt>
+              </c:strCache>
+            </c:strRef>
+          </c:tx>
+          <c:spPr>
+            <a:solidFill>
+              <a:schemeClr val="accent3"/>
+            </a:solidFill>
+            <a:ln>
+              <a:noFill/>
+            </a:ln>
+            <a:effectLst/>
+          </c:spPr>
+          <c:invertIfNegative val="0"/>
+          <c:cat>
+            <c:strRef>
+              <c:f>Tabelle1!$A$2:$A$5</c:f>
+              <c:strCache>
+                <c:ptCount val="4"/>
+                <c:pt idx="0">
+                  <c:v>Kategorie 1</c:v>
+                </c:pt>
+                <c:pt idx="1">
+                  <c:v>Kategorie 2</c:v>
+                </c:pt>
+                <c:pt idx="2">
+                  <c:v>Kategorie 3</c:v>
+                </c:pt>
+                <c:pt idx="3">
+                  <c:v>Kategorie 4</c:v>
+                </c:pt>
+              </c:strCache>
+            </c:strRef>
+          </c:cat>
+          <c:val>
+            <c:numRef>
+              <c:f>Tabelle1!$D$2:$D$5</c:f>
+              <c:numCache>
+                <c:formatCode>General</c:formatCode>
+                <c:ptCount val="4"/>
+                <c:pt idx="0">
+                  <c:v>2</c:v>
+                </c:pt>
+                <c:pt idx="1">
+                  <c:v>2</c:v>
+                </c:pt>
+                <c:pt idx="2">
+                  <c:v>3</c:v>
+                </c:pt>
+                <c:pt idx="3">
+                  <c:v>5</c:v>
+                </c:pt>
+              </c:numCache>
+            </c:numRef>
+          </c:val>
+          <c:extLst>
+            <c:ext xmlns:c16="http://schemas.microsoft.com/office/drawing/2014/chart" uri="{C3380CC4-5D6E-409C-BE32-E72D297353CC}">
+              <c16:uniqueId val="{00000002-52F9-417E-9FAA-EDFC39D42030}"/>
+            </c:ext>
+          </c:extLst>
+        </c:ser>
+        <c:dLbls>
+          <c:showLegendKey val="0"/>
+          <c:showVal val="0"/>
+          <c:showCatName val="0"/>
+          <c:showSerName val="0"/>
+          <c:showPercent val="0"/>
+          <c:showBubbleSize val="0"/>
+        </c:dLbls>
+        <c:gapWidth val="219"/>
+        <c:overlap val="-27"/>
+        <c:axId val="1023946928"/>
+        <c:axId val="1023949424"/>
+      </c:barChart>
+      <c:catAx>
+        <c:axId val="1023946928"/>
+        <c:scaling>
+          <c:orientation val="minMax"/>
+        </c:scaling>
+        <c:delete val="1"/>
+        <c:axPos val="b"/>
+        <c:numFmt formatCode="General" sourceLinked="1"/>
+        <c:majorTickMark val="none"/>
+        <c:minorTickMark val="none"/>
+        <c:tickLblPos val="nextTo"/>
+        <c:crossAx val="1023949424"/>
+        <c:crosses val="autoZero"/>
+        <c:auto val="1"/>
+        <c:lblAlgn val="ctr"/>
+        <c:lblOffset val="100"/>
+        <c:noMultiLvlLbl val="0"/>
+      </c:catAx>
+      <c:valAx>
+        <c:axId val="1023949424"/>
+        <c:scaling>
+          <c:orientation val="minMax"/>
+        </c:scaling>
+        <c:delete val="1"/>
+        <c:axPos val="l"/>
+        <c:majorGridlines>
+          <c:spPr>
+            <a:ln w="9525" cap="flat" cmpd="sng" algn="ctr">
+              <a:solidFill>
+                <a:schemeClr val="tx1">
+                  <a:lumMod val="15000"/>
+                  <a:lumOff val="85000"/>
+                </a:schemeClr>
+              </a:solidFill>
+              <a:round/>
+            </a:ln>
+            <a:effectLst/>
+          </c:spPr>
+        </c:majorGridlines>
+        <c:numFmt formatCode="General" sourceLinked="1"/>
+        <c:majorTickMark val="none"/>
+        <c:minorTickMark val="none"/>
+        <c:tickLblPos val="nextTo"/>
+        <c:crossAx val="1023946928"/>
+        <c:crosses val="autoZero"/>
+        <c:crossBetween val="between"/>
+      </c:valAx>
+      <c:spPr>
+        <a:noFill/>
+        <a:ln>
+          <a:noFill/>
+        </a:ln>
+        <a:effectLst/>
+      </c:spPr>
+    </c:plotArea>
+    <c:plotVisOnly val="1"/>
+    <c:dispBlanksAs val="gap"/>
+    <c:extLst>
+      <c:ext xmlns:c16r3="http://schemas.microsoft.com/office/drawing/2017/03/chart" uri="{56B9EC1D-385E-4148-901F-78D8002777C0}">
+        <c16r3:dataDisplayOptions16>
+          <c16r3:dispNaAsBlank val="1"/>
+        </c16r3:dataDisplayOptions16>
+      </c:ext>
+    </c:extLst>
+    <c:showDLblsOverMax val="0"/>
+  </c:chart>
+  <c:spPr>
+    <a:noFill/>
+    <a:ln>
+      <a:noFill/>
+    </a:ln>
+    <a:effectLst/>
+  </c:spPr>
+  <c:txPr>
+    <a:bodyPr/>
+    <a:lstStyle/>
+    <a:p>
+      <a:pPr>
+        <a:defRPr/>
+      </a:pPr>
+      <a:endParaRPr lang="de-DE"/>
+    </a:p>
+  </c:txPr>
+  <c:externalData r:id="rId3">
+    <c:autoUpdate val="0"/>
+  </c:externalData>
+</c:chartSpace>
+</file>
+
+<file path=ppt/charts/chart3.xml><?xml version="1.0" encoding="utf-8"?>
+<c:chartSpace xmlns:c="http://schemas.openxmlformats.org/drawingml/2006/chart" xmlns:a="http://schemas.openxmlformats.org/drawingml/2006/main" xmlns:r="http://schemas.openxmlformats.org/officeDocument/2006/relationships" xmlns:c16r2="http://schemas.microsoft.com/office/drawing/2015/06/chart">
+  <c:date1904 val="0"/>
+  <c:lang val="de-DE"/>
+  <c:roundedCorners val="0"/>
+  <mc:AlternateContent xmlns:mc="http://schemas.openxmlformats.org/markup-compatibility/2006">
+    <mc:Choice xmlns:c14="http://schemas.microsoft.com/office/drawing/2007/8/2/chart" Requires="c14">
+      <c14:style val="102"/>
+    </mc:Choice>
+    <mc:Fallback>
+      <c:style val="2"/>
+    </mc:Fallback>
+  </mc:AlternateContent>
+  <c:chart>
+    <c:autoTitleDeleted val="1"/>
+    <c:plotArea>
       <c:layout/>
       <c:lineChart>
         <c:grouping val="standard"/>
@@ -809,6 +1704,46 @@
 </file>
 
 <file path=ppt/charts/colors2.xml><?xml version="1.0" encoding="utf-8"?>
+<cs:colorStyle xmlns:cs="http://schemas.microsoft.com/office/drawing/2012/chartStyle" xmlns:a="http://schemas.openxmlformats.org/drawingml/2006/main" meth="cycle" id="10">
+  <a:schemeClr val="accent1"/>
+  <a:schemeClr val="accent2"/>
+  <a:schemeClr val="accent3"/>
+  <a:schemeClr val="accent4"/>
+  <a:schemeClr val="accent5"/>
+  <a:schemeClr val="accent6"/>
+  <cs:variation/>
+  <cs:variation>
+    <a:lumMod val="60000"/>
+  </cs:variation>
+  <cs:variation>
+    <a:lumMod val="80000"/>
+    <a:lumOff val="20000"/>
+  </cs:variation>
+  <cs:variation>
+    <a:lumMod val="80000"/>
+  </cs:variation>
+  <cs:variation>
+    <a:lumMod val="60000"/>
+    <a:lumOff val="40000"/>
+  </cs:variation>
+  <cs:variation>
+    <a:lumMod val="50000"/>
+  </cs:variation>
+  <cs:variation>
+    <a:lumMod val="70000"/>
+    <a:lumOff val="30000"/>
+  </cs:variation>
+  <cs:variation>
+    <a:lumMod val="70000"/>
+  </cs:variation>
+  <cs:variation>
+    <a:lumMod val="50000"/>
+    <a:lumOff val="50000"/>
+  </cs:variation>
+</cs:colorStyle>
+</file>
+
+<file path=ppt/charts/colors3.xml><?xml version="1.0" encoding="utf-8"?>
 <cs:colorStyle xmlns:cs="http://schemas.microsoft.com/office/drawing/2012/chartStyle" xmlns:a="http://schemas.openxmlformats.org/drawingml/2006/main" meth="cycle" id="10">
   <a:schemeClr val="accent1"/>
   <a:schemeClr val="accent2"/>
@@ -1368,6 +2303,509 @@
 </file>
 
 <file path=ppt/charts/style2.xml><?xml version="1.0" encoding="utf-8"?>
+<cs:chartStyle xmlns:cs="http://schemas.microsoft.com/office/drawing/2012/chartStyle" xmlns:a="http://schemas.openxmlformats.org/drawingml/2006/main" id="201">
+  <cs:axisTitle>
+    <cs:lnRef idx="0"/>
+    <cs:fillRef idx="0"/>
+    <cs:effectRef idx="0"/>
+    <cs:fontRef idx="minor">
+      <a:schemeClr val="tx1">
+        <a:lumMod val="65000"/>
+        <a:lumOff val="35000"/>
+      </a:schemeClr>
+    </cs:fontRef>
+    <cs:defRPr sz="1330" kern="1200"/>
+  </cs:axisTitle>
+  <cs:categoryAxis>
+    <cs:lnRef idx="0"/>
+    <cs:fillRef idx="0"/>
+    <cs:effectRef idx="0"/>
+    <cs:fontRef idx="minor">
+      <a:schemeClr val="tx1">
+        <a:lumMod val="65000"/>
+        <a:lumOff val="35000"/>
+      </a:schemeClr>
+    </cs:fontRef>
+    <cs:spPr>
+      <a:ln w="9525" cap="flat" cmpd="sng" algn="ctr">
+        <a:solidFill>
+          <a:schemeClr val="tx1">
+            <a:lumMod val="15000"/>
+            <a:lumOff val="85000"/>
+          </a:schemeClr>
+        </a:solidFill>
+        <a:round/>
+      </a:ln>
+    </cs:spPr>
+    <cs:defRPr sz="1197" kern="1200"/>
+  </cs:categoryAxis>
+  <cs:chartArea mods="allowNoFillOverride allowNoLineOverride">
+    <cs:lnRef idx="0"/>
+    <cs:fillRef idx="0"/>
+    <cs:effectRef idx="0"/>
+    <cs:fontRef idx="minor">
+      <a:schemeClr val="tx1"/>
+    </cs:fontRef>
+    <cs:spPr>
+      <a:solidFill>
+        <a:schemeClr val="bg1"/>
+      </a:solidFill>
+      <a:ln w="9525" cap="flat" cmpd="sng" algn="ctr">
+        <a:solidFill>
+          <a:schemeClr val="tx1">
+            <a:lumMod val="15000"/>
+            <a:lumOff val="85000"/>
+          </a:schemeClr>
+        </a:solidFill>
+        <a:round/>
+      </a:ln>
+    </cs:spPr>
+    <cs:defRPr sz="1330" kern="1200"/>
+  </cs:chartArea>
+  <cs:dataLabel>
+    <cs:lnRef idx="0"/>
+    <cs:fillRef idx="0"/>
+    <cs:effectRef idx="0"/>
+    <cs:fontRef idx="minor">
+      <a:schemeClr val="tx1">
+        <a:lumMod val="75000"/>
+        <a:lumOff val="25000"/>
+      </a:schemeClr>
+    </cs:fontRef>
+    <cs:defRPr sz="1197" kern="1200"/>
+  </cs:dataLabel>
+  <cs:dataLabelCallout>
+    <cs:lnRef idx="0"/>
+    <cs:fillRef idx="0"/>
+    <cs:effectRef idx="0"/>
+    <cs:fontRef idx="minor">
+      <a:schemeClr val="dk1">
+        <a:lumMod val="65000"/>
+        <a:lumOff val="35000"/>
+      </a:schemeClr>
+    </cs:fontRef>
+    <cs:spPr>
+      <a:solidFill>
+        <a:schemeClr val="lt1"/>
+      </a:solidFill>
+      <a:ln>
+        <a:solidFill>
+          <a:schemeClr val="dk1">
+            <a:lumMod val="25000"/>
+            <a:lumOff val="75000"/>
+          </a:schemeClr>
+        </a:solidFill>
+      </a:ln>
+    </cs:spPr>
+    <cs:defRPr sz="1197" kern="1200"/>
+    <cs:bodyPr rot="0" spcFirstLastPara="1" vertOverflow="clip" horzOverflow="clip" vert="horz" wrap="square" lIns="36576" tIns="18288" rIns="36576" bIns="18288" anchor="ctr" anchorCtr="1">
+      <a:spAutoFit/>
+    </cs:bodyPr>
+  </cs:dataLabelCallout>
+  <cs:dataPoint>
+    <cs:lnRef idx="0"/>
+    <cs:fillRef idx="1">
+      <cs:styleClr val="auto"/>
+    </cs:fillRef>
+    <cs:effectRef idx="0"/>
+    <cs:fontRef idx="minor">
+      <a:schemeClr val="tx1"/>
+    </cs:fontRef>
+  </cs:dataPoint>
+  <cs:dataPoint3D>
+    <cs:lnRef idx="0"/>
+    <cs:fillRef idx="1">
+      <cs:styleClr val="auto"/>
+    </cs:fillRef>
+    <cs:effectRef idx="0"/>
+    <cs:fontRef idx="minor">
+      <a:schemeClr val="tx1"/>
+    </cs:fontRef>
+  </cs:dataPoint3D>
+  <cs:dataPointLine>
+    <cs:lnRef idx="0">
+      <cs:styleClr val="auto"/>
+    </cs:lnRef>
+    <cs:fillRef idx="1"/>
+    <cs:effectRef idx="0"/>
+    <cs:fontRef idx="minor">
+      <a:schemeClr val="tx1"/>
+    </cs:fontRef>
+    <cs:spPr>
+      <a:ln w="28575" cap="rnd">
+        <a:solidFill>
+          <a:schemeClr val="phClr"/>
+        </a:solidFill>
+        <a:round/>
+      </a:ln>
+    </cs:spPr>
+  </cs:dataPointLine>
+  <cs:dataPointMarker>
+    <cs:lnRef idx="0">
+      <cs:styleClr val="auto"/>
+    </cs:lnRef>
+    <cs:fillRef idx="1">
+      <cs:styleClr val="auto"/>
+    </cs:fillRef>
+    <cs:effectRef idx="0"/>
+    <cs:fontRef idx="minor">
+      <a:schemeClr val="tx1"/>
+    </cs:fontRef>
+    <cs:spPr>
+      <a:ln w="9525">
+        <a:solidFill>
+          <a:schemeClr val="phClr"/>
+        </a:solidFill>
+      </a:ln>
+    </cs:spPr>
+  </cs:dataPointMarker>
+  <cs:dataPointMarkerLayout symbol="circle" size="5"/>
+  <cs:dataPointWireframe>
+    <cs:lnRef idx="0">
+      <cs:styleClr val="auto"/>
+    </cs:lnRef>
+    <cs:fillRef idx="1"/>
+    <cs:effectRef idx="0"/>
+    <cs:fontRef idx="minor">
+      <a:schemeClr val="tx1"/>
+    </cs:fontRef>
+    <cs:spPr>
+      <a:ln w="9525" cap="rnd">
+        <a:solidFill>
+          <a:schemeClr val="phClr"/>
+        </a:solidFill>
+        <a:round/>
+      </a:ln>
+    </cs:spPr>
+  </cs:dataPointWireframe>
+  <cs:dataTable>
+    <cs:lnRef idx="0"/>
+    <cs:fillRef idx="0"/>
+    <cs:effectRef idx="0"/>
+    <cs:fontRef idx="minor">
+      <a:schemeClr val="tx1">
+        <a:lumMod val="65000"/>
+        <a:lumOff val="35000"/>
+      </a:schemeClr>
+    </cs:fontRef>
+    <cs:spPr>
+      <a:noFill/>
+      <a:ln w="9525" cap="flat" cmpd="sng" algn="ctr">
+        <a:solidFill>
+          <a:schemeClr val="tx1">
+            <a:lumMod val="15000"/>
+            <a:lumOff val="85000"/>
+          </a:schemeClr>
+        </a:solidFill>
+        <a:round/>
+      </a:ln>
+    </cs:spPr>
+    <cs:defRPr sz="1197" kern="1200"/>
+  </cs:dataTable>
+  <cs:downBar>
+    <cs:lnRef idx="0"/>
+    <cs:fillRef idx="0"/>
+    <cs:effectRef idx="0"/>
+    <cs:fontRef idx="minor">
+      <a:schemeClr val="dk1"/>
+    </cs:fontRef>
+    <cs:spPr>
+      <a:solidFill>
+        <a:schemeClr val="dk1">
+          <a:lumMod val="65000"/>
+          <a:lumOff val="35000"/>
+        </a:schemeClr>
+      </a:solidFill>
+      <a:ln w="9525">
+        <a:solidFill>
+          <a:schemeClr val="tx1">
+            <a:lumMod val="65000"/>
+            <a:lumOff val="35000"/>
+          </a:schemeClr>
+        </a:solidFill>
+      </a:ln>
+    </cs:spPr>
+  </cs:downBar>
+  <cs:dropLine>
+    <cs:lnRef idx="0"/>
+    <cs:fillRef idx="0"/>
+    <cs:effectRef idx="0"/>
+    <cs:fontRef idx="minor">
+      <a:schemeClr val="tx1"/>
+    </cs:fontRef>
+    <cs:spPr>
+      <a:ln w="9525" cap="flat" cmpd="sng" algn="ctr">
+        <a:solidFill>
+          <a:schemeClr val="tx1">
+            <a:lumMod val="35000"/>
+            <a:lumOff val="65000"/>
+          </a:schemeClr>
+        </a:solidFill>
+        <a:round/>
+      </a:ln>
+    </cs:spPr>
+  </cs:dropLine>
+  <cs:errorBar>
+    <cs:lnRef idx="0"/>
+    <cs:fillRef idx="0"/>
+    <cs:effectRef idx="0"/>
+    <cs:fontRef idx="minor">
+      <a:schemeClr val="tx1"/>
+    </cs:fontRef>
+    <cs:spPr>
+      <a:ln w="9525" cap="flat" cmpd="sng" algn="ctr">
+        <a:solidFill>
+          <a:schemeClr val="tx1">
+            <a:lumMod val="65000"/>
+            <a:lumOff val="35000"/>
+          </a:schemeClr>
+        </a:solidFill>
+        <a:round/>
+      </a:ln>
+    </cs:spPr>
+  </cs:errorBar>
+  <cs:floor>
+    <cs:lnRef idx="0"/>
+    <cs:fillRef idx="0"/>
+    <cs:effectRef idx="0"/>
+    <cs:fontRef idx="minor">
+      <a:schemeClr val="tx1"/>
+    </cs:fontRef>
+    <cs:spPr>
+      <a:noFill/>
+      <a:ln>
+        <a:noFill/>
+      </a:ln>
+    </cs:spPr>
+  </cs:floor>
+  <cs:gridlineMajor>
+    <cs:lnRef idx="0"/>
+    <cs:fillRef idx="0"/>
+    <cs:effectRef idx="0"/>
+    <cs:fontRef idx="minor">
+      <a:schemeClr val="tx1"/>
+    </cs:fontRef>
+    <cs:spPr>
+      <a:ln w="9525" cap="flat" cmpd="sng" algn="ctr">
+        <a:solidFill>
+          <a:schemeClr val="tx1">
+            <a:lumMod val="15000"/>
+            <a:lumOff val="85000"/>
+          </a:schemeClr>
+        </a:solidFill>
+        <a:round/>
+      </a:ln>
+    </cs:spPr>
+  </cs:gridlineMajor>
+  <cs:gridlineMinor>
+    <cs:lnRef idx="0"/>
+    <cs:fillRef idx="0"/>
+    <cs:effectRef idx="0"/>
+    <cs:fontRef idx="minor">
+      <a:schemeClr val="tx1"/>
+    </cs:fontRef>
+    <cs:spPr>
+      <a:ln w="9525" cap="flat" cmpd="sng" algn="ctr">
+        <a:solidFill>
+          <a:schemeClr val="tx1">
+            <a:lumMod val="5000"/>
+            <a:lumOff val="95000"/>
+          </a:schemeClr>
+        </a:solidFill>
+        <a:round/>
+      </a:ln>
+    </cs:spPr>
+  </cs:gridlineMinor>
+  <cs:hiLoLine>
+    <cs:lnRef idx="0"/>
+    <cs:fillRef idx="0"/>
+    <cs:effectRef idx="0"/>
+    <cs:fontRef idx="minor">
+      <a:schemeClr val="tx1"/>
+    </cs:fontRef>
+    <cs:spPr>
+      <a:ln w="9525" cap="flat" cmpd="sng" algn="ctr">
+        <a:solidFill>
+          <a:schemeClr val="tx1">
+            <a:lumMod val="75000"/>
+            <a:lumOff val="25000"/>
+          </a:schemeClr>
+        </a:solidFill>
+        <a:round/>
+      </a:ln>
+    </cs:spPr>
+  </cs:hiLoLine>
+  <cs:leaderLine>
+    <cs:lnRef idx="0"/>
+    <cs:fillRef idx="0"/>
+    <cs:effectRef idx="0"/>
+    <cs:fontRef idx="minor">
+      <a:schemeClr val="tx1"/>
+    </cs:fontRef>
+    <cs:spPr>
+      <a:ln w="9525" cap="flat" cmpd="sng" algn="ctr">
+        <a:solidFill>
+          <a:schemeClr val="tx1">
+            <a:lumMod val="35000"/>
+            <a:lumOff val="65000"/>
+          </a:schemeClr>
+        </a:solidFill>
+        <a:round/>
+      </a:ln>
+    </cs:spPr>
+  </cs:leaderLine>
+  <cs:legend>
+    <cs:lnRef idx="0"/>
+    <cs:fillRef idx="0"/>
+    <cs:effectRef idx="0"/>
+    <cs:fontRef idx="minor">
+      <a:schemeClr val="tx1">
+        <a:lumMod val="65000"/>
+        <a:lumOff val="35000"/>
+      </a:schemeClr>
+    </cs:fontRef>
+    <cs:defRPr sz="1197" kern="1200"/>
+  </cs:legend>
+  <cs:plotArea mods="allowNoFillOverride allowNoLineOverride">
+    <cs:lnRef idx="0"/>
+    <cs:fillRef idx="0"/>
+    <cs:effectRef idx="0"/>
+    <cs:fontRef idx="minor">
+      <a:schemeClr val="tx1"/>
+    </cs:fontRef>
+  </cs:plotArea>
+  <cs:plotArea3D mods="allowNoFillOverride allowNoLineOverride">
+    <cs:lnRef idx="0"/>
+    <cs:fillRef idx="0"/>
+    <cs:effectRef idx="0"/>
+    <cs:fontRef idx="minor">
+      <a:schemeClr val="tx1"/>
+    </cs:fontRef>
+  </cs:plotArea3D>
+  <cs:seriesAxis>
+    <cs:lnRef idx="0"/>
+    <cs:fillRef idx="0"/>
+    <cs:effectRef idx="0"/>
+    <cs:fontRef idx="minor">
+      <a:schemeClr val="tx1">
+        <a:lumMod val="65000"/>
+        <a:lumOff val="35000"/>
+      </a:schemeClr>
+    </cs:fontRef>
+    <cs:defRPr sz="1197" kern="1200"/>
+  </cs:seriesAxis>
+  <cs:seriesLine>
+    <cs:lnRef idx="0"/>
+    <cs:fillRef idx="0"/>
+    <cs:effectRef idx="0"/>
+    <cs:fontRef idx="minor">
+      <a:schemeClr val="tx1"/>
+    </cs:fontRef>
+    <cs:spPr>
+      <a:ln w="9525" cap="flat" cmpd="sng" algn="ctr">
+        <a:solidFill>
+          <a:schemeClr val="tx1">
+            <a:lumMod val="35000"/>
+            <a:lumOff val="65000"/>
+          </a:schemeClr>
+        </a:solidFill>
+        <a:round/>
+      </a:ln>
+    </cs:spPr>
+  </cs:seriesLine>
+  <cs:title>
+    <cs:lnRef idx="0"/>
+    <cs:fillRef idx="0"/>
+    <cs:effectRef idx="0"/>
+    <cs:fontRef idx="minor">
+      <a:schemeClr val="tx1">
+        <a:lumMod val="65000"/>
+        <a:lumOff val="35000"/>
+      </a:schemeClr>
+    </cs:fontRef>
+    <cs:defRPr sz="1862" b="0" kern="1200" spc="0" baseline="0"/>
+  </cs:title>
+  <cs:trendline>
+    <cs:lnRef idx="0">
+      <cs:styleClr val="auto"/>
+    </cs:lnRef>
+    <cs:fillRef idx="0"/>
+    <cs:effectRef idx="0"/>
+    <cs:fontRef idx="minor">
+      <a:schemeClr val="tx1"/>
+    </cs:fontRef>
+    <cs:spPr>
+      <a:ln w="19050" cap="rnd">
+        <a:solidFill>
+          <a:schemeClr val="phClr"/>
+        </a:solidFill>
+        <a:prstDash val="sysDot"/>
+      </a:ln>
+    </cs:spPr>
+  </cs:trendline>
+  <cs:trendlineLabel>
+    <cs:lnRef idx="0"/>
+    <cs:fillRef idx="0"/>
+    <cs:effectRef idx="0"/>
+    <cs:fontRef idx="minor">
+      <a:schemeClr val="tx1">
+        <a:lumMod val="65000"/>
+        <a:lumOff val="35000"/>
+      </a:schemeClr>
+    </cs:fontRef>
+    <cs:defRPr sz="1197" kern="1200"/>
+  </cs:trendlineLabel>
+  <cs:upBar>
+    <cs:lnRef idx="0"/>
+    <cs:fillRef idx="0"/>
+    <cs:effectRef idx="0"/>
+    <cs:fontRef idx="minor">
+      <a:schemeClr val="dk1"/>
+    </cs:fontRef>
+    <cs:spPr>
+      <a:solidFill>
+        <a:schemeClr val="lt1"/>
+      </a:solidFill>
+      <a:ln w="9525">
+        <a:solidFill>
+          <a:schemeClr val="tx1">
+            <a:lumMod val="15000"/>
+            <a:lumOff val="85000"/>
+          </a:schemeClr>
+        </a:solidFill>
+      </a:ln>
+    </cs:spPr>
+  </cs:upBar>
+  <cs:valueAxis>
+    <cs:lnRef idx="0"/>
+    <cs:fillRef idx="0"/>
+    <cs:effectRef idx="0"/>
+    <cs:fontRef idx="minor">
+      <a:schemeClr val="tx1">
+        <a:lumMod val="65000"/>
+        <a:lumOff val="35000"/>
+      </a:schemeClr>
+    </cs:fontRef>
+    <cs:defRPr sz="1197" kern="1200"/>
+  </cs:valueAxis>
+  <cs:wall>
+    <cs:lnRef idx="0"/>
+    <cs:fillRef idx="0"/>
+    <cs:effectRef idx="0"/>
+    <cs:fontRef idx="minor">
+      <a:schemeClr val="tx1"/>
+    </cs:fontRef>
+    <cs:spPr>
+      <a:noFill/>
+      <a:ln>
+        <a:noFill/>
+      </a:ln>
+    </cs:spPr>
+  </cs:wall>
+</cs:chartStyle>
+</file>
+
+<file path=ppt/charts/style3.xml><?xml version="1.0" encoding="utf-8"?>
 <cs:chartStyle xmlns:cs="http://schemas.microsoft.com/office/drawing/2012/chartStyle" xmlns:a="http://schemas.openxmlformats.org/drawingml/2006/main" id="230">
   <cs:axisTitle>
     <cs:lnRef idx="0"/>
@@ -1987,7 +3425,7 @@
           <a:p>
             <a:fld id="{6BC12010-B929-8747-8496-F1869C02CD8D}" type="datetimeFigureOut">
               <a:rPr lang="de-DE" smtClean="0"/>
-              <a:t>01.12.21</a:t>
+              <a:t>02.12.2021</a:t>
             </a:fld>
             <a:endParaRPr lang="de-DE"/>
           </a:p>
@@ -2387,53 +3825,77 @@
           <a:p>
             <a:r>
               <a:rPr lang="de-DE" dirty="0"/>
-              <a:t>Alice </a:t>
+              <a:t>Fragen: Wie ist der Server zustande gekommen? (iterativ) Was kann der jetzt? </a:t>
+            </a:r>
+          </a:p>
+          <a:p>
+            <a:endParaRPr lang="de-DE" dirty="0"/>
+          </a:p>
+          <a:p>
+            <a:r>
+              <a:rPr lang="de-DE" dirty="0"/>
+              <a:t>Beim Server und generell zu Zahlen: ohne Erfahrung schwierig; alles nachgerechnet nach besten Wissen und Gewissen </a:t>
+            </a:r>
+          </a:p>
+          <a:p>
+            <a:endParaRPr lang="de-DE" dirty="0"/>
+          </a:p>
+          <a:p>
+            <a:pPr marL="0" marR="0" lvl="0" indent="0" algn="l" defTabSz="914400" rtl="0" eaLnBrk="1" fontAlgn="auto" latinLnBrk="0" hangingPunct="1">
+              <a:lnSpc>
+                <a:spcPct val="100000"/>
+              </a:lnSpc>
+              <a:spcBef>
+                <a:spcPts val="0"/>
+              </a:spcBef>
+              <a:spcAft>
+                <a:spcPts val="0"/>
+              </a:spcAft>
+              <a:buClrTx/>
+              <a:buSzTx/>
+              <a:buFontTx/>
+              <a:buNone/>
+              <a:tabLst/>
+              <a:defRPr/>
+            </a:pPr>
+            <a:r>
+              <a:rPr lang="de-DE" dirty="0"/>
+              <a:t>+ warum ist die ursprüngliche Funktionalität Wunsch? (Als letztes machen </a:t>
             </a:r>
             <a:r>
               <a:rPr lang="de-DE" dirty="0" err="1"/>
-              <a:t>einzelprojekt</a:t>
+              <a:t>fürn</a:t>
             </a:r>
             <a:r>
               <a:rPr lang="de-DE" dirty="0"/>
-              <a:t>:</a:t>
-            </a:r>
-          </a:p>
-          <a:p>
+              <a:t> roten Farben)</a:t>
+            </a:r>
+          </a:p>
+          <a:p>
+            <a:pPr marL="0" marR="0" lvl="0" indent="0" algn="l" defTabSz="914400" rtl="0" eaLnBrk="1" fontAlgn="auto" latinLnBrk="0" hangingPunct="1">
+              <a:lnSpc>
+                <a:spcPct val="100000"/>
+              </a:lnSpc>
+              <a:spcBef>
+                <a:spcPts val="0"/>
+              </a:spcBef>
+              <a:spcAft>
+                <a:spcPts val="0"/>
+              </a:spcAft>
+              <a:buClrTx/>
+              <a:buSzTx/>
+              <a:buFontTx/>
+              <a:buNone/>
+              <a:tabLst/>
+              <a:defRPr/>
+            </a:pPr>
             <a:r>
               <a:rPr lang="de-DE" dirty="0"/>
-              <a:t>Idee: Auch wissen wie viel Cola sie trinkt, gern auch im vergleich zum Kaffee</a:t>
+              <a:t>(ca. 3 Minuten)</a:t>
             </a:r>
           </a:p>
           <a:p>
             <a:endParaRPr lang="de-DE" dirty="0"/>
-          </a:p>
-          <a:p>
-            <a:r>
-              <a:rPr lang="de-DE" dirty="0"/>
-              <a:t>-&gt; </a:t>
-            </a:r>
-            <a:r>
-              <a:rPr lang="de-DE" dirty="0" err="1"/>
-              <a:t>möglichkeit</a:t>
-            </a:r>
-            <a:r>
-              <a:rPr lang="de-DE" dirty="0"/>
-              <a:t> </a:t>
-            </a:r>
-            <a:r>
-              <a:rPr lang="de-DE"/>
-              <a:t>das hinzuzufügen? </a:t>
-            </a:r>
-            <a:endParaRPr lang="de-DE" dirty="0"/>
-          </a:p>
-          <a:p>
-            <a:endParaRPr lang="de-DE" dirty="0"/>
-          </a:p>
-          <a:p>
-            <a:r>
-              <a:rPr lang="de-DE" dirty="0"/>
-              <a:t>Antonia</a:t>
-            </a:r>
           </a:p>
         </p:txBody>
       </p:sp>
@@ -2463,7 +3925,7 @@
     </p:spTree>
     <p:extLst>
       <p:ext uri="{BB962C8B-B14F-4D97-AF65-F5344CB8AC3E}">
-        <p14:creationId xmlns:p14="http://schemas.microsoft.com/office/powerpoint/2010/main" val="1158242524"/>
+        <p14:creationId xmlns:p14="http://schemas.microsoft.com/office/powerpoint/2010/main" val="3979831191"/>
       </p:ext>
     </p:extLst>
   </p:cSld>
@@ -2519,112 +3981,53 @@
           <a:p>
             <a:r>
               <a:rPr lang="de-DE" dirty="0"/>
+              <a:t>Alice </a:t>
+            </a:r>
+            <a:r>
+              <a:rPr lang="de-DE" dirty="0" err="1"/>
+              <a:t>einzelprojekt</a:t>
+            </a:r>
+            <a:r>
+              <a:rPr lang="de-DE" dirty="0"/>
+              <a:t>:</a:t>
+            </a:r>
+          </a:p>
+          <a:p>
+            <a:r>
+              <a:rPr lang="de-DE" dirty="0"/>
+              <a:t>Idee: Auch wissen wie viel Cola sie trinkt, gern auch im vergleich zum Kaffee</a:t>
+            </a:r>
+          </a:p>
+          <a:p>
+            <a:endParaRPr lang="de-DE" dirty="0"/>
+          </a:p>
+          <a:p>
+            <a:r>
+              <a:rPr lang="de-DE" dirty="0"/>
+              <a:t>-&gt; </a:t>
+            </a:r>
+            <a:r>
+              <a:rPr lang="de-DE" dirty="0" err="1"/>
+              <a:t>möglichkeit</a:t>
+            </a:r>
+            <a:r>
+              <a:rPr lang="de-DE" dirty="0"/>
+              <a:t> </a:t>
+            </a:r>
+            <a:r>
+              <a:rPr lang="de-DE"/>
+              <a:t>das hinzuzufügen? </a:t>
+            </a:r>
+            <a:endParaRPr lang="de-DE" dirty="0"/>
+          </a:p>
+          <a:p>
+            <a:endParaRPr lang="de-DE" dirty="0"/>
+          </a:p>
+          <a:p>
+            <a:r>
+              <a:rPr lang="de-DE" dirty="0"/>
               <a:t>Antonia</a:t>
             </a:r>
-          </a:p>
-          <a:p>
-            <a:r>
-              <a:rPr lang="de-DE" dirty="0"/>
-              <a:t>(90 sec)</a:t>
-            </a:r>
-          </a:p>
-          <a:p>
-            <a:r>
-              <a:rPr lang="de-DE" dirty="0"/>
-              <a:t>Coole Idee:</a:t>
-            </a:r>
-          </a:p>
-          <a:p>
-            <a:r>
-              <a:rPr lang="de-DE" dirty="0"/>
-              <a:t>Zeilen &amp; Spalten hinzufügen</a:t>
-            </a:r>
-          </a:p>
-          <a:p>
-            <a:r>
-              <a:rPr lang="de-DE" dirty="0"/>
-              <a:t>Neue Ideen der Nutzenden umsetzbar</a:t>
-            </a:r>
-          </a:p>
-          <a:p>
-            <a:r>
-              <a:rPr lang="de-DE" dirty="0"/>
-              <a:t>Korrekturmöglichkeiten von ganz alten Daten</a:t>
-            </a:r>
-          </a:p>
-          <a:p>
-            <a:r>
-              <a:rPr lang="de-DE" dirty="0"/>
-              <a:t>Muss nicht alles neu gemacht werden</a:t>
-            </a:r>
-          </a:p>
-          <a:p>
-            <a:endParaRPr lang="de-DE" dirty="0"/>
-          </a:p>
-          <a:p>
-            <a:endParaRPr lang="de-DE" dirty="0"/>
-          </a:p>
-          <a:p>
-            <a:endParaRPr lang="de-DE" dirty="0"/>
-          </a:p>
-          <a:p>
-            <a:pPr marL="171450" indent="-171450">
-              <a:buFontTx/>
-              <a:buChar char="-"/>
-            </a:pPr>
-            <a:r>
-              <a:rPr lang="de-DE" dirty="0"/>
-              <a:t>Hohes Konfliktpotential durch Spalten und Zeilen hinzufügen</a:t>
-            </a:r>
-          </a:p>
-          <a:p>
-            <a:pPr marL="171450" indent="-171450">
-              <a:buFontTx/>
-              <a:buChar char="-"/>
-            </a:pPr>
-            <a:r>
-              <a:rPr lang="de-DE" dirty="0"/>
-              <a:t>Hilft der </a:t>
-            </a:r>
-            <a:r>
-              <a:rPr lang="de-DE" dirty="0" err="1"/>
-              <a:t>Intuitivität</a:t>
-            </a:r>
-            <a:r>
-              <a:rPr lang="de-DE" dirty="0"/>
-              <a:t> nicht</a:t>
-            </a:r>
-          </a:p>
-          <a:p>
-            <a:pPr marL="171450" indent="-171450">
-              <a:buFontTx/>
-              <a:buChar char="-"/>
-            </a:pPr>
-            <a:r>
-              <a:rPr lang="de-DE" dirty="0"/>
-              <a:t>Bringt noch nicht so einen großen </a:t>
-            </a:r>
-            <a:r>
-              <a:rPr lang="de-DE" dirty="0" err="1"/>
-              <a:t>mehrwert</a:t>
-            </a:r>
-            <a:r>
-              <a:rPr lang="de-DE" dirty="0"/>
-              <a:t>, da noch wenig Graphen und die Projekte generell noch nicht so komplex. </a:t>
-            </a:r>
-          </a:p>
-          <a:p>
-            <a:pPr marL="171450" indent="-171450">
-              <a:buFontTx/>
-              <a:buChar char="-"/>
-            </a:pPr>
-            <a:r>
-              <a:rPr lang="de-DE" dirty="0"/>
-              <a:t>Schöne Funktion aber eher weitergehend</a:t>
-            </a:r>
-          </a:p>
-          <a:p>
-            <a:endParaRPr lang="de-DE" dirty="0"/>
           </a:p>
         </p:txBody>
       </p:sp>
@@ -2654,7 +4057,7 @@
     </p:spTree>
     <p:extLst>
       <p:ext uri="{BB962C8B-B14F-4D97-AF65-F5344CB8AC3E}">
-        <p14:creationId xmlns:p14="http://schemas.microsoft.com/office/powerpoint/2010/main" val="2293199994"/>
+        <p14:creationId xmlns:p14="http://schemas.microsoft.com/office/powerpoint/2010/main" val="1158242524"/>
       </p:ext>
     </p:extLst>
   </p:cSld>
@@ -2710,14 +4113,112 @@
           <a:p>
             <a:r>
               <a:rPr lang="de-DE" dirty="0"/>
+              <a:t>Antonia</a:t>
+            </a:r>
+          </a:p>
+          <a:p>
+            <a:r>
+              <a:rPr lang="de-DE" dirty="0"/>
               <a:t>(90 sec)</a:t>
             </a:r>
           </a:p>
           <a:p>
             <a:r>
               <a:rPr lang="de-DE" dirty="0"/>
-              <a:t>Arne</a:t>
-            </a:r>
+              <a:t>Coole Idee:</a:t>
+            </a:r>
+          </a:p>
+          <a:p>
+            <a:r>
+              <a:rPr lang="de-DE" dirty="0"/>
+              <a:t>Zeilen &amp; Spalten hinzufügen</a:t>
+            </a:r>
+          </a:p>
+          <a:p>
+            <a:r>
+              <a:rPr lang="de-DE" dirty="0"/>
+              <a:t>Neue Ideen der Nutzenden umsetzbar</a:t>
+            </a:r>
+          </a:p>
+          <a:p>
+            <a:r>
+              <a:rPr lang="de-DE" dirty="0"/>
+              <a:t>Korrekturmöglichkeiten von ganz alten Daten</a:t>
+            </a:r>
+          </a:p>
+          <a:p>
+            <a:r>
+              <a:rPr lang="de-DE" dirty="0"/>
+              <a:t>Muss nicht alles neu gemacht werden</a:t>
+            </a:r>
+          </a:p>
+          <a:p>
+            <a:endParaRPr lang="de-DE" dirty="0"/>
+          </a:p>
+          <a:p>
+            <a:endParaRPr lang="de-DE" dirty="0"/>
+          </a:p>
+          <a:p>
+            <a:endParaRPr lang="de-DE" dirty="0"/>
+          </a:p>
+          <a:p>
+            <a:pPr marL="171450" indent="-171450">
+              <a:buFontTx/>
+              <a:buChar char="-"/>
+            </a:pPr>
+            <a:r>
+              <a:rPr lang="de-DE" dirty="0"/>
+              <a:t>Hohes Konfliktpotential durch Spalten und Zeilen hinzufügen</a:t>
+            </a:r>
+          </a:p>
+          <a:p>
+            <a:pPr marL="171450" indent="-171450">
+              <a:buFontTx/>
+              <a:buChar char="-"/>
+            </a:pPr>
+            <a:r>
+              <a:rPr lang="de-DE" dirty="0"/>
+              <a:t>Hilft der </a:t>
+            </a:r>
+            <a:r>
+              <a:rPr lang="de-DE" dirty="0" err="1"/>
+              <a:t>Intuitivität</a:t>
+            </a:r>
+            <a:r>
+              <a:rPr lang="de-DE" dirty="0"/>
+              <a:t> nicht</a:t>
+            </a:r>
+          </a:p>
+          <a:p>
+            <a:pPr marL="171450" indent="-171450">
+              <a:buFontTx/>
+              <a:buChar char="-"/>
+            </a:pPr>
+            <a:r>
+              <a:rPr lang="de-DE" dirty="0"/>
+              <a:t>Bringt noch nicht so einen großen </a:t>
+            </a:r>
+            <a:r>
+              <a:rPr lang="de-DE" dirty="0" err="1"/>
+              <a:t>mehrwert</a:t>
+            </a:r>
+            <a:r>
+              <a:rPr lang="de-DE" dirty="0"/>
+              <a:t>, da noch wenig Graphen und die Projekte generell noch nicht so komplex. </a:t>
+            </a:r>
+          </a:p>
+          <a:p>
+            <a:pPr marL="171450" indent="-171450">
+              <a:buFontTx/>
+              <a:buChar char="-"/>
+            </a:pPr>
+            <a:r>
+              <a:rPr lang="de-DE" dirty="0"/>
+              <a:t>Schöne Funktion aber eher weitergehend</a:t>
+            </a:r>
+          </a:p>
+          <a:p>
+            <a:endParaRPr lang="de-DE" dirty="0"/>
           </a:p>
         </p:txBody>
       </p:sp>
@@ -2747,7 +4248,7 @@
     </p:spTree>
     <p:extLst>
       <p:ext uri="{BB962C8B-B14F-4D97-AF65-F5344CB8AC3E}">
-        <p14:creationId xmlns:p14="http://schemas.microsoft.com/office/powerpoint/2010/main" val="2724110977"/>
+        <p14:creationId xmlns:p14="http://schemas.microsoft.com/office/powerpoint/2010/main" val="2293199994"/>
       </p:ext>
     </p:extLst>
   </p:cSld>
@@ -2806,6 +4307,12 @@
               <a:t>(90 sec)</a:t>
             </a:r>
           </a:p>
+          <a:p>
+            <a:r>
+              <a:rPr lang="de-DE" dirty="0"/>
+              <a:t>Arne</a:t>
+            </a:r>
+          </a:p>
         </p:txBody>
       </p:sp>
       <p:sp>
@@ -2834,7 +4341,7 @@
     </p:spTree>
     <p:extLst>
       <p:ext uri="{BB962C8B-B14F-4D97-AF65-F5344CB8AC3E}">
-        <p14:creationId xmlns:p14="http://schemas.microsoft.com/office/powerpoint/2010/main" val="4235440513"/>
+        <p14:creationId xmlns:p14="http://schemas.microsoft.com/office/powerpoint/2010/main" val="2724110977"/>
       </p:ext>
     </p:extLst>
   </p:cSld>
@@ -2890,15 +4397,8 @@
           <a:p>
             <a:r>
               <a:rPr lang="de-DE" dirty="0"/>
-              <a:t>30 sec</a:t>
-            </a:r>
-          </a:p>
-          <a:p>
-            <a:r>
-              <a:rPr lang="de-DE"/>
-              <a:t>Merlin</a:t>
-            </a:r>
-            <a:endParaRPr lang="de-DE" dirty="0"/>
+              <a:t>(90 sec)</a:t>
+            </a:r>
           </a:p>
         </p:txBody>
       </p:sp>
@@ -2920,6 +4420,100 @@
             <a:fld id="{B7B71DCC-59BE-AC49-AB64-566F33E6A239}" type="slidenum">
               <a:rPr lang="de-DE" smtClean="0"/>
               <a:t>14</a:t>
+            </a:fld>
+            <a:endParaRPr lang="de-DE"/>
+          </a:p>
+        </p:txBody>
+      </p:sp>
+    </p:spTree>
+    <p:extLst>
+      <p:ext uri="{BB962C8B-B14F-4D97-AF65-F5344CB8AC3E}">
+        <p14:creationId xmlns:p14="http://schemas.microsoft.com/office/powerpoint/2010/main" val="4235440513"/>
+      </p:ext>
+    </p:extLst>
+  </p:cSld>
+  <p:clrMapOvr>
+    <a:masterClrMapping/>
+  </p:clrMapOvr>
+</p:notes>
+</file>
+
+<file path=ppt/notesSlides/notesSlide15.xml><?xml version="1.0" encoding="utf-8"?>
+<p:notes xmlns:a="http://schemas.openxmlformats.org/drawingml/2006/main" xmlns:r="http://schemas.openxmlformats.org/officeDocument/2006/relationships" xmlns:p="http://schemas.openxmlformats.org/presentationml/2006/main">
+  <p:cSld>
+    <p:spTree>
+      <p:nvGrpSpPr>
+        <p:cNvPr id="1" name=""/>
+        <p:cNvGrpSpPr/>
+        <p:nvPr/>
+      </p:nvGrpSpPr>
+      <p:grpSpPr>
+        <a:xfrm>
+          <a:off x="0" y="0"/>
+          <a:ext cx="0" cy="0"/>
+          <a:chOff x="0" y="0"/>
+          <a:chExt cx="0" cy="0"/>
+        </a:xfrm>
+      </p:grpSpPr>
+      <p:sp>
+        <p:nvSpPr>
+          <p:cNvPr id="2" name="Folienbildplatzhalter 1"/>
+          <p:cNvSpPr>
+            <a:spLocks noGrp="1" noRot="1" noChangeAspect="1"/>
+          </p:cNvSpPr>
+          <p:nvPr>
+            <p:ph type="sldImg"/>
+          </p:nvPr>
+        </p:nvSpPr>
+        <p:spPr/>
+      </p:sp>
+      <p:sp>
+        <p:nvSpPr>
+          <p:cNvPr id="3" name="Notizenplatzhalter 2"/>
+          <p:cNvSpPr>
+            <a:spLocks noGrp="1"/>
+          </p:cNvSpPr>
+          <p:nvPr>
+            <p:ph type="body" idx="1"/>
+          </p:nvPr>
+        </p:nvSpPr>
+        <p:spPr/>
+        <p:txBody>
+          <a:bodyPr/>
+          <a:lstStyle/>
+          <a:p>
+            <a:r>
+              <a:rPr lang="de-DE" dirty="0"/>
+              <a:t>30 sec</a:t>
+            </a:r>
+          </a:p>
+          <a:p>
+            <a:r>
+              <a:rPr lang="de-DE"/>
+              <a:t>Merlin</a:t>
+            </a:r>
+            <a:endParaRPr lang="de-DE" dirty="0"/>
+          </a:p>
+        </p:txBody>
+      </p:sp>
+      <p:sp>
+        <p:nvSpPr>
+          <p:cNvPr id="4" name="Foliennummernplatzhalter 3"/>
+          <p:cNvSpPr>
+            <a:spLocks noGrp="1"/>
+          </p:cNvSpPr>
+          <p:nvPr>
+            <p:ph type="sldNum" sz="quarter" idx="5"/>
+          </p:nvPr>
+        </p:nvSpPr>
+        <p:spPr/>
+        <p:txBody>
+          <a:bodyPr/>
+          <a:lstStyle/>
+          <a:p>
+            <a:fld id="{B7B71DCC-59BE-AC49-AB64-566F33E6A239}" type="slidenum">
+              <a:rPr lang="de-DE" smtClean="0"/>
+              <a:t>15</a:t>
             </a:fld>
             <a:endParaRPr lang="de-DE"/>
           </a:p>
@@ -3092,85 +4686,28 @@
           <a:p>
             <a:r>
               <a:rPr lang="de-DE" dirty="0"/>
-              <a:t>Vision: wo wollen wir hin? </a:t>
-            </a:r>
-          </a:p>
-          <a:p>
-            <a:pPr marL="171450" indent="-171450">
-              <a:buFontTx/>
-              <a:buChar char="-"/>
-            </a:pPr>
+              <a:t>Alice will wissen, wieviel Kaffee sie trinkt –&gt; Mitschreiben um Überblick; als Graph</a:t>
+            </a:r>
+          </a:p>
+          <a:p>
             <a:r>
               <a:rPr lang="de-DE" dirty="0"/>
-              <a:t>Daten sammeln (zu beliebigen Themen)</a:t>
-            </a:r>
-          </a:p>
-          <a:p>
-            <a:pPr marL="171450" indent="-171450">
-              <a:buFontTx/>
-              <a:buChar char="-"/>
-            </a:pPr>
-            <a:r>
-              <a:rPr lang="de-DE" dirty="0"/>
-              <a:t>Graphisch Darstellen</a:t>
-            </a:r>
-          </a:p>
-          <a:p>
-            <a:pPr marL="171450" indent="-171450">
-              <a:buFontTx/>
-              <a:buChar char="-"/>
-            </a:pPr>
-            <a:r>
-              <a:rPr lang="de-DE" dirty="0"/>
-              <a:t>Intuitiver nutzbar als z.B. Excel</a:t>
-            </a:r>
-          </a:p>
-          <a:p>
-            <a:pPr marL="171450" indent="-171450">
-              <a:buFontTx/>
-              <a:buChar char="-"/>
-            </a:pPr>
-            <a:endParaRPr lang="de-DE" dirty="0"/>
-          </a:p>
-          <a:p>
-            <a:pPr marL="171450" indent="-171450">
-              <a:buFontTx/>
-              <a:buChar char="-"/>
-            </a:pPr>
-            <a:endParaRPr lang="de-DE" dirty="0"/>
-          </a:p>
-          <a:p>
-            <a:pPr marL="171450" indent="-171450">
-              <a:buFontTx/>
-              <a:buChar char="-"/>
-            </a:pPr>
-            <a:r>
-              <a:rPr lang="de-DE" dirty="0"/>
-              <a:t>(Gruppe)</a:t>
-            </a:r>
-          </a:p>
-          <a:p>
-            <a:pPr marL="171450" indent="-171450">
-              <a:buFontTx/>
-              <a:buChar char="-"/>
-            </a:pPr>
-            <a:endParaRPr lang="de-DE" dirty="0"/>
-          </a:p>
-          <a:p>
-            <a:pPr marL="171450" indent="-171450">
-              <a:buFontTx/>
-              <a:buChar char="-"/>
-            </a:pPr>
-            <a:endParaRPr lang="de-DE" dirty="0"/>
-          </a:p>
-          <a:p>
-            <a:pPr marL="0" indent="0">
-              <a:buFontTx/>
-              <a:buNone/>
-            </a:pPr>
+              <a:t>App runterladen</a:t>
+            </a:r>
+          </a:p>
+          <a:p>
             <a:r>
               <a:rPr lang="de-DE" dirty="0"/>
               <a:t>(1 min)</a:t>
+            </a:r>
+          </a:p>
+          <a:p>
+            <a:endParaRPr lang="de-DE" dirty="0"/>
+          </a:p>
+          <a:p>
+            <a:r>
+              <a:rPr lang="de-DE" dirty="0"/>
+              <a:t>Merlin</a:t>
             </a:r>
           </a:p>
         </p:txBody>
@@ -3201,7 +4738,7 @@
     </p:spTree>
     <p:extLst>
       <p:ext uri="{BB962C8B-B14F-4D97-AF65-F5344CB8AC3E}">
-        <p14:creationId xmlns:p14="http://schemas.microsoft.com/office/powerpoint/2010/main" val="3392578714"/>
+        <p14:creationId xmlns:p14="http://schemas.microsoft.com/office/powerpoint/2010/main" val="1257957586"/>
       </p:ext>
     </p:extLst>
   </p:cSld>
@@ -3257,11 +4794,8 @@
           <a:p>
             <a:r>
               <a:rPr lang="de-DE" dirty="0"/>
-              <a:t>Herunterbrechen auf Pflichtkriterien</a:t>
-            </a:r>
-          </a:p>
-          <a:p>
-            <a:endParaRPr lang="de-DE" dirty="0"/>
+              <a:t>Vision: wo wollen wir hin? </a:t>
+            </a:r>
           </a:p>
           <a:p>
             <a:pPr marL="171450" indent="-171450">
@@ -3270,7 +4804,7 @@
             </a:pPr>
             <a:r>
               <a:rPr lang="de-DE" dirty="0"/>
-              <a:t>In sich geschlossen</a:t>
+              <a:t>Daten sammeln (zu beliebigen Themen)</a:t>
             </a:r>
           </a:p>
           <a:p>
@@ -3280,7 +4814,7 @@
             </a:pPr>
             <a:r>
               <a:rPr lang="de-DE" dirty="0"/>
-              <a:t>Gut erweiterbar</a:t>
+              <a:t>Graphisch Darstellen</a:t>
             </a:r>
           </a:p>
           <a:p>
@@ -3290,7 +4824,7 @@
             </a:pPr>
             <a:r>
               <a:rPr lang="de-DE" dirty="0"/>
-              <a:t>Weiterhin intuitiv nutzbar (=&gt; Zielsetzung)</a:t>
+              <a:t>Intuitiver nutzbar als z.B. Excel</a:t>
             </a:r>
           </a:p>
           <a:p>
@@ -3301,6 +4835,37 @@
             <a:endParaRPr lang="de-DE" dirty="0"/>
           </a:p>
           <a:p>
+            <a:pPr marL="171450" indent="-171450">
+              <a:buFontTx/>
+              <a:buChar char="-"/>
+            </a:pPr>
+            <a:endParaRPr lang="de-DE" dirty="0"/>
+          </a:p>
+          <a:p>
+            <a:pPr marL="171450" indent="-171450">
+              <a:buFontTx/>
+              <a:buChar char="-"/>
+            </a:pPr>
+            <a:r>
+              <a:rPr lang="de-DE" dirty="0"/>
+              <a:t>(Gruppe)</a:t>
+            </a:r>
+          </a:p>
+          <a:p>
+            <a:pPr marL="171450" indent="-171450">
+              <a:buFontTx/>
+              <a:buChar char="-"/>
+            </a:pPr>
+            <a:endParaRPr lang="de-DE" dirty="0"/>
+          </a:p>
+          <a:p>
+            <a:pPr marL="171450" indent="-171450">
+              <a:buFontTx/>
+              <a:buChar char="-"/>
+            </a:pPr>
+            <a:endParaRPr lang="de-DE" dirty="0"/>
+          </a:p>
+          <a:p>
             <a:pPr marL="0" indent="0">
               <a:buFontTx/>
               <a:buNone/>
@@ -3338,7 +4903,7 @@
     </p:spTree>
     <p:extLst>
       <p:ext uri="{BB962C8B-B14F-4D97-AF65-F5344CB8AC3E}">
-        <p14:creationId xmlns:p14="http://schemas.microsoft.com/office/powerpoint/2010/main" val="720009927"/>
+        <p14:creationId xmlns:p14="http://schemas.microsoft.com/office/powerpoint/2010/main" val="3392578714"/>
       </p:ext>
     </p:extLst>
   </p:cSld>
@@ -3394,8 +4959,11 @@
           <a:p>
             <a:r>
               <a:rPr lang="de-DE" dirty="0"/>
-              <a:t>Resultat für die Pflichtkriterien/App </a:t>
-            </a:r>
+              <a:t>Herunterbrechen auf Pflichtkriterien</a:t>
+            </a:r>
+          </a:p>
+          <a:p>
+            <a:endParaRPr lang="de-DE" dirty="0"/>
           </a:p>
           <a:p>
             <a:pPr marL="171450" indent="-171450">
@@ -3404,7 +4972,7 @@
             </a:pPr>
             <a:r>
               <a:rPr lang="de-DE" dirty="0"/>
-              <a:t>Eingeschränkte Funktionalität des Servers</a:t>
+              <a:t>In sich geschlossen</a:t>
             </a:r>
           </a:p>
           <a:p>
@@ -3414,7 +4982,7 @@
             </a:pPr>
             <a:r>
               <a:rPr lang="de-DE" dirty="0"/>
-              <a:t>Weniger Graphen</a:t>
+              <a:t>Gut erweiterbar</a:t>
             </a:r>
           </a:p>
           <a:p>
@@ -3424,17 +4992,7 @@
             </a:pPr>
             <a:r>
               <a:rPr lang="de-DE" dirty="0"/>
-              <a:t>Weniger individuelles Projekt</a:t>
-            </a:r>
-          </a:p>
-          <a:p>
-            <a:pPr marL="171450" indent="-171450">
-              <a:buFontTx/>
-              <a:buChar char="-"/>
-            </a:pPr>
-            <a:r>
-              <a:rPr lang="de-DE" dirty="0"/>
-              <a:t>Beschränktere Möglichkeiten, die Projekttabelle zu bearbeiten </a:t>
+              <a:t>Weiterhin intuitiv nutzbar (=&gt; Zielsetzung)</a:t>
             </a:r>
           </a:p>
           <a:p>
@@ -3482,7 +5040,7 @@
     </p:spTree>
     <p:extLst>
       <p:ext uri="{BB962C8B-B14F-4D97-AF65-F5344CB8AC3E}">
-        <p14:creationId xmlns:p14="http://schemas.microsoft.com/office/powerpoint/2010/main" val="3344862076"/>
+        <p14:creationId xmlns:p14="http://schemas.microsoft.com/office/powerpoint/2010/main" val="720009927"/>
       </p:ext>
     </p:extLst>
   </p:cSld>
@@ -3538,7 +5096,7 @@
           <a:p>
             <a:r>
               <a:rPr lang="de-DE" dirty="0"/>
-              <a:t>Modularität</a:t>
+              <a:t>Resultat für die Pflichtkriterien/App </a:t>
             </a:r>
           </a:p>
           <a:p>
@@ -3548,7 +5106,7 @@
             </a:pPr>
             <a:r>
               <a:rPr lang="de-DE" dirty="0"/>
-              <a:t>Gerade weil die Pflichtkriterien eingeschränkt sind:</a:t>
+              <a:t>Eingeschränkte Funktionalität des Servers</a:t>
             </a:r>
           </a:p>
           <a:p>
@@ -3558,15 +5116,7 @@
             </a:pPr>
             <a:r>
               <a:rPr lang="de-DE" dirty="0"/>
-              <a:t>Z.B. Leicht neue </a:t>
-            </a:r>
-            <a:r>
-              <a:rPr lang="de-DE" dirty="0" err="1"/>
-              <a:t>Graphtypen</a:t>
-            </a:r>
-            <a:r>
-              <a:rPr lang="de-DE" dirty="0"/>
-              <a:t> hinzuzufügen</a:t>
+              <a:t>Weniger Graphen</a:t>
             </a:r>
           </a:p>
           <a:p>
@@ -3576,15 +5126,17 @@
             </a:pPr>
             <a:r>
               <a:rPr lang="de-DE" dirty="0"/>
-              <a:t>&gt; </a:t>
-            </a:r>
-            <a:r>
-              <a:rPr lang="de-DE" dirty="0" err="1"/>
-              <a:t>auswirkung</a:t>
-            </a:r>
+              <a:t>Weniger individuelles Projekt</a:t>
+            </a:r>
+          </a:p>
+          <a:p>
+            <a:pPr marL="171450" indent="-171450">
+              <a:buFontTx/>
+              <a:buChar char="-"/>
+            </a:pPr>
             <a:r>
               <a:rPr lang="de-DE" dirty="0"/>
-              <a:t> auf den Entwurf</a:t>
+              <a:t>Beschränktere Möglichkeiten, die Projekttabelle zu bearbeiten </a:t>
             </a:r>
           </a:p>
           <a:p>
@@ -3601,7 +5153,7 @@
             </a:pPr>
             <a:r>
               <a:rPr lang="de-DE" dirty="0"/>
-              <a:t>(30 sec)</a:t>
+              <a:t>(1 min)</a:t>
             </a:r>
           </a:p>
         </p:txBody>
@@ -3632,7 +5184,7 @@
     </p:spTree>
     <p:extLst>
       <p:ext uri="{BB962C8B-B14F-4D97-AF65-F5344CB8AC3E}">
-        <p14:creationId xmlns:p14="http://schemas.microsoft.com/office/powerpoint/2010/main" val="677052319"/>
+        <p14:creationId xmlns:p14="http://schemas.microsoft.com/office/powerpoint/2010/main" val="3344862076"/>
       </p:ext>
     </p:extLst>
   </p:cSld>
@@ -3688,28 +5240,70 @@
           <a:p>
             <a:r>
               <a:rPr lang="de-DE" dirty="0"/>
-              <a:t>Alice und ihre Freunde.</a:t>
-            </a:r>
-          </a:p>
-          <a:p>
+              <a:t>Modularität</a:t>
+            </a:r>
+          </a:p>
+          <a:p>
+            <a:pPr marL="171450" indent="-171450">
+              <a:buFontTx/>
+              <a:buChar char="-"/>
+            </a:pPr>
             <a:r>
               <a:rPr lang="de-DE" dirty="0"/>
-              <a:t>Ihre Freunde finden das cool , wollen das zusammen machen. </a:t>
-            </a:r>
-          </a:p>
-          <a:p>
+              <a:t>Gerade weil die Pflichtkriterien eingeschränkt sind:</a:t>
+            </a:r>
+          </a:p>
+          <a:p>
+            <a:pPr marL="171450" indent="-171450">
+              <a:buFontTx/>
+              <a:buChar char="-"/>
+            </a:pPr>
+            <a:r>
+              <a:rPr lang="de-DE" dirty="0"/>
+              <a:t>Z.B. Leicht neue </a:t>
+            </a:r>
+            <a:r>
+              <a:rPr lang="de-DE" dirty="0" err="1"/>
+              <a:t>Graphtypen</a:t>
+            </a:r>
+            <a:r>
+              <a:rPr lang="de-DE" dirty="0"/>
+              <a:t> hinzuzufügen</a:t>
+            </a:r>
+          </a:p>
+          <a:p>
+            <a:pPr marL="171450" indent="-171450">
+              <a:buFontTx/>
+              <a:buChar char="-"/>
+            </a:pPr>
+            <a:r>
+              <a:rPr lang="de-DE" dirty="0"/>
+              <a:t>&gt; </a:t>
+            </a:r>
+            <a:r>
+              <a:rPr lang="de-DE" dirty="0" err="1"/>
+              <a:t>auswirkung</a:t>
+            </a:r>
+            <a:r>
+              <a:rPr lang="de-DE" dirty="0"/>
+              <a:t> auf den Entwurf</a:t>
+            </a:r>
+          </a:p>
+          <a:p>
+            <a:pPr marL="171450" indent="-171450">
+              <a:buFontTx/>
+              <a:buChar char="-"/>
+            </a:pPr>
             <a:endParaRPr lang="de-DE" dirty="0"/>
           </a:p>
           <a:p>
+            <a:pPr marL="0" indent="0">
+              <a:buFontTx/>
+              <a:buNone/>
+            </a:pPr>
             <a:r>
               <a:rPr lang="de-DE" dirty="0"/>
-              <a:t>(1 min)</a:t>
-            </a:r>
-          </a:p>
-          <a:p>
-            <a:r>
-              <a:rPr lang="de-DE" dirty="0"/>
-              <a:t>Antonia</a:t>
+              <a:t>(30 sec)</a:t>
             </a:r>
           </a:p>
         </p:txBody>
@@ -3740,7 +5334,7 @@
     </p:spTree>
     <p:extLst>
       <p:ext uri="{BB962C8B-B14F-4D97-AF65-F5344CB8AC3E}">
-        <p14:creationId xmlns:p14="http://schemas.microsoft.com/office/powerpoint/2010/main" val="1529528513"/>
+        <p14:creationId xmlns:p14="http://schemas.microsoft.com/office/powerpoint/2010/main" val="677052319"/>
       </p:ext>
     </p:extLst>
   </p:cSld>
@@ -3796,94 +5390,29 @@
           <a:p>
             <a:r>
               <a:rPr lang="de-DE" dirty="0"/>
-              <a:t>Was können die jetzt tun?</a:t>
-            </a:r>
-          </a:p>
-          <a:p>
-            <a:pPr marL="171450" indent="-171450">
-              <a:buFontTx/>
-              <a:buChar char="-"/>
-            </a:pPr>
+              <a:t>Alice und ihre Freunde.</a:t>
+            </a:r>
+          </a:p>
+          <a:p>
             <a:r>
               <a:rPr lang="de-DE" dirty="0"/>
-              <a:t>Man kann ein Projekt erstellen</a:t>
-            </a:r>
-          </a:p>
-          <a:p>
-            <a:pPr marL="171450" indent="-171450">
-              <a:buFontTx/>
-              <a:buChar char="-"/>
-            </a:pPr>
-            <a:r>
-              <a:rPr lang="de-DE" dirty="0"/>
-              <a:t>Mit anderen Teilen</a:t>
-            </a:r>
-          </a:p>
-          <a:p>
-            <a:pPr marL="171450" indent="-171450">
-              <a:buFontTx/>
-              <a:buChar char="-"/>
-            </a:pPr>
-            <a:r>
-              <a:rPr lang="de-DE" dirty="0"/>
-              <a:t>Jeder kann seine Daten eintragen</a:t>
-            </a:r>
-          </a:p>
-          <a:p>
-            <a:pPr marL="171450" indent="-171450">
-              <a:buFontTx/>
-              <a:buChar char="-"/>
-            </a:pPr>
+              <a:t>Ihre Freunde finden das cool , wollen das zusammen machen. </a:t>
+            </a:r>
+          </a:p>
+          <a:p>
             <a:endParaRPr lang="de-DE" dirty="0"/>
           </a:p>
           <a:p>
-            <a:pPr marL="171450" indent="-171450">
-              <a:buFontTx/>
-              <a:buChar char="-"/>
-            </a:pPr>
-            <a:endParaRPr lang="de-DE" dirty="0"/>
-          </a:p>
-          <a:p>
-            <a:pPr marL="171450" indent="-171450">
-              <a:buFontTx/>
-              <a:buChar char="-"/>
-            </a:pPr>
-            <a:r>
-              <a:rPr lang="de-DE" dirty="0"/>
-              <a:t>Kann Templates hoch und runterladen --&gt; </a:t>
-            </a:r>
-            <a:r>
-              <a:rPr lang="de-DE" dirty="0" err="1"/>
-              <a:t>inspiration</a:t>
-            </a:r>
-            <a:r>
-              <a:rPr lang="de-DE" dirty="0"/>
-              <a:t> von anderen und eigene gute Ideen teilen</a:t>
-            </a:r>
-          </a:p>
-          <a:p>
-            <a:pPr marL="171450" indent="-171450">
-              <a:buFontTx/>
-              <a:buChar char="-"/>
-            </a:pPr>
-            <a:endParaRPr lang="de-DE" dirty="0"/>
-          </a:p>
-          <a:p>
-            <a:pPr marL="0" indent="0">
-              <a:buFontTx/>
-              <a:buNone/>
-            </a:pPr>
             <a:r>
               <a:rPr lang="de-DE" dirty="0"/>
               <a:t>(1 min)</a:t>
             </a:r>
           </a:p>
           <a:p>
-            <a:pPr marL="0" indent="0">
-              <a:buFontTx/>
-              <a:buNone/>
-            </a:pPr>
-            <a:endParaRPr lang="de-DE" dirty="0"/>
+            <a:r>
+              <a:rPr lang="de-DE" dirty="0"/>
+              <a:t>Antonia</a:t>
+            </a:r>
           </a:p>
         </p:txBody>
       </p:sp>
@@ -3913,7 +5442,7 @@
     </p:spTree>
     <p:extLst>
       <p:ext uri="{BB962C8B-B14F-4D97-AF65-F5344CB8AC3E}">
-        <p14:creationId xmlns:p14="http://schemas.microsoft.com/office/powerpoint/2010/main" val="1446054813"/>
+        <p14:creationId xmlns:p14="http://schemas.microsoft.com/office/powerpoint/2010/main" val="1529528513"/>
       </p:ext>
     </p:extLst>
   </p:cSld>
@@ -3969,76 +5498,93 @@
           <a:p>
             <a:r>
               <a:rPr lang="de-DE" dirty="0"/>
-              <a:t>Fragen: Wie ist der Server zustande gekommen? (iterativ) Was kann der jetzt? </a:t>
-            </a:r>
-          </a:p>
-          <a:p>
+              <a:t>Was können die jetzt tun?</a:t>
+            </a:r>
+          </a:p>
+          <a:p>
+            <a:pPr marL="171450" indent="-171450">
+              <a:buFontTx/>
+              <a:buChar char="-"/>
+            </a:pPr>
+            <a:r>
+              <a:rPr lang="de-DE" dirty="0"/>
+              <a:t>Man kann ein Projekt erstellen</a:t>
+            </a:r>
+          </a:p>
+          <a:p>
+            <a:pPr marL="171450" indent="-171450">
+              <a:buFontTx/>
+              <a:buChar char="-"/>
+            </a:pPr>
+            <a:r>
+              <a:rPr lang="de-DE" dirty="0"/>
+              <a:t>Mit anderen Teilen</a:t>
+            </a:r>
+          </a:p>
+          <a:p>
+            <a:pPr marL="171450" indent="-171450">
+              <a:buFontTx/>
+              <a:buChar char="-"/>
+            </a:pPr>
+            <a:r>
+              <a:rPr lang="de-DE" dirty="0"/>
+              <a:t>Jeder kann seine Daten eintragen</a:t>
+            </a:r>
+          </a:p>
+          <a:p>
+            <a:pPr marL="171450" indent="-171450">
+              <a:buFontTx/>
+              <a:buChar char="-"/>
+            </a:pPr>
             <a:endParaRPr lang="de-DE" dirty="0"/>
           </a:p>
           <a:p>
+            <a:pPr marL="171450" indent="-171450">
+              <a:buFontTx/>
+              <a:buChar char="-"/>
+            </a:pPr>
+            <a:endParaRPr lang="de-DE" dirty="0"/>
+          </a:p>
+          <a:p>
+            <a:pPr marL="171450" indent="-171450">
+              <a:buFontTx/>
+              <a:buChar char="-"/>
+            </a:pPr>
             <a:r>
               <a:rPr lang="de-DE" dirty="0"/>
-              <a:t>Beim Server und generell zu Zahlen: ohne Erfahrung schwierig; alles nachgerechnet nach besten Wissen und Gewissen </a:t>
-            </a:r>
-          </a:p>
-          <a:p>
+              <a:t>Kann Templates hoch und runterladen --&gt; </a:t>
+            </a:r>
+            <a:r>
+              <a:rPr lang="de-DE" dirty="0" err="1"/>
+              <a:t>inspiration</a:t>
+            </a:r>
+            <a:r>
+              <a:rPr lang="de-DE" dirty="0"/>
+              <a:t> von anderen und eigene gute Ideen teilen</a:t>
+            </a:r>
+          </a:p>
+          <a:p>
+            <a:pPr marL="171450" indent="-171450">
+              <a:buFontTx/>
+              <a:buChar char="-"/>
+            </a:pPr>
             <a:endParaRPr lang="de-DE" dirty="0"/>
           </a:p>
           <a:p>
-            <a:pPr marL="0" marR="0" lvl="0" indent="0" algn="l" defTabSz="914400" rtl="0" eaLnBrk="1" fontAlgn="auto" latinLnBrk="0" hangingPunct="1">
-              <a:lnSpc>
-                <a:spcPct val="100000"/>
-              </a:lnSpc>
-              <a:spcBef>
-                <a:spcPts val="0"/>
-              </a:spcBef>
-              <a:spcAft>
-                <a:spcPts val="0"/>
-              </a:spcAft>
-              <a:buClrTx/>
-              <a:buSzTx/>
+            <a:pPr marL="0" indent="0">
               <a:buFontTx/>
               <a:buNone/>
-              <a:tabLst/>
-              <a:defRPr/>
             </a:pPr>
             <a:r>
               <a:rPr lang="de-DE" dirty="0"/>
-              <a:t>+ warum ist die ursprüngliche Funktionalität Wunsch? (Als letztes machen </a:t>
-            </a:r>
-            <a:r>
-              <a:rPr lang="de-DE" dirty="0" err="1"/>
-              <a:t>fürn</a:t>
-            </a:r>
-            <a:r>
-              <a:rPr lang="de-DE" dirty="0"/>
-              <a:t> roten Farben)</a:t>
-            </a:r>
-          </a:p>
-          <a:p>
-            <a:pPr marL="0" marR="0" lvl="0" indent="0" algn="l" defTabSz="914400" rtl="0" eaLnBrk="1" fontAlgn="auto" latinLnBrk="0" hangingPunct="1">
-              <a:lnSpc>
-                <a:spcPct val="100000"/>
-              </a:lnSpc>
-              <a:spcBef>
-                <a:spcPts val="0"/>
-              </a:spcBef>
-              <a:spcAft>
-                <a:spcPts val="0"/>
-              </a:spcAft>
-              <a:buClrTx/>
-              <a:buSzTx/>
+              <a:t>(1 min)</a:t>
+            </a:r>
+          </a:p>
+          <a:p>
+            <a:pPr marL="0" indent="0">
               <a:buFontTx/>
               <a:buNone/>
-              <a:tabLst/>
-              <a:defRPr/>
             </a:pPr>
-            <a:r>
-              <a:rPr lang="de-DE" dirty="0"/>
-              <a:t>(ca. 3 Minuten)</a:t>
-            </a:r>
-          </a:p>
-          <a:p>
             <a:endParaRPr lang="de-DE" dirty="0"/>
           </a:p>
         </p:txBody>
@@ -4069,7 +5615,7 @@
     </p:spTree>
     <p:extLst>
       <p:ext uri="{BB962C8B-B14F-4D97-AF65-F5344CB8AC3E}">
-        <p14:creationId xmlns:p14="http://schemas.microsoft.com/office/powerpoint/2010/main" val="3979831191"/>
+        <p14:creationId xmlns:p14="http://schemas.microsoft.com/office/powerpoint/2010/main" val="1446054813"/>
       </p:ext>
     </p:extLst>
   </p:cSld>
@@ -7410,6 +8956,146 @@
           <a:chExt cx="0" cy="0"/>
         </a:xfrm>
       </p:grpSpPr>
+      <p:sp>
+        <p:nvSpPr>
+          <p:cNvPr id="2" name="Titel 1">
+            <a:extLst>
+              <a:ext uri="{FF2B5EF4-FFF2-40B4-BE49-F238E27FC236}">
+                <a16:creationId xmlns:a16="http://schemas.microsoft.com/office/drawing/2014/main" id="{05860DA3-C4F4-EF4E-BB65-F4FAECBEB050}"/>
+              </a:ext>
+            </a:extLst>
+          </p:cNvPr>
+          <p:cNvSpPr>
+            <a:spLocks noGrp="1"/>
+          </p:cNvSpPr>
+          <p:nvPr>
+            <p:ph type="title"/>
+          </p:nvPr>
+        </p:nvSpPr>
+        <p:spPr/>
+        <p:txBody>
+          <a:bodyPr/>
+          <a:lstStyle/>
+          <a:p>
+            <a:r>
+              <a:rPr lang="de-DE" dirty="0"/>
+              <a:t>Anton</a:t>
+            </a:r>
+          </a:p>
+        </p:txBody>
+      </p:sp>
+      <p:sp>
+        <p:nvSpPr>
+          <p:cNvPr id="3" name="Inhaltsplatzhalter 2">
+            <a:extLst>
+              <a:ext uri="{FF2B5EF4-FFF2-40B4-BE49-F238E27FC236}">
+                <a16:creationId xmlns:a16="http://schemas.microsoft.com/office/drawing/2014/main" id="{08356BB7-71EE-C24B-B628-CD59A9BA42B9}"/>
+              </a:ext>
+            </a:extLst>
+          </p:cNvPr>
+          <p:cNvSpPr>
+            <a:spLocks noGrp="1"/>
+          </p:cNvSpPr>
+          <p:nvPr>
+            <p:ph idx="1"/>
+          </p:nvPr>
+        </p:nvSpPr>
+        <p:spPr/>
+        <p:txBody>
+          <a:bodyPr/>
+          <a:lstStyle/>
+          <a:p>
+            <a:endParaRPr lang="de-DE"/>
+          </a:p>
+        </p:txBody>
+      </p:sp>
+      <p:sp>
+        <p:nvSpPr>
+          <p:cNvPr id="4" name="Datumsplatzhalter 3">
+            <a:extLst>
+              <a:ext uri="{FF2B5EF4-FFF2-40B4-BE49-F238E27FC236}">
+                <a16:creationId xmlns:a16="http://schemas.microsoft.com/office/drawing/2014/main" id="{B213D491-8C48-3B48-B7A7-9A1A19F4B274}"/>
+              </a:ext>
+            </a:extLst>
+          </p:cNvPr>
+          <p:cNvSpPr>
+            <a:spLocks noGrp="1"/>
+          </p:cNvSpPr>
+          <p:nvPr>
+            <p:ph type="dt" sz="half" idx="10"/>
+          </p:nvPr>
+        </p:nvSpPr>
+        <p:spPr/>
+        <p:txBody>
+          <a:bodyPr/>
+          <a:lstStyle/>
+          <a:p>
+            <a:r>
+              <a:rPr lang="de-DE"/>
+              <a:t>03.12.21</a:t>
+            </a:r>
+          </a:p>
+        </p:txBody>
+      </p:sp>
+      <p:sp>
+        <p:nvSpPr>
+          <p:cNvPr id="5" name="Foliennummernplatzhalter 4">
+            <a:extLst>
+              <a:ext uri="{FF2B5EF4-FFF2-40B4-BE49-F238E27FC236}">
+                <a16:creationId xmlns:a16="http://schemas.microsoft.com/office/drawing/2014/main" id="{1EA634BA-8B50-9C43-B444-B14C24B958C4}"/>
+              </a:ext>
+            </a:extLst>
+          </p:cNvPr>
+          <p:cNvSpPr>
+            <a:spLocks noGrp="1"/>
+          </p:cNvSpPr>
+          <p:nvPr>
+            <p:ph type="sldNum" sz="quarter" idx="12"/>
+          </p:nvPr>
+        </p:nvSpPr>
+        <p:spPr/>
+        <p:txBody>
+          <a:bodyPr/>
+          <a:lstStyle/>
+          <a:p>
+            <a:fld id="{C1951030-1712-A844-813B-C453E8FB818E}" type="slidenum">
+              <a:rPr lang="de-DE" smtClean="0"/>
+              <a:t>10</a:t>
+            </a:fld>
+            <a:endParaRPr lang="de-DE"/>
+          </a:p>
+        </p:txBody>
+      </p:sp>
+    </p:spTree>
+    <p:extLst>
+      <p:ext uri="{BB962C8B-B14F-4D97-AF65-F5344CB8AC3E}">
+        <p14:creationId xmlns:p14="http://schemas.microsoft.com/office/powerpoint/2010/main" val="1650321165"/>
+      </p:ext>
+    </p:extLst>
+  </p:cSld>
+  <p:clrMapOvr>
+    <a:masterClrMapping/>
+  </p:clrMapOvr>
+</p:sld>
+</file>
+
+<file path=ppt/slides/slide11.xml><?xml version="1.0" encoding="utf-8"?>
+<p:sld xmlns:a="http://schemas.openxmlformats.org/drawingml/2006/main" xmlns:r="http://schemas.openxmlformats.org/officeDocument/2006/relationships" xmlns:p="http://schemas.openxmlformats.org/presentationml/2006/main">
+  <p:cSld>
+    <p:spTree>
+      <p:nvGrpSpPr>
+        <p:cNvPr id="1" name=""/>
+        <p:cNvGrpSpPr/>
+        <p:nvPr/>
+      </p:nvGrpSpPr>
+      <p:grpSpPr>
+        <a:xfrm>
+          <a:off x="0" y="0"/>
+          <a:ext cx="0" cy="0"/>
+          <a:chOff x="0" y="0"/>
+          <a:chExt cx="0" cy="0"/>
+        </a:xfrm>
+      </p:grpSpPr>
       <p:pic>
         <p:nvPicPr>
           <p:cNvPr id="7" name="Inhaltsplatzhalter 6" descr="Frau mit einfarbiger Füllung">
@@ -7496,7 +9182,7 @@
           <a:p>
             <a:fld id="{C1951030-1712-A844-813B-C453E8FB818E}" type="slidenum">
               <a:rPr lang="de-DE" smtClean="0"/>
-              <a:t>10</a:t>
+              <a:t>11</a:t>
             </a:fld>
             <a:endParaRPr lang="de-DE"/>
           </a:p>
@@ -7695,222 +9381,6 @@
 </p:sld>
 </file>
 
-<file path=ppt/slides/slide11.xml><?xml version="1.0" encoding="utf-8"?>
-<p:sld xmlns:a="http://schemas.openxmlformats.org/drawingml/2006/main" xmlns:r="http://schemas.openxmlformats.org/officeDocument/2006/relationships" xmlns:p="http://schemas.openxmlformats.org/presentationml/2006/main">
-  <p:cSld>
-    <p:spTree>
-      <p:nvGrpSpPr>
-        <p:cNvPr id="1" name=""/>
-        <p:cNvGrpSpPr/>
-        <p:nvPr/>
-      </p:nvGrpSpPr>
-      <p:grpSpPr>
-        <a:xfrm>
-          <a:off x="0" y="0"/>
-          <a:ext cx="0" cy="0"/>
-          <a:chOff x="0" y="0"/>
-          <a:chExt cx="0" cy="0"/>
-        </a:xfrm>
-      </p:grpSpPr>
-      <p:sp>
-        <p:nvSpPr>
-          <p:cNvPr id="2" name="Titel 1">
-            <a:extLst>
-              <a:ext uri="{FF2B5EF4-FFF2-40B4-BE49-F238E27FC236}">
-                <a16:creationId xmlns:a16="http://schemas.microsoft.com/office/drawing/2014/main" id="{DC10472C-A722-2447-B559-3E2A15526694}"/>
-              </a:ext>
-            </a:extLst>
-          </p:cNvPr>
-          <p:cNvSpPr>
-            <a:spLocks noGrp="1"/>
-          </p:cNvSpPr>
-          <p:nvPr>
-            <p:ph type="title"/>
-          </p:nvPr>
-        </p:nvSpPr>
-        <p:spPr/>
-        <p:txBody>
-          <a:bodyPr/>
-          <a:lstStyle/>
-          <a:p>
-            <a:r>
-              <a:rPr lang="de-DE" dirty="0"/>
-              <a:t>Tabelle bearbeiten</a:t>
-            </a:r>
-          </a:p>
-        </p:txBody>
-      </p:sp>
-      <p:sp>
-        <p:nvSpPr>
-          <p:cNvPr id="3" name="Inhaltsplatzhalter 2">
-            <a:extLst>
-              <a:ext uri="{FF2B5EF4-FFF2-40B4-BE49-F238E27FC236}">
-                <a16:creationId xmlns:a16="http://schemas.microsoft.com/office/drawing/2014/main" id="{B4CE9685-B6BD-E54F-9949-8301147A8987}"/>
-              </a:ext>
-            </a:extLst>
-          </p:cNvPr>
-          <p:cNvSpPr>
-            <a:spLocks noGrp="1"/>
-          </p:cNvSpPr>
-          <p:nvPr>
-            <p:ph sz="half" idx="1"/>
-          </p:nvPr>
-        </p:nvSpPr>
-        <p:spPr/>
-        <p:txBody>
-          <a:bodyPr/>
-          <a:lstStyle/>
-          <a:p>
-            <a:pPr marL="0" indent="0">
-              <a:buNone/>
-            </a:pPr>
-            <a:r>
-              <a:rPr lang="de-DE" i="1" dirty="0"/>
-              <a:t>Warum gewünscht: </a:t>
-            </a:r>
-          </a:p>
-          <a:p>
-            <a:pPr marL="0" indent="0">
-              <a:buNone/>
-            </a:pPr>
-            <a:endParaRPr lang="de-DE" dirty="0"/>
-          </a:p>
-          <a:p>
-            <a:r>
-              <a:rPr lang="de-DE" dirty="0"/>
-              <a:t>Zeilen &amp; Spalten hinzufügen</a:t>
-            </a:r>
-          </a:p>
-          <a:p>
-            <a:r>
-              <a:rPr lang="de-DE" dirty="0"/>
-              <a:t>Neue Ideen</a:t>
-            </a:r>
-          </a:p>
-          <a:p>
-            <a:r>
-              <a:rPr lang="de-DE" dirty="0"/>
-              <a:t>Korrekturmöglichkeiten</a:t>
-            </a:r>
-          </a:p>
-        </p:txBody>
-      </p:sp>
-      <p:sp>
-        <p:nvSpPr>
-          <p:cNvPr id="4" name="Inhaltsplatzhalter 3">
-            <a:extLst>
-              <a:ext uri="{FF2B5EF4-FFF2-40B4-BE49-F238E27FC236}">
-                <a16:creationId xmlns:a16="http://schemas.microsoft.com/office/drawing/2014/main" id="{1825F776-8941-3A45-808C-5F30340B4C02}"/>
-              </a:ext>
-            </a:extLst>
-          </p:cNvPr>
-          <p:cNvSpPr>
-            <a:spLocks noGrp="1"/>
-          </p:cNvSpPr>
-          <p:nvPr>
-            <p:ph sz="half" idx="2"/>
-          </p:nvPr>
-        </p:nvSpPr>
-        <p:spPr/>
-        <p:txBody>
-          <a:bodyPr/>
-          <a:lstStyle/>
-          <a:p>
-            <a:pPr marL="0" indent="0">
-              <a:buNone/>
-            </a:pPr>
-            <a:r>
-              <a:rPr lang="de-DE" i="1" dirty="0"/>
-              <a:t>Warum Wunsch:</a:t>
-            </a:r>
-          </a:p>
-          <a:p>
-            <a:pPr marL="0" indent="0">
-              <a:buNone/>
-            </a:pPr>
-            <a:endParaRPr lang="de-DE" dirty="0"/>
-          </a:p>
-          <a:p>
-            <a:r>
-              <a:rPr lang="de-DE" dirty="0"/>
-              <a:t>Hohes Konfliktpotential</a:t>
-            </a:r>
-          </a:p>
-          <a:p>
-            <a:endParaRPr lang="de-DE" dirty="0"/>
-          </a:p>
-        </p:txBody>
-      </p:sp>
-      <p:sp>
-        <p:nvSpPr>
-          <p:cNvPr id="5" name="Datumsplatzhalter 4">
-            <a:extLst>
-              <a:ext uri="{FF2B5EF4-FFF2-40B4-BE49-F238E27FC236}">
-                <a16:creationId xmlns:a16="http://schemas.microsoft.com/office/drawing/2014/main" id="{D8780823-4011-B446-8F50-A7EEA649C23D}"/>
-              </a:ext>
-            </a:extLst>
-          </p:cNvPr>
-          <p:cNvSpPr>
-            <a:spLocks noGrp="1"/>
-          </p:cNvSpPr>
-          <p:nvPr>
-            <p:ph type="dt" sz="half" idx="10"/>
-          </p:nvPr>
-        </p:nvSpPr>
-        <p:spPr/>
-        <p:txBody>
-          <a:bodyPr/>
-          <a:lstStyle/>
-          <a:p>
-            <a:r>
-              <a:rPr lang="de-DE"/>
-              <a:t>03.12.21</a:t>
-            </a:r>
-          </a:p>
-        </p:txBody>
-      </p:sp>
-      <p:sp>
-        <p:nvSpPr>
-          <p:cNvPr id="6" name="Foliennummernplatzhalter 5">
-            <a:extLst>
-              <a:ext uri="{FF2B5EF4-FFF2-40B4-BE49-F238E27FC236}">
-                <a16:creationId xmlns:a16="http://schemas.microsoft.com/office/drawing/2014/main" id="{B5EE29CD-5AC9-344B-8B73-C8F68BF714AA}"/>
-              </a:ext>
-            </a:extLst>
-          </p:cNvPr>
-          <p:cNvSpPr>
-            <a:spLocks noGrp="1"/>
-          </p:cNvSpPr>
-          <p:nvPr>
-            <p:ph type="sldNum" sz="quarter" idx="12"/>
-          </p:nvPr>
-        </p:nvSpPr>
-        <p:spPr/>
-        <p:txBody>
-          <a:bodyPr/>
-          <a:lstStyle/>
-          <a:p>
-            <a:fld id="{C1951030-1712-A844-813B-C453E8FB818E}" type="slidenum">
-              <a:rPr lang="de-DE" smtClean="0"/>
-              <a:t>11</a:t>
-            </a:fld>
-            <a:endParaRPr lang="de-DE"/>
-          </a:p>
-        </p:txBody>
-      </p:sp>
-    </p:spTree>
-    <p:extLst>
-      <p:ext uri="{BB962C8B-B14F-4D97-AF65-F5344CB8AC3E}">
-        <p14:creationId xmlns:p14="http://schemas.microsoft.com/office/powerpoint/2010/main" val="4009044167"/>
-      </p:ext>
-    </p:extLst>
-  </p:cSld>
-  <p:clrMapOvr>
-    <a:masterClrMapping/>
-  </p:clrMapOvr>
-</p:sld>
-</file>
-
 <file path=ppt/slides/slide12.xml><?xml version="1.0" encoding="utf-8"?>
 <p:sld xmlns:a="http://schemas.openxmlformats.org/drawingml/2006/main" xmlns:r="http://schemas.openxmlformats.org/officeDocument/2006/relationships" xmlns:p="http://schemas.openxmlformats.org/presentationml/2006/main">
   <p:cSld>
@@ -7933,7 +9403,7 @@
           <p:cNvPr id="2" name="Titel 1">
             <a:extLst>
               <a:ext uri="{FF2B5EF4-FFF2-40B4-BE49-F238E27FC236}">
-                <a16:creationId xmlns:a16="http://schemas.microsoft.com/office/drawing/2014/main" id="{FEBB81A3-B09F-9E4F-99C9-B6FA29532151}"/>
+                <a16:creationId xmlns:a16="http://schemas.microsoft.com/office/drawing/2014/main" id="{DC10472C-A722-2447-B559-3E2A15526694}"/>
               </a:ext>
             </a:extLst>
           </p:cNvPr>
@@ -7951,7 +9421,7 @@
           <a:p>
             <a:r>
               <a:rPr lang="de-DE" dirty="0"/>
-              <a:t>Parametrisierung</a:t>
+              <a:t>Tabelle bearbeiten</a:t>
             </a:r>
           </a:p>
         </p:txBody>
@@ -7961,7 +9431,7 @@
           <p:cNvPr id="3" name="Inhaltsplatzhalter 2">
             <a:extLst>
               <a:ext uri="{FF2B5EF4-FFF2-40B4-BE49-F238E27FC236}">
-                <a16:creationId xmlns:a16="http://schemas.microsoft.com/office/drawing/2014/main" id="{4CE96944-75C4-164D-BDA5-124619DEF2B0}"/>
+                <a16:creationId xmlns:a16="http://schemas.microsoft.com/office/drawing/2014/main" id="{B4CE9685-B6BD-E54F-9949-8301147A8987}"/>
               </a:ext>
             </a:extLst>
           </p:cNvPr>
@@ -7969,7 +9439,7 @@
             <a:spLocks noGrp="1"/>
           </p:cNvSpPr>
           <p:nvPr>
-            <p:ph idx="1"/>
+            <p:ph sz="half" idx="1"/>
           </p:nvPr>
         </p:nvSpPr>
         <p:spPr/>
@@ -7977,16 +9447,46 @@
           <a:bodyPr/>
           <a:lstStyle/>
           <a:p>
-            <a:endParaRPr lang="de-DE"/>
-          </a:p>
-        </p:txBody>
-      </p:sp>
-      <p:sp>
-        <p:nvSpPr>
-          <p:cNvPr id="4" name="Datumsplatzhalter 3">
-            <a:extLst>
-              <a:ext uri="{FF2B5EF4-FFF2-40B4-BE49-F238E27FC236}">
-                <a16:creationId xmlns:a16="http://schemas.microsoft.com/office/drawing/2014/main" id="{37E5153A-0133-6446-8E9C-1E524EC4F28E}"/>
+            <a:pPr marL="0" indent="0">
+              <a:buNone/>
+            </a:pPr>
+            <a:r>
+              <a:rPr lang="de-DE" i="1" dirty="0"/>
+              <a:t>Warum gewünscht: </a:t>
+            </a:r>
+          </a:p>
+          <a:p>
+            <a:pPr marL="0" indent="0">
+              <a:buNone/>
+            </a:pPr>
+            <a:endParaRPr lang="de-DE" dirty="0"/>
+          </a:p>
+          <a:p>
+            <a:r>
+              <a:rPr lang="de-DE" dirty="0"/>
+              <a:t>Zeilen &amp; Spalten hinzufügen</a:t>
+            </a:r>
+          </a:p>
+          <a:p>
+            <a:r>
+              <a:rPr lang="de-DE" dirty="0"/>
+              <a:t>Neue Ideen</a:t>
+            </a:r>
+          </a:p>
+          <a:p>
+            <a:r>
+              <a:rPr lang="de-DE" dirty="0"/>
+              <a:t>Korrekturmöglichkeiten</a:t>
+            </a:r>
+          </a:p>
+        </p:txBody>
+      </p:sp>
+      <p:sp>
+        <p:nvSpPr>
+          <p:cNvPr id="4" name="Inhaltsplatzhalter 3">
+            <a:extLst>
+              <a:ext uri="{FF2B5EF4-FFF2-40B4-BE49-F238E27FC236}">
+                <a16:creationId xmlns:a16="http://schemas.microsoft.com/office/drawing/2014/main" id="{1825F776-8941-3A45-808C-5F30340B4C02}"/>
               </a:ext>
             </a:extLst>
           </p:cNvPr>
@@ -7994,7 +9494,7 @@
             <a:spLocks noGrp="1"/>
           </p:cNvSpPr>
           <p:nvPr>
-            <p:ph type="dt" sz="half" idx="10"/>
+            <p:ph sz="half" idx="2"/>
           </p:nvPr>
         </p:nvSpPr>
         <p:spPr/>
@@ -8002,6 +9502,52 @@
           <a:bodyPr/>
           <a:lstStyle/>
           <a:p>
+            <a:pPr marL="0" indent="0">
+              <a:buNone/>
+            </a:pPr>
+            <a:r>
+              <a:rPr lang="de-DE" i="1" dirty="0"/>
+              <a:t>Warum Wunsch:</a:t>
+            </a:r>
+          </a:p>
+          <a:p>
+            <a:pPr marL="0" indent="0">
+              <a:buNone/>
+            </a:pPr>
+            <a:endParaRPr lang="de-DE" dirty="0"/>
+          </a:p>
+          <a:p>
+            <a:r>
+              <a:rPr lang="de-DE" dirty="0"/>
+              <a:t>Hohes Konfliktpotential</a:t>
+            </a:r>
+          </a:p>
+          <a:p>
+            <a:endParaRPr lang="de-DE" dirty="0"/>
+          </a:p>
+        </p:txBody>
+      </p:sp>
+      <p:sp>
+        <p:nvSpPr>
+          <p:cNvPr id="5" name="Datumsplatzhalter 4">
+            <a:extLst>
+              <a:ext uri="{FF2B5EF4-FFF2-40B4-BE49-F238E27FC236}">
+                <a16:creationId xmlns:a16="http://schemas.microsoft.com/office/drawing/2014/main" id="{D8780823-4011-B446-8F50-A7EEA649C23D}"/>
+              </a:ext>
+            </a:extLst>
+          </p:cNvPr>
+          <p:cNvSpPr>
+            <a:spLocks noGrp="1"/>
+          </p:cNvSpPr>
+          <p:nvPr>
+            <p:ph type="dt" sz="half" idx="10"/>
+          </p:nvPr>
+        </p:nvSpPr>
+        <p:spPr/>
+        <p:txBody>
+          <a:bodyPr/>
+          <a:lstStyle/>
+          <a:p>
             <a:r>
               <a:rPr lang="de-DE"/>
               <a:t>03.12.21</a:t>
@@ -8011,10 +9557,10 @@
       </p:sp>
       <p:sp>
         <p:nvSpPr>
-          <p:cNvPr id="5" name="Foliennummernplatzhalter 4">
-            <a:extLst>
-              <a:ext uri="{FF2B5EF4-FFF2-40B4-BE49-F238E27FC236}">
-                <a16:creationId xmlns:a16="http://schemas.microsoft.com/office/drawing/2014/main" id="{83177281-6097-E248-B00D-0814B4886B8D}"/>
+          <p:cNvPr id="6" name="Foliennummernplatzhalter 5">
+            <a:extLst>
+              <a:ext uri="{FF2B5EF4-FFF2-40B4-BE49-F238E27FC236}">
+                <a16:creationId xmlns:a16="http://schemas.microsoft.com/office/drawing/2014/main" id="{B5EE29CD-5AC9-344B-8B73-C8F68BF714AA}"/>
               </a:ext>
             </a:extLst>
           </p:cNvPr>
@@ -8041,7 +9587,7 @@
     </p:spTree>
     <p:extLst>
       <p:ext uri="{BB962C8B-B14F-4D97-AF65-F5344CB8AC3E}">
-        <p14:creationId xmlns:p14="http://schemas.microsoft.com/office/powerpoint/2010/main" val="2401719195"/>
+        <p14:creationId xmlns:p14="http://schemas.microsoft.com/office/powerpoint/2010/main" val="4009044167"/>
       </p:ext>
     </p:extLst>
   </p:cSld>
@@ -8073,7 +9619,7 @@
           <p:cNvPr id="2" name="Titel 1">
             <a:extLst>
               <a:ext uri="{FF2B5EF4-FFF2-40B4-BE49-F238E27FC236}">
-                <a16:creationId xmlns:a16="http://schemas.microsoft.com/office/drawing/2014/main" id="{42DB923A-A1B1-8648-BD87-4A32709229CC}"/>
+                <a16:creationId xmlns:a16="http://schemas.microsoft.com/office/drawing/2014/main" id="{FEBB81A3-B09F-9E4F-99C9-B6FA29532151}"/>
               </a:ext>
             </a:extLst>
           </p:cNvPr>
@@ -8091,7 +9637,7 @@
           <a:p>
             <a:r>
               <a:rPr lang="de-DE" dirty="0"/>
-              <a:t>Hochladen von Templates</a:t>
+              <a:t>Parametrisierung</a:t>
             </a:r>
           </a:p>
         </p:txBody>
@@ -8101,7 +9647,7 @@
           <p:cNvPr id="3" name="Inhaltsplatzhalter 2">
             <a:extLst>
               <a:ext uri="{FF2B5EF4-FFF2-40B4-BE49-F238E27FC236}">
-                <a16:creationId xmlns:a16="http://schemas.microsoft.com/office/drawing/2014/main" id="{F5B1BE3E-AED5-0749-9729-7D99630D2CA2}"/>
+                <a16:creationId xmlns:a16="http://schemas.microsoft.com/office/drawing/2014/main" id="{4CE96944-75C4-164D-BDA5-124619DEF2B0}"/>
               </a:ext>
             </a:extLst>
           </p:cNvPr>
@@ -8126,7 +9672,7 @@
           <p:cNvPr id="4" name="Datumsplatzhalter 3">
             <a:extLst>
               <a:ext uri="{FF2B5EF4-FFF2-40B4-BE49-F238E27FC236}">
-                <a16:creationId xmlns:a16="http://schemas.microsoft.com/office/drawing/2014/main" id="{792E0081-E7AC-E740-B2D3-182E8F042CCE}"/>
+                <a16:creationId xmlns:a16="http://schemas.microsoft.com/office/drawing/2014/main" id="{37E5153A-0133-6446-8E9C-1E524EC4F28E}"/>
               </a:ext>
             </a:extLst>
           </p:cNvPr>
@@ -8154,7 +9700,7 @@
           <p:cNvPr id="5" name="Foliennummernplatzhalter 4">
             <a:extLst>
               <a:ext uri="{FF2B5EF4-FFF2-40B4-BE49-F238E27FC236}">
-                <a16:creationId xmlns:a16="http://schemas.microsoft.com/office/drawing/2014/main" id="{1DDFCF15-B3DF-E844-B016-FD1566765C8D}"/>
+                <a16:creationId xmlns:a16="http://schemas.microsoft.com/office/drawing/2014/main" id="{83177281-6097-E248-B00D-0814B4886B8D}"/>
               </a:ext>
             </a:extLst>
           </p:cNvPr>
@@ -8181,7 +9727,7 @@
     </p:spTree>
     <p:extLst>
       <p:ext uri="{BB962C8B-B14F-4D97-AF65-F5344CB8AC3E}">
-        <p14:creationId xmlns:p14="http://schemas.microsoft.com/office/powerpoint/2010/main" val="2432425423"/>
+        <p14:creationId xmlns:p14="http://schemas.microsoft.com/office/powerpoint/2010/main" val="2401719195"/>
       </p:ext>
     </p:extLst>
   </p:cSld>
@@ -8210,10 +9756,10 @@
       </p:grpSpPr>
       <p:sp>
         <p:nvSpPr>
-          <p:cNvPr id="4" name="Datumsplatzhalter 3">
-            <a:extLst>
-              <a:ext uri="{FF2B5EF4-FFF2-40B4-BE49-F238E27FC236}">
-                <a16:creationId xmlns:a16="http://schemas.microsoft.com/office/drawing/2014/main" id="{0EE56F96-2663-1843-9DF5-B4DC2FA14D9D}"/>
+          <p:cNvPr id="2" name="Titel 1">
+            <a:extLst>
+              <a:ext uri="{FF2B5EF4-FFF2-40B4-BE49-F238E27FC236}">
+                <a16:creationId xmlns:a16="http://schemas.microsoft.com/office/drawing/2014/main" id="{42DB923A-A1B1-8648-BD87-4A32709229CC}"/>
               </a:ext>
             </a:extLst>
           </p:cNvPr>
@@ -8221,7 +9767,7 @@
             <a:spLocks noGrp="1"/>
           </p:cNvSpPr>
           <p:nvPr>
-            <p:ph type="dt" sz="half" idx="10"/>
+            <p:ph type="title"/>
           </p:nvPr>
         </p:nvSpPr>
         <p:spPr/>
@@ -8230,6 +9776,59 @@
           <a:lstStyle/>
           <a:p>
             <a:r>
+              <a:rPr lang="de-DE" dirty="0"/>
+              <a:t>Hochladen von Templates</a:t>
+            </a:r>
+          </a:p>
+        </p:txBody>
+      </p:sp>
+      <p:sp>
+        <p:nvSpPr>
+          <p:cNvPr id="3" name="Inhaltsplatzhalter 2">
+            <a:extLst>
+              <a:ext uri="{FF2B5EF4-FFF2-40B4-BE49-F238E27FC236}">
+                <a16:creationId xmlns:a16="http://schemas.microsoft.com/office/drawing/2014/main" id="{F5B1BE3E-AED5-0749-9729-7D99630D2CA2}"/>
+              </a:ext>
+            </a:extLst>
+          </p:cNvPr>
+          <p:cNvSpPr>
+            <a:spLocks noGrp="1"/>
+          </p:cNvSpPr>
+          <p:nvPr>
+            <p:ph idx="1"/>
+          </p:nvPr>
+        </p:nvSpPr>
+        <p:spPr/>
+        <p:txBody>
+          <a:bodyPr/>
+          <a:lstStyle/>
+          <a:p>
+            <a:endParaRPr lang="de-DE"/>
+          </a:p>
+        </p:txBody>
+      </p:sp>
+      <p:sp>
+        <p:nvSpPr>
+          <p:cNvPr id="4" name="Datumsplatzhalter 3">
+            <a:extLst>
+              <a:ext uri="{FF2B5EF4-FFF2-40B4-BE49-F238E27FC236}">
+                <a16:creationId xmlns:a16="http://schemas.microsoft.com/office/drawing/2014/main" id="{792E0081-E7AC-E740-B2D3-182E8F042CCE}"/>
+              </a:ext>
+            </a:extLst>
+          </p:cNvPr>
+          <p:cNvSpPr>
+            <a:spLocks noGrp="1"/>
+          </p:cNvSpPr>
+          <p:nvPr>
+            <p:ph type="dt" sz="half" idx="10"/>
+          </p:nvPr>
+        </p:nvSpPr>
+        <p:spPr/>
+        <p:txBody>
+          <a:bodyPr/>
+          <a:lstStyle/>
+          <a:p>
+            <a:r>
               <a:rPr lang="de-DE"/>
               <a:t>03.12.21</a:t>
             </a:r>
@@ -8241,7 +9840,7 @@
           <p:cNvPr id="5" name="Foliennummernplatzhalter 4">
             <a:extLst>
               <a:ext uri="{FF2B5EF4-FFF2-40B4-BE49-F238E27FC236}">
-                <a16:creationId xmlns:a16="http://schemas.microsoft.com/office/drawing/2014/main" id="{DA7317FD-441A-5B4A-B893-AADA56221ACF}"/>
+                <a16:creationId xmlns:a16="http://schemas.microsoft.com/office/drawing/2014/main" id="{1DDFCF15-B3DF-E844-B016-FD1566765C8D}"/>
               </a:ext>
             </a:extLst>
           </p:cNvPr>
@@ -8260,6 +9859,93 @@
             <a:fld id="{C1951030-1712-A844-813B-C453E8FB818E}" type="slidenum">
               <a:rPr lang="de-DE" smtClean="0"/>
               <a:t>14</a:t>
+            </a:fld>
+            <a:endParaRPr lang="de-DE"/>
+          </a:p>
+        </p:txBody>
+      </p:sp>
+    </p:spTree>
+    <p:extLst>
+      <p:ext uri="{BB962C8B-B14F-4D97-AF65-F5344CB8AC3E}">
+        <p14:creationId xmlns:p14="http://schemas.microsoft.com/office/powerpoint/2010/main" val="2432425423"/>
+      </p:ext>
+    </p:extLst>
+  </p:cSld>
+  <p:clrMapOvr>
+    <a:masterClrMapping/>
+  </p:clrMapOvr>
+</p:sld>
+</file>
+
+<file path=ppt/slides/slide15.xml><?xml version="1.0" encoding="utf-8"?>
+<p:sld xmlns:a="http://schemas.openxmlformats.org/drawingml/2006/main" xmlns:r="http://schemas.openxmlformats.org/officeDocument/2006/relationships" xmlns:p="http://schemas.openxmlformats.org/presentationml/2006/main">
+  <p:cSld>
+    <p:spTree>
+      <p:nvGrpSpPr>
+        <p:cNvPr id="1" name=""/>
+        <p:cNvGrpSpPr/>
+        <p:nvPr/>
+      </p:nvGrpSpPr>
+      <p:grpSpPr>
+        <a:xfrm>
+          <a:off x="0" y="0"/>
+          <a:ext cx="0" cy="0"/>
+          <a:chOff x="0" y="0"/>
+          <a:chExt cx="0" cy="0"/>
+        </a:xfrm>
+      </p:grpSpPr>
+      <p:sp>
+        <p:nvSpPr>
+          <p:cNvPr id="4" name="Datumsplatzhalter 3">
+            <a:extLst>
+              <a:ext uri="{FF2B5EF4-FFF2-40B4-BE49-F238E27FC236}">
+                <a16:creationId xmlns:a16="http://schemas.microsoft.com/office/drawing/2014/main" id="{0EE56F96-2663-1843-9DF5-B4DC2FA14D9D}"/>
+              </a:ext>
+            </a:extLst>
+          </p:cNvPr>
+          <p:cNvSpPr>
+            <a:spLocks noGrp="1"/>
+          </p:cNvSpPr>
+          <p:nvPr>
+            <p:ph type="dt" sz="half" idx="10"/>
+          </p:nvPr>
+        </p:nvSpPr>
+        <p:spPr/>
+        <p:txBody>
+          <a:bodyPr/>
+          <a:lstStyle/>
+          <a:p>
+            <a:r>
+              <a:rPr lang="de-DE"/>
+              <a:t>03.12.21</a:t>
+            </a:r>
+          </a:p>
+        </p:txBody>
+      </p:sp>
+      <p:sp>
+        <p:nvSpPr>
+          <p:cNvPr id="5" name="Foliennummernplatzhalter 4">
+            <a:extLst>
+              <a:ext uri="{FF2B5EF4-FFF2-40B4-BE49-F238E27FC236}">
+                <a16:creationId xmlns:a16="http://schemas.microsoft.com/office/drawing/2014/main" id="{DA7317FD-441A-5B4A-B893-AADA56221ACF}"/>
+              </a:ext>
+            </a:extLst>
+          </p:cNvPr>
+          <p:cNvSpPr>
+            <a:spLocks noGrp="1"/>
+          </p:cNvSpPr>
+          <p:nvPr>
+            <p:ph type="sldNum" sz="quarter" idx="12"/>
+          </p:nvPr>
+        </p:nvSpPr>
+        <p:spPr/>
+        <p:txBody>
+          <a:bodyPr/>
+          <a:lstStyle/>
+          <a:p>
+            <a:fld id="{C1951030-1712-A844-813B-C453E8FB818E}" type="slidenum">
+              <a:rPr lang="de-DE" smtClean="0"/>
+              <a:t>15</a:t>
             </a:fld>
             <a:endParaRPr lang="de-DE"/>
           </a:p>
@@ -8579,8 +10265,88 @@
         </p:blipFill>
         <p:spPr>
           <a:xfrm>
-            <a:off x="1316181" y="2265218"/>
+            <a:off x="4627418" y="2309698"/>
             <a:ext cx="2632364" cy="2632364"/>
+          </a:xfrm>
+          <a:prstGeom prst="rect">
+            <a:avLst/>
+          </a:prstGeom>
+        </p:spPr>
+      </p:pic>
+      <p:sp>
+        <p:nvSpPr>
+          <p:cNvPr id="16" name="Ellipse 15">
+            <a:extLst>
+              <a:ext uri="{FF2B5EF4-FFF2-40B4-BE49-F238E27FC236}">
+                <a16:creationId xmlns:a16="http://schemas.microsoft.com/office/drawing/2014/main" id="{666A4CFE-E5F3-407C-AEBD-EBD7310491F9}"/>
+              </a:ext>
+            </a:extLst>
+          </p:cNvPr>
+          <p:cNvSpPr/>
+          <p:nvPr/>
+        </p:nvSpPr>
+        <p:spPr>
+          <a:xfrm>
+            <a:off x="5623675" y="2233700"/>
+            <a:ext cx="650471" cy="671830"/>
+          </a:xfrm>
+          <a:prstGeom prst="ellipse">
+            <a:avLst/>
+          </a:prstGeom>
+        </p:spPr>
+        <p:style>
+          <a:lnRef idx="2">
+            <a:schemeClr val="dk1"/>
+          </a:lnRef>
+          <a:fillRef idx="1">
+            <a:schemeClr val="lt1"/>
+          </a:fillRef>
+          <a:effectRef idx="0">
+            <a:schemeClr val="dk1"/>
+          </a:effectRef>
+          <a:fontRef idx="minor">
+            <a:schemeClr val="dk1"/>
+          </a:fontRef>
+        </p:style>
+        <p:txBody>
+          <a:bodyPr rtlCol="0" anchor="ctr"/>
+          <a:lstStyle/>
+          <a:p>
+            <a:pPr algn="ctr"/>
+            <a:endParaRPr lang="de-DE" dirty="0"/>
+          </a:p>
+        </p:txBody>
+      </p:sp>
+      <p:pic>
+        <p:nvPicPr>
+          <p:cNvPr id="12" name="Grafik 11" descr="Müdes Gesicht mit einfarbiger Füllung mit einfarbiger Füllung">
+            <a:extLst>
+              <a:ext uri="{FF2B5EF4-FFF2-40B4-BE49-F238E27FC236}">
+                <a16:creationId xmlns:a16="http://schemas.microsoft.com/office/drawing/2014/main" id="{7982447E-A225-4405-89DA-52EB8CAE2C70}"/>
+              </a:ext>
+            </a:extLst>
+          </p:cNvPr>
+          <p:cNvPicPr>
+            <a:picLocks noChangeAspect="1"/>
+          </p:cNvPicPr>
+          <p:nvPr/>
+        </p:nvPicPr>
+        <p:blipFill>
+          <a:blip r:embed="rId5">
+            <a:extLst>
+              <a:ext uri="{96DAC541-7B7A-43D3-8B79-37D633B846F1}">
+                <asvg:svgBlip xmlns:asvg="http://schemas.microsoft.com/office/drawing/2016/SVG/main" r:embed="rId6"/>
+              </a:ext>
+            </a:extLst>
+          </a:blip>
+          <a:stretch>
+            <a:fillRect/>
+          </a:stretch>
+        </p:blipFill>
+        <p:spPr>
+          <a:xfrm>
+            <a:off x="5486400" y="2126929"/>
+            <a:ext cx="914400" cy="914400"/>
           </a:xfrm>
           <a:prstGeom prst="rect">
             <a:avLst/>
@@ -8589,10 +10355,10 @@
       </p:pic>
       <p:pic>
         <p:nvPicPr>
-          <p:cNvPr id="9" name="Grafik 8" descr="Kaffee mit einfarbiger Füllung">
-            <a:extLst>
-              <a:ext uri="{FF2B5EF4-FFF2-40B4-BE49-F238E27FC236}">
-                <a16:creationId xmlns:a16="http://schemas.microsoft.com/office/drawing/2014/main" id="{FBAD76BB-7B39-3A4D-AC66-81EAE02D052E}"/>
+          <p:cNvPr id="20" name="Grafik 19" descr="Bücher mit einfarbiger Füllung">
+            <a:extLst>
+              <a:ext uri="{FF2B5EF4-FFF2-40B4-BE49-F238E27FC236}">
+                <a16:creationId xmlns:a16="http://schemas.microsoft.com/office/drawing/2014/main" id="{ECA12507-03D9-47CE-931A-B4A23DEDB32D}"/>
               </a:ext>
             </a:extLst>
           </p:cNvPr>
@@ -8602,10 +10368,190 @@
           <p:nvPr/>
         </p:nvPicPr>
         <p:blipFill>
-          <a:blip r:embed="rId5">
+          <a:blip r:embed="rId7">
             <a:extLst>
               <a:ext uri="{96DAC541-7B7A-43D3-8B79-37D633B846F1}">
-                <asvg:svgBlip xmlns:asvg="http://schemas.microsoft.com/office/drawing/2016/SVG/main" r:embed="rId6"/>
+                <asvg:svgBlip xmlns:asvg="http://schemas.microsoft.com/office/drawing/2016/SVG/main" r:embed="rId8"/>
+              </a:ext>
+            </a:extLst>
+          </a:blip>
+          <a:stretch>
+            <a:fillRect/>
+          </a:stretch>
+        </p:blipFill>
+        <p:spPr>
+          <a:xfrm>
+            <a:off x="2632447" y="3132044"/>
+            <a:ext cx="914400" cy="914400"/>
+          </a:xfrm>
+          <a:prstGeom prst="rect">
+            <a:avLst/>
+          </a:prstGeom>
+        </p:spPr>
+      </p:pic>
+      <p:pic>
+        <p:nvPicPr>
+          <p:cNvPr id="21" name="Grafik 20" descr="Bücher mit einfarbiger Füllung">
+            <a:extLst>
+              <a:ext uri="{FF2B5EF4-FFF2-40B4-BE49-F238E27FC236}">
+                <a16:creationId xmlns:a16="http://schemas.microsoft.com/office/drawing/2014/main" id="{A597B6EE-EE70-4F95-9603-E400B9B2A7EE}"/>
+              </a:ext>
+            </a:extLst>
+          </p:cNvPr>
+          <p:cNvPicPr>
+            <a:picLocks noChangeAspect="1"/>
+          </p:cNvPicPr>
+          <p:nvPr/>
+        </p:nvPicPr>
+        <p:blipFill>
+          <a:blip r:embed="rId7">
+            <a:extLst>
+              <a:ext uri="{96DAC541-7B7A-43D3-8B79-37D633B846F1}">
+                <asvg:svgBlip xmlns:asvg="http://schemas.microsoft.com/office/drawing/2016/SVG/main" r:embed="rId8"/>
+              </a:ext>
+            </a:extLst>
+          </a:blip>
+          <a:stretch>
+            <a:fillRect/>
+          </a:stretch>
+        </p:blipFill>
+        <p:spPr>
+          <a:xfrm>
+            <a:off x="1947967" y="3681319"/>
+            <a:ext cx="914400" cy="914400"/>
+          </a:xfrm>
+          <a:prstGeom prst="rect">
+            <a:avLst/>
+          </a:prstGeom>
+        </p:spPr>
+      </p:pic>
+      <p:pic>
+        <p:nvPicPr>
+          <p:cNvPr id="22" name="Grafik 21" descr="Bücher mit einfarbiger Füllung">
+            <a:extLst>
+              <a:ext uri="{FF2B5EF4-FFF2-40B4-BE49-F238E27FC236}">
+                <a16:creationId xmlns:a16="http://schemas.microsoft.com/office/drawing/2014/main" id="{4905DCBB-E0CD-4DEC-8CBC-1B030CA91379}"/>
+              </a:ext>
+            </a:extLst>
+          </p:cNvPr>
+          <p:cNvPicPr>
+            <a:picLocks noChangeAspect="1"/>
+          </p:cNvPicPr>
+          <p:nvPr/>
+        </p:nvPicPr>
+        <p:blipFill>
+          <a:blip r:embed="rId7">
+            <a:extLst>
+              <a:ext uri="{96DAC541-7B7A-43D3-8B79-37D633B846F1}">
+                <asvg:svgBlip xmlns:asvg="http://schemas.microsoft.com/office/drawing/2016/SVG/main" r:embed="rId8"/>
+              </a:ext>
+            </a:extLst>
+          </a:blip>
+          <a:stretch>
+            <a:fillRect/>
+          </a:stretch>
+        </p:blipFill>
+        <p:spPr>
+          <a:xfrm>
+            <a:off x="2747407" y="3859120"/>
+            <a:ext cx="914400" cy="914400"/>
+          </a:xfrm>
+          <a:prstGeom prst="rect">
+            <a:avLst/>
+          </a:prstGeom>
+        </p:spPr>
+      </p:pic>
+      <p:pic>
+        <p:nvPicPr>
+          <p:cNvPr id="23" name="Grafik 22" descr="Bücher mit einfarbiger Füllung">
+            <a:extLst>
+              <a:ext uri="{FF2B5EF4-FFF2-40B4-BE49-F238E27FC236}">
+                <a16:creationId xmlns:a16="http://schemas.microsoft.com/office/drawing/2014/main" id="{9487F55C-20AD-49F9-BBE0-6F0FDE7AF55A}"/>
+              </a:ext>
+            </a:extLst>
+          </p:cNvPr>
+          <p:cNvPicPr>
+            <a:picLocks noChangeAspect="1"/>
+          </p:cNvPicPr>
+          <p:nvPr/>
+        </p:nvPicPr>
+        <p:blipFill>
+          <a:blip r:embed="rId7">
+            <a:extLst>
+              <a:ext uri="{96DAC541-7B7A-43D3-8B79-37D633B846F1}">
+                <asvg:svgBlip xmlns:asvg="http://schemas.microsoft.com/office/drawing/2016/SVG/main" r:embed="rId8"/>
+              </a:ext>
+            </a:extLst>
+          </a:blip>
+          <a:stretch>
+            <a:fillRect/>
+          </a:stretch>
+        </p:blipFill>
+        <p:spPr>
+          <a:xfrm>
+            <a:off x="1798454" y="2949482"/>
+            <a:ext cx="914400" cy="914400"/>
+          </a:xfrm>
+          <a:prstGeom prst="rect">
+            <a:avLst/>
+          </a:prstGeom>
+        </p:spPr>
+      </p:pic>
+      <p:pic>
+        <p:nvPicPr>
+          <p:cNvPr id="24" name="Grafik 23" descr="Bücher mit einfarbiger Füllung">
+            <a:extLst>
+              <a:ext uri="{FF2B5EF4-FFF2-40B4-BE49-F238E27FC236}">
+                <a16:creationId xmlns:a16="http://schemas.microsoft.com/office/drawing/2014/main" id="{124B4FB1-02C5-4E57-8E1A-26CDDA88F3BB}"/>
+              </a:ext>
+            </a:extLst>
+          </p:cNvPr>
+          <p:cNvPicPr>
+            <a:picLocks noChangeAspect="1"/>
+          </p:cNvPicPr>
+          <p:nvPr/>
+        </p:nvPicPr>
+        <p:blipFill>
+          <a:blip r:embed="rId7">
+            <a:extLst>
+              <a:ext uri="{96DAC541-7B7A-43D3-8B79-37D633B846F1}">
+                <asvg:svgBlip xmlns:asvg="http://schemas.microsoft.com/office/drawing/2016/SVG/main" r:embed="rId8"/>
+              </a:ext>
+            </a:extLst>
+          </a:blip>
+          <a:stretch>
+            <a:fillRect/>
+          </a:stretch>
+        </p:blipFill>
+        <p:spPr>
+          <a:xfrm>
+            <a:off x="3581400" y="3312255"/>
+            <a:ext cx="914400" cy="914400"/>
+          </a:xfrm>
+          <a:prstGeom prst="rect">
+            <a:avLst/>
+          </a:prstGeom>
+        </p:spPr>
+      </p:pic>
+      <p:pic>
+        <p:nvPicPr>
+          <p:cNvPr id="29" name="Grafik 28" descr="Kaffee mit einfarbiger Füllung">
+            <a:extLst>
+              <a:ext uri="{FF2B5EF4-FFF2-40B4-BE49-F238E27FC236}">
+                <a16:creationId xmlns:a16="http://schemas.microsoft.com/office/drawing/2014/main" id="{9C5930A0-241C-4035-A8FD-8FE75979B860}"/>
+              </a:ext>
+            </a:extLst>
+          </p:cNvPr>
+          <p:cNvPicPr>
+            <a:picLocks noChangeAspect="1"/>
+          </p:cNvPicPr>
+          <p:nvPr/>
+        </p:nvPicPr>
+        <p:blipFill>
+          <a:blip r:embed="rId9">
+            <a:extLst>
+              <a:ext uri="{96DAC541-7B7A-43D3-8B79-37D633B846F1}">
+                <asvg:svgBlip xmlns:asvg="http://schemas.microsoft.com/office/drawing/2016/SVG/main" r:embed="rId10"/>
               </a:ext>
             </a:extLst>
           </a:blip>
@@ -8625,10 +10571,10 @@
       </p:pic>
       <p:pic>
         <p:nvPicPr>
-          <p:cNvPr id="10" name="Grafik 9" descr="Kaffee mit einfarbiger Füllung">
-            <a:extLst>
-              <a:ext uri="{FF2B5EF4-FFF2-40B4-BE49-F238E27FC236}">
-                <a16:creationId xmlns:a16="http://schemas.microsoft.com/office/drawing/2014/main" id="{083068C5-31FB-6D40-AA80-7CEC2FC7AE8F}"/>
+          <p:cNvPr id="30" name="Grafik 29" descr="Kaffee mit einfarbiger Füllung">
+            <a:extLst>
+              <a:ext uri="{FF2B5EF4-FFF2-40B4-BE49-F238E27FC236}">
+                <a16:creationId xmlns:a16="http://schemas.microsoft.com/office/drawing/2014/main" id="{17CC66B5-B06F-4761-A22D-FD5676FE6BF2}"/>
               </a:ext>
             </a:extLst>
           </p:cNvPr>
@@ -8638,10 +10584,10 @@
           <p:nvPr/>
         </p:nvPicPr>
         <p:blipFill>
-          <a:blip r:embed="rId5">
+          <a:blip r:embed="rId9">
             <a:extLst>
               <a:ext uri="{96DAC541-7B7A-43D3-8B79-37D633B846F1}">
-                <asvg:svgBlip xmlns:asvg="http://schemas.microsoft.com/office/drawing/2016/SVG/main" r:embed="rId6"/>
+                <asvg:svgBlip xmlns:asvg="http://schemas.microsoft.com/office/drawing/2016/SVG/main" r:embed="rId10"/>
               </a:ext>
             </a:extLst>
           </a:blip>
@@ -8661,10 +10607,10 @@
       </p:pic>
       <p:pic>
         <p:nvPicPr>
-          <p:cNvPr id="11" name="Grafik 10" descr="Kaffee mit einfarbiger Füllung">
-            <a:extLst>
-              <a:ext uri="{FF2B5EF4-FFF2-40B4-BE49-F238E27FC236}">
-                <a16:creationId xmlns:a16="http://schemas.microsoft.com/office/drawing/2014/main" id="{4DA94D56-C0FF-514C-A649-1C3FA52240BC}"/>
+          <p:cNvPr id="31" name="Grafik 30" descr="Kaffee mit einfarbiger Füllung">
+            <a:extLst>
+              <a:ext uri="{FF2B5EF4-FFF2-40B4-BE49-F238E27FC236}">
+                <a16:creationId xmlns:a16="http://schemas.microsoft.com/office/drawing/2014/main" id="{B529790F-E58A-48D3-801D-3C406F64EF9C}"/>
               </a:ext>
             </a:extLst>
           </p:cNvPr>
@@ -8674,10 +10620,10 @@
           <p:nvPr/>
         </p:nvPicPr>
         <p:blipFill>
-          <a:blip r:embed="rId5">
+          <a:blip r:embed="rId9">
             <a:extLst>
               <a:ext uri="{96DAC541-7B7A-43D3-8B79-37D633B846F1}">
-                <asvg:svgBlip xmlns:asvg="http://schemas.microsoft.com/office/drawing/2016/SVG/main" r:embed="rId6"/>
+                <asvg:svgBlip xmlns:asvg="http://schemas.microsoft.com/office/drawing/2016/SVG/main" r:embed="rId10"/>
               </a:ext>
             </a:extLst>
           </a:blip>
@@ -8697,10 +10643,10 @@
       </p:pic>
       <p:pic>
         <p:nvPicPr>
-          <p:cNvPr id="13" name="Grafik 12" descr="Fragezeichen mit einfarbiger Füllung">
-            <a:extLst>
-              <a:ext uri="{FF2B5EF4-FFF2-40B4-BE49-F238E27FC236}">
-                <a16:creationId xmlns:a16="http://schemas.microsoft.com/office/drawing/2014/main" id="{9369829C-21E4-FB4F-8755-FDE1B7FE853E}"/>
+          <p:cNvPr id="35" name="Grafik 34" descr="Lachendes Gesicht mit einfarbiger Füllung mit einfarbiger Füllung">
+            <a:extLst>
+              <a:ext uri="{FF2B5EF4-FFF2-40B4-BE49-F238E27FC236}">
+                <a16:creationId xmlns:a16="http://schemas.microsoft.com/office/drawing/2014/main" id="{863C5BE3-16BE-490F-A82A-28300F38D9E1}"/>
               </a:ext>
             </a:extLst>
           </p:cNvPr>
@@ -8710,10 +10656,10 @@
           <p:nvPr/>
         </p:nvPicPr>
         <p:blipFill>
-          <a:blip r:embed="rId7">
+          <a:blip r:embed="rId11">
             <a:extLst>
               <a:ext uri="{96DAC541-7B7A-43D3-8B79-37D633B846F1}">
-                <asvg:svgBlip xmlns:asvg="http://schemas.microsoft.com/office/drawing/2016/SVG/main" r:embed="rId8"/>
+                <asvg:svgBlip xmlns:asvg="http://schemas.microsoft.com/office/drawing/2016/SVG/main" r:embed="rId12"/>
               </a:ext>
             </a:extLst>
           </a:blip>
@@ -8723,8 +10669,90 @@
         </p:blipFill>
         <p:spPr>
           <a:xfrm>
-            <a:off x="4499263" y="2618509"/>
-            <a:ext cx="1925782" cy="1925782"/>
+            <a:off x="5486400" y="2126929"/>
+            <a:ext cx="914400" cy="914400"/>
+          </a:xfrm>
+          <a:prstGeom prst="rect">
+            <a:avLst/>
+          </a:prstGeom>
+        </p:spPr>
+      </p:pic>
+      <p:sp>
+        <p:nvSpPr>
+          <p:cNvPr id="36" name="Rechteck 35">
+            <a:extLst>
+              <a:ext uri="{FF2B5EF4-FFF2-40B4-BE49-F238E27FC236}">
+                <a16:creationId xmlns:a16="http://schemas.microsoft.com/office/drawing/2014/main" id="{BE40E607-B478-41A4-B5DC-899979FBDAC4}"/>
+              </a:ext>
+            </a:extLst>
+          </p:cNvPr>
+          <p:cNvSpPr/>
+          <p:nvPr/>
+        </p:nvSpPr>
+        <p:spPr>
+          <a:xfrm>
+            <a:off x="6622083" y="4607430"/>
+            <a:ext cx="453907" cy="295424"/>
+          </a:xfrm>
+          <a:prstGeom prst="rect">
+            <a:avLst/>
+          </a:prstGeom>
+          <a:solidFill>
+            <a:schemeClr val="bg1"/>
+          </a:solidFill>
+          <a:ln>
+            <a:solidFill>
+              <a:schemeClr val="bg1"/>
+            </a:solidFill>
+          </a:ln>
+        </p:spPr>
+        <p:style>
+          <a:lnRef idx="2">
+            <a:schemeClr val="dk1"/>
+          </a:lnRef>
+          <a:fillRef idx="1">
+            <a:schemeClr val="lt1"/>
+          </a:fillRef>
+          <a:effectRef idx="0">
+            <a:schemeClr val="dk1"/>
+          </a:effectRef>
+          <a:fontRef idx="minor">
+            <a:schemeClr val="dk1"/>
+          </a:fontRef>
+        </p:style>
+        <p:txBody>
+          <a:bodyPr rtlCol="0" anchor="ctr"/>
+          <a:lstStyle/>
+          <a:p>
+            <a:pPr algn="ctr"/>
+            <a:endParaRPr lang="de-DE"/>
+          </a:p>
+        </p:txBody>
+      </p:sp>
+      <p:pic>
+        <p:nvPicPr>
+          <p:cNvPr id="38" name="Grafik 37">
+            <a:extLst>
+              <a:ext uri="{FF2B5EF4-FFF2-40B4-BE49-F238E27FC236}">
+                <a16:creationId xmlns:a16="http://schemas.microsoft.com/office/drawing/2014/main" id="{ECA1A8DE-D487-48B5-8C20-982F0CD4BB79}"/>
+              </a:ext>
+            </a:extLst>
+          </p:cNvPr>
+          <p:cNvPicPr>
+            <a:picLocks noChangeAspect="1"/>
+          </p:cNvPicPr>
+          <p:nvPr/>
+        </p:nvPicPr>
+        <p:blipFill>
+          <a:blip r:embed="rId13"/>
+          <a:stretch>
+            <a:fillRect/>
+          </a:stretch>
+        </p:blipFill>
+        <p:spPr>
+          <a:xfrm>
+            <a:off x="5779776" y="2588021"/>
+            <a:ext cx="81292" cy="114343"/>
           </a:xfrm>
           <a:prstGeom prst="rect">
             <a:avLst/>
@@ -8741,6 +10769,474 @@
   <p:clrMapOvr>
     <a:masterClrMapping/>
   </p:clrMapOvr>
+  <p:timing>
+    <p:tnLst>
+      <p:par>
+        <p:cTn id="1" dur="indefinite" restart="never" nodeType="tmRoot">
+          <p:childTnLst>
+            <p:seq concurrent="1" nextAc="seek">
+              <p:cTn id="2" dur="indefinite" nodeType="mainSeq">
+                <p:childTnLst>
+                  <p:par>
+                    <p:cTn id="3" fill="hold">
+                      <p:stCondLst>
+                        <p:cond delay="indefinite"/>
+                      </p:stCondLst>
+                      <p:childTnLst>
+                        <p:par>
+                          <p:cTn id="4" fill="hold">
+                            <p:stCondLst>
+                              <p:cond delay="0"/>
+                            </p:stCondLst>
+                            <p:childTnLst>
+                              <p:par>
+                                <p:cTn id="5" presetID="1" presetClass="entr" presetSubtype="0" fill="hold" grpId="0" nodeType="clickEffect">
+                                  <p:stCondLst>
+                                    <p:cond delay="0"/>
+                                  </p:stCondLst>
+                                  <p:childTnLst>
+                                    <p:set>
+                                      <p:cBhvr>
+                                        <p:cTn id="6" dur="1" fill="hold">
+                                          <p:stCondLst>
+                                            <p:cond delay="0"/>
+                                          </p:stCondLst>
+                                        </p:cTn>
+                                        <p:tgtEl>
+                                          <p:spTgt spid="16"/>
+                                        </p:tgtEl>
+                                        <p:attrNameLst>
+                                          <p:attrName>style.visibility</p:attrName>
+                                        </p:attrNameLst>
+                                      </p:cBhvr>
+                                      <p:to>
+                                        <p:strVal val="visible"/>
+                                      </p:to>
+                                    </p:set>
+                                  </p:childTnLst>
+                                </p:cTn>
+                              </p:par>
+                              <p:par>
+                                <p:cTn id="7" presetID="1" presetClass="entr" presetSubtype="0" fill="hold" nodeType="withEffect">
+                                  <p:stCondLst>
+                                    <p:cond delay="0"/>
+                                  </p:stCondLst>
+                                  <p:childTnLst>
+                                    <p:set>
+                                      <p:cBhvr>
+                                        <p:cTn id="8" dur="1" fill="hold">
+                                          <p:stCondLst>
+                                            <p:cond delay="0"/>
+                                          </p:stCondLst>
+                                        </p:cTn>
+                                        <p:tgtEl>
+                                          <p:spTgt spid="12"/>
+                                        </p:tgtEl>
+                                        <p:attrNameLst>
+                                          <p:attrName>style.visibility</p:attrName>
+                                        </p:attrNameLst>
+                                      </p:cBhvr>
+                                      <p:to>
+                                        <p:strVal val="visible"/>
+                                      </p:to>
+                                    </p:set>
+                                  </p:childTnLst>
+                                </p:cTn>
+                              </p:par>
+                              <p:par>
+                                <p:cTn id="9" presetID="1" presetClass="entr" presetSubtype="0" fill="hold" nodeType="withEffect">
+                                  <p:stCondLst>
+                                    <p:cond delay="0"/>
+                                  </p:stCondLst>
+                                  <p:childTnLst>
+                                    <p:set>
+                                      <p:cBhvr>
+                                        <p:cTn id="10" dur="1" fill="hold">
+                                          <p:stCondLst>
+                                            <p:cond delay="0"/>
+                                          </p:stCondLst>
+                                        </p:cTn>
+                                        <p:tgtEl>
+                                          <p:spTgt spid="20"/>
+                                        </p:tgtEl>
+                                        <p:attrNameLst>
+                                          <p:attrName>style.visibility</p:attrName>
+                                        </p:attrNameLst>
+                                      </p:cBhvr>
+                                      <p:to>
+                                        <p:strVal val="visible"/>
+                                      </p:to>
+                                    </p:set>
+                                  </p:childTnLst>
+                                </p:cTn>
+                              </p:par>
+                              <p:par>
+                                <p:cTn id="11" presetID="1" presetClass="entr" presetSubtype="0" fill="hold" nodeType="withEffect">
+                                  <p:stCondLst>
+                                    <p:cond delay="0"/>
+                                  </p:stCondLst>
+                                  <p:childTnLst>
+                                    <p:set>
+                                      <p:cBhvr>
+                                        <p:cTn id="12" dur="1" fill="hold">
+                                          <p:stCondLst>
+                                            <p:cond delay="0"/>
+                                          </p:stCondLst>
+                                        </p:cTn>
+                                        <p:tgtEl>
+                                          <p:spTgt spid="21"/>
+                                        </p:tgtEl>
+                                        <p:attrNameLst>
+                                          <p:attrName>style.visibility</p:attrName>
+                                        </p:attrNameLst>
+                                      </p:cBhvr>
+                                      <p:to>
+                                        <p:strVal val="visible"/>
+                                      </p:to>
+                                    </p:set>
+                                  </p:childTnLst>
+                                </p:cTn>
+                              </p:par>
+                              <p:par>
+                                <p:cTn id="13" presetID="1" presetClass="entr" presetSubtype="0" fill="hold" nodeType="withEffect">
+                                  <p:stCondLst>
+                                    <p:cond delay="0"/>
+                                  </p:stCondLst>
+                                  <p:childTnLst>
+                                    <p:set>
+                                      <p:cBhvr>
+                                        <p:cTn id="14" dur="1" fill="hold">
+                                          <p:stCondLst>
+                                            <p:cond delay="0"/>
+                                          </p:stCondLst>
+                                        </p:cTn>
+                                        <p:tgtEl>
+                                          <p:spTgt spid="22"/>
+                                        </p:tgtEl>
+                                        <p:attrNameLst>
+                                          <p:attrName>style.visibility</p:attrName>
+                                        </p:attrNameLst>
+                                      </p:cBhvr>
+                                      <p:to>
+                                        <p:strVal val="visible"/>
+                                      </p:to>
+                                    </p:set>
+                                  </p:childTnLst>
+                                </p:cTn>
+                              </p:par>
+                              <p:par>
+                                <p:cTn id="15" presetID="1" presetClass="entr" presetSubtype="0" fill="hold" nodeType="withEffect">
+                                  <p:stCondLst>
+                                    <p:cond delay="0"/>
+                                  </p:stCondLst>
+                                  <p:childTnLst>
+                                    <p:set>
+                                      <p:cBhvr>
+                                        <p:cTn id="16" dur="1" fill="hold">
+                                          <p:stCondLst>
+                                            <p:cond delay="0"/>
+                                          </p:stCondLst>
+                                        </p:cTn>
+                                        <p:tgtEl>
+                                          <p:spTgt spid="23"/>
+                                        </p:tgtEl>
+                                        <p:attrNameLst>
+                                          <p:attrName>style.visibility</p:attrName>
+                                        </p:attrNameLst>
+                                      </p:cBhvr>
+                                      <p:to>
+                                        <p:strVal val="visible"/>
+                                      </p:to>
+                                    </p:set>
+                                  </p:childTnLst>
+                                </p:cTn>
+                              </p:par>
+                              <p:par>
+                                <p:cTn id="17" presetID="1" presetClass="entr" presetSubtype="0" fill="hold" nodeType="withEffect">
+                                  <p:stCondLst>
+                                    <p:cond delay="0"/>
+                                  </p:stCondLst>
+                                  <p:childTnLst>
+                                    <p:set>
+                                      <p:cBhvr>
+                                        <p:cTn id="18" dur="1" fill="hold">
+                                          <p:stCondLst>
+                                            <p:cond delay="0"/>
+                                          </p:stCondLst>
+                                        </p:cTn>
+                                        <p:tgtEl>
+                                          <p:spTgt spid="24"/>
+                                        </p:tgtEl>
+                                        <p:attrNameLst>
+                                          <p:attrName>style.visibility</p:attrName>
+                                        </p:attrNameLst>
+                                      </p:cBhvr>
+                                      <p:to>
+                                        <p:strVal val="visible"/>
+                                      </p:to>
+                                    </p:set>
+                                  </p:childTnLst>
+                                </p:cTn>
+                              </p:par>
+                            </p:childTnLst>
+                          </p:cTn>
+                        </p:par>
+                      </p:childTnLst>
+                    </p:cTn>
+                  </p:par>
+                  <p:par>
+                    <p:cTn id="19" fill="hold">
+                      <p:stCondLst>
+                        <p:cond delay="indefinite"/>
+                      </p:stCondLst>
+                      <p:childTnLst>
+                        <p:par>
+                          <p:cTn id="20" fill="hold">
+                            <p:stCondLst>
+                              <p:cond delay="0"/>
+                            </p:stCondLst>
+                            <p:childTnLst>
+                              <p:par>
+                                <p:cTn id="21" presetID="10" presetClass="entr" presetSubtype="0" fill="hold" nodeType="clickEffect">
+                                  <p:stCondLst>
+                                    <p:cond delay="0"/>
+                                  </p:stCondLst>
+                                  <p:childTnLst>
+                                    <p:set>
+                                      <p:cBhvr>
+                                        <p:cTn id="22" dur="1" fill="hold">
+                                          <p:stCondLst>
+                                            <p:cond delay="0"/>
+                                          </p:stCondLst>
+                                        </p:cTn>
+                                        <p:tgtEl>
+                                          <p:spTgt spid="35"/>
+                                        </p:tgtEl>
+                                        <p:attrNameLst>
+                                          <p:attrName>style.visibility</p:attrName>
+                                        </p:attrNameLst>
+                                      </p:cBhvr>
+                                      <p:to>
+                                        <p:strVal val="visible"/>
+                                      </p:to>
+                                    </p:set>
+                                    <p:animEffect transition="in" filter="fade">
+                                      <p:cBhvr>
+                                        <p:cTn id="23" dur="500"/>
+                                        <p:tgtEl>
+                                          <p:spTgt spid="35"/>
+                                        </p:tgtEl>
+                                      </p:cBhvr>
+                                    </p:animEffect>
+                                  </p:childTnLst>
+                                </p:cTn>
+                              </p:par>
+                              <p:par>
+                                <p:cTn id="24" presetID="10" presetClass="entr" presetSubtype="0" fill="hold" nodeType="withEffect">
+                                  <p:stCondLst>
+                                    <p:cond delay="0"/>
+                                  </p:stCondLst>
+                                  <p:childTnLst>
+                                    <p:set>
+                                      <p:cBhvr>
+                                        <p:cTn id="25" dur="1" fill="hold">
+                                          <p:stCondLst>
+                                            <p:cond delay="0"/>
+                                          </p:stCondLst>
+                                        </p:cTn>
+                                        <p:tgtEl>
+                                          <p:spTgt spid="38"/>
+                                        </p:tgtEl>
+                                        <p:attrNameLst>
+                                          <p:attrName>style.visibility</p:attrName>
+                                        </p:attrNameLst>
+                                      </p:cBhvr>
+                                      <p:to>
+                                        <p:strVal val="visible"/>
+                                      </p:to>
+                                    </p:set>
+                                    <p:animEffect transition="in" filter="fade">
+                                      <p:cBhvr>
+                                        <p:cTn id="26" dur="500"/>
+                                        <p:tgtEl>
+                                          <p:spTgt spid="38"/>
+                                        </p:tgtEl>
+                                      </p:cBhvr>
+                                    </p:animEffect>
+                                  </p:childTnLst>
+                                </p:cTn>
+                              </p:par>
+                              <p:par>
+                                <p:cTn id="27" presetID="10" presetClass="entr" presetSubtype="0" fill="hold" nodeType="withEffect">
+                                  <p:stCondLst>
+                                    <p:cond delay="0"/>
+                                  </p:stCondLst>
+                                  <p:childTnLst>
+                                    <p:set>
+                                      <p:cBhvr>
+                                        <p:cTn id="28" dur="1" fill="hold">
+                                          <p:stCondLst>
+                                            <p:cond delay="0"/>
+                                          </p:stCondLst>
+                                        </p:cTn>
+                                        <p:tgtEl>
+                                          <p:spTgt spid="29"/>
+                                        </p:tgtEl>
+                                        <p:attrNameLst>
+                                          <p:attrName>style.visibility</p:attrName>
+                                        </p:attrNameLst>
+                                      </p:cBhvr>
+                                      <p:to>
+                                        <p:strVal val="visible"/>
+                                      </p:to>
+                                    </p:set>
+                                    <p:animEffect transition="in" filter="fade">
+                                      <p:cBhvr>
+                                        <p:cTn id="29" dur="500"/>
+                                        <p:tgtEl>
+                                          <p:spTgt spid="29"/>
+                                        </p:tgtEl>
+                                      </p:cBhvr>
+                                    </p:animEffect>
+                                  </p:childTnLst>
+                                </p:cTn>
+                              </p:par>
+                              <p:par>
+                                <p:cTn id="30" presetID="10" presetClass="entr" presetSubtype="0" fill="hold" nodeType="withEffect">
+                                  <p:stCondLst>
+                                    <p:cond delay="0"/>
+                                  </p:stCondLst>
+                                  <p:childTnLst>
+                                    <p:set>
+                                      <p:cBhvr>
+                                        <p:cTn id="31" dur="1" fill="hold">
+                                          <p:stCondLst>
+                                            <p:cond delay="0"/>
+                                          </p:stCondLst>
+                                        </p:cTn>
+                                        <p:tgtEl>
+                                          <p:spTgt spid="30"/>
+                                        </p:tgtEl>
+                                        <p:attrNameLst>
+                                          <p:attrName>style.visibility</p:attrName>
+                                        </p:attrNameLst>
+                                      </p:cBhvr>
+                                      <p:to>
+                                        <p:strVal val="visible"/>
+                                      </p:to>
+                                    </p:set>
+                                    <p:animEffect transition="in" filter="fade">
+                                      <p:cBhvr>
+                                        <p:cTn id="32" dur="500"/>
+                                        <p:tgtEl>
+                                          <p:spTgt spid="30"/>
+                                        </p:tgtEl>
+                                      </p:cBhvr>
+                                    </p:animEffect>
+                                  </p:childTnLst>
+                                </p:cTn>
+                              </p:par>
+                              <p:par>
+                                <p:cTn id="33" presetID="10" presetClass="entr" presetSubtype="0" fill="hold" nodeType="withEffect">
+                                  <p:stCondLst>
+                                    <p:cond delay="0"/>
+                                  </p:stCondLst>
+                                  <p:childTnLst>
+                                    <p:set>
+                                      <p:cBhvr>
+                                        <p:cTn id="34" dur="1" fill="hold">
+                                          <p:stCondLst>
+                                            <p:cond delay="0"/>
+                                          </p:stCondLst>
+                                        </p:cTn>
+                                        <p:tgtEl>
+                                          <p:spTgt spid="31"/>
+                                        </p:tgtEl>
+                                        <p:attrNameLst>
+                                          <p:attrName>style.visibility</p:attrName>
+                                        </p:attrNameLst>
+                                      </p:cBhvr>
+                                      <p:to>
+                                        <p:strVal val="visible"/>
+                                      </p:to>
+                                    </p:set>
+                                    <p:animEffect transition="in" filter="fade">
+                                      <p:cBhvr>
+                                        <p:cTn id="35" dur="500"/>
+                                        <p:tgtEl>
+                                          <p:spTgt spid="31"/>
+                                        </p:tgtEl>
+                                      </p:cBhvr>
+                                    </p:animEffect>
+                                  </p:childTnLst>
+                                </p:cTn>
+                              </p:par>
+                              <p:par>
+                                <p:cTn id="36" presetID="10" presetClass="exit" presetSubtype="0" fill="hold" nodeType="withEffect">
+                                  <p:stCondLst>
+                                    <p:cond delay="0"/>
+                                  </p:stCondLst>
+                                  <p:childTnLst>
+                                    <p:animEffect transition="out" filter="fade">
+                                      <p:cBhvr>
+                                        <p:cTn id="37" dur="500"/>
+                                        <p:tgtEl>
+                                          <p:spTgt spid="12"/>
+                                        </p:tgtEl>
+                                      </p:cBhvr>
+                                    </p:animEffect>
+                                    <p:set>
+                                      <p:cBhvr>
+                                        <p:cTn id="38" dur="1" fill="hold">
+                                          <p:stCondLst>
+                                            <p:cond delay="499"/>
+                                          </p:stCondLst>
+                                        </p:cTn>
+                                        <p:tgtEl>
+                                          <p:spTgt spid="12"/>
+                                        </p:tgtEl>
+                                        <p:attrNameLst>
+                                          <p:attrName>style.visibility</p:attrName>
+                                        </p:attrNameLst>
+                                      </p:cBhvr>
+                                      <p:to>
+                                        <p:strVal val="hidden"/>
+                                      </p:to>
+                                    </p:set>
+                                  </p:childTnLst>
+                                </p:cTn>
+                              </p:par>
+                            </p:childTnLst>
+                          </p:cTn>
+                        </p:par>
+                      </p:childTnLst>
+                    </p:cTn>
+                  </p:par>
+                </p:childTnLst>
+              </p:cTn>
+              <p:prevCondLst>
+                <p:cond evt="onPrev" delay="0">
+                  <p:tgtEl>
+                    <p:sldTgt/>
+                  </p:tgtEl>
+                </p:cond>
+              </p:prevCondLst>
+              <p:nextCondLst>
+                <p:cond evt="onNext" delay="0">
+                  <p:tgtEl>
+                    <p:sldTgt/>
+                  </p:tgtEl>
+                </p:cond>
+              </p:nextCondLst>
+            </p:seq>
+          </p:childTnLst>
+        </p:cTn>
+      </p:par>
+    </p:tnLst>
+    <p:bldLst>
+      <p:bldP spid="16" grpId="0" animBg="1"/>
+    </p:bldLst>
+  </p:timing>
 </p:sld>
 </file>
 
@@ -8763,10 +11259,10 @@
       </p:grpSpPr>
       <p:sp>
         <p:nvSpPr>
-          <p:cNvPr id="4" name="Datumsplatzhalter 3">
-            <a:extLst>
-              <a:ext uri="{FF2B5EF4-FFF2-40B4-BE49-F238E27FC236}">
-                <a16:creationId xmlns:a16="http://schemas.microsoft.com/office/drawing/2014/main" id="{0311255E-2039-3540-98F1-3635B62BE089}"/>
+          <p:cNvPr id="2" name="Titel 1">
+            <a:extLst>
+              <a:ext uri="{FF2B5EF4-FFF2-40B4-BE49-F238E27FC236}">
+                <a16:creationId xmlns:a16="http://schemas.microsoft.com/office/drawing/2014/main" id="{CA602554-BCBF-044C-9749-B37622C4E913}"/>
               </a:ext>
             </a:extLst>
           </p:cNvPr>
@@ -8774,7 +11270,7 @@
             <a:spLocks noGrp="1"/>
           </p:cNvSpPr>
           <p:nvPr>
-            <p:ph type="dt" sz="half" idx="10"/>
+            <p:ph type="title"/>
           </p:nvPr>
         </p:nvSpPr>
         <p:spPr/>
@@ -8783,7 +11279,35 @@
           <a:lstStyle/>
           <a:p>
             <a:r>
-              <a:rPr lang="de-DE"/>
+              <a:rPr lang="de-DE" dirty="0"/>
+              <a:t>Motivation</a:t>
+            </a:r>
+          </a:p>
+        </p:txBody>
+      </p:sp>
+      <p:sp>
+        <p:nvSpPr>
+          <p:cNvPr id="4" name="Datumsplatzhalter 3">
+            <a:extLst>
+              <a:ext uri="{FF2B5EF4-FFF2-40B4-BE49-F238E27FC236}">
+                <a16:creationId xmlns:a16="http://schemas.microsoft.com/office/drawing/2014/main" id="{15010CDC-20F3-3441-9BF1-93AF0D866946}"/>
+              </a:ext>
+            </a:extLst>
+          </p:cNvPr>
+          <p:cNvSpPr>
+            <a:spLocks noGrp="1"/>
+          </p:cNvSpPr>
+          <p:nvPr>
+            <p:ph type="dt" sz="half" idx="10"/>
+          </p:nvPr>
+        </p:nvSpPr>
+        <p:spPr/>
+        <p:txBody>
+          <a:bodyPr/>
+          <a:lstStyle/>
+          <a:p>
+            <a:r>
+              <a:rPr lang="de-DE" dirty="0"/>
               <a:t>03.12.21</a:t>
             </a:r>
           </a:p>
@@ -8794,7 +11318,7 @@
           <p:cNvPr id="5" name="Foliennummernplatzhalter 4">
             <a:extLst>
               <a:ext uri="{FF2B5EF4-FFF2-40B4-BE49-F238E27FC236}">
-                <a16:creationId xmlns:a16="http://schemas.microsoft.com/office/drawing/2014/main" id="{3DBA8778-5EB1-B044-9FCA-13322FF5CBD7}"/>
+                <a16:creationId xmlns:a16="http://schemas.microsoft.com/office/drawing/2014/main" id="{C4E31D69-9E66-B649-8033-2CA9F621FA79}"/>
               </a:ext>
             </a:extLst>
           </p:cNvPr>
@@ -8818,6 +11342,353 @@
           </a:p>
         </p:txBody>
       </p:sp>
+      <p:pic>
+        <p:nvPicPr>
+          <p:cNvPr id="7" name="Grafik 6" descr="Frau mit einfarbiger Füllung">
+            <a:extLst>
+              <a:ext uri="{FF2B5EF4-FFF2-40B4-BE49-F238E27FC236}">
+                <a16:creationId xmlns:a16="http://schemas.microsoft.com/office/drawing/2014/main" id="{6FEC9959-BBB4-4349-9B9B-8A77287021C2}"/>
+              </a:ext>
+            </a:extLst>
+          </p:cNvPr>
+          <p:cNvPicPr>
+            <a:picLocks noChangeAspect="1"/>
+          </p:cNvPicPr>
+          <p:nvPr/>
+        </p:nvPicPr>
+        <p:blipFill>
+          <a:blip r:embed="rId3">
+            <a:extLst>
+              <a:ext uri="{96DAC541-7B7A-43D3-8B79-37D633B846F1}">
+                <asvg:svgBlip xmlns:asvg="http://schemas.microsoft.com/office/drawing/2016/SVG/main" r:embed="rId4"/>
+              </a:ext>
+            </a:extLst>
+          </a:blip>
+          <a:stretch>
+            <a:fillRect/>
+          </a:stretch>
+        </p:blipFill>
+        <p:spPr>
+          <a:xfrm>
+            <a:off x="1316181" y="2265218"/>
+            <a:ext cx="2632364" cy="2632364"/>
+          </a:xfrm>
+          <a:prstGeom prst="rect">
+            <a:avLst/>
+          </a:prstGeom>
+        </p:spPr>
+      </p:pic>
+      <p:pic>
+        <p:nvPicPr>
+          <p:cNvPr id="9" name="Grafik 8" descr="Kaffee mit einfarbiger Füllung">
+            <a:extLst>
+              <a:ext uri="{FF2B5EF4-FFF2-40B4-BE49-F238E27FC236}">
+                <a16:creationId xmlns:a16="http://schemas.microsoft.com/office/drawing/2014/main" id="{FBAD76BB-7B39-3A4D-AC66-81EAE02D052E}"/>
+              </a:ext>
+            </a:extLst>
+          </p:cNvPr>
+          <p:cNvPicPr>
+            <a:picLocks noChangeAspect="1"/>
+          </p:cNvPicPr>
+          <p:nvPr/>
+        </p:nvPicPr>
+        <p:blipFill>
+          <a:blip r:embed="rId5">
+            <a:extLst>
+              <a:ext uri="{96DAC541-7B7A-43D3-8B79-37D633B846F1}">
+                <asvg:svgBlip xmlns:asvg="http://schemas.microsoft.com/office/drawing/2016/SVG/main" r:embed="rId6"/>
+              </a:ext>
+            </a:extLst>
+          </a:blip>
+          <a:stretch>
+            <a:fillRect/>
+          </a:stretch>
+        </p:blipFill>
+        <p:spPr>
+          <a:xfrm>
+            <a:off x="6885709" y="2251363"/>
+            <a:ext cx="2355273" cy="2355273"/>
+          </a:xfrm>
+          <a:prstGeom prst="rect">
+            <a:avLst/>
+          </a:prstGeom>
+        </p:spPr>
+      </p:pic>
+      <p:pic>
+        <p:nvPicPr>
+          <p:cNvPr id="10" name="Grafik 9" descr="Kaffee mit einfarbiger Füllung">
+            <a:extLst>
+              <a:ext uri="{FF2B5EF4-FFF2-40B4-BE49-F238E27FC236}">
+                <a16:creationId xmlns:a16="http://schemas.microsoft.com/office/drawing/2014/main" id="{083068C5-31FB-6D40-AA80-7CEC2FC7AE8F}"/>
+              </a:ext>
+            </a:extLst>
+          </p:cNvPr>
+          <p:cNvPicPr>
+            <a:picLocks noChangeAspect="1"/>
+          </p:cNvPicPr>
+          <p:nvPr/>
+        </p:nvPicPr>
+        <p:blipFill>
+          <a:blip r:embed="rId5">
+            <a:extLst>
+              <a:ext uri="{96DAC541-7B7A-43D3-8B79-37D633B846F1}">
+                <asvg:svgBlip xmlns:asvg="http://schemas.microsoft.com/office/drawing/2016/SVG/main" r:embed="rId6"/>
+              </a:ext>
+            </a:extLst>
+          </a:blip>
+          <a:stretch>
+            <a:fillRect/>
+          </a:stretch>
+        </p:blipFill>
+        <p:spPr>
+          <a:xfrm>
+            <a:off x="8846127" y="2973820"/>
+            <a:ext cx="2355273" cy="2355273"/>
+          </a:xfrm>
+          <a:prstGeom prst="rect">
+            <a:avLst/>
+          </a:prstGeom>
+        </p:spPr>
+      </p:pic>
+      <p:pic>
+        <p:nvPicPr>
+          <p:cNvPr id="11" name="Grafik 10" descr="Kaffee mit einfarbiger Füllung">
+            <a:extLst>
+              <a:ext uri="{FF2B5EF4-FFF2-40B4-BE49-F238E27FC236}">
+                <a16:creationId xmlns:a16="http://schemas.microsoft.com/office/drawing/2014/main" id="{4DA94D56-C0FF-514C-A649-1C3FA52240BC}"/>
+              </a:ext>
+            </a:extLst>
+          </p:cNvPr>
+          <p:cNvPicPr>
+            <a:picLocks noChangeAspect="1"/>
+          </p:cNvPicPr>
+          <p:nvPr/>
+        </p:nvPicPr>
+        <p:blipFill>
+          <a:blip r:embed="rId5">
+            <a:extLst>
+              <a:ext uri="{96DAC541-7B7A-43D3-8B79-37D633B846F1}">
+                <asvg:svgBlip xmlns:asvg="http://schemas.microsoft.com/office/drawing/2016/SVG/main" r:embed="rId6"/>
+              </a:ext>
+            </a:extLst>
+          </a:blip>
+          <a:stretch>
+            <a:fillRect/>
+          </a:stretch>
+        </p:blipFill>
+        <p:spPr>
+          <a:xfrm>
+            <a:off x="8368145" y="921326"/>
+            <a:ext cx="2355273" cy="2355273"/>
+          </a:xfrm>
+          <a:prstGeom prst="rect">
+            <a:avLst/>
+          </a:prstGeom>
+        </p:spPr>
+      </p:pic>
+      <p:pic>
+        <p:nvPicPr>
+          <p:cNvPr id="13" name="Grafik 12" descr="Fragezeichen mit einfarbiger Füllung">
+            <a:extLst>
+              <a:ext uri="{FF2B5EF4-FFF2-40B4-BE49-F238E27FC236}">
+                <a16:creationId xmlns:a16="http://schemas.microsoft.com/office/drawing/2014/main" id="{9369829C-21E4-FB4F-8755-FDE1B7FE853E}"/>
+              </a:ext>
+            </a:extLst>
+          </p:cNvPr>
+          <p:cNvPicPr>
+            <a:picLocks noChangeAspect="1"/>
+          </p:cNvPicPr>
+          <p:nvPr/>
+        </p:nvPicPr>
+        <p:blipFill>
+          <a:blip r:embed="rId7">
+            <a:extLst>
+              <a:ext uri="{96DAC541-7B7A-43D3-8B79-37D633B846F1}">
+                <asvg:svgBlip xmlns:asvg="http://schemas.microsoft.com/office/drawing/2016/SVG/main" r:embed="rId8"/>
+              </a:ext>
+            </a:extLst>
+          </a:blip>
+          <a:stretch>
+            <a:fillRect/>
+          </a:stretch>
+        </p:blipFill>
+        <p:spPr>
+          <a:xfrm>
+            <a:off x="4499263" y="2618509"/>
+            <a:ext cx="1925782" cy="1925782"/>
+          </a:xfrm>
+          <a:prstGeom prst="rect">
+            <a:avLst/>
+          </a:prstGeom>
+        </p:spPr>
+      </p:pic>
+      <p:sp>
+        <p:nvSpPr>
+          <p:cNvPr id="16" name="Ellipse 15">
+            <a:extLst>
+              <a:ext uri="{FF2B5EF4-FFF2-40B4-BE49-F238E27FC236}">
+                <a16:creationId xmlns:a16="http://schemas.microsoft.com/office/drawing/2014/main" id="{666A4CFE-E5F3-407C-AEBD-EBD7310491F9}"/>
+              </a:ext>
+            </a:extLst>
+          </p:cNvPr>
+          <p:cNvSpPr/>
+          <p:nvPr/>
+        </p:nvSpPr>
+        <p:spPr>
+          <a:xfrm>
+            <a:off x="2312438" y="2205889"/>
+            <a:ext cx="650471" cy="671830"/>
+          </a:xfrm>
+          <a:prstGeom prst="ellipse">
+            <a:avLst/>
+          </a:prstGeom>
+        </p:spPr>
+        <p:style>
+          <a:lnRef idx="2">
+            <a:schemeClr val="dk1"/>
+          </a:lnRef>
+          <a:fillRef idx="1">
+            <a:schemeClr val="lt1"/>
+          </a:fillRef>
+          <a:effectRef idx="0">
+            <a:schemeClr val="dk1"/>
+          </a:effectRef>
+          <a:fontRef idx="minor">
+            <a:schemeClr val="dk1"/>
+          </a:fontRef>
+        </p:style>
+        <p:txBody>
+          <a:bodyPr rtlCol="0" anchor="ctr"/>
+          <a:lstStyle/>
+          <a:p>
+            <a:pPr algn="ctr"/>
+            <a:endParaRPr lang="de-DE" dirty="0"/>
+          </a:p>
+        </p:txBody>
+      </p:sp>
+      <p:pic>
+        <p:nvPicPr>
+          <p:cNvPr id="12" name="Grafik 11" descr="Müdes Gesicht mit einfarbiger Füllung mit einfarbiger Füllung">
+            <a:extLst>
+              <a:ext uri="{FF2B5EF4-FFF2-40B4-BE49-F238E27FC236}">
+                <a16:creationId xmlns:a16="http://schemas.microsoft.com/office/drawing/2014/main" id="{7982447E-A225-4405-89DA-52EB8CAE2C70}"/>
+              </a:ext>
+            </a:extLst>
+          </p:cNvPr>
+          <p:cNvPicPr>
+            <a:picLocks noChangeAspect="1"/>
+          </p:cNvPicPr>
+          <p:nvPr/>
+        </p:nvPicPr>
+        <p:blipFill>
+          <a:blip r:embed="rId9">
+            <a:extLst>
+              <a:ext uri="{96DAC541-7B7A-43D3-8B79-37D633B846F1}">
+                <asvg:svgBlip xmlns:asvg="http://schemas.microsoft.com/office/drawing/2016/SVG/main" r:embed="rId10"/>
+              </a:ext>
+            </a:extLst>
+          </a:blip>
+          <a:stretch>
+            <a:fillRect/>
+          </a:stretch>
+        </p:blipFill>
+        <p:spPr>
+          <a:xfrm>
+            <a:off x="2175163" y="2059420"/>
+            <a:ext cx="914400" cy="914400"/>
+          </a:xfrm>
+          <a:prstGeom prst="rect">
+            <a:avLst/>
+          </a:prstGeom>
+        </p:spPr>
+      </p:pic>
+    </p:spTree>
+    <p:extLst>
+      <p:ext uri="{BB962C8B-B14F-4D97-AF65-F5344CB8AC3E}">
+        <p14:creationId xmlns:p14="http://schemas.microsoft.com/office/powerpoint/2010/main" val="2043457189"/>
+      </p:ext>
+    </p:extLst>
+  </p:cSld>
+  <p:clrMapOvr>
+    <a:masterClrMapping/>
+  </p:clrMapOvr>
+</p:sld>
+</file>
+
+<file path=ppt/slides/slide4.xml><?xml version="1.0" encoding="utf-8"?>
+<p:sld xmlns:a="http://schemas.openxmlformats.org/drawingml/2006/main" xmlns:r="http://schemas.openxmlformats.org/officeDocument/2006/relationships" xmlns:p="http://schemas.openxmlformats.org/presentationml/2006/main">
+  <p:cSld>
+    <p:spTree>
+      <p:nvGrpSpPr>
+        <p:cNvPr id="1" name=""/>
+        <p:cNvGrpSpPr/>
+        <p:nvPr/>
+      </p:nvGrpSpPr>
+      <p:grpSpPr>
+        <a:xfrm>
+          <a:off x="0" y="0"/>
+          <a:ext cx="0" cy="0"/>
+          <a:chOff x="0" y="0"/>
+          <a:chExt cx="0" cy="0"/>
+        </a:xfrm>
+      </p:grpSpPr>
+      <p:sp>
+        <p:nvSpPr>
+          <p:cNvPr id="4" name="Datumsplatzhalter 3">
+            <a:extLst>
+              <a:ext uri="{FF2B5EF4-FFF2-40B4-BE49-F238E27FC236}">
+                <a16:creationId xmlns:a16="http://schemas.microsoft.com/office/drawing/2014/main" id="{0311255E-2039-3540-98F1-3635B62BE089}"/>
+              </a:ext>
+            </a:extLst>
+          </p:cNvPr>
+          <p:cNvSpPr>
+            <a:spLocks noGrp="1"/>
+          </p:cNvSpPr>
+          <p:nvPr>
+            <p:ph type="dt" sz="half" idx="10"/>
+          </p:nvPr>
+        </p:nvSpPr>
+        <p:spPr/>
+        <p:txBody>
+          <a:bodyPr/>
+          <a:lstStyle/>
+          <a:p>
+            <a:r>
+              <a:rPr lang="de-DE"/>
+              <a:t>03.12.21</a:t>
+            </a:r>
+          </a:p>
+        </p:txBody>
+      </p:sp>
+      <p:sp>
+        <p:nvSpPr>
+          <p:cNvPr id="5" name="Foliennummernplatzhalter 4">
+            <a:extLst>
+              <a:ext uri="{FF2B5EF4-FFF2-40B4-BE49-F238E27FC236}">
+                <a16:creationId xmlns:a16="http://schemas.microsoft.com/office/drawing/2014/main" id="{3DBA8778-5EB1-B044-9FCA-13322FF5CBD7}"/>
+              </a:ext>
+            </a:extLst>
+          </p:cNvPr>
+          <p:cNvSpPr>
+            <a:spLocks noGrp="1"/>
+          </p:cNvSpPr>
+          <p:nvPr>
+            <p:ph type="sldNum" sz="quarter" idx="12"/>
+          </p:nvPr>
+        </p:nvSpPr>
+        <p:spPr/>
+        <p:txBody>
+          <a:bodyPr/>
+          <a:lstStyle/>
+          <a:p>
+            <a:fld id="{C1951030-1712-A844-813B-C453E8FB818E}" type="slidenum">
+              <a:rPr lang="de-DE" smtClean="0"/>
+              <a:t>4</a:t>
+            </a:fld>
+            <a:endParaRPr lang="de-DE"/>
+          </a:p>
+        </p:txBody>
+      </p:sp>
       <p:graphicFrame>
         <p:nvGraphicFramePr>
           <p:cNvPr id="8" name="Tabelle 8">
@@ -8833,7 +11704,7 @@
           <p:nvPr>
             <p:extLst>
               <p:ext uri="{D42A27DB-BD31-4B8C-83A1-F6EECF244321}">
-                <p14:modId xmlns:p14="http://schemas.microsoft.com/office/powerpoint/2010/main" val="624664314"/>
+                <p14:modId xmlns:p14="http://schemas.microsoft.com/office/powerpoint/2010/main" val="4034476562"/>
               </p:ext>
             </p:extLst>
           </p:nvPr>
@@ -8894,7 +11765,7 @@
                     <a:bodyPr/>
                     <a:lstStyle/>
                     <a:p>
-                      <a:endParaRPr lang="de-DE"/>
+                      <a:endParaRPr lang="de-DE" dirty="0"/>
                     </a:p>
                   </a:txBody>
                   <a:tcPr/>
@@ -8941,7 +11812,7 @@
                     <a:bodyPr/>
                     <a:lstStyle/>
                     <a:p>
-                      <a:endParaRPr lang="de-DE"/>
+                      <a:endParaRPr lang="de-DE" dirty="0"/>
                     </a:p>
                   </a:txBody>
                   <a:tcPr/>
@@ -9176,7 +12047,7 @@
                     <a:bodyPr/>
                     <a:lstStyle/>
                     <a:p>
-                      <a:endParaRPr lang="de-DE"/>
+                      <a:endParaRPr lang="de-DE" dirty="0"/>
                     </a:p>
                   </a:txBody>
                   <a:tcPr/>
@@ -9401,164 +12272,6 @@
 </p:sld>
 </file>
 
-<file path=ppt/slides/slide4.xml><?xml version="1.0" encoding="utf-8"?>
-<p:sld xmlns:a="http://schemas.openxmlformats.org/drawingml/2006/main" xmlns:r="http://schemas.openxmlformats.org/officeDocument/2006/relationships" xmlns:p="http://schemas.openxmlformats.org/presentationml/2006/main">
-  <p:cSld>
-    <p:spTree>
-      <p:nvGrpSpPr>
-        <p:cNvPr id="1" name=""/>
-        <p:cNvGrpSpPr/>
-        <p:nvPr/>
-      </p:nvGrpSpPr>
-      <p:grpSpPr>
-        <a:xfrm>
-          <a:off x="0" y="0"/>
-          <a:ext cx="0" cy="0"/>
-          <a:chOff x="0" y="0"/>
-          <a:chExt cx="0" cy="0"/>
-        </a:xfrm>
-      </p:grpSpPr>
-      <p:sp>
-        <p:nvSpPr>
-          <p:cNvPr id="2" name="Titel 1">
-            <a:extLst>
-              <a:ext uri="{FF2B5EF4-FFF2-40B4-BE49-F238E27FC236}">
-                <a16:creationId xmlns:a16="http://schemas.microsoft.com/office/drawing/2014/main" id="{D5340076-F30F-E745-BB23-1EFD34F3BE5C}"/>
-              </a:ext>
-            </a:extLst>
-          </p:cNvPr>
-          <p:cNvSpPr>
-            <a:spLocks noGrp="1"/>
-          </p:cNvSpPr>
-          <p:nvPr>
-            <p:ph type="title"/>
-          </p:nvPr>
-        </p:nvSpPr>
-        <p:spPr/>
-        <p:txBody>
-          <a:bodyPr/>
-          <a:lstStyle/>
-          <a:p>
-            <a:r>
-              <a:rPr lang="de-DE" dirty="0"/>
-              <a:t>Zielsetzung für die Pflichtkriterien</a:t>
-            </a:r>
-          </a:p>
-        </p:txBody>
-      </p:sp>
-      <p:sp>
-        <p:nvSpPr>
-          <p:cNvPr id="3" name="Inhaltsplatzhalter 2">
-            <a:extLst>
-              <a:ext uri="{FF2B5EF4-FFF2-40B4-BE49-F238E27FC236}">
-                <a16:creationId xmlns:a16="http://schemas.microsoft.com/office/drawing/2014/main" id="{7BBAF8E6-6108-7346-B1C4-6D0D2DF3F8FC}"/>
-              </a:ext>
-            </a:extLst>
-          </p:cNvPr>
-          <p:cNvSpPr>
-            <a:spLocks noGrp="1"/>
-          </p:cNvSpPr>
-          <p:nvPr>
-            <p:ph idx="1"/>
-          </p:nvPr>
-        </p:nvSpPr>
-        <p:spPr/>
-        <p:txBody>
-          <a:bodyPr/>
-          <a:lstStyle/>
-          <a:p>
-            <a:pPr lvl="1"/>
-            <a:r>
-              <a:rPr lang="de-DE" dirty="0"/>
-              <a:t>In sich geschlossen</a:t>
-            </a:r>
-          </a:p>
-          <a:p>
-            <a:pPr lvl="1"/>
-            <a:r>
-              <a:rPr lang="de-DE" dirty="0"/>
-              <a:t>Gut erweiterbar</a:t>
-            </a:r>
-          </a:p>
-          <a:p>
-            <a:pPr lvl="1"/>
-            <a:r>
-              <a:rPr lang="de-DE" dirty="0"/>
-              <a:t>Intuitiv nutzbar</a:t>
-            </a:r>
-          </a:p>
-        </p:txBody>
-      </p:sp>
-      <p:sp>
-        <p:nvSpPr>
-          <p:cNvPr id="4" name="Datumsplatzhalter 3">
-            <a:extLst>
-              <a:ext uri="{FF2B5EF4-FFF2-40B4-BE49-F238E27FC236}">
-                <a16:creationId xmlns:a16="http://schemas.microsoft.com/office/drawing/2014/main" id="{DB331543-7854-1643-90D3-0A3368E4A406}"/>
-              </a:ext>
-            </a:extLst>
-          </p:cNvPr>
-          <p:cNvSpPr>
-            <a:spLocks noGrp="1"/>
-          </p:cNvSpPr>
-          <p:nvPr>
-            <p:ph type="dt" sz="half" idx="10"/>
-          </p:nvPr>
-        </p:nvSpPr>
-        <p:spPr/>
-        <p:txBody>
-          <a:bodyPr/>
-          <a:lstStyle/>
-          <a:p>
-            <a:r>
-              <a:rPr lang="de-DE"/>
-              <a:t>03.12.21</a:t>
-            </a:r>
-          </a:p>
-        </p:txBody>
-      </p:sp>
-      <p:sp>
-        <p:nvSpPr>
-          <p:cNvPr id="5" name="Foliennummernplatzhalter 4">
-            <a:extLst>
-              <a:ext uri="{FF2B5EF4-FFF2-40B4-BE49-F238E27FC236}">
-                <a16:creationId xmlns:a16="http://schemas.microsoft.com/office/drawing/2014/main" id="{E465ECA1-C25B-804D-B16F-5304DF3EA7DF}"/>
-              </a:ext>
-            </a:extLst>
-          </p:cNvPr>
-          <p:cNvSpPr>
-            <a:spLocks noGrp="1"/>
-          </p:cNvSpPr>
-          <p:nvPr>
-            <p:ph type="sldNum" sz="quarter" idx="12"/>
-          </p:nvPr>
-        </p:nvSpPr>
-        <p:spPr/>
-        <p:txBody>
-          <a:bodyPr/>
-          <a:lstStyle/>
-          <a:p>
-            <a:fld id="{C1951030-1712-A844-813B-C453E8FB818E}" type="slidenum">
-              <a:rPr lang="de-DE" smtClean="0"/>
-              <a:t>4</a:t>
-            </a:fld>
-            <a:endParaRPr lang="de-DE"/>
-          </a:p>
-        </p:txBody>
-      </p:sp>
-    </p:spTree>
-    <p:extLst>
-      <p:ext uri="{BB962C8B-B14F-4D97-AF65-F5344CB8AC3E}">
-        <p14:creationId xmlns:p14="http://schemas.microsoft.com/office/powerpoint/2010/main" val="1570510890"/>
-      </p:ext>
-    </p:extLst>
-  </p:cSld>
-  <p:clrMapOvr>
-    <a:masterClrMapping/>
-  </p:clrMapOvr>
-</p:sld>
-</file>
-
 <file path=ppt/slides/slide5.xml><?xml version="1.0" encoding="utf-8"?>
 <p:sld xmlns:a="http://schemas.openxmlformats.org/drawingml/2006/main" xmlns:r="http://schemas.openxmlformats.org/officeDocument/2006/relationships" xmlns:p="http://schemas.openxmlformats.org/presentationml/2006/main">
   <p:cSld>
@@ -9581,7 +12294,7 @@
           <p:cNvPr id="2" name="Titel 1">
             <a:extLst>
               <a:ext uri="{FF2B5EF4-FFF2-40B4-BE49-F238E27FC236}">
-                <a16:creationId xmlns:a16="http://schemas.microsoft.com/office/drawing/2014/main" id="{822227DC-CFFD-5145-A3E5-B71A5DCEBC4F}"/>
+                <a16:creationId xmlns:a16="http://schemas.microsoft.com/office/drawing/2014/main" id="{D5340076-F30F-E745-BB23-1EFD34F3BE5C}"/>
               </a:ext>
             </a:extLst>
           </p:cNvPr>
@@ -9599,55 +12312,7 @@
           <a:p>
             <a:r>
               <a:rPr lang="de-DE" dirty="0"/>
-              <a:t>Resultat für die Pflichtkriterien</a:t>
-            </a:r>
-          </a:p>
-        </p:txBody>
-      </p:sp>
-      <p:sp>
-        <p:nvSpPr>
-          <p:cNvPr id="3" name="Inhaltsplatzhalter 2">
-            <a:extLst>
-              <a:ext uri="{FF2B5EF4-FFF2-40B4-BE49-F238E27FC236}">
-                <a16:creationId xmlns:a16="http://schemas.microsoft.com/office/drawing/2014/main" id="{4342BC06-8266-114E-837E-8D2DC729DDA3}"/>
-              </a:ext>
-            </a:extLst>
-          </p:cNvPr>
-          <p:cNvSpPr>
-            <a:spLocks noGrp="1"/>
-          </p:cNvSpPr>
-          <p:nvPr>
-            <p:ph idx="1"/>
-          </p:nvPr>
-        </p:nvSpPr>
-        <p:spPr/>
-        <p:txBody>
-          <a:bodyPr>
-            <a:normAutofit/>
-          </a:bodyPr>
-          <a:lstStyle/>
-          <a:p>
-            <a:r>
-              <a:rPr lang="de-DE" dirty="0"/>
-              <a:t>Eingeschränkte Funktionalität des Servers</a:t>
-            </a:r>
-          </a:p>
-          <a:p>
-            <a:r>
-              <a:rPr lang="de-DE" dirty="0"/>
-              <a:t>Weniger Graphen</a:t>
-            </a:r>
-          </a:p>
-          <a:p>
-            <a:r>
-              <a:rPr lang="de-DE" dirty="0"/>
-              <a:t>Weniger individuelles Projekt</a:t>
-            </a:r>
-          </a:p>
-          <a:p>
-            <a:r>
-              <a:rPr lang="de-DE" dirty="0"/>
-              <a:t>Beschränktere Möglichkeiten, de Projekttabelle zu bearbeiten</a:t>
+              <a:t>Zielsetzung für die Pflichtkriterien</a:t>
             </a:r>
           </a:p>
         </p:txBody>
@@ -9657,7 +12322,7 @@
           <p:cNvPr id="4" name="Datumsplatzhalter 3">
             <a:extLst>
               <a:ext uri="{FF2B5EF4-FFF2-40B4-BE49-F238E27FC236}">
-                <a16:creationId xmlns:a16="http://schemas.microsoft.com/office/drawing/2014/main" id="{C8919947-DCF6-544A-9803-5984DE6FBED3}"/>
+                <a16:creationId xmlns:a16="http://schemas.microsoft.com/office/drawing/2014/main" id="{DB331543-7854-1643-90D3-0A3368E4A406}"/>
               </a:ext>
             </a:extLst>
           </p:cNvPr>
@@ -9685,7 +12350,7 @@
           <p:cNvPr id="5" name="Foliennummernplatzhalter 4">
             <a:extLst>
               <a:ext uri="{FF2B5EF4-FFF2-40B4-BE49-F238E27FC236}">
-                <a16:creationId xmlns:a16="http://schemas.microsoft.com/office/drawing/2014/main" id="{38C146F6-88DD-1540-BB10-B7CA133FCCC6}"/>
+                <a16:creationId xmlns:a16="http://schemas.microsoft.com/office/drawing/2014/main" id="{E465ECA1-C25B-804D-B16F-5304DF3EA7DF}"/>
               </a:ext>
             </a:extLst>
           </p:cNvPr>
@@ -9705,14 +12370,728 @@
               <a:rPr lang="de-DE" smtClean="0"/>
               <a:t>5</a:t>
             </a:fld>
-            <a:endParaRPr lang="de-DE"/>
+            <a:endParaRPr lang="de-DE" dirty="0"/>
+          </a:p>
+        </p:txBody>
+      </p:sp>
+      <p:pic>
+        <p:nvPicPr>
+          <p:cNvPr id="6" name="Grafik 5" descr="Puzzleteile Silhouette">
+            <a:extLst>
+              <a:ext uri="{FF2B5EF4-FFF2-40B4-BE49-F238E27FC236}">
+                <a16:creationId xmlns:a16="http://schemas.microsoft.com/office/drawing/2014/main" id="{25E77581-0383-43A3-AAC8-3720B65C3912}"/>
+              </a:ext>
+            </a:extLst>
+          </p:cNvPr>
+          <p:cNvPicPr>
+            <a:picLocks noChangeAspect="1"/>
+          </p:cNvPicPr>
+          <p:nvPr/>
+        </p:nvPicPr>
+        <p:blipFill>
+          <a:blip r:embed="rId3">
+            <a:extLst>
+              <a:ext uri="{96DAC541-7B7A-43D3-8B79-37D633B846F1}">
+                <asvg:svgBlip xmlns:asvg="http://schemas.microsoft.com/office/drawing/2016/SVG/main" r:embed="rId4"/>
+              </a:ext>
+            </a:extLst>
+          </a:blip>
+          <a:stretch>
+            <a:fillRect/>
+          </a:stretch>
+        </p:blipFill>
+        <p:spPr>
+          <a:xfrm>
+            <a:off x="5272295" y="2423684"/>
+            <a:ext cx="2150993" cy="2150993"/>
+          </a:xfrm>
+          <a:prstGeom prst="rect">
+            <a:avLst/>
+          </a:prstGeom>
+        </p:spPr>
+      </p:pic>
+      <p:pic>
+        <p:nvPicPr>
+          <p:cNvPr id="9" name="Grafik 8" descr="Person mit Idee Silhouette">
+            <a:extLst>
+              <a:ext uri="{FF2B5EF4-FFF2-40B4-BE49-F238E27FC236}">
+                <a16:creationId xmlns:a16="http://schemas.microsoft.com/office/drawing/2014/main" id="{09DC9EF8-91F1-4024-B6EE-DDC5C63D54E1}"/>
+              </a:ext>
+            </a:extLst>
+          </p:cNvPr>
+          <p:cNvPicPr>
+            <a:picLocks noChangeAspect="1"/>
+          </p:cNvPicPr>
+          <p:nvPr/>
+        </p:nvPicPr>
+        <p:blipFill>
+          <a:blip r:embed="rId5">
+            <a:extLst>
+              <a:ext uri="{96DAC541-7B7A-43D3-8B79-37D633B846F1}">
+                <asvg:svgBlip xmlns:asvg="http://schemas.microsoft.com/office/drawing/2016/SVG/main" r:embed="rId6"/>
+              </a:ext>
+            </a:extLst>
+          </a:blip>
+          <a:stretch>
+            <a:fillRect/>
+          </a:stretch>
+        </p:blipFill>
+        <p:spPr>
+          <a:xfrm>
+            <a:off x="2038438" y="2316970"/>
+            <a:ext cx="2150994" cy="2150994"/>
+          </a:xfrm>
+          <a:prstGeom prst="rect">
+            <a:avLst/>
+          </a:prstGeom>
+        </p:spPr>
+      </p:pic>
+      <p:pic>
+        <p:nvPicPr>
+          <p:cNvPr id="11" name="Grafik 10" descr="Gebäudesteinmauer Silhouette">
+            <a:extLst>
+              <a:ext uri="{FF2B5EF4-FFF2-40B4-BE49-F238E27FC236}">
+                <a16:creationId xmlns:a16="http://schemas.microsoft.com/office/drawing/2014/main" id="{0BAFABCD-72EA-420E-BAD5-1A3232ED9E37}"/>
+              </a:ext>
+            </a:extLst>
+          </p:cNvPr>
+          <p:cNvPicPr>
+            <a:picLocks noChangeAspect="1"/>
+          </p:cNvPicPr>
+          <p:nvPr/>
+        </p:nvPicPr>
+        <p:blipFill>
+          <a:blip r:embed="rId7">
+            <a:extLst>
+              <a:ext uri="{96DAC541-7B7A-43D3-8B79-37D633B846F1}">
+                <asvg:svgBlip xmlns:asvg="http://schemas.microsoft.com/office/drawing/2016/SVG/main" r:embed="rId8"/>
+              </a:ext>
+            </a:extLst>
+          </a:blip>
+          <a:stretch>
+            <a:fillRect/>
+          </a:stretch>
+        </p:blipFill>
+        <p:spPr>
+          <a:xfrm>
+            <a:off x="8363006" y="2353656"/>
+            <a:ext cx="2291048" cy="2291048"/>
+          </a:xfrm>
+          <a:prstGeom prst="rect">
+            <a:avLst/>
+          </a:prstGeom>
+        </p:spPr>
+      </p:pic>
+      <p:sp>
+        <p:nvSpPr>
+          <p:cNvPr id="12" name="Inhaltsplatzhalter 2">
+            <a:extLst>
+              <a:ext uri="{FF2B5EF4-FFF2-40B4-BE49-F238E27FC236}">
+                <a16:creationId xmlns:a16="http://schemas.microsoft.com/office/drawing/2014/main" id="{CC1B486D-D564-4D4F-84E6-0D4BC6D9C4D7}"/>
+              </a:ext>
+            </a:extLst>
+          </p:cNvPr>
+          <p:cNvSpPr txBox="1">
+            <a:spLocks/>
+          </p:cNvSpPr>
+          <p:nvPr/>
+        </p:nvSpPr>
+        <p:spPr>
+          <a:xfrm>
+            <a:off x="4489277" y="4574677"/>
+            <a:ext cx="3213446" cy="487157"/>
+          </a:xfrm>
+          <a:prstGeom prst="rect">
+            <a:avLst/>
+          </a:prstGeom>
+        </p:spPr>
+        <p:txBody>
+          <a:bodyPr vert="horz" lIns="91440" tIns="45720" rIns="91440" bIns="45720" rtlCol="0">
+            <a:normAutofit/>
+          </a:bodyPr>
+          <a:lstStyle>
+            <a:lvl1pPr marL="228600" indent="-228600" algn="l" defTabSz="914400" rtl="0" eaLnBrk="1" latinLnBrk="0" hangingPunct="1">
+              <a:lnSpc>
+                <a:spcPct val="90000"/>
+              </a:lnSpc>
+              <a:spcBef>
+                <a:spcPts val="1000"/>
+              </a:spcBef>
+              <a:buFont typeface="Arial" panose="020B0604020202020204" pitchFamily="34" charset="0"/>
+              <a:buChar char="•"/>
+              <a:defRPr sz="2800" kern="1200">
+                <a:solidFill>
+                  <a:schemeClr val="tx1"/>
+                </a:solidFill>
+                <a:latin typeface="+mn-lt"/>
+                <a:ea typeface="+mn-ea"/>
+                <a:cs typeface="+mn-cs"/>
+              </a:defRPr>
+            </a:lvl1pPr>
+            <a:lvl2pPr marL="685800" indent="-228600" algn="l" defTabSz="914400" rtl="0" eaLnBrk="1" latinLnBrk="0" hangingPunct="1">
+              <a:lnSpc>
+                <a:spcPct val="90000"/>
+              </a:lnSpc>
+              <a:spcBef>
+                <a:spcPts val="500"/>
+              </a:spcBef>
+              <a:buFont typeface="Arial" panose="020B0604020202020204" pitchFamily="34" charset="0"/>
+              <a:buChar char="•"/>
+              <a:defRPr sz="2400" kern="1200">
+                <a:solidFill>
+                  <a:schemeClr val="tx1"/>
+                </a:solidFill>
+                <a:latin typeface="+mn-lt"/>
+                <a:ea typeface="+mn-ea"/>
+                <a:cs typeface="+mn-cs"/>
+              </a:defRPr>
+            </a:lvl2pPr>
+            <a:lvl3pPr marL="1143000" indent="-228600" algn="l" defTabSz="914400" rtl="0" eaLnBrk="1" latinLnBrk="0" hangingPunct="1">
+              <a:lnSpc>
+                <a:spcPct val="90000"/>
+              </a:lnSpc>
+              <a:spcBef>
+                <a:spcPts val="500"/>
+              </a:spcBef>
+              <a:buFont typeface="Arial" panose="020B0604020202020204" pitchFamily="34" charset="0"/>
+              <a:buChar char="•"/>
+              <a:defRPr sz="2000" kern="1200">
+                <a:solidFill>
+                  <a:schemeClr val="tx1"/>
+                </a:solidFill>
+                <a:latin typeface="+mn-lt"/>
+                <a:ea typeface="+mn-ea"/>
+                <a:cs typeface="+mn-cs"/>
+              </a:defRPr>
+            </a:lvl3pPr>
+            <a:lvl4pPr marL="1600200" indent="-228600" algn="l" defTabSz="914400" rtl="0" eaLnBrk="1" latinLnBrk="0" hangingPunct="1">
+              <a:lnSpc>
+                <a:spcPct val="90000"/>
+              </a:lnSpc>
+              <a:spcBef>
+                <a:spcPts val="500"/>
+              </a:spcBef>
+              <a:buFont typeface="Arial" panose="020B0604020202020204" pitchFamily="34" charset="0"/>
+              <a:buChar char="•"/>
+              <a:defRPr sz="1800" kern="1200">
+                <a:solidFill>
+                  <a:schemeClr val="tx1"/>
+                </a:solidFill>
+                <a:latin typeface="+mn-lt"/>
+                <a:ea typeface="+mn-ea"/>
+                <a:cs typeface="+mn-cs"/>
+              </a:defRPr>
+            </a:lvl4pPr>
+            <a:lvl5pPr marL="2057400" indent="-228600" algn="l" defTabSz="914400" rtl="0" eaLnBrk="1" latinLnBrk="0" hangingPunct="1">
+              <a:lnSpc>
+                <a:spcPct val="90000"/>
+              </a:lnSpc>
+              <a:spcBef>
+                <a:spcPts val="500"/>
+              </a:spcBef>
+              <a:buFont typeface="Arial" panose="020B0604020202020204" pitchFamily="34" charset="0"/>
+              <a:buChar char="•"/>
+              <a:defRPr sz="1800" kern="1200">
+                <a:solidFill>
+                  <a:schemeClr val="tx1"/>
+                </a:solidFill>
+                <a:latin typeface="+mn-lt"/>
+                <a:ea typeface="+mn-ea"/>
+                <a:cs typeface="+mn-cs"/>
+              </a:defRPr>
+            </a:lvl5pPr>
+            <a:lvl6pPr marL="2514600" indent="-228600" algn="l" defTabSz="914400" rtl="0" eaLnBrk="1" latinLnBrk="0" hangingPunct="1">
+              <a:lnSpc>
+                <a:spcPct val="90000"/>
+              </a:lnSpc>
+              <a:spcBef>
+                <a:spcPts val="500"/>
+              </a:spcBef>
+              <a:buFont typeface="Arial" panose="020B0604020202020204" pitchFamily="34" charset="0"/>
+              <a:buChar char="•"/>
+              <a:defRPr sz="1800" kern="1200">
+                <a:solidFill>
+                  <a:schemeClr val="tx1"/>
+                </a:solidFill>
+                <a:latin typeface="+mn-lt"/>
+                <a:ea typeface="+mn-ea"/>
+                <a:cs typeface="+mn-cs"/>
+              </a:defRPr>
+            </a:lvl6pPr>
+            <a:lvl7pPr marL="2971800" indent="-228600" algn="l" defTabSz="914400" rtl="0" eaLnBrk="1" latinLnBrk="0" hangingPunct="1">
+              <a:lnSpc>
+                <a:spcPct val="90000"/>
+              </a:lnSpc>
+              <a:spcBef>
+                <a:spcPts val="500"/>
+              </a:spcBef>
+              <a:buFont typeface="Arial" panose="020B0604020202020204" pitchFamily="34" charset="0"/>
+              <a:buChar char="•"/>
+              <a:defRPr sz="1800" kern="1200">
+                <a:solidFill>
+                  <a:schemeClr val="tx1"/>
+                </a:solidFill>
+                <a:latin typeface="+mn-lt"/>
+                <a:ea typeface="+mn-ea"/>
+                <a:cs typeface="+mn-cs"/>
+              </a:defRPr>
+            </a:lvl7pPr>
+            <a:lvl8pPr marL="3429000" indent="-228600" algn="l" defTabSz="914400" rtl="0" eaLnBrk="1" latinLnBrk="0" hangingPunct="1">
+              <a:lnSpc>
+                <a:spcPct val="90000"/>
+              </a:lnSpc>
+              <a:spcBef>
+                <a:spcPts val="500"/>
+              </a:spcBef>
+              <a:buFont typeface="Arial" panose="020B0604020202020204" pitchFamily="34" charset="0"/>
+              <a:buChar char="•"/>
+              <a:defRPr sz="1800" kern="1200">
+                <a:solidFill>
+                  <a:schemeClr val="tx1"/>
+                </a:solidFill>
+                <a:latin typeface="+mn-lt"/>
+                <a:ea typeface="+mn-ea"/>
+                <a:cs typeface="+mn-cs"/>
+              </a:defRPr>
+            </a:lvl8pPr>
+            <a:lvl9pPr marL="3886200" indent="-228600" algn="l" defTabSz="914400" rtl="0" eaLnBrk="1" latinLnBrk="0" hangingPunct="1">
+              <a:lnSpc>
+                <a:spcPct val="90000"/>
+              </a:lnSpc>
+              <a:spcBef>
+                <a:spcPts val="500"/>
+              </a:spcBef>
+              <a:buFont typeface="Arial" panose="020B0604020202020204" pitchFamily="34" charset="0"/>
+              <a:buChar char="•"/>
+              <a:defRPr sz="1800" kern="1200">
+                <a:solidFill>
+                  <a:schemeClr val="tx1"/>
+                </a:solidFill>
+                <a:latin typeface="+mn-lt"/>
+                <a:ea typeface="+mn-ea"/>
+                <a:cs typeface="+mn-cs"/>
+              </a:defRPr>
+            </a:lvl9pPr>
+          </a:lstStyle>
+          <a:p>
+            <a:pPr marL="457200" lvl="1" indent="0">
+              <a:buNone/>
+            </a:pPr>
+            <a:r>
+              <a:rPr lang="de-DE" dirty="0"/>
+              <a:t>In sich geschlossen</a:t>
+            </a:r>
+          </a:p>
+        </p:txBody>
+      </p:sp>
+      <p:sp>
+        <p:nvSpPr>
+          <p:cNvPr id="13" name="Inhaltsplatzhalter 2">
+            <a:extLst>
+              <a:ext uri="{FF2B5EF4-FFF2-40B4-BE49-F238E27FC236}">
+                <a16:creationId xmlns:a16="http://schemas.microsoft.com/office/drawing/2014/main" id="{665B5804-E496-4E10-A8B5-4A1E93368868}"/>
+              </a:ext>
+            </a:extLst>
+          </p:cNvPr>
+          <p:cNvSpPr txBox="1">
+            <a:spLocks/>
+          </p:cNvSpPr>
+          <p:nvPr/>
+        </p:nvSpPr>
+        <p:spPr>
+          <a:xfrm>
+            <a:off x="8041862" y="4574677"/>
+            <a:ext cx="3213446" cy="487157"/>
+          </a:xfrm>
+          <a:prstGeom prst="rect">
+            <a:avLst/>
+          </a:prstGeom>
+        </p:spPr>
+        <p:txBody>
+          <a:bodyPr vert="horz" lIns="91440" tIns="45720" rIns="91440" bIns="45720" rtlCol="0">
+            <a:normAutofit/>
+          </a:bodyPr>
+          <a:lstStyle>
+            <a:lvl1pPr marL="228600" indent="-228600" algn="l" defTabSz="914400" rtl="0" eaLnBrk="1" latinLnBrk="0" hangingPunct="1">
+              <a:lnSpc>
+                <a:spcPct val="90000"/>
+              </a:lnSpc>
+              <a:spcBef>
+                <a:spcPts val="1000"/>
+              </a:spcBef>
+              <a:buFont typeface="Arial" panose="020B0604020202020204" pitchFamily="34" charset="0"/>
+              <a:buChar char="•"/>
+              <a:defRPr sz="2800" kern="1200">
+                <a:solidFill>
+                  <a:schemeClr val="tx1"/>
+                </a:solidFill>
+                <a:latin typeface="+mn-lt"/>
+                <a:ea typeface="+mn-ea"/>
+                <a:cs typeface="+mn-cs"/>
+              </a:defRPr>
+            </a:lvl1pPr>
+            <a:lvl2pPr marL="685800" indent="-228600" algn="l" defTabSz="914400" rtl="0" eaLnBrk="1" latinLnBrk="0" hangingPunct="1">
+              <a:lnSpc>
+                <a:spcPct val="90000"/>
+              </a:lnSpc>
+              <a:spcBef>
+                <a:spcPts val="500"/>
+              </a:spcBef>
+              <a:buFont typeface="Arial" panose="020B0604020202020204" pitchFamily="34" charset="0"/>
+              <a:buChar char="•"/>
+              <a:defRPr sz="2400" kern="1200">
+                <a:solidFill>
+                  <a:schemeClr val="tx1"/>
+                </a:solidFill>
+                <a:latin typeface="+mn-lt"/>
+                <a:ea typeface="+mn-ea"/>
+                <a:cs typeface="+mn-cs"/>
+              </a:defRPr>
+            </a:lvl2pPr>
+            <a:lvl3pPr marL="1143000" indent="-228600" algn="l" defTabSz="914400" rtl="0" eaLnBrk="1" latinLnBrk="0" hangingPunct="1">
+              <a:lnSpc>
+                <a:spcPct val="90000"/>
+              </a:lnSpc>
+              <a:spcBef>
+                <a:spcPts val="500"/>
+              </a:spcBef>
+              <a:buFont typeface="Arial" panose="020B0604020202020204" pitchFamily="34" charset="0"/>
+              <a:buChar char="•"/>
+              <a:defRPr sz="2000" kern="1200">
+                <a:solidFill>
+                  <a:schemeClr val="tx1"/>
+                </a:solidFill>
+                <a:latin typeface="+mn-lt"/>
+                <a:ea typeface="+mn-ea"/>
+                <a:cs typeface="+mn-cs"/>
+              </a:defRPr>
+            </a:lvl3pPr>
+            <a:lvl4pPr marL="1600200" indent="-228600" algn="l" defTabSz="914400" rtl="0" eaLnBrk="1" latinLnBrk="0" hangingPunct="1">
+              <a:lnSpc>
+                <a:spcPct val="90000"/>
+              </a:lnSpc>
+              <a:spcBef>
+                <a:spcPts val="500"/>
+              </a:spcBef>
+              <a:buFont typeface="Arial" panose="020B0604020202020204" pitchFamily="34" charset="0"/>
+              <a:buChar char="•"/>
+              <a:defRPr sz="1800" kern="1200">
+                <a:solidFill>
+                  <a:schemeClr val="tx1"/>
+                </a:solidFill>
+                <a:latin typeface="+mn-lt"/>
+                <a:ea typeface="+mn-ea"/>
+                <a:cs typeface="+mn-cs"/>
+              </a:defRPr>
+            </a:lvl4pPr>
+            <a:lvl5pPr marL="2057400" indent="-228600" algn="l" defTabSz="914400" rtl="0" eaLnBrk="1" latinLnBrk="0" hangingPunct="1">
+              <a:lnSpc>
+                <a:spcPct val="90000"/>
+              </a:lnSpc>
+              <a:spcBef>
+                <a:spcPts val="500"/>
+              </a:spcBef>
+              <a:buFont typeface="Arial" panose="020B0604020202020204" pitchFamily="34" charset="0"/>
+              <a:buChar char="•"/>
+              <a:defRPr sz="1800" kern="1200">
+                <a:solidFill>
+                  <a:schemeClr val="tx1"/>
+                </a:solidFill>
+                <a:latin typeface="+mn-lt"/>
+                <a:ea typeface="+mn-ea"/>
+                <a:cs typeface="+mn-cs"/>
+              </a:defRPr>
+            </a:lvl5pPr>
+            <a:lvl6pPr marL="2514600" indent="-228600" algn="l" defTabSz="914400" rtl="0" eaLnBrk="1" latinLnBrk="0" hangingPunct="1">
+              <a:lnSpc>
+                <a:spcPct val="90000"/>
+              </a:lnSpc>
+              <a:spcBef>
+                <a:spcPts val="500"/>
+              </a:spcBef>
+              <a:buFont typeface="Arial" panose="020B0604020202020204" pitchFamily="34" charset="0"/>
+              <a:buChar char="•"/>
+              <a:defRPr sz="1800" kern="1200">
+                <a:solidFill>
+                  <a:schemeClr val="tx1"/>
+                </a:solidFill>
+                <a:latin typeface="+mn-lt"/>
+                <a:ea typeface="+mn-ea"/>
+                <a:cs typeface="+mn-cs"/>
+              </a:defRPr>
+            </a:lvl6pPr>
+            <a:lvl7pPr marL="2971800" indent="-228600" algn="l" defTabSz="914400" rtl="0" eaLnBrk="1" latinLnBrk="0" hangingPunct="1">
+              <a:lnSpc>
+                <a:spcPct val="90000"/>
+              </a:lnSpc>
+              <a:spcBef>
+                <a:spcPts val="500"/>
+              </a:spcBef>
+              <a:buFont typeface="Arial" panose="020B0604020202020204" pitchFamily="34" charset="0"/>
+              <a:buChar char="•"/>
+              <a:defRPr sz="1800" kern="1200">
+                <a:solidFill>
+                  <a:schemeClr val="tx1"/>
+                </a:solidFill>
+                <a:latin typeface="+mn-lt"/>
+                <a:ea typeface="+mn-ea"/>
+                <a:cs typeface="+mn-cs"/>
+              </a:defRPr>
+            </a:lvl7pPr>
+            <a:lvl8pPr marL="3429000" indent="-228600" algn="l" defTabSz="914400" rtl="0" eaLnBrk="1" latinLnBrk="0" hangingPunct="1">
+              <a:lnSpc>
+                <a:spcPct val="90000"/>
+              </a:lnSpc>
+              <a:spcBef>
+                <a:spcPts val="500"/>
+              </a:spcBef>
+              <a:buFont typeface="Arial" panose="020B0604020202020204" pitchFamily="34" charset="0"/>
+              <a:buChar char="•"/>
+              <a:defRPr sz="1800" kern="1200">
+                <a:solidFill>
+                  <a:schemeClr val="tx1"/>
+                </a:solidFill>
+                <a:latin typeface="+mn-lt"/>
+                <a:ea typeface="+mn-ea"/>
+                <a:cs typeface="+mn-cs"/>
+              </a:defRPr>
+            </a:lvl8pPr>
+            <a:lvl9pPr marL="3886200" indent="-228600" algn="l" defTabSz="914400" rtl="0" eaLnBrk="1" latinLnBrk="0" hangingPunct="1">
+              <a:lnSpc>
+                <a:spcPct val="90000"/>
+              </a:lnSpc>
+              <a:spcBef>
+                <a:spcPts val="500"/>
+              </a:spcBef>
+              <a:buFont typeface="Arial" panose="020B0604020202020204" pitchFamily="34" charset="0"/>
+              <a:buChar char="•"/>
+              <a:defRPr sz="1800" kern="1200">
+                <a:solidFill>
+                  <a:schemeClr val="tx1"/>
+                </a:solidFill>
+                <a:latin typeface="+mn-lt"/>
+                <a:ea typeface="+mn-ea"/>
+                <a:cs typeface="+mn-cs"/>
+              </a:defRPr>
+            </a:lvl9pPr>
+          </a:lstStyle>
+          <a:p>
+            <a:pPr marL="457200" lvl="1" indent="0">
+              <a:buNone/>
+            </a:pPr>
+            <a:r>
+              <a:rPr lang="de-DE" dirty="0"/>
+              <a:t>Gut erweiterbar</a:t>
+            </a:r>
+          </a:p>
+        </p:txBody>
+      </p:sp>
+      <p:sp>
+        <p:nvSpPr>
+          <p:cNvPr id="14" name="Inhaltsplatzhalter 2">
+            <a:extLst>
+              <a:ext uri="{FF2B5EF4-FFF2-40B4-BE49-F238E27FC236}">
+                <a16:creationId xmlns:a16="http://schemas.microsoft.com/office/drawing/2014/main" id="{05C10691-CA4B-4B50-9E8A-CA4865BCD621}"/>
+              </a:ext>
+            </a:extLst>
+          </p:cNvPr>
+          <p:cNvSpPr txBox="1">
+            <a:spLocks/>
+          </p:cNvSpPr>
+          <p:nvPr/>
+        </p:nvSpPr>
+        <p:spPr>
+          <a:xfrm>
+            <a:off x="1310483" y="4577353"/>
+            <a:ext cx="2839655" cy="487157"/>
+          </a:xfrm>
+          <a:prstGeom prst="rect">
+            <a:avLst/>
+          </a:prstGeom>
+        </p:spPr>
+        <p:txBody>
+          <a:bodyPr vert="horz" lIns="91440" tIns="45720" rIns="91440" bIns="45720" rtlCol="0">
+            <a:normAutofit/>
+          </a:bodyPr>
+          <a:lstStyle>
+            <a:lvl1pPr marL="228600" indent="-228600" algn="l" defTabSz="914400" rtl="0" eaLnBrk="1" latinLnBrk="0" hangingPunct="1">
+              <a:lnSpc>
+                <a:spcPct val="90000"/>
+              </a:lnSpc>
+              <a:spcBef>
+                <a:spcPts val="1000"/>
+              </a:spcBef>
+              <a:buFont typeface="Arial" panose="020B0604020202020204" pitchFamily="34" charset="0"/>
+              <a:buChar char="•"/>
+              <a:defRPr sz="2800" kern="1200">
+                <a:solidFill>
+                  <a:schemeClr val="tx1"/>
+                </a:solidFill>
+                <a:latin typeface="+mn-lt"/>
+                <a:ea typeface="+mn-ea"/>
+                <a:cs typeface="+mn-cs"/>
+              </a:defRPr>
+            </a:lvl1pPr>
+            <a:lvl2pPr marL="685800" indent="-228600" algn="l" defTabSz="914400" rtl="0" eaLnBrk="1" latinLnBrk="0" hangingPunct="1">
+              <a:lnSpc>
+                <a:spcPct val="90000"/>
+              </a:lnSpc>
+              <a:spcBef>
+                <a:spcPts val="500"/>
+              </a:spcBef>
+              <a:buFont typeface="Arial" panose="020B0604020202020204" pitchFamily="34" charset="0"/>
+              <a:buChar char="•"/>
+              <a:defRPr sz="2400" kern="1200">
+                <a:solidFill>
+                  <a:schemeClr val="tx1"/>
+                </a:solidFill>
+                <a:latin typeface="+mn-lt"/>
+                <a:ea typeface="+mn-ea"/>
+                <a:cs typeface="+mn-cs"/>
+              </a:defRPr>
+            </a:lvl2pPr>
+            <a:lvl3pPr marL="1143000" indent="-228600" algn="l" defTabSz="914400" rtl="0" eaLnBrk="1" latinLnBrk="0" hangingPunct="1">
+              <a:lnSpc>
+                <a:spcPct val="90000"/>
+              </a:lnSpc>
+              <a:spcBef>
+                <a:spcPts val="500"/>
+              </a:spcBef>
+              <a:buFont typeface="Arial" panose="020B0604020202020204" pitchFamily="34" charset="0"/>
+              <a:buChar char="•"/>
+              <a:defRPr sz="2000" kern="1200">
+                <a:solidFill>
+                  <a:schemeClr val="tx1"/>
+                </a:solidFill>
+                <a:latin typeface="+mn-lt"/>
+                <a:ea typeface="+mn-ea"/>
+                <a:cs typeface="+mn-cs"/>
+              </a:defRPr>
+            </a:lvl3pPr>
+            <a:lvl4pPr marL="1600200" indent="-228600" algn="l" defTabSz="914400" rtl="0" eaLnBrk="1" latinLnBrk="0" hangingPunct="1">
+              <a:lnSpc>
+                <a:spcPct val="90000"/>
+              </a:lnSpc>
+              <a:spcBef>
+                <a:spcPts val="500"/>
+              </a:spcBef>
+              <a:buFont typeface="Arial" panose="020B0604020202020204" pitchFamily="34" charset="0"/>
+              <a:buChar char="•"/>
+              <a:defRPr sz="1800" kern="1200">
+                <a:solidFill>
+                  <a:schemeClr val="tx1"/>
+                </a:solidFill>
+                <a:latin typeface="+mn-lt"/>
+                <a:ea typeface="+mn-ea"/>
+                <a:cs typeface="+mn-cs"/>
+              </a:defRPr>
+            </a:lvl4pPr>
+            <a:lvl5pPr marL="2057400" indent="-228600" algn="l" defTabSz="914400" rtl="0" eaLnBrk="1" latinLnBrk="0" hangingPunct="1">
+              <a:lnSpc>
+                <a:spcPct val="90000"/>
+              </a:lnSpc>
+              <a:spcBef>
+                <a:spcPts val="500"/>
+              </a:spcBef>
+              <a:buFont typeface="Arial" panose="020B0604020202020204" pitchFamily="34" charset="0"/>
+              <a:buChar char="•"/>
+              <a:defRPr sz="1800" kern="1200">
+                <a:solidFill>
+                  <a:schemeClr val="tx1"/>
+                </a:solidFill>
+                <a:latin typeface="+mn-lt"/>
+                <a:ea typeface="+mn-ea"/>
+                <a:cs typeface="+mn-cs"/>
+              </a:defRPr>
+            </a:lvl5pPr>
+            <a:lvl6pPr marL="2514600" indent="-228600" algn="l" defTabSz="914400" rtl="0" eaLnBrk="1" latinLnBrk="0" hangingPunct="1">
+              <a:lnSpc>
+                <a:spcPct val="90000"/>
+              </a:lnSpc>
+              <a:spcBef>
+                <a:spcPts val="500"/>
+              </a:spcBef>
+              <a:buFont typeface="Arial" panose="020B0604020202020204" pitchFamily="34" charset="0"/>
+              <a:buChar char="•"/>
+              <a:defRPr sz="1800" kern="1200">
+                <a:solidFill>
+                  <a:schemeClr val="tx1"/>
+                </a:solidFill>
+                <a:latin typeface="+mn-lt"/>
+                <a:ea typeface="+mn-ea"/>
+                <a:cs typeface="+mn-cs"/>
+              </a:defRPr>
+            </a:lvl6pPr>
+            <a:lvl7pPr marL="2971800" indent="-228600" algn="l" defTabSz="914400" rtl="0" eaLnBrk="1" latinLnBrk="0" hangingPunct="1">
+              <a:lnSpc>
+                <a:spcPct val="90000"/>
+              </a:lnSpc>
+              <a:spcBef>
+                <a:spcPts val="500"/>
+              </a:spcBef>
+              <a:buFont typeface="Arial" panose="020B0604020202020204" pitchFamily="34" charset="0"/>
+              <a:buChar char="•"/>
+              <a:defRPr sz="1800" kern="1200">
+                <a:solidFill>
+                  <a:schemeClr val="tx1"/>
+                </a:solidFill>
+                <a:latin typeface="+mn-lt"/>
+                <a:ea typeface="+mn-ea"/>
+                <a:cs typeface="+mn-cs"/>
+              </a:defRPr>
+            </a:lvl7pPr>
+            <a:lvl8pPr marL="3429000" indent="-228600" algn="l" defTabSz="914400" rtl="0" eaLnBrk="1" latinLnBrk="0" hangingPunct="1">
+              <a:lnSpc>
+                <a:spcPct val="90000"/>
+              </a:lnSpc>
+              <a:spcBef>
+                <a:spcPts val="500"/>
+              </a:spcBef>
+              <a:buFont typeface="Arial" panose="020B0604020202020204" pitchFamily="34" charset="0"/>
+              <a:buChar char="•"/>
+              <a:defRPr sz="1800" kern="1200">
+                <a:solidFill>
+                  <a:schemeClr val="tx1"/>
+                </a:solidFill>
+                <a:latin typeface="+mn-lt"/>
+                <a:ea typeface="+mn-ea"/>
+                <a:cs typeface="+mn-cs"/>
+              </a:defRPr>
+            </a:lvl8pPr>
+            <a:lvl9pPr marL="3886200" indent="-228600" algn="l" defTabSz="914400" rtl="0" eaLnBrk="1" latinLnBrk="0" hangingPunct="1">
+              <a:lnSpc>
+                <a:spcPct val="90000"/>
+              </a:lnSpc>
+              <a:spcBef>
+                <a:spcPts val="500"/>
+              </a:spcBef>
+              <a:buFont typeface="Arial" panose="020B0604020202020204" pitchFamily="34" charset="0"/>
+              <a:buChar char="•"/>
+              <a:defRPr sz="1800" kern="1200">
+                <a:solidFill>
+                  <a:schemeClr val="tx1"/>
+                </a:solidFill>
+                <a:latin typeface="+mn-lt"/>
+                <a:ea typeface="+mn-ea"/>
+                <a:cs typeface="+mn-cs"/>
+              </a:defRPr>
+            </a:lvl9pPr>
+          </a:lstStyle>
+          <a:p>
+            <a:pPr marL="457200" lvl="1" indent="0">
+              <a:buNone/>
+            </a:pPr>
+            <a:r>
+              <a:rPr lang="de-DE" dirty="0"/>
+              <a:t>Intuitiv nutzbar</a:t>
+            </a:r>
           </a:p>
         </p:txBody>
       </p:sp>
     </p:spTree>
     <p:extLst>
       <p:ext uri="{BB962C8B-B14F-4D97-AF65-F5344CB8AC3E}">
-        <p14:creationId xmlns:p14="http://schemas.microsoft.com/office/powerpoint/2010/main" val="2237529051"/>
+        <p14:creationId xmlns:p14="http://schemas.microsoft.com/office/powerpoint/2010/main" val="1570510890"/>
       </p:ext>
     </p:extLst>
   </p:cSld>
@@ -9744,7 +13123,7 @@
           <p:cNvPr id="2" name="Titel 1">
             <a:extLst>
               <a:ext uri="{FF2B5EF4-FFF2-40B4-BE49-F238E27FC236}">
-                <a16:creationId xmlns:a16="http://schemas.microsoft.com/office/drawing/2014/main" id="{3EEB4CF8-24FA-E346-803C-13F76BFB4B96}"/>
+                <a16:creationId xmlns:a16="http://schemas.microsoft.com/office/drawing/2014/main" id="{822227DC-CFFD-5145-A3E5-B71A5DCEBC4F}"/>
               </a:ext>
             </a:extLst>
           </p:cNvPr>
@@ -9762,17 +13141,17 @@
           <a:p>
             <a:r>
               <a:rPr lang="de-DE" dirty="0"/>
-              <a:t>Modularität</a:t>
-            </a:r>
-          </a:p>
-        </p:txBody>
-      </p:sp>
-      <p:sp>
-        <p:nvSpPr>
-          <p:cNvPr id="3" name="Inhaltsplatzhalter 2">
-            <a:extLst>
-              <a:ext uri="{FF2B5EF4-FFF2-40B4-BE49-F238E27FC236}">
-                <a16:creationId xmlns:a16="http://schemas.microsoft.com/office/drawing/2014/main" id="{40AF4B88-7E41-0940-A3CB-219830E08A6F}"/>
+              <a:t>Resultat für die Pflichtkriterien</a:t>
+            </a:r>
+          </a:p>
+        </p:txBody>
+      </p:sp>
+      <p:sp>
+        <p:nvSpPr>
+          <p:cNvPr id="4" name="Datumsplatzhalter 3">
+            <a:extLst>
+              <a:ext uri="{FF2B5EF4-FFF2-40B4-BE49-F238E27FC236}">
+                <a16:creationId xmlns:a16="http://schemas.microsoft.com/office/drawing/2014/main" id="{C8919947-DCF6-544A-9803-5984DE6FBED3}"/>
               </a:ext>
             </a:extLst>
           </p:cNvPr>
@@ -9780,7 +13159,7 @@
             <a:spLocks noGrp="1"/>
           </p:cNvSpPr>
           <p:nvPr>
-            <p:ph idx="1"/>
+            <p:ph type="dt" sz="half" idx="10"/>
           </p:nvPr>
         </p:nvSpPr>
         <p:spPr/>
@@ -9788,58 +13167,6 @@
           <a:bodyPr/>
           <a:lstStyle/>
           <a:p>
-            <a:pPr marL="0" indent="0">
-              <a:buNone/>
-            </a:pPr>
-            <a:r>
-              <a:rPr lang="de-DE" dirty="0"/>
-              <a:t>Einschränkung durch Pflichtkriterien</a:t>
-            </a:r>
-          </a:p>
-          <a:p>
-            <a:r>
-              <a:rPr lang="de-DE" dirty="0" err="1"/>
-              <a:t>Auwirkung</a:t>
-            </a:r>
-            <a:r>
-              <a:rPr lang="de-DE" dirty="0"/>
-              <a:t> auf den Entwurf</a:t>
-            </a:r>
-          </a:p>
-          <a:p>
-            <a:r>
-              <a:rPr lang="de-DE" dirty="0"/>
-              <a:t>z.B. neue </a:t>
-            </a:r>
-            <a:r>
-              <a:rPr lang="de-DE" dirty="0" err="1"/>
-              <a:t>Graphtypen</a:t>
-            </a:r>
-            <a:endParaRPr lang="de-DE" dirty="0"/>
-          </a:p>
-        </p:txBody>
-      </p:sp>
-      <p:sp>
-        <p:nvSpPr>
-          <p:cNvPr id="4" name="Datumsplatzhalter 3">
-            <a:extLst>
-              <a:ext uri="{FF2B5EF4-FFF2-40B4-BE49-F238E27FC236}">
-                <a16:creationId xmlns:a16="http://schemas.microsoft.com/office/drawing/2014/main" id="{CDE6F215-41E1-9E4E-A7DD-8A2EAA1E122A}"/>
-              </a:ext>
-            </a:extLst>
-          </p:cNvPr>
-          <p:cNvSpPr>
-            <a:spLocks noGrp="1"/>
-          </p:cNvSpPr>
-          <p:nvPr>
-            <p:ph type="dt" sz="half" idx="10"/>
-          </p:nvPr>
-        </p:nvSpPr>
-        <p:spPr/>
-        <p:txBody>
-          <a:bodyPr/>
-          <a:lstStyle/>
-          <a:p>
             <a:r>
               <a:rPr lang="de-DE"/>
               <a:t>03.12.21</a:t>
@@ -9852,7 +13179,7 @@
           <p:cNvPr id="5" name="Foliennummernplatzhalter 4">
             <a:extLst>
               <a:ext uri="{FF2B5EF4-FFF2-40B4-BE49-F238E27FC236}">
-                <a16:creationId xmlns:a16="http://schemas.microsoft.com/office/drawing/2014/main" id="{948BDBF9-84B5-244E-9747-F3C21B6EE211}"/>
+                <a16:creationId xmlns:a16="http://schemas.microsoft.com/office/drawing/2014/main" id="{38C146F6-88DD-1540-BB10-B7CA133FCCC6}"/>
               </a:ext>
             </a:extLst>
           </p:cNvPr>
@@ -9876,10 +13203,838 @@
           </a:p>
         </p:txBody>
       </p:sp>
+      <p:pic>
+        <p:nvPicPr>
+          <p:cNvPr id="7" name="Grafik 6" descr="Aus der Cloud herunterladen mit einfarbiger Füllung">
+            <a:extLst>
+              <a:ext uri="{FF2B5EF4-FFF2-40B4-BE49-F238E27FC236}">
+                <a16:creationId xmlns:a16="http://schemas.microsoft.com/office/drawing/2014/main" id="{5440E81D-3600-4443-A68D-8A2229693E65}"/>
+              </a:ext>
+            </a:extLst>
+          </p:cNvPr>
+          <p:cNvPicPr>
+            <a:picLocks noChangeAspect="1"/>
+          </p:cNvPicPr>
+          <p:nvPr/>
+        </p:nvPicPr>
+        <p:blipFill>
+          <a:blip r:embed="rId3">
+            <a:extLst>
+              <a:ext uri="{96DAC541-7B7A-43D3-8B79-37D633B846F1}">
+                <asvg:svgBlip xmlns:asvg="http://schemas.microsoft.com/office/drawing/2016/SVG/main" r:embed="rId4"/>
+              </a:ext>
+            </a:extLst>
+          </a:blip>
+          <a:stretch>
+            <a:fillRect/>
+          </a:stretch>
+        </p:blipFill>
+        <p:spPr>
+          <a:xfrm>
+            <a:off x="2988544" y="3890026"/>
+            <a:ext cx="1600917" cy="1600917"/>
+          </a:xfrm>
+          <a:prstGeom prst="rect">
+            <a:avLst/>
+          </a:prstGeom>
+        </p:spPr>
+      </p:pic>
+      <p:sp>
+        <p:nvSpPr>
+          <p:cNvPr id="9" name="Inhaltsplatzhalter 2">
+            <a:extLst>
+              <a:ext uri="{FF2B5EF4-FFF2-40B4-BE49-F238E27FC236}">
+                <a16:creationId xmlns:a16="http://schemas.microsoft.com/office/drawing/2014/main" id="{C1CB3013-E547-42F7-A8A4-A30B5097F422}"/>
+              </a:ext>
+            </a:extLst>
+          </p:cNvPr>
+          <p:cNvSpPr txBox="1">
+            <a:spLocks/>
+          </p:cNvSpPr>
+          <p:nvPr/>
+        </p:nvSpPr>
+        <p:spPr>
+          <a:xfrm>
+            <a:off x="1544416" y="5324972"/>
+            <a:ext cx="4489174" cy="1031378"/>
+          </a:xfrm>
+          <a:prstGeom prst="rect">
+            <a:avLst/>
+          </a:prstGeom>
+        </p:spPr>
+        <p:txBody>
+          <a:bodyPr vert="horz" lIns="91440" tIns="45720" rIns="91440" bIns="45720" rtlCol="0">
+            <a:normAutofit/>
+          </a:bodyPr>
+          <a:lstStyle>
+            <a:lvl1pPr marL="228600" indent="-228600" algn="l" defTabSz="914400" rtl="0" eaLnBrk="1" latinLnBrk="0" hangingPunct="1">
+              <a:lnSpc>
+                <a:spcPct val="90000"/>
+              </a:lnSpc>
+              <a:spcBef>
+                <a:spcPts val="1000"/>
+              </a:spcBef>
+              <a:buFont typeface="Arial" panose="020B0604020202020204" pitchFamily="34" charset="0"/>
+              <a:buChar char="•"/>
+              <a:defRPr sz="2800" kern="1200">
+                <a:solidFill>
+                  <a:schemeClr val="tx1"/>
+                </a:solidFill>
+                <a:latin typeface="+mn-lt"/>
+                <a:ea typeface="+mn-ea"/>
+                <a:cs typeface="+mn-cs"/>
+              </a:defRPr>
+            </a:lvl1pPr>
+            <a:lvl2pPr marL="685800" indent="-228600" algn="l" defTabSz="914400" rtl="0" eaLnBrk="1" latinLnBrk="0" hangingPunct="1">
+              <a:lnSpc>
+                <a:spcPct val="90000"/>
+              </a:lnSpc>
+              <a:spcBef>
+                <a:spcPts val="500"/>
+              </a:spcBef>
+              <a:buFont typeface="Arial" panose="020B0604020202020204" pitchFamily="34" charset="0"/>
+              <a:buChar char="•"/>
+              <a:defRPr sz="2400" kern="1200">
+                <a:solidFill>
+                  <a:schemeClr val="tx1"/>
+                </a:solidFill>
+                <a:latin typeface="+mn-lt"/>
+                <a:ea typeface="+mn-ea"/>
+                <a:cs typeface="+mn-cs"/>
+              </a:defRPr>
+            </a:lvl2pPr>
+            <a:lvl3pPr marL="1143000" indent="-228600" algn="l" defTabSz="914400" rtl="0" eaLnBrk="1" latinLnBrk="0" hangingPunct="1">
+              <a:lnSpc>
+                <a:spcPct val="90000"/>
+              </a:lnSpc>
+              <a:spcBef>
+                <a:spcPts val="500"/>
+              </a:spcBef>
+              <a:buFont typeface="Arial" panose="020B0604020202020204" pitchFamily="34" charset="0"/>
+              <a:buChar char="•"/>
+              <a:defRPr sz="2000" kern="1200">
+                <a:solidFill>
+                  <a:schemeClr val="tx1"/>
+                </a:solidFill>
+                <a:latin typeface="+mn-lt"/>
+                <a:ea typeface="+mn-ea"/>
+                <a:cs typeface="+mn-cs"/>
+              </a:defRPr>
+            </a:lvl3pPr>
+            <a:lvl4pPr marL="1600200" indent="-228600" algn="l" defTabSz="914400" rtl="0" eaLnBrk="1" latinLnBrk="0" hangingPunct="1">
+              <a:lnSpc>
+                <a:spcPct val="90000"/>
+              </a:lnSpc>
+              <a:spcBef>
+                <a:spcPts val="500"/>
+              </a:spcBef>
+              <a:buFont typeface="Arial" panose="020B0604020202020204" pitchFamily="34" charset="0"/>
+              <a:buChar char="•"/>
+              <a:defRPr sz="1800" kern="1200">
+                <a:solidFill>
+                  <a:schemeClr val="tx1"/>
+                </a:solidFill>
+                <a:latin typeface="+mn-lt"/>
+                <a:ea typeface="+mn-ea"/>
+                <a:cs typeface="+mn-cs"/>
+              </a:defRPr>
+            </a:lvl4pPr>
+            <a:lvl5pPr marL="2057400" indent="-228600" algn="l" defTabSz="914400" rtl="0" eaLnBrk="1" latinLnBrk="0" hangingPunct="1">
+              <a:lnSpc>
+                <a:spcPct val="90000"/>
+              </a:lnSpc>
+              <a:spcBef>
+                <a:spcPts val="500"/>
+              </a:spcBef>
+              <a:buFont typeface="Arial" panose="020B0604020202020204" pitchFamily="34" charset="0"/>
+              <a:buChar char="•"/>
+              <a:defRPr sz="1800" kern="1200">
+                <a:solidFill>
+                  <a:schemeClr val="tx1"/>
+                </a:solidFill>
+                <a:latin typeface="+mn-lt"/>
+                <a:ea typeface="+mn-ea"/>
+                <a:cs typeface="+mn-cs"/>
+              </a:defRPr>
+            </a:lvl5pPr>
+            <a:lvl6pPr marL="2514600" indent="-228600" algn="l" defTabSz="914400" rtl="0" eaLnBrk="1" latinLnBrk="0" hangingPunct="1">
+              <a:lnSpc>
+                <a:spcPct val="90000"/>
+              </a:lnSpc>
+              <a:spcBef>
+                <a:spcPts val="500"/>
+              </a:spcBef>
+              <a:buFont typeface="Arial" panose="020B0604020202020204" pitchFamily="34" charset="0"/>
+              <a:buChar char="•"/>
+              <a:defRPr sz="1800" kern="1200">
+                <a:solidFill>
+                  <a:schemeClr val="tx1"/>
+                </a:solidFill>
+                <a:latin typeface="+mn-lt"/>
+                <a:ea typeface="+mn-ea"/>
+                <a:cs typeface="+mn-cs"/>
+              </a:defRPr>
+            </a:lvl6pPr>
+            <a:lvl7pPr marL="2971800" indent="-228600" algn="l" defTabSz="914400" rtl="0" eaLnBrk="1" latinLnBrk="0" hangingPunct="1">
+              <a:lnSpc>
+                <a:spcPct val="90000"/>
+              </a:lnSpc>
+              <a:spcBef>
+                <a:spcPts val="500"/>
+              </a:spcBef>
+              <a:buFont typeface="Arial" panose="020B0604020202020204" pitchFamily="34" charset="0"/>
+              <a:buChar char="•"/>
+              <a:defRPr sz="1800" kern="1200">
+                <a:solidFill>
+                  <a:schemeClr val="tx1"/>
+                </a:solidFill>
+                <a:latin typeface="+mn-lt"/>
+                <a:ea typeface="+mn-ea"/>
+                <a:cs typeface="+mn-cs"/>
+              </a:defRPr>
+            </a:lvl7pPr>
+            <a:lvl8pPr marL="3429000" indent="-228600" algn="l" defTabSz="914400" rtl="0" eaLnBrk="1" latinLnBrk="0" hangingPunct="1">
+              <a:lnSpc>
+                <a:spcPct val="90000"/>
+              </a:lnSpc>
+              <a:spcBef>
+                <a:spcPts val="500"/>
+              </a:spcBef>
+              <a:buFont typeface="Arial" panose="020B0604020202020204" pitchFamily="34" charset="0"/>
+              <a:buChar char="•"/>
+              <a:defRPr sz="1800" kern="1200">
+                <a:solidFill>
+                  <a:schemeClr val="tx1"/>
+                </a:solidFill>
+                <a:latin typeface="+mn-lt"/>
+                <a:ea typeface="+mn-ea"/>
+                <a:cs typeface="+mn-cs"/>
+              </a:defRPr>
+            </a:lvl8pPr>
+            <a:lvl9pPr marL="3886200" indent="-228600" algn="l" defTabSz="914400" rtl="0" eaLnBrk="1" latinLnBrk="0" hangingPunct="1">
+              <a:lnSpc>
+                <a:spcPct val="90000"/>
+              </a:lnSpc>
+              <a:spcBef>
+                <a:spcPts val="500"/>
+              </a:spcBef>
+              <a:buFont typeface="Arial" panose="020B0604020202020204" pitchFamily="34" charset="0"/>
+              <a:buChar char="•"/>
+              <a:defRPr sz="1800" kern="1200">
+                <a:solidFill>
+                  <a:schemeClr val="tx1"/>
+                </a:solidFill>
+                <a:latin typeface="+mn-lt"/>
+                <a:ea typeface="+mn-ea"/>
+                <a:cs typeface="+mn-cs"/>
+              </a:defRPr>
+            </a:lvl9pPr>
+          </a:lstStyle>
+          <a:p>
+            <a:pPr marL="0" indent="0" algn="ctr">
+              <a:buNone/>
+            </a:pPr>
+            <a:r>
+              <a:rPr lang="de-DE" dirty="0"/>
+              <a:t>Eingeschränkte Funktionalität </a:t>
+            </a:r>
+          </a:p>
+          <a:p>
+            <a:pPr marL="0" indent="0" algn="ctr">
+              <a:buNone/>
+            </a:pPr>
+            <a:r>
+              <a:rPr lang="de-DE" dirty="0"/>
+              <a:t>des Servers</a:t>
+            </a:r>
+          </a:p>
+        </p:txBody>
+      </p:sp>
+      <p:sp>
+        <p:nvSpPr>
+          <p:cNvPr id="10" name="Inhaltsplatzhalter 2">
+            <a:extLst>
+              <a:ext uri="{FF2B5EF4-FFF2-40B4-BE49-F238E27FC236}">
+                <a16:creationId xmlns:a16="http://schemas.microsoft.com/office/drawing/2014/main" id="{19051105-7BE8-4893-93C8-F0AA91C9AA7F}"/>
+              </a:ext>
+            </a:extLst>
+          </p:cNvPr>
+          <p:cNvSpPr txBox="1">
+            <a:spLocks/>
+          </p:cNvSpPr>
+          <p:nvPr/>
+        </p:nvSpPr>
+        <p:spPr>
+          <a:xfrm>
+            <a:off x="7574448" y="3094590"/>
+            <a:ext cx="2758107" cy="511839"/>
+          </a:xfrm>
+          <a:prstGeom prst="rect">
+            <a:avLst/>
+          </a:prstGeom>
+        </p:spPr>
+        <p:txBody>
+          <a:bodyPr vert="horz" lIns="91440" tIns="45720" rIns="91440" bIns="45720" rtlCol="0">
+            <a:normAutofit/>
+          </a:bodyPr>
+          <a:lstStyle>
+            <a:lvl1pPr marL="228600" indent="-228600" algn="l" defTabSz="914400" rtl="0" eaLnBrk="1" latinLnBrk="0" hangingPunct="1">
+              <a:lnSpc>
+                <a:spcPct val="90000"/>
+              </a:lnSpc>
+              <a:spcBef>
+                <a:spcPts val="1000"/>
+              </a:spcBef>
+              <a:buFont typeface="Arial" panose="020B0604020202020204" pitchFamily="34" charset="0"/>
+              <a:buChar char="•"/>
+              <a:defRPr sz="2800" kern="1200">
+                <a:solidFill>
+                  <a:schemeClr val="tx1"/>
+                </a:solidFill>
+                <a:latin typeface="+mn-lt"/>
+                <a:ea typeface="+mn-ea"/>
+                <a:cs typeface="+mn-cs"/>
+              </a:defRPr>
+            </a:lvl1pPr>
+            <a:lvl2pPr marL="685800" indent="-228600" algn="l" defTabSz="914400" rtl="0" eaLnBrk="1" latinLnBrk="0" hangingPunct="1">
+              <a:lnSpc>
+                <a:spcPct val="90000"/>
+              </a:lnSpc>
+              <a:spcBef>
+                <a:spcPts val="500"/>
+              </a:spcBef>
+              <a:buFont typeface="Arial" panose="020B0604020202020204" pitchFamily="34" charset="0"/>
+              <a:buChar char="•"/>
+              <a:defRPr sz="2400" kern="1200">
+                <a:solidFill>
+                  <a:schemeClr val="tx1"/>
+                </a:solidFill>
+                <a:latin typeface="+mn-lt"/>
+                <a:ea typeface="+mn-ea"/>
+                <a:cs typeface="+mn-cs"/>
+              </a:defRPr>
+            </a:lvl2pPr>
+            <a:lvl3pPr marL="1143000" indent="-228600" algn="l" defTabSz="914400" rtl="0" eaLnBrk="1" latinLnBrk="0" hangingPunct="1">
+              <a:lnSpc>
+                <a:spcPct val="90000"/>
+              </a:lnSpc>
+              <a:spcBef>
+                <a:spcPts val="500"/>
+              </a:spcBef>
+              <a:buFont typeface="Arial" panose="020B0604020202020204" pitchFamily="34" charset="0"/>
+              <a:buChar char="•"/>
+              <a:defRPr sz="2000" kern="1200">
+                <a:solidFill>
+                  <a:schemeClr val="tx1"/>
+                </a:solidFill>
+                <a:latin typeface="+mn-lt"/>
+                <a:ea typeface="+mn-ea"/>
+                <a:cs typeface="+mn-cs"/>
+              </a:defRPr>
+            </a:lvl3pPr>
+            <a:lvl4pPr marL="1600200" indent="-228600" algn="l" defTabSz="914400" rtl="0" eaLnBrk="1" latinLnBrk="0" hangingPunct="1">
+              <a:lnSpc>
+                <a:spcPct val="90000"/>
+              </a:lnSpc>
+              <a:spcBef>
+                <a:spcPts val="500"/>
+              </a:spcBef>
+              <a:buFont typeface="Arial" panose="020B0604020202020204" pitchFamily="34" charset="0"/>
+              <a:buChar char="•"/>
+              <a:defRPr sz="1800" kern="1200">
+                <a:solidFill>
+                  <a:schemeClr val="tx1"/>
+                </a:solidFill>
+                <a:latin typeface="+mn-lt"/>
+                <a:ea typeface="+mn-ea"/>
+                <a:cs typeface="+mn-cs"/>
+              </a:defRPr>
+            </a:lvl4pPr>
+            <a:lvl5pPr marL="2057400" indent="-228600" algn="l" defTabSz="914400" rtl="0" eaLnBrk="1" latinLnBrk="0" hangingPunct="1">
+              <a:lnSpc>
+                <a:spcPct val="90000"/>
+              </a:lnSpc>
+              <a:spcBef>
+                <a:spcPts val="500"/>
+              </a:spcBef>
+              <a:buFont typeface="Arial" panose="020B0604020202020204" pitchFamily="34" charset="0"/>
+              <a:buChar char="•"/>
+              <a:defRPr sz="1800" kern="1200">
+                <a:solidFill>
+                  <a:schemeClr val="tx1"/>
+                </a:solidFill>
+                <a:latin typeface="+mn-lt"/>
+                <a:ea typeface="+mn-ea"/>
+                <a:cs typeface="+mn-cs"/>
+              </a:defRPr>
+            </a:lvl5pPr>
+            <a:lvl6pPr marL="2514600" indent="-228600" algn="l" defTabSz="914400" rtl="0" eaLnBrk="1" latinLnBrk="0" hangingPunct="1">
+              <a:lnSpc>
+                <a:spcPct val="90000"/>
+              </a:lnSpc>
+              <a:spcBef>
+                <a:spcPts val="500"/>
+              </a:spcBef>
+              <a:buFont typeface="Arial" panose="020B0604020202020204" pitchFamily="34" charset="0"/>
+              <a:buChar char="•"/>
+              <a:defRPr sz="1800" kern="1200">
+                <a:solidFill>
+                  <a:schemeClr val="tx1"/>
+                </a:solidFill>
+                <a:latin typeface="+mn-lt"/>
+                <a:ea typeface="+mn-ea"/>
+                <a:cs typeface="+mn-cs"/>
+              </a:defRPr>
+            </a:lvl6pPr>
+            <a:lvl7pPr marL="2971800" indent="-228600" algn="l" defTabSz="914400" rtl="0" eaLnBrk="1" latinLnBrk="0" hangingPunct="1">
+              <a:lnSpc>
+                <a:spcPct val="90000"/>
+              </a:lnSpc>
+              <a:spcBef>
+                <a:spcPts val="500"/>
+              </a:spcBef>
+              <a:buFont typeface="Arial" panose="020B0604020202020204" pitchFamily="34" charset="0"/>
+              <a:buChar char="•"/>
+              <a:defRPr sz="1800" kern="1200">
+                <a:solidFill>
+                  <a:schemeClr val="tx1"/>
+                </a:solidFill>
+                <a:latin typeface="+mn-lt"/>
+                <a:ea typeface="+mn-ea"/>
+                <a:cs typeface="+mn-cs"/>
+              </a:defRPr>
+            </a:lvl7pPr>
+            <a:lvl8pPr marL="3429000" indent="-228600" algn="l" defTabSz="914400" rtl="0" eaLnBrk="1" latinLnBrk="0" hangingPunct="1">
+              <a:lnSpc>
+                <a:spcPct val="90000"/>
+              </a:lnSpc>
+              <a:spcBef>
+                <a:spcPts val="500"/>
+              </a:spcBef>
+              <a:buFont typeface="Arial" panose="020B0604020202020204" pitchFamily="34" charset="0"/>
+              <a:buChar char="•"/>
+              <a:defRPr sz="1800" kern="1200">
+                <a:solidFill>
+                  <a:schemeClr val="tx1"/>
+                </a:solidFill>
+                <a:latin typeface="+mn-lt"/>
+                <a:ea typeface="+mn-ea"/>
+                <a:cs typeface="+mn-cs"/>
+              </a:defRPr>
+            </a:lvl8pPr>
+            <a:lvl9pPr marL="3886200" indent="-228600" algn="l" defTabSz="914400" rtl="0" eaLnBrk="1" latinLnBrk="0" hangingPunct="1">
+              <a:lnSpc>
+                <a:spcPct val="90000"/>
+              </a:lnSpc>
+              <a:spcBef>
+                <a:spcPts val="500"/>
+              </a:spcBef>
+              <a:buFont typeface="Arial" panose="020B0604020202020204" pitchFamily="34" charset="0"/>
+              <a:buChar char="•"/>
+              <a:defRPr sz="1800" kern="1200">
+                <a:solidFill>
+                  <a:schemeClr val="tx1"/>
+                </a:solidFill>
+                <a:latin typeface="+mn-lt"/>
+                <a:ea typeface="+mn-ea"/>
+                <a:cs typeface="+mn-cs"/>
+              </a:defRPr>
+            </a:lvl9pPr>
+          </a:lstStyle>
+          <a:p>
+            <a:pPr marL="0" indent="0">
+              <a:buNone/>
+            </a:pPr>
+            <a:r>
+              <a:rPr lang="de-DE" dirty="0"/>
+              <a:t>Weniger Graphen</a:t>
+            </a:r>
+          </a:p>
+        </p:txBody>
+      </p:sp>
+      <p:sp>
+        <p:nvSpPr>
+          <p:cNvPr id="13" name="Inhaltsplatzhalter 2">
+            <a:extLst>
+              <a:ext uri="{FF2B5EF4-FFF2-40B4-BE49-F238E27FC236}">
+                <a16:creationId xmlns:a16="http://schemas.microsoft.com/office/drawing/2014/main" id="{23F98581-D2B6-4689-8565-8174D73EEB67}"/>
+              </a:ext>
+            </a:extLst>
+          </p:cNvPr>
+          <p:cNvSpPr txBox="1">
+            <a:spLocks/>
+          </p:cNvSpPr>
+          <p:nvPr/>
+        </p:nvSpPr>
+        <p:spPr>
+          <a:xfrm>
+            <a:off x="6528354" y="5407293"/>
+            <a:ext cx="4850296" cy="1085582"/>
+          </a:xfrm>
+          <a:prstGeom prst="rect">
+            <a:avLst/>
+          </a:prstGeom>
+        </p:spPr>
+        <p:txBody>
+          <a:bodyPr vert="horz" lIns="91440" tIns="45720" rIns="91440" bIns="45720" rtlCol="0">
+            <a:normAutofit/>
+          </a:bodyPr>
+          <a:lstStyle>
+            <a:lvl1pPr marL="228600" indent="-228600" algn="l" defTabSz="914400" rtl="0" eaLnBrk="1" latinLnBrk="0" hangingPunct="1">
+              <a:lnSpc>
+                <a:spcPct val="90000"/>
+              </a:lnSpc>
+              <a:spcBef>
+                <a:spcPts val="1000"/>
+              </a:spcBef>
+              <a:buFont typeface="Arial" panose="020B0604020202020204" pitchFamily="34" charset="0"/>
+              <a:buChar char="•"/>
+              <a:defRPr sz="2800" kern="1200">
+                <a:solidFill>
+                  <a:schemeClr val="tx1"/>
+                </a:solidFill>
+                <a:latin typeface="+mn-lt"/>
+                <a:ea typeface="+mn-ea"/>
+                <a:cs typeface="+mn-cs"/>
+              </a:defRPr>
+            </a:lvl1pPr>
+            <a:lvl2pPr marL="685800" indent="-228600" algn="l" defTabSz="914400" rtl="0" eaLnBrk="1" latinLnBrk="0" hangingPunct="1">
+              <a:lnSpc>
+                <a:spcPct val="90000"/>
+              </a:lnSpc>
+              <a:spcBef>
+                <a:spcPts val="500"/>
+              </a:spcBef>
+              <a:buFont typeface="Arial" panose="020B0604020202020204" pitchFamily="34" charset="0"/>
+              <a:buChar char="•"/>
+              <a:defRPr sz="2400" kern="1200">
+                <a:solidFill>
+                  <a:schemeClr val="tx1"/>
+                </a:solidFill>
+                <a:latin typeface="+mn-lt"/>
+                <a:ea typeface="+mn-ea"/>
+                <a:cs typeface="+mn-cs"/>
+              </a:defRPr>
+            </a:lvl2pPr>
+            <a:lvl3pPr marL="1143000" indent="-228600" algn="l" defTabSz="914400" rtl="0" eaLnBrk="1" latinLnBrk="0" hangingPunct="1">
+              <a:lnSpc>
+                <a:spcPct val="90000"/>
+              </a:lnSpc>
+              <a:spcBef>
+                <a:spcPts val="500"/>
+              </a:spcBef>
+              <a:buFont typeface="Arial" panose="020B0604020202020204" pitchFamily="34" charset="0"/>
+              <a:buChar char="•"/>
+              <a:defRPr sz="2000" kern="1200">
+                <a:solidFill>
+                  <a:schemeClr val="tx1"/>
+                </a:solidFill>
+                <a:latin typeface="+mn-lt"/>
+                <a:ea typeface="+mn-ea"/>
+                <a:cs typeface="+mn-cs"/>
+              </a:defRPr>
+            </a:lvl3pPr>
+            <a:lvl4pPr marL="1600200" indent="-228600" algn="l" defTabSz="914400" rtl="0" eaLnBrk="1" latinLnBrk="0" hangingPunct="1">
+              <a:lnSpc>
+                <a:spcPct val="90000"/>
+              </a:lnSpc>
+              <a:spcBef>
+                <a:spcPts val="500"/>
+              </a:spcBef>
+              <a:buFont typeface="Arial" panose="020B0604020202020204" pitchFamily="34" charset="0"/>
+              <a:buChar char="•"/>
+              <a:defRPr sz="1800" kern="1200">
+                <a:solidFill>
+                  <a:schemeClr val="tx1"/>
+                </a:solidFill>
+                <a:latin typeface="+mn-lt"/>
+                <a:ea typeface="+mn-ea"/>
+                <a:cs typeface="+mn-cs"/>
+              </a:defRPr>
+            </a:lvl4pPr>
+            <a:lvl5pPr marL="2057400" indent="-228600" algn="l" defTabSz="914400" rtl="0" eaLnBrk="1" latinLnBrk="0" hangingPunct="1">
+              <a:lnSpc>
+                <a:spcPct val="90000"/>
+              </a:lnSpc>
+              <a:spcBef>
+                <a:spcPts val="500"/>
+              </a:spcBef>
+              <a:buFont typeface="Arial" panose="020B0604020202020204" pitchFamily="34" charset="0"/>
+              <a:buChar char="•"/>
+              <a:defRPr sz="1800" kern="1200">
+                <a:solidFill>
+                  <a:schemeClr val="tx1"/>
+                </a:solidFill>
+                <a:latin typeface="+mn-lt"/>
+                <a:ea typeface="+mn-ea"/>
+                <a:cs typeface="+mn-cs"/>
+              </a:defRPr>
+            </a:lvl5pPr>
+            <a:lvl6pPr marL="2514600" indent="-228600" algn="l" defTabSz="914400" rtl="0" eaLnBrk="1" latinLnBrk="0" hangingPunct="1">
+              <a:lnSpc>
+                <a:spcPct val="90000"/>
+              </a:lnSpc>
+              <a:spcBef>
+                <a:spcPts val="500"/>
+              </a:spcBef>
+              <a:buFont typeface="Arial" panose="020B0604020202020204" pitchFamily="34" charset="0"/>
+              <a:buChar char="•"/>
+              <a:defRPr sz="1800" kern="1200">
+                <a:solidFill>
+                  <a:schemeClr val="tx1"/>
+                </a:solidFill>
+                <a:latin typeface="+mn-lt"/>
+                <a:ea typeface="+mn-ea"/>
+                <a:cs typeface="+mn-cs"/>
+              </a:defRPr>
+            </a:lvl6pPr>
+            <a:lvl7pPr marL="2971800" indent="-228600" algn="l" defTabSz="914400" rtl="0" eaLnBrk="1" latinLnBrk="0" hangingPunct="1">
+              <a:lnSpc>
+                <a:spcPct val="90000"/>
+              </a:lnSpc>
+              <a:spcBef>
+                <a:spcPts val="500"/>
+              </a:spcBef>
+              <a:buFont typeface="Arial" panose="020B0604020202020204" pitchFamily="34" charset="0"/>
+              <a:buChar char="•"/>
+              <a:defRPr sz="1800" kern="1200">
+                <a:solidFill>
+                  <a:schemeClr val="tx1"/>
+                </a:solidFill>
+                <a:latin typeface="+mn-lt"/>
+                <a:ea typeface="+mn-ea"/>
+                <a:cs typeface="+mn-cs"/>
+              </a:defRPr>
+            </a:lvl7pPr>
+            <a:lvl8pPr marL="3429000" indent="-228600" algn="l" defTabSz="914400" rtl="0" eaLnBrk="1" latinLnBrk="0" hangingPunct="1">
+              <a:lnSpc>
+                <a:spcPct val="90000"/>
+              </a:lnSpc>
+              <a:spcBef>
+                <a:spcPts val="500"/>
+              </a:spcBef>
+              <a:buFont typeface="Arial" panose="020B0604020202020204" pitchFamily="34" charset="0"/>
+              <a:buChar char="•"/>
+              <a:defRPr sz="1800" kern="1200">
+                <a:solidFill>
+                  <a:schemeClr val="tx1"/>
+                </a:solidFill>
+                <a:latin typeface="+mn-lt"/>
+                <a:ea typeface="+mn-ea"/>
+                <a:cs typeface="+mn-cs"/>
+              </a:defRPr>
+            </a:lvl8pPr>
+            <a:lvl9pPr marL="3886200" indent="-228600" algn="l" defTabSz="914400" rtl="0" eaLnBrk="1" latinLnBrk="0" hangingPunct="1">
+              <a:lnSpc>
+                <a:spcPct val="90000"/>
+              </a:lnSpc>
+              <a:spcBef>
+                <a:spcPts val="500"/>
+              </a:spcBef>
+              <a:buFont typeface="Arial" panose="020B0604020202020204" pitchFamily="34" charset="0"/>
+              <a:buChar char="•"/>
+              <a:defRPr sz="1800" kern="1200">
+                <a:solidFill>
+                  <a:schemeClr val="tx1"/>
+                </a:solidFill>
+                <a:latin typeface="+mn-lt"/>
+                <a:ea typeface="+mn-ea"/>
+                <a:cs typeface="+mn-cs"/>
+              </a:defRPr>
+            </a:lvl9pPr>
+          </a:lstStyle>
+          <a:p>
+            <a:pPr marL="0" indent="0" algn="ctr">
+              <a:buNone/>
+            </a:pPr>
+            <a:r>
+              <a:rPr lang="de-DE" dirty="0"/>
+              <a:t>Beschränktere Möglichkeiten, </a:t>
+            </a:r>
+          </a:p>
+          <a:p>
+            <a:pPr marL="0" indent="0" algn="ctr">
+              <a:buNone/>
+            </a:pPr>
+            <a:r>
+              <a:rPr lang="de-DE" dirty="0"/>
+              <a:t>die Projekttabelle zu bearbeiten</a:t>
+            </a:r>
+          </a:p>
+        </p:txBody>
+      </p:sp>
+      <p:pic>
+        <p:nvPicPr>
+          <p:cNvPr id="18" name="Grafik 17">
+            <a:extLst>
+              <a:ext uri="{FF2B5EF4-FFF2-40B4-BE49-F238E27FC236}">
+                <a16:creationId xmlns:a16="http://schemas.microsoft.com/office/drawing/2014/main" id="{1A356D30-71CF-402E-B8ED-D27A0D1AC0BF}"/>
+              </a:ext>
+            </a:extLst>
+          </p:cNvPr>
+          <p:cNvPicPr>
+            <a:picLocks noChangeAspect="1"/>
+          </p:cNvPicPr>
+          <p:nvPr/>
+        </p:nvPicPr>
+        <p:blipFill>
+          <a:blip r:embed="rId5"/>
+          <a:stretch>
+            <a:fillRect/>
+          </a:stretch>
+        </p:blipFill>
+        <p:spPr>
+          <a:xfrm>
+            <a:off x="7840840" y="4062320"/>
+            <a:ext cx="2170622" cy="1256330"/>
+          </a:xfrm>
+          <a:prstGeom prst="rect">
+            <a:avLst/>
+          </a:prstGeom>
+        </p:spPr>
+      </p:pic>
+      <p:pic>
+        <p:nvPicPr>
+          <p:cNvPr id="20" name="Grafik 19" descr="Bleistift mit einfarbiger Füllung">
+            <a:extLst>
+              <a:ext uri="{FF2B5EF4-FFF2-40B4-BE49-F238E27FC236}">
+                <a16:creationId xmlns:a16="http://schemas.microsoft.com/office/drawing/2014/main" id="{EDBB3302-297F-4093-9C08-93501E6A15E5}"/>
+              </a:ext>
+            </a:extLst>
+          </p:cNvPr>
+          <p:cNvPicPr>
+            <a:picLocks noChangeAspect="1"/>
+          </p:cNvPicPr>
+          <p:nvPr/>
+        </p:nvPicPr>
+        <p:blipFill>
+          <a:blip r:embed="rId6">
+            <a:extLst>
+              <a:ext uri="{96DAC541-7B7A-43D3-8B79-37D633B846F1}">
+                <asvg:svgBlip xmlns:asvg="http://schemas.microsoft.com/office/drawing/2016/SVG/main" r:embed="rId7"/>
+              </a:ext>
+            </a:extLst>
+          </a:blip>
+          <a:stretch>
+            <a:fillRect/>
+          </a:stretch>
+        </p:blipFill>
+        <p:spPr>
+          <a:xfrm>
+            <a:off x="9365656" y="3612120"/>
+            <a:ext cx="1148793" cy="1148793"/>
+          </a:xfrm>
+          <a:prstGeom prst="rect">
+            <a:avLst/>
+          </a:prstGeom>
+        </p:spPr>
+      </p:pic>
+      <p:sp>
+        <p:nvSpPr>
+          <p:cNvPr id="27" name="Inhaltsplatzhalter 2">
+            <a:extLst>
+              <a:ext uri="{FF2B5EF4-FFF2-40B4-BE49-F238E27FC236}">
+                <a16:creationId xmlns:a16="http://schemas.microsoft.com/office/drawing/2014/main" id="{A443DA9C-9647-40DE-AC5D-7CEF9BCF94BB}"/>
+              </a:ext>
+            </a:extLst>
+          </p:cNvPr>
+          <p:cNvSpPr>
+            <a:spLocks noGrp="1"/>
+          </p:cNvSpPr>
+          <p:nvPr>
+            <p:ph idx="1"/>
+          </p:nvPr>
+        </p:nvSpPr>
+        <p:spPr>
+          <a:xfrm>
+            <a:off x="1548550" y="3155956"/>
+            <a:ext cx="4489174" cy="456164"/>
+          </a:xfrm>
+        </p:spPr>
+        <p:txBody>
+          <a:bodyPr>
+            <a:normAutofit lnSpcReduction="10000"/>
+          </a:bodyPr>
+          <a:lstStyle/>
+          <a:p>
+            <a:pPr marL="0" indent="0">
+              <a:buNone/>
+            </a:pPr>
+            <a:r>
+              <a:rPr lang="de-DE" dirty="0"/>
+              <a:t>Weniger individuelles Projekt</a:t>
+            </a:r>
+          </a:p>
+        </p:txBody>
+      </p:sp>
+      <p:pic>
+        <p:nvPicPr>
+          <p:cNvPr id="28" name="Grafik 27" descr="Liste mit einfarbiger Füllung">
+            <a:extLst>
+              <a:ext uri="{FF2B5EF4-FFF2-40B4-BE49-F238E27FC236}">
+                <a16:creationId xmlns:a16="http://schemas.microsoft.com/office/drawing/2014/main" id="{7FEFC4C6-2595-48DC-A2B2-7A9AF769C471}"/>
+              </a:ext>
+            </a:extLst>
+          </p:cNvPr>
+          <p:cNvPicPr>
+            <a:picLocks noChangeAspect="1"/>
+          </p:cNvPicPr>
+          <p:nvPr/>
+        </p:nvPicPr>
+        <p:blipFill>
+          <a:blip r:embed="rId8">
+            <a:extLst>
+              <a:ext uri="{96DAC541-7B7A-43D3-8B79-37D633B846F1}">
+                <asvg:svgBlip xmlns:asvg="http://schemas.microsoft.com/office/drawing/2016/SVG/main" r:embed="rId9"/>
+              </a:ext>
+            </a:extLst>
+          </a:blip>
+          <a:stretch>
+            <a:fillRect/>
+          </a:stretch>
+        </p:blipFill>
+        <p:spPr>
+          <a:xfrm>
+            <a:off x="3055990" y="1628567"/>
+            <a:ext cx="1466023" cy="1466023"/>
+          </a:xfrm>
+          <a:prstGeom prst="rect">
+            <a:avLst/>
+          </a:prstGeom>
+        </p:spPr>
+      </p:pic>
+      <p:graphicFrame>
+        <p:nvGraphicFramePr>
+          <p:cNvPr id="32" name="Diagramm 31">
+            <a:extLst>
+              <a:ext uri="{FF2B5EF4-FFF2-40B4-BE49-F238E27FC236}">
+                <a16:creationId xmlns:a16="http://schemas.microsoft.com/office/drawing/2014/main" id="{D8FBB47F-CEB5-46FE-AB3E-DFF6EDBE7D06}"/>
+              </a:ext>
+            </a:extLst>
+          </p:cNvPr>
+          <p:cNvGraphicFramePr/>
+          <p:nvPr>
+            <p:extLst>
+              <p:ext uri="{D42A27DB-BD31-4B8C-83A1-F6EECF244321}">
+                <p14:modId xmlns:p14="http://schemas.microsoft.com/office/powerpoint/2010/main" val="774809611"/>
+              </p:ext>
+            </p:extLst>
+          </p:nvPr>
+        </p:nvGraphicFramePr>
+        <p:xfrm>
+          <a:off x="7583632" y="1690688"/>
+          <a:ext cx="2774888" cy="1421599"/>
+        </p:xfrm>
+        <a:graphic>
+          <a:graphicData uri="http://schemas.openxmlformats.org/drawingml/2006/chart">
+            <c:chart xmlns:c="http://schemas.openxmlformats.org/drawingml/2006/chart" xmlns:r="http://schemas.openxmlformats.org/officeDocument/2006/relationships" r:id="rId10"/>
+          </a:graphicData>
+        </a:graphic>
+      </p:graphicFrame>
     </p:spTree>
     <p:extLst>
       <p:ext uri="{BB962C8B-B14F-4D97-AF65-F5344CB8AC3E}">
-        <p14:creationId xmlns:p14="http://schemas.microsoft.com/office/powerpoint/2010/main" val="2229930519"/>
+        <p14:creationId xmlns:p14="http://schemas.microsoft.com/office/powerpoint/2010/main" val="2237529051"/>
       </p:ext>
     </p:extLst>
   </p:cSld>
@@ -9908,10 +14063,10 @@
       </p:grpSpPr>
       <p:sp>
         <p:nvSpPr>
-          <p:cNvPr id="4" name="Datumsplatzhalter 3">
-            <a:extLst>
-              <a:ext uri="{FF2B5EF4-FFF2-40B4-BE49-F238E27FC236}">
-                <a16:creationId xmlns:a16="http://schemas.microsoft.com/office/drawing/2014/main" id="{6A81D478-966F-2141-91E1-6FCA1FF7BB98}"/>
+          <p:cNvPr id="2" name="Titel 1">
+            <a:extLst>
+              <a:ext uri="{FF2B5EF4-FFF2-40B4-BE49-F238E27FC236}">
+                <a16:creationId xmlns:a16="http://schemas.microsoft.com/office/drawing/2014/main" id="{3EEB4CF8-24FA-E346-803C-13F76BFB4B96}"/>
               </a:ext>
             </a:extLst>
           </p:cNvPr>
@@ -9919,7 +14074,7 @@
             <a:spLocks noGrp="1"/>
           </p:cNvSpPr>
           <p:nvPr>
-            <p:ph type="dt" sz="half" idx="10"/>
+            <p:ph type="title"/>
           </p:nvPr>
         </p:nvSpPr>
         <p:spPr/>
@@ -9928,6 +14083,86 @@
           <a:lstStyle/>
           <a:p>
             <a:r>
+              <a:rPr lang="de-DE" dirty="0"/>
+              <a:t>Modularität</a:t>
+            </a:r>
+          </a:p>
+        </p:txBody>
+      </p:sp>
+      <p:sp>
+        <p:nvSpPr>
+          <p:cNvPr id="3" name="Inhaltsplatzhalter 2">
+            <a:extLst>
+              <a:ext uri="{FF2B5EF4-FFF2-40B4-BE49-F238E27FC236}">
+                <a16:creationId xmlns:a16="http://schemas.microsoft.com/office/drawing/2014/main" id="{40AF4B88-7E41-0940-A3CB-219830E08A6F}"/>
+              </a:ext>
+            </a:extLst>
+          </p:cNvPr>
+          <p:cNvSpPr>
+            <a:spLocks noGrp="1"/>
+          </p:cNvSpPr>
+          <p:nvPr>
+            <p:ph idx="1"/>
+          </p:nvPr>
+        </p:nvSpPr>
+        <p:spPr/>
+        <p:txBody>
+          <a:bodyPr/>
+          <a:lstStyle/>
+          <a:p>
+            <a:pPr marL="0" indent="0">
+              <a:buNone/>
+            </a:pPr>
+            <a:r>
+              <a:rPr lang="de-DE" dirty="0"/>
+              <a:t>Einschränkung durch Pflichtkriterien</a:t>
+            </a:r>
+          </a:p>
+          <a:p>
+            <a:r>
+              <a:rPr lang="de-DE" dirty="0" err="1"/>
+              <a:t>Auwirkung</a:t>
+            </a:r>
+            <a:r>
+              <a:rPr lang="de-DE" dirty="0"/>
+              <a:t> auf den Entwurf</a:t>
+            </a:r>
+          </a:p>
+          <a:p>
+            <a:r>
+              <a:rPr lang="de-DE" dirty="0"/>
+              <a:t>z.B. neue </a:t>
+            </a:r>
+            <a:r>
+              <a:rPr lang="de-DE" dirty="0" err="1"/>
+              <a:t>Graphtypen</a:t>
+            </a:r>
+            <a:endParaRPr lang="de-DE" dirty="0"/>
+          </a:p>
+        </p:txBody>
+      </p:sp>
+      <p:sp>
+        <p:nvSpPr>
+          <p:cNvPr id="4" name="Datumsplatzhalter 3">
+            <a:extLst>
+              <a:ext uri="{FF2B5EF4-FFF2-40B4-BE49-F238E27FC236}">
+                <a16:creationId xmlns:a16="http://schemas.microsoft.com/office/drawing/2014/main" id="{CDE6F215-41E1-9E4E-A7DD-8A2EAA1E122A}"/>
+              </a:ext>
+            </a:extLst>
+          </p:cNvPr>
+          <p:cNvSpPr>
+            <a:spLocks noGrp="1"/>
+          </p:cNvSpPr>
+          <p:nvPr>
+            <p:ph type="dt" sz="half" idx="10"/>
+          </p:nvPr>
+        </p:nvSpPr>
+        <p:spPr/>
+        <p:txBody>
+          <a:bodyPr/>
+          <a:lstStyle/>
+          <a:p>
+            <a:r>
               <a:rPr lang="de-DE"/>
               <a:t>03.12.21</a:t>
             </a:r>
@@ -9939,7 +14174,7 @@
           <p:cNvPr id="5" name="Foliennummernplatzhalter 4">
             <a:extLst>
               <a:ext uri="{FF2B5EF4-FFF2-40B4-BE49-F238E27FC236}">
-                <a16:creationId xmlns:a16="http://schemas.microsoft.com/office/drawing/2014/main" id="{CED60419-1EE8-7742-8247-F5E48388EB3C}"/>
+                <a16:creationId xmlns:a16="http://schemas.microsoft.com/office/drawing/2014/main" id="{948BDBF9-84B5-244E-9747-F3C21B6EE211}"/>
               </a:ext>
             </a:extLst>
           </p:cNvPr>
@@ -9958,6 +14193,129 @@
             <a:fld id="{C1951030-1712-A844-813B-C453E8FB818E}" type="slidenum">
               <a:rPr lang="de-DE" smtClean="0"/>
               <a:t>7</a:t>
+            </a:fld>
+            <a:endParaRPr lang="de-DE"/>
+          </a:p>
+        </p:txBody>
+      </p:sp>
+      <p:pic>
+        <p:nvPicPr>
+          <p:cNvPr id="10" name="Grafik 9" descr="Gebäudesteinmauer Silhouette">
+            <a:extLst>
+              <a:ext uri="{FF2B5EF4-FFF2-40B4-BE49-F238E27FC236}">
+                <a16:creationId xmlns:a16="http://schemas.microsoft.com/office/drawing/2014/main" id="{FF063A98-42D7-46A3-AE46-1E8F42468868}"/>
+              </a:ext>
+            </a:extLst>
+          </p:cNvPr>
+          <p:cNvPicPr>
+            <a:picLocks noChangeAspect="1"/>
+          </p:cNvPicPr>
+          <p:nvPr/>
+        </p:nvPicPr>
+        <p:blipFill>
+          <a:blip r:embed="rId3">
+            <a:extLst>
+              <a:ext uri="{96DAC541-7B7A-43D3-8B79-37D633B846F1}">
+                <asvg:svgBlip xmlns:asvg="http://schemas.microsoft.com/office/drawing/2016/SVG/main" r:embed="rId4"/>
+              </a:ext>
+            </a:extLst>
+          </a:blip>
+          <a:stretch>
+            <a:fillRect/>
+          </a:stretch>
+        </p:blipFill>
+        <p:spPr>
+          <a:xfrm>
+            <a:off x="5925772" y="599760"/>
+            <a:ext cx="6121715" cy="6121715"/>
+          </a:xfrm>
+          <a:prstGeom prst="rect">
+            <a:avLst/>
+          </a:prstGeom>
+        </p:spPr>
+      </p:pic>
+    </p:spTree>
+    <p:extLst>
+      <p:ext uri="{BB962C8B-B14F-4D97-AF65-F5344CB8AC3E}">
+        <p14:creationId xmlns:p14="http://schemas.microsoft.com/office/powerpoint/2010/main" val="2229930519"/>
+      </p:ext>
+    </p:extLst>
+  </p:cSld>
+  <p:clrMapOvr>
+    <a:masterClrMapping/>
+  </p:clrMapOvr>
+</p:sld>
+</file>
+
+<file path=ppt/slides/slide8.xml><?xml version="1.0" encoding="utf-8"?>
+<p:sld xmlns:a="http://schemas.openxmlformats.org/drawingml/2006/main" xmlns:r="http://schemas.openxmlformats.org/officeDocument/2006/relationships" xmlns:p="http://schemas.openxmlformats.org/presentationml/2006/main">
+  <p:cSld>
+    <p:spTree>
+      <p:nvGrpSpPr>
+        <p:cNvPr id="1" name=""/>
+        <p:cNvGrpSpPr/>
+        <p:nvPr/>
+      </p:nvGrpSpPr>
+      <p:grpSpPr>
+        <a:xfrm>
+          <a:off x="0" y="0"/>
+          <a:ext cx="0" cy="0"/>
+          <a:chOff x="0" y="0"/>
+          <a:chExt cx="0" cy="0"/>
+        </a:xfrm>
+      </p:grpSpPr>
+      <p:sp>
+        <p:nvSpPr>
+          <p:cNvPr id="4" name="Datumsplatzhalter 3">
+            <a:extLst>
+              <a:ext uri="{FF2B5EF4-FFF2-40B4-BE49-F238E27FC236}">
+                <a16:creationId xmlns:a16="http://schemas.microsoft.com/office/drawing/2014/main" id="{6A81D478-966F-2141-91E1-6FCA1FF7BB98}"/>
+              </a:ext>
+            </a:extLst>
+          </p:cNvPr>
+          <p:cNvSpPr>
+            <a:spLocks noGrp="1"/>
+          </p:cNvSpPr>
+          <p:nvPr>
+            <p:ph type="dt" sz="half" idx="10"/>
+          </p:nvPr>
+        </p:nvSpPr>
+        <p:spPr/>
+        <p:txBody>
+          <a:bodyPr/>
+          <a:lstStyle/>
+          <a:p>
+            <a:r>
+              <a:rPr lang="de-DE"/>
+              <a:t>03.12.21</a:t>
+            </a:r>
+          </a:p>
+        </p:txBody>
+      </p:sp>
+      <p:sp>
+        <p:nvSpPr>
+          <p:cNvPr id="5" name="Foliennummernplatzhalter 4">
+            <a:extLst>
+              <a:ext uri="{FF2B5EF4-FFF2-40B4-BE49-F238E27FC236}">
+                <a16:creationId xmlns:a16="http://schemas.microsoft.com/office/drawing/2014/main" id="{CED60419-1EE8-7742-8247-F5E48388EB3C}"/>
+              </a:ext>
+            </a:extLst>
+          </p:cNvPr>
+          <p:cNvSpPr>
+            <a:spLocks noGrp="1"/>
+          </p:cNvSpPr>
+          <p:nvPr>
+            <p:ph type="sldNum" sz="quarter" idx="12"/>
+          </p:nvPr>
+        </p:nvSpPr>
+        <p:spPr/>
+        <p:txBody>
+          <a:bodyPr/>
+          <a:lstStyle/>
+          <a:p>
+            <a:fld id="{C1951030-1712-A844-813B-C453E8FB818E}" type="slidenum">
+              <a:rPr lang="de-DE" smtClean="0"/>
+              <a:t>8</a:t>
             </a:fld>
             <a:endParaRPr lang="de-DE"/>
           </a:p>
@@ -10372,158 +14730,6 @@
 </p:sld>
 </file>
 
-<file path=ppt/slides/slide8.xml><?xml version="1.0" encoding="utf-8"?>
-<p:sld xmlns:a="http://schemas.openxmlformats.org/drawingml/2006/main" xmlns:r="http://schemas.openxmlformats.org/officeDocument/2006/relationships" xmlns:p="http://schemas.openxmlformats.org/presentationml/2006/main">
-  <p:cSld>
-    <p:spTree>
-      <p:nvGrpSpPr>
-        <p:cNvPr id="1" name=""/>
-        <p:cNvGrpSpPr/>
-        <p:nvPr/>
-      </p:nvGrpSpPr>
-      <p:grpSpPr>
-        <a:xfrm>
-          <a:off x="0" y="0"/>
-          <a:ext cx="0" cy="0"/>
-          <a:chOff x="0" y="0"/>
-          <a:chExt cx="0" cy="0"/>
-        </a:xfrm>
-      </p:grpSpPr>
-      <p:sp>
-        <p:nvSpPr>
-          <p:cNvPr id="2" name="Titel 1">
-            <a:extLst>
-              <a:ext uri="{FF2B5EF4-FFF2-40B4-BE49-F238E27FC236}">
-                <a16:creationId xmlns:a16="http://schemas.microsoft.com/office/drawing/2014/main" id="{CE9A98DF-6756-BA44-98B3-C02810FFD835}"/>
-              </a:ext>
-            </a:extLst>
-          </p:cNvPr>
-          <p:cNvSpPr>
-            <a:spLocks noGrp="1"/>
-          </p:cNvSpPr>
-          <p:nvPr>
-            <p:ph type="title"/>
-          </p:nvPr>
-        </p:nvSpPr>
-        <p:spPr/>
-        <p:txBody>
-          <a:bodyPr/>
-          <a:lstStyle/>
-          <a:p>
-            <a:r>
-              <a:rPr lang="de-DE" dirty="0"/>
-              <a:t>Funktionalität des Server</a:t>
-            </a:r>
-          </a:p>
-        </p:txBody>
-      </p:sp>
-      <p:sp>
-        <p:nvSpPr>
-          <p:cNvPr id="3" name="Inhaltsplatzhalter 2">
-            <a:extLst>
-              <a:ext uri="{FF2B5EF4-FFF2-40B4-BE49-F238E27FC236}">
-                <a16:creationId xmlns:a16="http://schemas.microsoft.com/office/drawing/2014/main" id="{1B0751E5-F111-2642-BB0C-F037C2D3D85B}"/>
-              </a:ext>
-            </a:extLst>
-          </p:cNvPr>
-          <p:cNvSpPr>
-            <a:spLocks noGrp="1"/>
-          </p:cNvSpPr>
-          <p:nvPr>
-            <p:ph idx="1"/>
-          </p:nvPr>
-        </p:nvSpPr>
-        <p:spPr/>
-        <p:txBody>
-          <a:bodyPr/>
-          <a:lstStyle/>
-          <a:p>
-            <a:r>
-              <a:rPr lang="de-DE" dirty="0"/>
-              <a:t>Gemeinsame Projekte</a:t>
-            </a:r>
-          </a:p>
-          <a:p>
-            <a:r>
-              <a:rPr lang="de-DE" dirty="0"/>
-              <a:t>Templates teilen</a:t>
-            </a:r>
-          </a:p>
-          <a:p>
-            <a:endParaRPr lang="de-DE" dirty="0"/>
-          </a:p>
-        </p:txBody>
-      </p:sp>
-      <p:sp>
-        <p:nvSpPr>
-          <p:cNvPr id="4" name="Datumsplatzhalter 3">
-            <a:extLst>
-              <a:ext uri="{FF2B5EF4-FFF2-40B4-BE49-F238E27FC236}">
-                <a16:creationId xmlns:a16="http://schemas.microsoft.com/office/drawing/2014/main" id="{306D82D5-6ACA-FC43-9A1E-F9FDFBB39F57}"/>
-              </a:ext>
-            </a:extLst>
-          </p:cNvPr>
-          <p:cNvSpPr>
-            <a:spLocks noGrp="1"/>
-          </p:cNvSpPr>
-          <p:nvPr>
-            <p:ph type="dt" sz="half" idx="10"/>
-          </p:nvPr>
-        </p:nvSpPr>
-        <p:spPr/>
-        <p:txBody>
-          <a:bodyPr/>
-          <a:lstStyle/>
-          <a:p>
-            <a:r>
-              <a:rPr lang="de-DE"/>
-              <a:t>03.12.21</a:t>
-            </a:r>
-          </a:p>
-        </p:txBody>
-      </p:sp>
-      <p:sp>
-        <p:nvSpPr>
-          <p:cNvPr id="5" name="Foliennummernplatzhalter 4">
-            <a:extLst>
-              <a:ext uri="{FF2B5EF4-FFF2-40B4-BE49-F238E27FC236}">
-                <a16:creationId xmlns:a16="http://schemas.microsoft.com/office/drawing/2014/main" id="{F5F3A946-1147-1249-B112-F9AE33B253F4}"/>
-              </a:ext>
-            </a:extLst>
-          </p:cNvPr>
-          <p:cNvSpPr>
-            <a:spLocks noGrp="1"/>
-          </p:cNvSpPr>
-          <p:nvPr>
-            <p:ph type="sldNum" sz="quarter" idx="12"/>
-          </p:nvPr>
-        </p:nvSpPr>
-        <p:spPr/>
-        <p:txBody>
-          <a:bodyPr/>
-          <a:lstStyle/>
-          <a:p>
-            <a:fld id="{C1951030-1712-A844-813B-C453E8FB818E}" type="slidenum">
-              <a:rPr lang="de-DE" smtClean="0"/>
-              <a:t>8</a:t>
-            </a:fld>
-            <a:endParaRPr lang="de-DE"/>
-          </a:p>
-        </p:txBody>
-      </p:sp>
-    </p:spTree>
-    <p:extLst>
-      <p:ext uri="{BB962C8B-B14F-4D97-AF65-F5344CB8AC3E}">
-        <p14:creationId xmlns:p14="http://schemas.microsoft.com/office/powerpoint/2010/main" val="1634240290"/>
-      </p:ext>
-    </p:extLst>
-  </p:cSld>
-  <p:clrMapOvr>
-    <a:masterClrMapping/>
-  </p:clrMapOvr>
-</p:sld>
-</file>
-
 <file path=ppt/slides/slide9.xml><?xml version="1.0" encoding="utf-8"?>
 <p:sld xmlns:a="http://schemas.openxmlformats.org/drawingml/2006/main" xmlns:r="http://schemas.openxmlformats.org/officeDocument/2006/relationships" xmlns:p="http://schemas.openxmlformats.org/presentationml/2006/main">
   <p:cSld>
@@ -10546,7 +14752,7 @@
           <p:cNvPr id="2" name="Titel 1">
             <a:extLst>
               <a:ext uri="{FF2B5EF4-FFF2-40B4-BE49-F238E27FC236}">
-                <a16:creationId xmlns:a16="http://schemas.microsoft.com/office/drawing/2014/main" id="{05860DA3-C4F4-EF4E-BB65-F4FAECBEB050}"/>
+                <a16:creationId xmlns:a16="http://schemas.microsoft.com/office/drawing/2014/main" id="{CE9A98DF-6756-BA44-98B3-C02810FFD835}"/>
               </a:ext>
             </a:extLst>
           </p:cNvPr>
@@ -10564,7 +14770,7 @@
           <a:p>
             <a:r>
               <a:rPr lang="de-DE" dirty="0"/>
-              <a:t>Anton</a:t>
+              <a:t>Funktionalität des Server</a:t>
             </a:r>
           </a:p>
         </p:txBody>
@@ -10574,7 +14780,7 @@
           <p:cNvPr id="3" name="Inhaltsplatzhalter 2">
             <a:extLst>
               <a:ext uri="{FF2B5EF4-FFF2-40B4-BE49-F238E27FC236}">
-                <a16:creationId xmlns:a16="http://schemas.microsoft.com/office/drawing/2014/main" id="{08356BB7-71EE-C24B-B628-CD59A9BA42B9}"/>
+                <a16:creationId xmlns:a16="http://schemas.microsoft.com/office/drawing/2014/main" id="{1B0751E5-F111-2642-BB0C-F037C2D3D85B}"/>
               </a:ext>
             </a:extLst>
           </p:cNvPr>
@@ -10590,7 +14796,19 @@
           <a:bodyPr/>
           <a:lstStyle/>
           <a:p>
-            <a:endParaRPr lang="de-DE"/>
+            <a:r>
+              <a:rPr lang="de-DE" dirty="0"/>
+              <a:t>Gemeinsame Projekte</a:t>
+            </a:r>
+          </a:p>
+          <a:p>
+            <a:r>
+              <a:rPr lang="de-DE" dirty="0"/>
+              <a:t>Templates teilen</a:t>
+            </a:r>
+          </a:p>
+          <a:p>
+            <a:endParaRPr lang="de-DE" dirty="0"/>
           </a:p>
         </p:txBody>
       </p:sp>
@@ -10599,7 +14817,7 @@
           <p:cNvPr id="4" name="Datumsplatzhalter 3">
             <a:extLst>
               <a:ext uri="{FF2B5EF4-FFF2-40B4-BE49-F238E27FC236}">
-                <a16:creationId xmlns:a16="http://schemas.microsoft.com/office/drawing/2014/main" id="{B213D491-8C48-3B48-B7A7-9A1A19F4B274}"/>
+                <a16:creationId xmlns:a16="http://schemas.microsoft.com/office/drawing/2014/main" id="{306D82D5-6ACA-FC43-9A1E-F9FDFBB39F57}"/>
               </a:ext>
             </a:extLst>
           </p:cNvPr>
@@ -10627,7 +14845,7 @@
           <p:cNvPr id="5" name="Foliennummernplatzhalter 4">
             <a:extLst>
               <a:ext uri="{FF2B5EF4-FFF2-40B4-BE49-F238E27FC236}">
-                <a16:creationId xmlns:a16="http://schemas.microsoft.com/office/drawing/2014/main" id="{1EA634BA-8B50-9C43-B444-B14C24B958C4}"/>
+                <a16:creationId xmlns:a16="http://schemas.microsoft.com/office/drawing/2014/main" id="{F5F3A946-1147-1249-B112-F9AE33B253F4}"/>
               </a:ext>
             </a:extLst>
           </p:cNvPr>
@@ -10654,7 +14872,7 @@
     </p:spTree>
     <p:extLst>
       <p:ext uri="{BB962C8B-B14F-4D97-AF65-F5344CB8AC3E}">
-        <p14:creationId xmlns:p14="http://schemas.microsoft.com/office/powerpoint/2010/main" val="1650321165"/>
+        <p14:creationId xmlns:p14="http://schemas.microsoft.com/office/powerpoint/2010/main" val="1634240290"/>
       </p:ext>
     </p:extLst>
   </p:cSld>

--- a/Praesentationen/01-Definitionsphase/Präsentation.pptx
+++ b/Praesentationen/01-Definitionsphase/Präsentation.pptx
@@ -132,7 +132,7 @@
 <file path=ppt/revisionInfo.xml><?xml version="1.0" encoding="utf-8"?>
 <p1510:revInfo xmlns:a="http://schemas.openxmlformats.org/drawingml/2006/main" xmlns:r="http://schemas.openxmlformats.org/officeDocument/2006/relationships" xmlns:p1510="http://schemas.microsoft.com/office/powerpoint/2015/10/main">
   <p1510:revLst>
-    <p1510:client id="{7C58C18B-0A27-44B7-9B45-AA675080F6E7}" v="79" dt="2021-12-02T08:06:22.801"/>
+    <p1510:client id="{7C58C18B-0A27-44B7-9B45-AA675080F6E7}" v="171" dt="2021-12-02T08:36:49.900"/>
     <p1510:client id="{D321EB78-646E-7546-8478-D5F05974E81C}" v="50" dt="2021-12-01T16:17:45.236"/>
   </p1510:revLst>
 </p1510:revInfo>
@@ -143,12 +143,12 @@
   <pc:docChgLst>
     <pc:chgData name="Ender Merlin" userId="b6c700318fa50b6b" providerId="LiveId" clId="{7C58C18B-0A27-44B7-9B45-AA675080F6E7}"/>
     <pc:docChg chg="undo redo custSel addSld modSld">
-      <pc:chgData name="Ender Merlin" userId="b6c700318fa50b6b" providerId="LiveId" clId="{7C58C18B-0A27-44B7-9B45-AA675080F6E7}" dt="2021-12-02T08:07:16.713" v="533" actId="1076"/>
+      <pc:chgData name="Ender Merlin" userId="b6c700318fa50b6b" providerId="LiveId" clId="{7C58C18B-0A27-44B7-9B45-AA675080F6E7}" dt="2021-12-02T08:38:11.534" v="837" actId="1076"/>
       <pc:docMkLst>
         <pc:docMk/>
       </pc:docMkLst>
       <pc:sldChg chg="addSp delSp modSp mod modAnim">
-        <pc:chgData name="Ender Merlin" userId="b6c700318fa50b6b" providerId="LiveId" clId="{7C58C18B-0A27-44B7-9B45-AA675080F6E7}" dt="2021-12-02T07:29:39.960" v="280"/>
+        <pc:chgData name="Ender Merlin" userId="b6c700318fa50b6b" providerId="LiveId" clId="{7C58C18B-0A27-44B7-9B45-AA675080F6E7}" dt="2021-12-02T08:36:16.383" v="826"/>
         <pc:sldMkLst>
           <pc:docMk/>
           <pc:sldMk cId="735487197" sldId="257"/>
@@ -362,7 +362,7 @@
           </ac:picMkLst>
         </pc:picChg>
         <pc:picChg chg="add mod ord modCrop">
-          <ac:chgData name="Ender Merlin" userId="b6c700318fa50b6b" providerId="LiveId" clId="{7C58C18B-0A27-44B7-9B45-AA675080F6E7}" dt="2021-12-02T07:28:15.247" v="269" actId="1076"/>
+          <ac:chgData name="Ender Merlin" userId="b6c700318fa50b6b" providerId="LiveId" clId="{7C58C18B-0A27-44B7-9B45-AA675080F6E7}" dt="2021-12-02T08:31:58.913" v="784" actId="1076"/>
           <ac:picMkLst>
             <pc:docMk/>
             <pc:sldMk cId="735487197" sldId="257"/>
@@ -378,23 +378,47 @@
           </ac:picMkLst>
         </pc:picChg>
       </pc:sldChg>
-      <pc:sldChg chg="modSp mod">
-        <pc:chgData name="Ender Merlin" userId="b6c700318fa50b6b" providerId="LiveId" clId="{7C58C18B-0A27-44B7-9B45-AA675080F6E7}" dt="2021-12-02T07:57:51.944" v="405" actId="12385"/>
+      <pc:sldChg chg="modSp mod modAnim">
+        <pc:chgData name="Ender Merlin" userId="b6c700318fa50b6b" providerId="LiveId" clId="{7C58C18B-0A27-44B7-9B45-AA675080F6E7}" dt="2021-12-02T08:37:25.432" v="833" actId="1076"/>
         <pc:sldMkLst>
           <pc:docMk/>
           <pc:sldMk cId="800652924" sldId="258"/>
         </pc:sldMkLst>
-        <pc:graphicFrameChg chg="modGraphic">
-          <ac:chgData name="Ender Merlin" userId="b6c700318fa50b6b" providerId="LiveId" clId="{7C58C18B-0A27-44B7-9B45-AA675080F6E7}" dt="2021-12-02T07:57:51.944" v="405" actId="12385"/>
+        <pc:spChg chg="mod">
+          <ac:chgData name="Ender Merlin" userId="b6c700318fa50b6b" providerId="LiveId" clId="{7C58C18B-0A27-44B7-9B45-AA675080F6E7}" dt="2021-12-02T08:37:03.614" v="829" actId="1076"/>
+          <ac:spMkLst>
+            <pc:docMk/>
+            <pc:sldMk cId="800652924" sldId="258"/>
+            <ac:spMk id="11" creationId="{3447E157-9198-5C4C-B736-F6D21AABFD1E}"/>
+          </ac:spMkLst>
+        </pc:spChg>
+        <pc:spChg chg="mod">
+          <ac:chgData name="Ender Merlin" userId="b6c700318fa50b6b" providerId="LiveId" clId="{7C58C18B-0A27-44B7-9B45-AA675080F6E7}" dt="2021-12-02T08:37:06.040" v="830" actId="1076"/>
+          <ac:spMkLst>
+            <pc:docMk/>
+            <pc:sldMk cId="800652924" sldId="258"/>
+            <ac:spMk id="12" creationId="{E600360A-E7BF-B74A-BC57-691C8A8C922C}"/>
+          </ac:spMkLst>
+        </pc:spChg>
+        <pc:graphicFrameChg chg="mod modGraphic">
+          <ac:chgData name="Ender Merlin" userId="b6c700318fa50b6b" providerId="LiveId" clId="{7C58C18B-0A27-44B7-9B45-AA675080F6E7}" dt="2021-12-02T08:37:20.470" v="832" actId="1076"/>
           <ac:graphicFrameMkLst>
             <pc:docMk/>
             <pc:sldMk cId="800652924" sldId="258"/>
             <ac:graphicFrameMk id="8" creationId="{A318CABA-BA57-ED4E-8E08-AA00840B9656}"/>
           </ac:graphicFrameMkLst>
         </pc:graphicFrameChg>
+        <pc:graphicFrameChg chg="mod">
+          <ac:chgData name="Ender Merlin" userId="b6c700318fa50b6b" providerId="LiveId" clId="{7C58C18B-0A27-44B7-9B45-AA675080F6E7}" dt="2021-12-02T08:37:25.432" v="833" actId="1076"/>
+          <ac:graphicFrameMkLst>
+            <pc:docMk/>
+            <pc:sldMk cId="800652924" sldId="258"/>
+            <ac:graphicFrameMk id="10" creationId="{365A1E58-7A3C-CF4B-9EDD-8432DAA3C1A4}"/>
+          </ac:graphicFrameMkLst>
+        </pc:graphicFrameChg>
       </pc:sldChg>
-      <pc:sldChg chg="addSp delSp modSp mod">
-        <pc:chgData name="Ender Merlin" userId="b6c700318fa50b6b" providerId="LiveId" clId="{7C58C18B-0A27-44B7-9B45-AA675080F6E7}" dt="2021-12-02T07:37:17.749" v="349" actId="1076"/>
+      <pc:sldChg chg="addSp delSp modSp mod modAnim">
+        <pc:chgData name="Ender Merlin" userId="b6c700318fa50b6b" providerId="LiveId" clId="{7C58C18B-0A27-44B7-9B45-AA675080F6E7}" dt="2021-12-02T08:38:11.534" v="837" actId="1076"/>
         <pc:sldMkLst>
           <pc:docMk/>
           <pc:sldMk cId="1570510890" sldId="259"/>
@@ -464,7 +488,7 @@
           </ac:picMkLst>
         </pc:picChg>
         <pc:picChg chg="add mod">
-          <ac:chgData name="Ender Merlin" userId="b6c700318fa50b6b" providerId="LiveId" clId="{7C58C18B-0A27-44B7-9B45-AA675080F6E7}" dt="2021-12-02T07:36:30.970" v="341" actId="1076"/>
+          <ac:chgData name="Ender Merlin" userId="b6c700318fa50b6b" providerId="LiveId" clId="{7C58C18B-0A27-44B7-9B45-AA675080F6E7}" dt="2021-12-02T08:38:11.534" v="837" actId="1076"/>
           <ac:picMkLst>
             <pc:docMk/>
             <pc:sldMk cId="1570510890" sldId="259"/>
@@ -472,8 +496,8 @@
           </ac:picMkLst>
         </pc:picChg>
       </pc:sldChg>
-      <pc:sldChg chg="addSp delSp modSp mod">
-        <pc:chgData name="Ender Merlin" userId="b6c700318fa50b6b" providerId="LiveId" clId="{7C58C18B-0A27-44B7-9B45-AA675080F6E7}" dt="2021-12-02T08:07:16.713" v="533" actId="1076"/>
+      <pc:sldChg chg="addSp delSp modSp mod modAnim">
+        <pc:chgData name="Ender Merlin" userId="b6c700318fa50b6b" providerId="LiveId" clId="{7C58C18B-0A27-44B7-9B45-AA675080F6E7}" dt="2021-12-02T08:35:22.657" v="822"/>
         <pc:sldMkLst>
           <pc:docMk/>
           <pc:sldMk cId="2237529051" sldId="260"/>
@@ -647,12 +671,68 @@
           </ac:picMkLst>
         </pc:picChg>
       </pc:sldChg>
-      <pc:sldChg chg="addSp delSp modSp mod">
-        <pc:chgData name="Ender Merlin" userId="b6c700318fa50b6b" providerId="LiveId" clId="{7C58C18B-0A27-44B7-9B45-AA675080F6E7}" dt="2021-12-02T07:32:55.904" v="311" actId="1076"/>
+      <pc:sldChg chg="addSp delSp modSp mod modAnim">
+        <pc:chgData name="Ender Merlin" userId="b6c700318fa50b6b" providerId="LiveId" clId="{7C58C18B-0A27-44B7-9B45-AA675080F6E7}" dt="2021-12-02T08:35:29.488" v="823"/>
         <pc:sldMkLst>
           <pc:docMk/>
           <pc:sldMk cId="2229930519" sldId="264"/>
         </pc:sldMkLst>
+        <pc:spChg chg="mod">
+          <ac:chgData name="Ender Merlin" userId="b6c700318fa50b6b" providerId="LiveId" clId="{7C58C18B-0A27-44B7-9B45-AA675080F6E7}" dt="2021-12-02T08:17:05.700" v="627" actId="1076"/>
+          <ac:spMkLst>
+            <pc:docMk/>
+            <pc:sldMk cId="2229930519" sldId="264"/>
+            <ac:spMk id="2" creationId="{3EEB4CF8-24FA-E346-803C-13F76BFB4B96}"/>
+          </ac:spMkLst>
+        </pc:spChg>
+        <pc:spChg chg="mod">
+          <ac:chgData name="Ender Merlin" userId="b6c700318fa50b6b" providerId="LiveId" clId="{7C58C18B-0A27-44B7-9B45-AA675080F6E7}" dt="2021-12-02T08:28:26.546" v="769" actId="20577"/>
+          <ac:spMkLst>
+            <pc:docMk/>
+            <pc:sldMk cId="2229930519" sldId="264"/>
+            <ac:spMk id="3" creationId="{40AF4B88-7E41-0940-A3CB-219830E08A6F}"/>
+          </ac:spMkLst>
+        </pc:spChg>
+        <pc:spChg chg="mod">
+          <ac:chgData name="Ender Merlin" userId="b6c700318fa50b6b" providerId="LiveId" clId="{7C58C18B-0A27-44B7-9B45-AA675080F6E7}" dt="2021-12-02T08:16:43.899" v="614" actId="1076"/>
+          <ac:spMkLst>
+            <pc:docMk/>
+            <pc:sldMk cId="2229930519" sldId="264"/>
+            <ac:spMk id="5" creationId="{948BDBF9-84B5-244E-9747-F3C21B6EE211}"/>
+          </ac:spMkLst>
+        </pc:spChg>
+        <pc:spChg chg="add mod">
+          <ac:chgData name="Ender Merlin" userId="b6c700318fa50b6b" providerId="LiveId" clId="{7C58C18B-0A27-44B7-9B45-AA675080F6E7}" dt="2021-12-02T08:17:44.878" v="633" actId="1076"/>
+          <ac:spMkLst>
+            <pc:docMk/>
+            <pc:sldMk cId="2229930519" sldId="264"/>
+            <ac:spMk id="6" creationId="{BEBEC022-13E2-45CD-9682-DCF411AD54A5}"/>
+          </ac:spMkLst>
+        </pc:spChg>
+        <pc:spChg chg="add mod">
+          <ac:chgData name="Ender Merlin" userId="b6c700318fa50b6b" providerId="LiveId" clId="{7C58C18B-0A27-44B7-9B45-AA675080F6E7}" dt="2021-12-02T08:26:51.936" v="751" actId="20577"/>
+          <ac:spMkLst>
+            <pc:docMk/>
+            <pc:sldMk cId="2229930519" sldId="264"/>
+            <ac:spMk id="7" creationId="{E901C20A-D4DE-49C2-9C9B-8827598BEE75}"/>
+          </ac:spMkLst>
+        </pc:spChg>
+        <pc:spChg chg="add del mod">
+          <ac:chgData name="Ender Merlin" userId="b6c700318fa50b6b" providerId="LiveId" clId="{7C58C18B-0A27-44B7-9B45-AA675080F6E7}" dt="2021-12-02T08:26:10.018" v="743" actId="478"/>
+          <ac:spMkLst>
+            <pc:docMk/>
+            <pc:sldMk cId="2229930519" sldId="264"/>
+            <ac:spMk id="18" creationId="{74EA0AFF-A72D-42BC-88E3-0510DAFFC25C}"/>
+          </ac:spMkLst>
+        </pc:spChg>
+        <pc:graphicFrameChg chg="add mod">
+          <ac:chgData name="Ender Merlin" userId="b6c700318fa50b6b" providerId="LiveId" clId="{7C58C18B-0A27-44B7-9B45-AA675080F6E7}" dt="2021-12-02T08:23:39.076" v="690" actId="1076"/>
+          <ac:graphicFrameMkLst>
+            <pc:docMk/>
+            <pc:sldMk cId="2229930519" sldId="264"/>
+            <ac:graphicFrameMk id="13" creationId="{46811B3E-0C26-44A2-8C0C-DC6754CEC712}"/>
+          </ac:graphicFrameMkLst>
+        </pc:graphicFrameChg>
         <pc:picChg chg="add del mod">
           <ac:chgData name="Ender Merlin" userId="b6c700318fa50b6b" providerId="LiveId" clId="{7C58C18B-0A27-44B7-9B45-AA675080F6E7}" dt="2021-12-02T07:32:33.201" v="302" actId="478"/>
           <ac:picMkLst>
@@ -669,21 +749,133 @@
             <ac:picMk id="9" creationId="{50A3C140-2B11-42BD-A4E2-D3E19DCF0040}"/>
           </ac:picMkLst>
         </pc:picChg>
+        <pc:picChg chg="add del mod">
+          <ac:chgData name="Ender Merlin" userId="b6c700318fa50b6b" providerId="LiveId" clId="{7C58C18B-0A27-44B7-9B45-AA675080F6E7}" dt="2021-12-02T08:20:15.579" v="647" actId="931"/>
+          <ac:picMkLst>
+            <pc:docMk/>
+            <pc:sldMk cId="2229930519" sldId="264"/>
+            <ac:picMk id="9" creationId="{8E514F90-D1CC-4AAC-9B9D-2E79FFB742E5}"/>
+          </ac:picMkLst>
+        </pc:picChg>
         <pc:picChg chg="add mod">
-          <ac:chgData name="Ender Merlin" userId="b6c700318fa50b6b" providerId="LiveId" clId="{7C58C18B-0A27-44B7-9B45-AA675080F6E7}" dt="2021-12-02T07:32:55.904" v="311" actId="1076"/>
+          <ac:chgData name="Ender Merlin" userId="b6c700318fa50b6b" providerId="LiveId" clId="{7C58C18B-0A27-44B7-9B45-AA675080F6E7}" dt="2021-12-02T08:23:21.037" v="686" actId="1076"/>
           <ac:picMkLst>
             <pc:docMk/>
             <pc:sldMk cId="2229930519" sldId="264"/>
             <ac:picMk id="10" creationId="{FF063A98-42D7-46A3-AE46-1E8F42468868}"/>
           </ac:picMkLst>
         </pc:picChg>
+        <pc:picChg chg="add mod modCrop">
+          <ac:chgData name="Ender Merlin" userId="b6c700318fa50b6b" providerId="LiveId" clId="{7C58C18B-0A27-44B7-9B45-AA675080F6E7}" dt="2021-12-02T08:23:39.076" v="690" actId="1076"/>
+          <ac:picMkLst>
+            <pc:docMk/>
+            <pc:sldMk cId="2229930519" sldId="264"/>
+            <ac:picMk id="11" creationId="{63660C99-122B-44DE-81CE-AAE52034BCED}"/>
+          </ac:picMkLst>
+        </pc:picChg>
+        <pc:picChg chg="add mod ord">
+          <ac:chgData name="Ender Merlin" userId="b6c700318fa50b6b" providerId="LiveId" clId="{7C58C18B-0A27-44B7-9B45-AA675080F6E7}" dt="2021-12-02T08:23:39.076" v="690" actId="1076"/>
+          <ac:picMkLst>
+            <pc:docMk/>
+            <pc:sldMk cId="2229930519" sldId="264"/>
+            <ac:picMk id="12" creationId="{2D6D09B7-81D0-4849-9177-1596D3904610}"/>
+          </ac:picMkLst>
+        </pc:picChg>
+        <pc:picChg chg="add mod">
+          <ac:chgData name="Ender Merlin" userId="b6c700318fa50b6b" providerId="LiveId" clId="{7C58C18B-0A27-44B7-9B45-AA675080F6E7}" dt="2021-12-02T08:23:20.744" v="685" actId="1076"/>
+          <ac:picMkLst>
+            <pc:docMk/>
+            <pc:sldMk cId="2229930519" sldId="264"/>
+            <ac:picMk id="14" creationId="{26E8D2CA-C967-445F-86C5-8057CBA1208A}"/>
+          </ac:picMkLst>
+        </pc:picChg>
+        <pc:picChg chg="add mod">
+          <ac:chgData name="Ender Merlin" userId="b6c700318fa50b6b" providerId="LiveId" clId="{7C58C18B-0A27-44B7-9B45-AA675080F6E7}" dt="2021-12-02T08:24:05.412" v="700" actId="1076"/>
+          <ac:picMkLst>
+            <pc:docMk/>
+            <pc:sldMk cId="2229930519" sldId="264"/>
+            <ac:picMk id="15" creationId="{D5D424E1-5101-4A72-B6BC-B189CCAA7503}"/>
+          </ac:picMkLst>
+        </pc:picChg>
+        <pc:picChg chg="add mod ord">
+          <ac:chgData name="Ender Merlin" userId="b6c700318fa50b6b" providerId="LiveId" clId="{7C58C18B-0A27-44B7-9B45-AA675080F6E7}" dt="2021-12-02T08:26:40.877" v="747" actId="1076"/>
+          <ac:picMkLst>
+            <pc:docMk/>
+            <pc:sldMk cId="2229930519" sldId="264"/>
+            <ac:picMk id="16" creationId="{7CDF5E5E-22F2-41BC-BFD3-20ACF675268C}"/>
+          </ac:picMkLst>
+        </pc:picChg>
+        <pc:picChg chg="add mod">
+          <ac:chgData name="Ender Merlin" userId="b6c700318fa50b6b" providerId="LiveId" clId="{7C58C18B-0A27-44B7-9B45-AA675080F6E7}" dt="2021-12-02T08:26:47.266" v="748" actId="1076"/>
+          <ac:picMkLst>
+            <pc:docMk/>
+            <pc:sldMk cId="2229930519" sldId="264"/>
+            <ac:picMk id="17" creationId="{DD96755A-50BB-4E63-96D7-247F933EE9D6}"/>
+          </ac:picMkLst>
+        </pc:picChg>
+        <pc:picChg chg="add mod">
+          <ac:chgData name="Ender Merlin" userId="b6c700318fa50b6b" providerId="LiveId" clId="{7C58C18B-0A27-44B7-9B45-AA675080F6E7}" dt="2021-12-02T08:26:40.877" v="747" actId="1076"/>
+          <ac:picMkLst>
+            <pc:docMk/>
+            <pc:sldMk cId="2229930519" sldId="264"/>
+            <ac:picMk id="20" creationId="{42CE1669-8DBB-410F-8B90-D67A37BA90A7}"/>
+          </ac:picMkLst>
+        </pc:picChg>
+        <pc:picChg chg="add mod">
+          <ac:chgData name="Ender Merlin" userId="b6c700318fa50b6b" providerId="LiveId" clId="{7C58C18B-0A27-44B7-9B45-AA675080F6E7}" dt="2021-12-02T08:26:47.266" v="748" actId="1076"/>
+          <ac:picMkLst>
+            <pc:docMk/>
+            <pc:sldMk cId="2229930519" sldId="264"/>
+            <ac:picMk id="22" creationId="{B6B8F1E0-7244-4A83-93E3-EAC22D9363AB}"/>
+          </ac:picMkLst>
+        </pc:picChg>
       </pc:sldChg>
-      <pc:sldChg chg="add">
-        <pc:chgData name="Ender Merlin" userId="b6c700318fa50b6b" providerId="LiveId" clId="{7C58C18B-0A27-44B7-9B45-AA675080F6E7}" dt="2021-12-02T07:13:58.662" v="131"/>
+      <pc:sldChg chg="addSp delSp modSp add mod modTransition modAnim">
+        <pc:chgData name="Ender Merlin" userId="b6c700318fa50b6b" providerId="LiveId" clId="{7C58C18B-0A27-44B7-9B45-AA675080F6E7}" dt="2021-12-02T08:34:49.576" v="819"/>
         <pc:sldMkLst>
           <pc:docMk/>
           <pc:sldMk cId="2043457189" sldId="271"/>
         </pc:sldMkLst>
+        <pc:spChg chg="mod">
+          <ac:chgData name="Ender Merlin" userId="b6c700318fa50b6b" providerId="LiveId" clId="{7C58C18B-0A27-44B7-9B45-AA675080F6E7}" dt="2021-12-02T08:33:42.877" v="797" actId="1076"/>
+          <ac:spMkLst>
+            <pc:docMk/>
+            <pc:sldMk cId="2043457189" sldId="271"/>
+            <ac:spMk id="2" creationId="{CA602554-BCBF-044C-9749-B37622C4E913}"/>
+          </ac:spMkLst>
+        </pc:spChg>
+        <pc:spChg chg="mod">
+          <ac:chgData name="Ender Merlin" userId="b6c700318fa50b6b" providerId="LiveId" clId="{7C58C18B-0A27-44B7-9B45-AA675080F6E7}" dt="2021-12-02T08:33:47.493" v="798" actId="1076"/>
+          <ac:spMkLst>
+            <pc:docMk/>
+            <pc:sldMk cId="2043457189" sldId="271"/>
+            <ac:spMk id="16" creationId="{666A4CFE-E5F3-407C-AEBD-EBD7310491F9}"/>
+          </ac:spMkLst>
+        </pc:spChg>
+        <pc:picChg chg="del">
+          <ac:chgData name="Ender Merlin" userId="b6c700318fa50b6b" providerId="LiveId" clId="{7C58C18B-0A27-44B7-9B45-AA675080F6E7}" dt="2021-12-02T08:32:05.918" v="787" actId="478"/>
+          <ac:picMkLst>
+            <pc:docMk/>
+            <pc:sldMk cId="2043457189" sldId="271"/>
+            <ac:picMk id="12" creationId="{7982447E-A225-4405-89DA-52EB8CAE2C70}"/>
+          </ac:picMkLst>
+        </pc:picChg>
+        <pc:picChg chg="add mod">
+          <ac:chgData name="Ender Merlin" userId="b6c700318fa50b6b" providerId="LiveId" clId="{7C58C18B-0A27-44B7-9B45-AA675080F6E7}" dt="2021-12-02T08:33:47.493" v="798" actId="1076"/>
+          <ac:picMkLst>
+            <pc:docMk/>
+            <pc:sldMk cId="2043457189" sldId="271"/>
+            <ac:picMk id="14" creationId="{DC4A6BB0-C278-46FE-ADD8-87DE2D3EC8AD}"/>
+          </ac:picMkLst>
+        </pc:picChg>
+        <pc:picChg chg="add mod">
+          <ac:chgData name="Ender Merlin" userId="b6c700318fa50b6b" providerId="LiveId" clId="{7C58C18B-0A27-44B7-9B45-AA675080F6E7}" dt="2021-12-02T08:33:47.493" v="798" actId="1076"/>
+          <ac:picMkLst>
+            <pc:docMk/>
+            <pc:sldMk cId="2043457189" sldId="271"/>
+            <ac:picMk id="15" creationId="{9172CF7B-505C-4553-B013-C8323DB84F19}"/>
+          </ac:picMkLst>
+        </pc:picChg>
       </pc:sldChg>
     </pc:docChg>
   </pc:docChgLst>
@@ -1410,6 +1602,352 @@
   <c:chart>
     <c:autoTitleDeleted val="1"/>
     <c:plotArea>
+      <c:layout>
+        <c:manualLayout>
+          <c:layoutTarget val="inner"/>
+          <c:xMode val="edge"/>
+          <c:yMode val="edge"/>
+          <c:x val="0"/>
+          <c:y val="6.6541032961833502E-2"/>
+          <c:w val="1"/>
+          <c:h val="0.88404887714663138"/>
+        </c:manualLayout>
+      </c:layout>
+      <c:barChart>
+        <c:barDir val="col"/>
+        <c:grouping val="clustered"/>
+        <c:varyColors val="0"/>
+        <c:ser>
+          <c:idx val="0"/>
+          <c:order val="0"/>
+          <c:tx>
+            <c:strRef>
+              <c:f>Tabelle1!$B$1</c:f>
+              <c:strCache>
+                <c:ptCount val="1"/>
+                <c:pt idx="0">
+                  <c:v>Datenreihe 1</c:v>
+                </c:pt>
+              </c:strCache>
+            </c:strRef>
+          </c:tx>
+          <c:spPr>
+            <a:solidFill>
+              <a:schemeClr val="accent1"/>
+            </a:solidFill>
+            <a:ln>
+              <a:noFill/>
+            </a:ln>
+            <a:effectLst/>
+          </c:spPr>
+          <c:invertIfNegative val="0"/>
+          <c:cat>
+            <c:strRef>
+              <c:f>Tabelle1!$A$2:$A$5</c:f>
+              <c:strCache>
+                <c:ptCount val="4"/>
+                <c:pt idx="0">
+                  <c:v>Kategorie 1</c:v>
+                </c:pt>
+                <c:pt idx="1">
+                  <c:v>Kategorie 2</c:v>
+                </c:pt>
+                <c:pt idx="2">
+                  <c:v>Kategorie 3</c:v>
+                </c:pt>
+                <c:pt idx="3">
+                  <c:v>Kategorie 4</c:v>
+                </c:pt>
+              </c:strCache>
+            </c:strRef>
+          </c:cat>
+          <c:val>
+            <c:numRef>
+              <c:f>Tabelle1!$B$2:$B$5</c:f>
+              <c:numCache>
+                <c:formatCode>General</c:formatCode>
+                <c:ptCount val="4"/>
+                <c:pt idx="0">
+                  <c:v>4.3</c:v>
+                </c:pt>
+                <c:pt idx="1">
+                  <c:v>2.5</c:v>
+                </c:pt>
+                <c:pt idx="2">
+                  <c:v>3.5</c:v>
+                </c:pt>
+                <c:pt idx="3">
+                  <c:v>4.5</c:v>
+                </c:pt>
+              </c:numCache>
+            </c:numRef>
+          </c:val>
+          <c:extLst>
+            <c:ext xmlns:c16="http://schemas.microsoft.com/office/drawing/2014/chart" uri="{C3380CC4-5D6E-409C-BE32-E72D297353CC}">
+              <c16:uniqueId val="{00000000-CAD2-4A23-AB83-70607B4BCA76}"/>
+            </c:ext>
+          </c:extLst>
+        </c:ser>
+        <c:ser>
+          <c:idx val="1"/>
+          <c:order val="1"/>
+          <c:tx>
+            <c:strRef>
+              <c:f>Tabelle1!$C$1</c:f>
+              <c:strCache>
+                <c:ptCount val="1"/>
+                <c:pt idx="0">
+                  <c:v>Datenreihe 2</c:v>
+                </c:pt>
+              </c:strCache>
+            </c:strRef>
+          </c:tx>
+          <c:spPr>
+            <a:solidFill>
+              <a:schemeClr val="accent2"/>
+            </a:solidFill>
+            <a:ln>
+              <a:noFill/>
+            </a:ln>
+            <a:effectLst/>
+          </c:spPr>
+          <c:invertIfNegative val="0"/>
+          <c:cat>
+            <c:strRef>
+              <c:f>Tabelle1!$A$2:$A$5</c:f>
+              <c:strCache>
+                <c:ptCount val="4"/>
+                <c:pt idx="0">
+                  <c:v>Kategorie 1</c:v>
+                </c:pt>
+                <c:pt idx="1">
+                  <c:v>Kategorie 2</c:v>
+                </c:pt>
+                <c:pt idx="2">
+                  <c:v>Kategorie 3</c:v>
+                </c:pt>
+                <c:pt idx="3">
+                  <c:v>Kategorie 4</c:v>
+                </c:pt>
+              </c:strCache>
+            </c:strRef>
+          </c:cat>
+          <c:val>
+            <c:numRef>
+              <c:f>Tabelle1!$C$2:$C$5</c:f>
+              <c:numCache>
+                <c:formatCode>General</c:formatCode>
+                <c:ptCount val="4"/>
+                <c:pt idx="0">
+                  <c:v>2.4</c:v>
+                </c:pt>
+                <c:pt idx="1">
+                  <c:v>4.4000000000000004</c:v>
+                </c:pt>
+                <c:pt idx="2">
+                  <c:v>1.8</c:v>
+                </c:pt>
+                <c:pt idx="3">
+                  <c:v>2.8</c:v>
+                </c:pt>
+              </c:numCache>
+            </c:numRef>
+          </c:val>
+          <c:extLst>
+            <c:ext xmlns:c16="http://schemas.microsoft.com/office/drawing/2014/chart" uri="{C3380CC4-5D6E-409C-BE32-E72D297353CC}">
+              <c16:uniqueId val="{00000001-CAD2-4A23-AB83-70607B4BCA76}"/>
+            </c:ext>
+          </c:extLst>
+        </c:ser>
+        <c:ser>
+          <c:idx val="2"/>
+          <c:order val="2"/>
+          <c:tx>
+            <c:strRef>
+              <c:f>Tabelle1!$D$1</c:f>
+              <c:strCache>
+                <c:ptCount val="1"/>
+                <c:pt idx="0">
+                  <c:v>Datenreihe 3</c:v>
+                </c:pt>
+              </c:strCache>
+            </c:strRef>
+          </c:tx>
+          <c:spPr>
+            <a:solidFill>
+              <a:schemeClr val="accent3"/>
+            </a:solidFill>
+            <a:ln>
+              <a:noFill/>
+            </a:ln>
+            <a:effectLst/>
+          </c:spPr>
+          <c:invertIfNegative val="0"/>
+          <c:cat>
+            <c:strRef>
+              <c:f>Tabelle1!$A$2:$A$5</c:f>
+              <c:strCache>
+                <c:ptCount val="4"/>
+                <c:pt idx="0">
+                  <c:v>Kategorie 1</c:v>
+                </c:pt>
+                <c:pt idx="1">
+                  <c:v>Kategorie 2</c:v>
+                </c:pt>
+                <c:pt idx="2">
+                  <c:v>Kategorie 3</c:v>
+                </c:pt>
+                <c:pt idx="3">
+                  <c:v>Kategorie 4</c:v>
+                </c:pt>
+              </c:strCache>
+            </c:strRef>
+          </c:cat>
+          <c:val>
+            <c:numRef>
+              <c:f>Tabelle1!$D$2:$D$5</c:f>
+              <c:numCache>
+                <c:formatCode>General</c:formatCode>
+                <c:ptCount val="4"/>
+                <c:pt idx="0">
+                  <c:v>2</c:v>
+                </c:pt>
+                <c:pt idx="1">
+                  <c:v>2</c:v>
+                </c:pt>
+                <c:pt idx="2">
+                  <c:v>3</c:v>
+                </c:pt>
+                <c:pt idx="3">
+                  <c:v>5</c:v>
+                </c:pt>
+              </c:numCache>
+            </c:numRef>
+          </c:val>
+          <c:extLst>
+            <c:ext xmlns:c16="http://schemas.microsoft.com/office/drawing/2014/chart" uri="{C3380CC4-5D6E-409C-BE32-E72D297353CC}">
+              <c16:uniqueId val="{00000002-CAD2-4A23-AB83-70607B4BCA76}"/>
+            </c:ext>
+          </c:extLst>
+        </c:ser>
+        <c:dLbls>
+          <c:showLegendKey val="0"/>
+          <c:showVal val="0"/>
+          <c:showCatName val="0"/>
+          <c:showSerName val="0"/>
+          <c:showPercent val="0"/>
+          <c:showBubbleSize val="0"/>
+        </c:dLbls>
+        <c:gapWidth val="219"/>
+        <c:overlap val="-27"/>
+        <c:axId val="1023946928"/>
+        <c:axId val="1023949424"/>
+      </c:barChart>
+      <c:catAx>
+        <c:axId val="1023946928"/>
+        <c:scaling>
+          <c:orientation val="minMax"/>
+        </c:scaling>
+        <c:delete val="1"/>
+        <c:axPos val="b"/>
+        <c:numFmt formatCode="General" sourceLinked="1"/>
+        <c:majorTickMark val="none"/>
+        <c:minorTickMark val="none"/>
+        <c:tickLblPos val="nextTo"/>
+        <c:crossAx val="1023949424"/>
+        <c:crosses val="autoZero"/>
+        <c:auto val="1"/>
+        <c:lblAlgn val="ctr"/>
+        <c:lblOffset val="100"/>
+        <c:noMultiLvlLbl val="0"/>
+      </c:catAx>
+      <c:valAx>
+        <c:axId val="1023949424"/>
+        <c:scaling>
+          <c:orientation val="minMax"/>
+        </c:scaling>
+        <c:delete val="1"/>
+        <c:axPos val="l"/>
+        <c:majorGridlines>
+          <c:spPr>
+            <a:ln w="9525" cap="flat" cmpd="sng" algn="ctr">
+              <a:solidFill>
+                <a:schemeClr val="tx1">
+                  <a:lumMod val="15000"/>
+                  <a:lumOff val="85000"/>
+                </a:schemeClr>
+              </a:solidFill>
+              <a:round/>
+            </a:ln>
+            <a:effectLst/>
+          </c:spPr>
+        </c:majorGridlines>
+        <c:numFmt formatCode="General" sourceLinked="1"/>
+        <c:majorTickMark val="none"/>
+        <c:minorTickMark val="none"/>
+        <c:tickLblPos val="nextTo"/>
+        <c:crossAx val="1023946928"/>
+        <c:crosses val="autoZero"/>
+        <c:crossBetween val="between"/>
+      </c:valAx>
+      <c:spPr>
+        <a:noFill/>
+        <a:ln w="25400">
+          <a:noFill/>
+        </a:ln>
+        <a:effectLst/>
+      </c:spPr>
+    </c:plotArea>
+    <c:plotVisOnly val="1"/>
+    <c:dispBlanksAs val="gap"/>
+    <c:extLst>
+      <c:ext xmlns:c16r3="http://schemas.microsoft.com/office/drawing/2017/03/chart" uri="{56B9EC1D-385E-4148-901F-78D8002777C0}">
+        <c16r3:dataDisplayOptions16>
+          <c16r3:dispNaAsBlank val="1"/>
+        </c16r3:dataDisplayOptions16>
+      </c:ext>
+    </c:extLst>
+    <c:showDLblsOverMax val="0"/>
+  </c:chart>
+  <c:spPr>
+    <a:noFill/>
+    <a:ln>
+      <a:noFill/>
+    </a:ln>
+    <a:effectLst/>
+  </c:spPr>
+  <c:txPr>
+    <a:bodyPr/>
+    <a:lstStyle/>
+    <a:p>
+      <a:pPr>
+        <a:defRPr/>
+      </a:pPr>
+      <a:endParaRPr lang="de-DE"/>
+    </a:p>
+  </c:txPr>
+  <c:externalData r:id="rId3">
+    <c:autoUpdate val="0"/>
+  </c:externalData>
+</c:chartSpace>
+</file>
+
+<file path=ppt/charts/chart4.xml><?xml version="1.0" encoding="utf-8"?>
+<c:chartSpace xmlns:c="http://schemas.openxmlformats.org/drawingml/2006/chart" xmlns:a="http://schemas.openxmlformats.org/drawingml/2006/main" xmlns:r="http://schemas.openxmlformats.org/officeDocument/2006/relationships" xmlns:c16r2="http://schemas.microsoft.com/office/drawing/2015/06/chart">
+  <c:date1904 val="0"/>
+  <c:lang val="de-DE"/>
+  <c:roundedCorners val="0"/>
+  <mc:AlternateContent xmlns:mc="http://schemas.openxmlformats.org/markup-compatibility/2006">
+    <mc:Choice xmlns:c14="http://schemas.microsoft.com/office/drawing/2007/8/2/chart" Requires="c14">
+      <c14:style val="102"/>
+    </mc:Choice>
+    <mc:Fallback>
+      <c:style val="2"/>
+    </mc:Fallback>
+  </mc:AlternateContent>
+  <c:chart>
+    <c:autoTitleDeleted val="1"/>
+    <c:plotArea>
       <c:layout/>
       <c:lineChart>
         <c:grouping val="standard"/>
@@ -1744,6 +2282,46 @@
 </file>
 
 <file path=ppt/charts/colors3.xml><?xml version="1.0" encoding="utf-8"?>
+<cs:colorStyle xmlns:cs="http://schemas.microsoft.com/office/drawing/2012/chartStyle" xmlns:a="http://schemas.openxmlformats.org/drawingml/2006/main" meth="cycle" id="10">
+  <a:schemeClr val="accent1"/>
+  <a:schemeClr val="accent2"/>
+  <a:schemeClr val="accent3"/>
+  <a:schemeClr val="accent4"/>
+  <a:schemeClr val="accent5"/>
+  <a:schemeClr val="accent6"/>
+  <cs:variation/>
+  <cs:variation>
+    <a:lumMod val="60000"/>
+  </cs:variation>
+  <cs:variation>
+    <a:lumMod val="80000"/>
+    <a:lumOff val="20000"/>
+  </cs:variation>
+  <cs:variation>
+    <a:lumMod val="80000"/>
+  </cs:variation>
+  <cs:variation>
+    <a:lumMod val="60000"/>
+    <a:lumOff val="40000"/>
+  </cs:variation>
+  <cs:variation>
+    <a:lumMod val="50000"/>
+  </cs:variation>
+  <cs:variation>
+    <a:lumMod val="70000"/>
+    <a:lumOff val="30000"/>
+  </cs:variation>
+  <cs:variation>
+    <a:lumMod val="70000"/>
+  </cs:variation>
+  <cs:variation>
+    <a:lumMod val="50000"/>
+    <a:lumOff val="50000"/>
+  </cs:variation>
+</cs:colorStyle>
+</file>
+
+<file path=ppt/charts/colors4.xml><?xml version="1.0" encoding="utf-8"?>
 <cs:colorStyle xmlns:cs="http://schemas.microsoft.com/office/drawing/2012/chartStyle" xmlns:a="http://schemas.openxmlformats.org/drawingml/2006/main" meth="cycle" id="10">
   <a:schemeClr val="accent1"/>
   <a:schemeClr val="accent2"/>
@@ -2806,6 +3384,509 @@
 </file>
 
 <file path=ppt/charts/style3.xml><?xml version="1.0" encoding="utf-8"?>
+<cs:chartStyle xmlns:cs="http://schemas.microsoft.com/office/drawing/2012/chartStyle" xmlns:a="http://schemas.openxmlformats.org/drawingml/2006/main" id="201">
+  <cs:axisTitle>
+    <cs:lnRef idx="0"/>
+    <cs:fillRef idx="0"/>
+    <cs:effectRef idx="0"/>
+    <cs:fontRef idx="minor">
+      <a:schemeClr val="tx1">
+        <a:lumMod val="65000"/>
+        <a:lumOff val="35000"/>
+      </a:schemeClr>
+    </cs:fontRef>
+    <cs:defRPr sz="1330" kern="1200"/>
+  </cs:axisTitle>
+  <cs:categoryAxis>
+    <cs:lnRef idx="0"/>
+    <cs:fillRef idx="0"/>
+    <cs:effectRef idx="0"/>
+    <cs:fontRef idx="minor">
+      <a:schemeClr val="tx1">
+        <a:lumMod val="65000"/>
+        <a:lumOff val="35000"/>
+      </a:schemeClr>
+    </cs:fontRef>
+    <cs:spPr>
+      <a:ln w="9525" cap="flat" cmpd="sng" algn="ctr">
+        <a:solidFill>
+          <a:schemeClr val="tx1">
+            <a:lumMod val="15000"/>
+            <a:lumOff val="85000"/>
+          </a:schemeClr>
+        </a:solidFill>
+        <a:round/>
+      </a:ln>
+    </cs:spPr>
+    <cs:defRPr sz="1197" kern="1200"/>
+  </cs:categoryAxis>
+  <cs:chartArea mods="allowNoFillOverride allowNoLineOverride">
+    <cs:lnRef idx="0"/>
+    <cs:fillRef idx="0"/>
+    <cs:effectRef idx="0"/>
+    <cs:fontRef idx="minor">
+      <a:schemeClr val="tx1"/>
+    </cs:fontRef>
+    <cs:spPr>
+      <a:solidFill>
+        <a:schemeClr val="bg1"/>
+      </a:solidFill>
+      <a:ln w="9525" cap="flat" cmpd="sng" algn="ctr">
+        <a:solidFill>
+          <a:schemeClr val="tx1">
+            <a:lumMod val="15000"/>
+            <a:lumOff val="85000"/>
+          </a:schemeClr>
+        </a:solidFill>
+        <a:round/>
+      </a:ln>
+    </cs:spPr>
+    <cs:defRPr sz="1330" kern="1200"/>
+  </cs:chartArea>
+  <cs:dataLabel>
+    <cs:lnRef idx="0"/>
+    <cs:fillRef idx="0"/>
+    <cs:effectRef idx="0"/>
+    <cs:fontRef idx="minor">
+      <a:schemeClr val="tx1">
+        <a:lumMod val="75000"/>
+        <a:lumOff val="25000"/>
+      </a:schemeClr>
+    </cs:fontRef>
+    <cs:defRPr sz="1197" kern="1200"/>
+  </cs:dataLabel>
+  <cs:dataLabelCallout>
+    <cs:lnRef idx="0"/>
+    <cs:fillRef idx="0"/>
+    <cs:effectRef idx="0"/>
+    <cs:fontRef idx="minor">
+      <a:schemeClr val="dk1">
+        <a:lumMod val="65000"/>
+        <a:lumOff val="35000"/>
+      </a:schemeClr>
+    </cs:fontRef>
+    <cs:spPr>
+      <a:solidFill>
+        <a:schemeClr val="lt1"/>
+      </a:solidFill>
+      <a:ln>
+        <a:solidFill>
+          <a:schemeClr val="dk1">
+            <a:lumMod val="25000"/>
+            <a:lumOff val="75000"/>
+          </a:schemeClr>
+        </a:solidFill>
+      </a:ln>
+    </cs:spPr>
+    <cs:defRPr sz="1197" kern="1200"/>
+    <cs:bodyPr rot="0" spcFirstLastPara="1" vertOverflow="clip" horzOverflow="clip" vert="horz" wrap="square" lIns="36576" tIns="18288" rIns="36576" bIns="18288" anchor="ctr" anchorCtr="1">
+      <a:spAutoFit/>
+    </cs:bodyPr>
+  </cs:dataLabelCallout>
+  <cs:dataPoint>
+    <cs:lnRef idx="0"/>
+    <cs:fillRef idx="1">
+      <cs:styleClr val="auto"/>
+    </cs:fillRef>
+    <cs:effectRef idx="0"/>
+    <cs:fontRef idx="minor">
+      <a:schemeClr val="tx1"/>
+    </cs:fontRef>
+  </cs:dataPoint>
+  <cs:dataPoint3D>
+    <cs:lnRef idx="0"/>
+    <cs:fillRef idx="1">
+      <cs:styleClr val="auto"/>
+    </cs:fillRef>
+    <cs:effectRef idx="0"/>
+    <cs:fontRef idx="minor">
+      <a:schemeClr val="tx1"/>
+    </cs:fontRef>
+  </cs:dataPoint3D>
+  <cs:dataPointLine>
+    <cs:lnRef idx="0">
+      <cs:styleClr val="auto"/>
+    </cs:lnRef>
+    <cs:fillRef idx="1"/>
+    <cs:effectRef idx="0"/>
+    <cs:fontRef idx="minor">
+      <a:schemeClr val="tx1"/>
+    </cs:fontRef>
+    <cs:spPr>
+      <a:ln w="28575" cap="rnd">
+        <a:solidFill>
+          <a:schemeClr val="phClr"/>
+        </a:solidFill>
+        <a:round/>
+      </a:ln>
+    </cs:spPr>
+  </cs:dataPointLine>
+  <cs:dataPointMarker>
+    <cs:lnRef idx="0">
+      <cs:styleClr val="auto"/>
+    </cs:lnRef>
+    <cs:fillRef idx="1">
+      <cs:styleClr val="auto"/>
+    </cs:fillRef>
+    <cs:effectRef idx="0"/>
+    <cs:fontRef idx="minor">
+      <a:schemeClr val="tx1"/>
+    </cs:fontRef>
+    <cs:spPr>
+      <a:ln w="9525">
+        <a:solidFill>
+          <a:schemeClr val="phClr"/>
+        </a:solidFill>
+      </a:ln>
+    </cs:spPr>
+  </cs:dataPointMarker>
+  <cs:dataPointMarkerLayout symbol="circle" size="5"/>
+  <cs:dataPointWireframe>
+    <cs:lnRef idx="0">
+      <cs:styleClr val="auto"/>
+    </cs:lnRef>
+    <cs:fillRef idx="1"/>
+    <cs:effectRef idx="0"/>
+    <cs:fontRef idx="minor">
+      <a:schemeClr val="tx1"/>
+    </cs:fontRef>
+    <cs:spPr>
+      <a:ln w="9525" cap="rnd">
+        <a:solidFill>
+          <a:schemeClr val="phClr"/>
+        </a:solidFill>
+        <a:round/>
+      </a:ln>
+    </cs:spPr>
+  </cs:dataPointWireframe>
+  <cs:dataTable>
+    <cs:lnRef idx="0"/>
+    <cs:fillRef idx="0"/>
+    <cs:effectRef idx="0"/>
+    <cs:fontRef idx="minor">
+      <a:schemeClr val="tx1">
+        <a:lumMod val="65000"/>
+        <a:lumOff val="35000"/>
+      </a:schemeClr>
+    </cs:fontRef>
+    <cs:spPr>
+      <a:noFill/>
+      <a:ln w="9525" cap="flat" cmpd="sng" algn="ctr">
+        <a:solidFill>
+          <a:schemeClr val="tx1">
+            <a:lumMod val="15000"/>
+            <a:lumOff val="85000"/>
+          </a:schemeClr>
+        </a:solidFill>
+        <a:round/>
+      </a:ln>
+    </cs:spPr>
+    <cs:defRPr sz="1197" kern="1200"/>
+  </cs:dataTable>
+  <cs:downBar>
+    <cs:lnRef idx="0"/>
+    <cs:fillRef idx="0"/>
+    <cs:effectRef idx="0"/>
+    <cs:fontRef idx="minor">
+      <a:schemeClr val="dk1"/>
+    </cs:fontRef>
+    <cs:spPr>
+      <a:solidFill>
+        <a:schemeClr val="dk1">
+          <a:lumMod val="65000"/>
+          <a:lumOff val="35000"/>
+        </a:schemeClr>
+      </a:solidFill>
+      <a:ln w="9525">
+        <a:solidFill>
+          <a:schemeClr val="tx1">
+            <a:lumMod val="65000"/>
+            <a:lumOff val="35000"/>
+          </a:schemeClr>
+        </a:solidFill>
+      </a:ln>
+    </cs:spPr>
+  </cs:downBar>
+  <cs:dropLine>
+    <cs:lnRef idx="0"/>
+    <cs:fillRef idx="0"/>
+    <cs:effectRef idx="0"/>
+    <cs:fontRef idx="minor">
+      <a:schemeClr val="tx1"/>
+    </cs:fontRef>
+    <cs:spPr>
+      <a:ln w="9525" cap="flat" cmpd="sng" algn="ctr">
+        <a:solidFill>
+          <a:schemeClr val="tx1">
+            <a:lumMod val="35000"/>
+            <a:lumOff val="65000"/>
+          </a:schemeClr>
+        </a:solidFill>
+        <a:round/>
+      </a:ln>
+    </cs:spPr>
+  </cs:dropLine>
+  <cs:errorBar>
+    <cs:lnRef idx="0"/>
+    <cs:fillRef idx="0"/>
+    <cs:effectRef idx="0"/>
+    <cs:fontRef idx="minor">
+      <a:schemeClr val="tx1"/>
+    </cs:fontRef>
+    <cs:spPr>
+      <a:ln w="9525" cap="flat" cmpd="sng" algn="ctr">
+        <a:solidFill>
+          <a:schemeClr val="tx1">
+            <a:lumMod val="65000"/>
+            <a:lumOff val="35000"/>
+          </a:schemeClr>
+        </a:solidFill>
+        <a:round/>
+      </a:ln>
+    </cs:spPr>
+  </cs:errorBar>
+  <cs:floor>
+    <cs:lnRef idx="0"/>
+    <cs:fillRef idx="0"/>
+    <cs:effectRef idx="0"/>
+    <cs:fontRef idx="minor">
+      <a:schemeClr val="tx1"/>
+    </cs:fontRef>
+    <cs:spPr>
+      <a:noFill/>
+      <a:ln>
+        <a:noFill/>
+      </a:ln>
+    </cs:spPr>
+  </cs:floor>
+  <cs:gridlineMajor>
+    <cs:lnRef idx="0"/>
+    <cs:fillRef idx="0"/>
+    <cs:effectRef idx="0"/>
+    <cs:fontRef idx="minor">
+      <a:schemeClr val="tx1"/>
+    </cs:fontRef>
+    <cs:spPr>
+      <a:ln w="9525" cap="flat" cmpd="sng" algn="ctr">
+        <a:solidFill>
+          <a:schemeClr val="tx1">
+            <a:lumMod val="15000"/>
+            <a:lumOff val="85000"/>
+          </a:schemeClr>
+        </a:solidFill>
+        <a:round/>
+      </a:ln>
+    </cs:spPr>
+  </cs:gridlineMajor>
+  <cs:gridlineMinor>
+    <cs:lnRef idx="0"/>
+    <cs:fillRef idx="0"/>
+    <cs:effectRef idx="0"/>
+    <cs:fontRef idx="minor">
+      <a:schemeClr val="tx1"/>
+    </cs:fontRef>
+    <cs:spPr>
+      <a:ln w="9525" cap="flat" cmpd="sng" algn="ctr">
+        <a:solidFill>
+          <a:schemeClr val="tx1">
+            <a:lumMod val="5000"/>
+            <a:lumOff val="95000"/>
+          </a:schemeClr>
+        </a:solidFill>
+        <a:round/>
+      </a:ln>
+    </cs:spPr>
+  </cs:gridlineMinor>
+  <cs:hiLoLine>
+    <cs:lnRef idx="0"/>
+    <cs:fillRef idx="0"/>
+    <cs:effectRef idx="0"/>
+    <cs:fontRef idx="minor">
+      <a:schemeClr val="tx1"/>
+    </cs:fontRef>
+    <cs:spPr>
+      <a:ln w="9525" cap="flat" cmpd="sng" algn="ctr">
+        <a:solidFill>
+          <a:schemeClr val="tx1">
+            <a:lumMod val="75000"/>
+            <a:lumOff val="25000"/>
+          </a:schemeClr>
+        </a:solidFill>
+        <a:round/>
+      </a:ln>
+    </cs:spPr>
+  </cs:hiLoLine>
+  <cs:leaderLine>
+    <cs:lnRef idx="0"/>
+    <cs:fillRef idx="0"/>
+    <cs:effectRef idx="0"/>
+    <cs:fontRef idx="minor">
+      <a:schemeClr val="tx1"/>
+    </cs:fontRef>
+    <cs:spPr>
+      <a:ln w="9525" cap="flat" cmpd="sng" algn="ctr">
+        <a:solidFill>
+          <a:schemeClr val="tx1">
+            <a:lumMod val="35000"/>
+            <a:lumOff val="65000"/>
+          </a:schemeClr>
+        </a:solidFill>
+        <a:round/>
+      </a:ln>
+    </cs:spPr>
+  </cs:leaderLine>
+  <cs:legend>
+    <cs:lnRef idx="0"/>
+    <cs:fillRef idx="0"/>
+    <cs:effectRef idx="0"/>
+    <cs:fontRef idx="minor">
+      <a:schemeClr val="tx1">
+        <a:lumMod val="65000"/>
+        <a:lumOff val="35000"/>
+      </a:schemeClr>
+    </cs:fontRef>
+    <cs:defRPr sz="1197" kern="1200"/>
+  </cs:legend>
+  <cs:plotArea mods="allowNoFillOverride allowNoLineOverride">
+    <cs:lnRef idx="0"/>
+    <cs:fillRef idx="0"/>
+    <cs:effectRef idx="0"/>
+    <cs:fontRef idx="minor">
+      <a:schemeClr val="tx1"/>
+    </cs:fontRef>
+  </cs:plotArea>
+  <cs:plotArea3D mods="allowNoFillOverride allowNoLineOverride">
+    <cs:lnRef idx="0"/>
+    <cs:fillRef idx="0"/>
+    <cs:effectRef idx="0"/>
+    <cs:fontRef idx="minor">
+      <a:schemeClr val="tx1"/>
+    </cs:fontRef>
+  </cs:plotArea3D>
+  <cs:seriesAxis>
+    <cs:lnRef idx="0"/>
+    <cs:fillRef idx="0"/>
+    <cs:effectRef idx="0"/>
+    <cs:fontRef idx="minor">
+      <a:schemeClr val="tx1">
+        <a:lumMod val="65000"/>
+        <a:lumOff val="35000"/>
+      </a:schemeClr>
+    </cs:fontRef>
+    <cs:defRPr sz="1197" kern="1200"/>
+  </cs:seriesAxis>
+  <cs:seriesLine>
+    <cs:lnRef idx="0"/>
+    <cs:fillRef idx="0"/>
+    <cs:effectRef idx="0"/>
+    <cs:fontRef idx="minor">
+      <a:schemeClr val="tx1"/>
+    </cs:fontRef>
+    <cs:spPr>
+      <a:ln w="9525" cap="flat" cmpd="sng" algn="ctr">
+        <a:solidFill>
+          <a:schemeClr val="tx1">
+            <a:lumMod val="35000"/>
+            <a:lumOff val="65000"/>
+          </a:schemeClr>
+        </a:solidFill>
+        <a:round/>
+      </a:ln>
+    </cs:spPr>
+  </cs:seriesLine>
+  <cs:title>
+    <cs:lnRef idx="0"/>
+    <cs:fillRef idx="0"/>
+    <cs:effectRef idx="0"/>
+    <cs:fontRef idx="minor">
+      <a:schemeClr val="tx1">
+        <a:lumMod val="65000"/>
+        <a:lumOff val="35000"/>
+      </a:schemeClr>
+    </cs:fontRef>
+    <cs:defRPr sz="1862" b="0" kern="1200" spc="0" baseline="0"/>
+  </cs:title>
+  <cs:trendline>
+    <cs:lnRef idx="0">
+      <cs:styleClr val="auto"/>
+    </cs:lnRef>
+    <cs:fillRef idx="0"/>
+    <cs:effectRef idx="0"/>
+    <cs:fontRef idx="minor">
+      <a:schemeClr val="tx1"/>
+    </cs:fontRef>
+    <cs:spPr>
+      <a:ln w="19050" cap="rnd">
+        <a:solidFill>
+          <a:schemeClr val="phClr"/>
+        </a:solidFill>
+        <a:prstDash val="sysDot"/>
+      </a:ln>
+    </cs:spPr>
+  </cs:trendline>
+  <cs:trendlineLabel>
+    <cs:lnRef idx="0"/>
+    <cs:fillRef idx="0"/>
+    <cs:effectRef idx="0"/>
+    <cs:fontRef idx="minor">
+      <a:schemeClr val="tx1">
+        <a:lumMod val="65000"/>
+        <a:lumOff val="35000"/>
+      </a:schemeClr>
+    </cs:fontRef>
+    <cs:defRPr sz="1197" kern="1200"/>
+  </cs:trendlineLabel>
+  <cs:upBar>
+    <cs:lnRef idx="0"/>
+    <cs:fillRef idx="0"/>
+    <cs:effectRef idx="0"/>
+    <cs:fontRef idx="minor">
+      <a:schemeClr val="dk1"/>
+    </cs:fontRef>
+    <cs:spPr>
+      <a:solidFill>
+        <a:schemeClr val="lt1"/>
+      </a:solidFill>
+      <a:ln w="9525">
+        <a:solidFill>
+          <a:schemeClr val="tx1">
+            <a:lumMod val="15000"/>
+            <a:lumOff val="85000"/>
+          </a:schemeClr>
+        </a:solidFill>
+      </a:ln>
+    </cs:spPr>
+  </cs:upBar>
+  <cs:valueAxis>
+    <cs:lnRef idx="0"/>
+    <cs:fillRef idx="0"/>
+    <cs:effectRef idx="0"/>
+    <cs:fontRef idx="minor">
+      <a:schemeClr val="tx1">
+        <a:lumMod val="65000"/>
+        <a:lumOff val="35000"/>
+      </a:schemeClr>
+    </cs:fontRef>
+    <cs:defRPr sz="1197" kern="1200"/>
+  </cs:valueAxis>
+  <cs:wall>
+    <cs:lnRef idx="0"/>
+    <cs:fillRef idx="0"/>
+    <cs:effectRef idx="0"/>
+    <cs:fontRef idx="minor">
+      <a:schemeClr val="tx1"/>
+    </cs:fontRef>
+    <cs:spPr>
+      <a:noFill/>
+      <a:ln>
+        <a:noFill/>
+      </a:ln>
+    </cs:spPr>
+  </cs:wall>
+</cs:chartStyle>
+</file>
+
+<file path=ppt/charts/style4.xml><?xml version="1.0" encoding="utf-8"?>
 <cs:chartStyle xmlns:cs="http://schemas.microsoft.com/office/drawing/2012/chartStyle" xmlns:a="http://schemas.openxmlformats.org/drawingml/2006/main" id="230">
   <cs:axisTitle>
     <cs:lnRef idx="0"/>
@@ -10790,7 +11871,7 @@
                             </p:stCondLst>
                             <p:childTnLst>
                               <p:par>
-                                <p:cTn id="5" presetID="1" presetClass="entr" presetSubtype="0" fill="hold" grpId="0" nodeType="clickEffect">
+                                <p:cTn id="5" presetID="10" presetClass="entr" presetSubtype="0" fill="hold" grpId="0" nodeType="clickEffect">
                                   <p:stCondLst>
                                     <p:cond delay="0"/>
                                   </p:stCondLst>
@@ -10813,18 +11894,26 @@
                                         <p:strVal val="visible"/>
                                       </p:to>
                                     </p:set>
+                                    <p:animEffect transition="in" filter="fade">
+                                      <p:cBhvr>
+                                        <p:cTn id="7" dur="250"/>
+                                        <p:tgtEl>
+                                          <p:spTgt spid="16"/>
+                                        </p:tgtEl>
+                                      </p:cBhvr>
+                                    </p:animEffect>
                                   </p:childTnLst>
                                 </p:cTn>
                               </p:par>
                               <p:par>
-                                <p:cTn id="7" presetID="1" presetClass="entr" presetSubtype="0" fill="hold" nodeType="withEffect">
+                                <p:cTn id="8" presetID="10" presetClass="entr" presetSubtype="0" fill="hold" nodeType="withEffect">
                                   <p:stCondLst>
                                     <p:cond delay="0"/>
                                   </p:stCondLst>
                                   <p:childTnLst>
                                     <p:set>
                                       <p:cBhvr>
-                                        <p:cTn id="8" dur="1" fill="hold">
+                                        <p:cTn id="9" dur="1" fill="hold">
                                           <p:stCondLst>
                                             <p:cond delay="0"/>
                                           </p:stCondLst>
@@ -10840,18 +11929,26 @@
                                         <p:strVal val="visible"/>
                                       </p:to>
                                     </p:set>
+                                    <p:animEffect transition="in" filter="fade">
+                                      <p:cBhvr>
+                                        <p:cTn id="10" dur="250"/>
+                                        <p:tgtEl>
+                                          <p:spTgt spid="12"/>
+                                        </p:tgtEl>
+                                      </p:cBhvr>
+                                    </p:animEffect>
                                   </p:childTnLst>
                                 </p:cTn>
                               </p:par>
                               <p:par>
-                                <p:cTn id="9" presetID="1" presetClass="entr" presetSubtype="0" fill="hold" nodeType="withEffect">
+                                <p:cTn id="11" presetID="10" presetClass="entr" presetSubtype="0" fill="hold" nodeType="withEffect">
                                   <p:stCondLst>
                                     <p:cond delay="0"/>
                                   </p:stCondLst>
                                   <p:childTnLst>
                                     <p:set>
                                       <p:cBhvr>
-                                        <p:cTn id="10" dur="1" fill="hold">
+                                        <p:cTn id="12" dur="1" fill="hold">
                                           <p:stCondLst>
                                             <p:cond delay="0"/>
                                           </p:stCondLst>
@@ -10867,18 +11964,26 @@
                                         <p:strVal val="visible"/>
                                       </p:to>
                                     </p:set>
+                                    <p:animEffect transition="in" filter="fade">
+                                      <p:cBhvr>
+                                        <p:cTn id="13" dur="250"/>
+                                        <p:tgtEl>
+                                          <p:spTgt spid="20"/>
+                                        </p:tgtEl>
+                                      </p:cBhvr>
+                                    </p:animEffect>
                                   </p:childTnLst>
                                 </p:cTn>
                               </p:par>
                               <p:par>
-                                <p:cTn id="11" presetID="1" presetClass="entr" presetSubtype="0" fill="hold" nodeType="withEffect">
+                                <p:cTn id="14" presetID="10" presetClass="entr" presetSubtype="0" fill="hold" nodeType="withEffect">
                                   <p:stCondLst>
                                     <p:cond delay="0"/>
                                   </p:stCondLst>
                                   <p:childTnLst>
                                     <p:set>
                                       <p:cBhvr>
-                                        <p:cTn id="12" dur="1" fill="hold">
+                                        <p:cTn id="15" dur="1" fill="hold">
                                           <p:stCondLst>
                                             <p:cond delay="0"/>
                                           </p:stCondLst>
@@ -10894,18 +11999,26 @@
                                         <p:strVal val="visible"/>
                                       </p:to>
                                     </p:set>
+                                    <p:animEffect transition="in" filter="fade">
+                                      <p:cBhvr>
+                                        <p:cTn id="16" dur="250"/>
+                                        <p:tgtEl>
+                                          <p:spTgt spid="21"/>
+                                        </p:tgtEl>
+                                      </p:cBhvr>
+                                    </p:animEffect>
                                   </p:childTnLst>
                                 </p:cTn>
                               </p:par>
                               <p:par>
-                                <p:cTn id="13" presetID="1" presetClass="entr" presetSubtype="0" fill="hold" nodeType="withEffect">
+                                <p:cTn id="17" presetID="10" presetClass="entr" presetSubtype="0" fill="hold" nodeType="withEffect">
                                   <p:stCondLst>
                                     <p:cond delay="0"/>
                                   </p:stCondLst>
                                   <p:childTnLst>
                                     <p:set>
                                       <p:cBhvr>
-                                        <p:cTn id="14" dur="1" fill="hold">
+                                        <p:cTn id="18" dur="1" fill="hold">
                                           <p:stCondLst>
                                             <p:cond delay="0"/>
                                           </p:stCondLst>
@@ -10921,18 +12034,26 @@
                                         <p:strVal val="visible"/>
                                       </p:to>
                                     </p:set>
+                                    <p:animEffect transition="in" filter="fade">
+                                      <p:cBhvr>
+                                        <p:cTn id="19" dur="250"/>
+                                        <p:tgtEl>
+                                          <p:spTgt spid="22"/>
+                                        </p:tgtEl>
+                                      </p:cBhvr>
+                                    </p:animEffect>
                                   </p:childTnLst>
                                 </p:cTn>
                               </p:par>
                               <p:par>
-                                <p:cTn id="15" presetID="1" presetClass="entr" presetSubtype="0" fill="hold" nodeType="withEffect">
+                                <p:cTn id="20" presetID="10" presetClass="entr" presetSubtype="0" fill="hold" nodeType="withEffect">
                                   <p:stCondLst>
                                     <p:cond delay="0"/>
                                   </p:stCondLst>
                                   <p:childTnLst>
                                     <p:set>
                                       <p:cBhvr>
-                                        <p:cTn id="16" dur="1" fill="hold">
+                                        <p:cTn id="21" dur="1" fill="hold">
                                           <p:stCondLst>
                                             <p:cond delay="0"/>
                                           </p:stCondLst>
@@ -10948,18 +12069,26 @@
                                         <p:strVal val="visible"/>
                                       </p:to>
                                     </p:set>
+                                    <p:animEffect transition="in" filter="fade">
+                                      <p:cBhvr>
+                                        <p:cTn id="22" dur="250"/>
+                                        <p:tgtEl>
+                                          <p:spTgt spid="23"/>
+                                        </p:tgtEl>
+                                      </p:cBhvr>
+                                    </p:animEffect>
                                   </p:childTnLst>
                                 </p:cTn>
                               </p:par>
                               <p:par>
-                                <p:cTn id="17" presetID="1" presetClass="entr" presetSubtype="0" fill="hold" nodeType="withEffect">
+                                <p:cTn id="23" presetID="10" presetClass="entr" presetSubtype="0" fill="hold" nodeType="withEffect">
                                   <p:stCondLst>
                                     <p:cond delay="0"/>
                                   </p:stCondLst>
                                   <p:childTnLst>
                                     <p:set>
                                       <p:cBhvr>
-                                        <p:cTn id="18" dur="1" fill="hold">
+                                        <p:cTn id="24" dur="1" fill="hold">
                                           <p:stCondLst>
                                             <p:cond delay="0"/>
                                           </p:stCondLst>
@@ -10975,6 +12104,14 @@
                                         <p:strVal val="visible"/>
                                       </p:to>
                                     </p:set>
+                                    <p:animEffect transition="in" filter="fade">
+                                      <p:cBhvr>
+                                        <p:cTn id="25" dur="250"/>
+                                        <p:tgtEl>
+                                          <p:spTgt spid="24"/>
+                                        </p:tgtEl>
+                                      </p:cBhvr>
+                                    </p:animEffect>
                                   </p:childTnLst>
                                 </p:cTn>
                               </p:par>
@@ -10985,26 +12122,26 @@
                     </p:cTn>
                   </p:par>
                   <p:par>
-                    <p:cTn id="19" fill="hold">
+                    <p:cTn id="26" fill="hold">
                       <p:stCondLst>
                         <p:cond delay="indefinite"/>
                       </p:stCondLst>
                       <p:childTnLst>
                         <p:par>
-                          <p:cTn id="20" fill="hold">
+                          <p:cTn id="27" fill="hold">
                             <p:stCondLst>
                               <p:cond delay="0"/>
                             </p:stCondLst>
                             <p:childTnLst>
                               <p:par>
-                                <p:cTn id="21" presetID="10" presetClass="entr" presetSubtype="0" fill="hold" nodeType="clickEffect">
+                                <p:cTn id="28" presetID="10" presetClass="entr" presetSubtype="0" fill="hold" nodeType="clickEffect">
                                   <p:stCondLst>
                                     <p:cond delay="0"/>
                                   </p:stCondLst>
                                   <p:childTnLst>
                                     <p:set>
                                       <p:cBhvr>
-                                        <p:cTn id="22" dur="1" fill="hold">
+                                        <p:cTn id="29" dur="1" fill="hold">
                                           <p:stCondLst>
                                             <p:cond delay="0"/>
                                           </p:stCondLst>
@@ -11022,7 +12159,7 @@
                                     </p:set>
                                     <p:animEffect transition="in" filter="fade">
                                       <p:cBhvr>
-                                        <p:cTn id="23" dur="500"/>
+                                        <p:cTn id="30" dur="250"/>
                                         <p:tgtEl>
                                           <p:spTgt spid="35"/>
                                         </p:tgtEl>
@@ -11032,14 +12169,14 @@
                                 </p:cTn>
                               </p:par>
                               <p:par>
-                                <p:cTn id="24" presetID="10" presetClass="entr" presetSubtype="0" fill="hold" nodeType="withEffect">
+                                <p:cTn id="31" presetID="10" presetClass="entr" presetSubtype="0" fill="hold" nodeType="withEffect">
                                   <p:stCondLst>
                                     <p:cond delay="0"/>
                                   </p:stCondLst>
                                   <p:childTnLst>
                                     <p:set>
                                       <p:cBhvr>
-                                        <p:cTn id="25" dur="1" fill="hold">
+                                        <p:cTn id="32" dur="1" fill="hold">
                                           <p:stCondLst>
                                             <p:cond delay="0"/>
                                           </p:stCondLst>
@@ -11057,7 +12194,7 @@
                                     </p:set>
                                     <p:animEffect transition="in" filter="fade">
                                       <p:cBhvr>
-                                        <p:cTn id="26" dur="500"/>
+                                        <p:cTn id="33" dur="250"/>
                                         <p:tgtEl>
                                           <p:spTgt spid="38"/>
                                         </p:tgtEl>
@@ -11067,14 +12204,14 @@
                                 </p:cTn>
                               </p:par>
                               <p:par>
-                                <p:cTn id="27" presetID="10" presetClass="entr" presetSubtype="0" fill="hold" nodeType="withEffect">
+                                <p:cTn id="34" presetID="10" presetClass="entr" presetSubtype="0" fill="hold" nodeType="withEffect">
                                   <p:stCondLst>
                                     <p:cond delay="0"/>
                                   </p:stCondLst>
                                   <p:childTnLst>
                                     <p:set>
                                       <p:cBhvr>
-                                        <p:cTn id="28" dur="1" fill="hold">
+                                        <p:cTn id="35" dur="1" fill="hold">
                                           <p:stCondLst>
                                             <p:cond delay="0"/>
                                           </p:stCondLst>
@@ -11092,7 +12229,7 @@
                                     </p:set>
                                     <p:animEffect transition="in" filter="fade">
                                       <p:cBhvr>
-                                        <p:cTn id="29" dur="500"/>
+                                        <p:cTn id="36" dur="250"/>
                                         <p:tgtEl>
                                           <p:spTgt spid="29"/>
                                         </p:tgtEl>
@@ -11102,14 +12239,14 @@
                                 </p:cTn>
                               </p:par>
                               <p:par>
-                                <p:cTn id="30" presetID="10" presetClass="entr" presetSubtype="0" fill="hold" nodeType="withEffect">
+                                <p:cTn id="37" presetID="10" presetClass="entr" presetSubtype="0" fill="hold" nodeType="withEffect">
                                   <p:stCondLst>
                                     <p:cond delay="0"/>
                                   </p:stCondLst>
                                   <p:childTnLst>
                                     <p:set>
                                       <p:cBhvr>
-                                        <p:cTn id="31" dur="1" fill="hold">
+                                        <p:cTn id="38" dur="1" fill="hold">
                                           <p:stCondLst>
                                             <p:cond delay="0"/>
                                           </p:stCondLst>
@@ -11127,7 +12264,7 @@
                                     </p:set>
                                     <p:animEffect transition="in" filter="fade">
                                       <p:cBhvr>
-                                        <p:cTn id="32" dur="500"/>
+                                        <p:cTn id="39" dur="250"/>
                                         <p:tgtEl>
                                           <p:spTgt spid="30"/>
                                         </p:tgtEl>
@@ -11137,14 +12274,14 @@
                                 </p:cTn>
                               </p:par>
                               <p:par>
-                                <p:cTn id="33" presetID="10" presetClass="entr" presetSubtype="0" fill="hold" nodeType="withEffect">
+                                <p:cTn id="40" presetID="10" presetClass="entr" presetSubtype="0" fill="hold" nodeType="withEffect">
                                   <p:stCondLst>
                                     <p:cond delay="0"/>
                                   </p:stCondLst>
                                   <p:childTnLst>
                                     <p:set>
                                       <p:cBhvr>
-                                        <p:cTn id="34" dur="1" fill="hold">
+                                        <p:cTn id="41" dur="1" fill="hold">
                                           <p:stCondLst>
                                             <p:cond delay="0"/>
                                           </p:stCondLst>
@@ -11162,7 +12299,7 @@
                                     </p:set>
                                     <p:animEffect transition="in" filter="fade">
                                       <p:cBhvr>
-                                        <p:cTn id="35" dur="500"/>
+                                        <p:cTn id="42" dur="250"/>
                                         <p:tgtEl>
                                           <p:spTgt spid="31"/>
                                         </p:tgtEl>
@@ -11172,14 +12309,14 @@
                                 </p:cTn>
                               </p:par>
                               <p:par>
-                                <p:cTn id="36" presetID="10" presetClass="exit" presetSubtype="0" fill="hold" nodeType="withEffect">
+                                <p:cTn id="43" presetID="10" presetClass="exit" presetSubtype="0" fill="hold" nodeType="withEffect">
                                   <p:stCondLst>
                                     <p:cond delay="0"/>
                                   </p:stCondLst>
                                   <p:childTnLst>
                                     <p:animEffect transition="out" filter="fade">
                                       <p:cBhvr>
-                                        <p:cTn id="37" dur="500"/>
+                                        <p:cTn id="44" dur="250"/>
                                         <p:tgtEl>
                                           <p:spTgt spid="12"/>
                                         </p:tgtEl>
@@ -11187,9 +12324,9 @@
                                     </p:animEffect>
                                     <p:set>
                                       <p:cBhvr>
-                                        <p:cTn id="38" dur="1" fill="hold">
+                                        <p:cTn id="45" dur="1" fill="hold">
                                           <p:stCondLst>
-                                            <p:cond delay="499"/>
+                                            <p:cond delay="249"/>
                                           </p:stCondLst>
                                         </p:cTn>
                                         <p:tgtEl>
@@ -11536,7 +12673,7 @@
         </p:nvSpPr>
         <p:spPr>
           <a:xfrm>
-            <a:off x="2312438" y="2205889"/>
+            <a:off x="2312438" y="2245431"/>
             <a:ext cx="650471" cy="671830"/>
           </a:xfrm>
           <a:prstGeom prst="ellipse">
@@ -11568,10 +12705,10 @@
       </p:sp>
       <p:pic>
         <p:nvPicPr>
-          <p:cNvPr id="12" name="Grafik 11" descr="Müdes Gesicht mit einfarbiger Füllung mit einfarbiger Füllung">
-            <a:extLst>
-              <a:ext uri="{FF2B5EF4-FFF2-40B4-BE49-F238E27FC236}">
-                <a16:creationId xmlns:a16="http://schemas.microsoft.com/office/drawing/2014/main" id="{7982447E-A225-4405-89DA-52EB8CAE2C70}"/>
+          <p:cNvPr id="14" name="Grafik 13" descr="Lachendes Gesicht mit einfarbiger Füllung mit einfarbiger Füllung">
+            <a:extLst>
+              <a:ext uri="{FF2B5EF4-FFF2-40B4-BE49-F238E27FC236}">
+                <a16:creationId xmlns:a16="http://schemas.microsoft.com/office/drawing/2014/main" id="{DC4A6BB0-C278-46FE-ADD8-87DE2D3EC8AD}"/>
               </a:ext>
             </a:extLst>
           </p:cNvPr>
@@ -11594,8 +12731,38 @@
         </p:blipFill>
         <p:spPr>
           <a:xfrm>
-            <a:off x="2175163" y="2059420"/>
+            <a:off x="2175163" y="2098962"/>
             <a:ext cx="914400" cy="914400"/>
+          </a:xfrm>
+          <a:prstGeom prst="rect">
+            <a:avLst/>
+          </a:prstGeom>
+        </p:spPr>
+      </p:pic>
+      <p:pic>
+        <p:nvPicPr>
+          <p:cNvPr id="15" name="Grafik 14">
+            <a:extLst>
+              <a:ext uri="{FF2B5EF4-FFF2-40B4-BE49-F238E27FC236}">
+                <a16:creationId xmlns:a16="http://schemas.microsoft.com/office/drawing/2014/main" id="{9172CF7B-505C-4553-B013-C8323DB84F19}"/>
+              </a:ext>
+            </a:extLst>
+          </p:cNvPr>
+          <p:cNvPicPr>
+            <a:picLocks noChangeAspect="1"/>
+          </p:cNvPicPr>
+          <p:nvPr/>
+        </p:nvPicPr>
+        <p:blipFill>
+          <a:blip r:embed="rId11"/>
+          <a:stretch>
+            <a:fillRect/>
+          </a:stretch>
+        </p:blipFill>
+        <p:spPr>
+          <a:xfrm>
+            <a:off x="2457553" y="2556162"/>
+            <a:ext cx="81292" cy="114343"/>
           </a:xfrm>
           <a:prstGeom prst="rect">
             <a:avLst/>
@@ -11612,6 +12779,18 @@
   <p:clrMapOvr>
     <a:masterClrMapping/>
   </p:clrMapOvr>
+  <mc:AlternateContent xmlns:mc="http://schemas.openxmlformats.org/markup-compatibility/2006">
+    <mc:Choice xmlns:p14="http://schemas.microsoft.com/office/powerpoint/2010/main" Requires="p14">
+      <p:transition p14:dur="250">
+        <p:fade/>
+      </p:transition>
+    </mc:Choice>
+    <mc:Fallback>
+      <p:transition>
+        <p:fade/>
+      </p:transition>
+    </mc:Fallback>
+  </mc:AlternateContent>
 </p:sld>
 </file>
 
@@ -11704,13 +12883,13 @@
           <p:nvPr>
             <p:extLst>
               <p:ext uri="{D42A27DB-BD31-4B8C-83A1-F6EECF244321}">
-                <p14:modId xmlns:p14="http://schemas.microsoft.com/office/powerpoint/2010/main" val="4034476562"/>
+                <p14:modId xmlns:p14="http://schemas.microsoft.com/office/powerpoint/2010/main" val="4138666085"/>
               </p:ext>
             </p:extLst>
           </p:nvPr>
         </p:nvGraphicFramePr>
         <p:xfrm>
-          <a:off x="1034472" y="2131060"/>
+          <a:off x="1034472" y="2359660"/>
           <a:ext cx="4410364" cy="2595880"/>
         </p:xfrm>
         <a:graphic>
@@ -11785,7 +12964,7 @@
                     <a:bodyPr/>
                     <a:lstStyle/>
                     <a:p>
-                      <a:endParaRPr lang="de-DE"/>
+                      <a:endParaRPr lang="de-DE" dirty="0"/>
                     </a:p>
                   </a:txBody>
                   <a:tcPr/>
@@ -11916,7 +13095,7 @@
                     <a:bodyPr/>
                     <a:lstStyle/>
                     <a:p>
-                      <a:endParaRPr lang="de-DE"/>
+                      <a:endParaRPr lang="de-DE" dirty="0"/>
                     </a:p>
                   </a:txBody>
                   <a:tcPr/>
@@ -11943,7 +13122,7 @@
                     <a:bodyPr/>
                     <a:lstStyle/>
                     <a:p>
-                      <a:endParaRPr lang="de-DE"/>
+                      <a:endParaRPr lang="de-DE" dirty="0"/>
                     </a:p>
                   </a:txBody>
                   <a:tcPr/>
@@ -12141,13 +13320,13 @@
           <p:nvPr>
             <p:extLst>
               <p:ext uri="{D42A27DB-BD31-4B8C-83A1-F6EECF244321}">
-                <p14:modId xmlns:p14="http://schemas.microsoft.com/office/powerpoint/2010/main" val="851461456"/>
+                <p14:modId xmlns:p14="http://schemas.microsoft.com/office/powerpoint/2010/main" val="1662894380"/>
               </p:ext>
             </p:extLst>
           </p:nvPr>
         </p:nvGraphicFramePr>
         <p:xfrm>
-          <a:off x="7412182" y="1729604"/>
+          <a:off x="7412180" y="1750950"/>
           <a:ext cx="4410365" cy="3362462"/>
         </p:xfrm>
         <a:graphic>
@@ -12170,7 +13349,7 @@
         </p:nvSpPr>
         <p:spPr>
           <a:xfrm>
-            <a:off x="1884218" y="5223164"/>
+            <a:off x="2409843" y="5173674"/>
             <a:ext cx="1659621" cy="369332"/>
           </a:xfrm>
           <a:prstGeom prst="rect">
@@ -12205,7 +13384,7 @@
         </p:nvSpPr>
         <p:spPr>
           <a:xfrm>
-            <a:off x="8610600" y="5170210"/>
+            <a:off x="8554893" y="5173674"/>
             <a:ext cx="2124941" cy="369332"/>
           </a:xfrm>
           <a:prstGeom prst="rect">
@@ -12269,6 +13448,166 @@
   <p:clrMapOvr>
     <a:masterClrMapping/>
   </p:clrMapOvr>
+  <p:timing>
+    <p:tnLst>
+      <p:par>
+        <p:cTn id="1" dur="indefinite" restart="never" nodeType="tmRoot">
+          <p:childTnLst>
+            <p:seq concurrent="1" nextAc="seek">
+              <p:cTn id="2" dur="indefinite" nodeType="mainSeq">
+                <p:childTnLst>
+                  <p:par>
+                    <p:cTn id="3" fill="hold">
+                      <p:stCondLst>
+                        <p:cond delay="indefinite"/>
+                      </p:stCondLst>
+                      <p:childTnLst>
+                        <p:par>
+                          <p:cTn id="4" fill="hold">
+                            <p:stCondLst>
+                              <p:cond delay="0"/>
+                            </p:stCondLst>
+                            <p:childTnLst>
+                              <p:par>
+                                <p:cTn id="5" presetID="10" presetClass="entr" presetSubtype="0" fill="hold" grpId="0" nodeType="clickEffect">
+                                  <p:stCondLst>
+                                    <p:cond delay="0"/>
+                                  </p:stCondLst>
+                                  <p:childTnLst>
+                                    <p:set>
+                                      <p:cBhvr>
+                                        <p:cTn id="6" dur="1" fill="hold">
+                                          <p:stCondLst>
+                                            <p:cond delay="0"/>
+                                          </p:stCondLst>
+                                        </p:cTn>
+                                        <p:tgtEl>
+                                          <p:spTgt spid="9"/>
+                                        </p:tgtEl>
+                                        <p:attrNameLst>
+                                          <p:attrName>style.visibility</p:attrName>
+                                        </p:attrNameLst>
+                                      </p:cBhvr>
+                                      <p:to>
+                                        <p:strVal val="visible"/>
+                                      </p:to>
+                                    </p:set>
+                                    <p:animEffect transition="in" filter="fade">
+                                      <p:cBhvr>
+                                        <p:cTn id="7" dur="250"/>
+                                        <p:tgtEl>
+                                          <p:spTgt spid="9"/>
+                                        </p:tgtEl>
+                                      </p:cBhvr>
+                                    </p:animEffect>
+                                  </p:childTnLst>
+                                </p:cTn>
+                              </p:par>
+                              <p:par>
+                                <p:cTn id="8" presetID="10" presetClass="entr" presetSubtype="0" fill="hold" grpId="0" nodeType="withEffect">
+                                  <p:stCondLst>
+                                    <p:cond delay="0"/>
+                                  </p:stCondLst>
+                                  <p:childTnLst>
+                                    <p:set>
+                                      <p:cBhvr>
+                                        <p:cTn id="9" dur="1" fill="hold">
+                                          <p:stCondLst>
+                                            <p:cond delay="0"/>
+                                          </p:stCondLst>
+                                        </p:cTn>
+                                        <p:tgtEl>
+                                          <p:spTgt spid="10"/>
+                                        </p:tgtEl>
+                                        <p:attrNameLst>
+                                          <p:attrName>style.visibility</p:attrName>
+                                        </p:attrNameLst>
+                                      </p:cBhvr>
+                                      <p:to>
+                                        <p:strVal val="visible"/>
+                                      </p:to>
+                                    </p:set>
+                                    <p:animEffect transition="in" filter="fade">
+                                      <p:cBhvr>
+                                        <p:cTn id="10" dur="250"/>
+                                        <p:tgtEl>
+                                          <p:spTgt spid="10"/>
+                                        </p:tgtEl>
+                                      </p:cBhvr>
+                                    </p:animEffect>
+                                  </p:childTnLst>
+                                </p:cTn>
+                              </p:par>
+                              <p:par>
+                                <p:cTn id="11" presetID="10" presetClass="entr" presetSubtype="0" fill="hold" grpId="0" nodeType="withEffect">
+                                  <p:stCondLst>
+                                    <p:cond delay="0"/>
+                                  </p:stCondLst>
+                                  <p:childTnLst>
+                                    <p:set>
+                                      <p:cBhvr>
+                                        <p:cTn id="12" dur="1" fill="hold">
+                                          <p:stCondLst>
+                                            <p:cond delay="0"/>
+                                          </p:stCondLst>
+                                        </p:cTn>
+                                        <p:tgtEl>
+                                          <p:spTgt spid="12"/>
+                                        </p:tgtEl>
+                                        <p:attrNameLst>
+                                          <p:attrName>style.visibility</p:attrName>
+                                        </p:attrNameLst>
+                                      </p:cBhvr>
+                                      <p:to>
+                                        <p:strVal val="visible"/>
+                                      </p:to>
+                                    </p:set>
+                                    <p:animEffect transition="in" filter="fade">
+                                      <p:cBhvr>
+                                        <p:cTn id="13" dur="250"/>
+                                        <p:tgtEl>
+                                          <p:spTgt spid="12"/>
+                                        </p:tgtEl>
+                                      </p:cBhvr>
+                                    </p:animEffect>
+                                  </p:childTnLst>
+                                </p:cTn>
+                              </p:par>
+                            </p:childTnLst>
+                          </p:cTn>
+                        </p:par>
+                      </p:childTnLst>
+                    </p:cTn>
+                  </p:par>
+                </p:childTnLst>
+              </p:cTn>
+              <p:prevCondLst>
+                <p:cond evt="onPrev" delay="0">
+                  <p:tgtEl>
+                    <p:sldTgt/>
+                  </p:tgtEl>
+                </p:cond>
+              </p:prevCondLst>
+              <p:nextCondLst>
+                <p:cond evt="onNext" delay="0">
+                  <p:tgtEl>
+                    <p:sldTgt/>
+                  </p:tgtEl>
+                </p:cond>
+              </p:nextCondLst>
+            </p:seq>
+          </p:childTnLst>
+        </p:cTn>
+      </p:par>
+    </p:tnLst>
+    <p:bldLst>
+      <p:bldP spid="9" grpId="0" animBg="1"/>
+      <p:bldGraphic spid="10" grpId="0">
+        <p:bldAsOne/>
+      </p:bldGraphic>
+      <p:bldP spid="12" grpId="0"/>
+    </p:bldLst>
+  </p:timing>
 </p:sld>
 </file>
 
@@ -12474,7 +13813,7 @@
         </p:blipFill>
         <p:spPr>
           <a:xfrm>
-            <a:off x="8363006" y="2353656"/>
+            <a:off x="8416685" y="2431957"/>
             <a:ext cx="2291048" cy="2291048"/>
           </a:xfrm>
           <a:prstGeom prst="rect">
@@ -13098,6 +14437,305 @@
   <p:clrMapOvr>
     <a:masterClrMapping/>
   </p:clrMapOvr>
+  <p:timing>
+    <p:tnLst>
+      <p:par>
+        <p:cTn id="1" dur="indefinite" restart="never" nodeType="tmRoot">
+          <p:childTnLst>
+            <p:seq concurrent="1" nextAc="seek">
+              <p:cTn id="2" dur="indefinite" nodeType="mainSeq">
+                <p:childTnLst>
+                  <p:par>
+                    <p:cTn id="3" fill="hold">
+                      <p:stCondLst>
+                        <p:cond delay="indefinite"/>
+                      </p:stCondLst>
+                      <p:childTnLst>
+                        <p:par>
+                          <p:cTn id="4" fill="hold">
+                            <p:stCondLst>
+                              <p:cond delay="0"/>
+                            </p:stCondLst>
+                            <p:childTnLst>
+                              <p:par>
+                                <p:cTn id="5" presetID="10" presetClass="entr" presetSubtype="0" fill="hold" nodeType="clickEffect">
+                                  <p:stCondLst>
+                                    <p:cond delay="0"/>
+                                  </p:stCondLst>
+                                  <p:childTnLst>
+                                    <p:set>
+                                      <p:cBhvr>
+                                        <p:cTn id="6" dur="1" fill="hold">
+                                          <p:stCondLst>
+                                            <p:cond delay="0"/>
+                                          </p:stCondLst>
+                                        </p:cTn>
+                                        <p:tgtEl>
+                                          <p:spTgt spid="9"/>
+                                        </p:tgtEl>
+                                        <p:attrNameLst>
+                                          <p:attrName>style.visibility</p:attrName>
+                                        </p:attrNameLst>
+                                      </p:cBhvr>
+                                      <p:to>
+                                        <p:strVal val="visible"/>
+                                      </p:to>
+                                    </p:set>
+                                    <p:animEffect transition="in" filter="fade">
+                                      <p:cBhvr>
+                                        <p:cTn id="7" dur="250"/>
+                                        <p:tgtEl>
+                                          <p:spTgt spid="9"/>
+                                        </p:tgtEl>
+                                      </p:cBhvr>
+                                    </p:animEffect>
+                                  </p:childTnLst>
+                                </p:cTn>
+                              </p:par>
+                              <p:par>
+                                <p:cTn id="8" presetID="10" presetClass="entr" presetSubtype="0" fill="hold" grpId="0" nodeType="withEffect">
+                                  <p:stCondLst>
+                                    <p:cond delay="0"/>
+                                  </p:stCondLst>
+                                  <p:childTnLst>
+                                    <p:set>
+                                      <p:cBhvr>
+                                        <p:cTn id="9" dur="1" fill="hold">
+                                          <p:stCondLst>
+                                            <p:cond delay="0"/>
+                                          </p:stCondLst>
+                                        </p:cTn>
+                                        <p:tgtEl>
+                                          <p:spTgt spid="14"/>
+                                        </p:tgtEl>
+                                        <p:attrNameLst>
+                                          <p:attrName>style.visibility</p:attrName>
+                                        </p:attrNameLst>
+                                      </p:cBhvr>
+                                      <p:to>
+                                        <p:strVal val="visible"/>
+                                      </p:to>
+                                    </p:set>
+                                    <p:animEffect transition="in" filter="fade">
+                                      <p:cBhvr>
+                                        <p:cTn id="10" dur="250"/>
+                                        <p:tgtEl>
+                                          <p:spTgt spid="14"/>
+                                        </p:tgtEl>
+                                      </p:cBhvr>
+                                    </p:animEffect>
+                                  </p:childTnLst>
+                                </p:cTn>
+                              </p:par>
+                            </p:childTnLst>
+                          </p:cTn>
+                        </p:par>
+                      </p:childTnLst>
+                    </p:cTn>
+                  </p:par>
+                  <p:par>
+                    <p:cTn id="11" fill="hold">
+                      <p:stCondLst>
+                        <p:cond delay="indefinite"/>
+                      </p:stCondLst>
+                      <p:childTnLst>
+                        <p:par>
+                          <p:cTn id="12" fill="hold">
+                            <p:stCondLst>
+                              <p:cond delay="0"/>
+                            </p:stCondLst>
+                            <p:childTnLst>
+                              <p:par>
+                                <p:cTn id="13" presetID="10" presetClass="entr" presetSubtype="0" fill="hold" nodeType="clickEffect">
+                                  <p:stCondLst>
+                                    <p:cond delay="0"/>
+                                  </p:stCondLst>
+                                  <p:childTnLst>
+                                    <p:set>
+                                      <p:cBhvr>
+                                        <p:cTn id="14" dur="1" fill="hold">
+                                          <p:stCondLst>
+                                            <p:cond delay="0"/>
+                                          </p:stCondLst>
+                                        </p:cTn>
+                                        <p:tgtEl>
+                                          <p:spTgt spid="6"/>
+                                        </p:tgtEl>
+                                        <p:attrNameLst>
+                                          <p:attrName>style.visibility</p:attrName>
+                                        </p:attrNameLst>
+                                      </p:cBhvr>
+                                      <p:to>
+                                        <p:strVal val="visible"/>
+                                      </p:to>
+                                    </p:set>
+                                    <p:animEffect transition="in" filter="fade">
+                                      <p:cBhvr>
+                                        <p:cTn id="15" dur="250"/>
+                                        <p:tgtEl>
+                                          <p:spTgt spid="6"/>
+                                        </p:tgtEl>
+                                      </p:cBhvr>
+                                    </p:animEffect>
+                                  </p:childTnLst>
+                                </p:cTn>
+                              </p:par>
+                              <p:par>
+                                <p:cTn id="16" presetID="10" presetClass="entr" presetSubtype="0" fill="hold" grpId="0" nodeType="withEffect">
+                                  <p:stCondLst>
+                                    <p:cond delay="0"/>
+                                  </p:stCondLst>
+                                  <p:childTnLst>
+                                    <p:set>
+                                      <p:cBhvr>
+                                        <p:cTn id="17" dur="1" fill="hold">
+                                          <p:stCondLst>
+                                            <p:cond delay="0"/>
+                                          </p:stCondLst>
+                                        </p:cTn>
+                                        <p:tgtEl>
+                                          <p:spTgt spid="12"/>
+                                        </p:tgtEl>
+                                        <p:attrNameLst>
+                                          <p:attrName>style.visibility</p:attrName>
+                                        </p:attrNameLst>
+                                      </p:cBhvr>
+                                      <p:to>
+                                        <p:strVal val="visible"/>
+                                      </p:to>
+                                    </p:set>
+                                    <p:animEffect transition="in" filter="fade">
+                                      <p:cBhvr>
+                                        <p:cTn id="18" dur="250"/>
+                                        <p:tgtEl>
+                                          <p:spTgt spid="12"/>
+                                        </p:tgtEl>
+                                      </p:cBhvr>
+                                    </p:animEffect>
+                                  </p:childTnLst>
+                                </p:cTn>
+                              </p:par>
+                            </p:childTnLst>
+                          </p:cTn>
+                        </p:par>
+                      </p:childTnLst>
+                    </p:cTn>
+                  </p:par>
+                  <p:par>
+                    <p:cTn id="19" fill="hold">
+                      <p:stCondLst>
+                        <p:cond delay="indefinite"/>
+                      </p:stCondLst>
+                      <p:childTnLst>
+                        <p:par>
+                          <p:cTn id="20" fill="hold">
+                            <p:stCondLst>
+                              <p:cond delay="0"/>
+                            </p:stCondLst>
+                            <p:childTnLst>
+                              <p:par>
+                                <p:cTn id="21" presetID="10" presetClass="entr" presetSubtype="0" fill="hold" nodeType="clickEffect">
+                                  <p:stCondLst>
+                                    <p:cond delay="0"/>
+                                  </p:stCondLst>
+                                  <p:childTnLst>
+                                    <p:set>
+                                      <p:cBhvr>
+                                        <p:cTn id="22" dur="1" fill="hold">
+                                          <p:stCondLst>
+                                            <p:cond delay="0"/>
+                                          </p:stCondLst>
+                                        </p:cTn>
+                                        <p:tgtEl>
+                                          <p:spTgt spid="11"/>
+                                        </p:tgtEl>
+                                        <p:attrNameLst>
+                                          <p:attrName>style.visibility</p:attrName>
+                                        </p:attrNameLst>
+                                      </p:cBhvr>
+                                      <p:to>
+                                        <p:strVal val="visible"/>
+                                      </p:to>
+                                    </p:set>
+                                    <p:animEffect transition="in" filter="fade">
+                                      <p:cBhvr>
+                                        <p:cTn id="23" dur="250"/>
+                                        <p:tgtEl>
+                                          <p:spTgt spid="11"/>
+                                        </p:tgtEl>
+                                      </p:cBhvr>
+                                    </p:animEffect>
+                                  </p:childTnLst>
+                                </p:cTn>
+                              </p:par>
+                              <p:par>
+                                <p:cTn id="24" presetID="10" presetClass="entr" presetSubtype="0" fill="hold" grpId="0" nodeType="withEffect">
+                                  <p:stCondLst>
+                                    <p:cond delay="0"/>
+                                  </p:stCondLst>
+                                  <p:childTnLst>
+                                    <p:set>
+                                      <p:cBhvr>
+                                        <p:cTn id="25" dur="1" fill="hold">
+                                          <p:stCondLst>
+                                            <p:cond delay="0"/>
+                                          </p:stCondLst>
+                                        </p:cTn>
+                                        <p:tgtEl>
+                                          <p:spTgt spid="13"/>
+                                        </p:tgtEl>
+                                        <p:attrNameLst>
+                                          <p:attrName>style.visibility</p:attrName>
+                                        </p:attrNameLst>
+                                      </p:cBhvr>
+                                      <p:to>
+                                        <p:strVal val="visible"/>
+                                      </p:to>
+                                    </p:set>
+                                    <p:animEffect transition="in" filter="fade">
+                                      <p:cBhvr>
+                                        <p:cTn id="26" dur="250"/>
+                                        <p:tgtEl>
+                                          <p:spTgt spid="13"/>
+                                        </p:tgtEl>
+                                      </p:cBhvr>
+                                    </p:animEffect>
+                                  </p:childTnLst>
+                                </p:cTn>
+                              </p:par>
+                            </p:childTnLst>
+                          </p:cTn>
+                        </p:par>
+                      </p:childTnLst>
+                    </p:cTn>
+                  </p:par>
+                </p:childTnLst>
+              </p:cTn>
+              <p:prevCondLst>
+                <p:cond evt="onPrev" delay="0">
+                  <p:tgtEl>
+                    <p:sldTgt/>
+                  </p:tgtEl>
+                </p:cond>
+              </p:prevCondLst>
+              <p:nextCondLst>
+                <p:cond evt="onNext" delay="0">
+                  <p:tgtEl>
+                    <p:sldTgt/>
+                  </p:tgtEl>
+                </p:cond>
+              </p:nextCondLst>
+            </p:seq>
+          </p:childTnLst>
+        </p:cTn>
+      </p:par>
+    </p:tnLst>
+    <p:bldLst>
+      <p:bldP spid="12" grpId="0"/>
+      <p:bldP spid="13" grpId="0"/>
+      <p:bldP spid="14" grpId="0"/>
+    </p:bldLst>
+  </p:timing>
 </p:sld>
 </file>
 
@@ -14041,6 +15679,440 @@
   <p:clrMapOvr>
     <a:masterClrMapping/>
   </p:clrMapOvr>
+  <p:timing>
+    <p:tnLst>
+      <p:par>
+        <p:cTn id="1" dur="indefinite" restart="never" nodeType="tmRoot">
+          <p:childTnLst>
+            <p:seq concurrent="1" nextAc="seek">
+              <p:cTn id="2" dur="indefinite" nodeType="mainSeq">
+                <p:childTnLst>
+                  <p:par>
+                    <p:cTn id="3" fill="hold">
+                      <p:stCondLst>
+                        <p:cond delay="indefinite"/>
+                      </p:stCondLst>
+                      <p:childTnLst>
+                        <p:par>
+                          <p:cTn id="4" fill="hold">
+                            <p:stCondLst>
+                              <p:cond delay="0"/>
+                            </p:stCondLst>
+                            <p:childTnLst>
+                              <p:par>
+                                <p:cTn id="5" presetID="10" presetClass="entr" presetSubtype="0" fill="hold" grpId="0" nodeType="clickEffect">
+                                  <p:stCondLst>
+                                    <p:cond delay="0"/>
+                                  </p:stCondLst>
+                                  <p:childTnLst>
+                                    <p:set>
+                                      <p:cBhvr>
+                                        <p:cTn id="6" dur="1" fill="hold">
+                                          <p:stCondLst>
+                                            <p:cond delay="0"/>
+                                          </p:stCondLst>
+                                        </p:cTn>
+                                        <p:tgtEl>
+                                          <p:spTgt spid="27">
+                                            <p:txEl>
+                                              <p:pRg st="0" end="0"/>
+                                            </p:txEl>
+                                          </p:spTgt>
+                                        </p:tgtEl>
+                                        <p:attrNameLst>
+                                          <p:attrName>style.visibility</p:attrName>
+                                        </p:attrNameLst>
+                                      </p:cBhvr>
+                                      <p:to>
+                                        <p:strVal val="visible"/>
+                                      </p:to>
+                                    </p:set>
+                                    <p:animEffect transition="in" filter="fade">
+                                      <p:cBhvr>
+                                        <p:cTn id="7" dur="250"/>
+                                        <p:tgtEl>
+                                          <p:spTgt spid="27">
+                                            <p:txEl>
+                                              <p:pRg st="0" end="0"/>
+                                            </p:txEl>
+                                          </p:spTgt>
+                                        </p:tgtEl>
+                                      </p:cBhvr>
+                                    </p:animEffect>
+                                  </p:childTnLst>
+                                </p:cTn>
+                              </p:par>
+                              <p:par>
+                                <p:cTn id="8" presetID="10" presetClass="entr" presetSubtype="0" fill="hold" nodeType="withEffect">
+                                  <p:stCondLst>
+                                    <p:cond delay="0"/>
+                                  </p:stCondLst>
+                                  <p:childTnLst>
+                                    <p:set>
+                                      <p:cBhvr>
+                                        <p:cTn id="9" dur="1" fill="hold">
+                                          <p:stCondLst>
+                                            <p:cond delay="0"/>
+                                          </p:stCondLst>
+                                        </p:cTn>
+                                        <p:tgtEl>
+                                          <p:spTgt spid="28"/>
+                                        </p:tgtEl>
+                                        <p:attrNameLst>
+                                          <p:attrName>style.visibility</p:attrName>
+                                        </p:attrNameLst>
+                                      </p:cBhvr>
+                                      <p:to>
+                                        <p:strVal val="visible"/>
+                                      </p:to>
+                                    </p:set>
+                                    <p:animEffect transition="in" filter="fade">
+                                      <p:cBhvr>
+                                        <p:cTn id="10" dur="250"/>
+                                        <p:tgtEl>
+                                          <p:spTgt spid="28"/>
+                                        </p:tgtEl>
+                                      </p:cBhvr>
+                                    </p:animEffect>
+                                  </p:childTnLst>
+                                </p:cTn>
+                              </p:par>
+                            </p:childTnLst>
+                          </p:cTn>
+                        </p:par>
+                      </p:childTnLst>
+                    </p:cTn>
+                  </p:par>
+                  <p:par>
+                    <p:cTn id="11" fill="hold">
+                      <p:stCondLst>
+                        <p:cond delay="indefinite"/>
+                      </p:stCondLst>
+                      <p:childTnLst>
+                        <p:par>
+                          <p:cTn id="12" fill="hold">
+                            <p:stCondLst>
+                              <p:cond delay="0"/>
+                            </p:stCondLst>
+                            <p:childTnLst>
+                              <p:par>
+                                <p:cTn id="13" presetID="10" presetClass="entr" presetSubtype="0" fill="hold" grpId="0" nodeType="clickEffect">
+                                  <p:stCondLst>
+                                    <p:cond delay="0"/>
+                                  </p:stCondLst>
+                                  <p:childTnLst>
+                                    <p:set>
+                                      <p:cBhvr>
+                                        <p:cTn id="14" dur="1" fill="hold">
+                                          <p:stCondLst>
+                                            <p:cond delay="0"/>
+                                          </p:stCondLst>
+                                        </p:cTn>
+                                        <p:tgtEl>
+                                          <p:spTgt spid="10"/>
+                                        </p:tgtEl>
+                                        <p:attrNameLst>
+                                          <p:attrName>style.visibility</p:attrName>
+                                        </p:attrNameLst>
+                                      </p:cBhvr>
+                                      <p:to>
+                                        <p:strVal val="visible"/>
+                                      </p:to>
+                                    </p:set>
+                                    <p:animEffect transition="in" filter="fade">
+                                      <p:cBhvr>
+                                        <p:cTn id="15" dur="250"/>
+                                        <p:tgtEl>
+                                          <p:spTgt spid="10"/>
+                                        </p:tgtEl>
+                                      </p:cBhvr>
+                                    </p:animEffect>
+                                  </p:childTnLst>
+                                </p:cTn>
+                              </p:par>
+                              <p:par>
+                                <p:cTn id="16" presetID="10" presetClass="entr" presetSubtype="0" fill="hold" grpId="0" nodeType="withEffect">
+                                  <p:stCondLst>
+                                    <p:cond delay="0"/>
+                                  </p:stCondLst>
+                                  <p:childTnLst>
+                                    <p:set>
+                                      <p:cBhvr>
+                                        <p:cTn id="17" dur="1" fill="hold">
+                                          <p:stCondLst>
+                                            <p:cond delay="0"/>
+                                          </p:stCondLst>
+                                        </p:cTn>
+                                        <p:tgtEl>
+                                          <p:spTgt spid="32"/>
+                                        </p:tgtEl>
+                                        <p:attrNameLst>
+                                          <p:attrName>style.visibility</p:attrName>
+                                        </p:attrNameLst>
+                                      </p:cBhvr>
+                                      <p:to>
+                                        <p:strVal val="visible"/>
+                                      </p:to>
+                                    </p:set>
+                                    <p:animEffect transition="in" filter="fade">
+                                      <p:cBhvr>
+                                        <p:cTn id="18" dur="250"/>
+                                        <p:tgtEl>
+                                          <p:spTgt spid="32"/>
+                                        </p:tgtEl>
+                                      </p:cBhvr>
+                                    </p:animEffect>
+                                  </p:childTnLst>
+                                </p:cTn>
+                              </p:par>
+                            </p:childTnLst>
+                          </p:cTn>
+                        </p:par>
+                      </p:childTnLst>
+                    </p:cTn>
+                  </p:par>
+                  <p:par>
+                    <p:cTn id="19" fill="hold">
+                      <p:stCondLst>
+                        <p:cond delay="indefinite"/>
+                      </p:stCondLst>
+                      <p:childTnLst>
+                        <p:par>
+                          <p:cTn id="20" fill="hold">
+                            <p:stCondLst>
+                              <p:cond delay="0"/>
+                            </p:stCondLst>
+                            <p:childTnLst>
+                              <p:par>
+                                <p:cTn id="21" presetID="10" presetClass="entr" presetSubtype="0" fill="hold" grpId="0" nodeType="clickEffect">
+                                  <p:stCondLst>
+                                    <p:cond delay="0"/>
+                                  </p:stCondLst>
+                                  <p:childTnLst>
+                                    <p:set>
+                                      <p:cBhvr>
+                                        <p:cTn id="22" dur="1" fill="hold">
+                                          <p:stCondLst>
+                                            <p:cond delay="0"/>
+                                          </p:stCondLst>
+                                        </p:cTn>
+                                        <p:tgtEl>
+                                          <p:spTgt spid="9"/>
+                                        </p:tgtEl>
+                                        <p:attrNameLst>
+                                          <p:attrName>style.visibility</p:attrName>
+                                        </p:attrNameLst>
+                                      </p:cBhvr>
+                                      <p:to>
+                                        <p:strVal val="visible"/>
+                                      </p:to>
+                                    </p:set>
+                                    <p:animEffect transition="in" filter="fade">
+                                      <p:cBhvr>
+                                        <p:cTn id="23" dur="250"/>
+                                        <p:tgtEl>
+                                          <p:spTgt spid="9"/>
+                                        </p:tgtEl>
+                                      </p:cBhvr>
+                                    </p:animEffect>
+                                  </p:childTnLst>
+                                </p:cTn>
+                              </p:par>
+                              <p:par>
+                                <p:cTn id="24" presetID="10" presetClass="entr" presetSubtype="0" fill="hold" nodeType="withEffect">
+                                  <p:stCondLst>
+                                    <p:cond delay="0"/>
+                                  </p:stCondLst>
+                                  <p:childTnLst>
+                                    <p:set>
+                                      <p:cBhvr>
+                                        <p:cTn id="25" dur="1" fill="hold">
+                                          <p:stCondLst>
+                                            <p:cond delay="0"/>
+                                          </p:stCondLst>
+                                        </p:cTn>
+                                        <p:tgtEl>
+                                          <p:spTgt spid="7"/>
+                                        </p:tgtEl>
+                                        <p:attrNameLst>
+                                          <p:attrName>style.visibility</p:attrName>
+                                        </p:attrNameLst>
+                                      </p:cBhvr>
+                                      <p:to>
+                                        <p:strVal val="visible"/>
+                                      </p:to>
+                                    </p:set>
+                                    <p:animEffect transition="in" filter="fade">
+                                      <p:cBhvr>
+                                        <p:cTn id="26" dur="250"/>
+                                        <p:tgtEl>
+                                          <p:spTgt spid="7"/>
+                                        </p:tgtEl>
+                                      </p:cBhvr>
+                                    </p:animEffect>
+                                  </p:childTnLst>
+                                </p:cTn>
+                              </p:par>
+                            </p:childTnLst>
+                          </p:cTn>
+                        </p:par>
+                      </p:childTnLst>
+                    </p:cTn>
+                  </p:par>
+                  <p:par>
+                    <p:cTn id="27" fill="hold">
+                      <p:stCondLst>
+                        <p:cond delay="indefinite"/>
+                      </p:stCondLst>
+                      <p:childTnLst>
+                        <p:par>
+                          <p:cTn id="28" fill="hold">
+                            <p:stCondLst>
+                              <p:cond delay="0"/>
+                            </p:stCondLst>
+                            <p:childTnLst>
+                              <p:par>
+                                <p:cTn id="29" presetID="10" presetClass="entr" presetSubtype="0" fill="hold" grpId="0" nodeType="clickEffect">
+                                  <p:stCondLst>
+                                    <p:cond delay="0"/>
+                                  </p:stCondLst>
+                                  <p:childTnLst>
+                                    <p:set>
+                                      <p:cBhvr>
+                                        <p:cTn id="30" dur="1" fill="hold">
+                                          <p:stCondLst>
+                                            <p:cond delay="0"/>
+                                          </p:stCondLst>
+                                        </p:cTn>
+                                        <p:tgtEl>
+                                          <p:spTgt spid="13"/>
+                                        </p:tgtEl>
+                                        <p:attrNameLst>
+                                          <p:attrName>style.visibility</p:attrName>
+                                        </p:attrNameLst>
+                                      </p:cBhvr>
+                                      <p:to>
+                                        <p:strVal val="visible"/>
+                                      </p:to>
+                                    </p:set>
+                                    <p:animEffect transition="in" filter="fade">
+                                      <p:cBhvr>
+                                        <p:cTn id="31" dur="250"/>
+                                        <p:tgtEl>
+                                          <p:spTgt spid="13"/>
+                                        </p:tgtEl>
+                                      </p:cBhvr>
+                                    </p:animEffect>
+                                  </p:childTnLst>
+                                </p:cTn>
+                              </p:par>
+                              <p:par>
+                                <p:cTn id="32" presetID="10" presetClass="entr" presetSubtype="0" fill="hold" nodeType="withEffect">
+                                  <p:stCondLst>
+                                    <p:cond delay="0"/>
+                                  </p:stCondLst>
+                                  <p:childTnLst>
+                                    <p:set>
+                                      <p:cBhvr>
+                                        <p:cTn id="33" dur="1" fill="hold">
+                                          <p:stCondLst>
+                                            <p:cond delay="0"/>
+                                          </p:stCondLst>
+                                        </p:cTn>
+                                        <p:tgtEl>
+                                          <p:spTgt spid="18"/>
+                                        </p:tgtEl>
+                                        <p:attrNameLst>
+                                          <p:attrName>style.visibility</p:attrName>
+                                        </p:attrNameLst>
+                                      </p:cBhvr>
+                                      <p:to>
+                                        <p:strVal val="visible"/>
+                                      </p:to>
+                                    </p:set>
+                                    <p:animEffect transition="in" filter="fade">
+                                      <p:cBhvr>
+                                        <p:cTn id="34" dur="250"/>
+                                        <p:tgtEl>
+                                          <p:spTgt spid="18"/>
+                                        </p:tgtEl>
+                                      </p:cBhvr>
+                                    </p:animEffect>
+                                  </p:childTnLst>
+                                </p:cTn>
+                              </p:par>
+                              <p:par>
+                                <p:cTn id="35" presetID="10" presetClass="entr" presetSubtype="0" fill="hold" nodeType="withEffect">
+                                  <p:stCondLst>
+                                    <p:cond delay="0"/>
+                                  </p:stCondLst>
+                                  <p:childTnLst>
+                                    <p:set>
+                                      <p:cBhvr>
+                                        <p:cTn id="36" dur="1" fill="hold">
+                                          <p:stCondLst>
+                                            <p:cond delay="0"/>
+                                          </p:stCondLst>
+                                        </p:cTn>
+                                        <p:tgtEl>
+                                          <p:spTgt spid="20"/>
+                                        </p:tgtEl>
+                                        <p:attrNameLst>
+                                          <p:attrName>style.visibility</p:attrName>
+                                        </p:attrNameLst>
+                                      </p:cBhvr>
+                                      <p:to>
+                                        <p:strVal val="visible"/>
+                                      </p:to>
+                                    </p:set>
+                                    <p:animEffect transition="in" filter="fade">
+                                      <p:cBhvr>
+                                        <p:cTn id="37" dur="250"/>
+                                        <p:tgtEl>
+                                          <p:spTgt spid="20"/>
+                                        </p:tgtEl>
+                                      </p:cBhvr>
+                                    </p:animEffect>
+                                  </p:childTnLst>
+                                </p:cTn>
+                              </p:par>
+                            </p:childTnLst>
+                          </p:cTn>
+                        </p:par>
+                      </p:childTnLst>
+                    </p:cTn>
+                  </p:par>
+                </p:childTnLst>
+              </p:cTn>
+              <p:prevCondLst>
+                <p:cond evt="onPrev" delay="0">
+                  <p:tgtEl>
+                    <p:sldTgt/>
+                  </p:tgtEl>
+                </p:cond>
+              </p:prevCondLst>
+              <p:nextCondLst>
+                <p:cond evt="onNext" delay="0">
+                  <p:tgtEl>
+                    <p:sldTgt/>
+                  </p:tgtEl>
+                </p:cond>
+              </p:nextCondLst>
+            </p:seq>
+          </p:childTnLst>
+        </p:cTn>
+      </p:par>
+    </p:tnLst>
+    <p:bldLst>
+      <p:bldP spid="9" grpId="0"/>
+      <p:bldP spid="10" grpId="0"/>
+      <p:bldP spid="13" grpId="0"/>
+      <p:bldP spid="27" grpId="0" build="p"/>
+      <p:bldGraphic spid="32" grpId="0">
+        <p:bldAsOne/>
+      </p:bldGraphic>
+    </p:bldLst>
+  </p:timing>
 </p:sld>
 </file>
 
@@ -14105,7 +16177,12 @@
             <p:ph idx="1"/>
           </p:nvPr>
         </p:nvSpPr>
-        <p:spPr/>
+        <p:spPr>
+          <a:xfrm>
+            <a:off x="838200" y="1690688"/>
+            <a:ext cx="5509591" cy="586271"/>
+          </a:xfrm>
+        </p:spPr>
         <p:txBody>
           <a:bodyPr/>
           <a:lstStyle/>
@@ -14115,28 +16192,13 @@
             </a:pPr>
             <a:r>
               <a:rPr lang="de-DE" dirty="0"/>
-              <a:t>Einschränkung durch Pflichtkriterien</a:t>
-            </a:r>
-          </a:p>
-          <a:p>
-            <a:r>
-              <a:rPr lang="de-DE" dirty="0" err="1"/>
-              <a:t>Auwirkung</a:t>
-            </a:r>
-            <a:r>
-              <a:rPr lang="de-DE" dirty="0"/>
-              <a:t> auf den Entwurf</a:t>
-            </a:r>
-          </a:p>
-          <a:p>
-            <a:r>
-              <a:rPr lang="de-DE" dirty="0"/>
-              <a:t>z.B. neue </a:t>
-            </a:r>
-            <a:r>
-              <a:rPr lang="de-DE" dirty="0" err="1"/>
-              <a:t>Graphtypen</a:t>
-            </a:r>
+              <a:t>Eingeschränkt durch Pflichtkriterien</a:t>
+            </a:r>
+          </a:p>
+          <a:p>
+            <a:pPr marL="0" indent="0">
+              <a:buNone/>
+            </a:pPr>
             <a:endParaRPr lang="de-DE" dirty="0"/>
           </a:p>
         </p:txBody>
@@ -14226,8 +16288,557 @@
         </p:blipFill>
         <p:spPr>
           <a:xfrm>
-            <a:off x="5925772" y="599760"/>
-            <a:ext cx="6121715" cy="6121715"/>
+            <a:off x="3592995" y="1035050"/>
+            <a:ext cx="5079832" cy="5079832"/>
+          </a:xfrm>
+          <a:prstGeom prst="rect">
+            <a:avLst/>
+          </a:prstGeom>
+        </p:spPr>
+      </p:pic>
+      <p:sp>
+        <p:nvSpPr>
+          <p:cNvPr id="7" name="Inhaltsplatzhalter 2">
+            <a:extLst>
+              <a:ext uri="{FF2B5EF4-FFF2-40B4-BE49-F238E27FC236}">
+                <a16:creationId xmlns:a16="http://schemas.microsoft.com/office/drawing/2014/main" id="{E901C20A-D4DE-49C2-9C9B-8827598BEE75}"/>
+              </a:ext>
+            </a:extLst>
+          </p:cNvPr>
+          <p:cNvSpPr txBox="1">
+            <a:spLocks/>
+          </p:cNvSpPr>
+          <p:nvPr/>
+        </p:nvSpPr>
+        <p:spPr>
+          <a:xfrm>
+            <a:off x="3740425" y="5528611"/>
+            <a:ext cx="4535556" cy="586271"/>
+          </a:xfrm>
+          <a:prstGeom prst="rect">
+            <a:avLst/>
+          </a:prstGeom>
+        </p:spPr>
+        <p:txBody>
+          <a:bodyPr vert="horz" lIns="91440" tIns="45720" rIns="91440" bIns="45720" rtlCol="0">
+            <a:normAutofit fontScale="92500"/>
+          </a:bodyPr>
+          <a:lstStyle>
+            <a:lvl1pPr marL="228600" indent="-228600" algn="l" defTabSz="914400" rtl="0" eaLnBrk="1" latinLnBrk="0" hangingPunct="1">
+              <a:lnSpc>
+                <a:spcPct val="90000"/>
+              </a:lnSpc>
+              <a:spcBef>
+                <a:spcPts val="1000"/>
+              </a:spcBef>
+              <a:buFont typeface="Arial" panose="020B0604020202020204" pitchFamily="34" charset="0"/>
+              <a:buChar char="•"/>
+              <a:defRPr sz="2800" kern="1200">
+                <a:solidFill>
+                  <a:schemeClr val="tx1"/>
+                </a:solidFill>
+                <a:latin typeface="+mn-lt"/>
+                <a:ea typeface="+mn-ea"/>
+                <a:cs typeface="+mn-cs"/>
+              </a:defRPr>
+            </a:lvl1pPr>
+            <a:lvl2pPr marL="685800" indent="-228600" algn="l" defTabSz="914400" rtl="0" eaLnBrk="1" latinLnBrk="0" hangingPunct="1">
+              <a:lnSpc>
+                <a:spcPct val="90000"/>
+              </a:lnSpc>
+              <a:spcBef>
+                <a:spcPts val="500"/>
+              </a:spcBef>
+              <a:buFont typeface="Arial" panose="020B0604020202020204" pitchFamily="34" charset="0"/>
+              <a:buChar char="•"/>
+              <a:defRPr sz="2400" kern="1200">
+                <a:solidFill>
+                  <a:schemeClr val="tx1"/>
+                </a:solidFill>
+                <a:latin typeface="+mn-lt"/>
+                <a:ea typeface="+mn-ea"/>
+                <a:cs typeface="+mn-cs"/>
+              </a:defRPr>
+            </a:lvl2pPr>
+            <a:lvl3pPr marL="1143000" indent="-228600" algn="l" defTabSz="914400" rtl="0" eaLnBrk="1" latinLnBrk="0" hangingPunct="1">
+              <a:lnSpc>
+                <a:spcPct val="90000"/>
+              </a:lnSpc>
+              <a:spcBef>
+                <a:spcPts val="500"/>
+              </a:spcBef>
+              <a:buFont typeface="Arial" panose="020B0604020202020204" pitchFamily="34" charset="0"/>
+              <a:buChar char="•"/>
+              <a:defRPr sz="2000" kern="1200">
+                <a:solidFill>
+                  <a:schemeClr val="tx1"/>
+                </a:solidFill>
+                <a:latin typeface="+mn-lt"/>
+                <a:ea typeface="+mn-ea"/>
+                <a:cs typeface="+mn-cs"/>
+              </a:defRPr>
+            </a:lvl3pPr>
+            <a:lvl4pPr marL="1600200" indent="-228600" algn="l" defTabSz="914400" rtl="0" eaLnBrk="1" latinLnBrk="0" hangingPunct="1">
+              <a:lnSpc>
+                <a:spcPct val="90000"/>
+              </a:lnSpc>
+              <a:spcBef>
+                <a:spcPts val="500"/>
+              </a:spcBef>
+              <a:buFont typeface="Arial" panose="020B0604020202020204" pitchFamily="34" charset="0"/>
+              <a:buChar char="•"/>
+              <a:defRPr sz="1800" kern="1200">
+                <a:solidFill>
+                  <a:schemeClr val="tx1"/>
+                </a:solidFill>
+                <a:latin typeface="+mn-lt"/>
+                <a:ea typeface="+mn-ea"/>
+                <a:cs typeface="+mn-cs"/>
+              </a:defRPr>
+            </a:lvl4pPr>
+            <a:lvl5pPr marL="2057400" indent="-228600" algn="l" defTabSz="914400" rtl="0" eaLnBrk="1" latinLnBrk="0" hangingPunct="1">
+              <a:lnSpc>
+                <a:spcPct val="90000"/>
+              </a:lnSpc>
+              <a:spcBef>
+                <a:spcPts val="500"/>
+              </a:spcBef>
+              <a:buFont typeface="Arial" panose="020B0604020202020204" pitchFamily="34" charset="0"/>
+              <a:buChar char="•"/>
+              <a:defRPr sz="1800" kern="1200">
+                <a:solidFill>
+                  <a:schemeClr val="tx1"/>
+                </a:solidFill>
+                <a:latin typeface="+mn-lt"/>
+                <a:ea typeface="+mn-ea"/>
+                <a:cs typeface="+mn-cs"/>
+              </a:defRPr>
+            </a:lvl5pPr>
+            <a:lvl6pPr marL="2514600" indent="-228600" algn="l" defTabSz="914400" rtl="0" eaLnBrk="1" latinLnBrk="0" hangingPunct="1">
+              <a:lnSpc>
+                <a:spcPct val="90000"/>
+              </a:lnSpc>
+              <a:spcBef>
+                <a:spcPts val="500"/>
+              </a:spcBef>
+              <a:buFont typeface="Arial" panose="020B0604020202020204" pitchFamily="34" charset="0"/>
+              <a:buChar char="•"/>
+              <a:defRPr sz="1800" kern="1200">
+                <a:solidFill>
+                  <a:schemeClr val="tx1"/>
+                </a:solidFill>
+                <a:latin typeface="+mn-lt"/>
+                <a:ea typeface="+mn-ea"/>
+                <a:cs typeface="+mn-cs"/>
+              </a:defRPr>
+            </a:lvl6pPr>
+            <a:lvl7pPr marL="2971800" indent="-228600" algn="l" defTabSz="914400" rtl="0" eaLnBrk="1" latinLnBrk="0" hangingPunct="1">
+              <a:lnSpc>
+                <a:spcPct val="90000"/>
+              </a:lnSpc>
+              <a:spcBef>
+                <a:spcPts val="500"/>
+              </a:spcBef>
+              <a:buFont typeface="Arial" panose="020B0604020202020204" pitchFamily="34" charset="0"/>
+              <a:buChar char="•"/>
+              <a:defRPr sz="1800" kern="1200">
+                <a:solidFill>
+                  <a:schemeClr val="tx1"/>
+                </a:solidFill>
+                <a:latin typeface="+mn-lt"/>
+                <a:ea typeface="+mn-ea"/>
+                <a:cs typeface="+mn-cs"/>
+              </a:defRPr>
+            </a:lvl7pPr>
+            <a:lvl8pPr marL="3429000" indent="-228600" algn="l" defTabSz="914400" rtl="0" eaLnBrk="1" latinLnBrk="0" hangingPunct="1">
+              <a:lnSpc>
+                <a:spcPct val="90000"/>
+              </a:lnSpc>
+              <a:spcBef>
+                <a:spcPts val="500"/>
+              </a:spcBef>
+              <a:buFont typeface="Arial" panose="020B0604020202020204" pitchFamily="34" charset="0"/>
+              <a:buChar char="•"/>
+              <a:defRPr sz="1800" kern="1200">
+                <a:solidFill>
+                  <a:schemeClr val="tx1"/>
+                </a:solidFill>
+                <a:latin typeface="+mn-lt"/>
+                <a:ea typeface="+mn-ea"/>
+                <a:cs typeface="+mn-cs"/>
+              </a:defRPr>
+            </a:lvl8pPr>
+            <a:lvl9pPr marL="3886200" indent="-228600" algn="l" defTabSz="914400" rtl="0" eaLnBrk="1" latinLnBrk="0" hangingPunct="1">
+              <a:lnSpc>
+                <a:spcPct val="90000"/>
+              </a:lnSpc>
+              <a:spcBef>
+                <a:spcPts val="500"/>
+              </a:spcBef>
+              <a:buFont typeface="Arial" panose="020B0604020202020204" pitchFamily="34" charset="0"/>
+              <a:buChar char="•"/>
+              <a:defRPr sz="1800" kern="1200">
+                <a:solidFill>
+                  <a:schemeClr val="tx1"/>
+                </a:solidFill>
+                <a:latin typeface="+mn-lt"/>
+                <a:ea typeface="+mn-ea"/>
+                <a:cs typeface="+mn-cs"/>
+              </a:defRPr>
+            </a:lvl9pPr>
+          </a:lstStyle>
+          <a:p>
+            <a:pPr marL="0" indent="0">
+              <a:buFont typeface="Arial" panose="020B0604020202020204" pitchFamily="34" charset="0"/>
+              <a:buNone/>
+            </a:pPr>
+            <a:r>
+              <a:rPr lang="de-DE" dirty="0"/>
+              <a:t>Leichte Erweiterbarkeit benötigt</a:t>
+            </a:r>
+          </a:p>
+        </p:txBody>
+      </p:sp>
+      <p:sp>
+        <p:nvSpPr>
+          <p:cNvPr id="6" name="Pfeil: nach rechts 5">
+            <a:extLst>
+              <a:ext uri="{FF2B5EF4-FFF2-40B4-BE49-F238E27FC236}">
+                <a16:creationId xmlns:a16="http://schemas.microsoft.com/office/drawing/2014/main" id="{BEBEC022-13E2-45CD-9682-DCF411AD54A5}"/>
+              </a:ext>
+            </a:extLst>
+          </p:cNvPr>
+          <p:cNvSpPr/>
+          <p:nvPr/>
+        </p:nvSpPr>
+        <p:spPr>
+          <a:xfrm>
+            <a:off x="2372138" y="3372698"/>
+            <a:ext cx="1616765" cy="1060174"/>
+          </a:xfrm>
+          <a:prstGeom prst="rightArrow">
+            <a:avLst/>
+          </a:prstGeom>
+        </p:spPr>
+        <p:style>
+          <a:lnRef idx="2">
+            <a:schemeClr val="accent1">
+              <a:shade val="50000"/>
+            </a:schemeClr>
+          </a:lnRef>
+          <a:fillRef idx="1">
+            <a:schemeClr val="accent1"/>
+          </a:fillRef>
+          <a:effectRef idx="0">
+            <a:schemeClr val="accent1"/>
+          </a:effectRef>
+          <a:fontRef idx="minor">
+            <a:schemeClr val="lt1"/>
+          </a:fontRef>
+        </p:style>
+        <p:txBody>
+          <a:bodyPr rtlCol="0" anchor="ctr"/>
+          <a:lstStyle/>
+          <a:p>
+            <a:pPr algn="ctr"/>
+            <a:endParaRPr lang="de-DE"/>
+          </a:p>
+        </p:txBody>
+      </p:sp>
+      <p:pic>
+        <p:nvPicPr>
+          <p:cNvPr id="11" name="Grafik 10" descr="Gebäudesteinmauer Silhouette">
+            <a:extLst>
+              <a:ext uri="{FF2B5EF4-FFF2-40B4-BE49-F238E27FC236}">
+                <a16:creationId xmlns:a16="http://schemas.microsoft.com/office/drawing/2014/main" id="{63660C99-122B-44DE-81CE-AAE52034BCED}"/>
+              </a:ext>
+            </a:extLst>
+          </p:cNvPr>
+          <p:cNvPicPr>
+            <a:picLocks noChangeAspect="1"/>
+          </p:cNvPicPr>
+          <p:nvPr/>
+        </p:nvPicPr>
+        <p:blipFill rotWithShape="1">
+          <a:blip r:embed="rId3">
+            <a:extLst>
+              <a:ext uri="{96DAC541-7B7A-43D3-8B79-37D633B846F1}">
+                <asvg:svgBlip xmlns:asvg="http://schemas.microsoft.com/office/drawing/2016/SVG/main" r:embed="rId4"/>
+              </a:ext>
+            </a:extLst>
+          </a:blip>
+          <a:srcRect l="36523" t="31080" r="36536" b="54317"/>
+          <a:stretch/>
+        </p:blipFill>
+        <p:spPr>
+          <a:xfrm>
+            <a:off x="9209384" y="2589794"/>
+            <a:ext cx="1368597" cy="741811"/>
+          </a:xfrm>
+          <a:prstGeom prst="rect">
+            <a:avLst/>
+          </a:prstGeom>
+        </p:spPr>
+      </p:pic>
+      <p:graphicFrame>
+        <p:nvGraphicFramePr>
+          <p:cNvPr id="13" name="Diagramm 12">
+            <a:extLst>
+              <a:ext uri="{FF2B5EF4-FFF2-40B4-BE49-F238E27FC236}">
+                <a16:creationId xmlns:a16="http://schemas.microsoft.com/office/drawing/2014/main" id="{46811B3E-0C26-44A2-8C0C-DC6754CEC712}"/>
+              </a:ext>
+            </a:extLst>
+          </p:cNvPr>
+          <p:cNvGraphicFramePr/>
+          <p:nvPr>
+            <p:extLst>
+              <p:ext uri="{D42A27DB-BD31-4B8C-83A1-F6EECF244321}">
+                <p14:modId xmlns:p14="http://schemas.microsoft.com/office/powerpoint/2010/main" val="1569073137"/>
+              </p:ext>
+            </p:extLst>
+          </p:nvPr>
+        </p:nvGraphicFramePr>
+        <p:xfrm>
+          <a:off x="9294067" y="1422568"/>
+          <a:ext cx="1213004" cy="617138"/>
+        </p:xfrm>
+        <a:graphic>
+          <a:graphicData uri="http://schemas.openxmlformats.org/drawingml/2006/chart">
+            <c:chart xmlns:c="http://schemas.openxmlformats.org/drawingml/2006/chart" xmlns:r="http://schemas.openxmlformats.org/officeDocument/2006/relationships" r:id="rId5"/>
+          </a:graphicData>
+        </a:graphic>
+      </p:graphicFrame>
+      <p:pic>
+        <p:nvPicPr>
+          <p:cNvPr id="12" name="Grafik 11" descr="Gebäudesteinmauer Silhouette">
+            <a:extLst>
+              <a:ext uri="{FF2B5EF4-FFF2-40B4-BE49-F238E27FC236}">
+                <a16:creationId xmlns:a16="http://schemas.microsoft.com/office/drawing/2014/main" id="{2D6D09B7-81D0-4849-9177-1596D3904610}"/>
+              </a:ext>
+            </a:extLst>
+          </p:cNvPr>
+          <p:cNvPicPr>
+            <a:picLocks noChangeAspect="1"/>
+          </p:cNvPicPr>
+          <p:nvPr/>
+        </p:nvPicPr>
+        <p:blipFill rotWithShape="1">
+          <a:blip r:embed="rId3">
+            <a:extLst>
+              <a:ext uri="{96DAC541-7B7A-43D3-8B79-37D633B846F1}">
+                <asvg:svgBlip xmlns:asvg="http://schemas.microsoft.com/office/drawing/2016/SVG/main" r:embed="rId4"/>
+              </a:ext>
+            </a:extLst>
+          </a:blip>
+          <a:srcRect l="36523" t="31080" r="36536" b="54317"/>
+          <a:stretch/>
+        </p:blipFill>
+        <p:spPr>
+          <a:xfrm>
+            <a:off x="9209385" y="1450957"/>
+            <a:ext cx="1368597" cy="741811"/>
+          </a:xfrm>
+          <a:prstGeom prst="rect">
+            <a:avLst/>
+          </a:prstGeom>
+        </p:spPr>
+      </p:pic>
+      <p:pic>
+        <p:nvPicPr>
+          <p:cNvPr id="14" name="Grafik 13" descr="Liste mit einfarbiger Füllung">
+            <a:extLst>
+              <a:ext uri="{FF2B5EF4-FFF2-40B4-BE49-F238E27FC236}">
+                <a16:creationId xmlns:a16="http://schemas.microsoft.com/office/drawing/2014/main" id="{26E8D2CA-C967-445F-86C5-8057CBA1208A}"/>
+              </a:ext>
+            </a:extLst>
+          </p:cNvPr>
+          <p:cNvPicPr>
+            <a:picLocks noChangeAspect="1"/>
+          </p:cNvPicPr>
+          <p:nvPr/>
+        </p:nvPicPr>
+        <p:blipFill>
+          <a:blip r:embed="rId6">
+            <a:extLst>
+              <a:ext uri="{96DAC541-7B7A-43D3-8B79-37D633B846F1}">
+                <asvg:svgBlip xmlns:asvg="http://schemas.microsoft.com/office/drawing/2016/SVG/main" r:embed="rId7"/>
+              </a:ext>
+            </a:extLst>
+          </a:blip>
+          <a:stretch>
+            <a:fillRect/>
+          </a:stretch>
+        </p:blipFill>
+        <p:spPr>
+          <a:xfrm rot="20229441">
+            <a:off x="7182068" y="1777649"/>
+            <a:ext cx="407170" cy="407170"/>
+          </a:xfrm>
+          <a:prstGeom prst="rect">
+            <a:avLst/>
+          </a:prstGeom>
+        </p:spPr>
+      </p:pic>
+      <p:pic>
+        <p:nvPicPr>
+          <p:cNvPr id="15" name="Grafik 14" descr="Aus der Cloud herunterladen mit einfarbiger Füllung">
+            <a:extLst>
+              <a:ext uri="{FF2B5EF4-FFF2-40B4-BE49-F238E27FC236}">
+                <a16:creationId xmlns:a16="http://schemas.microsoft.com/office/drawing/2014/main" id="{D5D424E1-5101-4A72-B6BC-B189CCAA7503}"/>
+              </a:ext>
+            </a:extLst>
+          </p:cNvPr>
+          <p:cNvPicPr>
+            <a:picLocks noChangeAspect="1"/>
+          </p:cNvPicPr>
+          <p:nvPr/>
+        </p:nvPicPr>
+        <p:blipFill>
+          <a:blip r:embed="rId8">
+            <a:extLst>
+              <a:ext uri="{96DAC541-7B7A-43D3-8B79-37D633B846F1}">
+                <asvg:svgBlip xmlns:asvg="http://schemas.microsoft.com/office/drawing/2016/SVG/main" r:embed="rId9"/>
+              </a:ext>
+            </a:extLst>
+          </a:blip>
+          <a:stretch>
+            <a:fillRect/>
+          </a:stretch>
+        </p:blipFill>
+        <p:spPr>
+          <a:xfrm>
+            <a:off x="9591635" y="2674503"/>
+            <a:ext cx="604097" cy="604097"/>
+          </a:xfrm>
+          <a:prstGeom prst="rect">
+            <a:avLst/>
+          </a:prstGeom>
+        </p:spPr>
+      </p:pic>
+      <p:pic>
+        <p:nvPicPr>
+          <p:cNvPr id="17" name="Grafik 16" descr="Gebäudesteinmauer Silhouette">
+            <a:extLst>
+              <a:ext uri="{FF2B5EF4-FFF2-40B4-BE49-F238E27FC236}">
+                <a16:creationId xmlns:a16="http://schemas.microsoft.com/office/drawing/2014/main" id="{DD96755A-50BB-4E63-96D7-247F933EE9D6}"/>
+              </a:ext>
+            </a:extLst>
+          </p:cNvPr>
+          <p:cNvPicPr>
+            <a:picLocks noChangeAspect="1"/>
+          </p:cNvPicPr>
+          <p:nvPr/>
+        </p:nvPicPr>
+        <p:blipFill rotWithShape="1">
+          <a:blip r:embed="rId3">
+            <a:extLst>
+              <a:ext uri="{96DAC541-7B7A-43D3-8B79-37D633B846F1}">
+                <asvg:svgBlip xmlns:asvg="http://schemas.microsoft.com/office/drawing/2016/SVG/main" r:embed="rId4"/>
+              </a:ext>
+            </a:extLst>
+          </a:blip>
+          <a:srcRect l="36523" t="31080" r="36536" b="54317"/>
+          <a:stretch/>
+        </p:blipFill>
+        <p:spPr>
+          <a:xfrm>
+            <a:off x="9209384" y="4827760"/>
+            <a:ext cx="1368597" cy="741811"/>
+          </a:xfrm>
+          <a:prstGeom prst="rect">
+            <a:avLst/>
+          </a:prstGeom>
+        </p:spPr>
+      </p:pic>
+      <p:pic>
+        <p:nvPicPr>
+          <p:cNvPr id="20" name="Grafik 19">
+            <a:extLst>
+              <a:ext uri="{FF2B5EF4-FFF2-40B4-BE49-F238E27FC236}">
+                <a16:creationId xmlns:a16="http://schemas.microsoft.com/office/drawing/2014/main" id="{42CE1669-8DBB-410F-8B90-D67A37BA90A7}"/>
+              </a:ext>
+            </a:extLst>
+          </p:cNvPr>
+          <p:cNvPicPr>
+            <a:picLocks noChangeAspect="1"/>
+          </p:cNvPicPr>
+          <p:nvPr/>
+        </p:nvPicPr>
+        <p:blipFill>
+          <a:blip r:embed="rId10"/>
+          <a:stretch>
+            <a:fillRect/>
+          </a:stretch>
+        </p:blipFill>
+        <p:spPr>
+          <a:xfrm>
+            <a:off x="9572109" y="3801989"/>
+            <a:ext cx="738673" cy="531856"/>
+          </a:xfrm>
+          <a:prstGeom prst="rect">
+            <a:avLst/>
+          </a:prstGeom>
+        </p:spPr>
+      </p:pic>
+      <p:pic>
+        <p:nvPicPr>
+          <p:cNvPr id="16" name="Grafik 15" descr="Gebäudesteinmauer Silhouette">
+            <a:extLst>
+              <a:ext uri="{FF2B5EF4-FFF2-40B4-BE49-F238E27FC236}">
+                <a16:creationId xmlns:a16="http://schemas.microsoft.com/office/drawing/2014/main" id="{7CDF5E5E-22F2-41BC-BFD3-20ACF675268C}"/>
+              </a:ext>
+            </a:extLst>
+          </p:cNvPr>
+          <p:cNvPicPr>
+            <a:picLocks noChangeAspect="1"/>
+          </p:cNvPicPr>
+          <p:nvPr/>
+        </p:nvPicPr>
+        <p:blipFill rotWithShape="1">
+          <a:blip r:embed="rId3">
+            <a:extLst>
+              <a:ext uri="{96DAC541-7B7A-43D3-8B79-37D633B846F1}">
+                <asvg:svgBlip xmlns:asvg="http://schemas.microsoft.com/office/drawing/2016/SVG/main" r:embed="rId4"/>
+              </a:ext>
+            </a:extLst>
+          </a:blip>
+          <a:srcRect l="36523" t="31080" r="36536" b="54317"/>
+          <a:stretch/>
+        </p:blipFill>
+        <p:spPr>
+          <a:xfrm>
+            <a:off x="9209384" y="3707770"/>
+            <a:ext cx="1368597" cy="741811"/>
+          </a:xfrm>
+          <a:prstGeom prst="rect">
+            <a:avLst/>
+          </a:prstGeom>
+        </p:spPr>
+      </p:pic>
+      <p:pic>
+        <p:nvPicPr>
+          <p:cNvPr id="22" name="Grafik 21">
+            <a:extLst>
+              <a:ext uri="{FF2B5EF4-FFF2-40B4-BE49-F238E27FC236}">
+                <a16:creationId xmlns:a16="http://schemas.microsoft.com/office/drawing/2014/main" id="{B6B8F1E0-7244-4A83-93E3-EAC22D9363AB}"/>
+              </a:ext>
+            </a:extLst>
+          </p:cNvPr>
+          <p:cNvPicPr>
+            <a:picLocks noChangeAspect="1"/>
+          </p:cNvPicPr>
+          <p:nvPr/>
+        </p:nvPicPr>
+        <p:blipFill>
+          <a:blip r:embed="rId11"/>
+          <a:stretch>
+            <a:fillRect/>
+          </a:stretch>
+        </p:blipFill>
+        <p:spPr>
+          <a:xfrm>
+            <a:off x="9381900" y="5081355"/>
+            <a:ext cx="1009791" cy="314369"/>
           </a:xfrm>
           <a:prstGeom prst="rect">
             <a:avLst/>
@@ -14244,6 +16855,499 @@
   <p:clrMapOvr>
     <a:masterClrMapping/>
   </p:clrMapOvr>
+  <p:timing>
+    <p:tnLst>
+      <p:par>
+        <p:cTn id="1" dur="indefinite" restart="never" nodeType="tmRoot">
+          <p:childTnLst>
+            <p:seq concurrent="1" nextAc="seek">
+              <p:cTn id="2" dur="indefinite" nodeType="mainSeq">
+                <p:childTnLst>
+                  <p:par>
+                    <p:cTn id="3" fill="hold">
+                      <p:stCondLst>
+                        <p:cond delay="indefinite"/>
+                      </p:stCondLst>
+                      <p:childTnLst>
+                        <p:par>
+                          <p:cTn id="4" fill="hold">
+                            <p:stCondLst>
+                              <p:cond delay="0"/>
+                            </p:stCondLst>
+                            <p:childTnLst>
+                              <p:par>
+                                <p:cTn id="5" presetID="10" presetClass="entr" presetSubtype="0" fill="hold" grpId="0" nodeType="clickEffect">
+                                  <p:stCondLst>
+                                    <p:cond delay="0"/>
+                                  </p:stCondLst>
+                                  <p:childTnLst>
+                                    <p:set>
+                                      <p:cBhvr>
+                                        <p:cTn id="6" dur="1" fill="hold">
+                                          <p:stCondLst>
+                                            <p:cond delay="0"/>
+                                          </p:stCondLst>
+                                        </p:cTn>
+                                        <p:tgtEl>
+                                          <p:spTgt spid="7"/>
+                                        </p:tgtEl>
+                                        <p:attrNameLst>
+                                          <p:attrName>style.visibility</p:attrName>
+                                        </p:attrNameLst>
+                                      </p:cBhvr>
+                                      <p:to>
+                                        <p:strVal val="visible"/>
+                                      </p:to>
+                                    </p:set>
+                                    <p:animEffect transition="in" filter="fade">
+                                      <p:cBhvr>
+                                        <p:cTn id="7" dur="250"/>
+                                        <p:tgtEl>
+                                          <p:spTgt spid="7"/>
+                                        </p:tgtEl>
+                                      </p:cBhvr>
+                                    </p:animEffect>
+                                  </p:childTnLst>
+                                </p:cTn>
+                              </p:par>
+                              <p:par>
+                                <p:cTn id="8" presetID="10" presetClass="entr" presetSubtype="0" fill="hold" nodeType="withEffect">
+                                  <p:stCondLst>
+                                    <p:cond delay="0"/>
+                                  </p:stCondLst>
+                                  <p:childTnLst>
+                                    <p:set>
+                                      <p:cBhvr>
+                                        <p:cTn id="9" dur="1" fill="hold">
+                                          <p:stCondLst>
+                                            <p:cond delay="0"/>
+                                          </p:stCondLst>
+                                        </p:cTn>
+                                        <p:tgtEl>
+                                          <p:spTgt spid="10"/>
+                                        </p:tgtEl>
+                                        <p:attrNameLst>
+                                          <p:attrName>style.visibility</p:attrName>
+                                        </p:attrNameLst>
+                                      </p:cBhvr>
+                                      <p:to>
+                                        <p:strVal val="visible"/>
+                                      </p:to>
+                                    </p:set>
+                                    <p:animEffect transition="in" filter="fade">
+                                      <p:cBhvr>
+                                        <p:cTn id="10" dur="250"/>
+                                        <p:tgtEl>
+                                          <p:spTgt spid="10"/>
+                                        </p:tgtEl>
+                                      </p:cBhvr>
+                                    </p:animEffect>
+                                  </p:childTnLst>
+                                </p:cTn>
+                              </p:par>
+                            </p:childTnLst>
+                          </p:cTn>
+                        </p:par>
+                      </p:childTnLst>
+                    </p:cTn>
+                  </p:par>
+                  <p:par>
+                    <p:cTn id="11" fill="hold">
+                      <p:stCondLst>
+                        <p:cond delay="indefinite"/>
+                      </p:stCondLst>
+                      <p:childTnLst>
+                        <p:par>
+                          <p:cTn id="12" fill="hold">
+                            <p:stCondLst>
+                              <p:cond delay="0"/>
+                            </p:stCondLst>
+                            <p:childTnLst>
+                              <p:par>
+                                <p:cTn id="13" presetID="10" presetClass="entr" presetSubtype="0" fill="hold" grpId="0" nodeType="clickEffect">
+                                  <p:stCondLst>
+                                    <p:cond delay="0"/>
+                                  </p:stCondLst>
+                                  <p:childTnLst>
+                                    <p:set>
+                                      <p:cBhvr>
+                                        <p:cTn id="14" dur="1" fill="hold">
+                                          <p:stCondLst>
+                                            <p:cond delay="0"/>
+                                          </p:stCondLst>
+                                        </p:cTn>
+                                        <p:tgtEl>
+                                          <p:spTgt spid="13"/>
+                                        </p:tgtEl>
+                                        <p:attrNameLst>
+                                          <p:attrName>style.visibility</p:attrName>
+                                        </p:attrNameLst>
+                                      </p:cBhvr>
+                                      <p:to>
+                                        <p:strVal val="visible"/>
+                                      </p:to>
+                                    </p:set>
+                                    <p:animEffect transition="in" filter="fade">
+                                      <p:cBhvr>
+                                        <p:cTn id="15" dur="250"/>
+                                        <p:tgtEl>
+                                          <p:spTgt spid="13"/>
+                                        </p:tgtEl>
+                                      </p:cBhvr>
+                                    </p:animEffect>
+                                  </p:childTnLst>
+                                </p:cTn>
+                              </p:par>
+                              <p:par>
+                                <p:cTn id="16" presetID="10" presetClass="entr" presetSubtype="0" fill="hold" nodeType="withEffect">
+                                  <p:stCondLst>
+                                    <p:cond delay="0"/>
+                                  </p:stCondLst>
+                                  <p:childTnLst>
+                                    <p:set>
+                                      <p:cBhvr>
+                                        <p:cTn id="17" dur="1" fill="hold">
+                                          <p:stCondLst>
+                                            <p:cond delay="0"/>
+                                          </p:stCondLst>
+                                        </p:cTn>
+                                        <p:tgtEl>
+                                          <p:spTgt spid="14"/>
+                                        </p:tgtEl>
+                                        <p:attrNameLst>
+                                          <p:attrName>style.visibility</p:attrName>
+                                        </p:attrNameLst>
+                                      </p:cBhvr>
+                                      <p:to>
+                                        <p:strVal val="visible"/>
+                                      </p:to>
+                                    </p:set>
+                                    <p:animEffect transition="in" filter="fade">
+                                      <p:cBhvr>
+                                        <p:cTn id="18" dur="250"/>
+                                        <p:tgtEl>
+                                          <p:spTgt spid="14"/>
+                                        </p:tgtEl>
+                                      </p:cBhvr>
+                                    </p:animEffect>
+                                  </p:childTnLst>
+                                </p:cTn>
+                              </p:par>
+                              <p:par>
+                                <p:cTn id="19" presetID="10" presetClass="entr" presetSubtype="0" fill="hold" nodeType="withEffect">
+                                  <p:stCondLst>
+                                    <p:cond delay="0"/>
+                                  </p:stCondLst>
+                                  <p:childTnLst>
+                                    <p:set>
+                                      <p:cBhvr>
+                                        <p:cTn id="20" dur="1" fill="hold">
+                                          <p:stCondLst>
+                                            <p:cond delay="0"/>
+                                          </p:stCondLst>
+                                        </p:cTn>
+                                        <p:tgtEl>
+                                          <p:spTgt spid="15"/>
+                                        </p:tgtEl>
+                                        <p:attrNameLst>
+                                          <p:attrName>style.visibility</p:attrName>
+                                        </p:attrNameLst>
+                                      </p:cBhvr>
+                                      <p:to>
+                                        <p:strVal val="visible"/>
+                                      </p:to>
+                                    </p:set>
+                                    <p:animEffect transition="in" filter="fade">
+                                      <p:cBhvr>
+                                        <p:cTn id="21" dur="250"/>
+                                        <p:tgtEl>
+                                          <p:spTgt spid="15"/>
+                                        </p:tgtEl>
+                                      </p:cBhvr>
+                                    </p:animEffect>
+                                  </p:childTnLst>
+                                </p:cTn>
+                              </p:par>
+                              <p:par>
+                                <p:cTn id="22" presetID="10" presetClass="entr" presetSubtype="0" fill="hold" nodeType="withEffect">
+                                  <p:stCondLst>
+                                    <p:cond delay="0"/>
+                                  </p:stCondLst>
+                                  <p:childTnLst>
+                                    <p:set>
+                                      <p:cBhvr>
+                                        <p:cTn id="23" dur="1" fill="hold">
+                                          <p:stCondLst>
+                                            <p:cond delay="0"/>
+                                          </p:stCondLst>
+                                        </p:cTn>
+                                        <p:tgtEl>
+                                          <p:spTgt spid="11"/>
+                                        </p:tgtEl>
+                                        <p:attrNameLst>
+                                          <p:attrName>style.visibility</p:attrName>
+                                        </p:attrNameLst>
+                                      </p:cBhvr>
+                                      <p:to>
+                                        <p:strVal val="visible"/>
+                                      </p:to>
+                                    </p:set>
+                                    <p:animEffect transition="in" filter="fade">
+                                      <p:cBhvr>
+                                        <p:cTn id="24" dur="250"/>
+                                        <p:tgtEl>
+                                          <p:spTgt spid="11"/>
+                                        </p:tgtEl>
+                                      </p:cBhvr>
+                                    </p:animEffect>
+                                  </p:childTnLst>
+                                </p:cTn>
+                              </p:par>
+                              <p:par>
+                                <p:cTn id="25" presetID="10" presetClass="entr" presetSubtype="0" fill="hold" nodeType="withEffect">
+                                  <p:stCondLst>
+                                    <p:cond delay="0"/>
+                                  </p:stCondLst>
+                                  <p:childTnLst>
+                                    <p:set>
+                                      <p:cBhvr>
+                                        <p:cTn id="26" dur="1" fill="hold">
+                                          <p:stCondLst>
+                                            <p:cond delay="0"/>
+                                          </p:stCondLst>
+                                        </p:cTn>
+                                        <p:tgtEl>
+                                          <p:spTgt spid="12"/>
+                                        </p:tgtEl>
+                                        <p:attrNameLst>
+                                          <p:attrName>style.visibility</p:attrName>
+                                        </p:attrNameLst>
+                                      </p:cBhvr>
+                                      <p:to>
+                                        <p:strVal val="visible"/>
+                                      </p:to>
+                                    </p:set>
+                                    <p:animEffect transition="in" filter="fade">
+                                      <p:cBhvr>
+                                        <p:cTn id="27" dur="250"/>
+                                        <p:tgtEl>
+                                          <p:spTgt spid="12"/>
+                                        </p:tgtEl>
+                                      </p:cBhvr>
+                                    </p:animEffect>
+                                  </p:childTnLst>
+                                </p:cTn>
+                              </p:par>
+                              <p:par>
+                                <p:cTn id="28" presetID="10" presetClass="entr" presetSubtype="0" fill="hold" nodeType="withEffect">
+                                  <p:stCondLst>
+                                    <p:cond delay="0"/>
+                                  </p:stCondLst>
+                                  <p:childTnLst>
+                                    <p:set>
+                                      <p:cBhvr>
+                                        <p:cTn id="29" dur="1" fill="hold">
+                                          <p:stCondLst>
+                                            <p:cond delay="0"/>
+                                          </p:stCondLst>
+                                        </p:cTn>
+                                        <p:tgtEl>
+                                          <p:spTgt spid="17"/>
+                                        </p:tgtEl>
+                                        <p:attrNameLst>
+                                          <p:attrName>style.visibility</p:attrName>
+                                        </p:attrNameLst>
+                                      </p:cBhvr>
+                                      <p:to>
+                                        <p:strVal val="visible"/>
+                                      </p:to>
+                                    </p:set>
+                                    <p:animEffect transition="in" filter="fade">
+                                      <p:cBhvr>
+                                        <p:cTn id="30" dur="250"/>
+                                        <p:tgtEl>
+                                          <p:spTgt spid="17"/>
+                                        </p:tgtEl>
+                                      </p:cBhvr>
+                                    </p:animEffect>
+                                  </p:childTnLst>
+                                </p:cTn>
+                              </p:par>
+                              <p:par>
+                                <p:cTn id="31" presetID="10" presetClass="entr" presetSubtype="0" fill="hold" nodeType="withEffect">
+                                  <p:stCondLst>
+                                    <p:cond delay="0"/>
+                                  </p:stCondLst>
+                                  <p:childTnLst>
+                                    <p:set>
+                                      <p:cBhvr>
+                                        <p:cTn id="32" dur="1" fill="hold">
+                                          <p:stCondLst>
+                                            <p:cond delay="0"/>
+                                          </p:stCondLst>
+                                        </p:cTn>
+                                        <p:tgtEl>
+                                          <p:spTgt spid="20"/>
+                                        </p:tgtEl>
+                                        <p:attrNameLst>
+                                          <p:attrName>style.visibility</p:attrName>
+                                        </p:attrNameLst>
+                                      </p:cBhvr>
+                                      <p:to>
+                                        <p:strVal val="visible"/>
+                                      </p:to>
+                                    </p:set>
+                                    <p:animEffect transition="in" filter="fade">
+                                      <p:cBhvr>
+                                        <p:cTn id="33" dur="250"/>
+                                        <p:tgtEl>
+                                          <p:spTgt spid="20"/>
+                                        </p:tgtEl>
+                                      </p:cBhvr>
+                                    </p:animEffect>
+                                  </p:childTnLst>
+                                </p:cTn>
+                              </p:par>
+                              <p:par>
+                                <p:cTn id="34" presetID="10" presetClass="entr" presetSubtype="0" fill="hold" nodeType="withEffect">
+                                  <p:stCondLst>
+                                    <p:cond delay="0"/>
+                                  </p:stCondLst>
+                                  <p:childTnLst>
+                                    <p:set>
+                                      <p:cBhvr>
+                                        <p:cTn id="35" dur="1" fill="hold">
+                                          <p:stCondLst>
+                                            <p:cond delay="0"/>
+                                          </p:stCondLst>
+                                        </p:cTn>
+                                        <p:tgtEl>
+                                          <p:spTgt spid="16"/>
+                                        </p:tgtEl>
+                                        <p:attrNameLst>
+                                          <p:attrName>style.visibility</p:attrName>
+                                        </p:attrNameLst>
+                                      </p:cBhvr>
+                                      <p:to>
+                                        <p:strVal val="visible"/>
+                                      </p:to>
+                                    </p:set>
+                                    <p:animEffect transition="in" filter="fade">
+                                      <p:cBhvr>
+                                        <p:cTn id="36" dur="250"/>
+                                        <p:tgtEl>
+                                          <p:spTgt spid="16"/>
+                                        </p:tgtEl>
+                                      </p:cBhvr>
+                                    </p:animEffect>
+                                  </p:childTnLst>
+                                </p:cTn>
+                              </p:par>
+                              <p:par>
+                                <p:cTn id="37" presetID="10" presetClass="entr" presetSubtype="0" fill="hold" nodeType="withEffect">
+                                  <p:stCondLst>
+                                    <p:cond delay="0"/>
+                                  </p:stCondLst>
+                                  <p:childTnLst>
+                                    <p:set>
+                                      <p:cBhvr>
+                                        <p:cTn id="38" dur="1" fill="hold">
+                                          <p:stCondLst>
+                                            <p:cond delay="0"/>
+                                          </p:stCondLst>
+                                        </p:cTn>
+                                        <p:tgtEl>
+                                          <p:spTgt spid="22"/>
+                                        </p:tgtEl>
+                                        <p:attrNameLst>
+                                          <p:attrName>style.visibility</p:attrName>
+                                        </p:attrNameLst>
+                                      </p:cBhvr>
+                                      <p:to>
+                                        <p:strVal val="visible"/>
+                                      </p:to>
+                                    </p:set>
+                                    <p:animEffect transition="in" filter="fade">
+                                      <p:cBhvr>
+                                        <p:cTn id="39" dur="250"/>
+                                        <p:tgtEl>
+                                          <p:spTgt spid="22"/>
+                                        </p:tgtEl>
+                                      </p:cBhvr>
+                                    </p:animEffect>
+                                  </p:childTnLst>
+                                </p:cTn>
+                              </p:par>
+                              <p:par>
+                                <p:cTn id="40" presetID="10" presetClass="entr" presetSubtype="0" fill="hold" grpId="0" nodeType="withEffect">
+                                  <p:stCondLst>
+                                    <p:cond delay="0"/>
+                                  </p:stCondLst>
+                                  <p:childTnLst>
+                                    <p:set>
+                                      <p:cBhvr>
+                                        <p:cTn id="41" dur="1" fill="hold">
+                                          <p:stCondLst>
+                                            <p:cond delay="0"/>
+                                          </p:stCondLst>
+                                        </p:cTn>
+                                        <p:tgtEl>
+                                          <p:spTgt spid="6"/>
+                                        </p:tgtEl>
+                                        <p:attrNameLst>
+                                          <p:attrName>style.visibility</p:attrName>
+                                        </p:attrNameLst>
+                                      </p:cBhvr>
+                                      <p:to>
+                                        <p:strVal val="visible"/>
+                                      </p:to>
+                                    </p:set>
+                                    <p:animEffect transition="in" filter="fade">
+                                      <p:cBhvr>
+                                        <p:cTn id="42" dur="250"/>
+                                        <p:tgtEl>
+                                          <p:spTgt spid="6"/>
+                                        </p:tgtEl>
+                                      </p:cBhvr>
+                                    </p:animEffect>
+                                  </p:childTnLst>
+                                </p:cTn>
+                              </p:par>
+                            </p:childTnLst>
+                          </p:cTn>
+                        </p:par>
+                      </p:childTnLst>
+                    </p:cTn>
+                  </p:par>
+                </p:childTnLst>
+              </p:cTn>
+              <p:prevCondLst>
+                <p:cond evt="onPrev" delay="0">
+                  <p:tgtEl>
+                    <p:sldTgt/>
+                  </p:tgtEl>
+                </p:cond>
+              </p:prevCondLst>
+              <p:nextCondLst>
+                <p:cond evt="onNext" delay="0">
+                  <p:tgtEl>
+                    <p:sldTgt/>
+                  </p:tgtEl>
+                </p:cond>
+              </p:nextCondLst>
+            </p:seq>
+          </p:childTnLst>
+        </p:cTn>
+      </p:par>
+    </p:tnLst>
+    <p:bldLst>
+      <p:bldP spid="7" grpId="0"/>
+      <p:bldP spid="6" grpId="0" animBg="1"/>
+      <p:bldGraphic spid="13" grpId="0">
+        <p:bldAsOne/>
+      </p:bldGraphic>
+    </p:bldLst>
+  </p:timing>
 </p:sld>
 </file>
 

--- a/Praesentationen/01-Definitionsphase/Präsentation.pptx
+++ b/Praesentationen/01-Definitionsphase/Präsentation.pptx
@@ -5385,13 +5385,134 @@
           <a:p>
             <a:r>
               <a:rPr lang="de-DE" dirty="0"/>
-              <a:t>(90 sec)</a:t>
-            </a:r>
-          </a:p>
-          <a:p>
+              <a:t>WAS?</a:t>
+            </a:r>
+          </a:p>
+          <a:p>
+            <a:pPr marL="171450" indent="-171450">
+              <a:buFont typeface="Arial" panose="020B0604020202020204" pitchFamily="34" charset="0"/>
+              <a:buChar char="•"/>
+            </a:pPr>
             <a:r>
               <a:rPr lang="de-DE" dirty="0"/>
-              <a:t>Arne</a:t>
+              <a:t>Nutzer kann Mapping Tabelle -&gt; Graph einstellen</a:t>
+            </a:r>
+          </a:p>
+          <a:p>
+            <a:pPr marL="171450" indent="-171450">
+              <a:buFont typeface="Arial" panose="020B0604020202020204" pitchFamily="34" charset="0"/>
+              <a:buChar char="•"/>
+            </a:pPr>
+            <a:r>
+              <a:rPr lang="de-DE" dirty="0"/>
+              <a:t>Beinhaltet Spalte -&gt; Achse, aber auch Funktionen</a:t>
+            </a:r>
+          </a:p>
+          <a:p>
+            <a:pPr marL="171450" indent="-171450">
+              <a:buFont typeface="Arial" panose="020B0604020202020204" pitchFamily="34" charset="0"/>
+              <a:buChar char="•"/>
+            </a:pPr>
+            <a:endParaRPr lang="de-DE" dirty="0"/>
+          </a:p>
+          <a:p>
+            <a:pPr marL="0" indent="0">
+              <a:buFont typeface="Arial" panose="020B0604020202020204" pitchFamily="34" charset="0"/>
+              <a:buNone/>
+            </a:pPr>
+            <a:r>
+              <a:rPr lang="de-DE" dirty="0"/>
+              <a:t>WARUM?</a:t>
+            </a:r>
+          </a:p>
+          <a:p>
+            <a:pPr marL="171450" indent="-171450">
+              <a:buFont typeface="Arial" panose="020B0604020202020204" pitchFamily="34" charset="0"/>
+              <a:buChar char="•"/>
+            </a:pPr>
+            <a:r>
+              <a:rPr lang="de-DE" dirty="0"/>
+              <a:t>Neue Graphen sind u.U. nicht automatisch </a:t>
+            </a:r>
+            <a:r>
+              <a:rPr lang="de-DE" dirty="0" err="1"/>
+              <a:t>mappbar</a:t>
+            </a:r>
+            <a:endParaRPr lang="de-DE" dirty="0"/>
+          </a:p>
+          <a:p>
+            <a:pPr marL="171450" indent="-171450">
+              <a:buFont typeface="Arial" panose="020B0604020202020204" pitchFamily="34" charset="0"/>
+              <a:buChar char="•"/>
+            </a:pPr>
+            <a:r>
+              <a:rPr lang="de-DE" dirty="0"/>
+              <a:t>Neue Datentypen ebenfalls nicht</a:t>
+            </a:r>
+          </a:p>
+          <a:p>
+            <a:pPr marL="171450" indent="-171450">
+              <a:buFont typeface="Arial" panose="020B0604020202020204" pitchFamily="34" charset="0"/>
+              <a:buChar char="•"/>
+            </a:pPr>
+            <a:r>
+              <a:rPr lang="de-DE" dirty="0"/>
+              <a:t>Was, wenn ich Zeit nicht nur als X-Achse haben will?</a:t>
+            </a:r>
+          </a:p>
+          <a:p>
+            <a:pPr marL="171450" indent="-171450">
+              <a:buFont typeface="Arial" panose="020B0604020202020204" pitchFamily="34" charset="0"/>
+              <a:buChar char="•"/>
+            </a:pPr>
+            <a:r>
+              <a:rPr lang="de-DE" dirty="0"/>
+              <a:t>Automatisch schwierig (eigenes Forschungsfeld), deshalb manuell</a:t>
+            </a:r>
+          </a:p>
+          <a:p>
+            <a:pPr marL="171450" indent="-171450">
+              <a:buFont typeface="Arial" panose="020B0604020202020204" pitchFamily="34" charset="0"/>
+              <a:buChar char="•"/>
+            </a:pPr>
+            <a:endParaRPr lang="de-DE" dirty="0"/>
+          </a:p>
+          <a:p>
+            <a:pPr marL="0" indent="0">
+              <a:buFont typeface="Arial" panose="020B0604020202020204" pitchFamily="34" charset="0"/>
+              <a:buNone/>
+            </a:pPr>
+            <a:r>
+              <a:rPr lang="de-DE" dirty="0"/>
+              <a:t>WUNSCH?</a:t>
+            </a:r>
+          </a:p>
+          <a:p>
+            <a:pPr marL="171450" indent="-171450">
+              <a:buFont typeface="Arial" panose="020B0604020202020204" pitchFamily="34" charset="0"/>
+              <a:buChar char="•"/>
+            </a:pPr>
+            <a:r>
+              <a:rPr lang="de-DE" dirty="0"/>
+              <a:t>In Pflichtkriterien schlicht nicht notwendig / sinnvoll (</a:t>
+            </a:r>
+            <a:r>
+              <a:rPr lang="de-DE" dirty="0">
+                <a:sym typeface="Wingdings" panose="05000000000000000000" pitchFamily="2" charset="2"/>
+              </a:rPr>
+              <a:t>Verwirrung)</a:t>
+            </a:r>
+          </a:p>
+          <a:p>
+            <a:pPr marL="171450" indent="-171450">
+              <a:buFont typeface="Arial" panose="020B0604020202020204" pitchFamily="34" charset="0"/>
+              <a:buChar char="•"/>
+            </a:pPr>
+            <a:r>
+              <a:rPr lang="de-DE" dirty="0">
+                <a:sym typeface="Wingdings" panose="05000000000000000000" pitchFamily="2" charset="2"/>
+              </a:rPr>
+              <a:t>Aufwendige Checks, ob Datentypen überhaupt anwendbar sind für ein Diagramm</a:t>
             </a:r>
           </a:p>
         </p:txBody>
@@ -5478,8 +5599,134 @@
           <a:p>
             <a:r>
               <a:rPr lang="de-DE" dirty="0"/>
-              <a:t>(90 sec)</a:t>
-            </a:r>
+              <a:t>WAS?</a:t>
+            </a:r>
+          </a:p>
+          <a:p>
+            <a:pPr marL="171450" indent="-171450">
+              <a:buFont typeface="Arial" panose="020B0604020202020204" pitchFamily="34" charset="0"/>
+              <a:buChar char="•"/>
+            </a:pPr>
+            <a:r>
+              <a:rPr lang="de-DE" dirty="0"/>
+              <a:t>Nutzer können Templates (inkl. Bilder von Graphen) auf Server hoch- und von dort herunterladen</a:t>
+            </a:r>
+          </a:p>
+          <a:p>
+            <a:pPr marL="171450" indent="-171450">
+              <a:buFont typeface="Arial" panose="020B0604020202020204" pitchFamily="34" charset="0"/>
+              <a:buChar char="•"/>
+            </a:pPr>
+            <a:r>
+              <a:rPr lang="de-DE" dirty="0"/>
+              <a:t>Beinhaltet sowohl Projekt- als auch Einstellungstemplates</a:t>
+            </a:r>
+          </a:p>
+          <a:p>
+            <a:pPr marL="171450" indent="-171450">
+              <a:buFont typeface="Arial" panose="020B0604020202020204" pitchFamily="34" charset="0"/>
+              <a:buChar char="•"/>
+            </a:pPr>
+            <a:endParaRPr lang="de-DE" dirty="0"/>
+          </a:p>
+          <a:p>
+            <a:pPr marL="0" indent="0">
+              <a:buFont typeface="Arial" panose="020B0604020202020204" pitchFamily="34" charset="0"/>
+              <a:buNone/>
+            </a:pPr>
+            <a:r>
+              <a:rPr lang="de-DE" dirty="0"/>
+              <a:t>WARUM?</a:t>
+            </a:r>
+          </a:p>
+          <a:p>
+            <a:pPr marL="171450" indent="-171450">
+              <a:buFont typeface="Arial" panose="020B0604020202020204" pitchFamily="34" charset="0"/>
+              <a:buChar char="•"/>
+            </a:pPr>
+            <a:r>
+              <a:rPr lang="de-DE" dirty="0"/>
+              <a:t>Anschauen -&gt; Inspiration</a:t>
+            </a:r>
+          </a:p>
+          <a:p>
+            <a:pPr marL="171450" indent="-171450">
+              <a:buFont typeface="Arial" panose="020B0604020202020204" pitchFamily="34" charset="0"/>
+              <a:buChar char="•"/>
+            </a:pPr>
+            <a:r>
+              <a:rPr lang="de-DE" dirty="0"/>
+              <a:t>Coole Idee, aber keine Ahnung, wie umsetzen? Projekttemplate herunterladen</a:t>
+            </a:r>
+          </a:p>
+          <a:p>
+            <a:pPr marL="171450" indent="-171450">
+              <a:buFont typeface="Arial" panose="020B0604020202020204" pitchFamily="34" charset="0"/>
+              <a:buChar char="•"/>
+            </a:pPr>
+            <a:endParaRPr lang="de-DE" dirty="0"/>
+          </a:p>
+          <a:p>
+            <a:pPr marL="171450" indent="-171450">
+              <a:buFont typeface="Arial" panose="020B0604020202020204" pitchFamily="34" charset="0"/>
+              <a:buChar char="•"/>
+            </a:pPr>
+            <a:endParaRPr lang="de-DE" dirty="0"/>
+          </a:p>
+          <a:p>
+            <a:pPr marL="0" indent="0">
+              <a:buFont typeface="Arial" panose="020B0604020202020204" pitchFamily="34" charset="0"/>
+              <a:buNone/>
+            </a:pPr>
+            <a:r>
+              <a:rPr lang="de-DE" dirty="0"/>
+              <a:t>WUNSCH?</a:t>
+            </a:r>
+          </a:p>
+          <a:p>
+            <a:pPr marL="171450" indent="-171450">
+              <a:buFont typeface="Arial" panose="020B0604020202020204" pitchFamily="34" charset="0"/>
+              <a:buChar char="•"/>
+            </a:pPr>
+            <a:r>
+              <a:rPr lang="de-DE" dirty="0"/>
+              <a:t>Serverauslastung schwerer vorhersehbar als bei Online-Projekten</a:t>
+            </a:r>
+          </a:p>
+          <a:p>
+            <a:pPr marL="171450" indent="-171450">
+              <a:buFont typeface="Arial" panose="020B0604020202020204" pitchFamily="34" charset="0"/>
+              <a:buChar char="•"/>
+            </a:pPr>
+            <a:r>
+              <a:rPr lang="de-DE" dirty="0"/>
+              <a:t>Spam-Schutz? Wie? Ähnlichkeit? </a:t>
+            </a:r>
+            <a:r>
+              <a:rPr lang="de-DE" dirty="0">
+                <a:sym typeface="Wingdings" panose="05000000000000000000" pitchFamily="2" charset="2"/>
+              </a:rPr>
+              <a:t> Aufwendig</a:t>
+            </a:r>
+          </a:p>
+          <a:p>
+            <a:pPr marL="171450" indent="-171450">
+              <a:buFont typeface="Arial" panose="020B0604020202020204" pitchFamily="34" charset="0"/>
+              <a:buChar char="•"/>
+            </a:pPr>
+            <a:r>
+              <a:rPr lang="de-DE" dirty="0">
+                <a:sym typeface="Wingdings" panose="05000000000000000000" pitchFamily="2" charset="2"/>
+              </a:rPr>
+              <a:t>Bei Pflichtkriterien auch kein Mehrwert für Punkt 2, da nicht so aufwendige </a:t>
+            </a:r>
+            <a:r>
+              <a:rPr lang="de-DE">
+                <a:sym typeface="Wingdings" panose="05000000000000000000" pitchFamily="2" charset="2"/>
+              </a:rPr>
+              <a:t>Projekte möglich</a:t>
+            </a:r>
+            <a:endParaRPr lang="de-DE"/>
           </a:p>
         </p:txBody>
       </p:sp>
@@ -10725,31 +10972,6 @@
       </p:sp>
       <p:sp>
         <p:nvSpPr>
-          <p:cNvPr id="3" name="Inhaltsplatzhalter 2">
-            <a:extLst>
-              <a:ext uri="{FF2B5EF4-FFF2-40B4-BE49-F238E27FC236}">
-                <a16:creationId xmlns:a16="http://schemas.microsoft.com/office/drawing/2014/main" id="{4CE96944-75C4-164D-BDA5-124619DEF2B0}"/>
-              </a:ext>
-            </a:extLst>
-          </p:cNvPr>
-          <p:cNvSpPr>
-            <a:spLocks noGrp="1"/>
-          </p:cNvSpPr>
-          <p:nvPr>
-            <p:ph idx="1"/>
-          </p:nvPr>
-        </p:nvSpPr>
-        <p:spPr/>
-        <p:txBody>
-          <a:bodyPr/>
-          <a:lstStyle/>
-          <a:p>
-            <a:endParaRPr lang="de-DE"/>
-          </a:p>
-        </p:txBody>
-      </p:sp>
-      <p:sp>
-        <p:nvSpPr>
           <p:cNvPr id="4" name="Datumsplatzhalter 3">
             <a:extLst>
               <a:ext uri="{FF2B5EF4-FFF2-40B4-BE49-F238E27FC236}">
@@ -10802,6 +11024,457 @@
               <a:t>13</a:t>
             </a:fld>
             <a:endParaRPr lang="de-DE"/>
+          </a:p>
+        </p:txBody>
+      </p:sp>
+      <p:sp>
+        <p:nvSpPr>
+          <p:cNvPr id="6" name="Inhaltsplatzhalter 2">
+            <a:extLst>
+              <a:ext uri="{FF2B5EF4-FFF2-40B4-BE49-F238E27FC236}">
+                <a16:creationId xmlns:a16="http://schemas.microsoft.com/office/drawing/2014/main" id="{8A76C604-608B-4DA8-92CD-CD20B2C59395}"/>
+              </a:ext>
+            </a:extLst>
+          </p:cNvPr>
+          <p:cNvSpPr txBox="1">
+            <a:spLocks/>
+          </p:cNvSpPr>
+          <p:nvPr/>
+        </p:nvSpPr>
+        <p:spPr>
+          <a:xfrm>
+            <a:off x="838200" y="1825625"/>
+            <a:ext cx="5181600" cy="4351338"/>
+          </a:xfrm>
+          <a:prstGeom prst="rect">
+            <a:avLst/>
+          </a:prstGeom>
+        </p:spPr>
+        <p:txBody>
+          <a:bodyPr vert="horz" lIns="91440" tIns="45720" rIns="91440" bIns="45720" rtlCol="0">
+            <a:normAutofit/>
+          </a:bodyPr>
+          <a:lstStyle>
+            <a:lvl1pPr marL="228600" indent="-228600" algn="l" defTabSz="914400" rtl="0" eaLnBrk="1" latinLnBrk="0" hangingPunct="1">
+              <a:lnSpc>
+                <a:spcPct val="90000"/>
+              </a:lnSpc>
+              <a:spcBef>
+                <a:spcPts val="1000"/>
+              </a:spcBef>
+              <a:buFont typeface="Arial" panose="020B0604020202020204" pitchFamily="34" charset="0"/>
+              <a:buChar char="•"/>
+              <a:defRPr sz="2800" kern="1200">
+                <a:solidFill>
+                  <a:schemeClr val="tx1"/>
+                </a:solidFill>
+                <a:latin typeface="+mn-lt"/>
+                <a:ea typeface="+mn-ea"/>
+                <a:cs typeface="+mn-cs"/>
+              </a:defRPr>
+            </a:lvl1pPr>
+            <a:lvl2pPr marL="685800" indent="-228600" algn="l" defTabSz="914400" rtl="0" eaLnBrk="1" latinLnBrk="0" hangingPunct="1">
+              <a:lnSpc>
+                <a:spcPct val="90000"/>
+              </a:lnSpc>
+              <a:spcBef>
+                <a:spcPts val="500"/>
+              </a:spcBef>
+              <a:buFont typeface="Arial" panose="020B0604020202020204" pitchFamily="34" charset="0"/>
+              <a:buChar char="•"/>
+              <a:defRPr sz="2400" kern="1200">
+                <a:solidFill>
+                  <a:schemeClr val="tx1"/>
+                </a:solidFill>
+                <a:latin typeface="+mn-lt"/>
+                <a:ea typeface="+mn-ea"/>
+                <a:cs typeface="+mn-cs"/>
+              </a:defRPr>
+            </a:lvl2pPr>
+            <a:lvl3pPr marL="1143000" indent="-228600" algn="l" defTabSz="914400" rtl="0" eaLnBrk="1" latinLnBrk="0" hangingPunct="1">
+              <a:lnSpc>
+                <a:spcPct val="90000"/>
+              </a:lnSpc>
+              <a:spcBef>
+                <a:spcPts val="500"/>
+              </a:spcBef>
+              <a:buFont typeface="Arial" panose="020B0604020202020204" pitchFamily="34" charset="0"/>
+              <a:buChar char="•"/>
+              <a:defRPr sz="2000" kern="1200">
+                <a:solidFill>
+                  <a:schemeClr val="tx1"/>
+                </a:solidFill>
+                <a:latin typeface="+mn-lt"/>
+                <a:ea typeface="+mn-ea"/>
+                <a:cs typeface="+mn-cs"/>
+              </a:defRPr>
+            </a:lvl3pPr>
+            <a:lvl4pPr marL="1600200" indent="-228600" algn="l" defTabSz="914400" rtl="0" eaLnBrk="1" latinLnBrk="0" hangingPunct="1">
+              <a:lnSpc>
+                <a:spcPct val="90000"/>
+              </a:lnSpc>
+              <a:spcBef>
+                <a:spcPts val="500"/>
+              </a:spcBef>
+              <a:buFont typeface="Arial" panose="020B0604020202020204" pitchFamily="34" charset="0"/>
+              <a:buChar char="•"/>
+              <a:defRPr sz="1800" kern="1200">
+                <a:solidFill>
+                  <a:schemeClr val="tx1"/>
+                </a:solidFill>
+                <a:latin typeface="+mn-lt"/>
+                <a:ea typeface="+mn-ea"/>
+                <a:cs typeface="+mn-cs"/>
+              </a:defRPr>
+            </a:lvl4pPr>
+            <a:lvl5pPr marL="2057400" indent="-228600" algn="l" defTabSz="914400" rtl="0" eaLnBrk="1" latinLnBrk="0" hangingPunct="1">
+              <a:lnSpc>
+                <a:spcPct val="90000"/>
+              </a:lnSpc>
+              <a:spcBef>
+                <a:spcPts val="500"/>
+              </a:spcBef>
+              <a:buFont typeface="Arial" panose="020B0604020202020204" pitchFamily="34" charset="0"/>
+              <a:buChar char="•"/>
+              <a:defRPr sz="1800" kern="1200">
+                <a:solidFill>
+                  <a:schemeClr val="tx1"/>
+                </a:solidFill>
+                <a:latin typeface="+mn-lt"/>
+                <a:ea typeface="+mn-ea"/>
+                <a:cs typeface="+mn-cs"/>
+              </a:defRPr>
+            </a:lvl5pPr>
+            <a:lvl6pPr marL="2514600" indent="-228600" algn="l" defTabSz="914400" rtl="0" eaLnBrk="1" latinLnBrk="0" hangingPunct="1">
+              <a:lnSpc>
+                <a:spcPct val="90000"/>
+              </a:lnSpc>
+              <a:spcBef>
+                <a:spcPts val="500"/>
+              </a:spcBef>
+              <a:buFont typeface="Arial" panose="020B0604020202020204" pitchFamily="34" charset="0"/>
+              <a:buChar char="•"/>
+              <a:defRPr sz="1800" kern="1200">
+                <a:solidFill>
+                  <a:schemeClr val="tx1"/>
+                </a:solidFill>
+                <a:latin typeface="+mn-lt"/>
+                <a:ea typeface="+mn-ea"/>
+                <a:cs typeface="+mn-cs"/>
+              </a:defRPr>
+            </a:lvl6pPr>
+            <a:lvl7pPr marL="2971800" indent="-228600" algn="l" defTabSz="914400" rtl="0" eaLnBrk="1" latinLnBrk="0" hangingPunct="1">
+              <a:lnSpc>
+                <a:spcPct val="90000"/>
+              </a:lnSpc>
+              <a:spcBef>
+                <a:spcPts val="500"/>
+              </a:spcBef>
+              <a:buFont typeface="Arial" panose="020B0604020202020204" pitchFamily="34" charset="0"/>
+              <a:buChar char="•"/>
+              <a:defRPr sz="1800" kern="1200">
+                <a:solidFill>
+                  <a:schemeClr val="tx1"/>
+                </a:solidFill>
+                <a:latin typeface="+mn-lt"/>
+                <a:ea typeface="+mn-ea"/>
+                <a:cs typeface="+mn-cs"/>
+              </a:defRPr>
+            </a:lvl7pPr>
+            <a:lvl8pPr marL="3429000" indent="-228600" algn="l" defTabSz="914400" rtl="0" eaLnBrk="1" latinLnBrk="0" hangingPunct="1">
+              <a:lnSpc>
+                <a:spcPct val="90000"/>
+              </a:lnSpc>
+              <a:spcBef>
+                <a:spcPts val="500"/>
+              </a:spcBef>
+              <a:buFont typeface="Arial" panose="020B0604020202020204" pitchFamily="34" charset="0"/>
+              <a:buChar char="•"/>
+              <a:defRPr sz="1800" kern="1200">
+                <a:solidFill>
+                  <a:schemeClr val="tx1"/>
+                </a:solidFill>
+                <a:latin typeface="+mn-lt"/>
+                <a:ea typeface="+mn-ea"/>
+                <a:cs typeface="+mn-cs"/>
+              </a:defRPr>
+            </a:lvl8pPr>
+            <a:lvl9pPr marL="3886200" indent="-228600" algn="l" defTabSz="914400" rtl="0" eaLnBrk="1" latinLnBrk="0" hangingPunct="1">
+              <a:lnSpc>
+                <a:spcPct val="90000"/>
+              </a:lnSpc>
+              <a:spcBef>
+                <a:spcPts val="500"/>
+              </a:spcBef>
+              <a:buFont typeface="Arial" panose="020B0604020202020204" pitchFamily="34" charset="0"/>
+              <a:buChar char="•"/>
+              <a:defRPr sz="1800" kern="1200">
+                <a:solidFill>
+                  <a:schemeClr val="tx1"/>
+                </a:solidFill>
+                <a:latin typeface="+mn-lt"/>
+                <a:ea typeface="+mn-ea"/>
+                <a:cs typeface="+mn-cs"/>
+              </a:defRPr>
+            </a:lvl9pPr>
+          </a:lstStyle>
+          <a:p>
+            <a:pPr marL="0" indent="0">
+              <a:buFont typeface="Arial" panose="020B0604020202020204" pitchFamily="34" charset="0"/>
+              <a:buNone/>
+            </a:pPr>
+            <a:r>
+              <a:rPr lang="de-DE" i="1" dirty="0"/>
+              <a:t>Warum gewünscht: </a:t>
+            </a:r>
+          </a:p>
+          <a:p>
+            <a:pPr marL="0" indent="0">
+              <a:buFont typeface="Arial" panose="020B0604020202020204" pitchFamily="34" charset="0"/>
+              <a:buNone/>
+            </a:pPr>
+            <a:endParaRPr lang="de-DE" dirty="0"/>
+          </a:p>
+          <a:p>
+            <a:r>
+              <a:rPr lang="de-DE" dirty="0"/>
+              <a:t>Neue Graphen</a:t>
+            </a:r>
+          </a:p>
+          <a:p>
+            <a:r>
+              <a:rPr lang="de-DE" dirty="0"/>
+              <a:t>Neue Datentypen</a:t>
+            </a:r>
+          </a:p>
+          <a:p>
+            <a:r>
+              <a:rPr lang="de-DE" dirty="0"/>
+              <a:t>Andere Verwendung der existierende Graphen</a:t>
+            </a:r>
+          </a:p>
+        </p:txBody>
+      </p:sp>
+      <p:sp>
+        <p:nvSpPr>
+          <p:cNvPr id="7" name="Inhaltsplatzhalter 3">
+            <a:extLst>
+              <a:ext uri="{FF2B5EF4-FFF2-40B4-BE49-F238E27FC236}">
+                <a16:creationId xmlns:a16="http://schemas.microsoft.com/office/drawing/2014/main" id="{2809ED00-FEDA-4690-A59A-884CFB5FDA2C}"/>
+              </a:ext>
+            </a:extLst>
+          </p:cNvPr>
+          <p:cNvSpPr txBox="1">
+            <a:spLocks/>
+          </p:cNvSpPr>
+          <p:nvPr/>
+        </p:nvSpPr>
+        <p:spPr>
+          <a:xfrm>
+            <a:off x="6172200" y="1825625"/>
+            <a:ext cx="5181600" cy="4351338"/>
+          </a:xfrm>
+          <a:prstGeom prst="rect">
+            <a:avLst/>
+          </a:prstGeom>
+        </p:spPr>
+        <p:txBody>
+          <a:bodyPr/>
+          <a:lstStyle>
+            <a:lvl1pPr marL="228600" indent="-228600" algn="l" defTabSz="914400" rtl="0" eaLnBrk="1" latinLnBrk="0" hangingPunct="1">
+              <a:lnSpc>
+                <a:spcPct val="90000"/>
+              </a:lnSpc>
+              <a:spcBef>
+                <a:spcPts val="1000"/>
+              </a:spcBef>
+              <a:buFont typeface="Arial" panose="020B0604020202020204" pitchFamily="34" charset="0"/>
+              <a:buChar char="•"/>
+              <a:defRPr sz="2800" kern="1200">
+                <a:solidFill>
+                  <a:schemeClr val="tx1"/>
+                </a:solidFill>
+                <a:latin typeface="+mn-lt"/>
+                <a:ea typeface="+mn-ea"/>
+                <a:cs typeface="+mn-cs"/>
+              </a:defRPr>
+            </a:lvl1pPr>
+            <a:lvl2pPr marL="685800" indent="-228600" algn="l" defTabSz="914400" rtl="0" eaLnBrk="1" latinLnBrk="0" hangingPunct="1">
+              <a:lnSpc>
+                <a:spcPct val="90000"/>
+              </a:lnSpc>
+              <a:spcBef>
+                <a:spcPts val="500"/>
+              </a:spcBef>
+              <a:buFont typeface="Arial" panose="020B0604020202020204" pitchFamily="34" charset="0"/>
+              <a:buChar char="•"/>
+              <a:defRPr sz="2400" kern="1200">
+                <a:solidFill>
+                  <a:schemeClr val="tx1"/>
+                </a:solidFill>
+                <a:latin typeface="+mn-lt"/>
+                <a:ea typeface="+mn-ea"/>
+                <a:cs typeface="+mn-cs"/>
+              </a:defRPr>
+            </a:lvl2pPr>
+            <a:lvl3pPr marL="1143000" indent="-228600" algn="l" defTabSz="914400" rtl="0" eaLnBrk="1" latinLnBrk="0" hangingPunct="1">
+              <a:lnSpc>
+                <a:spcPct val="90000"/>
+              </a:lnSpc>
+              <a:spcBef>
+                <a:spcPts val="500"/>
+              </a:spcBef>
+              <a:buFont typeface="Arial" panose="020B0604020202020204" pitchFamily="34" charset="0"/>
+              <a:buChar char="•"/>
+              <a:defRPr sz="2000" kern="1200">
+                <a:solidFill>
+                  <a:schemeClr val="tx1"/>
+                </a:solidFill>
+                <a:latin typeface="+mn-lt"/>
+                <a:ea typeface="+mn-ea"/>
+                <a:cs typeface="+mn-cs"/>
+              </a:defRPr>
+            </a:lvl3pPr>
+            <a:lvl4pPr marL="1600200" indent="-228600" algn="l" defTabSz="914400" rtl="0" eaLnBrk="1" latinLnBrk="0" hangingPunct="1">
+              <a:lnSpc>
+                <a:spcPct val="90000"/>
+              </a:lnSpc>
+              <a:spcBef>
+                <a:spcPts val="500"/>
+              </a:spcBef>
+              <a:buFont typeface="Arial" panose="020B0604020202020204" pitchFamily="34" charset="0"/>
+              <a:buChar char="•"/>
+              <a:defRPr sz="1800" kern="1200">
+                <a:solidFill>
+                  <a:schemeClr val="tx1"/>
+                </a:solidFill>
+                <a:latin typeface="+mn-lt"/>
+                <a:ea typeface="+mn-ea"/>
+                <a:cs typeface="+mn-cs"/>
+              </a:defRPr>
+            </a:lvl4pPr>
+            <a:lvl5pPr marL="2057400" indent="-228600" algn="l" defTabSz="914400" rtl="0" eaLnBrk="1" latinLnBrk="0" hangingPunct="1">
+              <a:lnSpc>
+                <a:spcPct val="90000"/>
+              </a:lnSpc>
+              <a:spcBef>
+                <a:spcPts val="500"/>
+              </a:spcBef>
+              <a:buFont typeface="Arial" panose="020B0604020202020204" pitchFamily="34" charset="0"/>
+              <a:buChar char="•"/>
+              <a:defRPr sz="1800" kern="1200">
+                <a:solidFill>
+                  <a:schemeClr val="tx1"/>
+                </a:solidFill>
+                <a:latin typeface="+mn-lt"/>
+                <a:ea typeface="+mn-ea"/>
+                <a:cs typeface="+mn-cs"/>
+              </a:defRPr>
+            </a:lvl5pPr>
+            <a:lvl6pPr marL="2514600" indent="-228600" algn="l" defTabSz="914400" rtl="0" eaLnBrk="1" latinLnBrk="0" hangingPunct="1">
+              <a:lnSpc>
+                <a:spcPct val="90000"/>
+              </a:lnSpc>
+              <a:spcBef>
+                <a:spcPts val="500"/>
+              </a:spcBef>
+              <a:buFont typeface="Arial" panose="020B0604020202020204" pitchFamily="34" charset="0"/>
+              <a:buChar char="•"/>
+              <a:defRPr sz="1800" kern="1200">
+                <a:solidFill>
+                  <a:schemeClr val="tx1"/>
+                </a:solidFill>
+                <a:latin typeface="+mn-lt"/>
+                <a:ea typeface="+mn-ea"/>
+                <a:cs typeface="+mn-cs"/>
+              </a:defRPr>
+            </a:lvl6pPr>
+            <a:lvl7pPr marL="2971800" indent="-228600" algn="l" defTabSz="914400" rtl="0" eaLnBrk="1" latinLnBrk="0" hangingPunct="1">
+              <a:lnSpc>
+                <a:spcPct val="90000"/>
+              </a:lnSpc>
+              <a:spcBef>
+                <a:spcPts val="500"/>
+              </a:spcBef>
+              <a:buFont typeface="Arial" panose="020B0604020202020204" pitchFamily="34" charset="0"/>
+              <a:buChar char="•"/>
+              <a:defRPr sz="1800" kern="1200">
+                <a:solidFill>
+                  <a:schemeClr val="tx1"/>
+                </a:solidFill>
+                <a:latin typeface="+mn-lt"/>
+                <a:ea typeface="+mn-ea"/>
+                <a:cs typeface="+mn-cs"/>
+              </a:defRPr>
+            </a:lvl7pPr>
+            <a:lvl8pPr marL="3429000" indent="-228600" algn="l" defTabSz="914400" rtl="0" eaLnBrk="1" latinLnBrk="0" hangingPunct="1">
+              <a:lnSpc>
+                <a:spcPct val="90000"/>
+              </a:lnSpc>
+              <a:spcBef>
+                <a:spcPts val="500"/>
+              </a:spcBef>
+              <a:buFont typeface="Arial" panose="020B0604020202020204" pitchFamily="34" charset="0"/>
+              <a:buChar char="•"/>
+              <a:defRPr sz="1800" kern="1200">
+                <a:solidFill>
+                  <a:schemeClr val="tx1"/>
+                </a:solidFill>
+                <a:latin typeface="+mn-lt"/>
+                <a:ea typeface="+mn-ea"/>
+                <a:cs typeface="+mn-cs"/>
+              </a:defRPr>
+            </a:lvl8pPr>
+            <a:lvl9pPr marL="3886200" indent="-228600" algn="l" defTabSz="914400" rtl="0" eaLnBrk="1" latinLnBrk="0" hangingPunct="1">
+              <a:lnSpc>
+                <a:spcPct val="90000"/>
+              </a:lnSpc>
+              <a:spcBef>
+                <a:spcPts val="500"/>
+              </a:spcBef>
+              <a:buFont typeface="Arial" panose="020B0604020202020204" pitchFamily="34" charset="0"/>
+              <a:buChar char="•"/>
+              <a:defRPr sz="1800" kern="1200">
+                <a:solidFill>
+                  <a:schemeClr val="tx1"/>
+                </a:solidFill>
+                <a:latin typeface="+mn-lt"/>
+                <a:ea typeface="+mn-ea"/>
+                <a:cs typeface="+mn-cs"/>
+              </a:defRPr>
+            </a:lvl9pPr>
+          </a:lstStyle>
+          <a:p>
+            <a:pPr marL="0" indent="0">
+              <a:buFont typeface="Arial" panose="020B0604020202020204" pitchFamily="34" charset="0"/>
+              <a:buNone/>
+            </a:pPr>
+            <a:r>
+              <a:rPr lang="de-DE" i="1" dirty="0"/>
+              <a:t>Warum Wunsch:</a:t>
+            </a:r>
+          </a:p>
+          <a:p>
+            <a:pPr marL="0" indent="0">
+              <a:buFont typeface="Arial" panose="020B0604020202020204" pitchFamily="34" charset="0"/>
+              <a:buNone/>
+            </a:pPr>
+            <a:endParaRPr lang="de-DE" dirty="0"/>
+          </a:p>
+          <a:p>
+            <a:r>
+              <a:rPr lang="de-DE" dirty="0"/>
+              <a:t>Bei Basisdatentypen /-graphen nicht notwendig</a:t>
+            </a:r>
+          </a:p>
+          <a:p>
+            <a:r>
+              <a:rPr lang="de-DE" dirty="0"/>
+              <a:t>Teilweise aufwendige Checks notwendig</a:t>
+            </a:r>
+          </a:p>
+          <a:p>
+            <a:endParaRPr lang="de-DE" dirty="0"/>
           </a:p>
         </p:txBody>
       </p:sp>
@@ -10865,31 +11538,6 @@
       </p:sp>
       <p:sp>
         <p:nvSpPr>
-          <p:cNvPr id="3" name="Inhaltsplatzhalter 2">
-            <a:extLst>
-              <a:ext uri="{FF2B5EF4-FFF2-40B4-BE49-F238E27FC236}">
-                <a16:creationId xmlns:a16="http://schemas.microsoft.com/office/drawing/2014/main" id="{F5B1BE3E-AED5-0749-9729-7D99630D2CA2}"/>
-              </a:ext>
-            </a:extLst>
-          </p:cNvPr>
-          <p:cNvSpPr>
-            <a:spLocks noGrp="1"/>
-          </p:cNvSpPr>
-          <p:nvPr>
-            <p:ph idx="1"/>
-          </p:nvPr>
-        </p:nvSpPr>
-        <p:spPr/>
-        <p:txBody>
-          <a:bodyPr/>
-          <a:lstStyle/>
-          <a:p>
-            <a:endParaRPr lang="de-DE"/>
-          </a:p>
-        </p:txBody>
-      </p:sp>
-      <p:sp>
-        <p:nvSpPr>
           <p:cNvPr id="4" name="Datumsplatzhalter 3">
             <a:extLst>
               <a:ext uri="{FF2B5EF4-FFF2-40B4-BE49-F238E27FC236}">
@@ -10942,6 +11590,451 @@
               <a:t>14</a:t>
             </a:fld>
             <a:endParaRPr lang="de-DE"/>
+          </a:p>
+        </p:txBody>
+      </p:sp>
+      <p:sp>
+        <p:nvSpPr>
+          <p:cNvPr id="6" name="Inhaltsplatzhalter 2">
+            <a:extLst>
+              <a:ext uri="{FF2B5EF4-FFF2-40B4-BE49-F238E27FC236}">
+                <a16:creationId xmlns:a16="http://schemas.microsoft.com/office/drawing/2014/main" id="{64F14DAB-9492-48F6-9352-749778F15D15}"/>
+              </a:ext>
+            </a:extLst>
+          </p:cNvPr>
+          <p:cNvSpPr txBox="1">
+            <a:spLocks/>
+          </p:cNvSpPr>
+          <p:nvPr/>
+        </p:nvSpPr>
+        <p:spPr>
+          <a:xfrm>
+            <a:off x="838200" y="1825625"/>
+            <a:ext cx="5181600" cy="4351338"/>
+          </a:xfrm>
+          <a:prstGeom prst="rect">
+            <a:avLst/>
+          </a:prstGeom>
+        </p:spPr>
+        <p:txBody>
+          <a:bodyPr vert="horz" lIns="91440" tIns="45720" rIns="91440" bIns="45720" rtlCol="0">
+            <a:normAutofit/>
+          </a:bodyPr>
+          <a:lstStyle>
+            <a:lvl1pPr marL="228600" indent="-228600" algn="l" defTabSz="914400" rtl="0" eaLnBrk="1" latinLnBrk="0" hangingPunct="1">
+              <a:lnSpc>
+                <a:spcPct val="90000"/>
+              </a:lnSpc>
+              <a:spcBef>
+                <a:spcPts val="1000"/>
+              </a:spcBef>
+              <a:buFont typeface="Arial" panose="020B0604020202020204" pitchFamily="34" charset="0"/>
+              <a:buChar char="•"/>
+              <a:defRPr sz="2800" kern="1200">
+                <a:solidFill>
+                  <a:schemeClr val="tx1"/>
+                </a:solidFill>
+                <a:latin typeface="+mn-lt"/>
+                <a:ea typeface="+mn-ea"/>
+                <a:cs typeface="+mn-cs"/>
+              </a:defRPr>
+            </a:lvl1pPr>
+            <a:lvl2pPr marL="685800" indent="-228600" algn="l" defTabSz="914400" rtl="0" eaLnBrk="1" latinLnBrk="0" hangingPunct="1">
+              <a:lnSpc>
+                <a:spcPct val="90000"/>
+              </a:lnSpc>
+              <a:spcBef>
+                <a:spcPts val="500"/>
+              </a:spcBef>
+              <a:buFont typeface="Arial" panose="020B0604020202020204" pitchFamily="34" charset="0"/>
+              <a:buChar char="•"/>
+              <a:defRPr sz="2400" kern="1200">
+                <a:solidFill>
+                  <a:schemeClr val="tx1"/>
+                </a:solidFill>
+                <a:latin typeface="+mn-lt"/>
+                <a:ea typeface="+mn-ea"/>
+                <a:cs typeface="+mn-cs"/>
+              </a:defRPr>
+            </a:lvl2pPr>
+            <a:lvl3pPr marL="1143000" indent="-228600" algn="l" defTabSz="914400" rtl="0" eaLnBrk="1" latinLnBrk="0" hangingPunct="1">
+              <a:lnSpc>
+                <a:spcPct val="90000"/>
+              </a:lnSpc>
+              <a:spcBef>
+                <a:spcPts val="500"/>
+              </a:spcBef>
+              <a:buFont typeface="Arial" panose="020B0604020202020204" pitchFamily="34" charset="0"/>
+              <a:buChar char="•"/>
+              <a:defRPr sz="2000" kern="1200">
+                <a:solidFill>
+                  <a:schemeClr val="tx1"/>
+                </a:solidFill>
+                <a:latin typeface="+mn-lt"/>
+                <a:ea typeface="+mn-ea"/>
+                <a:cs typeface="+mn-cs"/>
+              </a:defRPr>
+            </a:lvl3pPr>
+            <a:lvl4pPr marL="1600200" indent="-228600" algn="l" defTabSz="914400" rtl="0" eaLnBrk="1" latinLnBrk="0" hangingPunct="1">
+              <a:lnSpc>
+                <a:spcPct val="90000"/>
+              </a:lnSpc>
+              <a:spcBef>
+                <a:spcPts val="500"/>
+              </a:spcBef>
+              <a:buFont typeface="Arial" panose="020B0604020202020204" pitchFamily="34" charset="0"/>
+              <a:buChar char="•"/>
+              <a:defRPr sz="1800" kern="1200">
+                <a:solidFill>
+                  <a:schemeClr val="tx1"/>
+                </a:solidFill>
+                <a:latin typeface="+mn-lt"/>
+                <a:ea typeface="+mn-ea"/>
+                <a:cs typeface="+mn-cs"/>
+              </a:defRPr>
+            </a:lvl4pPr>
+            <a:lvl5pPr marL="2057400" indent="-228600" algn="l" defTabSz="914400" rtl="0" eaLnBrk="1" latinLnBrk="0" hangingPunct="1">
+              <a:lnSpc>
+                <a:spcPct val="90000"/>
+              </a:lnSpc>
+              <a:spcBef>
+                <a:spcPts val="500"/>
+              </a:spcBef>
+              <a:buFont typeface="Arial" panose="020B0604020202020204" pitchFamily="34" charset="0"/>
+              <a:buChar char="•"/>
+              <a:defRPr sz="1800" kern="1200">
+                <a:solidFill>
+                  <a:schemeClr val="tx1"/>
+                </a:solidFill>
+                <a:latin typeface="+mn-lt"/>
+                <a:ea typeface="+mn-ea"/>
+                <a:cs typeface="+mn-cs"/>
+              </a:defRPr>
+            </a:lvl5pPr>
+            <a:lvl6pPr marL="2514600" indent="-228600" algn="l" defTabSz="914400" rtl="0" eaLnBrk="1" latinLnBrk="0" hangingPunct="1">
+              <a:lnSpc>
+                <a:spcPct val="90000"/>
+              </a:lnSpc>
+              <a:spcBef>
+                <a:spcPts val="500"/>
+              </a:spcBef>
+              <a:buFont typeface="Arial" panose="020B0604020202020204" pitchFamily="34" charset="0"/>
+              <a:buChar char="•"/>
+              <a:defRPr sz="1800" kern="1200">
+                <a:solidFill>
+                  <a:schemeClr val="tx1"/>
+                </a:solidFill>
+                <a:latin typeface="+mn-lt"/>
+                <a:ea typeface="+mn-ea"/>
+                <a:cs typeface="+mn-cs"/>
+              </a:defRPr>
+            </a:lvl6pPr>
+            <a:lvl7pPr marL="2971800" indent="-228600" algn="l" defTabSz="914400" rtl="0" eaLnBrk="1" latinLnBrk="0" hangingPunct="1">
+              <a:lnSpc>
+                <a:spcPct val="90000"/>
+              </a:lnSpc>
+              <a:spcBef>
+                <a:spcPts val="500"/>
+              </a:spcBef>
+              <a:buFont typeface="Arial" panose="020B0604020202020204" pitchFamily="34" charset="0"/>
+              <a:buChar char="•"/>
+              <a:defRPr sz="1800" kern="1200">
+                <a:solidFill>
+                  <a:schemeClr val="tx1"/>
+                </a:solidFill>
+                <a:latin typeface="+mn-lt"/>
+                <a:ea typeface="+mn-ea"/>
+                <a:cs typeface="+mn-cs"/>
+              </a:defRPr>
+            </a:lvl7pPr>
+            <a:lvl8pPr marL="3429000" indent="-228600" algn="l" defTabSz="914400" rtl="0" eaLnBrk="1" latinLnBrk="0" hangingPunct="1">
+              <a:lnSpc>
+                <a:spcPct val="90000"/>
+              </a:lnSpc>
+              <a:spcBef>
+                <a:spcPts val="500"/>
+              </a:spcBef>
+              <a:buFont typeface="Arial" panose="020B0604020202020204" pitchFamily="34" charset="0"/>
+              <a:buChar char="•"/>
+              <a:defRPr sz="1800" kern="1200">
+                <a:solidFill>
+                  <a:schemeClr val="tx1"/>
+                </a:solidFill>
+                <a:latin typeface="+mn-lt"/>
+                <a:ea typeface="+mn-ea"/>
+                <a:cs typeface="+mn-cs"/>
+              </a:defRPr>
+            </a:lvl8pPr>
+            <a:lvl9pPr marL="3886200" indent="-228600" algn="l" defTabSz="914400" rtl="0" eaLnBrk="1" latinLnBrk="0" hangingPunct="1">
+              <a:lnSpc>
+                <a:spcPct val="90000"/>
+              </a:lnSpc>
+              <a:spcBef>
+                <a:spcPts val="500"/>
+              </a:spcBef>
+              <a:buFont typeface="Arial" panose="020B0604020202020204" pitchFamily="34" charset="0"/>
+              <a:buChar char="•"/>
+              <a:defRPr sz="1800" kern="1200">
+                <a:solidFill>
+                  <a:schemeClr val="tx1"/>
+                </a:solidFill>
+                <a:latin typeface="+mn-lt"/>
+                <a:ea typeface="+mn-ea"/>
+                <a:cs typeface="+mn-cs"/>
+              </a:defRPr>
+            </a:lvl9pPr>
+          </a:lstStyle>
+          <a:p>
+            <a:pPr marL="0" indent="0">
+              <a:buFont typeface="Arial" panose="020B0604020202020204" pitchFamily="34" charset="0"/>
+              <a:buNone/>
+            </a:pPr>
+            <a:r>
+              <a:rPr lang="de-DE" i="1" dirty="0"/>
+              <a:t>Warum gewünscht: </a:t>
+            </a:r>
+          </a:p>
+          <a:p>
+            <a:pPr marL="0" indent="0">
+              <a:buFont typeface="Arial" panose="020B0604020202020204" pitchFamily="34" charset="0"/>
+              <a:buNone/>
+            </a:pPr>
+            <a:endParaRPr lang="de-DE" dirty="0"/>
+          </a:p>
+          <a:p>
+            <a:r>
+              <a:rPr lang="de-DE" dirty="0"/>
+              <a:t>Inspiration für Projekte von anderen Nutzern</a:t>
+            </a:r>
+          </a:p>
+          <a:p>
+            <a:r>
+              <a:rPr lang="de-DE" dirty="0"/>
+              <a:t>Einfache Möglichkeit, aufwendigere Projekte zu starten</a:t>
+            </a:r>
+          </a:p>
+        </p:txBody>
+      </p:sp>
+      <p:sp>
+        <p:nvSpPr>
+          <p:cNvPr id="7" name="Inhaltsplatzhalter 3">
+            <a:extLst>
+              <a:ext uri="{FF2B5EF4-FFF2-40B4-BE49-F238E27FC236}">
+                <a16:creationId xmlns:a16="http://schemas.microsoft.com/office/drawing/2014/main" id="{52C3776E-0D32-4519-8F17-3FCD3E951196}"/>
+              </a:ext>
+            </a:extLst>
+          </p:cNvPr>
+          <p:cNvSpPr txBox="1">
+            <a:spLocks/>
+          </p:cNvSpPr>
+          <p:nvPr/>
+        </p:nvSpPr>
+        <p:spPr>
+          <a:xfrm>
+            <a:off x="6172200" y="1825625"/>
+            <a:ext cx="5181600" cy="4351338"/>
+          </a:xfrm>
+          <a:prstGeom prst="rect">
+            <a:avLst/>
+          </a:prstGeom>
+        </p:spPr>
+        <p:txBody>
+          <a:bodyPr/>
+          <a:lstStyle>
+            <a:lvl1pPr marL="228600" indent="-228600" algn="l" defTabSz="914400" rtl="0" eaLnBrk="1" latinLnBrk="0" hangingPunct="1">
+              <a:lnSpc>
+                <a:spcPct val="90000"/>
+              </a:lnSpc>
+              <a:spcBef>
+                <a:spcPts val="1000"/>
+              </a:spcBef>
+              <a:buFont typeface="Arial" panose="020B0604020202020204" pitchFamily="34" charset="0"/>
+              <a:buChar char="•"/>
+              <a:defRPr sz="2800" kern="1200">
+                <a:solidFill>
+                  <a:schemeClr val="tx1"/>
+                </a:solidFill>
+                <a:latin typeface="+mn-lt"/>
+                <a:ea typeface="+mn-ea"/>
+                <a:cs typeface="+mn-cs"/>
+              </a:defRPr>
+            </a:lvl1pPr>
+            <a:lvl2pPr marL="685800" indent="-228600" algn="l" defTabSz="914400" rtl="0" eaLnBrk="1" latinLnBrk="0" hangingPunct="1">
+              <a:lnSpc>
+                <a:spcPct val="90000"/>
+              </a:lnSpc>
+              <a:spcBef>
+                <a:spcPts val="500"/>
+              </a:spcBef>
+              <a:buFont typeface="Arial" panose="020B0604020202020204" pitchFamily="34" charset="0"/>
+              <a:buChar char="•"/>
+              <a:defRPr sz="2400" kern="1200">
+                <a:solidFill>
+                  <a:schemeClr val="tx1"/>
+                </a:solidFill>
+                <a:latin typeface="+mn-lt"/>
+                <a:ea typeface="+mn-ea"/>
+                <a:cs typeface="+mn-cs"/>
+              </a:defRPr>
+            </a:lvl2pPr>
+            <a:lvl3pPr marL="1143000" indent="-228600" algn="l" defTabSz="914400" rtl="0" eaLnBrk="1" latinLnBrk="0" hangingPunct="1">
+              <a:lnSpc>
+                <a:spcPct val="90000"/>
+              </a:lnSpc>
+              <a:spcBef>
+                <a:spcPts val="500"/>
+              </a:spcBef>
+              <a:buFont typeface="Arial" panose="020B0604020202020204" pitchFamily="34" charset="0"/>
+              <a:buChar char="•"/>
+              <a:defRPr sz="2000" kern="1200">
+                <a:solidFill>
+                  <a:schemeClr val="tx1"/>
+                </a:solidFill>
+                <a:latin typeface="+mn-lt"/>
+                <a:ea typeface="+mn-ea"/>
+                <a:cs typeface="+mn-cs"/>
+              </a:defRPr>
+            </a:lvl3pPr>
+            <a:lvl4pPr marL="1600200" indent="-228600" algn="l" defTabSz="914400" rtl="0" eaLnBrk="1" latinLnBrk="0" hangingPunct="1">
+              <a:lnSpc>
+                <a:spcPct val="90000"/>
+              </a:lnSpc>
+              <a:spcBef>
+                <a:spcPts val="500"/>
+              </a:spcBef>
+              <a:buFont typeface="Arial" panose="020B0604020202020204" pitchFamily="34" charset="0"/>
+              <a:buChar char="•"/>
+              <a:defRPr sz="1800" kern="1200">
+                <a:solidFill>
+                  <a:schemeClr val="tx1"/>
+                </a:solidFill>
+                <a:latin typeface="+mn-lt"/>
+                <a:ea typeface="+mn-ea"/>
+                <a:cs typeface="+mn-cs"/>
+              </a:defRPr>
+            </a:lvl4pPr>
+            <a:lvl5pPr marL="2057400" indent="-228600" algn="l" defTabSz="914400" rtl="0" eaLnBrk="1" latinLnBrk="0" hangingPunct="1">
+              <a:lnSpc>
+                <a:spcPct val="90000"/>
+              </a:lnSpc>
+              <a:spcBef>
+                <a:spcPts val="500"/>
+              </a:spcBef>
+              <a:buFont typeface="Arial" panose="020B0604020202020204" pitchFamily="34" charset="0"/>
+              <a:buChar char="•"/>
+              <a:defRPr sz="1800" kern="1200">
+                <a:solidFill>
+                  <a:schemeClr val="tx1"/>
+                </a:solidFill>
+                <a:latin typeface="+mn-lt"/>
+                <a:ea typeface="+mn-ea"/>
+                <a:cs typeface="+mn-cs"/>
+              </a:defRPr>
+            </a:lvl5pPr>
+            <a:lvl6pPr marL="2514600" indent="-228600" algn="l" defTabSz="914400" rtl="0" eaLnBrk="1" latinLnBrk="0" hangingPunct="1">
+              <a:lnSpc>
+                <a:spcPct val="90000"/>
+              </a:lnSpc>
+              <a:spcBef>
+                <a:spcPts val="500"/>
+              </a:spcBef>
+              <a:buFont typeface="Arial" panose="020B0604020202020204" pitchFamily="34" charset="0"/>
+              <a:buChar char="•"/>
+              <a:defRPr sz="1800" kern="1200">
+                <a:solidFill>
+                  <a:schemeClr val="tx1"/>
+                </a:solidFill>
+                <a:latin typeface="+mn-lt"/>
+                <a:ea typeface="+mn-ea"/>
+                <a:cs typeface="+mn-cs"/>
+              </a:defRPr>
+            </a:lvl6pPr>
+            <a:lvl7pPr marL="2971800" indent="-228600" algn="l" defTabSz="914400" rtl="0" eaLnBrk="1" latinLnBrk="0" hangingPunct="1">
+              <a:lnSpc>
+                <a:spcPct val="90000"/>
+              </a:lnSpc>
+              <a:spcBef>
+                <a:spcPts val="500"/>
+              </a:spcBef>
+              <a:buFont typeface="Arial" panose="020B0604020202020204" pitchFamily="34" charset="0"/>
+              <a:buChar char="•"/>
+              <a:defRPr sz="1800" kern="1200">
+                <a:solidFill>
+                  <a:schemeClr val="tx1"/>
+                </a:solidFill>
+                <a:latin typeface="+mn-lt"/>
+                <a:ea typeface="+mn-ea"/>
+                <a:cs typeface="+mn-cs"/>
+              </a:defRPr>
+            </a:lvl7pPr>
+            <a:lvl8pPr marL="3429000" indent="-228600" algn="l" defTabSz="914400" rtl="0" eaLnBrk="1" latinLnBrk="0" hangingPunct="1">
+              <a:lnSpc>
+                <a:spcPct val="90000"/>
+              </a:lnSpc>
+              <a:spcBef>
+                <a:spcPts val="500"/>
+              </a:spcBef>
+              <a:buFont typeface="Arial" panose="020B0604020202020204" pitchFamily="34" charset="0"/>
+              <a:buChar char="•"/>
+              <a:defRPr sz="1800" kern="1200">
+                <a:solidFill>
+                  <a:schemeClr val="tx1"/>
+                </a:solidFill>
+                <a:latin typeface="+mn-lt"/>
+                <a:ea typeface="+mn-ea"/>
+                <a:cs typeface="+mn-cs"/>
+              </a:defRPr>
+            </a:lvl8pPr>
+            <a:lvl9pPr marL="3886200" indent="-228600" algn="l" defTabSz="914400" rtl="0" eaLnBrk="1" latinLnBrk="0" hangingPunct="1">
+              <a:lnSpc>
+                <a:spcPct val="90000"/>
+              </a:lnSpc>
+              <a:spcBef>
+                <a:spcPts val="500"/>
+              </a:spcBef>
+              <a:buFont typeface="Arial" panose="020B0604020202020204" pitchFamily="34" charset="0"/>
+              <a:buChar char="•"/>
+              <a:defRPr sz="1800" kern="1200">
+                <a:solidFill>
+                  <a:schemeClr val="tx1"/>
+                </a:solidFill>
+                <a:latin typeface="+mn-lt"/>
+                <a:ea typeface="+mn-ea"/>
+                <a:cs typeface="+mn-cs"/>
+              </a:defRPr>
+            </a:lvl9pPr>
+          </a:lstStyle>
+          <a:p>
+            <a:pPr marL="0" indent="0">
+              <a:buFont typeface="Arial" panose="020B0604020202020204" pitchFamily="34" charset="0"/>
+              <a:buNone/>
+            </a:pPr>
+            <a:r>
+              <a:rPr lang="de-DE" i="1" dirty="0"/>
+              <a:t>Warum Wunsch:</a:t>
+            </a:r>
+          </a:p>
+          <a:p>
+            <a:pPr marL="0" indent="0">
+              <a:buFont typeface="Arial" panose="020B0604020202020204" pitchFamily="34" charset="0"/>
+              <a:buNone/>
+            </a:pPr>
+            <a:endParaRPr lang="de-DE" dirty="0"/>
+          </a:p>
+          <a:p>
+            <a:r>
+              <a:rPr lang="de-DE" dirty="0"/>
+              <a:t>Deutlich schwieriger einschätzbare Serverauslastung</a:t>
+            </a:r>
+          </a:p>
+          <a:p>
+            <a:r>
+              <a:rPr lang="de-DE" dirty="0"/>
+              <a:t>Kein Mehrwert bei Basisdatentypen /-graphen</a:t>
+            </a:r>
+          </a:p>
+          <a:p>
+            <a:endParaRPr lang="de-DE" dirty="0"/>
           </a:p>
         </p:txBody>
       </p:sp>
@@ -12779,13 +13872,13 @@
   <p:clrMapOvr>
     <a:masterClrMapping/>
   </p:clrMapOvr>
-  <mc:AlternateContent xmlns:mc="http://schemas.openxmlformats.org/markup-compatibility/2006">
-    <mc:Choice xmlns:p14="http://schemas.microsoft.com/office/powerpoint/2010/main" Requires="p14">
+  <mc:AlternateContent xmlns:mc="http://schemas.openxmlformats.org/markup-compatibility/2006" xmlns:p14="http://schemas.microsoft.com/office/powerpoint/2010/main">
+    <mc:Choice Requires="p14">
       <p:transition p14:dur="250">
         <p:fade/>
       </p:transition>
     </mc:Choice>
-    <mc:Fallback>
+    <mc:Fallback xmlns="">
       <p:transition>
         <p:fade/>
       </p:transition>

--- a/Praesentationen/01-Definitionsphase/Präsentation.pptx
+++ b/Praesentationen/01-Definitionsphase/Präsentation.pptx
@@ -18,10 +18,10 @@
     <p:sldId id="261" r:id="rId9"/>
     <p:sldId id="262" r:id="rId10"/>
     <p:sldId id="263" r:id="rId11"/>
-    <p:sldId id="268" r:id="rId12"/>
-    <p:sldId id="270" r:id="rId13"/>
-    <p:sldId id="265" r:id="rId14"/>
-    <p:sldId id="266" r:id="rId15"/>
+    <p:sldId id="266" r:id="rId12"/>
+    <p:sldId id="268" r:id="rId13"/>
+    <p:sldId id="270" r:id="rId14"/>
+    <p:sldId id="265" r:id="rId15"/>
     <p:sldId id="269" r:id="rId16"/>
   </p:sldIdLst>
   <p:sldSz cx="12192000" cy="6858000"/>
@@ -5062,53 +5062,134 @@
           <a:p>
             <a:r>
               <a:rPr lang="de-DE" dirty="0"/>
-              <a:t>Alice </a:t>
-            </a:r>
-            <a:r>
-              <a:rPr lang="de-DE" dirty="0" err="1"/>
-              <a:t>einzelprojekt</a:t>
-            </a:r>
+              <a:t>WAS?</a:t>
+            </a:r>
+          </a:p>
+          <a:p>
+            <a:pPr marL="171450" indent="-171450">
+              <a:buFont typeface="Arial" panose="020B0604020202020204" pitchFamily="34" charset="0"/>
+              <a:buChar char="•"/>
+            </a:pPr>
             <a:r>
               <a:rPr lang="de-DE" dirty="0"/>
-              <a:t>:</a:t>
-            </a:r>
-          </a:p>
-          <a:p>
+              <a:t>Nutzer können Templates (inkl. Bilder von Graphen) auf Server hoch- und von dort herunterladen</a:t>
+            </a:r>
+          </a:p>
+          <a:p>
+            <a:pPr marL="171450" indent="-171450">
+              <a:buFont typeface="Arial" panose="020B0604020202020204" pitchFamily="34" charset="0"/>
+              <a:buChar char="•"/>
+            </a:pPr>
             <a:r>
               <a:rPr lang="de-DE" dirty="0"/>
-              <a:t>Idee: Auch wissen wie viel Cola sie trinkt, gern auch im vergleich zum Kaffee</a:t>
-            </a:r>
-          </a:p>
-          <a:p>
+              <a:t>Beinhaltet sowohl Projekt- als auch Einstellungstemplates</a:t>
+            </a:r>
+          </a:p>
+          <a:p>
+            <a:pPr marL="171450" indent="-171450">
+              <a:buFont typeface="Arial" panose="020B0604020202020204" pitchFamily="34" charset="0"/>
+              <a:buChar char="•"/>
+            </a:pPr>
             <a:endParaRPr lang="de-DE" dirty="0"/>
           </a:p>
           <a:p>
+            <a:pPr marL="0" indent="0">
+              <a:buFont typeface="Arial" panose="020B0604020202020204" pitchFamily="34" charset="0"/>
+              <a:buNone/>
+            </a:pPr>
             <a:r>
               <a:rPr lang="de-DE" dirty="0"/>
-              <a:t>-&gt; </a:t>
-            </a:r>
-            <a:r>
-              <a:rPr lang="de-DE" dirty="0" err="1"/>
-              <a:t>möglichkeit</a:t>
-            </a:r>
+              <a:t>WARUM?</a:t>
+            </a:r>
+          </a:p>
+          <a:p>
+            <a:pPr marL="171450" indent="-171450">
+              <a:buFont typeface="Arial" panose="020B0604020202020204" pitchFamily="34" charset="0"/>
+              <a:buChar char="•"/>
+            </a:pPr>
             <a:r>
               <a:rPr lang="de-DE" dirty="0"/>
-              <a:t> </a:t>
-            </a:r>
-            <a:r>
-              <a:rPr lang="de-DE"/>
-              <a:t>das hinzuzufügen? </a:t>
-            </a:r>
+              <a:t>Anschauen -&gt; Inspiration</a:t>
+            </a:r>
+          </a:p>
+          <a:p>
+            <a:pPr marL="171450" indent="-171450">
+              <a:buFont typeface="Arial" panose="020B0604020202020204" pitchFamily="34" charset="0"/>
+              <a:buChar char="•"/>
+            </a:pPr>
+            <a:r>
+              <a:rPr lang="de-DE" dirty="0"/>
+              <a:t>Coole Idee, aber keine Ahnung, wie umsetzen? Projekttemplate herunterladen</a:t>
+            </a:r>
+          </a:p>
+          <a:p>
+            <a:pPr marL="171450" indent="-171450">
+              <a:buFont typeface="Arial" panose="020B0604020202020204" pitchFamily="34" charset="0"/>
+              <a:buChar char="•"/>
+            </a:pPr>
             <a:endParaRPr lang="de-DE" dirty="0"/>
           </a:p>
           <a:p>
+            <a:pPr marL="171450" indent="-171450">
+              <a:buFont typeface="Arial" panose="020B0604020202020204" pitchFamily="34" charset="0"/>
+              <a:buChar char="•"/>
+            </a:pPr>
             <a:endParaRPr lang="de-DE" dirty="0"/>
           </a:p>
           <a:p>
+            <a:pPr marL="0" indent="0">
+              <a:buFont typeface="Arial" panose="020B0604020202020204" pitchFamily="34" charset="0"/>
+              <a:buNone/>
+            </a:pPr>
             <a:r>
               <a:rPr lang="de-DE" dirty="0"/>
-              <a:t>Antonia</a:t>
-            </a:r>
+              <a:t>WUNSCH?</a:t>
+            </a:r>
+          </a:p>
+          <a:p>
+            <a:pPr marL="171450" indent="-171450">
+              <a:buFont typeface="Arial" panose="020B0604020202020204" pitchFamily="34" charset="0"/>
+              <a:buChar char="•"/>
+            </a:pPr>
+            <a:r>
+              <a:rPr lang="de-DE" dirty="0"/>
+              <a:t>Serverauslastung schwerer vorhersehbar als bei Online-Projekten</a:t>
+            </a:r>
+          </a:p>
+          <a:p>
+            <a:pPr marL="171450" indent="-171450">
+              <a:buFont typeface="Arial" panose="020B0604020202020204" pitchFamily="34" charset="0"/>
+              <a:buChar char="•"/>
+            </a:pPr>
+            <a:r>
+              <a:rPr lang="de-DE" dirty="0"/>
+              <a:t>Spam-Schutz? Wie? Ähnlichkeit? </a:t>
+            </a:r>
+            <a:r>
+              <a:rPr lang="de-DE" dirty="0">
+                <a:sym typeface="Wingdings" panose="05000000000000000000" pitchFamily="2" charset="2"/>
+              </a:rPr>
+              <a:t> Aufwendig</a:t>
+            </a:r>
+          </a:p>
+          <a:p>
+            <a:pPr marL="171450" indent="-171450">
+              <a:buFont typeface="Arial" panose="020B0604020202020204" pitchFamily="34" charset="0"/>
+              <a:buChar char="•"/>
+            </a:pPr>
+            <a:r>
+              <a:rPr lang="de-DE" dirty="0">
+                <a:sym typeface="Wingdings" panose="05000000000000000000" pitchFamily="2" charset="2"/>
+              </a:rPr>
+              <a:t>Bei Pflichtkriterien auch kein Mehrwert für Punkt 2, da nicht so aufwendige </a:t>
+            </a:r>
+            <a:r>
+              <a:rPr lang="de-DE">
+                <a:sym typeface="Wingdings" panose="05000000000000000000" pitchFamily="2" charset="2"/>
+              </a:rPr>
+              <a:t>Projekte möglich</a:t>
+            </a:r>
+            <a:endParaRPr lang="de-DE"/>
           </a:p>
         </p:txBody>
       </p:sp>
@@ -5138,7 +5219,7 @@
     </p:spTree>
     <p:extLst>
       <p:ext uri="{BB962C8B-B14F-4D97-AF65-F5344CB8AC3E}">
-        <p14:creationId xmlns:p14="http://schemas.microsoft.com/office/powerpoint/2010/main" val="1158242524"/>
+        <p14:creationId xmlns:p14="http://schemas.microsoft.com/office/powerpoint/2010/main" val="4235440513"/>
       </p:ext>
     </p:extLst>
   </p:cSld>
@@ -5194,112 +5275,53 @@
           <a:p>
             <a:r>
               <a:rPr lang="de-DE" dirty="0"/>
+              <a:t>Alice </a:t>
+            </a:r>
+            <a:r>
+              <a:rPr lang="de-DE" dirty="0" err="1"/>
+              <a:t>einzelprojekt</a:t>
+            </a:r>
+            <a:r>
+              <a:rPr lang="de-DE" dirty="0"/>
+              <a:t>:</a:t>
+            </a:r>
+          </a:p>
+          <a:p>
+            <a:r>
+              <a:rPr lang="de-DE" dirty="0"/>
+              <a:t>Idee: Auch wissen wie viel Cola sie trinkt, gern auch im vergleich zum Kaffee</a:t>
+            </a:r>
+          </a:p>
+          <a:p>
+            <a:endParaRPr lang="de-DE" dirty="0"/>
+          </a:p>
+          <a:p>
+            <a:r>
+              <a:rPr lang="de-DE" dirty="0"/>
+              <a:t>-&gt; </a:t>
+            </a:r>
+            <a:r>
+              <a:rPr lang="de-DE" dirty="0" err="1"/>
+              <a:t>möglichkeit</a:t>
+            </a:r>
+            <a:r>
+              <a:rPr lang="de-DE" dirty="0"/>
+              <a:t> </a:t>
+            </a:r>
+            <a:r>
+              <a:rPr lang="de-DE"/>
+              <a:t>das hinzuzufügen? </a:t>
+            </a:r>
+            <a:endParaRPr lang="de-DE" dirty="0"/>
+          </a:p>
+          <a:p>
+            <a:endParaRPr lang="de-DE" dirty="0"/>
+          </a:p>
+          <a:p>
+            <a:r>
+              <a:rPr lang="de-DE" dirty="0"/>
               <a:t>Antonia</a:t>
             </a:r>
-          </a:p>
-          <a:p>
-            <a:r>
-              <a:rPr lang="de-DE" dirty="0"/>
-              <a:t>(90 sec)</a:t>
-            </a:r>
-          </a:p>
-          <a:p>
-            <a:r>
-              <a:rPr lang="de-DE" dirty="0"/>
-              <a:t>Coole Idee:</a:t>
-            </a:r>
-          </a:p>
-          <a:p>
-            <a:r>
-              <a:rPr lang="de-DE" dirty="0"/>
-              <a:t>Zeilen &amp; Spalten hinzufügen</a:t>
-            </a:r>
-          </a:p>
-          <a:p>
-            <a:r>
-              <a:rPr lang="de-DE" dirty="0"/>
-              <a:t>Neue Ideen der Nutzenden umsetzbar</a:t>
-            </a:r>
-          </a:p>
-          <a:p>
-            <a:r>
-              <a:rPr lang="de-DE" dirty="0"/>
-              <a:t>Korrekturmöglichkeiten von ganz alten Daten</a:t>
-            </a:r>
-          </a:p>
-          <a:p>
-            <a:r>
-              <a:rPr lang="de-DE" dirty="0"/>
-              <a:t>Muss nicht alles neu gemacht werden</a:t>
-            </a:r>
-          </a:p>
-          <a:p>
-            <a:endParaRPr lang="de-DE" dirty="0"/>
-          </a:p>
-          <a:p>
-            <a:endParaRPr lang="de-DE" dirty="0"/>
-          </a:p>
-          <a:p>
-            <a:endParaRPr lang="de-DE" dirty="0"/>
-          </a:p>
-          <a:p>
-            <a:pPr marL="171450" indent="-171450">
-              <a:buFontTx/>
-              <a:buChar char="-"/>
-            </a:pPr>
-            <a:r>
-              <a:rPr lang="de-DE" dirty="0"/>
-              <a:t>Hohes Konfliktpotential durch Spalten und Zeilen hinzufügen</a:t>
-            </a:r>
-          </a:p>
-          <a:p>
-            <a:pPr marL="171450" indent="-171450">
-              <a:buFontTx/>
-              <a:buChar char="-"/>
-            </a:pPr>
-            <a:r>
-              <a:rPr lang="de-DE" dirty="0"/>
-              <a:t>Hilft der </a:t>
-            </a:r>
-            <a:r>
-              <a:rPr lang="de-DE" dirty="0" err="1"/>
-              <a:t>Intuitivität</a:t>
-            </a:r>
-            <a:r>
-              <a:rPr lang="de-DE" dirty="0"/>
-              <a:t> nicht</a:t>
-            </a:r>
-          </a:p>
-          <a:p>
-            <a:pPr marL="171450" indent="-171450">
-              <a:buFontTx/>
-              <a:buChar char="-"/>
-            </a:pPr>
-            <a:r>
-              <a:rPr lang="de-DE" dirty="0"/>
-              <a:t>Bringt noch nicht so einen großen </a:t>
-            </a:r>
-            <a:r>
-              <a:rPr lang="de-DE" dirty="0" err="1"/>
-              <a:t>mehrwert</a:t>
-            </a:r>
-            <a:r>
-              <a:rPr lang="de-DE" dirty="0"/>
-              <a:t>, da noch wenig Graphen und die Projekte generell noch nicht so komplex. </a:t>
-            </a:r>
-          </a:p>
-          <a:p>
-            <a:pPr marL="171450" indent="-171450">
-              <a:buFontTx/>
-              <a:buChar char="-"/>
-            </a:pPr>
-            <a:r>
-              <a:rPr lang="de-DE" dirty="0"/>
-              <a:t>Schöne Funktion aber eher weitergehend</a:t>
-            </a:r>
-          </a:p>
-          <a:p>
-            <a:endParaRPr lang="de-DE" dirty="0"/>
           </a:p>
         </p:txBody>
       </p:sp>
@@ -5329,7 +5351,7 @@
     </p:spTree>
     <p:extLst>
       <p:ext uri="{BB962C8B-B14F-4D97-AF65-F5344CB8AC3E}">
-        <p14:creationId xmlns:p14="http://schemas.microsoft.com/office/powerpoint/2010/main" val="2293199994"/>
+        <p14:creationId xmlns:p14="http://schemas.microsoft.com/office/powerpoint/2010/main" val="1158242524"/>
       </p:ext>
     </p:extLst>
   </p:cSld>
@@ -5385,135 +5407,112 @@
           <a:p>
             <a:r>
               <a:rPr lang="de-DE" dirty="0"/>
-              <a:t>WAS?</a:t>
-            </a:r>
+              <a:t>Antonia</a:t>
+            </a:r>
+          </a:p>
+          <a:p>
+            <a:r>
+              <a:rPr lang="de-DE" dirty="0"/>
+              <a:t>(90 sec)</a:t>
+            </a:r>
+          </a:p>
+          <a:p>
+            <a:r>
+              <a:rPr lang="de-DE" dirty="0"/>
+              <a:t>Coole Idee:</a:t>
+            </a:r>
+          </a:p>
+          <a:p>
+            <a:r>
+              <a:rPr lang="de-DE" dirty="0"/>
+              <a:t>Zeilen &amp; Spalten hinzufügen</a:t>
+            </a:r>
+          </a:p>
+          <a:p>
+            <a:r>
+              <a:rPr lang="de-DE" dirty="0"/>
+              <a:t>Neue Ideen der Nutzenden umsetzbar</a:t>
+            </a:r>
+          </a:p>
+          <a:p>
+            <a:r>
+              <a:rPr lang="de-DE" dirty="0"/>
+              <a:t>Korrekturmöglichkeiten von ganz alten Daten</a:t>
+            </a:r>
+          </a:p>
+          <a:p>
+            <a:r>
+              <a:rPr lang="de-DE" dirty="0"/>
+              <a:t>Muss nicht alles neu gemacht werden</a:t>
+            </a:r>
+          </a:p>
+          <a:p>
+            <a:endParaRPr lang="de-DE" dirty="0"/>
+          </a:p>
+          <a:p>
+            <a:endParaRPr lang="de-DE" dirty="0"/>
+          </a:p>
+          <a:p>
+            <a:endParaRPr lang="de-DE" dirty="0"/>
           </a:p>
           <a:p>
             <a:pPr marL="171450" indent="-171450">
-              <a:buFont typeface="Arial" panose="020B0604020202020204" pitchFamily="34" charset="0"/>
-              <a:buChar char="•"/>
+              <a:buFontTx/>
+              <a:buChar char="-"/>
             </a:pPr>
             <a:r>
               <a:rPr lang="de-DE" dirty="0"/>
-              <a:t>Nutzer kann Mapping Tabelle -&gt; Graph einstellen</a:t>
+              <a:t>Hohes Konfliktpotential durch Spalten und Zeilen hinzufügen</a:t>
             </a:r>
           </a:p>
           <a:p>
             <a:pPr marL="171450" indent="-171450">
-              <a:buFont typeface="Arial" panose="020B0604020202020204" pitchFamily="34" charset="0"/>
-              <a:buChar char="•"/>
+              <a:buFontTx/>
+              <a:buChar char="-"/>
             </a:pPr>
             <a:r>
               <a:rPr lang="de-DE" dirty="0"/>
-              <a:t>Beinhaltet Spalte -&gt; Achse, aber auch Funktionen</a:t>
+              <a:t>Hilft der </a:t>
+            </a:r>
+            <a:r>
+              <a:rPr lang="de-DE" dirty="0" err="1"/>
+              <a:t>Intuitivität</a:t>
+            </a:r>
+            <a:r>
+              <a:rPr lang="de-DE" dirty="0"/>
+              <a:t> nicht</a:t>
             </a:r>
           </a:p>
           <a:p>
             <a:pPr marL="171450" indent="-171450">
-              <a:buFont typeface="Arial" panose="020B0604020202020204" pitchFamily="34" charset="0"/>
-              <a:buChar char="•"/>
+              <a:buFontTx/>
+              <a:buChar char="-"/>
             </a:pPr>
+            <a:r>
+              <a:rPr lang="de-DE" dirty="0"/>
+              <a:t>Bringt noch nicht so einen großen </a:t>
+            </a:r>
+            <a:r>
+              <a:rPr lang="de-DE" dirty="0" err="1"/>
+              <a:t>mehrwert</a:t>
+            </a:r>
+            <a:r>
+              <a:rPr lang="de-DE" dirty="0"/>
+              <a:t>, da noch wenig Graphen und die Projekte generell noch nicht so komplex. </a:t>
+            </a:r>
+          </a:p>
+          <a:p>
+            <a:pPr marL="171450" indent="-171450">
+              <a:buFontTx/>
+              <a:buChar char="-"/>
+            </a:pPr>
+            <a:r>
+              <a:rPr lang="de-DE" dirty="0"/>
+              <a:t>Schöne Funktion aber eher weitergehend</a:t>
+            </a:r>
+          </a:p>
+          <a:p>
             <a:endParaRPr lang="de-DE" dirty="0"/>
-          </a:p>
-          <a:p>
-            <a:pPr marL="0" indent="0">
-              <a:buFont typeface="Arial" panose="020B0604020202020204" pitchFamily="34" charset="0"/>
-              <a:buNone/>
-            </a:pPr>
-            <a:r>
-              <a:rPr lang="de-DE" dirty="0"/>
-              <a:t>WARUM?</a:t>
-            </a:r>
-          </a:p>
-          <a:p>
-            <a:pPr marL="171450" indent="-171450">
-              <a:buFont typeface="Arial" panose="020B0604020202020204" pitchFamily="34" charset="0"/>
-              <a:buChar char="•"/>
-            </a:pPr>
-            <a:r>
-              <a:rPr lang="de-DE" dirty="0"/>
-              <a:t>Neue Graphen sind u.U. nicht automatisch </a:t>
-            </a:r>
-            <a:r>
-              <a:rPr lang="de-DE" dirty="0" err="1"/>
-              <a:t>mappbar</a:t>
-            </a:r>
-            <a:endParaRPr lang="de-DE" dirty="0"/>
-          </a:p>
-          <a:p>
-            <a:pPr marL="171450" indent="-171450">
-              <a:buFont typeface="Arial" panose="020B0604020202020204" pitchFamily="34" charset="0"/>
-              <a:buChar char="•"/>
-            </a:pPr>
-            <a:r>
-              <a:rPr lang="de-DE" dirty="0"/>
-              <a:t>Neue Datentypen ebenfalls nicht</a:t>
-            </a:r>
-          </a:p>
-          <a:p>
-            <a:pPr marL="171450" indent="-171450">
-              <a:buFont typeface="Arial" panose="020B0604020202020204" pitchFamily="34" charset="0"/>
-              <a:buChar char="•"/>
-            </a:pPr>
-            <a:r>
-              <a:rPr lang="de-DE" dirty="0"/>
-              <a:t>Was, wenn ich Zeit nicht nur als X-Achse haben will?</a:t>
-            </a:r>
-          </a:p>
-          <a:p>
-            <a:pPr marL="171450" indent="-171450">
-              <a:buFont typeface="Arial" panose="020B0604020202020204" pitchFamily="34" charset="0"/>
-              <a:buChar char="•"/>
-            </a:pPr>
-            <a:r>
-              <a:rPr lang="de-DE" dirty="0"/>
-              <a:t>Automatisch schwierig (eigenes Forschungsfeld), deshalb manuell</a:t>
-            </a:r>
-          </a:p>
-          <a:p>
-            <a:pPr marL="171450" indent="-171450">
-              <a:buFont typeface="Arial" panose="020B0604020202020204" pitchFamily="34" charset="0"/>
-              <a:buChar char="•"/>
-            </a:pPr>
-            <a:endParaRPr lang="de-DE" dirty="0"/>
-          </a:p>
-          <a:p>
-            <a:pPr marL="0" indent="0">
-              <a:buFont typeface="Arial" panose="020B0604020202020204" pitchFamily="34" charset="0"/>
-              <a:buNone/>
-            </a:pPr>
-            <a:r>
-              <a:rPr lang="de-DE" dirty="0"/>
-              <a:t>WUNSCH?</a:t>
-            </a:r>
-          </a:p>
-          <a:p>
-            <a:pPr marL="171450" indent="-171450">
-              <a:buFont typeface="Arial" panose="020B0604020202020204" pitchFamily="34" charset="0"/>
-              <a:buChar char="•"/>
-            </a:pPr>
-            <a:r>
-              <a:rPr lang="de-DE" dirty="0"/>
-              <a:t>In Pflichtkriterien schlicht nicht notwendig / sinnvoll (</a:t>
-            </a:r>
-            <a:r>
-              <a:rPr lang="de-DE" dirty="0">
-                <a:sym typeface="Wingdings" panose="05000000000000000000" pitchFamily="2" charset="2"/>
-              </a:rPr>
-              <a:t>Verwirrung)</a:t>
-            </a:r>
-          </a:p>
-          <a:p>
-            <a:pPr marL="171450" indent="-171450">
-              <a:buFont typeface="Arial" panose="020B0604020202020204" pitchFamily="34" charset="0"/>
-              <a:buChar char="•"/>
-            </a:pPr>
-            <a:r>
-              <a:rPr lang="de-DE" dirty="0">
-                <a:sym typeface="Wingdings" panose="05000000000000000000" pitchFamily="2" charset="2"/>
-              </a:rPr>
-              <a:t>Aufwendige Checks, ob Datentypen überhaupt anwendbar sind für ein Diagramm</a:t>
-            </a:r>
           </a:p>
         </p:txBody>
       </p:sp>
@@ -5543,7 +5542,7 @@
     </p:spTree>
     <p:extLst>
       <p:ext uri="{BB962C8B-B14F-4D97-AF65-F5344CB8AC3E}">
-        <p14:creationId xmlns:p14="http://schemas.microsoft.com/office/powerpoint/2010/main" val="2724110977"/>
+        <p14:creationId xmlns:p14="http://schemas.microsoft.com/office/powerpoint/2010/main" val="2293199994"/>
       </p:ext>
     </p:extLst>
   </p:cSld>
@@ -5609,7 +5608,7 @@
             </a:pPr>
             <a:r>
               <a:rPr lang="de-DE" dirty="0"/>
-              <a:t>Nutzer können Templates (inkl. Bilder von Graphen) auf Server hoch- und von dort herunterladen</a:t>
+              <a:t>Nutzer kann Mapping Tabelle -&gt; Graph einstellen</a:t>
             </a:r>
           </a:p>
           <a:p>
@@ -5619,7 +5618,7 @@
             </a:pPr>
             <a:r>
               <a:rPr lang="de-DE" dirty="0"/>
-              <a:t>Beinhaltet sowohl Projekt- als auch Einstellungstemplates</a:t>
+              <a:t>Beinhaltet Spalte -&gt; Achse, aber auch Funktionen</a:t>
             </a:r>
           </a:p>
           <a:p>
@@ -5646,8 +5645,13 @@
             </a:pPr>
             <a:r>
               <a:rPr lang="de-DE" dirty="0"/>
-              <a:t>Anschauen -&gt; Inspiration</a:t>
-            </a:r>
+              <a:t>Neue Graphen sind u.U. nicht automatisch </a:t>
+            </a:r>
+            <a:r>
+              <a:rPr lang="de-DE" dirty="0" err="1"/>
+              <a:t>mappbar</a:t>
+            </a:r>
+            <a:endParaRPr lang="de-DE" dirty="0"/>
           </a:p>
           <a:p>
             <a:pPr marL="171450" indent="-171450">
@@ -5656,7 +5660,27 @@
             </a:pPr>
             <a:r>
               <a:rPr lang="de-DE" dirty="0"/>
-              <a:t>Coole Idee, aber keine Ahnung, wie umsetzen? Projekttemplate herunterladen</a:t>
+              <a:t>Neue Datentypen ebenfalls nicht</a:t>
+            </a:r>
+          </a:p>
+          <a:p>
+            <a:pPr marL="171450" indent="-171450">
+              <a:buFont typeface="Arial" panose="020B0604020202020204" pitchFamily="34" charset="0"/>
+              <a:buChar char="•"/>
+            </a:pPr>
+            <a:r>
+              <a:rPr lang="de-DE" dirty="0"/>
+              <a:t>Was, wenn ich Zeit nicht nur als X-Achse haben will?</a:t>
+            </a:r>
+          </a:p>
+          <a:p>
+            <a:pPr marL="171450" indent="-171450">
+              <a:buFont typeface="Arial" panose="020B0604020202020204" pitchFamily="34" charset="0"/>
+              <a:buChar char="•"/>
+            </a:pPr>
+            <a:r>
+              <a:rPr lang="de-DE" dirty="0"/>
+              <a:t>Automatisch schwierig (eigenes Forschungsfeld), deshalb manuell</a:t>
             </a:r>
           </a:p>
           <a:p>
@@ -5667,20 +5691,29 @@
             <a:endParaRPr lang="de-DE" dirty="0"/>
           </a:p>
           <a:p>
+            <a:pPr marL="0" indent="0">
+              <a:buFont typeface="Arial" panose="020B0604020202020204" pitchFamily="34" charset="0"/>
+              <a:buNone/>
+            </a:pPr>
+            <a:r>
+              <a:rPr lang="de-DE" dirty="0"/>
+              <a:t>WUNSCH?</a:t>
+            </a:r>
+          </a:p>
+          <a:p>
             <a:pPr marL="171450" indent="-171450">
               <a:buFont typeface="Arial" panose="020B0604020202020204" pitchFamily="34" charset="0"/>
               <a:buChar char="•"/>
             </a:pPr>
-            <a:endParaRPr lang="de-DE" dirty="0"/>
-          </a:p>
-          <a:p>
-            <a:pPr marL="0" indent="0">
-              <a:buFont typeface="Arial" panose="020B0604020202020204" pitchFamily="34" charset="0"/>
-              <a:buNone/>
-            </a:pPr>
             <a:r>
               <a:rPr lang="de-DE" dirty="0"/>
-              <a:t>WUNSCH?</a:t>
+              <a:t>In Pflichtkriterien schlicht nicht notwendig / sinnvoll (</a:t>
+            </a:r>
+            <a:r>
+              <a:rPr lang="de-DE" dirty="0">
+                <a:sym typeface="Wingdings" panose="05000000000000000000" pitchFamily="2" charset="2"/>
+              </a:rPr>
+              <a:t>Verwirrung)</a:t>
             </a:r>
           </a:p>
           <a:p>
@@ -5689,44 +5722,11 @@
               <a:buChar char="•"/>
             </a:pPr>
             <a:r>
-              <a:rPr lang="de-DE" dirty="0"/>
-              <a:t>Serverauslastung schwerer vorhersehbar als bei Online-Projekten</a:t>
-            </a:r>
-          </a:p>
-          <a:p>
-            <a:pPr marL="171450" indent="-171450">
-              <a:buFont typeface="Arial" panose="020B0604020202020204" pitchFamily="34" charset="0"/>
-              <a:buChar char="•"/>
-            </a:pPr>
-            <a:r>
-              <a:rPr lang="de-DE" dirty="0"/>
-              <a:t>Spam-Schutz? Wie? Ähnlichkeit? </a:t>
-            </a:r>
-            <a:r>
               <a:rPr lang="de-DE" dirty="0">
                 <a:sym typeface="Wingdings" panose="05000000000000000000" pitchFamily="2" charset="2"/>
               </a:rPr>
-              <a:t> Aufwendig</a:t>
-            </a:r>
-          </a:p>
-          <a:p>
-            <a:pPr marL="171450" indent="-171450">
-              <a:buFont typeface="Arial" panose="020B0604020202020204" pitchFamily="34" charset="0"/>
-              <a:buChar char="•"/>
-            </a:pPr>
-            <a:r>
-              <a:rPr lang="de-DE" dirty="0">
-                <a:sym typeface="Wingdings" panose="05000000000000000000" pitchFamily="2" charset="2"/>
-              </a:rPr>
-              <a:t>Bei Pflichtkriterien auch kein Mehrwert für Punkt 2, da nicht so aufwendige </a:t>
-            </a:r>
-            <a:r>
-              <a:rPr lang="de-DE">
-                <a:sym typeface="Wingdings" panose="05000000000000000000" pitchFamily="2" charset="2"/>
-              </a:rPr>
-              <a:t>Projekte möglich</a:t>
-            </a:r>
-            <a:endParaRPr lang="de-DE"/>
+              <a:t>Aufwendige Checks, ob Datentypen überhaupt anwendbar sind für ein Diagramm</a:t>
+            </a:r>
           </a:p>
         </p:txBody>
       </p:sp>
@@ -5756,7 +5756,7 @@
     </p:spTree>
     <p:extLst>
       <p:ext uri="{BB962C8B-B14F-4D97-AF65-F5344CB8AC3E}">
-        <p14:creationId xmlns:p14="http://schemas.microsoft.com/office/powerpoint/2010/main" val="4235440513"/>
+        <p14:creationId xmlns:p14="http://schemas.microsoft.com/office/powerpoint/2010/main" val="2724110977"/>
       </p:ext>
     </p:extLst>
   </p:cSld>
@@ -10180,7 +10180,7 @@
           <a:p>
             <a:r>
               <a:rPr lang="de-DE" dirty="0"/>
-              <a:t>Pflichtenheft</a:t>
+              <a:t>Definitionsphase</a:t>
             </a:r>
           </a:p>
         </p:txBody>
@@ -10424,47 +10424,40 @@
           <a:chExt cx="0" cy="0"/>
         </a:xfrm>
       </p:grpSpPr>
-      <p:pic>
-        <p:nvPicPr>
-          <p:cNvPr id="7" name="Inhaltsplatzhalter 6" descr="Frau mit einfarbiger Füllung">
+      <p:sp>
+        <p:nvSpPr>
+          <p:cNvPr id="2" name="Titel 1">
             <a:extLst>
               <a:ext uri="{FF2B5EF4-FFF2-40B4-BE49-F238E27FC236}">
-                <a16:creationId xmlns:a16="http://schemas.microsoft.com/office/drawing/2014/main" id="{B672DE49-A8E7-7749-A03D-3566A208D9D7}"/>
+                <a16:creationId xmlns:a16="http://schemas.microsoft.com/office/drawing/2014/main" id="{42DB923A-A1B1-8648-BD87-4A32709229CC}"/>
               </a:ext>
             </a:extLst>
           </p:cNvPr>
-          <p:cNvPicPr>
-            <a:picLocks noGrp="1" noChangeAspect="1"/>
-          </p:cNvPicPr>
+          <p:cNvSpPr>
+            <a:spLocks noGrp="1"/>
+          </p:cNvSpPr>
           <p:nvPr>
-            <p:ph idx="1"/>
+            <p:ph type="title"/>
           </p:nvPr>
-        </p:nvPicPr>
-        <p:blipFill>
-          <a:blip r:embed="rId3">
-            <a:extLst>
-              <a:ext uri="{96DAC541-7B7A-43D3-8B79-37D633B846F1}">
-                <asvg:svgBlip xmlns:asvg="http://schemas.microsoft.com/office/drawing/2016/SVG/main" r:embed="rId4"/>
-              </a:ext>
-            </a:extLst>
-          </a:blip>
-          <a:stretch>
-            <a:fillRect/>
-          </a:stretch>
-        </p:blipFill>
-        <p:spPr>
-          <a:xfrm>
-            <a:off x="1607127" y="1909258"/>
-            <a:ext cx="2396836" cy="2396836"/>
-          </a:xfrm>
-        </p:spPr>
-      </p:pic>
+        </p:nvSpPr>
+        <p:spPr/>
+        <p:txBody>
+          <a:bodyPr/>
+          <a:lstStyle/>
+          <a:p>
+            <a:r>
+              <a:rPr lang="de-DE" dirty="0"/>
+              <a:t>Hochladen von Templates</a:t>
+            </a:r>
+          </a:p>
+        </p:txBody>
+      </p:sp>
       <p:sp>
         <p:nvSpPr>
           <p:cNvPr id="4" name="Datumsplatzhalter 3">
             <a:extLst>
               <a:ext uri="{FF2B5EF4-FFF2-40B4-BE49-F238E27FC236}">
-                <a16:creationId xmlns:a16="http://schemas.microsoft.com/office/drawing/2014/main" id="{E19FA10C-737D-6347-9EE4-72BB845236FF}"/>
+                <a16:creationId xmlns:a16="http://schemas.microsoft.com/office/drawing/2014/main" id="{792E0081-E7AC-E740-B2D3-182E8F042CCE}"/>
               </a:ext>
             </a:extLst>
           </p:cNvPr>
@@ -10492,7 +10485,7 @@
           <p:cNvPr id="5" name="Foliennummernplatzhalter 4">
             <a:extLst>
               <a:ext uri="{FF2B5EF4-FFF2-40B4-BE49-F238E27FC236}">
-                <a16:creationId xmlns:a16="http://schemas.microsoft.com/office/drawing/2014/main" id="{25E81763-1F78-3E42-9F48-9FD645C972D2}"/>
+                <a16:creationId xmlns:a16="http://schemas.microsoft.com/office/drawing/2014/main" id="{1DDFCF15-B3DF-E844-B016-FD1566765C8D}"/>
               </a:ext>
             </a:extLst>
           </p:cNvPr>
@@ -10516,523 +10509,12 @@
           </a:p>
         </p:txBody>
       </p:sp>
-      <p:pic>
-        <p:nvPicPr>
-          <p:cNvPr id="9" name="Grafik 8" descr="Flasche mit einfarbiger Füllung">
-            <a:extLst>
-              <a:ext uri="{FF2B5EF4-FFF2-40B4-BE49-F238E27FC236}">
-                <a16:creationId xmlns:a16="http://schemas.microsoft.com/office/drawing/2014/main" id="{7B071123-7BB5-B442-92A0-B54D32729818}"/>
-              </a:ext>
-            </a:extLst>
-          </p:cNvPr>
-          <p:cNvPicPr>
-            <a:picLocks noChangeAspect="1"/>
-          </p:cNvPicPr>
-          <p:nvPr/>
-        </p:nvPicPr>
-        <p:blipFill>
-          <a:blip r:embed="rId5">
-            <a:extLst>
-              <a:ext uri="{96DAC541-7B7A-43D3-8B79-37D633B846F1}">
-                <asvg:svgBlip xmlns:asvg="http://schemas.microsoft.com/office/drawing/2016/SVG/main" r:embed="rId6"/>
-              </a:ext>
-            </a:extLst>
-          </a:blip>
-          <a:stretch>
-            <a:fillRect/>
-          </a:stretch>
-        </p:blipFill>
-        <p:spPr>
-          <a:xfrm>
-            <a:off x="5638800" y="3107676"/>
-            <a:ext cx="1745673" cy="1745673"/>
-          </a:xfrm>
-          <a:prstGeom prst="rect">
-            <a:avLst/>
-          </a:prstGeom>
-        </p:spPr>
-      </p:pic>
-      <p:pic>
-        <p:nvPicPr>
-          <p:cNvPr id="11" name="Grafik 10" descr="Kaffee mit einfarbiger Füllung">
-            <a:extLst>
-              <a:ext uri="{FF2B5EF4-FFF2-40B4-BE49-F238E27FC236}">
-                <a16:creationId xmlns:a16="http://schemas.microsoft.com/office/drawing/2014/main" id="{B2FF02C6-5F90-7C49-8FB7-4D8FCCE30638}"/>
-              </a:ext>
-            </a:extLst>
-          </p:cNvPr>
-          <p:cNvPicPr>
-            <a:picLocks noChangeAspect="1"/>
-          </p:cNvPicPr>
-          <p:nvPr/>
-        </p:nvPicPr>
-        <p:blipFill>
-          <a:blip r:embed="rId7">
-            <a:extLst>
-              <a:ext uri="{96DAC541-7B7A-43D3-8B79-37D633B846F1}">
-                <asvg:svgBlip xmlns:asvg="http://schemas.microsoft.com/office/drawing/2016/SVG/main" r:embed="rId8"/>
-              </a:ext>
-            </a:extLst>
-          </a:blip>
-          <a:stretch>
-            <a:fillRect/>
-          </a:stretch>
-        </p:blipFill>
-        <p:spPr>
-          <a:xfrm>
-            <a:off x="7301347" y="3034145"/>
-            <a:ext cx="1745672" cy="1745672"/>
-          </a:xfrm>
-          <a:prstGeom prst="rect">
-            <a:avLst/>
-          </a:prstGeom>
-        </p:spPr>
-      </p:pic>
-      <p:pic>
-        <p:nvPicPr>
-          <p:cNvPr id="12" name="Grafik 11" descr="Flasche mit einfarbiger Füllung">
-            <a:extLst>
-              <a:ext uri="{FF2B5EF4-FFF2-40B4-BE49-F238E27FC236}">
-                <a16:creationId xmlns:a16="http://schemas.microsoft.com/office/drawing/2014/main" id="{5F0CED33-0E61-D649-ACB7-0C25A3B72DE6}"/>
-              </a:ext>
-            </a:extLst>
-          </p:cNvPr>
-          <p:cNvPicPr>
-            <a:picLocks noChangeAspect="1"/>
-          </p:cNvPicPr>
-          <p:nvPr/>
-        </p:nvPicPr>
-        <p:blipFill>
-          <a:blip r:embed="rId5">
-            <a:extLst>
-              <a:ext uri="{96DAC541-7B7A-43D3-8B79-37D633B846F1}">
-                <asvg:svgBlip xmlns:asvg="http://schemas.microsoft.com/office/drawing/2016/SVG/main" r:embed="rId6"/>
-              </a:ext>
-            </a:extLst>
-          </a:blip>
-          <a:stretch>
-            <a:fillRect/>
-          </a:stretch>
-        </p:blipFill>
-        <p:spPr>
-          <a:xfrm>
-            <a:off x="6497782" y="1580753"/>
-            <a:ext cx="1745673" cy="1745673"/>
-          </a:xfrm>
-          <a:prstGeom prst="rect">
-            <a:avLst/>
-          </a:prstGeom>
-        </p:spPr>
-      </p:pic>
-      <p:pic>
-        <p:nvPicPr>
-          <p:cNvPr id="13" name="Grafik 12" descr="Kaffee mit einfarbiger Füllung">
-            <a:extLst>
-              <a:ext uri="{FF2B5EF4-FFF2-40B4-BE49-F238E27FC236}">
-                <a16:creationId xmlns:a16="http://schemas.microsoft.com/office/drawing/2014/main" id="{C4663941-8982-6347-8B64-E62DB881DDBD}"/>
-              </a:ext>
-            </a:extLst>
-          </p:cNvPr>
-          <p:cNvPicPr>
-            <a:picLocks noChangeAspect="1"/>
-          </p:cNvPicPr>
-          <p:nvPr/>
-        </p:nvPicPr>
-        <p:blipFill>
-          <a:blip r:embed="rId7">
-            <a:extLst>
-              <a:ext uri="{96DAC541-7B7A-43D3-8B79-37D633B846F1}">
-                <asvg:svgBlip xmlns:asvg="http://schemas.microsoft.com/office/drawing/2016/SVG/main" r:embed="rId8"/>
-              </a:ext>
-            </a:extLst>
-          </a:blip>
-          <a:stretch>
-            <a:fillRect/>
-          </a:stretch>
-        </p:blipFill>
-        <p:spPr>
-          <a:xfrm>
-            <a:off x="8534403" y="1580753"/>
-            <a:ext cx="1745672" cy="1745672"/>
-          </a:xfrm>
-          <a:prstGeom prst="rect">
-            <a:avLst/>
-          </a:prstGeom>
-        </p:spPr>
-      </p:pic>
-      <p:pic>
-        <p:nvPicPr>
-          <p:cNvPr id="14" name="Grafik 13" descr="Fragezeichen mit einfarbiger Füllung">
-            <a:extLst>
-              <a:ext uri="{FF2B5EF4-FFF2-40B4-BE49-F238E27FC236}">
-                <a16:creationId xmlns:a16="http://schemas.microsoft.com/office/drawing/2014/main" id="{376A232C-4C36-C646-A410-41DBABFACAC8}"/>
-              </a:ext>
-            </a:extLst>
-          </p:cNvPr>
-          <p:cNvPicPr>
-            <a:picLocks noChangeAspect="1"/>
-          </p:cNvPicPr>
-          <p:nvPr/>
-        </p:nvPicPr>
-        <p:blipFill>
-          <a:blip r:embed="rId9">
-            <a:extLst>
-              <a:ext uri="{96DAC541-7B7A-43D3-8B79-37D633B846F1}">
-                <asvg:svgBlip xmlns:asvg="http://schemas.microsoft.com/office/drawing/2016/SVG/main" r:embed="rId10"/>
-              </a:ext>
-            </a:extLst>
-          </a:blip>
-          <a:stretch>
-            <a:fillRect/>
-          </a:stretch>
-        </p:blipFill>
-        <p:spPr>
-          <a:xfrm>
-            <a:off x="4225635" y="2071254"/>
-            <a:ext cx="1925782" cy="1925782"/>
-          </a:xfrm>
-          <a:prstGeom prst="rect">
-            <a:avLst/>
-          </a:prstGeom>
-        </p:spPr>
-      </p:pic>
-    </p:spTree>
-    <p:extLst>
-      <p:ext uri="{BB962C8B-B14F-4D97-AF65-F5344CB8AC3E}">
-        <p14:creationId xmlns:p14="http://schemas.microsoft.com/office/powerpoint/2010/main" val="1841952403"/>
-      </p:ext>
-    </p:extLst>
-  </p:cSld>
-  <p:clrMapOvr>
-    <a:masterClrMapping/>
-  </p:clrMapOvr>
-</p:sld>
-</file>
-
-<file path=ppt/slides/slide12.xml><?xml version="1.0" encoding="utf-8"?>
-<p:sld xmlns:a="http://schemas.openxmlformats.org/drawingml/2006/main" xmlns:r="http://schemas.openxmlformats.org/officeDocument/2006/relationships" xmlns:p="http://schemas.openxmlformats.org/presentationml/2006/main">
-  <p:cSld>
-    <p:spTree>
-      <p:nvGrpSpPr>
-        <p:cNvPr id="1" name=""/>
-        <p:cNvGrpSpPr/>
-        <p:nvPr/>
-      </p:nvGrpSpPr>
-      <p:grpSpPr>
-        <a:xfrm>
-          <a:off x="0" y="0"/>
-          <a:ext cx="0" cy="0"/>
-          <a:chOff x="0" y="0"/>
-          <a:chExt cx="0" cy="0"/>
-        </a:xfrm>
-      </p:grpSpPr>
-      <p:sp>
-        <p:nvSpPr>
-          <p:cNvPr id="2" name="Titel 1">
-            <a:extLst>
-              <a:ext uri="{FF2B5EF4-FFF2-40B4-BE49-F238E27FC236}">
-                <a16:creationId xmlns:a16="http://schemas.microsoft.com/office/drawing/2014/main" id="{DC10472C-A722-2447-B559-3E2A15526694}"/>
-              </a:ext>
-            </a:extLst>
-          </p:cNvPr>
-          <p:cNvSpPr>
-            <a:spLocks noGrp="1"/>
-          </p:cNvSpPr>
-          <p:nvPr>
-            <p:ph type="title"/>
-          </p:nvPr>
-        </p:nvSpPr>
-        <p:spPr/>
-        <p:txBody>
-          <a:bodyPr/>
-          <a:lstStyle/>
-          <a:p>
-            <a:r>
-              <a:rPr lang="de-DE" dirty="0"/>
-              <a:t>Tabelle bearbeiten</a:t>
-            </a:r>
-          </a:p>
-        </p:txBody>
-      </p:sp>
-      <p:sp>
-        <p:nvSpPr>
-          <p:cNvPr id="3" name="Inhaltsplatzhalter 2">
-            <a:extLst>
-              <a:ext uri="{FF2B5EF4-FFF2-40B4-BE49-F238E27FC236}">
-                <a16:creationId xmlns:a16="http://schemas.microsoft.com/office/drawing/2014/main" id="{B4CE9685-B6BD-E54F-9949-8301147A8987}"/>
-              </a:ext>
-            </a:extLst>
-          </p:cNvPr>
-          <p:cNvSpPr>
-            <a:spLocks noGrp="1"/>
-          </p:cNvSpPr>
-          <p:nvPr>
-            <p:ph sz="half" idx="1"/>
-          </p:nvPr>
-        </p:nvSpPr>
-        <p:spPr/>
-        <p:txBody>
-          <a:bodyPr/>
-          <a:lstStyle/>
-          <a:p>
-            <a:pPr marL="0" indent="0">
-              <a:buNone/>
-            </a:pPr>
-            <a:r>
-              <a:rPr lang="de-DE" i="1" dirty="0"/>
-              <a:t>Warum gewünscht: </a:t>
-            </a:r>
-          </a:p>
-          <a:p>
-            <a:pPr marL="0" indent="0">
-              <a:buNone/>
-            </a:pPr>
-            <a:endParaRPr lang="de-DE" dirty="0"/>
-          </a:p>
-          <a:p>
-            <a:r>
-              <a:rPr lang="de-DE" dirty="0"/>
-              <a:t>Zeilen &amp; Spalten hinzufügen</a:t>
-            </a:r>
-          </a:p>
-          <a:p>
-            <a:r>
-              <a:rPr lang="de-DE" dirty="0"/>
-              <a:t>Neue Ideen</a:t>
-            </a:r>
-          </a:p>
-          <a:p>
-            <a:r>
-              <a:rPr lang="de-DE" dirty="0"/>
-              <a:t>Korrekturmöglichkeiten</a:t>
-            </a:r>
-          </a:p>
-        </p:txBody>
-      </p:sp>
-      <p:sp>
-        <p:nvSpPr>
-          <p:cNvPr id="4" name="Inhaltsplatzhalter 3">
-            <a:extLst>
-              <a:ext uri="{FF2B5EF4-FFF2-40B4-BE49-F238E27FC236}">
-                <a16:creationId xmlns:a16="http://schemas.microsoft.com/office/drawing/2014/main" id="{1825F776-8941-3A45-808C-5F30340B4C02}"/>
-              </a:ext>
-            </a:extLst>
-          </p:cNvPr>
-          <p:cNvSpPr>
-            <a:spLocks noGrp="1"/>
-          </p:cNvSpPr>
-          <p:nvPr>
-            <p:ph sz="half" idx="2"/>
-          </p:nvPr>
-        </p:nvSpPr>
-        <p:spPr/>
-        <p:txBody>
-          <a:bodyPr/>
-          <a:lstStyle/>
-          <a:p>
-            <a:pPr marL="0" indent="0">
-              <a:buNone/>
-            </a:pPr>
-            <a:r>
-              <a:rPr lang="de-DE" i="1" dirty="0"/>
-              <a:t>Warum Wunsch:</a:t>
-            </a:r>
-          </a:p>
-          <a:p>
-            <a:pPr marL="0" indent="0">
-              <a:buNone/>
-            </a:pPr>
-            <a:endParaRPr lang="de-DE" dirty="0"/>
-          </a:p>
-          <a:p>
-            <a:r>
-              <a:rPr lang="de-DE" dirty="0"/>
-              <a:t>Hohes Konfliktpotential</a:t>
-            </a:r>
-          </a:p>
-          <a:p>
-            <a:endParaRPr lang="de-DE" dirty="0"/>
-          </a:p>
-        </p:txBody>
-      </p:sp>
-      <p:sp>
-        <p:nvSpPr>
-          <p:cNvPr id="5" name="Datumsplatzhalter 4">
-            <a:extLst>
-              <a:ext uri="{FF2B5EF4-FFF2-40B4-BE49-F238E27FC236}">
-                <a16:creationId xmlns:a16="http://schemas.microsoft.com/office/drawing/2014/main" id="{D8780823-4011-B446-8F50-A7EEA649C23D}"/>
-              </a:ext>
-            </a:extLst>
-          </p:cNvPr>
-          <p:cNvSpPr>
-            <a:spLocks noGrp="1"/>
-          </p:cNvSpPr>
-          <p:nvPr>
-            <p:ph type="dt" sz="half" idx="10"/>
-          </p:nvPr>
-        </p:nvSpPr>
-        <p:spPr/>
-        <p:txBody>
-          <a:bodyPr/>
-          <a:lstStyle/>
-          <a:p>
-            <a:r>
-              <a:rPr lang="de-DE"/>
-              <a:t>03.12.21</a:t>
-            </a:r>
-          </a:p>
-        </p:txBody>
-      </p:sp>
-      <p:sp>
-        <p:nvSpPr>
-          <p:cNvPr id="6" name="Foliennummernplatzhalter 5">
-            <a:extLst>
-              <a:ext uri="{FF2B5EF4-FFF2-40B4-BE49-F238E27FC236}">
-                <a16:creationId xmlns:a16="http://schemas.microsoft.com/office/drawing/2014/main" id="{B5EE29CD-5AC9-344B-8B73-C8F68BF714AA}"/>
-              </a:ext>
-            </a:extLst>
-          </p:cNvPr>
-          <p:cNvSpPr>
-            <a:spLocks noGrp="1"/>
-          </p:cNvSpPr>
-          <p:nvPr>
-            <p:ph type="sldNum" sz="quarter" idx="12"/>
-          </p:nvPr>
-        </p:nvSpPr>
-        <p:spPr/>
-        <p:txBody>
-          <a:bodyPr/>
-          <a:lstStyle/>
-          <a:p>
-            <a:fld id="{C1951030-1712-A844-813B-C453E8FB818E}" type="slidenum">
-              <a:rPr lang="de-DE" smtClean="0"/>
-              <a:t>12</a:t>
-            </a:fld>
-            <a:endParaRPr lang="de-DE"/>
-          </a:p>
-        </p:txBody>
-      </p:sp>
-    </p:spTree>
-    <p:extLst>
-      <p:ext uri="{BB962C8B-B14F-4D97-AF65-F5344CB8AC3E}">
-        <p14:creationId xmlns:p14="http://schemas.microsoft.com/office/powerpoint/2010/main" val="4009044167"/>
-      </p:ext>
-    </p:extLst>
-  </p:cSld>
-  <p:clrMapOvr>
-    <a:masterClrMapping/>
-  </p:clrMapOvr>
-</p:sld>
-</file>
-
-<file path=ppt/slides/slide13.xml><?xml version="1.0" encoding="utf-8"?>
-<p:sld xmlns:a="http://schemas.openxmlformats.org/drawingml/2006/main" xmlns:r="http://schemas.openxmlformats.org/officeDocument/2006/relationships" xmlns:p="http://schemas.openxmlformats.org/presentationml/2006/main">
-  <p:cSld>
-    <p:spTree>
-      <p:nvGrpSpPr>
-        <p:cNvPr id="1" name=""/>
-        <p:cNvGrpSpPr/>
-        <p:nvPr/>
-      </p:nvGrpSpPr>
-      <p:grpSpPr>
-        <a:xfrm>
-          <a:off x="0" y="0"/>
-          <a:ext cx="0" cy="0"/>
-          <a:chOff x="0" y="0"/>
-          <a:chExt cx="0" cy="0"/>
-        </a:xfrm>
-      </p:grpSpPr>
-      <p:sp>
-        <p:nvSpPr>
-          <p:cNvPr id="2" name="Titel 1">
-            <a:extLst>
-              <a:ext uri="{FF2B5EF4-FFF2-40B4-BE49-F238E27FC236}">
-                <a16:creationId xmlns:a16="http://schemas.microsoft.com/office/drawing/2014/main" id="{FEBB81A3-B09F-9E4F-99C9-B6FA29532151}"/>
-              </a:ext>
-            </a:extLst>
-          </p:cNvPr>
-          <p:cNvSpPr>
-            <a:spLocks noGrp="1"/>
-          </p:cNvSpPr>
-          <p:nvPr>
-            <p:ph type="title"/>
-          </p:nvPr>
-        </p:nvSpPr>
-        <p:spPr/>
-        <p:txBody>
-          <a:bodyPr/>
-          <a:lstStyle/>
-          <a:p>
-            <a:r>
-              <a:rPr lang="de-DE" dirty="0"/>
-              <a:t>Parametrisierung</a:t>
-            </a:r>
-          </a:p>
-        </p:txBody>
-      </p:sp>
-      <p:sp>
-        <p:nvSpPr>
-          <p:cNvPr id="4" name="Datumsplatzhalter 3">
-            <a:extLst>
-              <a:ext uri="{FF2B5EF4-FFF2-40B4-BE49-F238E27FC236}">
-                <a16:creationId xmlns:a16="http://schemas.microsoft.com/office/drawing/2014/main" id="{37E5153A-0133-6446-8E9C-1E524EC4F28E}"/>
-              </a:ext>
-            </a:extLst>
-          </p:cNvPr>
-          <p:cNvSpPr>
-            <a:spLocks noGrp="1"/>
-          </p:cNvSpPr>
-          <p:nvPr>
-            <p:ph type="dt" sz="half" idx="10"/>
-          </p:nvPr>
-        </p:nvSpPr>
-        <p:spPr/>
-        <p:txBody>
-          <a:bodyPr/>
-          <a:lstStyle/>
-          <a:p>
-            <a:r>
-              <a:rPr lang="de-DE"/>
-              <a:t>03.12.21</a:t>
-            </a:r>
-          </a:p>
-        </p:txBody>
-      </p:sp>
-      <p:sp>
-        <p:nvSpPr>
-          <p:cNvPr id="5" name="Foliennummernplatzhalter 4">
-            <a:extLst>
-              <a:ext uri="{FF2B5EF4-FFF2-40B4-BE49-F238E27FC236}">
-                <a16:creationId xmlns:a16="http://schemas.microsoft.com/office/drawing/2014/main" id="{83177281-6097-E248-B00D-0814B4886B8D}"/>
-              </a:ext>
-            </a:extLst>
-          </p:cNvPr>
-          <p:cNvSpPr>
-            <a:spLocks noGrp="1"/>
-          </p:cNvSpPr>
-          <p:nvPr>
-            <p:ph type="sldNum" sz="quarter" idx="12"/>
-          </p:nvPr>
-        </p:nvSpPr>
-        <p:spPr/>
-        <p:txBody>
-          <a:bodyPr/>
-          <a:lstStyle/>
-          <a:p>
-            <a:fld id="{C1951030-1712-A844-813B-C453E8FB818E}" type="slidenum">
-              <a:rPr lang="de-DE" smtClean="0"/>
-              <a:t>13</a:t>
-            </a:fld>
-            <a:endParaRPr lang="de-DE"/>
-          </a:p>
-        </p:txBody>
-      </p:sp>
       <p:sp>
         <p:nvSpPr>
           <p:cNvPr id="6" name="Inhaltsplatzhalter 2">
             <a:extLst>
               <a:ext uri="{FF2B5EF4-FFF2-40B4-BE49-F238E27FC236}">
-                <a16:creationId xmlns:a16="http://schemas.microsoft.com/office/drawing/2014/main" id="{8A76C604-608B-4DA8-92CD-CD20B2C59395}"/>
+                <a16:creationId xmlns:a16="http://schemas.microsoft.com/office/drawing/2014/main" id="{64F14DAB-9492-48F6-9352-749778F15D15}"/>
               </a:ext>
             </a:extLst>
           </p:cNvPr>
@@ -11225,7 +10707,7 @@
             </a:pPr>
             <a:r>
               <a:rPr lang="de-DE" i="1" dirty="0"/>
-              <a:t>Warum gewünscht: </a:t>
+              <a:t>Warum interessant: </a:t>
             </a:r>
           </a:p>
           <a:p>
@@ -11238,19 +10720,13 @@
           <a:p>
             <a:r>
               <a:rPr lang="de-DE" dirty="0"/>
-              <a:t>Neue Graphen</a:t>
+              <a:t>Inspiration für Projekte von anderen Nutzern</a:t>
             </a:r>
           </a:p>
           <a:p>
             <a:r>
               <a:rPr lang="de-DE" dirty="0"/>
-              <a:t>Neue Datentypen</a:t>
-            </a:r>
-          </a:p>
-          <a:p>
-            <a:r>
-              <a:rPr lang="de-DE" dirty="0"/>
-              <a:t>Andere Verwendung der existierende Graphen</a:t>
+              <a:t>Einfache Möglichkeit, aufwendigere Projekte zu starten</a:t>
             </a:r>
           </a:p>
         </p:txBody>
@@ -11260,7 +10736,7 @@
           <p:cNvPr id="7" name="Inhaltsplatzhalter 3">
             <a:extLst>
               <a:ext uri="{FF2B5EF4-FFF2-40B4-BE49-F238E27FC236}">
-                <a16:creationId xmlns:a16="http://schemas.microsoft.com/office/drawing/2014/main" id="{2809ED00-FEDA-4690-A59A-884CFB5FDA2C}"/>
+                <a16:creationId xmlns:a16="http://schemas.microsoft.com/office/drawing/2014/main" id="{52C3776E-0D32-4519-8F17-3FCD3E951196}"/>
               </a:ext>
             </a:extLst>
           </p:cNvPr>
@@ -11464,13 +10940,13 @@
           <a:p>
             <a:r>
               <a:rPr lang="de-DE" dirty="0"/>
-              <a:t>Bei Basisdatentypen /-graphen nicht notwendig</a:t>
+              <a:t>Deutlich schwieriger einschätzbare Serverauslastung</a:t>
             </a:r>
           </a:p>
           <a:p>
             <a:r>
               <a:rPr lang="de-DE" dirty="0"/>
-              <a:t>Teilweise aufwendige Checks notwendig</a:t>
+              <a:t>Kein Mehrwert bei Basisdatentypen /-graphen</a:t>
             </a:r>
           </a:p>
           <a:p>
@@ -11481,7 +10957,525 @@
     </p:spTree>
     <p:extLst>
       <p:ext uri="{BB962C8B-B14F-4D97-AF65-F5344CB8AC3E}">
-        <p14:creationId xmlns:p14="http://schemas.microsoft.com/office/powerpoint/2010/main" val="2401719195"/>
+        <p14:creationId xmlns:p14="http://schemas.microsoft.com/office/powerpoint/2010/main" val="2432425423"/>
+      </p:ext>
+    </p:extLst>
+  </p:cSld>
+  <p:clrMapOvr>
+    <a:masterClrMapping/>
+  </p:clrMapOvr>
+</p:sld>
+</file>
+
+<file path=ppt/slides/slide12.xml><?xml version="1.0" encoding="utf-8"?>
+<p:sld xmlns:a="http://schemas.openxmlformats.org/drawingml/2006/main" xmlns:r="http://schemas.openxmlformats.org/officeDocument/2006/relationships" xmlns:p="http://schemas.openxmlformats.org/presentationml/2006/main">
+  <p:cSld>
+    <p:spTree>
+      <p:nvGrpSpPr>
+        <p:cNvPr id="1" name=""/>
+        <p:cNvGrpSpPr/>
+        <p:nvPr/>
+      </p:nvGrpSpPr>
+      <p:grpSpPr>
+        <a:xfrm>
+          <a:off x="0" y="0"/>
+          <a:ext cx="0" cy="0"/>
+          <a:chOff x="0" y="0"/>
+          <a:chExt cx="0" cy="0"/>
+        </a:xfrm>
+      </p:grpSpPr>
+      <p:pic>
+        <p:nvPicPr>
+          <p:cNvPr id="7" name="Inhaltsplatzhalter 6" descr="Frau mit einfarbiger Füllung">
+            <a:extLst>
+              <a:ext uri="{FF2B5EF4-FFF2-40B4-BE49-F238E27FC236}">
+                <a16:creationId xmlns:a16="http://schemas.microsoft.com/office/drawing/2014/main" id="{B672DE49-A8E7-7749-A03D-3566A208D9D7}"/>
+              </a:ext>
+            </a:extLst>
+          </p:cNvPr>
+          <p:cNvPicPr>
+            <a:picLocks noGrp="1" noChangeAspect="1"/>
+          </p:cNvPicPr>
+          <p:nvPr>
+            <p:ph idx="1"/>
+          </p:nvPr>
+        </p:nvPicPr>
+        <p:blipFill>
+          <a:blip r:embed="rId3">
+            <a:extLst>
+              <a:ext uri="{96DAC541-7B7A-43D3-8B79-37D633B846F1}">
+                <asvg:svgBlip xmlns:asvg="http://schemas.microsoft.com/office/drawing/2016/SVG/main" r:embed="rId4"/>
+              </a:ext>
+            </a:extLst>
+          </a:blip>
+          <a:stretch>
+            <a:fillRect/>
+          </a:stretch>
+        </p:blipFill>
+        <p:spPr>
+          <a:xfrm>
+            <a:off x="1607127" y="1909258"/>
+            <a:ext cx="2396836" cy="2396836"/>
+          </a:xfrm>
+        </p:spPr>
+      </p:pic>
+      <p:sp>
+        <p:nvSpPr>
+          <p:cNvPr id="4" name="Datumsplatzhalter 3">
+            <a:extLst>
+              <a:ext uri="{FF2B5EF4-FFF2-40B4-BE49-F238E27FC236}">
+                <a16:creationId xmlns:a16="http://schemas.microsoft.com/office/drawing/2014/main" id="{E19FA10C-737D-6347-9EE4-72BB845236FF}"/>
+              </a:ext>
+            </a:extLst>
+          </p:cNvPr>
+          <p:cNvSpPr>
+            <a:spLocks noGrp="1"/>
+          </p:cNvSpPr>
+          <p:nvPr>
+            <p:ph type="dt" sz="half" idx="10"/>
+          </p:nvPr>
+        </p:nvSpPr>
+        <p:spPr/>
+        <p:txBody>
+          <a:bodyPr/>
+          <a:lstStyle/>
+          <a:p>
+            <a:r>
+              <a:rPr lang="de-DE"/>
+              <a:t>03.12.21</a:t>
+            </a:r>
+          </a:p>
+        </p:txBody>
+      </p:sp>
+      <p:sp>
+        <p:nvSpPr>
+          <p:cNvPr id="5" name="Foliennummernplatzhalter 4">
+            <a:extLst>
+              <a:ext uri="{FF2B5EF4-FFF2-40B4-BE49-F238E27FC236}">
+                <a16:creationId xmlns:a16="http://schemas.microsoft.com/office/drawing/2014/main" id="{25E81763-1F78-3E42-9F48-9FD645C972D2}"/>
+              </a:ext>
+            </a:extLst>
+          </p:cNvPr>
+          <p:cNvSpPr>
+            <a:spLocks noGrp="1"/>
+          </p:cNvSpPr>
+          <p:nvPr>
+            <p:ph type="sldNum" sz="quarter" idx="12"/>
+          </p:nvPr>
+        </p:nvSpPr>
+        <p:spPr/>
+        <p:txBody>
+          <a:bodyPr/>
+          <a:lstStyle/>
+          <a:p>
+            <a:fld id="{C1951030-1712-A844-813B-C453E8FB818E}" type="slidenum">
+              <a:rPr lang="de-DE" smtClean="0"/>
+              <a:t>12</a:t>
+            </a:fld>
+            <a:endParaRPr lang="de-DE"/>
+          </a:p>
+        </p:txBody>
+      </p:sp>
+      <p:pic>
+        <p:nvPicPr>
+          <p:cNvPr id="9" name="Grafik 8" descr="Flasche mit einfarbiger Füllung">
+            <a:extLst>
+              <a:ext uri="{FF2B5EF4-FFF2-40B4-BE49-F238E27FC236}">
+                <a16:creationId xmlns:a16="http://schemas.microsoft.com/office/drawing/2014/main" id="{7B071123-7BB5-B442-92A0-B54D32729818}"/>
+              </a:ext>
+            </a:extLst>
+          </p:cNvPr>
+          <p:cNvPicPr>
+            <a:picLocks noChangeAspect="1"/>
+          </p:cNvPicPr>
+          <p:nvPr/>
+        </p:nvPicPr>
+        <p:blipFill>
+          <a:blip r:embed="rId5">
+            <a:extLst>
+              <a:ext uri="{96DAC541-7B7A-43D3-8B79-37D633B846F1}">
+                <asvg:svgBlip xmlns:asvg="http://schemas.microsoft.com/office/drawing/2016/SVG/main" r:embed="rId6"/>
+              </a:ext>
+            </a:extLst>
+          </a:blip>
+          <a:stretch>
+            <a:fillRect/>
+          </a:stretch>
+        </p:blipFill>
+        <p:spPr>
+          <a:xfrm>
+            <a:off x="5638800" y="3107676"/>
+            <a:ext cx="1745673" cy="1745673"/>
+          </a:xfrm>
+          <a:prstGeom prst="rect">
+            <a:avLst/>
+          </a:prstGeom>
+        </p:spPr>
+      </p:pic>
+      <p:pic>
+        <p:nvPicPr>
+          <p:cNvPr id="11" name="Grafik 10" descr="Kaffee mit einfarbiger Füllung">
+            <a:extLst>
+              <a:ext uri="{FF2B5EF4-FFF2-40B4-BE49-F238E27FC236}">
+                <a16:creationId xmlns:a16="http://schemas.microsoft.com/office/drawing/2014/main" id="{B2FF02C6-5F90-7C49-8FB7-4D8FCCE30638}"/>
+              </a:ext>
+            </a:extLst>
+          </p:cNvPr>
+          <p:cNvPicPr>
+            <a:picLocks noChangeAspect="1"/>
+          </p:cNvPicPr>
+          <p:nvPr/>
+        </p:nvPicPr>
+        <p:blipFill>
+          <a:blip r:embed="rId7">
+            <a:extLst>
+              <a:ext uri="{96DAC541-7B7A-43D3-8B79-37D633B846F1}">
+                <asvg:svgBlip xmlns:asvg="http://schemas.microsoft.com/office/drawing/2016/SVG/main" r:embed="rId8"/>
+              </a:ext>
+            </a:extLst>
+          </a:blip>
+          <a:stretch>
+            <a:fillRect/>
+          </a:stretch>
+        </p:blipFill>
+        <p:spPr>
+          <a:xfrm>
+            <a:off x="7301347" y="3034145"/>
+            <a:ext cx="1745672" cy="1745672"/>
+          </a:xfrm>
+          <a:prstGeom prst="rect">
+            <a:avLst/>
+          </a:prstGeom>
+        </p:spPr>
+      </p:pic>
+      <p:pic>
+        <p:nvPicPr>
+          <p:cNvPr id="12" name="Grafik 11" descr="Flasche mit einfarbiger Füllung">
+            <a:extLst>
+              <a:ext uri="{FF2B5EF4-FFF2-40B4-BE49-F238E27FC236}">
+                <a16:creationId xmlns:a16="http://schemas.microsoft.com/office/drawing/2014/main" id="{5F0CED33-0E61-D649-ACB7-0C25A3B72DE6}"/>
+              </a:ext>
+            </a:extLst>
+          </p:cNvPr>
+          <p:cNvPicPr>
+            <a:picLocks noChangeAspect="1"/>
+          </p:cNvPicPr>
+          <p:nvPr/>
+        </p:nvPicPr>
+        <p:blipFill>
+          <a:blip r:embed="rId5">
+            <a:extLst>
+              <a:ext uri="{96DAC541-7B7A-43D3-8B79-37D633B846F1}">
+                <asvg:svgBlip xmlns:asvg="http://schemas.microsoft.com/office/drawing/2016/SVG/main" r:embed="rId6"/>
+              </a:ext>
+            </a:extLst>
+          </a:blip>
+          <a:stretch>
+            <a:fillRect/>
+          </a:stretch>
+        </p:blipFill>
+        <p:spPr>
+          <a:xfrm>
+            <a:off x="6497782" y="1580753"/>
+            <a:ext cx="1745673" cy="1745673"/>
+          </a:xfrm>
+          <a:prstGeom prst="rect">
+            <a:avLst/>
+          </a:prstGeom>
+        </p:spPr>
+      </p:pic>
+      <p:pic>
+        <p:nvPicPr>
+          <p:cNvPr id="13" name="Grafik 12" descr="Kaffee mit einfarbiger Füllung">
+            <a:extLst>
+              <a:ext uri="{FF2B5EF4-FFF2-40B4-BE49-F238E27FC236}">
+                <a16:creationId xmlns:a16="http://schemas.microsoft.com/office/drawing/2014/main" id="{C4663941-8982-6347-8B64-E62DB881DDBD}"/>
+              </a:ext>
+            </a:extLst>
+          </p:cNvPr>
+          <p:cNvPicPr>
+            <a:picLocks noChangeAspect="1"/>
+          </p:cNvPicPr>
+          <p:nvPr/>
+        </p:nvPicPr>
+        <p:blipFill>
+          <a:blip r:embed="rId7">
+            <a:extLst>
+              <a:ext uri="{96DAC541-7B7A-43D3-8B79-37D633B846F1}">
+                <asvg:svgBlip xmlns:asvg="http://schemas.microsoft.com/office/drawing/2016/SVG/main" r:embed="rId8"/>
+              </a:ext>
+            </a:extLst>
+          </a:blip>
+          <a:stretch>
+            <a:fillRect/>
+          </a:stretch>
+        </p:blipFill>
+        <p:spPr>
+          <a:xfrm>
+            <a:off x="8534403" y="1580753"/>
+            <a:ext cx="1745672" cy="1745672"/>
+          </a:xfrm>
+          <a:prstGeom prst="rect">
+            <a:avLst/>
+          </a:prstGeom>
+        </p:spPr>
+      </p:pic>
+      <p:pic>
+        <p:nvPicPr>
+          <p:cNvPr id="14" name="Grafik 13" descr="Fragezeichen mit einfarbiger Füllung">
+            <a:extLst>
+              <a:ext uri="{FF2B5EF4-FFF2-40B4-BE49-F238E27FC236}">
+                <a16:creationId xmlns:a16="http://schemas.microsoft.com/office/drawing/2014/main" id="{376A232C-4C36-C646-A410-41DBABFACAC8}"/>
+              </a:ext>
+            </a:extLst>
+          </p:cNvPr>
+          <p:cNvPicPr>
+            <a:picLocks noChangeAspect="1"/>
+          </p:cNvPicPr>
+          <p:nvPr/>
+        </p:nvPicPr>
+        <p:blipFill>
+          <a:blip r:embed="rId9">
+            <a:extLst>
+              <a:ext uri="{96DAC541-7B7A-43D3-8B79-37D633B846F1}">
+                <asvg:svgBlip xmlns:asvg="http://schemas.microsoft.com/office/drawing/2016/SVG/main" r:embed="rId10"/>
+              </a:ext>
+            </a:extLst>
+          </a:blip>
+          <a:stretch>
+            <a:fillRect/>
+          </a:stretch>
+        </p:blipFill>
+        <p:spPr>
+          <a:xfrm>
+            <a:off x="4225635" y="2071254"/>
+            <a:ext cx="1925782" cy="1925782"/>
+          </a:xfrm>
+          <a:prstGeom prst="rect">
+            <a:avLst/>
+          </a:prstGeom>
+        </p:spPr>
+      </p:pic>
+    </p:spTree>
+    <p:extLst>
+      <p:ext uri="{BB962C8B-B14F-4D97-AF65-F5344CB8AC3E}">
+        <p14:creationId xmlns:p14="http://schemas.microsoft.com/office/powerpoint/2010/main" val="1841952403"/>
+      </p:ext>
+    </p:extLst>
+  </p:cSld>
+  <p:clrMapOvr>
+    <a:masterClrMapping/>
+  </p:clrMapOvr>
+</p:sld>
+</file>
+
+<file path=ppt/slides/slide13.xml><?xml version="1.0" encoding="utf-8"?>
+<p:sld xmlns:a="http://schemas.openxmlformats.org/drawingml/2006/main" xmlns:r="http://schemas.openxmlformats.org/officeDocument/2006/relationships" xmlns:p="http://schemas.openxmlformats.org/presentationml/2006/main">
+  <p:cSld>
+    <p:spTree>
+      <p:nvGrpSpPr>
+        <p:cNvPr id="1" name=""/>
+        <p:cNvGrpSpPr/>
+        <p:nvPr/>
+      </p:nvGrpSpPr>
+      <p:grpSpPr>
+        <a:xfrm>
+          <a:off x="0" y="0"/>
+          <a:ext cx="0" cy="0"/>
+          <a:chOff x="0" y="0"/>
+          <a:chExt cx="0" cy="0"/>
+        </a:xfrm>
+      </p:grpSpPr>
+      <p:sp>
+        <p:nvSpPr>
+          <p:cNvPr id="2" name="Titel 1">
+            <a:extLst>
+              <a:ext uri="{FF2B5EF4-FFF2-40B4-BE49-F238E27FC236}">
+                <a16:creationId xmlns:a16="http://schemas.microsoft.com/office/drawing/2014/main" id="{DC10472C-A722-2447-B559-3E2A15526694}"/>
+              </a:ext>
+            </a:extLst>
+          </p:cNvPr>
+          <p:cNvSpPr>
+            <a:spLocks noGrp="1"/>
+          </p:cNvSpPr>
+          <p:nvPr>
+            <p:ph type="title"/>
+          </p:nvPr>
+        </p:nvSpPr>
+        <p:spPr/>
+        <p:txBody>
+          <a:bodyPr/>
+          <a:lstStyle/>
+          <a:p>
+            <a:r>
+              <a:rPr lang="de-DE" dirty="0"/>
+              <a:t>Tabelle bearbeiten</a:t>
+            </a:r>
+          </a:p>
+        </p:txBody>
+      </p:sp>
+      <p:sp>
+        <p:nvSpPr>
+          <p:cNvPr id="3" name="Inhaltsplatzhalter 2">
+            <a:extLst>
+              <a:ext uri="{FF2B5EF4-FFF2-40B4-BE49-F238E27FC236}">
+                <a16:creationId xmlns:a16="http://schemas.microsoft.com/office/drawing/2014/main" id="{B4CE9685-B6BD-E54F-9949-8301147A8987}"/>
+              </a:ext>
+            </a:extLst>
+          </p:cNvPr>
+          <p:cNvSpPr>
+            <a:spLocks noGrp="1"/>
+          </p:cNvSpPr>
+          <p:nvPr>
+            <p:ph sz="half" idx="1"/>
+          </p:nvPr>
+        </p:nvSpPr>
+        <p:spPr/>
+        <p:txBody>
+          <a:bodyPr/>
+          <a:lstStyle/>
+          <a:p>
+            <a:pPr marL="0" indent="0">
+              <a:buNone/>
+            </a:pPr>
+            <a:r>
+              <a:rPr lang="de-DE" i="1" dirty="0"/>
+              <a:t>Warum gewünscht: </a:t>
+            </a:r>
+          </a:p>
+          <a:p>
+            <a:pPr marL="0" indent="0">
+              <a:buNone/>
+            </a:pPr>
+            <a:endParaRPr lang="de-DE" dirty="0"/>
+          </a:p>
+          <a:p>
+            <a:r>
+              <a:rPr lang="de-DE" dirty="0"/>
+              <a:t>Zeilen &amp; Spalten hinzufügen</a:t>
+            </a:r>
+          </a:p>
+          <a:p>
+            <a:r>
+              <a:rPr lang="de-DE" dirty="0"/>
+              <a:t>Neue Ideen</a:t>
+            </a:r>
+          </a:p>
+          <a:p>
+            <a:r>
+              <a:rPr lang="de-DE" dirty="0"/>
+              <a:t>Korrekturmöglichkeiten</a:t>
+            </a:r>
+          </a:p>
+        </p:txBody>
+      </p:sp>
+      <p:sp>
+        <p:nvSpPr>
+          <p:cNvPr id="4" name="Inhaltsplatzhalter 3">
+            <a:extLst>
+              <a:ext uri="{FF2B5EF4-FFF2-40B4-BE49-F238E27FC236}">
+                <a16:creationId xmlns:a16="http://schemas.microsoft.com/office/drawing/2014/main" id="{1825F776-8941-3A45-808C-5F30340B4C02}"/>
+              </a:ext>
+            </a:extLst>
+          </p:cNvPr>
+          <p:cNvSpPr>
+            <a:spLocks noGrp="1"/>
+          </p:cNvSpPr>
+          <p:nvPr>
+            <p:ph sz="half" idx="2"/>
+          </p:nvPr>
+        </p:nvSpPr>
+        <p:spPr/>
+        <p:txBody>
+          <a:bodyPr/>
+          <a:lstStyle/>
+          <a:p>
+            <a:pPr marL="0" indent="0">
+              <a:buNone/>
+            </a:pPr>
+            <a:r>
+              <a:rPr lang="de-DE" i="1" dirty="0"/>
+              <a:t>Warum Wunsch:</a:t>
+            </a:r>
+          </a:p>
+          <a:p>
+            <a:pPr marL="0" indent="0">
+              <a:buNone/>
+            </a:pPr>
+            <a:endParaRPr lang="de-DE" dirty="0"/>
+          </a:p>
+          <a:p>
+            <a:r>
+              <a:rPr lang="de-DE" dirty="0"/>
+              <a:t>Hohes Konfliktpotential</a:t>
+            </a:r>
+          </a:p>
+          <a:p>
+            <a:endParaRPr lang="de-DE" dirty="0"/>
+          </a:p>
+        </p:txBody>
+      </p:sp>
+      <p:sp>
+        <p:nvSpPr>
+          <p:cNvPr id="5" name="Datumsplatzhalter 4">
+            <a:extLst>
+              <a:ext uri="{FF2B5EF4-FFF2-40B4-BE49-F238E27FC236}">
+                <a16:creationId xmlns:a16="http://schemas.microsoft.com/office/drawing/2014/main" id="{D8780823-4011-B446-8F50-A7EEA649C23D}"/>
+              </a:ext>
+            </a:extLst>
+          </p:cNvPr>
+          <p:cNvSpPr>
+            <a:spLocks noGrp="1"/>
+          </p:cNvSpPr>
+          <p:nvPr>
+            <p:ph type="dt" sz="half" idx="10"/>
+          </p:nvPr>
+        </p:nvSpPr>
+        <p:spPr/>
+        <p:txBody>
+          <a:bodyPr/>
+          <a:lstStyle/>
+          <a:p>
+            <a:r>
+              <a:rPr lang="de-DE"/>
+              <a:t>03.12.21</a:t>
+            </a:r>
+          </a:p>
+        </p:txBody>
+      </p:sp>
+      <p:sp>
+        <p:nvSpPr>
+          <p:cNvPr id="6" name="Foliennummernplatzhalter 5">
+            <a:extLst>
+              <a:ext uri="{FF2B5EF4-FFF2-40B4-BE49-F238E27FC236}">
+                <a16:creationId xmlns:a16="http://schemas.microsoft.com/office/drawing/2014/main" id="{B5EE29CD-5AC9-344B-8B73-C8F68BF714AA}"/>
+              </a:ext>
+            </a:extLst>
+          </p:cNvPr>
+          <p:cNvSpPr>
+            <a:spLocks noGrp="1"/>
+          </p:cNvSpPr>
+          <p:nvPr>
+            <p:ph type="sldNum" sz="quarter" idx="12"/>
+          </p:nvPr>
+        </p:nvSpPr>
+        <p:spPr/>
+        <p:txBody>
+          <a:bodyPr/>
+          <a:lstStyle/>
+          <a:p>
+            <a:fld id="{C1951030-1712-A844-813B-C453E8FB818E}" type="slidenum">
+              <a:rPr lang="de-DE" smtClean="0"/>
+              <a:t>13</a:t>
+            </a:fld>
+            <a:endParaRPr lang="de-DE"/>
+          </a:p>
+        </p:txBody>
+      </p:sp>
+    </p:spTree>
+    <p:extLst>
+      <p:ext uri="{BB962C8B-B14F-4D97-AF65-F5344CB8AC3E}">
+        <p14:creationId xmlns:p14="http://schemas.microsoft.com/office/powerpoint/2010/main" val="4009044167"/>
       </p:ext>
     </p:extLst>
   </p:cSld>
@@ -11513,7 +11507,7 @@
           <p:cNvPr id="2" name="Titel 1">
             <a:extLst>
               <a:ext uri="{FF2B5EF4-FFF2-40B4-BE49-F238E27FC236}">
-                <a16:creationId xmlns:a16="http://schemas.microsoft.com/office/drawing/2014/main" id="{42DB923A-A1B1-8648-BD87-4A32709229CC}"/>
+                <a16:creationId xmlns:a16="http://schemas.microsoft.com/office/drawing/2014/main" id="{FEBB81A3-B09F-9E4F-99C9-B6FA29532151}"/>
               </a:ext>
             </a:extLst>
           </p:cNvPr>
@@ -11531,7 +11525,7 @@
           <a:p>
             <a:r>
               <a:rPr lang="de-DE" dirty="0"/>
-              <a:t>Hochladen von Templates</a:t>
+              <a:t>Parametrisierung</a:t>
             </a:r>
           </a:p>
         </p:txBody>
@@ -11541,7 +11535,7 @@
           <p:cNvPr id="4" name="Datumsplatzhalter 3">
             <a:extLst>
               <a:ext uri="{FF2B5EF4-FFF2-40B4-BE49-F238E27FC236}">
-                <a16:creationId xmlns:a16="http://schemas.microsoft.com/office/drawing/2014/main" id="{792E0081-E7AC-E740-B2D3-182E8F042CCE}"/>
+                <a16:creationId xmlns:a16="http://schemas.microsoft.com/office/drawing/2014/main" id="{37E5153A-0133-6446-8E9C-1E524EC4F28E}"/>
               </a:ext>
             </a:extLst>
           </p:cNvPr>
@@ -11569,7 +11563,7 @@
           <p:cNvPr id="5" name="Foliennummernplatzhalter 4">
             <a:extLst>
               <a:ext uri="{FF2B5EF4-FFF2-40B4-BE49-F238E27FC236}">
-                <a16:creationId xmlns:a16="http://schemas.microsoft.com/office/drawing/2014/main" id="{1DDFCF15-B3DF-E844-B016-FD1566765C8D}"/>
+                <a16:creationId xmlns:a16="http://schemas.microsoft.com/office/drawing/2014/main" id="{83177281-6097-E248-B00D-0814B4886B8D}"/>
               </a:ext>
             </a:extLst>
           </p:cNvPr>
@@ -11598,7 +11592,7 @@
           <p:cNvPr id="6" name="Inhaltsplatzhalter 2">
             <a:extLst>
               <a:ext uri="{FF2B5EF4-FFF2-40B4-BE49-F238E27FC236}">
-                <a16:creationId xmlns:a16="http://schemas.microsoft.com/office/drawing/2014/main" id="{64F14DAB-9492-48F6-9352-749778F15D15}"/>
+                <a16:creationId xmlns:a16="http://schemas.microsoft.com/office/drawing/2014/main" id="{8A76C604-608B-4DA8-92CD-CD20B2C59395}"/>
               </a:ext>
             </a:extLst>
           </p:cNvPr>
@@ -11804,13 +11798,19 @@
           <a:p>
             <a:r>
               <a:rPr lang="de-DE" dirty="0"/>
-              <a:t>Inspiration für Projekte von anderen Nutzern</a:t>
+              <a:t>Neue Graphen</a:t>
             </a:r>
           </a:p>
           <a:p>
             <a:r>
               <a:rPr lang="de-DE" dirty="0"/>
-              <a:t>Einfache Möglichkeit, aufwendigere Projekte zu starten</a:t>
+              <a:t>Neue Datentypen</a:t>
+            </a:r>
+          </a:p>
+          <a:p>
+            <a:r>
+              <a:rPr lang="de-DE" dirty="0"/>
+              <a:t>Andere Verwendung der existierende Graphen</a:t>
             </a:r>
           </a:p>
         </p:txBody>
@@ -11820,7 +11820,7 @@
           <p:cNvPr id="7" name="Inhaltsplatzhalter 3">
             <a:extLst>
               <a:ext uri="{FF2B5EF4-FFF2-40B4-BE49-F238E27FC236}">
-                <a16:creationId xmlns:a16="http://schemas.microsoft.com/office/drawing/2014/main" id="{52C3776E-0D32-4519-8F17-3FCD3E951196}"/>
+                <a16:creationId xmlns:a16="http://schemas.microsoft.com/office/drawing/2014/main" id="{2809ED00-FEDA-4690-A59A-884CFB5FDA2C}"/>
               </a:ext>
             </a:extLst>
           </p:cNvPr>
@@ -12024,13 +12024,13 @@
           <a:p>
             <a:r>
               <a:rPr lang="de-DE" dirty="0"/>
-              <a:t>Deutlich schwieriger einschätzbare Serverauslastung</a:t>
+              <a:t>Bei Basisdatentypen /-graphen nicht notwendig</a:t>
             </a:r>
           </a:p>
           <a:p>
             <a:r>
               <a:rPr lang="de-DE" dirty="0"/>
-              <a:t>Kein Mehrwert bei Basisdatentypen /-graphen</a:t>
+              <a:t>Teilweise aufwendige Checks notwendig</a:t>
             </a:r>
           </a:p>
           <a:p>
@@ -12041,7 +12041,7 @@
     </p:spTree>
     <p:extLst>
       <p:ext uri="{BB962C8B-B14F-4D97-AF65-F5344CB8AC3E}">
-        <p14:creationId xmlns:p14="http://schemas.microsoft.com/office/powerpoint/2010/main" val="2432425423"/>
+        <p14:creationId xmlns:p14="http://schemas.microsoft.com/office/powerpoint/2010/main" val="2401719195"/>
       </p:ext>
     </p:extLst>
   </p:cSld>
@@ -15872,7 +15872,7 @@
           <a:p>
             <a:r>
               <a:rPr lang="de-DE" dirty="0"/>
-              <a:t>Resultat für die Pflichtkriterien</a:t>
+              <a:t>Auswirkungen auf die Funktionalität</a:t>
             </a:r>
           </a:p>
         </p:txBody>

--- a/Praesentationen/01-Definitionsphase/Präsentation.pptx
+++ b/Praesentationen/01-Definitionsphase/Präsentation.pptx
@@ -5,7 +5,7 @@
     <p:sldMasterId id="2147483648" r:id="rId1"/>
   </p:sldMasterIdLst>
   <p:notesMasterIdLst>
-    <p:notesMasterId r:id="rId17"/>
+    <p:notesMasterId r:id="rId19"/>
   </p:notesMasterIdLst>
   <p:sldIdLst>
     <p:sldId id="256" r:id="rId2"/>
@@ -18,11 +18,13 @@
     <p:sldId id="261" r:id="rId9"/>
     <p:sldId id="262" r:id="rId10"/>
     <p:sldId id="263" r:id="rId11"/>
-    <p:sldId id="266" r:id="rId12"/>
-    <p:sldId id="268" r:id="rId13"/>
-    <p:sldId id="270" r:id="rId14"/>
-    <p:sldId id="265" r:id="rId15"/>
-    <p:sldId id="269" r:id="rId16"/>
+    <p:sldId id="274" r:id="rId12"/>
+    <p:sldId id="266" r:id="rId13"/>
+    <p:sldId id="268" r:id="rId14"/>
+    <p:sldId id="272" r:id="rId15"/>
+    <p:sldId id="265" r:id="rId16"/>
+    <p:sldId id="273" r:id="rId17"/>
+    <p:sldId id="269" r:id="rId18"/>
   </p:sldIdLst>
   <p:sldSz cx="12192000" cy="6858000"/>
   <p:notesSz cx="6858000" cy="9144000"/>
@@ -133,7 +135,7 @@
 <p1510:revInfo xmlns:a="http://schemas.openxmlformats.org/drawingml/2006/main" xmlns:r="http://schemas.openxmlformats.org/officeDocument/2006/relationships" xmlns:p1510="http://schemas.microsoft.com/office/powerpoint/2015/10/main">
   <p1510:revLst>
     <p1510:client id="{7C58C18B-0A27-44B7-9B45-AA675080F6E7}" v="171" dt="2021-12-02T08:36:49.900"/>
-    <p1510:client id="{D321EB78-646E-7546-8478-D5F05974E81C}" v="50" dt="2021-12-01T16:17:45.236"/>
+    <p1510:client id="{D321EB78-646E-7546-8478-D5F05974E81C}" v="117" dt="2021-12-02T16:24:37.999"/>
   </p1510:revLst>
 </p1510:revInfo>
 </file>
@@ -881,13 +883,20 @@
   </pc:docChgLst>
   <pc:docChgLst>
     <pc:chgData name="Antonia ..." userId="df27490986ae0560" providerId="LiveId" clId="{D321EB78-646E-7546-8478-D5F05974E81C}"/>
-    <pc:docChg chg="custSel addSld delSld modSld">
-      <pc:chgData name="Antonia ..." userId="df27490986ae0560" providerId="LiveId" clId="{D321EB78-646E-7546-8478-D5F05974E81C}" dt="2021-12-01T16:21:05.801" v="1365" actId="20577"/>
+    <pc:docChg chg="undo custSel addSld delSld modSld">
+      <pc:chgData name="Antonia ..." userId="df27490986ae0560" providerId="LiveId" clId="{D321EB78-646E-7546-8478-D5F05974E81C}" dt="2021-12-02T16:25:38.441" v="1843" actId="207"/>
       <pc:docMkLst>
         <pc:docMk/>
       </pc:docMkLst>
+      <pc:sldChg chg="modNotesTx">
+        <pc:chgData name="Antonia ..." userId="df27490986ae0560" providerId="LiveId" clId="{D321EB78-646E-7546-8478-D5F05974E81C}" dt="2021-12-02T14:33:44.148" v="1409" actId="20577"/>
+        <pc:sldMkLst>
+          <pc:docMk/>
+          <pc:sldMk cId="800652924" sldId="258"/>
+        </pc:sldMkLst>
+      </pc:sldChg>
       <pc:sldChg chg="modSp mod">
-        <pc:chgData name="Antonia ..." userId="df27490986ae0560" providerId="LiveId" clId="{D321EB78-646E-7546-8478-D5F05974E81C}" dt="2021-12-01T16:10:15.713" v="229" actId="20577"/>
+        <pc:chgData name="Antonia ..." userId="df27490986ae0560" providerId="LiveId" clId="{D321EB78-646E-7546-8478-D5F05974E81C}" dt="2021-12-02T14:43:24.101" v="1418" actId="20577"/>
         <pc:sldMkLst>
           <pc:docMk/>
           <pc:sldMk cId="2237529051" sldId="260"/>
@@ -908,16 +917,24 @@
             <ac:spMk id="3" creationId="{4342BC06-8266-114E-837E-8D2DC729DDA3}"/>
           </ac:spMkLst>
         </pc:spChg>
+        <pc:spChg chg="mod">
+          <ac:chgData name="Antonia ..." userId="df27490986ae0560" providerId="LiveId" clId="{D321EB78-646E-7546-8478-D5F05974E81C}" dt="2021-12-02T14:43:24.101" v="1418" actId="20577"/>
+          <ac:spMkLst>
+            <pc:docMk/>
+            <pc:sldMk cId="2237529051" sldId="260"/>
+            <ac:spMk id="27" creationId="{A443DA9C-9647-40DE-AC5D-7CEF9BCF94BB}"/>
+          </ac:spMkLst>
+        </pc:spChg>
       </pc:sldChg>
       <pc:sldChg chg="modNotesTx">
-        <pc:chgData name="Antonia ..." userId="df27490986ae0560" providerId="LiveId" clId="{D321EB78-646E-7546-8478-D5F05974E81C}" dt="2021-12-01T16:19:47.544" v="1183" actId="20577"/>
+        <pc:chgData name="Antonia ..." userId="df27490986ae0560" providerId="LiveId" clId="{D321EB78-646E-7546-8478-D5F05974E81C}" dt="2021-12-02T14:49:21.489" v="1421" actId="20577"/>
         <pc:sldMkLst>
           <pc:docMk/>
           <pc:sldMk cId="464097652" sldId="261"/>
         </pc:sldMkLst>
       </pc:sldChg>
-      <pc:sldChg chg="modSp mod">
-        <pc:chgData name="Antonia ..." userId="df27490986ae0560" providerId="LiveId" clId="{D321EB78-646E-7546-8478-D5F05974E81C}" dt="2021-12-01T16:12:21.604" v="490" actId="20577"/>
+      <pc:sldChg chg="addSp delSp modSp mod">
+        <pc:chgData name="Antonia ..." userId="df27490986ae0560" providerId="LiveId" clId="{D321EB78-646E-7546-8478-D5F05974E81C}" dt="2021-12-02T16:25:38.441" v="1843" actId="207"/>
         <pc:sldMkLst>
           <pc:docMk/>
           <pc:sldMk cId="1634240290" sldId="262"/>
@@ -938,9 +955,408 @@
             <ac:spMk id="3" creationId="{1B0751E5-F111-2642-BB0C-F037C2D3D85B}"/>
           </ac:spMkLst>
         </pc:spChg>
+        <pc:spChg chg="add del mod">
+          <ac:chgData name="Antonia ..." userId="df27490986ae0560" providerId="LiveId" clId="{D321EB78-646E-7546-8478-D5F05974E81C}" dt="2021-12-02T16:19:35.843" v="1814"/>
+          <ac:spMkLst>
+            <pc:docMk/>
+            <pc:sldMk cId="1634240290" sldId="262"/>
+            <ac:spMk id="35" creationId="{3C0020D1-2E34-BF42-A2D3-BD35D0B6C098}"/>
+          </ac:spMkLst>
+        </pc:spChg>
+        <pc:picChg chg="add mod">
+          <ac:chgData name="Antonia ..." userId="df27490986ae0560" providerId="LiveId" clId="{D321EB78-646E-7546-8478-D5F05974E81C}" dt="2021-12-02T16:20:20.130" v="1818" actId="207"/>
+          <ac:picMkLst>
+            <pc:docMk/>
+            <pc:sldMk cId="1634240290" sldId="262"/>
+            <ac:picMk id="7" creationId="{BAB3E966-033B-2347-9583-D253EE679549}"/>
+          </ac:picMkLst>
+        </pc:picChg>
+        <pc:picChg chg="add mod">
+          <ac:chgData name="Antonia ..." userId="df27490986ae0560" providerId="LiveId" clId="{D321EB78-646E-7546-8478-D5F05974E81C}" dt="2021-12-02T16:20:40.849" v="1821" actId="207"/>
+          <ac:picMkLst>
+            <pc:docMk/>
+            <pc:sldMk cId="1634240290" sldId="262"/>
+            <ac:picMk id="8" creationId="{8E151B18-9FAF-174A-A36C-79017FB6F489}"/>
+          </ac:picMkLst>
+        </pc:picChg>
+        <pc:picChg chg="add mod">
+          <ac:chgData name="Antonia ..." userId="df27490986ae0560" providerId="LiveId" clId="{D321EB78-646E-7546-8478-D5F05974E81C}" dt="2021-12-02T16:20:53.015" v="1824" actId="207"/>
+          <ac:picMkLst>
+            <pc:docMk/>
+            <pc:sldMk cId="1634240290" sldId="262"/>
+            <ac:picMk id="9" creationId="{574FD98F-0460-0943-A2E5-892C0FD6EE30}"/>
+          </ac:picMkLst>
+        </pc:picChg>
+        <pc:picChg chg="add mod">
+          <ac:chgData name="Antonia ..." userId="df27490986ae0560" providerId="LiveId" clId="{D321EB78-646E-7546-8478-D5F05974E81C}" dt="2021-12-02T16:21:00.465" v="1825" actId="207"/>
+          <ac:picMkLst>
+            <pc:docMk/>
+            <pc:sldMk cId="1634240290" sldId="262"/>
+            <ac:picMk id="10" creationId="{B285CBB1-3A2D-044B-8F82-6CCCF1AA3683}"/>
+          </ac:picMkLst>
+        </pc:picChg>
+        <pc:picChg chg="add mod">
+          <ac:chgData name="Antonia ..." userId="df27490986ae0560" providerId="LiveId" clId="{D321EB78-646E-7546-8478-D5F05974E81C}" dt="2021-12-02T16:15:31.323" v="1763" actId="1076"/>
+          <ac:picMkLst>
+            <pc:docMk/>
+            <pc:sldMk cId="1634240290" sldId="262"/>
+            <ac:picMk id="11" creationId="{D3726FFF-2A07-2B48-9B3A-72BC08FE3DEE}"/>
+          </ac:picMkLst>
+        </pc:picChg>
+        <pc:picChg chg="add del mod">
+          <ac:chgData name="Antonia ..." userId="df27490986ae0560" providerId="LiveId" clId="{D321EB78-646E-7546-8478-D5F05974E81C}" dt="2021-12-02T16:18:58.788" v="1801" actId="21"/>
+          <ac:picMkLst>
+            <pc:docMk/>
+            <pc:sldMk cId="1634240290" sldId="262"/>
+            <ac:picMk id="13" creationId="{09C76CFD-10DC-864D-AF8C-BF5DBC3DA849}"/>
+          </ac:picMkLst>
+        </pc:picChg>
+        <pc:picChg chg="add del mod">
+          <ac:chgData name="Antonia ..." userId="df27490986ae0560" providerId="LiveId" clId="{D321EB78-646E-7546-8478-D5F05974E81C}" dt="2021-12-02T16:16:23.999" v="1766" actId="21"/>
+          <ac:picMkLst>
+            <pc:docMk/>
+            <pc:sldMk cId="1634240290" sldId="262"/>
+            <ac:picMk id="15" creationId="{4F922491-A79F-3F4A-8185-082571662749}"/>
+          </ac:picMkLst>
+        </pc:picChg>
+        <pc:picChg chg="add del mod">
+          <ac:chgData name="Antonia ..." userId="df27490986ae0560" providerId="LiveId" clId="{D321EB78-646E-7546-8478-D5F05974E81C}" dt="2021-12-02T16:20:20.130" v="1818" actId="207"/>
+          <ac:picMkLst>
+            <pc:docMk/>
+            <pc:sldMk cId="1634240290" sldId="262"/>
+            <ac:picMk id="16" creationId="{7FB110AD-048D-E844-846D-45EF0DC406C0}"/>
+          </ac:picMkLst>
+        </pc:picChg>
+        <pc:picChg chg="add del mod">
+          <ac:chgData name="Antonia ..." userId="df27490986ae0560" providerId="LiveId" clId="{D321EB78-646E-7546-8478-D5F05974E81C}" dt="2021-12-02T16:20:40.849" v="1821" actId="207"/>
+          <ac:picMkLst>
+            <pc:docMk/>
+            <pc:sldMk cId="1634240290" sldId="262"/>
+            <ac:picMk id="17" creationId="{784DF980-6AEF-574D-B8EA-6D1909B7CFC6}"/>
+          </ac:picMkLst>
+        </pc:picChg>
+        <pc:picChg chg="add del mod">
+          <ac:chgData name="Antonia ..." userId="df27490986ae0560" providerId="LiveId" clId="{D321EB78-646E-7546-8478-D5F05974E81C}" dt="2021-12-02T16:20:53.015" v="1824" actId="207"/>
+          <ac:picMkLst>
+            <pc:docMk/>
+            <pc:sldMk cId="1634240290" sldId="262"/>
+            <ac:picMk id="18" creationId="{D363C39D-FF9B-0F4C-ADF4-52DC580B8F05}"/>
+          </ac:picMkLst>
+        </pc:picChg>
+        <pc:picChg chg="add del mod">
+          <ac:chgData name="Antonia ..." userId="df27490986ae0560" providerId="LiveId" clId="{D321EB78-646E-7546-8478-D5F05974E81C}" dt="2021-12-02T16:21:00.465" v="1825" actId="207"/>
+          <ac:picMkLst>
+            <pc:docMk/>
+            <pc:sldMk cId="1634240290" sldId="262"/>
+            <ac:picMk id="19" creationId="{06693A05-27CC-6F4B-B353-FAB6BB180F03}"/>
+          </ac:picMkLst>
+        </pc:picChg>
+        <pc:picChg chg="add del mod">
+          <ac:chgData name="Antonia ..." userId="df27490986ae0560" providerId="LiveId" clId="{D321EB78-646E-7546-8478-D5F05974E81C}" dt="2021-12-02T16:17:40.770" v="1778" actId="21"/>
+          <ac:picMkLst>
+            <pc:docMk/>
+            <pc:sldMk cId="1634240290" sldId="262"/>
+            <ac:picMk id="21" creationId="{BF6BBE84-1E8C-1241-86E0-803B7903B65D}"/>
+          </ac:picMkLst>
+        </pc:picChg>
+        <pc:picChg chg="add del mod">
+          <ac:chgData name="Antonia ..." userId="df27490986ae0560" providerId="LiveId" clId="{D321EB78-646E-7546-8478-D5F05974E81C}" dt="2021-12-02T16:19:01.213" v="1806" actId="931"/>
+          <ac:picMkLst>
+            <pc:docMk/>
+            <pc:sldMk cId="1634240290" sldId="262"/>
+            <ac:picMk id="23" creationId="{007FE519-AD9C-8F4A-AA1B-05ACDD78E9F4}"/>
+          </ac:picMkLst>
+        </pc:picChg>
+        <pc:picChg chg="add del mod">
+          <ac:chgData name="Antonia ..." userId="df27490986ae0560" providerId="LiveId" clId="{D321EB78-646E-7546-8478-D5F05974E81C}" dt="2021-12-02T16:18:58.598" v="1800"/>
+          <ac:picMkLst>
+            <pc:docMk/>
+            <pc:sldMk cId="1634240290" sldId="262"/>
+            <ac:picMk id="24" creationId="{8F2C2C7B-0599-C44D-AAC3-29930677FC77}"/>
+          </ac:picMkLst>
+        </pc:picChg>
+        <pc:picChg chg="add del mod">
+          <ac:chgData name="Antonia ..." userId="df27490986ae0560" providerId="LiveId" clId="{D321EB78-646E-7546-8478-D5F05974E81C}" dt="2021-12-02T16:18:58.226" v="1798"/>
+          <ac:picMkLst>
+            <pc:docMk/>
+            <pc:sldMk cId="1634240290" sldId="262"/>
+            <ac:picMk id="25" creationId="{42259EC1-47F5-DB42-BC61-4471DA63E426}"/>
+          </ac:picMkLst>
+        </pc:picChg>
+        <pc:picChg chg="add del mod">
+          <ac:chgData name="Antonia ..." userId="df27490986ae0560" providerId="LiveId" clId="{D321EB78-646E-7546-8478-D5F05974E81C}" dt="2021-12-02T16:18:57.901" v="1796"/>
+          <ac:picMkLst>
+            <pc:docMk/>
+            <pc:sldMk cId="1634240290" sldId="262"/>
+            <ac:picMk id="26" creationId="{AED47CCF-44CE-664B-8F6C-F0E2A66EECDA}"/>
+          </ac:picMkLst>
+        </pc:picChg>
+        <pc:picChg chg="add del mod">
+          <ac:chgData name="Antonia ..." userId="df27490986ae0560" providerId="LiveId" clId="{D321EB78-646E-7546-8478-D5F05974E81C}" dt="2021-12-02T16:18:57.486" v="1794"/>
+          <ac:picMkLst>
+            <pc:docMk/>
+            <pc:sldMk cId="1634240290" sldId="262"/>
+            <ac:picMk id="27" creationId="{19E7081F-CF90-3441-A185-D7FAFE895E1B}"/>
+          </ac:picMkLst>
+        </pc:picChg>
+        <pc:picChg chg="add mod">
+          <ac:chgData name="Antonia ..." userId="df27490986ae0560" providerId="LiveId" clId="{D321EB78-646E-7546-8478-D5F05974E81C}" dt="2021-12-02T16:19:43.973" v="1815" actId="1076"/>
+          <ac:picMkLst>
+            <pc:docMk/>
+            <pc:sldMk cId="1634240290" sldId="262"/>
+            <ac:picMk id="29" creationId="{9CD216F1-F9DA-B24B-A1D4-766210165D8A}"/>
+          </ac:picMkLst>
+        </pc:picChg>
+        <pc:picChg chg="add del mod">
+          <ac:chgData name="Antonia ..." userId="df27490986ae0560" providerId="LiveId" clId="{D321EB78-646E-7546-8478-D5F05974E81C}" dt="2021-12-02T16:21:57.498" v="1829" actId="21"/>
+          <ac:picMkLst>
+            <pc:docMk/>
+            <pc:sldMk cId="1634240290" sldId="262"/>
+            <ac:picMk id="30" creationId="{413FD0E7-809F-D641-BCCF-FD4A908A7EA5}"/>
+          </ac:picMkLst>
+        </pc:picChg>
+        <pc:picChg chg="add del mod">
+          <ac:chgData name="Antonia ..." userId="df27490986ae0560" providerId="LiveId" clId="{D321EB78-646E-7546-8478-D5F05974E81C}" dt="2021-12-02T16:21:57.498" v="1829" actId="21"/>
+          <ac:picMkLst>
+            <pc:docMk/>
+            <pc:sldMk cId="1634240290" sldId="262"/>
+            <ac:picMk id="31" creationId="{5CF9DFB6-729D-514B-BA51-2CC31F89D30A}"/>
+          </ac:picMkLst>
+        </pc:picChg>
+        <pc:picChg chg="add del mod">
+          <ac:chgData name="Antonia ..." userId="df27490986ae0560" providerId="LiveId" clId="{D321EB78-646E-7546-8478-D5F05974E81C}" dt="2021-12-02T16:21:57.498" v="1829" actId="21"/>
+          <ac:picMkLst>
+            <pc:docMk/>
+            <pc:sldMk cId="1634240290" sldId="262"/>
+            <ac:picMk id="32" creationId="{F1AECF11-E813-594D-9715-7C1DCB1C2A1B}"/>
+          </ac:picMkLst>
+        </pc:picChg>
+        <pc:picChg chg="add del mod">
+          <ac:chgData name="Antonia ..." userId="df27490986ae0560" providerId="LiveId" clId="{D321EB78-646E-7546-8478-D5F05974E81C}" dt="2021-12-02T16:21:57.498" v="1829" actId="21"/>
+          <ac:picMkLst>
+            <pc:docMk/>
+            <pc:sldMk cId="1634240290" sldId="262"/>
+            <ac:picMk id="33" creationId="{76431B01-2F83-2E49-9466-08B13C7E0143}"/>
+          </ac:picMkLst>
+        </pc:picChg>
+        <pc:picChg chg="add mod">
+          <ac:chgData name="Antonia ..." userId="df27490986ae0560" providerId="LiveId" clId="{D321EB78-646E-7546-8478-D5F05974E81C}" dt="2021-12-02T16:19:43.973" v="1815" actId="1076"/>
+          <ac:picMkLst>
+            <pc:docMk/>
+            <pc:sldMk cId="1634240290" sldId="262"/>
+            <ac:picMk id="34" creationId="{670AAFF3-352C-ED4F-9BE1-8CC78E303C3E}"/>
+          </ac:picMkLst>
+        </pc:picChg>
+        <pc:picChg chg="add mod">
+          <ac:chgData name="Antonia ..." userId="df27490986ae0560" providerId="LiveId" clId="{D321EB78-646E-7546-8478-D5F05974E81C}" dt="2021-12-02T16:25:38.441" v="1843" actId="207"/>
+          <ac:picMkLst>
+            <pc:docMk/>
+            <pc:sldMk cId="1634240290" sldId="262"/>
+            <ac:picMk id="36" creationId="{9112E940-88C2-2447-82EA-F1E16EF4EAD1}"/>
+          </ac:picMkLst>
+        </pc:picChg>
+        <pc:picChg chg="add mod">
+          <ac:chgData name="Antonia ..." userId="df27490986ae0560" providerId="LiveId" clId="{D321EB78-646E-7546-8478-D5F05974E81C}" dt="2021-12-02T16:21:45.657" v="1828" actId="1076"/>
+          <ac:picMkLst>
+            <pc:docMk/>
+            <pc:sldMk cId="1634240290" sldId="262"/>
+            <ac:picMk id="37" creationId="{643333E2-092A-3A4C-A6C8-95C487CEAA90}"/>
+          </ac:picMkLst>
+        </pc:picChg>
+        <pc:picChg chg="add mod">
+          <ac:chgData name="Antonia ..." userId="df27490986ae0560" providerId="LiveId" clId="{D321EB78-646E-7546-8478-D5F05974E81C}" dt="2021-12-02T16:21:45.657" v="1828" actId="1076"/>
+          <ac:picMkLst>
+            <pc:docMk/>
+            <pc:sldMk cId="1634240290" sldId="262"/>
+            <ac:picMk id="38" creationId="{8BEA3BB9-628C-7545-BC08-5F77374390BE}"/>
+          </ac:picMkLst>
+        </pc:picChg>
+        <pc:picChg chg="add mod">
+          <ac:chgData name="Antonia ..." userId="df27490986ae0560" providerId="LiveId" clId="{D321EB78-646E-7546-8478-D5F05974E81C}" dt="2021-12-02T16:21:45.657" v="1828" actId="1076"/>
+          <ac:picMkLst>
+            <pc:docMk/>
+            <pc:sldMk cId="1634240290" sldId="262"/>
+            <ac:picMk id="39" creationId="{7DE68589-15B7-0F4F-8E33-81D2198290DA}"/>
+          </ac:picMkLst>
+        </pc:picChg>
+        <pc:picChg chg="add mod">
+          <ac:chgData name="Antonia ..." userId="df27490986ae0560" providerId="LiveId" clId="{D321EB78-646E-7546-8478-D5F05974E81C}" dt="2021-12-02T16:21:45.657" v="1828" actId="1076"/>
+          <ac:picMkLst>
+            <pc:docMk/>
+            <pc:sldMk cId="1634240290" sldId="262"/>
+            <ac:picMk id="40" creationId="{EBECFE3F-AEDC-B946-A8C6-3BD579168711}"/>
+          </ac:picMkLst>
+        </pc:picChg>
+        <pc:picChg chg="add mod">
+          <ac:chgData name="Antonia ..." userId="df27490986ae0560" providerId="LiveId" clId="{D321EB78-646E-7546-8478-D5F05974E81C}" dt="2021-12-02T16:24:33.654" v="1838" actId="1076"/>
+          <ac:picMkLst>
+            <pc:docMk/>
+            <pc:sldMk cId="1634240290" sldId="262"/>
+            <ac:picMk id="42" creationId="{B5A9EC30-FE17-9F4A-896C-F335E7F9D5AF}"/>
+          </ac:picMkLst>
+        </pc:picChg>
+        <pc:picChg chg="add mod">
+          <ac:chgData name="Antonia ..." userId="df27490986ae0560" providerId="LiveId" clId="{D321EB78-646E-7546-8478-D5F05974E81C}" dt="2021-12-02T16:24:44.856" v="1840" actId="1076"/>
+          <ac:picMkLst>
+            <pc:docMk/>
+            <pc:sldMk cId="1634240290" sldId="262"/>
+            <ac:picMk id="43" creationId="{D8C95D81-0CF2-404B-BEAA-5194B6F31394}"/>
+          </ac:picMkLst>
+        </pc:picChg>
       </pc:sldChg>
-      <pc:sldChg chg="modSp mod">
-        <pc:chgData name="Antonia ..." userId="df27490986ae0560" providerId="LiveId" clId="{D321EB78-646E-7546-8478-D5F05974E81C}" dt="2021-12-01T16:11:20.063" v="377" actId="20577"/>
+      <pc:sldChg chg="addSp delSp modSp mod">
+        <pc:chgData name="Antonia ..." userId="df27490986ae0560" providerId="LiveId" clId="{D321EB78-646E-7546-8478-D5F05974E81C}" dt="2021-12-02T16:13:37.905" v="1754" actId="14100"/>
+        <pc:sldMkLst>
+          <pc:docMk/>
+          <pc:sldMk cId="1650321165" sldId="263"/>
+        </pc:sldMkLst>
+        <pc:spChg chg="del">
+          <ac:chgData name="Antonia ..." userId="df27490986ae0560" providerId="LiveId" clId="{D321EB78-646E-7546-8478-D5F05974E81C}" dt="2021-12-02T15:56:01.712" v="1518" actId="21"/>
+          <ac:spMkLst>
+            <pc:docMk/>
+            <pc:sldMk cId="1650321165" sldId="263"/>
+            <ac:spMk id="2" creationId="{05860DA3-C4F4-EF4E-BB65-F4FAECBEB050}"/>
+          </ac:spMkLst>
+        </pc:spChg>
+        <pc:spChg chg="del">
+          <ac:chgData name="Antonia ..." userId="df27490986ae0560" providerId="LiveId" clId="{D321EB78-646E-7546-8478-D5F05974E81C}" dt="2021-12-02T15:55:56.905" v="1517" actId="21"/>
+          <ac:spMkLst>
+            <pc:docMk/>
+            <pc:sldMk cId="1650321165" sldId="263"/>
+            <ac:spMk id="3" creationId="{08356BB7-71EE-C24B-B628-CD59A9BA42B9}"/>
+          </ac:spMkLst>
+        </pc:spChg>
+        <pc:spChg chg="add mod">
+          <ac:chgData name="Antonia ..." userId="df27490986ae0560" providerId="LiveId" clId="{D321EB78-646E-7546-8478-D5F05974E81C}" dt="2021-12-02T15:56:25.680" v="1528" actId="20577"/>
+          <ac:spMkLst>
+            <pc:docMk/>
+            <pc:sldMk cId="1650321165" sldId="263"/>
+            <ac:spMk id="7" creationId="{E6D2EED2-F805-BF44-9E1D-4E1A0CE8033D}"/>
+          </ac:spMkLst>
+        </pc:spChg>
+        <pc:spChg chg="add mod">
+          <ac:chgData name="Antonia ..." userId="df27490986ae0560" providerId="LiveId" clId="{D321EB78-646E-7546-8478-D5F05974E81C}" dt="2021-12-02T15:59:35.615" v="1624" actId="20577"/>
+          <ac:spMkLst>
+            <pc:docMk/>
+            <pc:sldMk cId="1650321165" sldId="263"/>
+            <ac:spMk id="8" creationId="{DC6F63C1-D8A5-004D-BC0E-AF18764881F1}"/>
+          </ac:spMkLst>
+        </pc:spChg>
+        <pc:spChg chg="add del mod">
+          <ac:chgData name="Antonia ..." userId="df27490986ae0560" providerId="LiveId" clId="{D321EB78-646E-7546-8478-D5F05974E81C}" dt="2021-12-02T16:09:14.094" v="1719"/>
+          <ac:spMkLst>
+            <pc:docMk/>
+            <pc:sldMk cId="1650321165" sldId="263"/>
+            <ac:spMk id="11" creationId="{413C60B4-B971-2043-8F58-2828F6C66382}"/>
+          </ac:spMkLst>
+        </pc:spChg>
+        <pc:spChg chg="add del mod">
+          <ac:chgData name="Antonia ..." userId="df27490986ae0560" providerId="LiveId" clId="{D321EB78-646E-7546-8478-D5F05974E81C}" dt="2021-12-02T16:10:47.102" v="1732" actId="21"/>
+          <ac:spMkLst>
+            <pc:docMk/>
+            <pc:sldMk cId="1650321165" sldId="263"/>
+            <ac:spMk id="18" creationId="{772EFCF4-2269-554C-BC47-8EE0A71CE3A5}"/>
+          </ac:spMkLst>
+        </pc:spChg>
+        <pc:grpChg chg="add del mod">
+          <ac:chgData name="Antonia ..." userId="df27490986ae0560" providerId="LiveId" clId="{D321EB78-646E-7546-8478-D5F05974E81C}" dt="2021-12-02T16:09:49.721" v="1721" actId="165"/>
+          <ac:grpSpMkLst>
+            <pc:docMk/>
+            <pc:sldMk cId="1650321165" sldId="263"/>
+            <ac:grpSpMk id="12" creationId="{8B78B1E7-76BC-454C-92E9-63AB2F43FD10}"/>
+          </ac:grpSpMkLst>
+        </pc:grpChg>
+        <pc:picChg chg="add mod">
+          <ac:chgData name="Antonia ..." userId="df27490986ae0560" providerId="LiveId" clId="{D321EB78-646E-7546-8478-D5F05974E81C}" dt="2021-12-02T16:11:26.122" v="1737" actId="1076"/>
+          <ac:picMkLst>
+            <pc:docMk/>
+            <pc:sldMk cId="1650321165" sldId="263"/>
+            <ac:picMk id="10" creationId="{E310FD75-BAF0-B240-BE35-270AF7F8AA00}"/>
+          </ac:picMkLst>
+        </pc:picChg>
+        <pc:picChg chg="mod topLvl">
+          <ac:chgData name="Antonia ..." userId="df27490986ae0560" providerId="LiveId" clId="{D321EB78-646E-7546-8478-D5F05974E81C}" dt="2021-12-02T16:11:55.589" v="1741" actId="1076"/>
+          <ac:picMkLst>
+            <pc:docMk/>
+            <pc:sldMk cId="1650321165" sldId="263"/>
+            <ac:picMk id="13" creationId="{75FD593C-CD0F-C347-A3FD-010D8662E50D}"/>
+          </ac:picMkLst>
+        </pc:picChg>
+        <pc:picChg chg="mod topLvl">
+          <ac:chgData name="Antonia ..." userId="df27490986ae0560" providerId="LiveId" clId="{D321EB78-646E-7546-8478-D5F05974E81C}" dt="2021-12-02T16:11:55.589" v="1741" actId="1076"/>
+          <ac:picMkLst>
+            <pc:docMk/>
+            <pc:sldMk cId="1650321165" sldId="263"/>
+            <ac:picMk id="14" creationId="{8E43D681-24CC-DE4E-A12A-D868F293044B}"/>
+          </ac:picMkLst>
+        </pc:picChg>
+        <pc:picChg chg="mod topLvl">
+          <ac:chgData name="Antonia ..." userId="df27490986ae0560" providerId="LiveId" clId="{D321EB78-646E-7546-8478-D5F05974E81C}" dt="2021-12-02T16:11:55.589" v="1741" actId="1076"/>
+          <ac:picMkLst>
+            <pc:docMk/>
+            <pc:sldMk cId="1650321165" sldId="263"/>
+            <ac:picMk id="15" creationId="{A36C0AF7-7450-7444-90AC-A2E2F8F5B081}"/>
+          </ac:picMkLst>
+        </pc:picChg>
+        <pc:picChg chg="mod topLvl">
+          <ac:chgData name="Antonia ..." userId="df27490986ae0560" providerId="LiveId" clId="{D321EB78-646E-7546-8478-D5F05974E81C}" dt="2021-12-02T16:11:55.589" v="1741" actId="1076"/>
+          <ac:picMkLst>
+            <pc:docMk/>
+            <pc:sldMk cId="1650321165" sldId="263"/>
+            <ac:picMk id="16" creationId="{AA422057-704F-E44C-9CD2-1011CD9ABCB8}"/>
+          </ac:picMkLst>
+        </pc:picChg>
+        <pc:picChg chg="del mod topLvl">
+          <ac:chgData name="Antonia ..." userId="df27490986ae0560" providerId="LiveId" clId="{D321EB78-646E-7546-8478-D5F05974E81C}" dt="2021-12-02T16:09:58.312" v="1722" actId="21"/>
+          <ac:picMkLst>
+            <pc:docMk/>
+            <pc:sldMk cId="1650321165" sldId="263"/>
+            <ac:picMk id="17" creationId="{50248F2D-6012-B846-8D6D-31F10058136D}"/>
+          </ac:picMkLst>
+        </pc:picChg>
+        <pc:picChg chg="add mod">
+          <ac:chgData name="Antonia ..." userId="df27490986ae0560" providerId="LiveId" clId="{D321EB78-646E-7546-8478-D5F05974E81C}" dt="2021-12-02T16:12:23.139" v="1743" actId="1076"/>
+          <ac:picMkLst>
+            <pc:docMk/>
+            <pc:sldMk cId="1650321165" sldId="263"/>
+            <ac:picMk id="19" creationId="{B48EFAF9-A4C8-5244-BC93-208E0341ACBF}"/>
+          </ac:picMkLst>
+        </pc:picChg>
+        <pc:picChg chg="add mod">
+          <ac:chgData name="Antonia ..." userId="df27490986ae0560" providerId="LiveId" clId="{D321EB78-646E-7546-8478-D5F05974E81C}" dt="2021-12-02T16:12:39.106" v="1745" actId="1076"/>
+          <ac:picMkLst>
+            <pc:docMk/>
+            <pc:sldMk cId="1650321165" sldId="263"/>
+            <ac:picMk id="20" creationId="{DBDECE99-C576-0644-9429-E0D69AA287DD}"/>
+          </ac:picMkLst>
+        </pc:picChg>
+        <pc:picChg chg="add del mod">
+          <ac:chgData name="Antonia ..." userId="df27490986ae0560" providerId="LiveId" clId="{D321EB78-646E-7546-8478-D5F05974E81C}" dt="2021-12-02T16:13:31.119" v="1752" actId="21"/>
+          <ac:picMkLst>
+            <pc:docMk/>
+            <pc:sldMk cId="1650321165" sldId="263"/>
+            <ac:picMk id="22" creationId="{6B30D476-E092-8144-A3C0-86293A5E4F5E}"/>
+          </ac:picMkLst>
+        </pc:picChg>
+        <pc:picChg chg="add mod">
+          <ac:chgData name="Antonia ..." userId="df27490986ae0560" providerId="LiveId" clId="{D321EB78-646E-7546-8478-D5F05974E81C}" dt="2021-12-02T16:13:37.905" v="1754" actId="14100"/>
+          <ac:picMkLst>
+            <pc:docMk/>
+            <pc:sldMk cId="1650321165" sldId="263"/>
+            <ac:picMk id="24" creationId="{09E3B99C-90FF-C143-8066-9CDA8D4FACDD}"/>
+          </ac:picMkLst>
+        </pc:picChg>
+        <pc:picChg chg="add del mod">
+          <ac:chgData name="Antonia ..." userId="df27490986ae0560" providerId="LiveId" clId="{D321EB78-646E-7546-8478-D5F05974E81C}" dt="2021-12-02T16:13:28.343" v="1751" actId="21"/>
+          <ac:picMkLst>
+            <pc:docMk/>
+            <pc:sldMk cId="1650321165" sldId="263"/>
+            <ac:picMk id="26" creationId="{68100E0E-C37A-B344-ACA2-67A3D8AE574C}"/>
+          </ac:picMkLst>
+        </pc:picChg>
+      </pc:sldChg>
+      <pc:sldChg chg="modSp mod modAnim">
+        <pc:chgData name="Antonia ..." userId="df27490986ae0560" providerId="LiveId" clId="{D321EB78-646E-7546-8478-D5F05974E81C}" dt="2021-12-02T14:48:35.039" v="1420"/>
         <pc:sldMkLst>
           <pc:docMk/>
           <pc:sldMk cId="2229930519" sldId="264"/>
@@ -962,12 +1378,115 @@
           </ac:spMkLst>
         </pc:spChg>
       </pc:sldChg>
-      <pc:sldChg chg="modNotesTx">
-        <pc:chgData name="Antonia ..." userId="df27490986ae0560" providerId="LiveId" clId="{D321EB78-646E-7546-8478-D5F05974E81C}" dt="2021-12-01T16:20:09.551" v="1211" actId="20577"/>
+      <pc:sldChg chg="addSp delSp modSp mod modClrScheme chgLayout modNotesTx">
+        <pc:chgData name="Antonia ..." userId="df27490986ae0560" providerId="LiveId" clId="{D321EB78-646E-7546-8478-D5F05974E81C}" dt="2021-12-02T14:29:39.241" v="1392" actId="700"/>
         <pc:sldMkLst>
           <pc:docMk/>
           <pc:sldMk cId="2401719195" sldId="265"/>
         </pc:sldMkLst>
+        <pc:spChg chg="mod ord">
+          <ac:chgData name="Antonia ..." userId="df27490986ae0560" providerId="LiveId" clId="{D321EB78-646E-7546-8478-D5F05974E81C}" dt="2021-12-02T14:29:39.241" v="1392" actId="700"/>
+          <ac:spMkLst>
+            <pc:docMk/>
+            <pc:sldMk cId="2401719195" sldId="265"/>
+            <ac:spMk id="2" creationId="{FEBB81A3-B09F-9E4F-99C9-B6FA29532151}"/>
+          </ac:spMkLst>
+        </pc:spChg>
+        <pc:spChg chg="add del mod ord">
+          <ac:chgData name="Antonia ..." userId="df27490986ae0560" providerId="LiveId" clId="{D321EB78-646E-7546-8478-D5F05974E81C}" dt="2021-12-02T14:29:17.687" v="1390" actId="700"/>
+          <ac:spMkLst>
+            <pc:docMk/>
+            <pc:sldMk cId="2401719195" sldId="265"/>
+            <ac:spMk id="3" creationId="{12BB38CD-1ECB-DF48-832F-7853CD447D05}"/>
+          </ac:spMkLst>
+        </pc:spChg>
+        <pc:spChg chg="mod ord">
+          <ac:chgData name="Antonia ..." userId="df27490986ae0560" providerId="LiveId" clId="{D321EB78-646E-7546-8478-D5F05974E81C}" dt="2021-12-02T14:29:39.241" v="1392" actId="700"/>
+          <ac:spMkLst>
+            <pc:docMk/>
+            <pc:sldMk cId="2401719195" sldId="265"/>
+            <ac:spMk id="4" creationId="{37E5153A-0133-6446-8E9C-1E524EC4F28E}"/>
+          </ac:spMkLst>
+        </pc:spChg>
+        <pc:spChg chg="mod ord">
+          <ac:chgData name="Antonia ..." userId="df27490986ae0560" providerId="LiveId" clId="{D321EB78-646E-7546-8478-D5F05974E81C}" dt="2021-12-02T14:29:39.241" v="1392" actId="700"/>
+          <ac:spMkLst>
+            <pc:docMk/>
+            <pc:sldMk cId="2401719195" sldId="265"/>
+            <ac:spMk id="5" creationId="{83177281-6097-E248-B00D-0814B4886B8D}"/>
+          </ac:spMkLst>
+        </pc:spChg>
+        <pc:spChg chg="mod">
+          <ac:chgData name="Antonia ..." userId="df27490986ae0560" providerId="LiveId" clId="{D321EB78-646E-7546-8478-D5F05974E81C}" dt="2021-12-02T14:25:25.513" v="1378"/>
+          <ac:spMkLst>
+            <pc:docMk/>
+            <pc:sldMk cId="2401719195" sldId="265"/>
+            <ac:spMk id="6" creationId="{8A76C604-608B-4DA8-92CD-CD20B2C59395}"/>
+          </ac:spMkLst>
+        </pc:spChg>
+        <pc:spChg chg="mod">
+          <ac:chgData name="Antonia ..." userId="df27490986ae0560" providerId="LiveId" clId="{D321EB78-646E-7546-8478-D5F05974E81C}" dt="2021-12-02T14:25:16.315" v="1377"/>
+          <ac:spMkLst>
+            <pc:docMk/>
+            <pc:sldMk cId="2401719195" sldId="265"/>
+            <ac:spMk id="7" creationId="{2809ED00-FEDA-4690-A59A-884CFB5FDA2C}"/>
+          </ac:spMkLst>
+        </pc:spChg>
+        <pc:spChg chg="add del mod ord">
+          <ac:chgData name="Antonia ..." userId="df27490986ae0560" providerId="LiveId" clId="{D321EB78-646E-7546-8478-D5F05974E81C}" dt="2021-12-02T14:29:17.687" v="1390" actId="700"/>
+          <ac:spMkLst>
+            <pc:docMk/>
+            <pc:sldMk cId="2401719195" sldId="265"/>
+            <ac:spMk id="8" creationId="{E12BF70B-D777-7A4F-8A6F-0F91749D148C}"/>
+          </ac:spMkLst>
+        </pc:spChg>
+        <pc:spChg chg="add del mod ord">
+          <ac:chgData name="Antonia ..." userId="df27490986ae0560" providerId="LiveId" clId="{D321EB78-646E-7546-8478-D5F05974E81C}" dt="2021-12-02T14:29:39.241" v="1392" actId="700"/>
+          <ac:spMkLst>
+            <pc:docMk/>
+            <pc:sldMk cId="2401719195" sldId="265"/>
+            <ac:spMk id="9" creationId="{7CBC82FA-41AB-F64C-965C-FA0BE38A0B87}"/>
+          </ac:spMkLst>
+        </pc:spChg>
+        <pc:spChg chg="add del mod ord">
+          <ac:chgData name="Antonia ..." userId="df27490986ae0560" providerId="LiveId" clId="{D321EB78-646E-7546-8478-D5F05974E81C}" dt="2021-12-02T14:29:39.241" v="1392" actId="700"/>
+          <ac:spMkLst>
+            <pc:docMk/>
+            <pc:sldMk cId="2401719195" sldId="265"/>
+            <ac:spMk id="10" creationId="{7256DDBE-9B24-B149-956F-099BA1AD9FF8}"/>
+          </ac:spMkLst>
+        </pc:spChg>
+        <pc:spChg chg="add del mod ord">
+          <ac:chgData name="Antonia ..." userId="df27490986ae0560" providerId="LiveId" clId="{D321EB78-646E-7546-8478-D5F05974E81C}" dt="2021-12-02T14:29:39.241" v="1392" actId="700"/>
+          <ac:spMkLst>
+            <pc:docMk/>
+            <pc:sldMk cId="2401719195" sldId="265"/>
+            <ac:spMk id="11" creationId="{385A3929-26E9-C14E-8CCC-1FB9029840E7}"/>
+          </ac:spMkLst>
+        </pc:spChg>
+        <pc:spChg chg="add del mod ord">
+          <ac:chgData name="Antonia ..." userId="df27490986ae0560" providerId="LiveId" clId="{D321EB78-646E-7546-8478-D5F05974E81C}" dt="2021-12-02T14:29:39.241" v="1392" actId="700"/>
+          <ac:spMkLst>
+            <pc:docMk/>
+            <pc:sldMk cId="2401719195" sldId="265"/>
+            <ac:spMk id="12" creationId="{D3E31B34-3360-E348-9F27-C54AC96591E2}"/>
+          </ac:spMkLst>
+        </pc:spChg>
+      </pc:sldChg>
+      <pc:sldChg chg="modSp mod">
+        <pc:chgData name="Antonia ..." userId="df27490986ae0560" providerId="LiveId" clId="{D321EB78-646E-7546-8478-D5F05974E81C}" dt="2021-12-02T14:24:44.400" v="1374" actId="20577"/>
+        <pc:sldMkLst>
+          <pc:docMk/>
+          <pc:sldMk cId="2432425423" sldId="266"/>
+        </pc:sldMkLst>
+        <pc:spChg chg="mod">
+          <ac:chgData name="Antonia ..." userId="df27490986ae0560" providerId="LiveId" clId="{D321EB78-646E-7546-8478-D5F05974E81C}" dt="2021-12-02T14:24:44.400" v="1374" actId="20577"/>
+          <ac:spMkLst>
+            <pc:docMk/>
+            <pc:sldMk cId="2432425423" sldId="266"/>
+            <ac:spMk id="7" creationId="{52C3776E-0D32-4519-8F17-3FCD3E951196}"/>
+          </ac:spMkLst>
+        </pc:spChg>
       </pc:sldChg>
       <pc:sldChg chg="modSp del mod modNotesTx">
         <pc:chgData name="Antonia ..." userId="df27490986ae0560" providerId="LiveId" clId="{D321EB78-646E-7546-8478-D5F05974E81C}" dt="2021-12-01T16:15:52.054" v="787" actId="2696"/>
@@ -991,8 +1510,8 @@
           <pc:sldMk cId="1841952403" sldId="268"/>
         </pc:sldMkLst>
       </pc:sldChg>
-      <pc:sldChg chg="modSp new mod modNotesTx">
-        <pc:chgData name="Antonia ..." userId="df27490986ae0560" providerId="LiveId" clId="{D321EB78-646E-7546-8478-D5F05974E81C}" dt="2021-12-01T16:20:04.600" v="1202" actId="20577"/>
+      <pc:sldChg chg="modSp new del mod modNotesTx">
+        <pc:chgData name="Antonia ..." userId="df27490986ae0560" providerId="LiveId" clId="{D321EB78-646E-7546-8478-D5F05974E81C}" dt="2021-12-02T14:28:03.913" v="1388" actId="2696"/>
         <pc:sldMkLst>
           <pc:docMk/>
           <pc:sldMk cId="4009044167" sldId="270"/>
@@ -1006,7 +1525,7 @@
           </ac:spMkLst>
         </pc:spChg>
         <pc:spChg chg="mod">
-          <ac:chgData name="Antonia ..." userId="df27490986ae0560" providerId="LiveId" clId="{D321EB78-646E-7546-8478-D5F05974E81C}" dt="2021-12-01T16:19:12.160" v="1178" actId="114"/>
+          <ac:chgData name="Antonia ..." userId="df27490986ae0560" providerId="LiveId" clId="{D321EB78-646E-7546-8478-D5F05974E81C}" dt="2021-12-02T14:25:01.123" v="1375"/>
           <ac:spMkLst>
             <pc:docMk/>
             <pc:sldMk cId="4009044167" sldId="270"/>
@@ -1014,13 +1533,186 @@
           </ac:spMkLst>
         </pc:spChg>
         <pc:spChg chg="mod">
-          <ac:chgData name="Antonia ..." userId="df27490986ae0560" providerId="LiveId" clId="{D321EB78-646E-7546-8478-D5F05974E81C}" dt="2021-12-01T16:19:16.055" v="1179" actId="114"/>
+          <ac:chgData name="Antonia ..." userId="df27490986ae0560" providerId="LiveId" clId="{D321EB78-646E-7546-8478-D5F05974E81C}" dt="2021-12-02T14:25:09.720" v="1376"/>
           <ac:spMkLst>
             <pc:docMk/>
             <pc:sldMk cId="4009044167" sldId="270"/>
             <ac:spMk id="4" creationId="{1825F776-8941-3A45-808C-5F30340B4C02}"/>
           </ac:spMkLst>
         </pc:spChg>
+      </pc:sldChg>
+      <pc:sldChg chg="modSp new mod">
+        <pc:chgData name="Antonia ..." userId="df27490986ae0560" providerId="LiveId" clId="{D321EB78-646E-7546-8478-D5F05974E81C}" dt="2021-12-02T14:30:26.361" v="1400" actId="20577"/>
+        <pc:sldMkLst>
+          <pc:docMk/>
+          <pc:sldMk cId="1883130276" sldId="272"/>
+        </pc:sldMkLst>
+        <pc:spChg chg="mod">
+          <ac:chgData name="Antonia ..." userId="df27490986ae0560" providerId="LiveId" clId="{D321EB78-646E-7546-8478-D5F05974E81C}" dt="2021-12-02T14:27:00.426" v="1380"/>
+          <ac:spMkLst>
+            <pc:docMk/>
+            <pc:sldMk cId="1883130276" sldId="272"/>
+            <ac:spMk id="2" creationId="{9EF74ED4-EDCA-D748-9952-DF41FD5CF420}"/>
+          </ac:spMkLst>
+        </pc:spChg>
+        <pc:spChg chg="mod">
+          <ac:chgData name="Antonia ..." userId="df27490986ae0560" providerId="LiveId" clId="{D321EB78-646E-7546-8478-D5F05974E81C}" dt="2021-12-02T14:30:26.361" v="1400" actId="20577"/>
+          <ac:spMkLst>
+            <pc:docMk/>
+            <pc:sldMk cId="1883130276" sldId="272"/>
+            <ac:spMk id="3" creationId="{3FE866CF-B6C6-904C-A6AF-EC2FE1F4D85B}"/>
+          </ac:spMkLst>
+        </pc:spChg>
+        <pc:spChg chg="mod">
+          <ac:chgData name="Antonia ..." userId="df27490986ae0560" providerId="LiveId" clId="{D321EB78-646E-7546-8478-D5F05974E81C}" dt="2021-12-02T14:27:20.200" v="1382"/>
+          <ac:spMkLst>
+            <pc:docMk/>
+            <pc:sldMk cId="1883130276" sldId="272"/>
+            <ac:spMk id="4" creationId="{8EF77B4E-BA8F-CE43-AD46-66DDB1F18DE2}"/>
+          </ac:spMkLst>
+        </pc:spChg>
+        <pc:spChg chg="mod">
+          <ac:chgData name="Antonia ..." userId="df27490986ae0560" providerId="LiveId" clId="{D321EB78-646E-7546-8478-D5F05974E81C}" dt="2021-12-02T14:30:20.973" v="1398" actId="403"/>
+          <ac:spMkLst>
+            <pc:docMk/>
+            <pc:sldMk cId="1883130276" sldId="272"/>
+            <ac:spMk id="5" creationId="{286F35E0-9823-2740-83DB-55B06E5F58F7}"/>
+          </ac:spMkLst>
+        </pc:spChg>
+        <pc:spChg chg="mod">
+          <ac:chgData name="Antonia ..." userId="df27490986ae0560" providerId="LiveId" clId="{D321EB78-646E-7546-8478-D5F05974E81C}" dt="2021-12-02T14:27:41.941" v="1387" actId="5793"/>
+          <ac:spMkLst>
+            <pc:docMk/>
+            <pc:sldMk cId="1883130276" sldId="272"/>
+            <ac:spMk id="6" creationId="{6BC29A98-522A-264A-8D1C-712076F2A66E}"/>
+          </ac:spMkLst>
+        </pc:spChg>
+      </pc:sldChg>
+      <pc:sldChg chg="modSp add mod">
+        <pc:chgData name="Antonia ..." userId="df27490986ae0560" providerId="LiveId" clId="{D321EB78-646E-7546-8478-D5F05974E81C}" dt="2021-12-02T14:56:27.540" v="1516" actId="20577"/>
+        <pc:sldMkLst>
+          <pc:docMk/>
+          <pc:sldMk cId="4103933490" sldId="273"/>
+        </pc:sldMkLst>
+        <pc:spChg chg="mod">
+          <ac:chgData name="Antonia ..." userId="df27490986ae0560" providerId="LiveId" clId="{D321EB78-646E-7546-8478-D5F05974E81C}" dt="2021-12-02T14:55:09.344" v="1463" actId="20577"/>
+          <ac:spMkLst>
+            <pc:docMk/>
+            <pc:sldMk cId="4103933490" sldId="273"/>
+            <ac:spMk id="2" creationId="{9EF74ED4-EDCA-D748-9952-DF41FD5CF420}"/>
+          </ac:spMkLst>
+        </pc:spChg>
+        <pc:spChg chg="mod">
+          <ac:chgData name="Antonia ..." userId="df27490986ae0560" providerId="LiveId" clId="{D321EB78-646E-7546-8478-D5F05974E81C}" dt="2021-12-02T14:55:12.401" v="1464" actId="20577"/>
+          <ac:spMkLst>
+            <pc:docMk/>
+            <pc:sldMk cId="4103933490" sldId="273"/>
+            <ac:spMk id="4" creationId="{8EF77B4E-BA8F-CE43-AD46-66DDB1F18DE2}"/>
+          </ac:spMkLst>
+        </pc:spChg>
+        <pc:spChg chg="mod">
+          <ac:chgData name="Antonia ..." userId="df27490986ae0560" providerId="LiveId" clId="{D321EB78-646E-7546-8478-D5F05974E81C}" dt="2021-12-02T14:56:27.540" v="1516" actId="20577"/>
+          <ac:spMkLst>
+            <pc:docMk/>
+            <pc:sldMk cId="4103933490" sldId="273"/>
+            <ac:spMk id="6" creationId="{6BC29A98-522A-264A-8D1C-712076F2A66E}"/>
+          </ac:spMkLst>
+        </pc:spChg>
+      </pc:sldChg>
+      <pc:sldChg chg="addSp delSp modSp add mod">
+        <pc:chgData name="Antonia ..." userId="df27490986ae0560" providerId="LiveId" clId="{D321EB78-646E-7546-8478-D5F05974E81C}" dt="2021-12-02T16:08:17.639" v="1711" actId="1076"/>
+        <pc:sldMkLst>
+          <pc:docMk/>
+          <pc:sldMk cId="363541327" sldId="274"/>
+        </pc:sldMkLst>
+        <pc:spChg chg="mod">
+          <ac:chgData name="Antonia ..." userId="df27490986ae0560" providerId="LiveId" clId="{D321EB78-646E-7546-8478-D5F05974E81C}" dt="2021-12-02T16:02:13.232" v="1645" actId="20577"/>
+          <ac:spMkLst>
+            <pc:docMk/>
+            <pc:sldMk cId="363541327" sldId="274"/>
+            <ac:spMk id="7" creationId="{E6D2EED2-F805-BF44-9E1D-4E1A0CE8033D}"/>
+          </ac:spMkLst>
+        </pc:spChg>
+        <pc:spChg chg="mod">
+          <ac:chgData name="Antonia ..." userId="df27490986ae0560" providerId="LiveId" clId="{D321EB78-646E-7546-8478-D5F05974E81C}" dt="2021-12-02T16:02:43.957" v="1669" actId="20577"/>
+          <ac:spMkLst>
+            <pc:docMk/>
+            <pc:sldMk cId="363541327" sldId="274"/>
+            <ac:spMk id="8" creationId="{DC6F63C1-D8A5-004D-BC0E-AF18764881F1}"/>
+          </ac:spMkLst>
+        </pc:spChg>
+        <pc:grpChg chg="add mod">
+          <ac:chgData name="Antonia ..." userId="df27490986ae0560" providerId="LiveId" clId="{D321EB78-646E-7546-8478-D5F05974E81C}" dt="2021-12-02T16:08:17.639" v="1711" actId="1076"/>
+          <ac:grpSpMkLst>
+            <pc:docMk/>
+            <pc:sldMk cId="363541327" sldId="274"/>
+            <ac:grpSpMk id="19" creationId="{E09D84A0-6B09-7C48-AB3B-100B5C9F7BCE}"/>
+          </ac:grpSpMkLst>
+        </pc:grpChg>
+        <pc:picChg chg="add del mod">
+          <ac:chgData name="Antonia ..." userId="df27490986ae0560" providerId="LiveId" clId="{D321EB78-646E-7546-8478-D5F05974E81C}" dt="2021-12-02T16:04:52.534" v="1679" actId="21"/>
+          <ac:picMkLst>
+            <pc:docMk/>
+            <pc:sldMk cId="363541327" sldId="274"/>
+            <ac:picMk id="3" creationId="{49FF85B7-35D2-0347-A4BB-CAD737CE4F1E}"/>
+          </ac:picMkLst>
+        </pc:picChg>
+        <pc:picChg chg="add mod">
+          <ac:chgData name="Antonia ..." userId="df27490986ae0560" providerId="LiveId" clId="{D321EB78-646E-7546-8478-D5F05974E81C}" dt="2021-12-02T16:07:55.620" v="1708" actId="1076"/>
+          <ac:picMkLst>
+            <pc:docMk/>
+            <pc:sldMk cId="363541327" sldId="274"/>
+            <ac:picMk id="9" creationId="{4051A9D0-1950-C547-9B29-4A5D6AA9BEC9}"/>
+          </ac:picMkLst>
+        </pc:picChg>
+        <pc:picChg chg="add del mod">
+          <ac:chgData name="Antonia ..." userId="df27490986ae0560" providerId="LiveId" clId="{D321EB78-646E-7546-8478-D5F05974E81C}" dt="2021-12-02T16:07:15.560" v="1703" actId="21"/>
+          <ac:picMkLst>
+            <pc:docMk/>
+            <pc:sldMk cId="363541327" sldId="274"/>
+            <ac:picMk id="11" creationId="{FD0E80CC-1871-6446-A438-DF2917CF3A3A}"/>
+          </ac:picMkLst>
+        </pc:picChg>
+        <pc:picChg chg="add mod">
+          <ac:chgData name="Antonia ..." userId="df27490986ae0560" providerId="LiveId" clId="{D321EB78-646E-7546-8478-D5F05974E81C}" dt="2021-12-02T16:08:13.568" v="1710" actId="164"/>
+          <ac:picMkLst>
+            <pc:docMk/>
+            <pc:sldMk cId="363541327" sldId="274"/>
+            <ac:picMk id="13" creationId="{2F3B0C79-028C-FF4D-8DCF-B8D18CDFECC4}"/>
+          </ac:picMkLst>
+        </pc:picChg>
+        <pc:picChg chg="add mod">
+          <ac:chgData name="Antonia ..." userId="df27490986ae0560" providerId="LiveId" clId="{D321EB78-646E-7546-8478-D5F05974E81C}" dt="2021-12-02T16:08:13.568" v="1710" actId="164"/>
+          <ac:picMkLst>
+            <pc:docMk/>
+            <pc:sldMk cId="363541327" sldId="274"/>
+            <ac:picMk id="14" creationId="{E58C370F-D365-CC44-8B73-2DE693A09029}"/>
+          </ac:picMkLst>
+        </pc:picChg>
+        <pc:picChg chg="add mod">
+          <ac:chgData name="Antonia ..." userId="df27490986ae0560" providerId="LiveId" clId="{D321EB78-646E-7546-8478-D5F05974E81C}" dt="2021-12-02T16:08:13.568" v="1710" actId="164"/>
+          <ac:picMkLst>
+            <pc:docMk/>
+            <pc:sldMk cId="363541327" sldId="274"/>
+            <ac:picMk id="15" creationId="{1DD4188D-7793-6441-B2F6-9C9D279542D1}"/>
+          </ac:picMkLst>
+        </pc:picChg>
+        <pc:picChg chg="add mod">
+          <ac:chgData name="Antonia ..." userId="df27490986ae0560" providerId="LiveId" clId="{D321EB78-646E-7546-8478-D5F05974E81C}" dt="2021-12-02T16:08:13.568" v="1710" actId="164"/>
+          <ac:picMkLst>
+            <pc:docMk/>
+            <pc:sldMk cId="363541327" sldId="274"/>
+            <ac:picMk id="16" creationId="{2D4254AB-CE7D-B84C-B1FA-CFB234866FA6}"/>
+          </ac:picMkLst>
+        </pc:picChg>
+        <pc:picChg chg="add mod">
+          <ac:chgData name="Antonia ..." userId="df27490986ae0560" providerId="LiveId" clId="{D321EB78-646E-7546-8478-D5F05974E81C}" dt="2021-12-02T16:08:13.568" v="1710" actId="164"/>
+          <ac:picMkLst>
+            <pc:docMk/>
+            <pc:sldMk cId="363541327" sldId="274"/>
+            <ac:picMk id="18" creationId="{19F7C8CF-F7F1-694D-88FB-8F9E96B281F7}"/>
+          </ac:picMkLst>
+        </pc:picChg>
       </pc:sldChg>
     </pc:docChg>
   </pc:docChgLst>
@@ -4506,7 +5198,7 @@
           <a:p>
             <a:fld id="{6BC12010-B929-8747-8496-F1869C02CD8D}" type="datetimeFigureOut">
               <a:rPr lang="de-DE" smtClean="0"/>
-              <a:t>02.12.2021</a:t>
+              <a:t>02.12.21</a:t>
             </a:fld>
             <a:endParaRPr lang="de-DE"/>
           </a:p>
@@ -5062,134 +5754,77 @@
           <a:p>
             <a:r>
               <a:rPr lang="de-DE" dirty="0"/>
-              <a:t>WAS?</a:t>
-            </a:r>
-          </a:p>
-          <a:p>
-            <a:pPr marL="171450" indent="-171450">
-              <a:buFont typeface="Arial" panose="020B0604020202020204" pitchFamily="34" charset="0"/>
-              <a:buChar char="•"/>
+              <a:t>Fragen: Wie ist der Server zustande gekommen? (iterativ) Was kann der jetzt? </a:t>
+            </a:r>
+          </a:p>
+          <a:p>
+            <a:endParaRPr lang="de-DE" dirty="0"/>
+          </a:p>
+          <a:p>
+            <a:r>
+              <a:rPr lang="de-DE" dirty="0"/>
+              <a:t>Beim Server und generell zu Zahlen: ohne Erfahrung schwierig; alles nachgerechnet nach besten Wissen und Gewissen </a:t>
+            </a:r>
+          </a:p>
+          <a:p>
+            <a:endParaRPr lang="de-DE" dirty="0"/>
+          </a:p>
+          <a:p>
+            <a:pPr marL="0" marR="0" lvl="0" indent="0" algn="l" defTabSz="914400" rtl="0" eaLnBrk="1" fontAlgn="auto" latinLnBrk="0" hangingPunct="1">
+              <a:lnSpc>
+                <a:spcPct val="100000"/>
+              </a:lnSpc>
+              <a:spcBef>
+                <a:spcPts val="0"/>
+              </a:spcBef>
+              <a:spcAft>
+                <a:spcPts val="0"/>
+              </a:spcAft>
+              <a:buClrTx/>
+              <a:buSzTx/>
+              <a:buFontTx/>
+              <a:buNone/>
+              <a:tabLst/>
+              <a:defRPr/>
             </a:pPr>
             <a:r>
               <a:rPr lang="de-DE" dirty="0"/>
-              <a:t>Nutzer können Templates (inkl. Bilder von Graphen) auf Server hoch- und von dort herunterladen</a:t>
-            </a:r>
-          </a:p>
-          <a:p>
-            <a:pPr marL="171450" indent="-171450">
-              <a:buFont typeface="Arial" panose="020B0604020202020204" pitchFamily="34" charset="0"/>
-              <a:buChar char="•"/>
+              <a:t>+ warum ist die ursprüngliche Funktionalität Wunsch? (Als letztes machen </a:t>
+            </a:r>
+            <a:r>
+              <a:rPr lang="de-DE" dirty="0" err="1"/>
+              <a:t>fürn</a:t>
+            </a:r>
+            <a:r>
+              <a:rPr lang="de-DE" dirty="0"/>
+              <a:t> roten Farben)</a:t>
+            </a:r>
+          </a:p>
+          <a:p>
+            <a:pPr marL="0" marR="0" lvl="0" indent="0" algn="l" defTabSz="914400" rtl="0" eaLnBrk="1" fontAlgn="auto" latinLnBrk="0" hangingPunct="1">
+              <a:lnSpc>
+                <a:spcPct val="100000"/>
+              </a:lnSpc>
+              <a:spcBef>
+                <a:spcPts val="0"/>
+              </a:spcBef>
+              <a:spcAft>
+                <a:spcPts val="0"/>
+              </a:spcAft>
+              <a:buClrTx/>
+              <a:buSzTx/>
+              <a:buFontTx/>
+              <a:buNone/>
+              <a:tabLst/>
+              <a:defRPr/>
             </a:pPr>
             <a:r>
               <a:rPr lang="de-DE" dirty="0"/>
-              <a:t>Beinhaltet sowohl Projekt- als auch Einstellungstemplates</a:t>
-            </a:r>
-          </a:p>
-          <a:p>
-            <a:pPr marL="171450" indent="-171450">
-              <a:buFont typeface="Arial" panose="020B0604020202020204" pitchFamily="34" charset="0"/>
-              <a:buChar char="•"/>
-            </a:pPr>
+              <a:t>(ca. 3 Minuten)</a:t>
+            </a:r>
+          </a:p>
+          <a:p>
             <a:endParaRPr lang="de-DE" dirty="0"/>
-          </a:p>
-          <a:p>
-            <a:pPr marL="0" indent="0">
-              <a:buFont typeface="Arial" panose="020B0604020202020204" pitchFamily="34" charset="0"/>
-              <a:buNone/>
-            </a:pPr>
-            <a:r>
-              <a:rPr lang="de-DE" dirty="0"/>
-              <a:t>WARUM?</a:t>
-            </a:r>
-          </a:p>
-          <a:p>
-            <a:pPr marL="171450" indent="-171450">
-              <a:buFont typeface="Arial" panose="020B0604020202020204" pitchFamily="34" charset="0"/>
-              <a:buChar char="•"/>
-            </a:pPr>
-            <a:r>
-              <a:rPr lang="de-DE" dirty="0"/>
-              <a:t>Anschauen -&gt; Inspiration</a:t>
-            </a:r>
-          </a:p>
-          <a:p>
-            <a:pPr marL="171450" indent="-171450">
-              <a:buFont typeface="Arial" panose="020B0604020202020204" pitchFamily="34" charset="0"/>
-              <a:buChar char="•"/>
-            </a:pPr>
-            <a:r>
-              <a:rPr lang="de-DE" dirty="0"/>
-              <a:t>Coole Idee, aber keine Ahnung, wie umsetzen? Projekttemplate herunterladen</a:t>
-            </a:r>
-          </a:p>
-          <a:p>
-            <a:pPr marL="171450" indent="-171450">
-              <a:buFont typeface="Arial" panose="020B0604020202020204" pitchFamily="34" charset="0"/>
-              <a:buChar char="•"/>
-            </a:pPr>
-            <a:endParaRPr lang="de-DE" dirty="0"/>
-          </a:p>
-          <a:p>
-            <a:pPr marL="171450" indent="-171450">
-              <a:buFont typeface="Arial" panose="020B0604020202020204" pitchFamily="34" charset="0"/>
-              <a:buChar char="•"/>
-            </a:pPr>
-            <a:endParaRPr lang="de-DE" dirty="0"/>
-          </a:p>
-          <a:p>
-            <a:pPr marL="0" indent="0">
-              <a:buFont typeface="Arial" panose="020B0604020202020204" pitchFamily="34" charset="0"/>
-              <a:buNone/>
-            </a:pPr>
-            <a:r>
-              <a:rPr lang="de-DE" dirty="0"/>
-              <a:t>WUNSCH?</a:t>
-            </a:r>
-          </a:p>
-          <a:p>
-            <a:pPr marL="171450" indent="-171450">
-              <a:buFont typeface="Arial" panose="020B0604020202020204" pitchFamily="34" charset="0"/>
-              <a:buChar char="•"/>
-            </a:pPr>
-            <a:r>
-              <a:rPr lang="de-DE" dirty="0"/>
-              <a:t>Serverauslastung schwerer vorhersehbar als bei Online-Projekten</a:t>
-            </a:r>
-          </a:p>
-          <a:p>
-            <a:pPr marL="171450" indent="-171450">
-              <a:buFont typeface="Arial" panose="020B0604020202020204" pitchFamily="34" charset="0"/>
-              <a:buChar char="•"/>
-            </a:pPr>
-            <a:r>
-              <a:rPr lang="de-DE" dirty="0"/>
-              <a:t>Spam-Schutz? Wie? Ähnlichkeit? </a:t>
-            </a:r>
-            <a:r>
-              <a:rPr lang="de-DE" dirty="0">
-                <a:sym typeface="Wingdings" panose="05000000000000000000" pitchFamily="2" charset="2"/>
-              </a:rPr>
-              <a:t> Aufwendig</a:t>
-            </a:r>
-          </a:p>
-          <a:p>
-            <a:pPr marL="171450" indent="-171450">
-              <a:buFont typeface="Arial" panose="020B0604020202020204" pitchFamily="34" charset="0"/>
-              <a:buChar char="•"/>
-            </a:pPr>
-            <a:r>
-              <a:rPr lang="de-DE" dirty="0">
-                <a:sym typeface="Wingdings" panose="05000000000000000000" pitchFamily="2" charset="2"/>
-              </a:rPr>
-              <a:t>Bei Pflichtkriterien auch kein Mehrwert für Punkt 2, da nicht so aufwendige </a:t>
-            </a:r>
-            <a:r>
-              <a:rPr lang="de-DE">
-                <a:sym typeface="Wingdings" panose="05000000000000000000" pitchFamily="2" charset="2"/>
-              </a:rPr>
-              <a:t>Projekte möglich</a:t>
-            </a:r>
-            <a:endParaRPr lang="de-DE"/>
           </a:p>
         </p:txBody>
       </p:sp>
@@ -5219,7 +5854,7 @@
     </p:spTree>
     <p:extLst>
       <p:ext uri="{BB962C8B-B14F-4D97-AF65-F5344CB8AC3E}">
-        <p14:creationId xmlns:p14="http://schemas.microsoft.com/office/powerpoint/2010/main" val="4235440513"/>
+        <p14:creationId xmlns:p14="http://schemas.microsoft.com/office/powerpoint/2010/main" val="1577362679"/>
       </p:ext>
     </p:extLst>
   </p:cSld>
@@ -5275,53 +5910,134 @@
           <a:p>
             <a:r>
               <a:rPr lang="de-DE" dirty="0"/>
-              <a:t>Alice </a:t>
-            </a:r>
-            <a:r>
-              <a:rPr lang="de-DE" dirty="0" err="1"/>
-              <a:t>einzelprojekt</a:t>
-            </a:r>
+              <a:t>WAS?</a:t>
+            </a:r>
+          </a:p>
+          <a:p>
+            <a:pPr marL="171450" indent="-171450">
+              <a:buFont typeface="Arial" panose="020B0604020202020204" pitchFamily="34" charset="0"/>
+              <a:buChar char="•"/>
+            </a:pPr>
             <a:r>
               <a:rPr lang="de-DE" dirty="0"/>
-              <a:t>:</a:t>
-            </a:r>
-          </a:p>
-          <a:p>
+              <a:t>Nutzer können Templates (inkl. Bilder von Graphen) auf Server hoch- und von dort herunterladen</a:t>
+            </a:r>
+          </a:p>
+          <a:p>
+            <a:pPr marL="171450" indent="-171450">
+              <a:buFont typeface="Arial" panose="020B0604020202020204" pitchFamily="34" charset="0"/>
+              <a:buChar char="•"/>
+            </a:pPr>
             <a:r>
               <a:rPr lang="de-DE" dirty="0"/>
-              <a:t>Idee: Auch wissen wie viel Cola sie trinkt, gern auch im vergleich zum Kaffee</a:t>
-            </a:r>
-          </a:p>
-          <a:p>
+              <a:t>Beinhaltet sowohl Projekt- als auch Einstellungstemplates</a:t>
+            </a:r>
+          </a:p>
+          <a:p>
+            <a:pPr marL="171450" indent="-171450">
+              <a:buFont typeface="Arial" panose="020B0604020202020204" pitchFamily="34" charset="0"/>
+              <a:buChar char="•"/>
+            </a:pPr>
             <a:endParaRPr lang="de-DE" dirty="0"/>
           </a:p>
           <a:p>
+            <a:pPr marL="0" indent="0">
+              <a:buFont typeface="Arial" panose="020B0604020202020204" pitchFamily="34" charset="0"/>
+              <a:buNone/>
+            </a:pPr>
             <a:r>
               <a:rPr lang="de-DE" dirty="0"/>
-              <a:t>-&gt; </a:t>
-            </a:r>
-            <a:r>
-              <a:rPr lang="de-DE" dirty="0" err="1"/>
-              <a:t>möglichkeit</a:t>
-            </a:r>
+              <a:t>WARUM?</a:t>
+            </a:r>
+          </a:p>
+          <a:p>
+            <a:pPr marL="171450" indent="-171450">
+              <a:buFont typeface="Arial" panose="020B0604020202020204" pitchFamily="34" charset="0"/>
+              <a:buChar char="•"/>
+            </a:pPr>
             <a:r>
               <a:rPr lang="de-DE" dirty="0"/>
-              <a:t> </a:t>
-            </a:r>
-            <a:r>
-              <a:rPr lang="de-DE"/>
-              <a:t>das hinzuzufügen? </a:t>
-            </a:r>
+              <a:t>Anschauen -&gt; Inspiration</a:t>
+            </a:r>
+          </a:p>
+          <a:p>
+            <a:pPr marL="171450" indent="-171450">
+              <a:buFont typeface="Arial" panose="020B0604020202020204" pitchFamily="34" charset="0"/>
+              <a:buChar char="•"/>
+            </a:pPr>
+            <a:r>
+              <a:rPr lang="de-DE" dirty="0"/>
+              <a:t>Coole Idee, aber keine Ahnung, wie umsetzen? Projekttemplate herunterladen</a:t>
+            </a:r>
+          </a:p>
+          <a:p>
+            <a:pPr marL="171450" indent="-171450">
+              <a:buFont typeface="Arial" panose="020B0604020202020204" pitchFamily="34" charset="0"/>
+              <a:buChar char="•"/>
+            </a:pPr>
             <a:endParaRPr lang="de-DE" dirty="0"/>
           </a:p>
           <a:p>
+            <a:pPr marL="171450" indent="-171450">
+              <a:buFont typeface="Arial" panose="020B0604020202020204" pitchFamily="34" charset="0"/>
+              <a:buChar char="•"/>
+            </a:pPr>
             <a:endParaRPr lang="de-DE" dirty="0"/>
           </a:p>
           <a:p>
+            <a:pPr marL="0" indent="0">
+              <a:buFont typeface="Arial" panose="020B0604020202020204" pitchFamily="34" charset="0"/>
+              <a:buNone/>
+            </a:pPr>
             <a:r>
               <a:rPr lang="de-DE" dirty="0"/>
-              <a:t>Antonia</a:t>
-            </a:r>
+              <a:t>WUNSCH?</a:t>
+            </a:r>
+          </a:p>
+          <a:p>
+            <a:pPr marL="171450" indent="-171450">
+              <a:buFont typeface="Arial" panose="020B0604020202020204" pitchFamily="34" charset="0"/>
+              <a:buChar char="•"/>
+            </a:pPr>
+            <a:r>
+              <a:rPr lang="de-DE" dirty="0"/>
+              <a:t>Serverauslastung schwerer vorhersehbar als bei Online-Projekten</a:t>
+            </a:r>
+          </a:p>
+          <a:p>
+            <a:pPr marL="171450" indent="-171450">
+              <a:buFont typeface="Arial" panose="020B0604020202020204" pitchFamily="34" charset="0"/>
+              <a:buChar char="•"/>
+            </a:pPr>
+            <a:r>
+              <a:rPr lang="de-DE" dirty="0"/>
+              <a:t>Spam-Schutz? Wie? Ähnlichkeit? </a:t>
+            </a:r>
+            <a:r>
+              <a:rPr lang="de-DE" dirty="0">
+                <a:sym typeface="Wingdings" panose="05000000000000000000" pitchFamily="2" charset="2"/>
+              </a:rPr>
+              <a:t> Aufwendig</a:t>
+            </a:r>
+          </a:p>
+          <a:p>
+            <a:pPr marL="171450" indent="-171450">
+              <a:buFont typeface="Arial" panose="020B0604020202020204" pitchFamily="34" charset="0"/>
+              <a:buChar char="•"/>
+            </a:pPr>
+            <a:r>
+              <a:rPr lang="de-DE" dirty="0">
+                <a:sym typeface="Wingdings" panose="05000000000000000000" pitchFamily="2" charset="2"/>
+              </a:rPr>
+              <a:t>Bei Pflichtkriterien auch kein Mehrwert für Punkt 2, da nicht so aufwendige </a:t>
+            </a:r>
+            <a:r>
+              <a:rPr lang="de-DE">
+                <a:sym typeface="Wingdings" panose="05000000000000000000" pitchFamily="2" charset="2"/>
+              </a:rPr>
+              <a:t>Projekte möglich</a:t>
+            </a:r>
+            <a:endParaRPr lang="de-DE"/>
           </a:p>
         </p:txBody>
       </p:sp>
@@ -5351,7 +6067,7 @@
     </p:spTree>
     <p:extLst>
       <p:ext uri="{BB962C8B-B14F-4D97-AF65-F5344CB8AC3E}">
-        <p14:creationId xmlns:p14="http://schemas.microsoft.com/office/powerpoint/2010/main" val="1158242524"/>
+        <p14:creationId xmlns:p14="http://schemas.microsoft.com/office/powerpoint/2010/main" val="4235440513"/>
       </p:ext>
     </p:extLst>
   </p:cSld>
@@ -5407,112 +6123,53 @@
           <a:p>
             <a:r>
               <a:rPr lang="de-DE" dirty="0"/>
+              <a:t>Alice </a:t>
+            </a:r>
+            <a:r>
+              <a:rPr lang="de-DE" dirty="0" err="1"/>
+              <a:t>einzelprojekt</a:t>
+            </a:r>
+            <a:r>
+              <a:rPr lang="de-DE" dirty="0"/>
+              <a:t>:</a:t>
+            </a:r>
+          </a:p>
+          <a:p>
+            <a:r>
+              <a:rPr lang="de-DE" dirty="0"/>
+              <a:t>Idee: Auch wissen wie viel Cola sie trinkt, gern auch im vergleich zum Kaffee</a:t>
+            </a:r>
+          </a:p>
+          <a:p>
+            <a:endParaRPr lang="de-DE" dirty="0"/>
+          </a:p>
+          <a:p>
+            <a:r>
+              <a:rPr lang="de-DE" dirty="0"/>
+              <a:t>-&gt; </a:t>
+            </a:r>
+            <a:r>
+              <a:rPr lang="de-DE" dirty="0" err="1"/>
+              <a:t>möglichkeit</a:t>
+            </a:r>
+            <a:r>
+              <a:rPr lang="de-DE" dirty="0"/>
+              <a:t> </a:t>
+            </a:r>
+            <a:r>
+              <a:rPr lang="de-DE"/>
+              <a:t>das hinzuzufügen? </a:t>
+            </a:r>
+            <a:endParaRPr lang="de-DE" dirty="0"/>
+          </a:p>
+          <a:p>
+            <a:endParaRPr lang="de-DE" dirty="0"/>
+          </a:p>
+          <a:p>
+            <a:r>
+              <a:rPr lang="de-DE" dirty="0"/>
               <a:t>Antonia</a:t>
             </a:r>
-          </a:p>
-          <a:p>
-            <a:r>
-              <a:rPr lang="de-DE" dirty="0"/>
-              <a:t>(90 sec)</a:t>
-            </a:r>
-          </a:p>
-          <a:p>
-            <a:r>
-              <a:rPr lang="de-DE" dirty="0"/>
-              <a:t>Coole Idee:</a:t>
-            </a:r>
-          </a:p>
-          <a:p>
-            <a:r>
-              <a:rPr lang="de-DE" dirty="0"/>
-              <a:t>Zeilen &amp; Spalten hinzufügen</a:t>
-            </a:r>
-          </a:p>
-          <a:p>
-            <a:r>
-              <a:rPr lang="de-DE" dirty="0"/>
-              <a:t>Neue Ideen der Nutzenden umsetzbar</a:t>
-            </a:r>
-          </a:p>
-          <a:p>
-            <a:r>
-              <a:rPr lang="de-DE" dirty="0"/>
-              <a:t>Korrekturmöglichkeiten von ganz alten Daten</a:t>
-            </a:r>
-          </a:p>
-          <a:p>
-            <a:r>
-              <a:rPr lang="de-DE" dirty="0"/>
-              <a:t>Muss nicht alles neu gemacht werden</a:t>
-            </a:r>
-          </a:p>
-          <a:p>
-            <a:endParaRPr lang="de-DE" dirty="0"/>
-          </a:p>
-          <a:p>
-            <a:endParaRPr lang="de-DE" dirty="0"/>
-          </a:p>
-          <a:p>
-            <a:endParaRPr lang="de-DE" dirty="0"/>
-          </a:p>
-          <a:p>
-            <a:pPr marL="171450" indent="-171450">
-              <a:buFontTx/>
-              <a:buChar char="-"/>
-            </a:pPr>
-            <a:r>
-              <a:rPr lang="de-DE" dirty="0"/>
-              <a:t>Hohes Konfliktpotential durch Spalten und Zeilen hinzufügen</a:t>
-            </a:r>
-          </a:p>
-          <a:p>
-            <a:pPr marL="171450" indent="-171450">
-              <a:buFontTx/>
-              <a:buChar char="-"/>
-            </a:pPr>
-            <a:r>
-              <a:rPr lang="de-DE" dirty="0"/>
-              <a:t>Hilft der </a:t>
-            </a:r>
-            <a:r>
-              <a:rPr lang="de-DE" dirty="0" err="1"/>
-              <a:t>Intuitivität</a:t>
-            </a:r>
-            <a:r>
-              <a:rPr lang="de-DE" dirty="0"/>
-              <a:t> nicht</a:t>
-            </a:r>
-          </a:p>
-          <a:p>
-            <a:pPr marL="171450" indent="-171450">
-              <a:buFontTx/>
-              <a:buChar char="-"/>
-            </a:pPr>
-            <a:r>
-              <a:rPr lang="de-DE" dirty="0"/>
-              <a:t>Bringt noch nicht so einen großen </a:t>
-            </a:r>
-            <a:r>
-              <a:rPr lang="de-DE" dirty="0" err="1"/>
-              <a:t>mehrwert</a:t>
-            </a:r>
-            <a:r>
-              <a:rPr lang="de-DE" dirty="0"/>
-              <a:t>, da noch wenig Graphen und die Projekte generell noch nicht so komplex. </a:t>
-            </a:r>
-          </a:p>
-          <a:p>
-            <a:pPr marL="171450" indent="-171450">
-              <a:buFontTx/>
-              <a:buChar char="-"/>
-            </a:pPr>
-            <a:r>
-              <a:rPr lang="de-DE" dirty="0"/>
-              <a:t>Schöne Funktion aber eher weitergehend</a:t>
-            </a:r>
-          </a:p>
-          <a:p>
-            <a:endParaRPr lang="de-DE" dirty="0"/>
           </a:p>
         </p:txBody>
       </p:sp>
@@ -5542,7 +6199,7 @@
     </p:spTree>
     <p:extLst>
       <p:ext uri="{BB962C8B-B14F-4D97-AF65-F5344CB8AC3E}">
-        <p14:creationId xmlns:p14="http://schemas.microsoft.com/office/powerpoint/2010/main" val="2293199994"/>
+        <p14:creationId xmlns:p14="http://schemas.microsoft.com/office/powerpoint/2010/main" val="1158242524"/>
       </p:ext>
     </p:extLst>
   </p:cSld>
@@ -5598,135 +6255,112 @@
           <a:p>
             <a:r>
               <a:rPr lang="de-DE" dirty="0"/>
-              <a:t>WAS?</a:t>
-            </a:r>
+              <a:t>Antonia</a:t>
+            </a:r>
+          </a:p>
+          <a:p>
+            <a:r>
+              <a:rPr lang="de-DE" dirty="0"/>
+              <a:t>(90 sec)</a:t>
+            </a:r>
+          </a:p>
+          <a:p>
+            <a:r>
+              <a:rPr lang="de-DE" dirty="0"/>
+              <a:t>Coole Idee:</a:t>
+            </a:r>
+          </a:p>
+          <a:p>
+            <a:r>
+              <a:rPr lang="de-DE" dirty="0"/>
+              <a:t>Zeilen &amp; Spalten hinzufügen</a:t>
+            </a:r>
+          </a:p>
+          <a:p>
+            <a:r>
+              <a:rPr lang="de-DE" dirty="0"/>
+              <a:t>Neue Ideen der Nutzenden umsetzbar</a:t>
+            </a:r>
+          </a:p>
+          <a:p>
+            <a:r>
+              <a:rPr lang="de-DE" dirty="0"/>
+              <a:t>Korrekturmöglichkeiten von ganz alten Daten</a:t>
+            </a:r>
+          </a:p>
+          <a:p>
+            <a:r>
+              <a:rPr lang="de-DE" dirty="0"/>
+              <a:t>Muss nicht alles neu gemacht werden</a:t>
+            </a:r>
+          </a:p>
+          <a:p>
+            <a:endParaRPr lang="de-DE" dirty="0"/>
+          </a:p>
+          <a:p>
+            <a:endParaRPr lang="de-DE" dirty="0"/>
+          </a:p>
+          <a:p>
+            <a:endParaRPr lang="de-DE" dirty="0"/>
           </a:p>
           <a:p>
             <a:pPr marL="171450" indent="-171450">
-              <a:buFont typeface="Arial" panose="020B0604020202020204" pitchFamily="34" charset="0"/>
-              <a:buChar char="•"/>
+              <a:buFontTx/>
+              <a:buChar char="-"/>
             </a:pPr>
             <a:r>
               <a:rPr lang="de-DE" dirty="0"/>
-              <a:t>Nutzer kann Mapping Tabelle -&gt; Graph einstellen</a:t>
+              <a:t>Hohes Konfliktpotential durch Spalten und Zeilen hinzufügen</a:t>
             </a:r>
           </a:p>
           <a:p>
             <a:pPr marL="171450" indent="-171450">
-              <a:buFont typeface="Arial" panose="020B0604020202020204" pitchFamily="34" charset="0"/>
-              <a:buChar char="•"/>
+              <a:buFontTx/>
+              <a:buChar char="-"/>
             </a:pPr>
             <a:r>
               <a:rPr lang="de-DE" dirty="0"/>
-              <a:t>Beinhaltet Spalte -&gt; Achse, aber auch Funktionen</a:t>
+              <a:t>Hilft der </a:t>
+            </a:r>
+            <a:r>
+              <a:rPr lang="de-DE" dirty="0" err="1"/>
+              <a:t>Intuitivität</a:t>
+            </a:r>
+            <a:r>
+              <a:rPr lang="de-DE" dirty="0"/>
+              <a:t> nicht</a:t>
             </a:r>
           </a:p>
           <a:p>
             <a:pPr marL="171450" indent="-171450">
-              <a:buFont typeface="Arial" panose="020B0604020202020204" pitchFamily="34" charset="0"/>
-              <a:buChar char="•"/>
+              <a:buFontTx/>
+              <a:buChar char="-"/>
             </a:pPr>
+            <a:r>
+              <a:rPr lang="de-DE" dirty="0"/>
+              <a:t>Bringt noch nicht so einen großen </a:t>
+            </a:r>
+            <a:r>
+              <a:rPr lang="de-DE" dirty="0" err="1"/>
+              <a:t>mehrwert</a:t>
+            </a:r>
+            <a:r>
+              <a:rPr lang="de-DE" dirty="0"/>
+              <a:t>, da noch wenig Graphen und die Projekte generell noch nicht so komplex. </a:t>
+            </a:r>
+          </a:p>
+          <a:p>
+            <a:pPr marL="171450" indent="-171450">
+              <a:buFontTx/>
+              <a:buChar char="-"/>
+            </a:pPr>
+            <a:r>
+              <a:rPr lang="de-DE" dirty="0"/>
+              <a:t>Schöne Funktion aber eher weitergehend</a:t>
+            </a:r>
+          </a:p>
+          <a:p>
             <a:endParaRPr lang="de-DE" dirty="0"/>
-          </a:p>
-          <a:p>
-            <a:pPr marL="0" indent="0">
-              <a:buFont typeface="Arial" panose="020B0604020202020204" pitchFamily="34" charset="0"/>
-              <a:buNone/>
-            </a:pPr>
-            <a:r>
-              <a:rPr lang="de-DE" dirty="0"/>
-              <a:t>WARUM?</a:t>
-            </a:r>
-          </a:p>
-          <a:p>
-            <a:pPr marL="171450" indent="-171450">
-              <a:buFont typeface="Arial" panose="020B0604020202020204" pitchFamily="34" charset="0"/>
-              <a:buChar char="•"/>
-            </a:pPr>
-            <a:r>
-              <a:rPr lang="de-DE" dirty="0"/>
-              <a:t>Neue Graphen sind u.U. nicht automatisch </a:t>
-            </a:r>
-            <a:r>
-              <a:rPr lang="de-DE" dirty="0" err="1"/>
-              <a:t>mappbar</a:t>
-            </a:r>
-            <a:endParaRPr lang="de-DE" dirty="0"/>
-          </a:p>
-          <a:p>
-            <a:pPr marL="171450" indent="-171450">
-              <a:buFont typeface="Arial" panose="020B0604020202020204" pitchFamily="34" charset="0"/>
-              <a:buChar char="•"/>
-            </a:pPr>
-            <a:r>
-              <a:rPr lang="de-DE" dirty="0"/>
-              <a:t>Neue Datentypen ebenfalls nicht</a:t>
-            </a:r>
-          </a:p>
-          <a:p>
-            <a:pPr marL="171450" indent="-171450">
-              <a:buFont typeface="Arial" panose="020B0604020202020204" pitchFamily="34" charset="0"/>
-              <a:buChar char="•"/>
-            </a:pPr>
-            <a:r>
-              <a:rPr lang="de-DE" dirty="0"/>
-              <a:t>Was, wenn ich Zeit nicht nur als X-Achse haben will?</a:t>
-            </a:r>
-          </a:p>
-          <a:p>
-            <a:pPr marL="171450" indent="-171450">
-              <a:buFont typeface="Arial" panose="020B0604020202020204" pitchFamily="34" charset="0"/>
-              <a:buChar char="•"/>
-            </a:pPr>
-            <a:r>
-              <a:rPr lang="de-DE" dirty="0"/>
-              <a:t>Automatisch schwierig (eigenes Forschungsfeld), deshalb manuell</a:t>
-            </a:r>
-          </a:p>
-          <a:p>
-            <a:pPr marL="171450" indent="-171450">
-              <a:buFont typeface="Arial" panose="020B0604020202020204" pitchFamily="34" charset="0"/>
-              <a:buChar char="•"/>
-            </a:pPr>
-            <a:endParaRPr lang="de-DE" dirty="0"/>
-          </a:p>
-          <a:p>
-            <a:pPr marL="0" indent="0">
-              <a:buFont typeface="Arial" panose="020B0604020202020204" pitchFamily="34" charset="0"/>
-              <a:buNone/>
-            </a:pPr>
-            <a:r>
-              <a:rPr lang="de-DE" dirty="0"/>
-              <a:t>WUNSCH?</a:t>
-            </a:r>
-          </a:p>
-          <a:p>
-            <a:pPr marL="171450" indent="-171450">
-              <a:buFont typeface="Arial" panose="020B0604020202020204" pitchFamily="34" charset="0"/>
-              <a:buChar char="•"/>
-            </a:pPr>
-            <a:r>
-              <a:rPr lang="de-DE" dirty="0"/>
-              <a:t>In Pflichtkriterien schlicht nicht notwendig / sinnvoll (</a:t>
-            </a:r>
-            <a:r>
-              <a:rPr lang="de-DE" dirty="0">
-                <a:sym typeface="Wingdings" panose="05000000000000000000" pitchFamily="2" charset="2"/>
-              </a:rPr>
-              <a:t>Verwirrung)</a:t>
-            </a:r>
-          </a:p>
-          <a:p>
-            <a:pPr marL="171450" indent="-171450">
-              <a:buFont typeface="Arial" panose="020B0604020202020204" pitchFamily="34" charset="0"/>
-              <a:buChar char="•"/>
-            </a:pPr>
-            <a:r>
-              <a:rPr lang="de-DE" dirty="0">
-                <a:sym typeface="Wingdings" panose="05000000000000000000" pitchFamily="2" charset="2"/>
-              </a:rPr>
-              <a:t>Aufwendige Checks, ob Datentypen überhaupt anwendbar sind für ein Diagramm</a:t>
-            </a:r>
           </a:p>
         </p:txBody>
       </p:sp>
@@ -5756,7 +6390,7 @@
     </p:spTree>
     <p:extLst>
       <p:ext uri="{BB962C8B-B14F-4D97-AF65-F5344CB8AC3E}">
-        <p14:creationId xmlns:p14="http://schemas.microsoft.com/office/powerpoint/2010/main" val="2724110977"/>
+        <p14:creationId xmlns:p14="http://schemas.microsoft.com/office/powerpoint/2010/main" val="3239854486"/>
       </p:ext>
     </p:extLst>
   </p:cSld>
@@ -5812,15 +6446,135 @@
           <a:p>
             <a:r>
               <a:rPr lang="de-DE" dirty="0"/>
-              <a:t>30 sec</a:t>
-            </a:r>
-          </a:p>
-          <a:p>
-            <a:r>
-              <a:rPr lang="de-DE"/>
-              <a:t>Merlin</a:t>
-            </a:r>
+              <a:t>WAS?</a:t>
+            </a:r>
+          </a:p>
+          <a:p>
+            <a:pPr marL="171450" indent="-171450">
+              <a:buFont typeface="Arial" panose="020B0604020202020204" pitchFamily="34" charset="0"/>
+              <a:buChar char="•"/>
+            </a:pPr>
+            <a:r>
+              <a:rPr lang="de-DE" dirty="0"/>
+              <a:t>Nutzer kann Mapping Tabelle -&gt; Graph einstellen</a:t>
+            </a:r>
+          </a:p>
+          <a:p>
+            <a:pPr marL="171450" indent="-171450">
+              <a:buFont typeface="Arial" panose="020B0604020202020204" pitchFamily="34" charset="0"/>
+              <a:buChar char="•"/>
+            </a:pPr>
+            <a:r>
+              <a:rPr lang="de-DE" dirty="0"/>
+              <a:t>Beinhaltet Spalte -&gt; Achse, aber auch Funktionen</a:t>
+            </a:r>
+          </a:p>
+          <a:p>
+            <a:pPr marL="171450" indent="-171450">
+              <a:buFont typeface="Arial" panose="020B0604020202020204" pitchFamily="34" charset="0"/>
+              <a:buChar char="•"/>
+            </a:pPr>
             <a:endParaRPr lang="de-DE" dirty="0"/>
+          </a:p>
+          <a:p>
+            <a:pPr marL="0" indent="0">
+              <a:buFont typeface="Arial" panose="020B0604020202020204" pitchFamily="34" charset="0"/>
+              <a:buNone/>
+            </a:pPr>
+            <a:r>
+              <a:rPr lang="de-DE" dirty="0"/>
+              <a:t>WARUM?</a:t>
+            </a:r>
+          </a:p>
+          <a:p>
+            <a:pPr marL="171450" indent="-171450">
+              <a:buFont typeface="Arial" panose="020B0604020202020204" pitchFamily="34" charset="0"/>
+              <a:buChar char="•"/>
+            </a:pPr>
+            <a:r>
+              <a:rPr lang="de-DE" dirty="0"/>
+              <a:t>Neue Graphen sind u.U. nicht automatisch </a:t>
+            </a:r>
+            <a:r>
+              <a:rPr lang="de-DE" dirty="0" err="1"/>
+              <a:t>mappbar</a:t>
+            </a:r>
+            <a:endParaRPr lang="de-DE" dirty="0"/>
+          </a:p>
+          <a:p>
+            <a:pPr marL="171450" indent="-171450">
+              <a:buFont typeface="Arial" panose="020B0604020202020204" pitchFamily="34" charset="0"/>
+              <a:buChar char="•"/>
+            </a:pPr>
+            <a:r>
+              <a:rPr lang="de-DE" dirty="0"/>
+              <a:t>Neue Datentypen ebenfalls nicht</a:t>
+            </a:r>
+          </a:p>
+          <a:p>
+            <a:pPr marL="171450" indent="-171450">
+              <a:buFont typeface="Arial" panose="020B0604020202020204" pitchFamily="34" charset="0"/>
+              <a:buChar char="•"/>
+            </a:pPr>
+            <a:r>
+              <a:rPr lang="de-DE" dirty="0"/>
+              <a:t>Was, wenn ich Zeit nicht nur als X-Achse haben will?</a:t>
+            </a:r>
+          </a:p>
+          <a:p>
+            <a:pPr marL="171450" indent="-171450">
+              <a:buFont typeface="Arial" panose="020B0604020202020204" pitchFamily="34" charset="0"/>
+              <a:buChar char="•"/>
+            </a:pPr>
+            <a:r>
+              <a:rPr lang="de-DE" dirty="0"/>
+              <a:t>Automatisch schwierig (eigenes Forschungsfeld), deshalb manuell</a:t>
+            </a:r>
+          </a:p>
+          <a:p>
+            <a:pPr marL="171450" indent="-171450">
+              <a:buFont typeface="Arial" panose="020B0604020202020204" pitchFamily="34" charset="0"/>
+              <a:buChar char="•"/>
+            </a:pPr>
+            <a:endParaRPr lang="de-DE" dirty="0"/>
+          </a:p>
+          <a:p>
+            <a:pPr marL="0" indent="0">
+              <a:buFont typeface="Arial" panose="020B0604020202020204" pitchFamily="34" charset="0"/>
+              <a:buNone/>
+            </a:pPr>
+            <a:r>
+              <a:rPr lang="de-DE" dirty="0"/>
+              <a:t>WUNSCH?</a:t>
+            </a:r>
+          </a:p>
+          <a:p>
+            <a:pPr marL="171450" indent="-171450">
+              <a:buFont typeface="Arial" panose="020B0604020202020204" pitchFamily="34" charset="0"/>
+              <a:buChar char="•"/>
+            </a:pPr>
+            <a:r>
+              <a:rPr lang="de-DE" dirty="0"/>
+              <a:t>In Pflichtkriterien schlicht nicht notwendig / sinnvoll (</a:t>
+            </a:r>
+            <a:r>
+              <a:rPr lang="de-DE" dirty="0">
+                <a:sym typeface="Wingdings" panose="05000000000000000000" pitchFamily="2" charset="2"/>
+              </a:rPr>
+              <a:t>Verwirrung)</a:t>
+            </a:r>
+          </a:p>
+          <a:p>
+            <a:pPr marL="171450" indent="-171450">
+              <a:buFont typeface="Arial" panose="020B0604020202020204" pitchFamily="34" charset="0"/>
+              <a:buChar char="•"/>
+            </a:pPr>
+            <a:r>
+              <a:rPr lang="de-DE" dirty="0">
+                <a:sym typeface="Wingdings" panose="05000000000000000000" pitchFamily="2" charset="2"/>
+              </a:rPr>
+              <a:t>Aufwendige Checks, ob Datentypen überhaupt anwendbar sind für ein Diagramm</a:t>
+            </a:r>
           </a:p>
         </p:txBody>
       </p:sp>
@@ -5842,6 +6596,291 @@
             <a:fld id="{B7B71DCC-59BE-AC49-AB64-566F33E6A239}" type="slidenum">
               <a:rPr lang="de-DE" smtClean="0"/>
               <a:t>15</a:t>
+            </a:fld>
+            <a:endParaRPr lang="de-DE"/>
+          </a:p>
+        </p:txBody>
+      </p:sp>
+    </p:spTree>
+    <p:extLst>
+      <p:ext uri="{BB962C8B-B14F-4D97-AF65-F5344CB8AC3E}">
+        <p14:creationId xmlns:p14="http://schemas.microsoft.com/office/powerpoint/2010/main" val="2724110977"/>
+      </p:ext>
+    </p:extLst>
+  </p:cSld>
+  <p:clrMapOvr>
+    <a:masterClrMapping/>
+  </p:clrMapOvr>
+</p:notes>
+</file>
+
+<file path=ppt/notesSlides/notesSlide16.xml><?xml version="1.0" encoding="utf-8"?>
+<p:notes xmlns:a="http://schemas.openxmlformats.org/drawingml/2006/main" xmlns:r="http://schemas.openxmlformats.org/officeDocument/2006/relationships" xmlns:p="http://schemas.openxmlformats.org/presentationml/2006/main">
+  <p:cSld>
+    <p:spTree>
+      <p:nvGrpSpPr>
+        <p:cNvPr id="1" name=""/>
+        <p:cNvGrpSpPr/>
+        <p:nvPr/>
+      </p:nvGrpSpPr>
+      <p:grpSpPr>
+        <a:xfrm>
+          <a:off x="0" y="0"/>
+          <a:ext cx="0" cy="0"/>
+          <a:chOff x="0" y="0"/>
+          <a:chExt cx="0" cy="0"/>
+        </a:xfrm>
+      </p:grpSpPr>
+      <p:sp>
+        <p:nvSpPr>
+          <p:cNvPr id="2" name="Folienbildplatzhalter 1"/>
+          <p:cNvSpPr>
+            <a:spLocks noGrp="1" noRot="1" noChangeAspect="1"/>
+          </p:cNvSpPr>
+          <p:nvPr>
+            <p:ph type="sldImg"/>
+          </p:nvPr>
+        </p:nvSpPr>
+        <p:spPr/>
+      </p:sp>
+      <p:sp>
+        <p:nvSpPr>
+          <p:cNvPr id="3" name="Notizenplatzhalter 2"/>
+          <p:cNvSpPr>
+            <a:spLocks noGrp="1"/>
+          </p:cNvSpPr>
+          <p:nvPr>
+            <p:ph type="body" idx="1"/>
+          </p:nvPr>
+        </p:nvSpPr>
+        <p:spPr/>
+        <p:txBody>
+          <a:bodyPr/>
+          <a:lstStyle/>
+          <a:p>
+            <a:r>
+              <a:rPr lang="de-DE" dirty="0"/>
+              <a:t>Antonia</a:t>
+            </a:r>
+          </a:p>
+          <a:p>
+            <a:r>
+              <a:rPr lang="de-DE" dirty="0"/>
+              <a:t>(90 sec)</a:t>
+            </a:r>
+          </a:p>
+          <a:p>
+            <a:r>
+              <a:rPr lang="de-DE" dirty="0"/>
+              <a:t>Coole Idee:</a:t>
+            </a:r>
+          </a:p>
+          <a:p>
+            <a:r>
+              <a:rPr lang="de-DE" dirty="0"/>
+              <a:t>Zeilen &amp; Spalten hinzufügen</a:t>
+            </a:r>
+          </a:p>
+          <a:p>
+            <a:r>
+              <a:rPr lang="de-DE" dirty="0"/>
+              <a:t>Neue Ideen der Nutzenden umsetzbar</a:t>
+            </a:r>
+          </a:p>
+          <a:p>
+            <a:r>
+              <a:rPr lang="de-DE" dirty="0"/>
+              <a:t>Korrekturmöglichkeiten von ganz alten Daten</a:t>
+            </a:r>
+          </a:p>
+          <a:p>
+            <a:r>
+              <a:rPr lang="de-DE" dirty="0"/>
+              <a:t>Muss nicht alles neu gemacht werden</a:t>
+            </a:r>
+          </a:p>
+          <a:p>
+            <a:endParaRPr lang="de-DE" dirty="0"/>
+          </a:p>
+          <a:p>
+            <a:endParaRPr lang="de-DE" dirty="0"/>
+          </a:p>
+          <a:p>
+            <a:endParaRPr lang="de-DE" dirty="0"/>
+          </a:p>
+          <a:p>
+            <a:pPr marL="171450" indent="-171450">
+              <a:buFontTx/>
+              <a:buChar char="-"/>
+            </a:pPr>
+            <a:r>
+              <a:rPr lang="de-DE" dirty="0"/>
+              <a:t>Hohes Konfliktpotential durch Spalten und Zeilen hinzufügen</a:t>
+            </a:r>
+          </a:p>
+          <a:p>
+            <a:pPr marL="171450" indent="-171450">
+              <a:buFontTx/>
+              <a:buChar char="-"/>
+            </a:pPr>
+            <a:r>
+              <a:rPr lang="de-DE" dirty="0"/>
+              <a:t>Hilft der </a:t>
+            </a:r>
+            <a:r>
+              <a:rPr lang="de-DE" dirty="0" err="1"/>
+              <a:t>Intuitivität</a:t>
+            </a:r>
+            <a:r>
+              <a:rPr lang="de-DE" dirty="0"/>
+              <a:t> nicht</a:t>
+            </a:r>
+          </a:p>
+          <a:p>
+            <a:pPr marL="171450" indent="-171450">
+              <a:buFontTx/>
+              <a:buChar char="-"/>
+            </a:pPr>
+            <a:r>
+              <a:rPr lang="de-DE" dirty="0"/>
+              <a:t>Bringt noch nicht so einen großen </a:t>
+            </a:r>
+            <a:r>
+              <a:rPr lang="de-DE" dirty="0" err="1"/>
+              <a:t>mehrwert</a:t>
+            </a:r>
+            <a:r>
+              <a:rPr lang="de-DE" dirty="0"/>
+              <a:t>, da noch wenig Graphen und die Projekte generell noch nicht so komplex. </a:t>
+            </a:r>
+          </a:p>
+          <a:p>
+            <a:pPr marL="171450" indent="-171450">
+              <a:buFontTx/>
+              <a:buChar char="-"/>
+            </a:pPr>
+            <a:r>
+              <a:rPr lang="de-DE" dirty="0"/>
+              <a:t>Schöne Funktion aber eher weitergehend</a:t>
+            </a:r>
+          </a:p>
+          <a:p>
+            <a:endParaRPr lang="de-DE" dirty="0"/>
+          </a:p>
+        </p:txBody>
+      </p:sp>
+      <p:sp>
+        <p:nvSpPr>
+          <p:cNvPr id="4" name="Foliennummernplatzhalter 3"/>
+          <p:cNvSpPr>
+            <a:spLocks noGrp="1"/>
+          </p:cNvSpPr>
+          <p:nvPr>
+            <p:ph type="sldNum" sz="quarter" idx="5"/>
+          </p:nvPr>
+        </p:nvSpPr>
+        <p:spPr/>
+        <p:txBody>
+          <a:bodyPr/>
+          <a:lstStyle/>
+          <a:p>
+            <a:fld id="{B7B71DCC-59BE-AC49-AB64-566F33E6A239}" type="slidenum">
+              <a:rPr lang="de-DE" smtClean="0"/>
+              <a:t>16</a:t>
+            </a:fld>
+            <a:endParaRPr lang="de-DE"/>
+          </a:p>
+        </p:txBody>
+      </p:sp>
+    </p:spTree>
+    <p:extLst>
+      <p:ext uri="{BB962C8B-B14F-4D97-AF65-F5344CB8AC3E}">
+        <p14:creationId xmlns:p14="http://schemas.microsoft.com/office/powerpoint/2010/main" val="548348945"/>
+      </p:ext>
+    </p:extLst>
+  </p:cSld>
+  <p:clrMapOvr>
+    <a:masterClrMapping/>
+  </p:clrMapOvr>
+</p:notes>
+</file>
+
+<file path=ppt/notesSlides/notesSlide17.xml><?xml version="1.0" encoding="utf-8"?>
+<p:notes xmlns:a="http://schemas.openxmlformats.org/drawingml/2006/main" xmlns:r="http://schemas.openxmlformats.org/officeDocument/2006/relationships" xmlns:p="http://schemas.openxmlformats.org/presentationml/2006/main">
+  <p:cSld>
+    <p:spTree>
+      <p:nvGrpSpPr>
+        <p:cNvPr id="1" name=""/>
+        <p:cNvGrpSpPr/>
+        <p:nvPr/>
+      </p:nvGrpSpPr>
+      <p:grpSpPr>
+        <a:xfrm>
+          <a:off x="0" y="0"/>
+          <a:ext cx="0" cy="0"/>
+          <a:chOff x="0" y="0"/>
+          <a:chExt cx="0" cy="0"/>
+        </a:xfrm>
+      </p:grpSpPr>
+      <p:sp>
+        <p:nvSpPr>
+          <p:cNvPr id="2" name="Folienbildplatzhalter 1"/>
+          <p:cNvSpPr>
+            <a:spLocks noGrp="1" noRot="1" noChangeAspect="1"/>
+          </p:cNvSpPr>
+          <p:nvPr>
+            <p:ph type="sldImg"/>
+          </p:nvPr>
+        </p:nvSpPr>
+        <p:spPr/>
+      </p:sp>
+      <p:sp>
+        <p:nvSpPr>
+          <p:cNvPr id="3" name="Notizenplatzhalter 2"/>
+          <p:cNvSpPr>
+            <a:spLocks noGrp="1"/>
+          </p:cNvSpPr>
+          <p:nvPr>
+            <p:ph type="body" idx="1"/>
+          </p:nvPr>
+        </p:nvSpPr>
+        <p:spPr/>
+        <p:txBody>
+          <a:bodyPr/>
+          <a:lstStyle/>
+          <a:p>
+            <a:r>
+              <a:rPr lang="de-DE" dirty="0"/>
+              <a:t>30 sec</a:t>
+            </a:r>
+          </a:p>
+          <a:p>
+            <a:r>
+              <a:rPr lang="de-DE"/>
+              <a:t>Merlin</a:t>
+            </a:r>
+            <a:endParaRPr lang="de-DE" dirty="0"/>
+          </a:p>
+        </p:txBody>
+      </p:sp>
+      <p:sp>
+        <p:nvSpPr>
+          <p:cNvPr id="4" name="Foliennummernplatzhalter 3"/>
+          <p:cNvSpPr>
+            <a:spLocks noGrp="1"/>
+          </p:cNvSpPr>
+          <p:nvPr>
+            <p:ph type="sldNum" sz="quarter" idx="5"/>
+          </p:nvPr>
+        </p:nvSpPr>
+        <p:spPr/>
+        <p:txBody>
+          <a:bodyPr/>
+          <a:lstStyle/>
+          <a:p>
+            <a:fld id="{B7B71DCC-59BE-AC49-AB64-566F33E6A239}" type="slidenum">
+              <a:rPr lang="de-DE" smtClean="0"/>
+              <a:t>17</a:t>
             </a:fld>
             <a:endParaRPr lang="de-DE"/>
           </a:p>
@@ -6136,6 +7175,16 @@
             </a:r>
           </a:p>
           <a:p>
+            <a:pPr marL="628650" lvl="1" indent="-171450">
+              <a:buFontTx/>
+              <a:buChar char="-"/>
+            </a:pPr>
+            <a:r>
+              <a:rPr lang="de-DE" dirty="0"/>
+              <a:t>schnell</a:t>
+            </a:r>
+          </a:p>
+          <a:p>
             <a:pPr marL="171450" indent="-171450">
               <a:buFontTx/>
               <a:buChar char="-"/>
@@ -6734,12 +7783,6 @@
             <a:r>
               <a:rPr lang="de-DE" dirty="0"/>
               <a:t>(1 min)</a:t>
-            </a:r>
-          </a:p>
-          <a:p>
-            <a:r>
-              <a:rPr lang="de-DE" dirty="0"/>
-              <a:t>Antonia</a:t>
             </a:r>
           </a:p>
         </p:txBody>
@@ -10286,10 +11329,67 @@
       </p:grpSpPr>
       <p:sp>
         <p:nvSpPr>
-          <p:cNvPr id="2" name="Titel 1">
-            <a:extLst>
-              <a:ext uri="{FF2B5EF4-FFF2-40B4-BE49-F238E27FC236}">
-                <a16:creationId xmlns:a16="http://schemas.microsoft.com/office/drawing/2014/main" id="{05860DA3-C4F4-EF4E-BB65-F4FAECBEB050}"/>
+          <p:cNvPr id="4" name="Datumsplatzhalter 3">
+            <a:extLst>
+              <a:ext uri="{FF2B5EF4-FFF2-40B4-BE49-F238E27FC236}">
+                <a16:creationId xmlns:a16="http://schemas.microsoft.com/office/drawing/2014/main" id="{B213D491-8C48-3B48-B7A7-9A1A19F4B274}"/>
+              </a:ext>
+            </a:extLst>
+          </p:cNvPr>
+          <p:cNvSpPr>
+            <a:spLocks noGrp="1"/>
+          </p:cNvSpPr>
+          <p:nvPr>
+            <p:ph type="dt" sz="half" idx="10"/>
+          </p:nvPr>
+        </p:nvSpPr>
+        <p:spPr/>
+        <p:txBody>
+          <a:bodyPr/>
+          <a:lstStyle/>
+          <a:p>
+            <a:r>
+              <a:rPr lang="de-DE"/>
+              <a:t>03.12.21</a:t>
+            </a:r>
+          </a:p>
+        </p:txBody>
+      </p:sp>
+      <p:sp>
+        <p:nvSpPr>
+          <p:cNvPr id="5" name="Foliennummernplatzhalter 4">
+            <a:extLst>
+              <a:ext uri="{FF2B5EF4-FFF2-40B4-BE49-F238E27FC236}">
+                <a16:creationId xmlns:a16="http://schemas.microsoft.com/office/drawing/2014/main" id="{1EA634BA-8B50-9C43-B444-B14C24B958C4}"/>
+              </a:ext>
+            </a:extLst>
+          </p:cNvPr>
+          <p:cNvSpPr>
+            <a:spLocks noGrp="1"/>
+          </p:cNvSpPr>
+          <p:nvPr>
+            <p:ph type="sldNum" sz="quarter" idx="12"/>
+          </p:nvPr>
+        </p:nvSpPr>
+        <p:spPr/>
+        <p:txBody>
+          <a:bodyPr/>
+          <a:lstStyle/>
+          <a:p>
+            <a:fld id="{C1951030-1712-A844-813B-C453E8FB818E}" type="slidenum">
+              <a:rPr lang="de-DE" smtClean="0"/>
+              <a:t>10</a:t>
+            </a:fld>
+            <a:endParaRPr lang="de-DE"/>
+          </a:p>
+        </p:txBody>
+      </p:sp>
+      <p:sp>
+        <p:nvSpPr>
+          <p:cNvPr id="7" name="Titel 6">
+            <a:extLst>
+              <a:ext uri="{FF2B5EF4-FFF2-40B4-BE49-F238E27FC236}">
+                <a16:creationId xmlns:a16="http://schemas.microsoft.com/office/drawing/2014/main" id="{E6D2EED2-F805-BF44-9E1D-4E1A0CE8033D}"/>
               </a:ext>
             </a:extLst>
           </p:cNvPr>
@@ -10307,17 +11407,17 @@
           <a:p>
             <a:r>
               <a:rPr lang="de-DE" dirty="0"/>
-              <a:t>Anton</a:t>
+              <a:t>Auslastung</a:t>
             </a:r>
           </a:p>
         </p:txBody>
       </p:sp>
       <p:sp>
         <p:nvSpPr>
-          <p:cNvPr id="3" name="Inhaltsplatzhalter 2">
-            <a:extLst>
-              <a:ext uri="{FF2B5EF4-FFF2-40B4-BE49-F238E27FC236}">
-                <a16:creationId xmlns:a16="http://schemas.microsoft.com/office/drawing/2014/main" id="{08356BB7-71EE-C24B-B628-CD59A9BA42B9}"/>
+          <p:cNvPr id="8" name="Inhaltsplatzhalter 2">
+            <a:extLst>
+              <a:ext uri="{FF2B5EF4-FFF2-40B4-BE49-F238E27FC236}">
+                <a16:creationId xmlns:a16="http://schemas.microsoft.com/office/drawing/2014/main" id="{DC6F63C1-D8A5-004D-BC0E-AF18764881F1}"/>
               </a:ext>
             </a:extLst>
           </p:cNvPr>
@@ -10328,72 +11428,343 @@
             <p:ph idx="1"/>
           </p:nvPr>
         </p:nvSpPr>
-        <p:spPr/>
+        <p:spPr>
+          <a:xfrm>
+            <a:off x="838200" y="1825625"/>
+            <a:ext cx="10515600" cy="4351338"/>
+          </a:xfrm>
+        </p:spPr>
         <p:txBody>
           <a:bodyPr/>
           <a:lstStyle/>
           <a:p>
-            <a:endParaRPr lang="de-DE"/>
+            <a:r>
+              <a:rPr lang="de-DE" dirty="0"/>
+              <a:t>Damm-</a:t>
+            </a:r>
+            <a:r>
+              <a:rPr lang="de-DE" dirty="0" err="1"/>
+              <a:t>Prinizip</a:t>
+            </a:r>
+            <a:endParaRPr lang="de-DE" dirty="0"/>
+          </a:p>
+          <a:p>
+            <a:r>
+              <a:rPr lang="de-DE" dirty="0" err="1"/>
+              <a:t>Bottlenecks</a:t>
+            </a:r>
+            <a:endParaRPr lang="de-DE" dirty="0"/>
+          </a:p>
+          <a:p>
+            <a:pPr lvl="1"/>
+            <a:r>
+              <a:rPr lang="de-DE" dirty="0"/>
+              <a:t>Datendurchsatz</a:t>
+            </a:r>
+          </a:p>
+          <a:p>
+            <a:pPr lvl="1"/>
+            <a:r>
+              <a:rPr lang="de-DE" dirty="0"/>
+              <a:t>Speicher</a:t>
+            </a:r>
+          </a:p>
+          <a:p>
+            <a:endParaRPr lang="de-DE" dirty="0"/>
+          </a:p>
+          <a:p>
+            <a:endParaRPr lang="de-DE" dirty="0"/>
           </a:p>
         </p:txBody>
       </p:sp>
-      <p:sp>
-        <p:nvSpPr>
-          <p:cNvPr id="4" name="Datumsplatzhalter 3">
-            <a:extLst>
-              <a:ext uri="{FF2B5EF4-FFF2-40B4-BE49-F238E27FC236}">
-                <a16:creationId xmlns:a16="http://schemas.microsoft.com/office/drawing/2014/main" id="{B213D491-8C48-3B48-B7A7-9A1A19F4B274}"/>
-              </a:ext>
-            </a:extLst>
-          </p:cNvPr>
-          <p:cNvSpPr>
-            <a:spLocks noGrp="1"/>
-          </p:cNvSpPr>
-          <p:nvPr>
-            <p:ph type="dt" sz="half" idx="10"/>
-          </p:nvPr>
-        </p:nvSpPr>
-        <p:spPr/>
-        <p:txBody>
-          <a:bodyPr/>
-          <a:lstStyle/>
-          <a:p>
-            <a:r>
-              <a:rPr lang="de-DE"/>
-              <a:t>03.12.21</a:t>
-            </a:r>
-          </a:p>
-        </p:txBody>
-      </p:sp>
-      <p:sp>
-        <p:nvSpPr>
-          <p:cNvPr id="5" name="Foliennummernplatzhalter 4">
-            <a:extLst>
-              <a:ext uri="{FF2B5EF4-FFF2-40B4-BE49-F238E27FC236}">
-                <a16:creationId xmlns:a16="http://schemas.microsoft.com/office/drawing/2014/main" id="{1EA634BA-8B50-9C43-B444-B14C24B958C4}"/>
-              </a:ext>
-            </a:extLst>
-          </p:cNvPr>
-          <p:cNvSpPr>
-            <a:spLocks noGrp="1"/>
-          </p:cNvSpPr>
-          <p:nvPr>
-            <p:ph type="sldNum" sz="quarter" idx="12"/>
-          </p:nvPr>
-        </p:nvSpPr>
-        <p:spPr/>
-        <p:txBody>
-          <a:bodyPr/>
-          <a:lstStyle/>
-          <a:p>
-            <a:fld id="{C1951030-1712-A844-813B-C453E8FB818E}" type="slidenum">
-              <a:rPr lang="de-DE" smtClean="0"/>
-              <a:t>10</a:t>
-            </a:fld>
-            <a:endParaRPr lang="de-DE"/>
-          </a:p>
-        </p:txBody>
-      </p:sp>
+      <p:pic>
+        <p:nvPicPr>
+          <p:cNvPr id="10" name="Grafik 9" descr="Filter Silhouette">
+            <a:extLst>
+              <a:ext uri="{FF2B5EF4-FFF2-40B4-BE49-F238E27FC236}">
+                <a16:creationId xmlns:a16="http://schemas.microsoft.com/office/drawing/2014/main" id="{E310FD75-BAF0-B240-BE35-270AF7F8AA00}"/>
+              </a:ext>
+            </a:extLst>
+          </p:cNvPr>
+          <p:cNvPicPr>
+            <a:picLocks noChangeAspect="1"/>
+          </p:cNvPicPr>
+          <p:nvPr/>
+        </p:nvPicPr>
+        <p:blipFill>
+          <a:blip r:embed="rId3">
+            <a:extLst>
+              <a:ext uri="{96DAC541-7B7A-43D3-8B79-37D633B846F1}">
+                <asvg:svgBlip xmlns:asvg="http://schemas.microsoft.com/office/drawing/2016/SVG/main" r:embed="rId4"/>
+              </a:ext>
+            </a:extLst>
+          </a:blip>
+          <a:stretch>
+            <a:fillRect/>
+          </a:stretch>
+        </p:blipFill>
+        <p:spPr>
+          <a:xfrm>
+            <a:off x="5922241" y="778524"/>
+            <a:ext cx="4971761" cy="4971761"/>
+          </a:xfrm>
+          <a:prstGeom prst="rect">
+            <a:avLst/>
+          </a:prstGeom>
+        </p:spPr>
+      </p:pic>
+      <p:pic>
+        <p:nvPicPr>
+          <p:cNvPr id="13" name="Grafik 12" descr="Mitarbeiterausweis Silhouette">
+            <a:extLst>
+              <a:ext uri="{FF2B5EF4-FFF2-40B4-BE49-F238E27FC236}">
+                <a16:creationId xmlns:a16="http://schemas.microsoft.com/office/drawing/2014/main" id="{75FD593C-CD0F-C347-A3FD-010D8662E50D}"/>
+              </a:ext>
+            </a:extLst>
+          </p:cNvPr>
+          <p:cNvPicPr>
+            <a:picLocks noChangeAspect="1"/>
+          </p:cNvPicPr>
+          <p:nvPr/>
+        </p:nvPicPr>
+        <p:blipFill>
+          <a:blip r:embed="rId5">
+            <a:extLst>
+              <a:ext uri="{96DAC541-7B7A-43D3-8B79-37D633B846F1}">
+                <asvg:svgBlip xmlns:asvg="http://schemas.microsoft.com/office/drawing/2016/SVG/main" r:embed="rId6"/>
+              </a:ext>
+            </a:extLst>
+          </a:blip>
+          <a:stretch>
+            <a:fillRect/>
+          </a:stretch>
+        </p:blipFill>
+        <p:spPr>
+          <a:xfrm rot="18884661">
+            <a:off x="8469453" y="867998"/>
+            <a:ext cx="681542" cy="681542"/>
+          </a:xfrm>
+          <a:prstGeom prst="rect">
+            <a:avLst/>
+          </a:prstGeom>
+        </p:spPr>
+      </p:pic>
+      <p:pic>
+        <p:nvPicPr>
+          <p:cNvPr id="14" name="Grafik 13" descr="Mitarbeiterausweis Silhouette">
+            <a:extLst>
+              <a:ext uri="{FF2B5EF4-FFF2-40B4-BE49-F238E27FC236}">
+                <a16:creationId xmlns:a16="http://schemas.microsoft.com/office/drawing/2014/main" id="{8E43D681-24CC-DE4E-A12A-D868F293044B}"/>
+              </a:ext>
+            </a:extLst>
+          </p:cNvPr>
+          <p:cNvPicPr>
+            <a:picLocks noChangeAspect="1"/>
+          </p:cNvPicPr>
+          <p:nvPr/>
+        </p:nvPicPr>
+        <p:blipFill>
+          <a:blip r:embed="rId5">
+            <a:extLst>
+              <a:ext uri="{96DAC541-7B7A-43D3-8B79-37D633B846F1}">
+                <asvg:svgBlip xmlns:asvg="http://schemas.microsoft.com/office/drawing/2016/SVG/main" r:embed="rId6"/>
+              </a:ext>
+            </a:extLst>
+          </a:blip>
+          <a:stretch>
+            <a:fillRect/>
+          </a:stretch>
+        </p:blipFill>
+        <p:spPr>
+          <a:xfrm rot="18884661">
+            <a:off x="9150995" y="867998"/>
+            <a:ext cx="681542" cy="681542"/>
+          </a:xfrm>
+          <a:prstGeom prst="rect">
+            <a:avLst/>
+          </a:prstGeom>
+        </p:spPr>
+      </p:pic>
+      <p:pic>
+        <p:nvPicPr>
+          <p:cNvPr id="15" name="Grafik 14" descr="Mitarbeiterausweis Silhouette">
+            <a:extLst>
+              <a:ext uri="{FF2B5EF4-FFF2-40B4-BE49-F238E27FC236}">
+                <a16:creationId xmlns:a16="http://schemas.microsoft.com/office/drawing/2014/main" id="{A36C0AF7-7450-7444-90AC-A2E2F8F5B081}"/>
+              </a:ext>
+            </a:extLst>
+          </p:cNvPr>
+          <p:cNvPicPr>
+            <a:picLocks noChangeAspect="1"/>
+          </p:cNvPicPr>
+          <p:nvPr/>
+        </p:nvPicPr>
+        <p:blipFill>
+          <a:blip r:embed="rId5">
+            <a:extLst>
+              <a:ext uri="{96DAC541-7B7A-43D3-8B79-37D633B846F1}">
+                <asvg:svgBlip xmlns:asvg="http://schemas.microsoft.com/office/drawing/2016/SVG/main" r:embed="rId6"/>
+              </a:ext>
+            </a:extLst>
+          </a:blip>
+          <a:stretch>
+            <a:fillRect/>
+          </a:stretch>
+        </p:blipFill>
+        <p:spPr>
+          <a:xfrm rot="18884661">
+            <a:off x="7106369" y="867998"/>
+            <a:ext cx="681542" cy="681542"/>
+          </a:xfrm>
+          <a:prstGeom prst="rect">
+            <a:avLst/>
+          </a:prstGeom>
+        </p:spPr>
+      </p:pic>
+      <p:pic>
+        <p:nvPicPr>
+          <p:cNvPr id="16" name="Grafik 15" descr="Mitarbeiterausweis Silhouette">
+            <a:extLst>
+              <a:ext uri="{FF2B5EF4-FFF2-40B4-BE49-F238E27FC236}">
+                <a16:creationId xmlns:a16="http://schemas.microsoft.com/office/drawing/2014/main" id="{AA422057-704F-E44C-9CD2-1011CD9ABCB8}"/>
+              </a:ext>
+            </a:extLst>
+          </p:cNvPr>
+          <p:cNvPicPr>
+            <a:picLocks noChangeAspect="1"/>
+          </p:cNvPicPr>
+          <p:nvPr/>
+        </p:nvPicPr>
+        <p:blipFill>
+          <a:blip r:embed="rId5">
+            <a:extLst>
+              <a:ext uri="{96DAC541-7B7A-43D3-8B79-37D633B846F1}">
+                <asvg:svgBlip xmlns:asvg="http://schemas.microsoft.com/office/drawing/2016/SVG/main" r:embed="rId6"/>
+              </a:ext>
+            </a:extLst>
+          </a:blip>
+          <a:stretch>
+            <a:fillRect/>
+          </a:stretch>
+        </p:blipFill>
+        <p:spPr>
+          <a:xfrm rot="18884661">
+            <a:off x="7787911" y="867998"/>
+            <a:ext cx="681542" cy="681542"/>
+          </a:xfrm>
+          <a:prstGeom prst="rect">
+            <a:avLst/>
+          </a:prstGeom>
+        </p:spPr>
+      </p:pic>
+      <p:pic>
+        <p:nvPicPr>
+          <p:cNvPr id="19" name="Grafik 18" descr="Mitarbeiterausweis Silhouette">
+            <a:extLst>
+              <a:ext uri="{FF2B5EF4-FFF2-40B4-BE49-F238E27FC236}">
+                <a16:creationId xmlns:a16="http://schemas.microsoft.com/office/drawing/2014/main" id="{B48EFAF9-A4C8-5244-BC93-208E0341ACBF}"/>
+              </a:ext>
+            </a:extLst>
+          </p:cNvPr>
+          <p:cNvPicPr>
+            <a:picLocks noChangeAspect="1"/>
+          </p:cNvPicPr>
+          <p:nvPr/>
+        </p:nvPicPr>
+        <p:blipFill>
+          <a:blip r:embed="rId5">
+            <a:extLst>
+              <a:ext uri="{96DAC541-7B7A-43D3-8B79-37D633B846F1}">
+                <asvg:svgBlip xmlns:asvg="http://schemas.microsoft.com/office/drawing/2016/SVG/main" r:embed="rId6"/>
+              </a:ext>
+            </a:extLst>
+          </a:blip>
+          <a:stretch>
+            <a:fillRect/>
+          </a:stretch>
+        </p:blipFill>
+        <p:spPr>
+          <a:xfrm rot="18884661">
+            <a:off x="6483303" y="796236"/>
+            <a:ext cx="681542" cy="681542"/>
+          </a:xfrm>
+          <a:prstGeom prst="rect">
+            <a:avLst/>
+          </a:prstGeom>
+        </p:spPr>
+      </p:pic>
+      <p:pic>
+        <p:nvPicPr>
+          <p:cNvPr id="20" name="Grafik 19" descr="Mitarbeiterausweis Silhouette">
+            <a:extLst>
+              <a:ext uri="{FF2B5EF4-FFF2-40B4-BE49-F238E27FC236}">
+                <a16:creationId xmlns:a16="http://schemas.microsoft.com/office/drawing/2014/main" id="{DBDECE99-C576-0644-9429-E0D69AA287DD}"/>
+              </a:ext>
+            </a:extLst>
+          </p:cNvPr>
+          <p:cNvPicPr>
+            <a:picLocks noChangeAspect="1"/>
+          </p:cNvPicPr>
+          <p:nvPr/>
+        </p:nvPicPr>
+        <p:blipFill>
+          <a:blip r:embed="rId5">
+            <a:extLst>
+              <a:ext uri="{96DAC541-7B7A-43D3-8B79-37D633B846F1}">
+                <asvg:svgBlip xmlns:asvg="http://schemas.microsoft.com/office/drawing/2016/SVG/main" r:embed="rId6"/>
+              </a:ext>
+            </a:extLst>
+          </a:blip>
+          <a:stretch>
+            <a:fillRect/>
+          </a:stretch>
+        </p:blipFill>
+        <p:spPr>
+          <a:xfrm rot="18884661">
+            <a:off x="5704133" y="1337748"/>
+            <a:ext cx="681542" cy="681542"/>
+          </a:xfrm>
+          <a:prstGeom prst="rect">
+            <a:avLst/>
+          </a:prstGeom>
+        </p:spPr>
+      </p:pic>
+      <p:pic>
+        <p:nvPicPr>
+          <p:cNvPr id="24" name="Grafik 23" descr="Verbotsschild Silhouette">
+            <a:extLst>
+              <a:ext uri="{FF2B5EF4-FFF2-40B4-BE49-F238E27FC236}">
+                <a16:creationId xmlns:a16="http://schemas.microsoft.com/office/drawing/2014/main" id="{09E3B99C-90FF-C143-8066-9CDA8D4FACDD}"/>
+              </a:ext>
+            </a:extLst>
+          </p:cNvPr>
+          <p:cNvPicPr>
+            <a:picLocks noChangeAspect="1"/>
+          </p:cNvPicPr>
+          <p:nvPr/>
+        </p:nvPicPr>
+        <p:blipFill>
+          <a:blip r:embed="rId7">
+            <a:extLst>
+              <a:ext uri="{96DAC541-7B7A-43D3-8B79-37D633B846F1}">
+                <asvg:svgBlip xmlns:asvg="http://schemas.microsoft.com/office/drawing/2016/SVG/main" r:embed="rId8"/>
+              </a:ext>
+            </a:extLst>
+          </a:blip>
+          <a:stretch>
+            <a:fillRect/>
+          </a:stretch>
+        </p:blipFill>
+        <p:spPr>
+          <a:xfrm>
+            <a:off x="5472607" y="1161937"/>
+            <a:ext cx="1151844" cy="1151844"/>
+          </a:xfrm>
+          <a:prstGeom prst="rect">
+            <a:avLst/>
+          </a:prstGeom>
+        </p:spPr>
+      </p:pic>
     </p:spTree>
     <p:extLst>
       <p:ext uri="{BB962C8B-B14F-4D97-AF65-F5344CB8AC3E}">
@@ -10426,10 +11797,67 @@
       </p:grpSpPr>
       <p:sp>
         <p:nvSpPr>
-          <p:cNvPr id="2" name="Titel 1">
-            <a:extLst>
-              <a:ext uri="{FF2B5EF4-FFF2-40B4-BE49-F238E27FC236}">
-                <a16:creationId xmlns:a16="http://schemas.microsoft.com/office/drawing/2014/main" id="{42DB923A-A1B1-8648-BD87-4A32709229CC}"/>
+          <p:cNvPr id="4" name="Datumsplatzhalter 3">
+            <a:extLst>
+              <a:ext uri="{FF2B5EF4-FFF2-40B4-BE49-F238E27FC236}">
+                <a16:creationId xmlns:a16="http://schemas.microsoft.com/office/drawing/2014/main" id="{B213D491-8C48-3B48-B7A7-9A1A19F4B274}"/>
+              </a:ext>
+            </a:extLst>
+          </p:cNvPr>
+          <p:cNvSpPr>
+            <a:spLocks noGrp="1"/>
+          </p:cNvSpPr>
+          <p:nvPr>
+            <p:ph type="dt" sz="half" idx="10"/>
+          </p:nvPr>
+        </p:nvSpPr>
+        <p:spPr/>
+        <p:txBody>
+          <a:bodyPr/>
+          <a:lstStyle/>
+          <a:p>
+            <a:r>
+              <a:rPr lang="de-DE"/>
+              <a:t>03.12.21</a:t>
+            </a:r>
+          </a:p>
+        </p:txBody>
+      </p:sp>
+      <p:sp>
+        <p:nvSpPr>
+          <p:cNvPr id="5" name="Foliennummernplatzhalter 4">
+            <a:extLst>
+              <a:ext uri="{FF2B5EF4-FFF2-40B4-BE49-F238E27FC236}">
+                <a16:creationId xmlns:a16="http://schemas.microsoft.com/office/drawing/2014/main" id="{1EA634BA-8B50-9C43-B444-B14C24B958C4}"/>
+              </a:ext>
+            </a:extLst>
+          </p:cNvPr>
+          <p:cNvSpPr>
+            <a:spLocks noGrp="1"/>
+          </p:cNvSpPr>
+          <p:nvPr>
+            <p:ph type="sldNum" sz="quarter" idx="12"/>
+          </p:nvPr>
+        </p:nvSpPr>
+        <p:spPr/>
+        <p:txBody>
+          <a:bodyPr/>
+          <a:lstStyle/>
+          <a:p>
+            <a:fld id="{C1951030-1712-A844-813B-C453E8FB818E}" type="slidenum">
+              <a:rPr lang="de-DE" smtClean="0"/>
+              <a:t>11</a:t>
+            </a:fld>
+            <a:endParaRPr lang="de-DE"/>
+          </a:p>
+        </p:txBody>
+      </p:sp>
+      <p:sp>
+        <p:nvSpPr>
+          <p:cNvPr id="7" name="Titel 6">
+            <a:extLst>
+              <a:ext uri="{FF2B5EF4-FFF2-40B4-BE49-F238E27FC236}">
+                <a16:creationId xmlns:a16="http://schemas.microsoft.com/office/drawing/2014/main" id="{E6D2EED2-F805-BF44-9E1D-4E1A0CE8033D}"/>
               </a:ext>
             </a:extLst>
           </p:cNvPr>
@@ -10447,6 +11875,343 @@
           <a:p>
             <a:r>
               <a:rPr lang="de-DE" dirty="0"/>
+              <a:t>Prinzipien</a:t>
+            </a:r>
+          </a:p>
+        </p:txBody>
+      </p:sp>
+      <p:sp>
+        <p:nvSpPr>
+          <p:cNvPr id="8" name="Inhaltsplatzhalter 2">
+            <a:extLst>
+              <a:ext uri="{FF2B5EF4-FFF2-40B4-BE49-F238E27FC236}">
+                <a16:creationId xmlns:a16="http://schemas.microsoft.com/office/drawing/2014/main" id="{DC6F63C1-D8A5-004D-BC0E-AF18764881F1}"/>
+              </a:ext>
+            </a:extLst>
+          </p:cNvPr>
+          <p:cNvSpPr>
+            <a:spLocks noGrp="1"/>
+          </p:cNvSpPr>
+          <p:nvPr>
+            <p:ph idx="1"/>
+          </p:nvPr>
+        </p:nvSpPr>
+        <p:spPr>
+          <a:xfrm>
+            <a:off x="838200" y="1825625"/>
+            <a:ext cx="10515600" cy="4351338"/>
+          </a:xfrm>
+        </p:spPr>
+        <p:txBody>
+          <a:bodyPr/>
+          <a:lstStyle/>
+          <a:p>
+            <a:r>
+              <a:rPr lang="de-DE" dirty="0"/>
+              <a:t>Datenschutz</a:t>
+            </a:r>
+          </a:p>
+          <a:p>
+            <a:r>
+              <a:rPr lang="de-DE" dirty="0"/>
+              <a:t>Sicherheit</a:t>
+            </a:r>
+          </a:p>
+          <a:p>
+            <a:endParaRPr lang="de-DE" dirty="0"/>
+          </a:p>
+        </p:txBody>
+      </p:sp>
+      <p:pic>
+        <p:nvPicPr>
+          <p:cNvPr id="9" name="Grafik 8" descr="Sperren mit einfarbiger Füllung">
+            <a:extLst>
+              <a:ext uri="{FF2B5EF4-FFF2-40B4-BE49-F238E27FC236}">
+                <a16:creationId xmlns:a16="http://schemas.microsoft.com/office/drawing/2014/main" id="{4051A9D0-1950-C547-9B29-4A5D6AA9BEC9}"/>
+              </a:ext>
+            </a:extLst>
+          </p:cNvPr>
+          <p:cNvPicPr>
+            <a:picLocks noChangeAspect="1"/>
+          </p:cNvPicPr>
+          <p:nvPr/>
+        </p:nvPicPr>
+        <p:blipFill>
+          <a:blip r:embed="rId3">
+            <a:extLst>
+              <a:ext uri="{96DAC541-7B7A-43D3-8B79-37D633B846F1}">
+                <asvg:svgBlip xmlns:asvg="http://schemas.microsoft.com/office/drawing/2016/SVG/main" r:embed="rId4"/>
+              </a:ext>
+            </a:extLst>
+          </a:blip>
+          <a:stretch>
+            <a:fillRect/>
+          </a:stretch>
+        </p:blipFill>
+        <p:spPr>
+          <a:xfrm>
+            <a:off x="5933751" y="2761817"/>
+            <a:ext cx="3422073" cy="3422073"/>
+          </a:xfrm>
+          <a:prstGeom prst="rect">
+            <a:avLst/>
+          </a:prstGeom>
+        </p:spPr>
+      </p:pic>
+      <p:grpSp>
+        <p:nvGrpSpPr>
+          <p:cNvPr id="19" name="Gruppieren 18">
+            <a:extLst>
+              <a:ext uri="{FF2B5EF4-FFF2-40B4-BE49-F238E27FC236}">
+                <a16:creationId xmlns:a16="http://schemas.microsoft.com/office/drawing/2014/main" id="{E09D84A0-6B09-7C48-AB3B-100B5C9F7BCE}"/>
+              </a:ext>
+            </a:extLst>
+          </p:cNvPr>
+          <p:cNvGrpSpPr/>
+          <p:nvPr/>
+        </p:nvGrpSpPr>
+        <p:grpSpPr>
+          <a:xfrm>
+            <a:off x="2671547" y="3170020"/>
+            <a:ext cx="2833255" cy="2833255"/>
+            <a:chOff x="2519147" y="3156165"/>
+            <a:chExt cx="2833255" cy="2833255"/>
+          </a:xfrm>
+        </p:grpSpPr>
+        <p:pic>
+          <p:nvPicPr>
+            <p:cNvPr id="13" name="Grafik 12" descr="Mitarbeiterausweis Silhouette">
+              <a:extLst>
+                <a:ext uri="{FF2B5EF4-FFF2-40B4-BE49-F238E27FC236}">
+                  <a16:creationId xmlns:a16="http://schemas.microsoft.com/office/drawing/2014/main" id="{2F3B0C79-028C-FF4D-8DCF-B8D18CDFECC4}"/>
+                </a:ext>
+              </a:extLst>
+            </p:cNvPr>
+            <p:cNvPicPr>
+              <a:picLocks noChangeAspect="1"/>
+            </p:cNvPicPr>
+            <p:nvPr/>
+          </p:nvPicPr>
+          <p:blipFill>
+            <a:blip r:embed="rId5">
+              <a:extLst>
+                <a:ext uri="{96DAC541-7B7A-43D3-8B79-37D633B846F1}">
+                  <asvg:svgBlip xmlns:asvg="http://schemas.microsoft.com/office/drawing/2016/SVG/main" r:embed="rId6"/>
+                </a:ext>
+              </a:extLst>
+            </a:blip>
+            <a:stretch>
+              <a:fillRect/>
+            </a:stretch>
+          </p:blipFill>
+          <p:spPr>
+            <a:xfrm>
+              <a:off x="3254233" y="3724997"/>
+              <a:ext cx="681542" cy="681542"/>
+            </a:xfrm>
+            <a:prstGeom prst="rect">
+              <a:avLst/>
+            </a:prstGeom>
+          </p:spPr>
+        </p:pic>
+        <p:pic>
+          <p:nvPicPr>
+            <p:cNvPr id="14" name="Grafik 13" descr="Mitarbeiterausweis Silhouette">
+              <a:extLst>
+                <a:ext uri="{FF2B5EF4-FFF2-40B4-BE49-F238E27FC236}">
+                  <a16:creationId xmlns:a16="http://schemas.microsoft.com/office/drawing/2014/main" id="{E58C370F-D365-CC44-8B73-2DE693A09029}"/>
+                </a:ext>
+              </a:extLst>
+            </p:cNvPr>
+            <p:cNvPicPr>
+              <a:picLocks noChangeAspect="1"/>
+            </p:cNvPicPr>
+            <p:nvPr/>
+          </p:nvPicPr>
+          <p:blipFill>
+            <a:blip r:embed="rId5">
+              <a:extLst>
+                <a:ext uri="{96DAC541-7B7A-43D3-8B79-37D633B846F1}">
+                  <asvg:svgBlip xmlns:asvg="http://schemas.microsoft.com/office/drawing/2016/SVG/main" r:embed="rId6"/>
+                </a:ext>
+              </a:extLst>
+            </a:blip>
+            <a:stretch>
+              <a:fillRect/>
+            </a:stretch>
+          </p:blipFill>
+          <p:spPr>
+            <a:xfrm>
+              <a:off x="3935775" y="3724997"/>
+              <a:ext cx="681542" cy="681542"/>
+            </a:xfrm>
+            <a:prstGeom prst="rect">
+              <a:avLst/>
+            </a:prstGeom>
+          </p:spPr>
+        </p:pic>
+        <p:pic>
+          <p:nvPicPr>
+            <p:cNvPr id="15" name="Grafik 14" descr="Mitarbeiterausweis Silhouette">
+              <a:extLst>
+                <a:ext uri="{FF2B5EF4-FFF2-40B4-BE49-F238E27FC236}">
+                  <a16:creationId xmlns:a16="http://schemas.microsoft.com/office/drawing/2014/main" id="{1DD4188D-7793-6441-B2F6-9C9D279542D1}"/>
+                </a:ext>
+              </a:extLst>
+            </p:cNvPr>
+            <p:cNvPicPr>
+              <a:picLocks noChangeAspect="1"/>
+            </p:cNvPicPr>
+            <p:nvPr/>
+          </p:nvPicPr>
+          <p:blipFill>
+            <a:blip r:embed="rId5">
+              <a:extLst>
+                <a:ext uri="{96DAC541-7B7A-43D3-8B79-37D633B846F1}">
+                  <asvg:svgBlip xmlns:asvg="http://schemas.microsoft.com/office/drawing/2016/SVG/main" r:embed="rId6"/>
+                </a:ext>
+              </a:extLst>
+            </a:blip>
+            <a:stretch>
+              <a:fillRect/>
+            </a:stretch>
+          </p:blipFill>
+          <p:spPr>
+            <a:xfrm>
+              <a:off x="3254233" y="4406539"/>
+              <a:ext cx="681542" cy="681542"/>
+            </a:xfrm>
+            <a:prstGeom prst="rect">
+              <a:avLst/>
+            </a:prstGeom>
+          </p:spPr>
+        </p:pic>
+        <p:pic>
+          <p:nvPicPr>
+            <p:cNvPr id="16" name="Grafik 15" descr="Mitarbeiterausweis Silhouette">
+              <a:extLst>
+                <a:ext uri="{FF2B5EF4-FFF2-40B4-BE49-F238E27FC236}">
+                  <a16:creationId xmlns:a16="http://schemas.microsoft.com/office/drawing/2014/main" id="{2D4254AB-CE7D-B84C-B1FA-CFB234866FA6}"/>
+                </a:ext>
+              </a:extLst>
+            </p:cNvPr>
+            <p:cNvPicPr>
+              <a:picLocks noChangeAspect="1"/>
+            </p:cNvPicPr>
+            <p:nvPr/>
+          </p:nvPicPr>
+          <p:blipFill>
+            <a:blip r:embed="rId5">
+              <a:extLst>
+                <a:ext uri="{96DAC541-7B7A-43D3-8B79-37D633B846F1}">
+                  <asvg:svgBlip xmlns:asvg="http://schemas.microsoft.com/office/drawing/2016/SVG/main" r:embed="rId6"/>
+                </a:ext>
+              </a:extLst>
+            </a:blip>
+            <a:stretch>
+              <a:fillRect/>
+            </a:stretch>
+          </p:blipFill>
+          <p:spPr>
+            <a:xfrm>
+              <a:off x="3935775" y="4406539"/>
+              <a:ext cx="681542" cy="681542"/>
+            </a:xfrm>
+            <a:prstGeom prst="rect">
+              <a:avLst/>
+            </a:prstGeom>
+          </p:spPr>
+        </p:pic>
+        <p:pic>
+          <p:nvPicPr>
+            <p:cNvPr id="18" name="Grafik 17" descr="Schild Silhouette">
+              <a:extLst>
+                <a:ext uri="{FF2B5EF4-FFF2-40B4-BE49-F238E27FC236}">
+                  <a16:creationId xmlns:a16="http://schemas.microsoft.com/office/drawing/2014/main" id="{19F7C8CF-F7F1-694D-88FB-8F9E96B281F7}"/>
+                </a:ext>
+              </a:extLst>
+            </p:cNvPr>
+            <p:cNvPicPr>
+              <a:picLocks noChangeAspect="1"/>
+            </p:cNvPicPr>
+            <p:nvPr/>
+          </p:nvPicPr>
+          <p:blipFill>
+            <a:blip r:embed="rId7">
+              <a:extLst>
+                <a:ext uri="{96DAC541-7B7A-43D3-8B79-37D633B846F1}">
+                  <asvg:svgBlip xmlns:asvg="http://schemas.microsoft.com/office/drawing/2016/SVG/main" r:embed="rId8"/>
+                </a:ext>
+              </a:extLst>
+            </a:blip>
+            <a:stretch>
+              <a:fillRect/>
+            </a:stretch>
+          </p:blipFill>
+          <p:spPr>
+            <a:xfrm>
+              <a:off x="2519147" y="3156165"/>
+              <a:ext cx="2833255" cy="2833255"/>
+            </a:xfrm>
+            <a:prstGeom prst="rect">
+              <a:avLst/>
+            </a:prstGeom>
+          </p:spPr>
+        </p:pic>
+      </p:grpSp>
+    </p:spTree>
+    <p:extLst>
+      <p:ext uri="{BB962C8B-B14F-4D97-AF65-F5344CB8AC3E}">
+        <p14:creationId xmlns:p14="http://schemas.microsoft.com/office/powerpoint/2010/main" val="363541327"/>
+      </p:ext>
+    </p:extLst>
+  </p:cSld>
+  <p:clrMapOvr>
+    <a:masterClrMapping/>
+  </p:clrMapOvr>
+</p:sld>
+</file>
+
+<file path=ppt/slides/slide12.xml><?xml version="1.0" encoding="utf-8"?>
+<p:sld xmlns:a="http://schemas.openxmlformats.org/drawingml/2006/main" xmlns:r="http://schemas.openxmlformats.org/officeDocument/2006/relationships" xmlns:p="http://schemas.openxmlformats.org/presentationml/2006/main">
+  <p:cSld>
+    <p:spTree>
+      <p:nvGrpSpPr>
+        <p:cNvPr id="1" name=""/>
+        <p:cNvGrpSpPr/>
+        <p:nvPr/>
+      </p:nvGrpSpPr>
+      <p:grpSpPr>
+        <a:xfrm>
+          <a:off x="0" y="0"/>
+          <a:ext cx="0" cy="0"/>
+          <a:chOff x="0" y="0"/>
+          <a:chExt cx="0" cy="0"/>
+        </a:xfrm>
+      </p:grpSpPr>
+      <p:sp>
+        <p:nvSpPr>
+          <p:cNvPr id="2" name="Titel 1">
+            <a:extLst>
+              <a:ext uri="{FF2B5EF4-FFF2-40B4-BE49-F238E27FC236}">
+                <a16:creationId xmlns:a16="http://schemas.microsoft.com/office/drawing/2014/main" id="{42DB923A-A1B1-8648-BD87-4A32709229CC}"/>
+              </a:ext>
+            </a:extLst>
+          </p:cNvPr>
+          <p:cNvSpPr>
+            <a:spLocks noGrp="1"/>
+          </p:cNvSpPr>
+          <p:nvPr>
+            <p:ph type="title"/>
+          </p:nvPr>
+        </p:nvSpPr>
+        <p:spPr/>
+        <p:txBody>
+          <a:bodyPr/>
+          <a:lstStyle/>
+          <a:p>
+            <a:r>
+              <a:rPr lang="de-DE" dirty="0"/>
               <a:t>Hochladen von Templates</a:t>
             </a:r>
           </a:p>
@@ -10503,7 +12268,7 @@
           <a:p>
             <a:fld id="{C1951030-1712-A844-813B-C453E8FB818E}" type="slidenum">
               <a:rPr lang="de-DE" smtClean="0"/>
-              <a:t>11</a:t>
+              <a:t>12</a:t>
             </a:fld>
             <a:endParaRPr lang="de-DE"/>
           </a:p>
@@ -10927,7 +12692,7 @@
             </a:pPr>
             <a:r>
               <a:rPr lang="de-DE" i="1" dirty="0"/>
-              <a:t>Warum Wunsch:</a:t>
+              <a:t>Warum Wunschkriterium:</a:t>
             </a:r>
           </a:p>
           <a:p>
@@ -10958,308 +12723,6 @@
     <p:extLst>
       <p:ext uri="{BB962C8B-B14F-4D97-AF65-F5344CB8AC3E}">
         <p14:creationId xmlns:p14="http://schemas.microsoft.com/office/powerpoint/2010/main" val="2432425423"/>
-      </p:ext>
-    </p:extLst>
-  </p:cSld>
-  <p:clrMapOvr>
-    <a:masterClrMapping/>
-  </p:clrMapOvr>
-</p:sld>
-</file>
-
-<file path=ppt/slides/slide12.xml><?xml version="1.0" encoding="utf-8"?>
-<p:sld xmlns:a="http://schemas.openxmlformats.org/drawingml/2006/main" xmlns:r="http://schemas.openxmlformats.org/officeDocument/2006/relationships" xmlns:p="http://schemas.openxmlformats.org/presentationml/2006/main">
-  <p:cSld>
-    <p:spTree>
-      <p:nvGrpSpPr>
-        <p:cNvPr id="1" name=""/>
-        <p:cNvGrpSpPr/>
-        <p:nvPr/>
-      </p:nvGrpSpPr>
-      <p:grpSpPr>
-        <a:xfrm>
-          <a:off x="0" y="0"/>
-          <a:ext cx="0" cy="0"/>
-          <a:chOff x="0" y="0"/>
-          <a:chExt cx="0" cy="0"/>
-        </a:xfrm>
-      </p:grpSpPr>
-      <p:pic>
-        <p:nvPicPr>
-          <p:cNvPr id="7" name="Inhaltsplatzhalter 6" descr="Frau mit einfarbiger Füllung">
-            <a:extLst>
-              <a:ext uri="{FF2B5EF4-FFF2-40B4-BE49-F238E27FC236}">
-                <a16:creationId xmlns:a16="http://schemas.microsoft.com/office/drawing/2014/main" id="{B672DE49-A8E7-7749-A03D-3566A208D9D7}"/>
-              </a:ext>
-            </a:extLst>
-          </p:cNvPr>
-          <p:cNvPicPr>
-            <a:picLocks noGrp="1" noChangeAspect="1"/>
-          </p:cNvPicPr>
-          <p:nvPr>
-            <p:ph idx="1"/>
-          </p:nvPr>
-        </p:nvPicPr>
-        <p:blipFill>
-          <a:blip r:embed="rId3">
-            <a:extLst>
-              <a:ext uri="{96DAC541-7B7A-43D3-8B79-37D633B846F1}">
-                <asvg:svgBlip xmlns:asvg="http://schemas.microsoft.com/office/drawing/2016/SVG/main" r:embed="rId4"/>
-              </a:ext>
-            </a:extLst>
-          </a:blip>
-          <a:stretch>
-            <a:fillRect/>
-          </a:stretch>
-        </p:blipFill>
-        <p:spPr>
-          <a:xfrm>
-            <a:off x="1607127" y="1909258"/>
-            <a:ext cx="2396836" cy="2396836"/>
-          </a:xfrm>
-        </p:spPr>
-      </p:pic>
-      <p:sp>
-        <p:nvSpPr>
-          <p:cNvPr id="4" name="Datumsplatzhalter 3">
-            <a:extLst>
-              <a:ext uri="{FF2B5EF4-FFF2-40B4-BE49-F238E27FC236}">
-                <a16:creationId xmlns:a16="http://schemas.microsoft.com/office/drawing/2014/main" id="{E19FA10C-737D-6347-9EE4-72BB845236FF}"/>
-              </a:ext>
-            </a:extLst>
-          </p:cNvPr>
-          <p:cNvSpPr>
-            <a:spLocks noGrp="1"/>
-          </p:cNvSpPr>
-          <p:nvPr>
-            <p:ph type="dt" sz="half" idx="10"/>
-          </p:nvPr>
-        </p:nvSpPr>
-        <p:spPr/>
-        <p:txBody>
-          <a:bodyPr/>
-          <a:lstStyle/>
-          <a:p>
-            <a:r>
-              <a:rPr lang="de-DE"/>
-              <a:t>03.12.21</a:t>
-            </a:r>
-          </a:p>
-        </p:txBody>
-      </p:sp>
-      <p:sp>
-        <p:nvSpPr>
-          <p:cNvPr id="5" name="Foliennummernplatzhalter 4">
-            <a:extLst>
-              <a:ext uri="{FF2B5EF4-FFF2-40B4-BE49-F238E27FC236}">
-                <a16:creationId xmlns:a16="http://schemas.microsoft.com/office/drawing/2014/main" id="{25E81763-1F78-3E42-9F48-9FD645C972D2}"/>
-              </a:ext>
-            </a:extLst>
-          </p:cNvPr>
-          <p:cNvSpPr>
-            <a:spLocks noGrp="1"/>
-          </p:cNvSpPr>
-          <p:nvPr>
-            <p:ph type="sldNum" sz="quarter" idx="12"/>
-          </p:nvPr>
-        </p:nvSpPr>
-        <p:spPr/>
-        <p:txBody>
-          <a:bodyPr/>
-          <a:lstStyle/>
-          <a:p>
-            <a:fld id="{C1951030-1712-A844-813B-C453E8FB818E}" type="slidenum">
-              <a:rPr lang="de-DE" smtClean="0"/>
-              <a:t>12</a:t>
-            </a:fld>
-            <a:endParaRPr lang="de-DE"/>
-          </a:p>
-        </p:txBody>
-      </p:sp>
-      <p:pic>
-        <p:nvPicPr>
-          <p:cNvPr id="9" name="Grafik 8" descr="Flasche mit einfarbiger Füllung">
-            <a:extLst>
-              <a:ext uri="{FF2B5EF4-FFF2-40B4-BE49-F238E27FC236}">
-                <a16:creationId xmlns:a16="http://schemas.microsoft.com/office/drawing/2014/main" id="{7B071123-7BB5-B442-92A0-B54D32729818}"/>
-              </a:ext>
-            </a:extLst>
-          </p:cNvPr>
-          <p:cNvPicPr>
-            <a:picLocks noChangeAspect="1"/>
-          </p:cNvPicPr>
-          <p:nvPr/>
-        </p:nvPicPr>
-        <p:blipFill>
-          <a:blip r:embed="rId5">
-            <a:extLst>
-              <a:ext uri="{96DAC541-7B7A-43D3-8B79-37D633B846F1}">
-                <asvg:svgBlip xmlns:asvg="http://schemas.microsoft.com/office/drawing/2016/SVG/main" r:embed="rId6"/>
-              </a:ext>
-            </a:extLst>
-          </a:blip>
-          <a:stretch>
-            <a:fillRect/>
-          </a:stretch>
-        </p:blipFill>
-        <p:spPr>
-          <a:xfrm>
-            <a:off x="5638800" y="3107676"/>
-            <a:ext cx="1745673" cy="1745673"/>
-          </a:xfrm>
-          <a:prstGeom prst="rect">
-            <a:avLst/>
-          </a:prstGeom>
-        </p:spPr>
-      </p:pic>
-      <p:pic>
-        <p:nvPicPr>
-          <p:cNvPr id="11" name="Grafik 10" descr="Kaffee mit einfarbiger Füllung">
-            <a:extLst>
-              <a:ext uri="{FF2B5EF4-FFF2-40B4-BE49-F238E27FC236}">
-                <a16:creationId xmlns:a16="http://schemas.microsoft.com/office/drawing/2014/main" id="{B2FF02C6-5F90-7C49-8FB7-4D8FCCE30638}"/>
-              </a:ext>
-            </a:extLst>
-          </p:cNvPr>
-          <p:cNvPicPr>
-            <a:picLocks noChangeAspect="1"/>
-          </p:cNvPicPr>
-          <p:nvPr/>
-        </p:nvPicPr>
-        <p:blipFill>
-          <a:blip r:embed="rId7">
-            <a:extLst>
-              <a:ext uri="{96DAC541-7B7A-43D3-8B79-37D633B846F1}">
-                <asvg:svgBlip xmlns:asvg="http://schemas.microsoft.com/office/drawing/2016/SVG/main" r:embed="rId8"/>
-              </a:ext>
-            </a:extLst>
-          </a:blip>
-          <a:stretch>
-            <a:fillRect/>
-          </a:stretch>
-        </p:blipFill>
-        <p:spPr>
-          <a:xfrm>
-            <a:off x="7301347" y="3034145"/>
-            <a:ext cx="1745672" cy="1745672"/>
-          </a:xfrm>
-          <a:prstGeom prst="rect">
-            <a:avLst/>
-          </a:prstGeom>
-        </p:spPr>
-      </p:pic>
-      <p:pic>
-        <p:nvPicPr>
-          <p:cNvPr id="12" name="Grafik 11" descr="Flasche mit einfarbiger Füllung">
-            <a:extLst>
-              <a:ext uri="{FF2B5EF4-FFF2-40B4-BE49-F238E27FC236}">
-                <a16:creationId xmlns:a16="http://schemas.microsoft.com/office/drawing/2014/main" id="{5F0CED33-0E61-D649-ACB7-0C25A3B72DE6}"/>
-              </a:ext>
-            </a:extLst>
-          </p:cNvPr>
-          <p:cNvPicPr>
-            <a:picLocks noChangeAspect="1"/>
-          </p:cNvPicPr>
-          <p:nvPr/>
-        </p:nvPicPr>
-        <p:blipFill>
-          <a:blip r:embed="rId5">
-            <a:extLst>
-              <a:ext uri="{96DAC541-7B7A-43D3-8B79-37D633B846F1}">
-                <asvg:svgBlip xmlns:asvg="http://schemas.microsoft.com/office/drawing/2016/SVG/main" r:embed="rId6"/>
-              </a:ext>
-            </a:extLst>
-          </a:blip>
-          <a:stretch>
-            <a:fillRect/>
-          </a:stretch>
-        </p:blipFill>
-        <p:spPr>
-          <a:xfrm>
-            <a:off x="6497782" y="1580753"/>
-            <a:ext cx="1745673" cy="1745673"/>
-          </a:xfrm>
-          <a:prstGeom prst="rect">
-            <a:avLst/>
-          </a:prstGeom>
-        </p:spPr>
-      </p:pic>
-      <p:pic>
-        <p:nvPicPr>
-          <p:cNvPr id="13" name="Grafik 12" descr="Kaffee mit einfarbiger Füllung">
-            <a:extLst>
-              <a:ext uri="{FF2B5EF4-FFF2-40B4-BE49-F238E27FC236}">
-                <a16:creationId xmlns:a16="http://schemas.microsoft.com/office/drawing/2014/main" id="{C4663941-8982-6347-8B64-E62DB881DDBD}"/>
-              </a:ext>
-            </a:extLst>
-          </p:cNvPr>
-          <p:cNvPicPr>
-            <a:picLocks noChangeAspect="1"/>
-          </p:cNvPicPr>
-          <p:nvPr/>
-        </p:nvPicPr>
-        <p:blipFill>
-          <a:blip r:embed="rId7">
-            <a:extLst>
-              <a:ext uri="{96DAC541-7B7A-43D3-8B79-37D633B846F1}">
-                <asvg:svgBlip xmlns:asvg="http://schemas.microsoft.com/office/drawing/2016/SVG/main" r:embed="rId8"/>
-              </a:ext>
-            </a:extLst>
-          </a:blip>
-          <a:stretch>
-            <a:fillRect/>
-          </a:stretch>
-        </p:blipFill>
-        <p:spPr>
-          <a:xfrm>
-            <a:off x="8534403" y="1580753"/>
-            <a:ext cx="1745672" cy="1745672"/>
-          </a:xfrm>
-          <a:prstGeom prst="rect">
-            <a:avLst/>
-          </a:prstGeom>
-        </p:spPr>
-      </p:pic>
-      <p:pic>
-        <p:nvPicPr>
-          <p:cNvPr id="14" name="Grafik 13" descr="Fragezeichen mit einfarbiger Füllung">
-            <a:extLst>
-              <a:ext uri="{FF2B5EF4-FFF2-40B4-BE49-F238E27FC236}">
-                <a16:creationId xmlns:a16="http://schemas.microsoft.com/office/drawing/2014/main" id="{376A232C-4C36-C646-A410-41DBABFACAC8}"/>
-              </a:ext>
-            </a:extLst>
-          </p:cNvPr>
-          <p:cNvPicPr>
-            <a:picLocks noChangeAspect="1"/>
-          </p:cNvPicPr>
-          <p:nvPr/>
-        </p:nvPicPr>
-        <p:blipFill>
-          <a:blip r:embed="rId9">
-            <a:extLst>
-              <a:ext uri="{96DAC541-7B7A-43D3-8B79-37D633B846F1}">
-                <asvg:svgBlip xmlns:asvg="http://schemas.microsoft.com/office/drawing/2016/SVG/main" r:embed="rId10"/>
-              </a:ext>
-            </a:extLst>
-          </a:blip>
-          <a:stretch>
-            <a:fillRect/>
-          </a:stretch>
-        </p:blipFill>
-        <p:spPr>
-          <a:xfrm>
-            <a:off x="4225635" y="2071254"/>
-            <a:ext cx="1925782" cy="1925782"/>
-          </a:xfrm>
-          <a:prstGeom prst="rect">
-            <a:avLst/>
-          </a:prstGeom>
-        </p:spPr>
-      </p:pic>
-    </p:spTree>
-    <p:extLst>
-      <p:ext uri="{BB962C8B-B14F-4D97-AF65-F5344CB8AC3E}">
-        <p14:creationId xmlns:p14="http://schemas.microsoft.com/office/powerpoint/2010/main" val="1841952403"/>
       </p:ext>
     </p:extLst>
   </p:cSld>
@@ -11286,141 +12749,47 @@
           <a:chExt cx="0" cy="0"/>
         </a:xfrm>
       </p:grpSpPr>
+      <p:pic>
+        <p:nvPicPr>
+          <p:cNvPr id="7" name="Inhaltsplatzhalter 6" descr="Frau mit einfarbiger Füllung">
+            <a:extLst>
+              <a:ext uri="{FF2B5EF4-FFF2-40B4-BE49-F238E27FC236}">
+                <a16:creationId xmlns:a16="http://schemas.microsoft.com/office/drawing/2014/main" id="{B672DE49-A8E7-7749-A03D-3566A208D9D7}"/>
+              </a:ext>
+            </a:extLst>
+          </p:cNvPr>
+          <p:cNvPicPr>
+            <a:picLocks noGrp="1" noChangeAspect="1"/>
+          </p:cNvPicPr>
+          <p:nvPr>
+            <p:ph idx="1"/>
+          </p:nvPr>
+        </p:nvPicPr>
+        <p:blipFill>
+          <a:blip r:embed="rId3">
+            <a:extLst>
+              <a:ext uri="{96DAC541-7B7A-43D3-8B79-37D633B846F1}">
+                <asvg:svgBlip xmlns:asvg="http://schemas.microsoft.com/office/drawing/2016/SVG/main" r:embed="rId4"/>
+              </a:ext>
+            </a:extLst>
+          </a:blip>
+          <a:stretch>
+            <a:fillRect/>
+          </a:stretch>
+        </p:blipFill>
+        <p:spPr>
+          <a:xfrm>
+            <a:off x="1607127" y="1909258"/>
+            <a:ext cx="2396836" cy="2396836"/>
+          </a:xfrm>
+        </p:spPr>
+      </p:pic>
       <p:sp>
         <p:nvSpPr>
-          <p:cNvPr id="2" name="Titel 1">
-            <a:extLst>
-              <a:ext uri="{FF2B5EF4-FFF2-40B4-BE49-F238E27FC236}">
-                <a16:creationId xmlns:a16="http://schemas.microsoft.com/office/drawing/2014/main" id="{DC10472C-A722-2447-B559-3E2A15526694}"/>
-              </a:ext>
-            </a:extLst>
-          </p:cNvPr>
-          <p:cNvSpPr>
-            <a:spLocks noGrp="1"/>
-          </p:cNvSpPr>
-          <p:nvPr>
-            <p:ph type="title"/>
-          </p:nvPr>
-        </p:nvSpPr>
-        <p:spPr/>
-        <p:txBody>
-          <a:bodyPr/>
-          <a:lstStyle/>
-          <a:p>
-            <a:r>
-              <a:rPr lang="de-DE" dirty="0"/>
-              <a:t>Tabelle bearbeiten</a:t>
-            </a:r>
-          </a:p>
-        </p:txBody>
-      </p:sp>
-      <p:sp>
-        <p:nvSpPr>
-          <p:cNvPr id="3" name="Inhaltsplatzhalter 2">
-            <a:extLst>
-              <a:ext uri="{FF2B5EF4-FFF2-40B4-BE49-F238E27FC236}">
-                <a16:creationId xmlns:a16="http://schemas.microsoft.com/office/drawing/2014/main" id="{B4CE9685-B6BD-E54F-9949-8301147A8987}"/>
-              </a:ext>
-            </a:extLst>
-          </p:cNvPr>
-          <p:cNvSpPr>
-            <a:spLocks noGrp="1"/>
-          </p:cNvSpPr>
-          <p:nvPr>
-            <p:ph sz="half" idx="1"/>
-          </p:nvPr>
-        </p:nvSpPr>
-        <p:spPr/>
-        <p:txBody>
-          <a:bodyPr/>
-          <a:lstStyle/>
-          <a:p>
-            <a:pPr marL="0" indent="0">
-              <a:buNone/>
-            </a:pPr>
-            <a:r>
-              <a:rPr lang="de-DE" i="1" dirty="0"/>
-              <a:t>Warum gewünscht: </a:t>
-            </a:r>
-          </a:p>
-          <a:p>
-            <a:pPr marL="0" indent="0">
-              <a:buNone/>
-            </a:pPr>
-            <a:endParaRPr lang="de-DE" dirty="0"/>
-          </a:p>
-          <a:p>
-            <a:r>
-              <a:rPr lang="de-DE" dirty="0"/>
-              <a:t>Zeilen &amp; Spalten hinzufügen</a:t>
-            </a:r>
-          </a:p>
-          <a:p>
-            <a:r>
-              <a:rPr lang="de-DE" dirty="0"/>
-              <a:t>Neue Ideen</a:t>
-            </a:r>
-          </a:p>
-          <a:p>
-            <a:r>
-              <a:rPr lang="de-DE" dirty="0"/>
-              <a:t>Korrekturmöglichkeiten</a:t>
-            </a:r>
-          </a:p>
-        </p:txBody>
-      </p:sp>
-      <p:sp>
-        <p:nvSpPr>
-          <p:cNvPr id="4" name="Inhaltsplatzhalter 3">
-            <a:extLst>
-              <a:ext uri="{FF2B5EF4-FFF2-40B4-BE49-F238E27FC236}">
-                <a16:creationId xmlns:a16="http://schemas.microsoft.com/office/drawing/2014/main" id="{1825F776-8941-3A45-808C-5F30340B4C02}"/>
-              </a:ext>
-            </a:extLst>
-          </p:cNvPr>
-          <p:cNvSpPr>
-            <a:spLocks noGrp="1"/>
-          </p:cNvSpPr>
-          <p:nvPr>
-            <p:ph sz="half" idx="2"/>
-          </p:nvPr>
-        </p:nvSpPr>
-        <p:spPr/>
-        <p:txBody>
-          <a:bodyPr/>
-          <a:lstStyle/>
-          <a:p>
-            <a:pPr marL="0" indent="0">
-              <a:buNone/>
-            </a:pPr>
-            <a:r>
-              <a:rPr lang="de-DE" i="1" dirty="0"/>
-              <a:t>Warum Wunsch:</a:t>
-            </a:r>
-          </a:p>
-          <a:p>
-            <a:pPr marL="0" indent="0">
-              <a:buNone/>
-            </a:pPr>
-            <a:endParaRPr lang="de-DE" dirty="0"/>
-          </a:p>
-          <a:p>
-            <a:r>
-              <a:rPr lang="de-DE" dirty="0"/>
-              <a:t>Hohes Konfliktpotential</a:t>
-            </a:r>
-          </a:p>
-          <a:p>
-            <a:endParaRPr lang="de-DE" dirty="0"/>
-          </a:p>
-        </p:txBody>
-      </p:sp>
-      <p:sp>
-        <p:nvSpPr>
-          <p:cNvPr id="5" name="Datumsplatzhalter 4">
-            <a:extLst>
-              <a:ext uri="{FF2B5EF4-FFF2-40B4-BE49-F238E27FC236}">
-                <a16:creationId xmlns:a16="http://schemas.microsoft.com/office/drawing/2014/main" id="{D8780823-4011-B446-8F50-A7EEA649C23D}"/>
+          <p:cNvPr id="4" name="Datumsplatzhalter 3">
+            <a:extLst>
+              <a:ext uri="{FF2B5EF4-FFF2-40B4-BE49-F238E27FC236}">
+                <a16:creationId xmlns:a16="http://schemas.microsoft.com/office/drawing/2014/main" id="{E19FA10C-737D-6347-9EE4-72BB845236FF}"/>
               </a:ext>
             </a:extLst>
           </p:cNvPr>
@@ -11445,10 +12814,10 @@
       </p:sp>
       <p:sp>
         <p:nvSpPr>
-          <p:cNvPr id="6" name="Foliennummernplatzhalter 5">
-            <a:extLst>
-              <a:ext uri="{FF2B5EF4-FFF2-40B4-BE49-F238E27FC236}">
-                <a16:creationId xmlns:a16="http://schemas.microsoft.com/office/drawing/2014/main" id="{B5EE29CD-5AC9-344B-8B73-C8F68BF714AA}"/>
+          <p:cNvPr id="5" name="Foliennummernplatzhalter 4">
+            <a:extLst>
+              <a:ext uri="{FF2B5EF4-FFF2-40B4-BE49-F238E27FC236}">
+                <a16:creationId xmlns:a16="http://schemas.microsoft.com/office/drawing/2014/main" id="{25E81763-1F78-3E42-9F48-9FD645C972D2}"/>
               </a:ext>
             </a:extLst>
           </p:cNvPr>
@@ -11472,10 +12841,190 @@
           </a:p>
         </p:txBody>
       </p:sp>
+      <p:pic>
+        <p:nvPicPr>
+          <p:cNvPr id="9" name="Grafik 8" descr="Flasche mit einfarbiger Füllung">
+            <a:extLst>
+              <a:ext uri="{FF2B5EF4-FFF2-40B4-BE49-F238E27FC236}">
+                <a16:creationId xmlns:a16="http://schemas.microsoft.com/office/drawing/2014/main" id="{7B071123-7BB5-B442-92A0-B54D32729818}"/>
+              </a:ext>
+            </a:extLst>
+          </p:cNvPr>
+          <p:cNvPicPr>
+            <a:picLocks noChangeAspect="1"/>
+          </p:cNvPicPr>
+          <p:nvPr/>
+        </p:nvPicPr>
+        <p:blipFill>
+          <a:blip r:embed="rId5">
+            <a:extLst>
+              <a:ext uri="{96DAC541-7B7A-43D3-8B79-37D633B846F1}">
+                <asvg:svgBlip xmlns:asvg="http://schemas.microsoft.com/office/drawing/2016/SVG/main" r:embed="rId6"/>
+              </a:ext>
+            </a:extLst>
+          </a:blip>
+          <a:stretch>
+            <a:fillRect/>
+          </a:stretch>
+        </p:blipFill>
+        <p:spPr>
+          <a:xfrm>
+            <a:off x="5638800" y="3107676"/>
+            <a:ext cx="1745673" cy="1745673"/>
+          </a:xfrm>
+          <a:prstGeom prst="rect">
+            <a:avLst/>
+          </a:prstGeom>
+        </p:spPr>
+      </p:pic>
+      <p:pic>
+        <p:nvPicPr>
+          <p:cNvPr id="11" name="Grafik 10" descr="Kaffee mit einfarbiger Füllung">
+            <a:extLst>
+              <a:ext uri="{FF2B5EF4-FFF2-40B4-BE49-F238E27FC236}">
+                <a16:creationId xmlns:a16="http://schemas.microsoft.com/office/drawing/2014/main" id="{B2FF02C6-5F90-7C49-8FB7-4D8FCCE30638}"/>
+              </a:ext>
+            </a:extLst>
+          </p:cNvPr>
+          <p:cNvPicPr>
+            <a:picLocks noChangeAspect="1"/>
+          </p:cNvPicPr>
+          <p:nvPr/>
+        </p:nvPicPr>
+        <p:blipFill>
+          <a:blip r:embed="rId7">
+            <a:extLst>
+              <a:ext uri="{96DAC541-7B7A-43D3-8B79-37D633B846F1}">
+                <asvg:svgBlip xmlns:asvg="http://schemas.microsoft.com/office/drawing/2016/SVG/main" r:embed="rId8"/>
+              </a:ext>
+            </a:extLst>
+          </a:blip>
+          <a:stretch>
+            <a:fillRect/>
+          </a:stretch>
+        </p:blipFill>
+        <p:spPr>
+          <a:xfrm>
+            <a:off x="7301347" y="3034145"/>
+            <a:ext cx="1745672" cy="1745672"/>
+          </a:xfrm>
+          <a:prstGeom prst="rect">
+            <a:avLst/>
+          </a:prstGeom>
+        </p:spPr>
+      </p:pic>
+      <p:pic>
+        <p:nvPicPr>
+          <p:cNvPr id="12" name="Grafik 11" descr="Flasche mit einfarbiger Füllung">
+            <a:extLst>
+              <a:ext uri="{FF2B5EF4-FFF2-40B4-BE49-F238E27FC236}">
+                <a16:creationId xmlns:a16="http://schemas.microsoft.com/office/drawing/2014/main" id="{5F0CED33-0E61-D649-ACB7-0C25A3B72DE6}"/>
+              </a:ext>
+            </a:extLst>
+          </p:cNvPr>
+          <p:cNvPicPr>
+            <a:picLocks noChangeAspect="1"/>
+          </p:cNvPicPr>
+          <p:nvPr/>
+        </p:nvPicPr>
+        <p:blipFill>
+          <a:blip r:embed="rId5">
+            <a:extLst>
+              <a:ext uri="{96DAC541-7B7A-43D3-8B79-37D633B846F1}">
+                <asvg:svgBlip xmlns:asvg="http://schemas.microsoft.com/office/drawing/2016/SVG/main" r:embed="rId6"/>
+              </a:ext>
+            </a:extLst>
+          </a:blip>
+          <a:stretch>
+            <a:fillRect/>
+          </a:stretch>
+        </p:blipFill>
+        <p:spPr>
+          <a:xfrm>
+            <a:off x="6497782" y="1580753"/>
+            <a:ext cx="1745673" cy="1745673"/>
+          </a:xfrm>
+          <a:prstGeom prst="rect">
+            <a:avLst/>
+          </a:prstGeom>
+        </p:spPr>
+      </p:pic>
+      <p:pic>
+        <p:nvPicPr>
+          <p:cNvPr id="13" name="Grafik 12" descr="Kaffee mit einfarbiger Füllung">
+            <a:extLst>
+              <a:ext uri="{FF2B5EF4-FFF2-40B4-BE49-F238E27FC236}">
+                <a16:creationId xmlns:a16="http://schemas.microsoft.com/office/drawing/2014/main" id="{C4663941-8982-6347-8B64-E62DB881DDBD}"/>
+              </a:ext>
+            </a:extLst>
+          </p:cNvPr>
+          <p:cNvPicPr>
+            <a:picLocks noChangeAspect="1"/>
+          </p:cNvPicPr>
+          <p:nvPr/>
+        </p:nvPicPr>
+        <p:blipFill>
+          <a:blip r:embed="rId7">
+            <a:extLst>
+              <a:ext uri="{96DAC541-7B7A-43D3-8B79-37D633B846F1}">
+                <asvg:svgBlip xmlns:asvg="http://schemas.microsoft.com/office/drawing/2016/SVG/main" r:embed="rId8"/>
+              </a:ext>
+            </a:extLst>
+          </a:blip>
+          <a:stretch>
+            <a:fillRect/>
+          </a:stretch>
+        </p:blipFill>
+        <p:spPr>
+          <a:xfrm>
+            <a:off x="8534403" y="1580753"/>
+            <a:ext cx="1745672" cy="1745672"/>
+          </a:xfrm>
+          <a:prstGeom prst="rect">
+            <a:avLst/>
+          </a:prstGeom>
+        </p:spPr>
+      </p:pic>
+      <p:pic>
+        <p:nvPicPr>
+          <p:cNvPr id="14" name="Grafik 13" descr="Fragezeichen mit einfarbiger Füllung">
+            <a:extLst>
+              <a:ext uri="{FF2B5EF4-FFF2-40B4-BE49-F238E27FC236}">
+                <a16:creationId xmlns:a16="http://schemas.microsoft.com/office/drawing/2014/main" id="{376A232C-4C36-C646-A410-41DBABFACAC8}"/>
+              </a:ext>
+            </a:extLst>
+          </p:cNvPr>
+          <p:cNvPicPr>
+            <a:picLocks noChangeAspect="1"/>
+          </p:cNvPicPr>
+          <p:nvPr/>
+        </p:nvPicPr>
+        <p:blipFill>
+          <a:blip r:embed="rId9">
+            <a:extLst>
+              <a:ext uri="{96DAC541-7B7A-43D3-8B79-37D633B846F1}">
+                <asvg:svgBlip xmlns:asvg="http://schemas.microsoft.com/office/drawing/2016/SVG/main" r:embed="rId10"/>
+              </a:ext>
+            </a:extLst>
+          </a:blip>
+          <a:stretch>
+            <a:fillRect/>
+          </a:stretch>
+        </p:blipFill>
+        <p:spPr>
+          <a:xfrm>
+            <a:off x="4225635" y="2071254"/>
+            <a:ext cx="1925782" cy="1925782"/>
+          </a:xfrm>
+          <a:prstGeom prst="rect">
+            <a:avLst/>
+          </a:prstGeom>
+        </p:spPr>
+      </p:pic>
     </p:spTree>
     <p:extLst>
       <p:ext uri="{BB962C8B-B14F-4D97-AF65-F5344CB8AC3E}">
-        <p14:creationId xmlns:p14="http://schemas.microsoft.com/office/powerpoint/2010/main" val="4009044167"/>
+        <p14:creationId xmlns:p14="http://schemas.microsoft.com/office/powerpoint/2010/main" val="1841952403"/>
       </p:ext>
     </p:extLst>
   </p:cSld>
@@ -11507,7 +13056,7 @@
           <p:cNvPr id="2" name="Titel 1">
             <a:extLst>
               <a:ext uri="{FF2B5EF4-FFF2-40B4-BE49-F238E27FC236}">
-                <a16:creationId xmlns:a16="http://schemas.microsoft.com/office/drawing/2014/main" id="{FEBB81A3-B09F-9E4F-99C9-B6FA29532151}"/>
+                <a16:creationId xmlns:a16="http://schemas.microsoft.com/office/drawing/2014/main" id="{9EF74ED4-EDCA-D748-9952-DF41FD5CF420}"/>
               </a:ext>
             </a:extLst>
           </p:cNvPr>
@@ -11525,17 +13074,164 @@
           <a:p>
             <a:r>
               <a:rPr lang="de-DE" dirty="0"/>
-              <a:t>Parametrisierung</a:t>
+              <a:t>Tabelle bearbeiten</a:t>
             </a:r>
           </a:p>
         </p:txBody>
       </p:sp>
       <p:sp>
         <p:nvSpPr>
-          <p:cNvPr id="4" name="Datumsplatzhalter 3">
-            <a:extLst>
-              <a:ext uri="{FF2B5EF4-FFF2-40B4-BE49-F238E27FC236}">
-                <a16:creationId xmlns:a16="http://schemas.microsoft.com/office/drawing/2014/main" id="{37E5153A-0133-6446-8E9C-1E524EC4F28E}"/>
+          <p:cNvPr id="3" name="Textplatzhalter 2">
+            <a:extLst>
+              <a:ext uri="{FF2B5EF4-FFF2-40B4-BE49-F238E27FC236}">
+                <a16:creationId xmlns:a16="http://schemas.microsoft.com/office/drawing/2014/main" id="{3FE866CF-B6C6-904C-A6AF-EC2FE1F4D85B}"/>
+              </a:ext>
+            </a:extLst>
+          </p:cNvPr>
+          <p:cNvSpPr>
+            <a:spLocks noGrp="1"/>
+          </p:cNvSpPr>
+          <p:nvPr>
+            <p:ph type="body" idx="1"/>
+          </p:nvPr>
+        </p:nvSpPr>
+        <p:spPr/>
+        <p:txBody>
+          <a:bodyPr>
+            <a:normAutofit/>
+          </a:bodyPr>
+          <a:lstStyle/>
+          <a:p>
+            <a:r>
+              <a:rPr lang="de-DE" sz="3200" i="1" dirty="0"/>
+              <a:t>Warum interessant: </a:t>
+            </a:r>
+          </a:p>
+        </p:txBody>
+      </p:sp>
+      <p:sp>
+        <p:nvSpPr>
+          <p:cNvPr id="4" name="Inhaltsplatzhalter 3">
+            <a:extLst>
+              <a:ext uri="{FF2B5EF4-FFF2-40B4-BE49-F238E27FC236}">
+                <a16:creationId xmlns:a16="http://schemas.microsoft.com/office/drawing/2014/main" id="{8EF77B4E-BA8F-CE43-AD46-66DDB1F18DE2}"/>
+              </a:ext>
+            </a:extLst>
+          </p:cNvPr>
+          <p:cNvSpPr>
+            <a:spLocks noGrp="1"/>
+          </p:cNvSpPr>
+          <p:nvPr>
+            <p:ph sz="half" idx="2"/>
+          </p:nvPr>
+        </p:nvSpPr>
+        <p:spPr/>
+        <p:txBody>
+          <a:bodyPr/>
+          <a:lstStyle/>
+          <a:p>
+            <a:r>
+              <a:rPr lang="de-DE" dirty="0"/>
+              <a:t>Zeilen &amp; Spalten hinzufügen</a:t>
+            </a:r>
+          </a:p>
+          <a:p>
+            <a:r>
+              <a:rPr lang="de-DE" dirty="0"/>
+              <a:t>Neue Ideen</a:t>
+            </a:r>
+          </a:p>
+          <a:p>
+            <a:r>
+              <a:rPr lang="de-DE" dirty="0"/>
+              <a:t>Korrekturmöglichkeiten</a:t>
+            </a:r>
+          </a:p>
+          <a:p>
+            <a:endParaRPr lang="de-DE" dirty="0"/>
+          </a:p>
+        </p:txBody>
+      </p:sp>
+      <p:sp>
+        <p:nvSpPr>
+          <p:cNvPr id="5" name="Textplatzhalter 4">
+            <a:extLst>
+              <a:ext uri="{FF2B5EF4-FFF2-40B4-BE49-F238E27FC236}">
+                <a16:creationId xmlns:a16="http://schemas.microsoft.com/office/drawing/2014/main" id="{286F35E0-9823-2740-83DB-55B06E5F58F7}"/>
+              </a:ext>
+            </a:extLst>
+          </p:cNvPr>
+          <p:cNvSpPr>
+            <a:spLocks noGrp="1"/>
+          </p:cNvSpPr>
+          <p:nvPr>
+            <p:ph type="body" sz="quarter" idx="3"/>
+          </p:nvPr>
+        </p:nvSpPr>
+        <p:spPr/>
+        <p:txBody>
+          <a:bodyPr/>
+          <a:lstStyle/>
+          <a:p>
+            <a:r>
+              <a:rPr lang="de-DE" sz="3200" i="1" dirty="0"/>
+              <a:t>Warum</a:t>
+            </a:r>
+            <a:r>
+              <a:rPr lang="de-DE" i="1" dirty="0"/>
+              <a:t> </a:t>
+            </a:r>
+            <a:r>
+              <a:rPr lang="de-DE" sz="3200" i="1" dirty="0"/>
+              <a:t>Wunschkriterium</a:t>
+            </a:r>
+            <a:r>
+              <a:rPr lang="de-DE" i="1" dirty="0"/>
+              <a:t>:</a:t>
+            </a:r>
+          </a:p>
+        </p:txBody>
+      </p:sp>
+      <p:sp>
+        <p:nvSpPr>
+          <p:cNvPr id="6" name="Inhaltsplatzhalter 5">
+            <a:extLst>
+              <a:ext uri="{FF2B5EF4-FFF2-40B4-BE49-F238E27FC236}">
+                <a16:creationId xmlns:a16="http://schemas.microsoft.com/office/drawing/2014/main" id="{6BC29A98-522A-264A-8D1C-712076F2A66E}"/>
+              </a:ext>
+            </a:extLst>
+          </p:cNvPr>
+          <p:cNvSpPr>
+            <a:spLocks noGrp="1"/>
+          </p:cNvSpPr>
+          <p:nvPr>
+            <p:ph sz="quarter" idx="4"/>
+          </p:nvPr>
+        </p:nvSpPr>
+        <p:spPr/>
+        <p:txBody>
+          <a:bodyPr/>
+          <a:lstStyle/>
+          <a:p>
+            <a:r>
+              <a:rPr lang="de-DE" dirty="0"/>
+              <a:t>Hohes Konfliktpotential</a:t>
+            </a:r>
+          </a:p>
+          <a:p>
+            <a:pPr marL="0" indent="0">
+              <a:buNone/>
+            </a:pPr>
+            <a:endParaRPr lang="de-DE" dirty="0"/>
+          </a:p>
+        </p:txBody>
+      </p:sp>
+      <p:sp>
+        <p:nvSpPr>
+          <p:cNvPr id="7" name="Datumsplatzhalter 6">
+            <a:extLst>
+              <a:ext uri="{FF2B5EF4-FFF2-40B4-BE49-F238E27FC236}">
+                <a16:creationId xmlns:a16="http://schemas.microsoft.com/office/drawing/2014/main" id="{591B69F8-AAC1-0E49-9404-022CA4935AA2}"/>
               </a:ext>
             </a:extLst>
           </p:cNvPr>
@@ -11560,10 +13256,10 @@
       </p:sp>
       <p:sp>
         <p:nvSpPr>
-          <p:cNvPr id="5" name="Foliennummernplatzhalter 4">
-            <a:extLst>
-              <a:ext uri="{FF2B5EF4-FFF2-40B4-BE49-F238E27FC236}">
-                <a16:creationId xmlns:a16="http://schemas.microsoft.com/office/drawing/2014/main" id="{83177281-6097-E248-B00D-0814B4886B8D}"/>
+          <p:cNvPr id="8" name="Foliennummernplatzhalter 7">
+            <a:extLst>
+              <a:ext uri="{FF2B5EF4-FFF2-40B4-BE49-F238E27FC236}">
+                <a16:creationId xmlns:a16="http://schemas.microsoft.com/office/drawing/2014/main" id="{CC61CAB0-7EAB-BD43-A102-C100EFF27A5D}"/>
               </a:ext>
             </a:extLst>
           </p:cNvPr>
@@ -11582,6 +13278,121 @@
             <a:fld id="{C1951030-1712-A844-813B-C453E8FB818E}" type="slidenum">
               <a:rPr lang="de-DE" smtClean="0"/>
               <a:t>14</a:t>
+            </a:fld>
+            <a:endParaRPr lang="de-DE"/>
+          </a:p>
+        </p:txBody>
+      </p:sp>
+    </p:spTree>
+    <p:extLst>
+      <p:ext uri="{BB962C8B-B14F-4D97-AF65-F5344CB8AC3E}">
+        <p14:creationId xmlns:p14="http://schemas.microsoft.com/office/powerpoint/2010/main" val="1883130276"/>
+      </p:ext>
+    </p:extLst>
+  </p:cSld>
+  <p:clrMapOvr>
+    <a:masterClrMapping/>
+  </p:clrMapOvr>
+</p:sld>
+</file>
+
+<file path=ppt/slides/slide15.xml><?xml version="1.0" encoding="utf-8"?>
+<p:sld xmlns:a="http://schemas.openxmlformats.org/drawingml/2006/main" xmlns:r="http://schemas.openxmlformats.org/officeDocument/2006/relationships" xmlns:p="http://schemas.openxmlformats.org/presentationml/2006/main">
+  <p:cSld>
+    <p:spTree>
+      <p:nvGrpSpPr>
+        <p:cNvPr id="1" name=""/>
+        <p:cNvGrpSpPr/>
+        <p:nvPr/>
+      </p:nvGrpSpPr>
+      <p:grpSpPr>
+        <a:xfrm>
+          <a:off x="0" y="0"/>
+          <a:ext cx="0" cy="0"/>
+          <a:chOff x="0" y="0"/>
+          <a:chExt cx="0" cy="0"/>
+        </a:xfrm>
+      </p:grpSpPr>
+      <p:sp>
+        <p:nvSpPr>
+          <p:cNvPr id="2" name="Titel 1">
+            <a:extLst>
+              <a:ext uri="{FF2B5EF4-FFF2-40B4-BE49-F238E27FC236}">
+                <a16:creationId xmlns:a16="http://schemas.microsoft.com/office/drawing/2014/main" id="{FEBB81A3-B09F-9E4F-99C9-B6FA29532151}"/>
+              </a:ext>
+            </a:extLst>
+          </p:cNvPr>
+          <p:cNvSpPr>
+            <a:spLocks noGrp="1"/>
+          </p:cNvSpPr>
+          <p:nvPr>
+            <p:ph type="title"/>
+          </p:nvPr>
+        </p:nvSpPr>
+        <p:spPr/>
+        <p:txBody>
+          <a:bodyPr/>
+          <a:lstStyle/>
+          <a:p>
+            <a:r>
+              <a:rPr lang="de-DE" dirty="0"/>
+              <a:t>Parametrisierung</a:t>
+            </a:r>
+          </a:p>
+        </p:txBody>
+      </p:sp>
+      <p:sp>
+        <p:nvSpPr>
+          <p:cNvPr id="4" name="Datumsplatzhalter 3">
+            <a:extLst>
+              <a:ext uri="{FF2B5EF4-FFF2-40B4-BE49-F238E27FC236}">
+                <a16:creationId xmlns:a16="http://schemas.microsoft.com/office/drawing/2014/main" id="{37E5153A-0133-6446-8E9C-1E524EC4F28E}"/>
+              </a:ext>
+            </a:extLst>
+          </p:cNvPr>
+          <p:cNvSpPr>
+            <a:spLocks noGrp="1"/>
+          </p:cNvSpPr>
+          <p:nvPr>
+            <p:ph type="dt" sz="half" idx="10"/>
+          </p:nvPr>
+        </p:nvSpPr>
+        <p:spPr/>
+        <p:txBody>
+          <a:bodyPr/>
+          <a:lstStyle/>
+          <a:p>
+            <a:r>
+              <a:rPr lang="de-DE"/>
+              <a:t>03.12.21</a:t>
+            </a:r>
+          </a:p>
+        </p:txBody>
+      </p:sp>
+      <p:sp>
+        <p:nvSpPr>
+          <p:cNvPr id="5" name="Foliennummernplatzhalter 4">
+            <a:extLst>
+              <a:ext uri="{FF2B5EF4-FFF2-40B4-BE49-F238E27FC236}">
+                <a16:creationId xmlns:a16="http://schemas.microsoft.com/office/drawing/2014/main" id="{83177281-6097-E248-B00D-0814B4886B8D}"/>
+              </a:ext>
+            </a:extLst>
+          </p:cNvPr>
+          <p:cNvSpPr>
+            <a:spLocks noGrp="1"/>
+          </p:cNvSpPr>
+          <p:nvPr>
+            <p:ph type="sldNum" sz="quarter" idx="12"/>
+          </p:nvPr>
+        </p:nvSpPr>
+        <p:spPr/>
+        <p:txBody>
+          <a:bodyPr/>
+          <a:lstStyle/>
+          <a:p>
+            <a:fld id="{C1951030-1712-A844-813B-C453E8FB818E}" type="slidenum">
+              <a:rPr lang="de-DE" smtClean="0"/>
+              <a:t>15</a:t>
             </a:fld>
             <a:endParaRPr lang="de-DE"/>
           </a:p>
@@ -11780,12 +13591,11 @@
           </a:lstStyle>
           <a:p>
             <a:pPr marL="0" indent="0">
-              <a:buFont typeface="Arial" panose="020B0604020202020204" pitchFamily="34" charset="0"/>
               <a:buNone/>
             </a:pPr>
             <a:r>
               <a:rPr lang="de-DE" i="1" dirty="0"/>
-              <a:t>Warum gewünscht: </a:t>
+              <a:t>Warum interessant: </a:t>
             </a:r>
           </a:p>
           <a:p>
@@ -12006,12 +13816,11 @@
           </a:lstStyle>
           <a:p>
             <a:pPr marL="0" indent="0">
-              <a:buFont typeface="Arial" panose="020B0604020202020204" pitchFamily="34" charset="0"/>
               <a:buNone/>
             </a:pPr>
             <a:r>
               <a:rPr lang="de-DE" i="1" dirty="0"/>
-              <a:t>Warum Wunsch:</a:t>
+              <a:t>Warum Wunschkriterium:</a:t>
             </a:r>
           </a:p>
           <a:p>
@@ -12051,7 +13860,268 @@
 </p:sld>
 </file>
 
-<file path=ppt/slides/slide15.xml><?xml version="1.0" encoding="utf-8"?>
+<file path=ppt/slides/slide16.xml><?xml version="1.0" encoding="utf-8"?>
+<p:sld xmlns:a="http://schemas.openxmlformats.org/drawingml/2006/main" xmlns:r="http://schemas.openxmlformats.org/officeDocument/2006/relationships" xmlns:p="http://schemas.openxmlformats.org/presentationml/2006/main">
+  <p:cSld>
+    <p:spTree>
+      <p:nvGrpSpPr>
+        <p:cNvPr id="1" name=""/>
+        <p:cNvGrpSpPr/>
+        <p:nvPr/>
+      </p:nvGrpSpPr>
+      <p:grpSpPr>
+        <a:xfrm>
+          <a:off x="0" y="0"/>
+          <a:ext cx="0" cy="0"/>
+          <a:chOff x="0" y="0"/>
+          <a:chExt cx="0" cy="0"/>
+        </a:xfrm>
+      </p:grpSpPr>
+      <p:sp>
+        <p:nvSpPr>
+          <p:cNvPr id="2" name="Titel 1">
+            <a:extLst>
+              <a:ext uri="{FF2B5EF4-FFF2-40B4-BE49-F238E27FC236}">
+                <a16:creationId xmlns:a16="http://schemas.microsoft.com/office/drawing/2014/main" id="{9EF74ED4-EDCA-D748-9952-DF41FD5CF420}"/>
+              </a:ext>
+            </a:extLst>
+          </p:cNvPr>
+          <p:cNvSpPr>
+            <a:spLocks noGrp="1"/>
+          </p:cNvSpPr>
+          <p:nvPr>
+            <p:ph type="title"/>
+          </p:nvPr>
+        </p:nvSpPr>
+        <p:spPr/>
+        <p:txBody>
+          <a:bodyPr/>
+          <a:lstStyle/>
+          <a:p>
+            <a:r>
+              <a:rPr lang="de-DE" dirty="0"/>
+              <a:t>Mehrere Graphen pro Projekt</a:t>
+            </a:r>
+          </a:p>
+        </p:txBody>
+      </p:sp>
+      <p:sp>
+        <p:nvSpPr>
+          <p:cNvPr id="3" name="Textplatzhalter 2">
+            <a:extLst>
+              <a:ext uri="{FF2B5EF4-FFF2-40B4-BE49-F238E27FC236}">
+                <a16:creationId xmlns:a16="http://schemas.microsoft.com/office/drawing/2014/main" id="{3FE866CF-B6C6-904C-A6AF-EC2FE1F4D85B}"/>
+              </a:ext>
+            </a:extLst>
+          </p:cNvPr>
+          <p:cNvSpPr>
+            <a:spLocks noGrp="1"/>
+          </p:cNvSpPr>
+          <p:nvPr>
+            <p:ph type="body" idx="1"/>
+          </p:nvPr>
+        </p:nvSpPr>
+        <p:spPr/>
+        <p:txBody>
+          <a:bodyPr>
+            <a:normAutofit/>
+          </a:bodyPr>
+          <a:lstStyle/>
+          <a:p>
+            <a:r>
+              <a:rPr lang="de-DE" sz="3200" i="1" dirty="0"/>
+              <a:t>Warum interessant: </a:t>
+            </a:r>
+          </a:p>
+        </p:txBody>
+      </p:sp>
+      <p:sp>
+        <p:nvSpPr>
+          <p:cNvPr id="4" name="Inhaltsplatzhalter 3">
+            <a:extLst>
+              <a:ext uri="{FF2B5EF4-FFF2-40B4-BE49-F238E27FC236}">
+                <a16:creationId xmlns:a16="http://schemas.microsoft.com/office/drawing/2014/main" id="{8EF77B4E-BA8F-CE43-AD46-66DDB1F18DE2}"/>
+              </a:ext>
+            </a:extLst>
+          </p:cNvPr>
+          <p:cNvSpPr>
+            <a:spLocks noGrp="1"/>
+          </p:cNvSpPr>
+          <p:nvPr>
+            <p:ph sz="half" idx="2"/>
+          </p:nvPr>
+        </p:nvSpPr>
+        <p:spPr/>
+        <p:txBody>
+          <a:bodyPr/>
+          <a:lstStyle/>
+          <a:p>
+            <a:endParaRPr lang="de-DE" dirty="0"/>
+          </a:p>
+        </p:txBody>
+      </p:sp>
+      <p:sp>
+        <p:nvSpPr>
+          <p:cNvPr id="5" name="Textplatzhalter 4">
+            <a:extLst>
+              <a:ext uri="{FF2B5EF4-FFF2-40B4-BE49-F238E27FC236}">
+                <a16:creationId xmlns:a16="http://schemas.microsoft.com/office/drawing/2014/main" id="{286F35E0-9823-2740-83DB-55B06E5F58F7}"/>
+              </a:ext>
+            </a:extLst>
+          </p:cNvPr>
+          <p:cNvSpPr>
+            <a:spLocks noGrp="1"/>
+          </p:cNvSpPr>
+          <p:nvPr>
+            <p:ph type="body" sz="quarter" idx="3"/>
+          </p:nvPr>
+        </p:nvSpPr>
+        <p:spPr/>
+        <p:txBody>
+          <a:bodyPr/>
+          <a:lstStyle/>
+          <a:p>
+            <a:r>
+              <a:rPr lang="de-DE" sz="3200" i="1" dirty="0"/>
+              <a:t>Warum</a:t>
+            </a:r>
+            <a:r>
+              <a:rPr lang="de-DE" i="1" dirty="0"/>
+              <a:t> </a:t>
+            </a:r>
+            <a:r>
+              <a:rPr lang="de-DE" sz="3200" i="1" dirty="0"/>
+              <a:t>Wunschkriterium</a:t>
+            </a:r>
+            <a:r>
+              <a:rPr lang="de-DE" i="1" dirty="0"/>
+              <a:t>:</a:t>
+            </a:r>
+          </a:p>
+        </p:txBody>
+      </p:sp>
+      <p:sp>
+        <p:nvSpPr>
+          <p:cNvPr id="6" name="Inhaltsplatzhalter 5">
+            <a:extLst>
+              <a:ext uri="{FF2B5EF4-FFF2-40B4-BE49-F238E27FC236}">
+                <a16:creationId xmlns:a16="http://schemas.microsoft.com/office/drawing/2014/main" id="{6BC29A98-522A-264A-8D1C-712076F2A66E}"/>
+              </a:ext>
+            </a:extLst>
+          </p:cNvPr>
+          <p:cNvSpPr>
+            <a:spLocks noGrp="1"/>
+          </p:cNvSpPr>
+          <p:nvPr>
+            <p:ph sz="quarter" idx="4"/>
+          </p:nvPr>
+        </p:nvSpPr>
+        <p:spPr/>
+        <p:txBody>
+          <a:bodyPr/>
+          <a:lstStyle/>
+          <a:p>
+            <a:pPr marL="0" indent="0">
+              <a:buNone/>
+            </a:pPr>
+            <a:r>
+              <a:rPr lang="de-DE" dirty="0"/>
+              <a:t>. Parametrisierung</a:t>
+            </a:r>
+          </a:p>
+          <a:p>
+            <a:pPr marL="0" indent="0">
+              <a:buNone/>
+            </a:pPr>
+            <a:r>
+              <a:rPr lang="de-DE" dirty="0"/>
+              <a:t>. Nur 2 </a:t>
+            </a:r>
+            <a:r>
+              <a:rPr lang="de-DE" dirty="0" err="1"/>
+              <a:t>Graphentypen</a:t>
+            </a:r>
+            <a:endParaRPr lang="de-DE" dirty="0"/>
+          </a:p>
+          <a:p>
+            <a:pPr marL="0" indent="0">
+              <a:buNone/>
+            </a:pPr>
+            <a:endParaRPr lang="de-DE" dirty="0"/>
+          </a:p>
+        </p:txBody>
+      </p:sp>
+      <p:sp>
+        <p:nvSpPr>
+          <p:cNvPr id="7" name="Datumsplatzhalter 6">
+            <a:extLst>
+              <a:ext uri="{FF2B5EF4-FFF2-40B4-BE49-F238E27FC236}">
+                <a16:creationId xmlns:a16="http://schemas.microsoft.com/office/drawing/2014/main" id="{591B69F8-AAC1-0E49-9404-022CA4935AA2}"/>
+              </a:ext>
+            </a:extLst>
+          </p:cNvPr>
+          <p:cNvSpPr>
+            <a:spLocks noGrp="1"/>
+          </p:cNvSpPr>
+          <p:nvPr>
+            <p:ph type="dt" sz="half" idx="10"/>
+          </p:nvPr>
+        </p:nvSpPr>
+        <p:spPr/>
+        <p:txBody>
+          <a:bodyPr/>
+          <a:lstStyle/>
+          <a:p>
+            <a:r>
+              <a:rPr lang="de-DE"/>
+              <a:t>03.12.21</a:t>
+            </a:r>
+          </a:p>
+        </p:txBody>
+      </p:sp>
+      <p:sp>
+        <p:nvSpPr>
+          <p:cNvPr id="8" name="Foliennummernplatzhalter 7">
+            <a:extLst>
+              <a:ext uri="{FF2B5EF4-FFF2-40B4-BE49-F238E27FC236}">
+                <a16:creationId xmlns:a16="http://schemas.microsoft.com/office/drawing/2014/main" id="{CC61CAB0-7EAB-BD43-A102-C100EFF27A5D}"/>
+              </a:ext>
+            </a:extLst>
+          </p:cNvPr>
+          <p:cNvSpPr>
+            <a:spLocks noGrp="1"/>
+          </p:cNvSpPr>
+          <p:nvPr>
+            <p:ph type="sldNum" sz="quarter" idx="12"/>
+          </p:nvPr>
+        </p:nvSpPr>
+        <p:spPr/>
+        <p:txBody>
+          <a:bodyPr/>
+          <a:lstStyle/>
+          <a:p>
+            <a:fld id="{C1951030-1712-A844-813B-C453E8FB818E}" type="slidenum">
+              <a:rPr lang="de-DE" smtClean="0"/>
+              <a:t>16</a:t>
+            </a:fld>
+            <a:endParaRPr lang="de-DE"/>
+          </a:p>
+        </p:txBody>
+      </p:sp>
+    </p:spTree>
+    <p:extLst>
+      <p:ext uri="{BB962C8B-B14F-4D97-AF65-F5344CB8AC3E}">
+        <p14:creationId xmlns:p14="http://schemas.microsoft.com/office/powerpoint/2010/main" val="4103933490"/>
+      </p:ext>
+    </p:extLst>
+  </p:cSld>
+  <p:clrMapOvr>
+    <a:masterClrMapping/>
+  </p:clrMapOvr>
+</p:sld>
+</file>
+
+<file path=ppt/slides/slide17.xml><?xml version="1.0" encoding="utf-8"?>
 <p:sld xmlns:a="http://schemas.openxmlformats.org/drawingml/2006/main" xmlns:r="http://schemas.openxmlformats.org/officeDocument/2006/relationships" xmlns:p="http://schemas.openxmlformats.org/presentationml/2006/main">
   <p:cSld>
     <p:spTree>
@@ -12119,7 +14189,7 @@
           <a:p>
             <a:fld id="{C1951030-1712-A844-813B-C453E8FB818E}" type="slidenum">
               <a:rPr lang="de-DE" smtClean="0"/>
-              <a:t>15</a:t>
+              <a:t>17</a:t>
             </a:fld>
             <a:endParaRPr lang="de-DE"/>
           </a:p>
@@ -16693,7 +18763,7 @@
             </a:pPr>
             <a:r>
               <a:rPr lang="de-DE" dirty="0"/>
-              <a:t>Weniger individuelles Projekt</a:t>
+              <a:t>Weniger flexibles Projekt</a:t>
             </a:r>
           </a:p>
         </p:txBody>
@@ -18038,6 +20108,41 @@
                                   </p:childTnLst>
                                 </p:cTn>
                               </p:par>
+                              <p:par>
+                                <p:cTn id="11" presetID="10" presetClass="entr" presetSubtype="0" fill="hold" grpId="0" nodeType="withEffect">
+                                  <p:stCondLst>
+                                    <p:cond delay="0"/>
+                                  </p:stCondLst>
+                                  <p:childTnLst>
+                                    <p:set>
+                                      <p:cBhvr>
+                                        <p:cTn id="12" dur="1" fill="hold">
+                                          <p:stCondLst>
+                                            <p:cond delay="0"/>
+                                          </p:stCondLst>
+                                        </p:cTn>
+                                        <p:tgtEl>
+                                          <p:spTgt spid="6"/>
+                                        </p:tgtEl>
+                                        <p:attrNameLst>
+                                          <p:attrName>style.visibility</p:attrName>
+                                        </p:attrNameLst>
+                                      </p:cBhvr>
+                                      <p:to>
+                                        <p:strVal val="visible"/>
+                                      </p:to>
+                                    </p:set>
+                                    <p:animEffect transition="in" filter="fade">
+                                      <p:cBhvr>
+                                        <p:cTn id="13" dur="250"/>
+                                        <p:tgtEl>
+                                          <p:spTgt spid="6"/>
+                                        </p:tgtEl>
+                                      </p:cBhvr>
+                                    </p:animEffect>
+                                  </p:childTnLst>
+                                </p:cTn>
+                              </p:par>
                             </p:childTnLst>
                           </p:cTn>
                         </p:par>
@@ -18045,26 +20150,26 @@
                     </p:cTn>
                   </p:par>
                   <p:par>
-                    <p:cTn id="11" fill="hold">
+                    <p:cTn id="14" fill="hold">
                       <p:stCondLst>
                         <p:cond delay="indefinite"/>
                       </p:stCondLst>
                       <p:childTnLst>
                         <p:par>
-                          <p:cTn id="12" fill="hold">
+                          <p:cTn id="15" fill="hold">
                             <p:stCondLst>
                               <p:cond delay="0"/>
                             </p:stCondLst>
                             <p:childTnLst>
                               <p:par>
-                                <p:cTn id="13" presetID="10" presetClass="entr" presetSubtype="0" fill="hold" grpId="0" nodeType="clickEffect">
+                                <p:cTn id="16" presetID="10" presetClass="entr" presetSubtype="0" fill="hold" grpId="0" nodeType="clickEffect">
                                   <p:stCondLst>
                                     <p:cond delay="0"/>
                                   </p:stCondLst>
                                   <p:childTnLst>
                                     <p:set>
                                       <p:cBhvr>
-                                        <p:cTn id="14" dur="1" fill="hold">
+                                        <p:cTn id="17" dur="1" fill="hold">
                                           <p:stCondLst>
                                             <p:cond delay="0"/>
                                           </p:stCondLst>
@@ -18082,44 +20187,9 @@
                                     </p:set>
                                     <p:animEffect transition="in" filter="fade">
                                       <p:cBhvr>
-                                        <p:cTn id="15" dur="250"/>
+                                        <p:cTn id="18" dur="250"/>
                                         <p:tgtEl>
                                           <p:spTgt spid="13"/>
-                                        </p:tgtEl>
-                                      </p:cBhvr>
-                                    </p:animEffect>
-                                  </p:childTnLst>
-                                </p:cTn>
-                              </p:par>
-                              <p:par>
-                                <p:cTn id="16" presetID="10" presetClass="entr" presetSubtype="0" fill="hold" nodeType="withEffect">
-                                  <p:stCondLst>
-                                    <p:cond delay="0"/>
-                                  </p:stCondLst>
-                                  <p:childTnLst>
-                                    <p:set>
-                                      <p:cBhvr>
-                                        <p:cTn id="17" dur="1" fill="hold">
-                                          <p:stCondLst>
-                                            <p:cond delay="0"/>
-                                          </p:stCondLst>
-                                        </p:cTn>
-                                        <p:tgtEl>
-                                          <p:spTgt spid="14"/>
-                                        </p:tgtEl>
-                                        <p:attrNameLst>
-                                          <p:attrName>style.visibility</p:attrName>
-                                        </p:attrNameLst>
-                                      </p:cBhvr>
-                                      <p:to>
-                                        <p:strVal val="visible"/>
-                                      </p:to>
-                                    </p:set>
-                                    <p:animEffect transition="in" filter="fade">
-                                      <p:cBhvr>
-                                        <p:cTn id="18" dur="250"/>
-                                        <p:tgtEl>
-                                          <p:spTgt spid="14"/>
                                         </p:tgtEl>
                                       </p:cBhvr>
                                     </p:animEffect>
@@ -18140,7 +20210,7 @@
                                           </p:stCondLst>
                                         </p:cTn>
                                         <p:tgtEl>
-                                          <p:spTgt spid="15"/>
+                                          <p:spTgt spid="14"/>
                                         </p:tgtEl>
                                         <p:attrNameLst>
                                           <p:attrName>style.visibility</p:attrName>
@@ -18154,7 +20224,7 @@
                                       <p:cBhvr>
                                         <p:cTn id="21" dur="250"/>
                                         <p:tgtEl>
-                                          <p:spTgt spid="15"/>
+                                          <p:spTgt spid="14"/>
                                         </p:tgtEl>
                                       </p:cBhvr>
                                     </p:animEffect>
@@ -18175,7 +20245,7 @@
                                           </p:stCondLst>
                                         </p:cTn>
                                         <p:tgtEl>
-                                          <p:spTgt spid="11"/>
+                                          <p:spTgt spid="15"/>
                                         </p:tgtEl>
                                         <p:attrNameLst>
                                           <p:attrName>style.visibility</p:attrName>
@@ -18189,7 +20259,7 @@
                                       <p:cBhvr>
                                         <p:cTn id="24" dur="250"/>
                                         <p:tgtEl>
-                                          <p:spTgt spid="11"/>
+                                          <p:spTgt spid="15"/>
                                         </p:tgtEl>
                                       </p:cBhvr>
                                     </p:animEffect>
@@ -18210,7 +20280,7 @@
                                           </p:stCondLst>
                                         </p:cTn>
                                         <p:tgtEl>
-                                          <p:spTgt spid="12"/>
+                                          <p:spTgt spid="11"/>
                                         </p:tgtEl>
                                         <p:attrNameLst>
                                           <p:attrName>style.visibility</p:attrName>
@@ -18224,7 +20294,7 @@
                                       <p:cBhvr>
                                         <p:cTn id="27" dur="250"/>
                                         <p:tgtEl>
-                                          <p:spTgt spid="12"/>
+                                          <p:spTgt spid="11"/>
                                         </p:tgtEl>
                                       </p:cBhvr>
                                     </p:animEffect>
@@ -18245,7 +20315,7 @@
                                           </p:stCondLst>
                                         </p:cTn>
                                         <p:tgtEl>
-                                          <p:spTgt spid="17"/>
+                                          <p:spTgt spid="12"/>
                                         </p:tgtEl>
                                         <p:attrNameLst>
                                           <p:attrName>style.visibility</p:attrName>
@@ -18259,7 +20329,7 @@
                                       <p:cBhvr>
                                         <p:cTn id="30" dur="250"/>
                                         <p:tgtEl>
-                                          <p:spTgt spid="17"/>
+                                          <p:spTgt spid="12"/>
                                         </p:tgtEl>
                                       </p:cBhvr>
                                     </p:animEffect>
@@ -18280,7 +20350,7 @@
                                           </p:stCondLst>
                                         </p:cTn>
                                         <p:tgtEl>
-                                          <p:spTgt spid="20"/>
+                                          <p:spTgt spid="17"/>
                                         </p:tgtEl>
                                         <p:attrNameLst>
                                           <p:attrName>style.visibility</p:attrName>
@@ -18294,7 +20364,7 @@
                                       <p:cBhvr>
                                         <p:cTn id="33" dur="250"/>
                                         <p:tgtEl>
-                                          <p:spTgt spid="20"/>
+                                          <p:spTgt spid="17"/>
                                         </p:tgtEl>
                                       </p:cBhvr>
                                     </p:animEffect>
@@ -18315,7 +20385,7 @@
                                           </p:stCondLst>
                                         </p:cTn>
                                         <p:tgtEl>
-                                          <p:spTgt spid="16"/>
+                                          <p:spTgt spid="20"/>
                                         </p:tgtEl>
                                         <p:attrNameLst>
                                           <p:attrName>style.visibility</p:attrName>
@@ -18329,7 +20399,7 @@
                                       <p:cBhvr>
                                         <p:cTn id="36" dur="250"/>
                                         <p:tgtEl>
-                                          <p:spTgt spid="16"/>
+                                          <p:spTgt spid="20"/>
                                         </p:tgtEl>
                                       </p:cBhvr>
                                     </p:animEffect>
@@ -18350,7 +20420,7 @@
                                           </p:stCondLst>
                                         </p:cTn>
                                         <p:tgtEl>
-                                          <p:spTgt spid="22"/>
+                                          <p:spTgt spid="16"/>
                                         </p:tgtEl>
                                         <p:attrNameLst>
                                           <p:attrName>style.visibility</p:attrName>
@@ -18364,7 +20434,7 @@
                                       <p:cBhvr>
                                         <p:cTn id="39" dur="250"/>
                                         <p:tgtEl>
-                                          <p:spTgt spid="22"/>
+                                          <p:spTgt spid="16"/>
                                         </p:tgtEl>
                                       </p:cBhvr>
                                     </p:animEffect>
@@ -18372,7 +20442,7 @@
                                 </p:cTn>
                               </p:par>
                               <p:par>
-                                <p:cTn id="40" presetID="10" presetClass="entr" presetSubtype="0" fill="hold" grpId="0" nodeType="withEffect">
+                                <p:cTn id="40" presetID="10" presetClass="entr" presetSubtype="0" fill="hold" nodeType="withEffect">
                                   <p:stCondLst>
                                     <p:cond delay="0"/>
                                   </p:stCondLst>
@@ -18385,7 +20455,7 @@
                                           </p:stCondLst>
                                         </p:cTn>
                                         <p:tgtEl>
-                                          <p:spTgt spid="6"/>
+                                          <p:spTgt spid="22"/>
                                         </p:tgtEl>
                                         <p:attrNameLst>
                                           <p:attrName>style.visibility</p:attrName>
@@ -18399,7 +20469,7 @@
                                       <p:cBhvr>
                                         <p:cTn id="42" dur="250"/>
                                         <p:tgtEl>
-                                          <p:spTgt spid="6"/>
+                                          <p:spTgt spid="22"/>
                                         </p:tgtEl>
                                       </p:cBhvr>
                                     </p:animEffect>
@@ -19066,6 +21136,690 @@
           </a:p>
         </p:txBody>
       </p:sp>
+      <p:pic>
+        <p:nvPicPr>
+          <p:cNvPr id="7" name="Grafik 6" descr="Benutzer Silhouette">
+            <a:extLst>
+              <a:ext uri="{FF2B5EF4-FFF2-40B4-BE49-F238E27FC236}">
+                <a16:creationId xmlns:a16="http://schemas.microsoft.com/office/drawing/2014/main" id="{BAB3E966-033B-2347-9583-D253EE679549}"/>
+              </a:ext>
+            </a:extLst>
+          </p:cNvPr>
+          <p:cNvPicPr>
+            <a:picLocks noChangeAspect="1"/>
+          </p:cNvPicPr>
+          <p:nvPr/>
+        </p:nvPicPr>
+        <p:blipFill>
+          <a:blip r:embed="rId3">
+            <a:extLst>
+              <a:ext uri="{96DAC541-7B7A-43D3-8B79-37D633B846F1}">
+                <asvg:svgBlip xmlns:asvg="http://schemas.microsoft.com/office/drawing/2016/SVG/main" r:embed="rId4"/>
+              </a:ext>
+            </a:extLst>
+          </a:blip>
+          <a:stretch>
+            <a:fillRect/>
+          </a:stretch>
+        </p:blipFill>
+        <p:spPr>
+          <a:xfrm>
+            <a:off x="2403764" y="3761510"/>
+            <a:ext cx="914400" cy="914400"/>
+          </a:xfrm>
+          <a:prstGeom prst="rect">
+            <a:avLst/>
+          </a:prstGeom>
+        </p:spPr>
+      </p:pic>
+      <p:pic>
+        <p:nvPicPr>
+          <p:cNvPr id="8" name="Grafik 7" descr="Benutzer Silhouette">
+            <a:extLst>
+              <a:ext uri="{FF2B5EF4-FFF2-40B4-BE49-F238E27FC236}">
+                <a16:creationId xmlns:a16="http://schemas.microsoft.com/office/drawing/2014/main" id="{8E151B18-9FAF-174A-A36C-79017FB6F489}"/>
+              </a:ext>
+            </a:extLst>
+          </p:cNvPr>
+          <p:cNvPicPr>
+            <a:picLocks noChangeAspect="1"/>
+          </p:cNvPicPr>
+          <p:nvPr/>
+        </p:nvPicPr>
+        <p:blipFill>
+          <a:blip r:embed="rId5">
+            <a:extLst>
+              <a:ext uri="{96DAC541-7B7A-43D3-8B79-37D633B846F1}">
+                <asvg:svgBlip xmlns:asvg="http://schemas.microsoft.com/office/drawing/2016/SVG/main" r:embed="rId6"/>
+              </a:ext>
+            </a:extLst>
+          </a:blip>
+          <a:stretch>
+            <a:fillRect/>
+          </a:stretch>
+        </p:blipFill>
+        <p:spPr>
+          <a:xfrm>
+            <a:off x="3124200" y="3761510"/>
+            <a:ext cx="914400" cy="914400"/>
+          </a:xfrm>
+          <a:prstGeom prst="rect">
+            <a:avLst/>
+          </a:prstGeom>
+        </p:spPr>
+      </p:pic>
+      <p:pic>
+        <p:nvPicPr>
+          <p:cNvPr id="9" name="Grafik 8" descr="Benutzer Silhouette">
+            <a:extLst>
+              <a:ext uri="{FF2B5EF4-FFF2-40B4-BE49-F238E27FC236}">
+                <a16:creationId xmlns:a16="http://schemas.microsoft.com/office/drawing/2014/main" id="{574FD98F-0460-0943-A2E5-892C0FD6EE30}"/>
+              </a:ext>
+            </a:extLst>
+          </p:cNvPr>
+          <p:cNvPicPr>
+            <a:picLocks noChangeAspect="1"/>
+          </p:cNvPicPr>
+          <p:nvPr/>
+        </p:nvPicPr>
+        <p:blipFill>
+          <a:blip r:embed="rId7">
+            <a:extLst>
+              <a:ext uri="{96DAC541-7B7A-43D3-8B79-37D633B846F1}">
+                <asvg:svgBlip xmlns:asvg="http://schemas.microsoft.com/office/drawing/2016/SVG/main" r:embed="rId8"/>
+              </a:ext>
+            </a:extLst>
+          </a:blip>
+          <a:stretch>
+            <a:fillRect/>
+          </a:stretch>
+        </p:blipFill>
+        <p:spPr>
+          <a:xfrm>
+            <a:off x="3844636" y="3761510"/>
+            <a:ext cx="914400" cy="914400"/>
+          </a:xfrm>
+          <a:prstGeom prst="rect">
+            <a:avLst/>
+          </a:prstGeom>
+        </p:spPr>
+      </p:pic>
+      <p:pic>
+        <p:nvPicPr>
+          <p:cNvPr id="10" name="Grafik 9" descr="Benutzer Silhouette">
+            <a:extLst>
+              <a:ext uri="{FF2B5EF4-FFF2-40B4-BE49-F238E27FC236}">
+                <a16:creationId xmlns:a16="http://schemas.microsoft.com/office/drawing/2014/main" id="{B285CBB1-3A2D-044B-8F82-6CCCF1AA3683}"/>
+              </a:ext>
+            </a:extLst>
+          </p:cNvPr>
+          <p:cNvPicPr>
+            <a:picLocks noChangeAspect="1"/>
+          </p:cNvPicPr>
+          <p:nvPr/>
+        </p:nvPicPr>
+        <p:blipFill>
+          <a:blip r:embed="rId9">
+            <a:extLst>
+              <a:ext uri="{96DAC541-7B7A-43D3-8B79-37D633B846F1}">
+                <asvg:svgBlip xmlns:asvg="http://schemas.microsoft.com/office/drawing/2016/SVG/main" r:embed="rId10"/>
+              </a:ext>
+            </a:extLst>
+          </a:blip>
+          <a:stretch>
+            <a:fillRect/>
+          </a:stretch>
+        </p:blipFill>
+        <p:spPr>
+          <a:xfrm>
+            <a:off x="4565072" y="3761510"/>
+            <a:ext cx="914400" cy="914400"/>
+          </a:xfrm>
+          <a:prstGeom prst="rect">
+            <a:avLst/>
+          </a:prstGeom>
+        </p:spPr>
+      </p:pic>
+      <p:pic>
+        <p:nvPicPr>
+          <p:cNvPr id="11" name="Grafik 10" descr="Benutzer Silhouette">
+            <a:extLst>
+              <a:ext uri="{FF2B5EF4-FFF2-40B4-BE49-F238E27FC236}">
+                <a16:creationId xmlns:a16="http://schemas.microsoft.com/office/drawing/2014/main" id="{D3726FFF-2A07-2B48-9B3A-72BC08FE3DEE}"/>
+              </a:ext>
+            </a:extLst>
+          </p:cNvPr>
+          <p:cNvPicPr>
+            <a:picLocks noChangeAspect="1"/>
+          </p:cNvPicPr>
+          <p:nvPr/>
+        </p:nvPicPr>
+        <p:blipFill>
+          <a:blip r:embed="rId11">
+            <a:extLst>
+              <a:ext uri="{96DAC541-7B7A-43D3-8B79-37D633B846F1}">
+                <asvg:svgBlip xmlns:asvg="http://schemas.microsoft.com/office/drawing/2016/SVG/main" r:embed="rId12"/>
+              </a:ext>
+            </a:extLst>
+          </a:blip>
+          <a:stretch>
+            <a:fillRect/>
+          </a:stretch>
+        </p:blipFill>
+        <p:spPr>
+          <a:xfrm>
+            <a:off x="838200" y="3761510"/>
+            <a:ext cx="914400" cy="914400"/>
+          </a:xfrm>
+          <a:prstGeom prst="rect">
+            <a:avLst/>
+          </a:prstGeom>
+        </p:spPr>
+      </p:pic>
+      <p:pic>
+        <p:nvPicPr>
+          <p:cNvPr id="13" name="Grafik 12" descr="Kreisdiagramm mit einfarbiger Füllung">
+            <a:extLst>
+              <a:ext uri="{FF2B5EF4-FFF2-40B4-BE49-F238E27FC236}">
+                <a16:creationId xmlns:a16="http://schemas.microsoft.com/office/drawing/2014/main" id="{09C76CFD-10DC-864D-AF8C-BF5DBC3DA849}"/>
+              </a:ext>
+            </a:extLst>
+          </p:cNvPr>
+          <p:cNvPicPr>
+            <a:picLocks noChangeAspect="1"/>
+          </p:cNvPicPr>
+          <p:nvPr/>
+        </p:nvPicPr>
+        <p:blipFill>
+          <a:blip r:embed="rId13">
+            <a:extLst>
+              <a:ext uri="{96DAC541-7B7A-43D3-8B79-37D633B846F1}">
+                <asvg:svgBlip xmlns:asvg="http://schemas.microsoft.com/office/drawing/2016/SVG/main" r:embed="rId14"/>
+              </a:ext>
+            </a:extLst>
+          </a:blip>
+          <a:stretch>
+            <a:fillRect/>
+          </a:stretch>
+        </p:blipFill>
+        <p:spPr>
+          <a:xfrm>
+            <a:off x="924793" y="4657510"/>
+            <a:ext cx="768926" cy="768926"/>
+          </a:xfrm>
+          <a:prstGeom prst="rect">
+            <a:avLst/>
+          </a:prstGeom>
+        </p:spPr>
+      </p:pic>
+      <p:pic>
+        <p:nvPicPr>
+          <p:cNvPr id="16" name="Grafik 15" descr="Kreisdiagramm mit einfarbiger Füllung">
+            <a:extLst>
+              <a:ext uri="{FF2B5EF4-FFF2-40B4-BE49-F238E27FC236}">
+                <a16:creationId xmlns:a16="http://schemas.microsoft.com/office/drawing/2014/main" id="{7FB110AD-048D-E844-846D-45EF0DC406C0}"/>
+              </a:ext>
+            </a:extLst>
+          </p:cNvPr>
+          <p:cNvPicPr>
+            <a:picLocks noChangeAspect="1"/>
+          </p:cNvPicPr>
+          <p:nvPr/>
+        </p:nvPicPr>
+        <p:blipFill>
+          <a:blip r:embed="rId15">
+            <a:extLst>
+              <a:ext uri="{96DAC541-7B7A-43D3-8B79-37D633B846F1}">
+                <asvg:svgBlip xmlns:asvg="http://schemas.microsoft.com/office/drawing/2016/SVG/main" r:embed="rId16"/>
+              </a:ext>
+            </a:extLst>
+          </a:blip>
+          <a:stretch>
+            <a:fillRect/>
+          </a:stretch>
+        </p:blipFill>
+        <p:spPr>
+          <a:xfrm>
+            <a:off x="2464381" y="4675910"/>
+            <a:ext cx="768926" cy="768926"/>
+          </a:xfrm>
+          <a:prstGeom prst="rect">
+            <a:avLst/>
+          </a:prstGeom>
+        </p:spPr>
+      </p:pic>
+      <p:pic>
+        <p:nvPicPr>
+          <p:cNvPr id="17" name="Grafik 16" descr="Kreisdiagramm mit einfarbiger Füllung">
+            <a:extLst>
+              <a:ext uri="{FF2B5EF4-FFF2-40B4-BE49-F238E27FC236}">
+                <a16:creationId xmlns:a16="http://schemas.microsoft.com/office/drawing/2014/main" id="{784DF980-6AEF-574D-B8EA-6D1909B7CFC6}"/>
+              </a:ext>
+            </a:extLst>
+          </p:cNvPr>
+          <p:cNvPicPr>
+            <a:picLocks noChangeAspect="1"/>
+          </p:cNvPicPr>
+          <p:nvPr/>
+        </p:nvPicPr>
+        <p:blipFill>
+          <a:blip r:embed="rId17">
+            <a:extLst>
+              <a:ext uri="{96DAC541-7B7A-43D3-8B79-37D633B846F1}">
+                <asvg:svgBlip xmlns:asvg="http://schemas.microsoft.com/office/drawing/2016/SVG/main" r:embed="rId18"/>
+              </a:ext>
+            </a:extLst>
+          </a:blip>
+          <a:stretch>
+            <a:fillRect/>
+          </a:stretch>
+        </p:blipFill>
+        <p:spPr>
+          <a:xfrm>
+            <a:off x="3184817" y="4657510"/>
+            <a:ext cx="768926" cy="768926"/>
+          </a:xfrm>
+          <a:prstGeom prst="rect">
+            <a:avLst/>
+          </a:prstGeom>
+        </p:spPr>
+      </p:pic>
+      <p:pic>
+        <p:nvPicPr>
+          <p:cNvPr id="18" name="Grafik 17" descr="Kreisdiagramm mit einfarbiger Füllung">
+            <a:extLst>
+              <a:ext uri="{FF2B5EF4-FFF2-40B4-BE49-F238E27FC236}">
+                <a16:creationId xmlns:a16="http://schemas.microsoft.com/office/drawing/2014/main" id="{D363C39D-FF9B-0F4C-ADF4-52DC580B8F05}"/>
+              </a:ext>
+            </a:extLst>
+          </p:cNvPr>
+          <p:cNvPicPr>
+            <a:picLocks noChangeAspect="1"/>
+          </p:cNvPicPr>
+          <p:nvPr/>
+        </p:nvPicPr>
+        <p:blipFill>
+          <a:blip r:embed="rId19">
+            <a:extLst>
+              <a:ext uri="{96DAC541-7B7A-43D3-8B79-37D633B846F1}">
+                <asvg:svgBlip xmlns:asvg="http://schemas.microsoft.com/office/drawing/2016/SVG/main" r:embed="rId20"/>
+              </a:ext>
+            </a:extLst>
+          </a:blip>
+          <a:stretch>
+            <a:fillRect/>
+          </a:stretch>
+        </p:blipFill>
+        <p:spPr>
+          <a:xfrm>
+            <a:off x="3928630" y="4694638"/>
+            <a:ext cx="768926" cy="768926"/>
+          </a:xfrm>
+          <a:prstGeom prst="rect">
+            <a:avLst/>
+          </a:prstGeom>
+        </p:spPr>
+      </p:pic>
+      <p:pic>
+        <p:nvPicPr>
+          <p:cNvPr id="19" name="Grafik 18" descr="Kreisdiagramm mit einfarbiger Füllung">
+            <a:extLst>
+              <a:ext uri="{FF2B5EF4-FFF2-40B4-BE49-F238E27FC236}">
+                <a16:creationId xmlns:a16="http://schemas.microsoft.com/office/drawing/2014/main" id="{06693A05-27CC-6F4B-B353-FAB6BB180F03}"/>
+              </a:ext>
+            </a:extLst>
+          </p:cNvPr>
+          <p:cNvPicPr>
+            <a:picLocks noChangeAspect="1"/>
+          </p:cNvPicPr>
+          <p:nvPr/>
+        </p:nvPicPr>
+        <p:blipFill>
+          <a:blip r:embed="rId21">
+            <a:extLst>
+              <a:ext uri="{96DAC541-7B7A-43D3-8B79-37D633B846F1}">
+                <asvg:svgBlip xmlns:asvg="http://schemas.microsoft.com/office/drawing/2016/SVG/main" r:embed="rId22"/>
+              </a:ext>
+            </a:extLst>
+          </a:blip>
+          <a:stretch>
+            <a:fillRect/>
+          </a:stretch>
+        </p:blipFill>
+        <p:spPr>
+          <a:xfrm>
+            <a:off x="4649066" y="4676238"/>
+            <a:ext cx="768926" cy="768926"/>
+          </a:xfrm>
+          <a:prstGeom prst="rect">
+            <a:avLst/>
+          </a:prstGeom>
+        </p:spPr>
+      </p:pic>
+      <p:pic>
+        <p:nvPicPr>
+          <p:cNvPr id="29" name="Grafik 28" descr="Balkendiagramm mit einfarbiger Füllung">
+            <a:extLst>
+              <a:ext uri="{FF2B5EF4-FFF2-40B4-BE49-F238E27FC236}">
+                <a16:creationId xmlns:a16="http://schemas.microsoft.com/office/drawing/2014/main" id="{9CD216F1-F9DA-B24B-A1D4-766210165D8A}"/>
+              </a:ext>
+            </a:extLst>
+          </p:cNvPr>
+          <p:cNvPicPr>
+            <a:picLocks noChangeAspect="1"/>
+          </p:cNvPicPr>
+          <p:nvPr/>
+        </p:nvPicPr>
+        <p:blipFill>
+          <a:blip r:embed="rId23">
+            <a:extLst>
+              <a:ext uri="{96DAC541-7B7A-43D3-8B79-37D633B846F1}">
+                <asvg:svgBlip xmlns:asvg="http://schemas.microsoft.com/office/drawing/2016/SVG/main" r:embed="rId24"/>
+              </a:ext>
+            </a:extLst>
+          </a:blip>
+          <a:stretch>
+            <a:fillRect/>
+          </a:stretch>
+        </p:blipFill>
+        <p:spPr>
+          <a:xfrm>
+            <a:off x="6716204" y="4657510"/>
+            <a:ext cx="914400" cy="914400"/>
+          </a:xfrm>
+          <a:prstGeom prst="rect">
+            <a:avLst/>
+          </a:prstGeom>
+        </p:spPr>
+      </p:pic>
+      <p:pic>
+        <p:nvPicPr>
+          <p:cNvPr id="34" name="Grafik 33" descr="Benutzer Silhouette">
+            <a:extLst>
+              <a:ext uri="{FF2B5EF4-FFF2-40B4-BE49-F238E27FC236}">
+                <a16:creationId xmlns:a16="http://schemas.microsoft.com/office/drawing/2014/main" id="{670AAFF3-352C-ED4F-9BE1-8CC78E303C3E}"/>
+              </a:ext>
+            </a:extLst>
+          </p:cNvPr>
+          <p:cNvPicPr>
+            <a:picLocks noChangeAspect="1"/>
+          </p:cNvPicPr>
+          <p:nvPr/>
+        </p:nvPicPr>
+        <p:blipFill>
+          <a:blip r:embed="rId11">
+            <a:extLst>
+              <a:ext uri="{96DAC541-7B7A-43D3-8B79-37D633B846F1}">
+                <asvg:svgBlip xmlns:asvg="http://schemas.microsoft.com/office/drawing/2016/SVG/main" r:embed="rId12"/>
+              </a:ext>
+            </a:extLst>
+          </a:blip>
+          <a:stretch>
+            <a:fillRect/>
+          </a:stretch>
+        </p:blipFill>
+        <p:spPr>
+          <a:xfrm>
+            <a:off x="6765130" y="3743110"/>
+            <a:ext cx="914400" cy="914400"/>
+          </a:xfrm>
+          <a:prstGeom prst="rect">
+            <a:avLst/>
+          </a:prstGeom>
+        </p:spPr>
+      </p:pic>
+      <p:pic>
+        <p:nvPicPr>
+          <p:cNvPr id="36" name="Grafik 35" descr="Balkendiagramm mit einfarbiger Füllung">
+            <a:extLst>
+              <a:ext uri="{FF2B5EF4-FFF2-40B4-BE49-F238E27FC236}">
+                <a16:creationId xmlns:a16="http://schemas.microsoft.com/office/drawing/2014/main" id="{9112E940-88C2-2447-82EA-F1E16EF4EAD1}"/>
+              </a:ext>
+            </a:extLst>
+          </p:cNvPr>
+          <p:cNvPicPr>
+            <a:picLocks noChangeAspect="1"/>
+          </p:cNvPicPr>
+          <p:nvPr/>
+        </p:nvPicPr>
+        <p:blipFill>
+          <a:blip r:embed="rId25">
+            <a:extLst>
+              <a:ext uri="{96DAC541-7B7A-43D3-8B79-37D633B846F1}">
+                <asvg:svgBlip xmlns:asvg="http://schemas.microsoft.com/office/drawing/2016/SVG/main" r:embed="rId26"/>
+              </a:ext>
+            </a:extLst>
+          </a:blip>
+          <a:stretch>
+            <a:fillRect/>
+          </a:stretch>
+        </p:blipFill>
+        <p:spPr>
+          <a:xfrm>
+            <a:off x="9442730" y="4694638"/>
+            <a:ext cx="914400" cy="914400"/>
+          </a:xfrm>
+          <a:prstGeom prst="rect">
+            <a:avLst/>
+          </a:prstGeom>
+        </p:spPr>
+      </p:pic>
+      <p:pic>
+        <p:nvPicPr>
+          <p:cNvPr id="37" name="Grafik 36" descr="Benutzer Silhouette">
+            <a:extLst>
+              <a:ext uri="{FF2B5EF4-FFF2-40B4-BE49-F238E27FC236}">
+                <a16:creationId xmlns:a16="http://schemas.microsoft.com/office/drawing/2014/main" id="{643333E2-092A-3A4C-A6C8-95C487CEAA90}"/>
+              </a:ext>
+            </a:extLst>
+          </p:cNvPr>
+          <p:cNvPicPr>
+            <a:picLocks noChangeAspect="1"/>
+          </p:cNvPicPr>
+          <p:nvPr/>
+        </p:nvPicPr>
+        <p:blipFill>
+          <a:blip r:embed="rId3">
+            <a:extLst>
+              <a:ext uri="{96DAC541-7B7A-43D3-8B79-37D633B846F1}">
+                <asvg:svgBlip xmlns:asvg="http://schemas.microsoft.com/office/drawing/2016/SVG/main" r:embed="rId4"/>
+              </a:ext>
+            </a:extLst>
+          </a:blip>
+          <a:stretch>
+            <a:fillRect/>
+          </a:stretch>
+        </p:blipFill>
+        <p:spPr>
+          <a:xfrm>
+            <a:off x="8334159" y="3780238"/>
+            <a:ext cx="914400" cy="914400"/>
+          </a:xfrm>
+          <a:prstGeom prst="rect">
+            <a:avLst/>
+          </a:prstGeom>
+        </p:spPr>
+      </p:pic>
+      <p:pic>
+        <p:nvPicPr>
+          <p:cNvPr id="38" name="Grafik 37" descr="Benutzer Silhouette">
+            <a:extLst>
+              <a:ext uri="{FF2B5EF4-FFF2-40B4-BE49-F238E27FC236}">
+                <a16:creationId xmlns:a16="http://schemas.microsoft.com/office/drawing/2014/main" id="{8BEA3BB9-628C-7545-BC08-5F77374390BE}"/>
+              </a:ext>
+            </a:extLst>
+          </p:cNvPr>
+          <p:cNvPicPr>
+            <a:picLocks noChangeAspect="1"/>
+          </p:cNvPicPr>
+          <p:nvPr/>
+        </p:nvPicPr>
+        <p:blipFill>
+          <a:blip r:embed="rId5">
+            <a:extLst>
+              <a:ext uri="{96DAC541-7B7A-43D3-8B79-37D633B846F1}">
+                <asvg:svgBlip xmlns:asvg="http://schemas.microsoft.com/office/drawing/2016/SVG/main" r:embed="rId6"/>
+              </a:ext>
+            </a:extLst>
+          </a:blip>
+          <a:stretch>
+            <a:fillRect/>
+          </a:stretch>
+        </p:blipFill>
+        <p:spPr>
+          <a:xfrm>
+            <a:off x="9054595" y="3780238"/>
+            <a:ext cx="914400" cy="914400"/>
+          </a:xfrm>
+          <a:prstGeom prst="rect">
+            <a:avLst/>
+          </a:prstGeom>
+        </p:spPr>
+      </p:pic>
+      <p:pic>
+        <p:nvPicPr>
+          <p:cNvPr id="39" name="Grafik 38" descr="Benutzer Silhouette">
+            <a:extLst>
+              <a:ext uri="{FF2B5EF4-FFF2-40B4-BE49-F238E27FC236}">
+                <a16:creationId xmlns:a16="http://schemas.microsoft.com/office/drawing/2014/main" id="{7DE68589-15B7-0F4F-8E33-81D2198290DA}"/>
+              </a:ext>
+            </a:extLst>
+          </p:cNvPr>
+          <p:cNvPicPr>
+            <a:picLocks noChangeAspect="1"/>
+          </p:cNvPicPr>
+          <p:nvPr/>
+        </p:nvPicPr>
+        <p:blipFill>
+          <a:blip r:embed="rId7">
+            <a:extLst>
+              <a:ext uri="{96DAC541-7B7A-43D3-8B79-37D633B846F1}">
+                <asvg:svgBlip xmlns:asvg="http://schemas.microsoft.com/office/drawing/2016/SVG/main" r:embed="rId8"/>
+              </a:ext>
+            </a:extLst>
+          </a:blip>
+          <a:stretch>
+            <a:fillRect/>
+          </a:stretch>
+        </p:blipFill>
+        <p:spPr>
+          <a:xfrm>
+            <a:off x="9775031" y="3780238"/>
+            <a:ext cx="914400" cy="914400"/>
+          </a:xfrm>
+          <a:prstGeom prst="rect">
+            <a:avLst/>
+          </a:prstGeom>
+        </p:spPr>
+      </p:pic>
+      <p:pic>
+        <p:nvPicPr>
+          <p:cNvPr id="40" name="Grafik 39" descr="Benutzer Silhouette">
+            <a:extLst>
+              <a:ext uri="{FF2B5EF4-FFF2-40B4-BE49-F238E27FC236}">
+                <a16:creationId xmlns:a16="http://schemas.microsoft.com/office/drawing/2014/main" id="{EBECFE3F-AEDC-B946-A8C6-3BD579168711}"/>
+              </a:ext>
+            </a:extLst>
+          </p:cNvPr>
+          <p:cNvPicPr>
+            <a:picLocks noChangeAspect="1"/>
+          </p:cNvPicPr>
+          <p:nvPr/>
+        </p:nvPicPr>
+        <p:blipFill>
+          <a:blip r:embed="rId9">
+            <a:extLst>
+              <a:ext uri="{96DAC541-7B7A-43D3-8B79-37D633B846F1}">
+                <asvg:svgBlip xmlns:asvg="http://schemas.microsoft.com/office/drawing/2016/SVG/main" r:embed="rId10"/>
+              </a:ext>
+            </a:extLst>
+          </a:blip>
+          <a:stretch>
+            <a:fillRect/>
+          </a:stretch>
+        </p:blipFill>
+        <p:spPr>
+          <a:xfrm>
+            <a:off x="10495467" y="3780238"/>
+            <a:ext cx="914400" cy="914400"/>
+          </a:xfrm>
+          <a:prstGeom prst="rect">
+            <a:avLst/>
+          </a:prstGeom>
+        </p:spPr>
+      </p:pic>
+      <p:pic>
+        <p:nvPicPr>
+          <p:cNvPr id="42" name="Grafik 41" descr="Pfeil nach rechts mit einfarbiger Füllung">
+            <a:extLst>
+              <a:ext uri="{FF2B5EF4-FFF2-40B4-BE49-F238E27FC236}">
+                <a16:creationId xmlns:a16="http://schemas.microsoft.com/office/drawing/2014/main" id="{B5A9EC30-FE17-9F4A-896C-F335E7F9D5AF}"/>
+              </a:ext>
+            </a:extLst>
+          </p:cNvPr>
+          <p:cNvPicPr>
+            <a:picLocks noChangeAspect="1"/>
+          </p:cNvPicPr>
+          <p:nvPr/>
+        </p:nvPicPr>
+        <p:blipFill>
+          <a:blip r:embed="rId27">
+            <a:extLst>
+              <a:ext uri="{96DAC541-7B7A-43D3-8B79-37D633B846F1}">
+                <asvg:svgBlip xmlns:asvg="http://schemas.microsoft.com/office/drawing/2016/SVG/main" r:embed="rId28"/>
+              </a:ext>
+            </a:extLst>
+          </a:blip>
+          <a:stretch>
+            <a:fillRect/>
+          </a:stretch>
+        </p:blipFill>
+        <p:spPr>
+          <a:xfrm>
+            <a:off x="1830743" y="4388106"/>
+            <a:ext cx="495301" cy="613064"/>
+          </a:xfrm>
+          <a:prstGeom prst="rect">
+            <a:avLst/>
+          </a:prstGeom>
+        </p:spPr>
+      </p:pic>
+      <p:pic>
+        <p:nvPicPr>
+          <p:cNvPr id="43" name="Grafik 42" descr="Pfeil nach rechts mit einfarbiger Füllung">
+            <a:extLst>
+              <a:ext uri="{FF2B5EF4-FFF2-40B4-BE49-F238E27FC236}">
+                <a16:creationId xmlns:a16="http://schemas.microsoft.com/office/drawing/2014/main" id="{D8C95D81-0CF2-404B-BEAA-5194B6F31394}"/>
+              </a:ext>
+            </a:extLst>
+          </p:cNvPr>
+          <p:cNvPicPr>
+            <a:picLocks noChangeAspect="1"/>
+          </p:cNvPicPr>
+          <p:nvPr/>
+        </p:nvPicPr>
+        <p:blipFill>
+          <a:blip r:embed="rId27">
+            <a:extLst>
+              <a:ext uri="{96DAC541-7B7A-43D3-8B79-37D633B846F1}">
+                <asvg:svgBlip xmlns:asvg="http://schemas.microsoft.com/office/drawing/2016/SVG/main" r:embed="rId28"/>
+              </a:ext>
+            </a:extLst>
+          </a:blip>
+          <a:stretch>
+            <a:fillRect/>
+          </a:stretch>
+        </p:blipFill>
+        <p:spPr>
+          <a:xfrm>
+            <a:off x="7759194" y="4350978"/>
+            <a:ext cx="495301" cy="613064"/>
+          </a:xfrm>
+          <a:prstGeom prst="rect">
+            <a:avLst/>
+          </a:prstGeom>
+        </p:spPr>
+      </p:pic>
     </p:spTree>
     <p:extLst>
       <p:ext uri="{BB962C8B-B14F-4D97-AF65-F5344CB8AC3E}">

--- a/Praesentationen/01-Definitionsphase/Präsentation.pptx
+++ b/Praesentationen/01-Definitionsphase/Präsentation.pptx
@@ -134,8 +134,7 @@
 <file path=ppt/revisionInfo.xml><?xml version="1.0" encoding="utf-8"?>
 <p1510:revInfo xmlns:a="http://schemas.openxmlformats.org/drawingml/2006/main" xmlns:r="http://schemas.openxmlformats.org/officeDocument/2006/relationships" xmlns:p1510="http://schemas.microsoft.com/office/powerpoint/2015/10/main">
   <p1510:revLst>
-    <p1510:client id="{7C58C18B-0A27-44B7-9B45-AA675080F6E7}" v="171" dt="2021-12-02T08:36:49.900"/>
-    <p1510:client id="{D321EB78-646E-7546-8478-D5F05974E81C}" v="117" dt="2021-12-02T16:24:37.999"/>
+    <p1510:client id="{8BCBCECC-AEE1-419B-916B-999E3489D6C8}" v="7" dt="2021-12-02T18:15:44.327"/>
   </p1510:revLst>
 </p1510:revInfo>
 </file>
@@ -143,529 +142,51 @@
 <file path=ppt/changesInfos/changesInfo1.xml><?xml version="1.0" encoding="utf-8"?>
 <pc:chgInfo xmlns:a="http://schemas.openxmlformats.org/drawingml/2006/main" xmlns:r="http://schemas.openxmlformats.org/officeDocument/2006/relationships" xmlns:ac="http://schemas.microsoft.com/office/drawing/2013/main/command" xmlns:pc="http://schemas.microsoft.com/office/powerpoint/2013/main/command">
   <pc:docChgLst>
-    <pc:chgData name="Ender Merlin" userId="b6c700318fa50b6b" providerId="LiveId" clId="{7C58C18B-0A27-44B7-9B45-AA675080F6E7}"/>
-    <pc:docChg chg="undo redo custSel addSld modSld">
-      <pc:chgData name="Ender Merlin" userId="b6c700318fa50b6b" providerId="LiveId" clId="{7C58C18B-0A27-44B7-9B45-AA675080F6E7}" dt="2021-12-02T08:38:11.534" v="837" actId="1076"/>
+    <pc:chgData name="Ender Merlin" userId="b6c700318fa50b6b" providerId="LiveId" clId="{8BCBCECC-AEE1-419B-916B-999E3489D6C8}"/>
+    <pc:docChg chg="undo custSel modSld">
+      <pc:chgData name="Ender Merlin" userId="b6c700318fa50b6b" providerId="LiveId" clId="{8BCBCECC-AEE1-419B-916B-999E3489D6C8}" dt="2021-12-02T18:16:23.420" v="302" actId="20577"/>
       <pc:docMkLst>
         <pc:docMk/>
       </pc:docMkLst>
-      <pc:sldChg chg="addSp delSp modSp mod modAnim">
-        <pc:chgData name="Ender Merlin" userId="b6c700318fa50b6b" providerId="LiveId" clId="{7C58C18B-0A27-44B7-9B45-AA675080F6E7}" dt="2021-12-02T08:36:16.383" v="826"/>
-        <pc:sldMkLst>
-          <pc:docMk/>
-          <pc:sldMk cId="735487197" sldId="257"/>
-        </pc:sldMkLst>
-        <pc:spChg chg="mod">
-          <ac:chgData name="Ender Merlin" userId="b6c700318fa50b6b" providerId="LiveId" clId="{7C58C18B-0A27-44B7-9B45-AA675080F6E7}" dt="2021-12-02T07:28:40.195" v="274" actId="1076"/>
-          <ac:spMkLst>
-            <pc:docMk/>
-            <pc:sldMk cId="735487197" sldId="257"/>
-            <ac:spMk id="2" creationId="{CA602554-BCBF-044C-9749-B37622C4E913}"/>
-          </ac:spMkLst>
-        </pc:spChg>
-        <pc:spChg chg="add mod">
-          <ac:chgData name="Ender Merlin" userId="b6c700318fa50b6b" providerId="LiveId" clId="{7C58C18B-0A27-44B7-9B45-AA675080F6E7}" dt="2021-12-02T07:14:34.598" v="139" actId="1076"/>
-          <ac:spMkLst>
-            <pc:docMk/>
-            <pc:sldMk cId="735487197" sldId="257"/>
-            <ac:spMk id="16" creationId="{666A4CFE-E5F3-407C-AEBD-EBD7310491F9}"/>
-          </ac:spMkLst>
-        </pc:spChg>
-        <pc:spChg chg="add del mod">
-          <ac:chgData name="Ender Merlin" userId="b6c700318fa50b6b" providerId="LiveId" clId="{7C58C18B-0A27-44B7-9B45-AA675080F6E7}" dt="2021-12-02T07:13:57.179" v="130"/>
-          <ac:spMkLst>
-            <pc:docMk/>
-            <pc:sldMk cId="735487197" sldId="257"/>
-            <ac:spMk id="18" creationId="{259E6192-79EC-4C54-87C5-CC755DB47C8B}"/>
-          </ac:spMkLst>
-        </pc:spChg>
-        <pc:spChg chg="add mod">
-          <ac:chgData name="Ender Merlin" userId="b6c700318fa50b6b" providerId="LiveId" clId="{7C58C18B-0A27-44B7-9B45-AA675080F6E7}" dt="2021-12-02T07:25:50.710" v="244" actId="14100"/>
-          <ac:spMkLst>
-            <pc:docMk/>
-            <pc:sldMk cId="735487197" sldId="257"/>
-            <ac:spMk id="36" creationId="{BE40E607-B478-41A4-B5DC-899979FBDAC4}"/>
-          </ac:spMkLst>
-        </pc:spChg>
-        <pc:picChg chg="add del mod">
-          <ac:chgData name="Ender Merlin" userId="b6c700318fa50b6b" providerId="LiveId" clId="{7C58C18B-0A27-44B7-9B45-AA675080F6E7}" dt="2021-12-02T07:11:49.094" v="109" actId="478"/>
-          <ac:picMkLst>
-            <pc:docMk/>
-            <pc:sldMk cId="735487197" sldId="257"/>
-            <ac:picMk id="6" creationId="{8E623D69-066E-40A2-90E8-7C75833A22C8}"/>
-          </ac:picMkLst>
-        </pc:picChg>
-        <pc:picChg chg="mod">
-          <ac:chgData name="Ender Merlin" userId="b6c700318fa50b6b" providerId="LiveId" clId="{7C58C18B-0A27-44B7-9B45-AA675080F6E7}" dt="2021-12-02T07:25:34.928" v="243" actId="1076"/>
-          <ac:picMkLst>
-            <pc:docMk/>
-            <pc:sldMk cId="735487197" sldId="257"/>
-            <ac:picMk id="7" creationId="{6FEC9959-BBB4-4349-9B9B-8A77287021C2}"/>
-          </ac:picMkLst>
-        </pc:picChg>
-        <pc:picChg chg="del">
-          <ac:chgData name="Ender Merlin" userId="b6c700318fa50b6b" providerId="LiveId" clId="{7C58C18B-0A27-44B7-9B45-AA675080F6E7}" dt="2021-12-02T07:14:11.485" v="133" actId="478"/>
-          <ac:picMkLst>
-            <pc:docMk/>
-            <pc:sldMk cId="735487197" sldId="257"/>
-            <ac:picMk id="9" creationId="{FBAD76BB-7B39-3A4D-AC66-81EAE02D052E}"/>
-          </ac:picMkLst>
-        </pc:picChg>
-        <pc:picChg chg="del">
-          <ac:chgData name="Ender Merlin" userId="b6c700318fa50b6b" providerId="LiveId" clId="{7C58C18B-0A27-44B7-9B45-AA675080F6E7}" dt="2021-12-02T07:14:16.788" v="134" actId="478"/>
-          <ac:picMkLst>
-            <pc:docMk/>
-            <pc:sldMk cId="735487197" sldId="257"/>
-            <ac:picMk id="10" creationId="{083068C5-31FB-6D40-AA80-7CEC2FC7AE8F}"/>
-          </ac:picMkLst>
-        </pc:picChg>
-        <pc:picChg chg="del mod">
-          <ac:chgData name="Ender Merlin" userId="b6c700318fa50b6b" providerId="LiveId" clId="{7C58C18B-0A27-44B7-9B45-AA675080F6E7}" dt="2021-12-02T07:14:25.974" v="137" actId="21"/>
-          <ac:picMkLst>
-            <pc:docMk/>
-            <pc:sldMk cId="735487197" sldId="257"/>
-            <ac:picMk id="11" creationId="{4DA94D56-C0FF-514C-A649-1C3FA52240BC}"/>
-          </ac:picMkLst>
-        </pc:picChg>
-        <pc:picChg chg="add mod ord">
-          <ac:chgData name="Ender Merlin" userId="b6c700318fa50b6b" providerId="LiveId" clId="{7C58C18B-0A27-44B7-9B45-AA675080F6E7}" dt="2021-12-02T07:17:52.106" v="169" actId="1036"/>
-          <ac:picMkLst>
-            <pc:docMk/>
-            <pc:sldMk cId="735487197" sldId="257"/>
-            <ac:picMk id="12" creationId="{7982447E-A225-4405-89DA-52EB8CAE2C70}"/>
-          </ac:picMkLst>
-        </pc:picChg>
-        <pc:picChg chg="del mod">
-          <ac:chgData name="Ender Merlin" userId="b6c700318fa50b6b" providerId="LiveId" clId="{7C58C18B-0A27-44B7-9B45-AA675080F6E7}" dt="2021-12-02T07:14:10.852" v="132" actId="478"/>
-          <ac:picMkLst>
-            <pc:docMk/>
-            <pc:sldMk cId="735487197" sldId="257"/>
-            <ac:picMk id="13" creationId="{9369829C-21E4-FB4F-8755-FDE1B7FE853E}"/>
-          </ac:picMkLst>
-        </pc:picChg>
-        <pc:picChg chg="add del mod">
-          <ac:chgData name="Ender Merlin" userId="b6c700318fa50b6b" providerId="LiveId" clId="{7C58C18B-0A27-44B7-9B45-AA675080F6E7}" dt="2021-12-02T07:12:17.191" v="115" actId="931"/>
-          <ac:picMkLst>
-            <pc:docMk/>
-            <pc:sldMk cId="735487197" sldId="257"/>
-            <ac:picMk id="15" creationId="{55815059-49FE-402A-9EC9-329C923969B0}"/>
-          </ac:picMkLst>
-        </pc:picChg>
-        <pc:picChg chg="add mod">
-          <ac:chgData name="Ender Merlin" userId="b6c700318fa50b6b" providerId="LiveId" clId="{7C58C18B-0A27-44B7-9B45-AA675080F6E7}" dt="2021-12-02T07:13:44.948" v="128" actId="571"/>
-          <ac:picMkLst>
-            <pc:docMk/>
-            <pc:sldMk cId="735487197" sldId="257"/>
-            <ac:picMk id="17" creationId="{3244A43C-EA53-413C-BD24-5E81D9998089}"/>
-          </ac:picMkLst>
-        </pc:picChg>
-        <pc:picChg chg="add mod">
-          <ac:chgData name="Ender Merlin" userId="b6c700318fa50b6b" providerId="LiveId" clId="{7C58C18B-0A27-44B7-9B45-AA675080F6E7}" dt="2021-12-02T07:17:32.643" v="168" actId="1076"/>
-          <ac:picMkLst>
-            <pc:docMk/>
-            <pc:sldMk cId="735487197" sldId="257"/>
-            <ac:picMk id="20" creationId="{ECA12507-03D9-47CE-931A-B4A23DEDB32D}"/>
-          </ac:picMkLst>
-        </pc:picChg>
-        <pc:picChg chg="add mod">
-          <ac:chgData name="Ender Merlin" userId="b6c700318fa50b6b" providerId="LiveId" clId="{7C58C18B-0A27-44B7-9B45-AA675080F6E7}" dt="2021-12-02T07:17:32.643" v="168" actId="1076"/>
-          <ac:picMkLst>
-            <pc:docMk/>
-            <pc:sldMk cId="735487197" sldId="257"/>
-            <ac:picMk id="21" creationId="{A597B6EE-EE70-4F95-9603-E400B9B2A7EE}"/>
-          </ac:picMkLst>
-        </pc:picChg>
-        <pc:picChg chg="add mod">
-          <ac:chgData name="Ender Merlin" userId="b6c700318fa50b6b" providerId="LiveId" clId="{7C58C18B-0A27-44B7-9B45-AA675080F6E7}" dt="2021-12-02T07:17:32.643" v="168" actId="1076"/>
-          <ac:picMkLst>
-            <pc:docMk/>
-            <pc:sldMk cId="735487197" sldId="257"/>
-            <ac:picMk id="22" creationId="{4905DCBB-E0CD-4DEC-8CBC-1B030CA91379}"/>
-          </ac:picMkLst>
-        </pc:picChg>
-        <pc:picChg chg="add mod">
-          <ac:chgData name="Ender Merlin" userId="b6c700318fa50b6b" providerId="LiveId" clId="{7C58C18B-0A27-44B7-9B45-AA675080F6E7}" dt="2021-12-02T07:17:32.643" v="168" actId="1076"/>
-          <ac:picMkLst>
-            <pc:docMk/>
-            <pc:sldMk cId="735487197" sldId="257"/>
-            <ac:picMk id="23" creationId="{9487F55C-20AD-49F9-BBE0-6F0FDE7AF55A}"/>
-          </ac:picMkLst>
-        </pc:picChg>
-        <pc:picChg chg="add mod">
-          <ac:chgData name="Ender Merlin" userId="b6c700318fa50b6b" providerId="LiveId" clId="{7C58C18B-0A27-44B7-9B45-AA675080F6E7}" dt="2021-12-02T07:17:32.643" v="168" actId="1076"/>
-          <ac:picMkLst>
-            <pc:docMk/>
-            <pc:sldMk cId="735487197" sldId="257"/>
-            <ac:picMk id="24" creationId="{124B4FB1-02C5-4E57-8E1A-26CDDA88F3BB}"/>
-          </ac:picMkLst>
-        </pc:picChg>
-        <pc:picChg chg="add del mod">
-          <ac:chgData name="Ender Merlin" userId="b6c700318fa50b6b" providerId="LiveId" clId="{7C58C18B-0A27-44B7-9B45-AA675080F6E7}" dt="2021-12-02T07:17:12.280" v="162" actId="478"/>
-          <ac:picMkLst>
-            <pc:docMk/>
-            <pc:sldMk cId="735487197" sldId="257"/>
-            <ac:picMk id="25" creationId="{E6D555E2-F000-4D0C-A8BB-7E97BFA67BFF}"/>
-          </ac:picMkLst>
-        </pc:picChg>
-        <pc:picChg chg="add del mod">
-          <ac:chgData name="Ender Merlin" userId="b6c700318fa50b6b" providerId="LiveId" clId="{7C58C18B-0A27-44B7-9B45-AA675080F6E7}" dt="2021-12-02T07:17:20.045" v="166"/>
-          <ac:picMkLst>
-            <pc:docMk/>
-            <pc:sldMk cId="735487197" sldId="257"/>
-            <ac:picMk id="26" creationId="{4BFADFBE-3862-4D17-913A-155E80EC4DA7}"/>
-          </ac:picMkLst>
-        </pc:picChg>
-        <pc:picChg chg="add del mod">
-          <ac:chgData name="Ender Merlin" userId="b6c700318fa50b6b" providerId="LiveId" clId="{7C58C18B-0A27-44B7-9B45-AA675080F6E7}" dt="2021-12-02T07:17:20.045" v="166"/>
-          <ac:picMkLst>
-            <pc:docMk/>
-            <pc:sldMk cId="735487197" sldId="257"/>
-            <ac:picMk id="27" creationId="{CFE82E6F-C50B-426C-BCBF-71D51B215D2F}"/>
-          </ac:picMkLst>
-        </pc:picChg>
-        <pc:picChg chg="add del mod">
-          <ac:chgData name="Ender Merlin" userId="b6c700318fa50b6b" providerId="LiveId" clId="{7C58C18B-0A27-44B7-9B45-AA675080F6E7}" dt="2021-12-02T07:17:20.045" v="166"/>
-          <ac:picMkLst>
-            <pc:docMk/>
-            <pc:sldMk cId="735487197" sldId="257"/>
-            <ac:picMk id="28" creationId="{246DD496-D207-47ED-A95D-4054FEEC1704}"/>
-          </ac:picMkLst>
-        </pc:picChg>
-        <pc:picChg chg="add mod">
-          <ac:chgData name="Ender Merlin" userId="b6c700318fa50b6b" providerId="LiveId" clId="{7C58C18B-0A27-44B7-9B45-AA675080F6E7}" dt="2021-12-02T07:17:21.287" v="167"/>
-          <ac:picMkLst>
-            <pc:docMk/>
-            <pc:sldMk cId="735487197" sldId="257"/>
-            <ac:picMk id="29" creationId="{9C5930A0-241C-4035-A8FD-8FE75979B860}"/>
-          </ac:picMkLst>
-        </pc:picChg>
-        <pc:picChg chg="add mod">
-          <ac:chgData name="Ender Merlin" userId="b6c700318fa50b6b" providerId="LiveId" clId="{7C58C18B-0A27-44B7-9B45-AA675080F6E7}" dt="2021-12-02T07:28:28.065" v="272" actId="1076"/>
-          <ac:picMkLst>
-            <pc:docMk/>
-            <pc:sldMk cId="735487197" sldId="257"/>
-            <ac:picMk id="30" creationId="{17CC66B5-B06F-4761-A22D-FD5676FE6BF2}"/>
-          </ac:picMkLst>
-        </pc:picChg>
-        <pc:picChg chg="add mod">
-          <ac:chgData name="Ender Merlin" userId="b6c700318fa50b6b" providerId="LiveId" clId="{7C58C18B-0A27-44B7-9B45-AA675080F6E7}" dt="2021-12-02T07:17:21.287" v="167"/>
-          <ac:picMkLst>
-            <pc:docMk/>
-            <pc:sldMk cId="735487197" sldId="257"/>
-            <ac:picMk id="31" creationId="{B529790F-E58A-48D3-801D-3C406F64EF9C}"/>
-          </ac:picMkLst>
-        </pc:picChg>
-        <pc:picChg chg="add del mod ord modCrop">
-          <ac:chgData name="Ender Merlin" userId="b6c700318fa50b6b" providerId="LiveId" clId="{7C58C18B-0A27-44B7-9B45-AA675080F6E7}" dt="2021-12-02T07:27:06.925" v="262" actId="478"/>
-          <ac:picMkLst>
-            <pc:docMk/>
-            <pc:sldMk cId="735487197" sldId="257"/>
-            <ac:picMk id="33" creationId="{B315ADD7-2284-4A36-87C4-A565099F0FC9}"/>
-          </ac:picMkLst>
-        </pc:picChg>
-        <pc:picChg chg="add mod ord modCrop">
-          <ac:chgData name="Ender Merlin" userId="b6c700318fa50b6b" providerId="LiveId" clId="{7C58C18B-0A27-44B7-9B45-AA675080F6E7}" dt="2021-12-02T08:31:58.913" v="784" actId="1076"/>
-          <ac:picMkLst>
-            <pc:docMk/>
-            <pc:sldMk cId="735487197" sldId="257"/>
-            <ac:picMk id="35" creationId="{863C5BE3-16BE-490F-A82A-28300F38D9E1}"/>
-          </ac:picMkLst>
-        </pc:picChg>
-        <pc:picChg chg="add mod">
-          <ac:chgData name="Ender Merlin" userId="b6c700318fa50b6b" providerId="LiveId" clId="{7C58C18B-0A27-44B7-9B45-AA675080F6E7}" dt="2021-12-02T07:28:15.247" v="269" actId="1076"/>
-          <ac:picMkLst>
-            <pc:docMk/>
-            <pc:sldMk cId="735487197" sldId="257"/>
-            <ac:picMk id="38" creationId="{ECA1A8DE-D487-48B5-8C20-982F0CD4BB79}"/>
-          </ac:picMkLst>
-        </pc:picChg>
-      </pc:sldChg>
-      <pc:sldChg chg="modSp mod modAnim">
-        <pc:chgData name="Ender Merlin" userId="b6c700318fa50b6b" providerId="LiveId" clId="{7C58C18B-0A27-44B7-9B45-AA675080F6E7}" dt="2021-12-02T08:37:25.432" v="833" actId="1076"/>
-        <pc:sldMkLst>
-          <pc:docMk/>
-          <pc:sldMk cId="800652924" sldId="258"/>
-        </pc:sldMkLst>
-        <pc:spChg chg="mod">
-          <ac:chgData name="Ender Merlin" userId="b6c700318fa50b6b" providerId="LiveId" clId="{7C58C18B-0A27-44B7-9B45-AA675080F6E7}" dt="2021-12-02T08:37:03.614" v="829" actId="1076"/>
-          <ac:spMkLst>
-            <pc:docMk/>
-            <pc:sldMk cId="800652924" sldId="258"/>
-            <ac:spMk id="11" creationId="{3447E157-9198-5C4C-B736-F6D21AABFD1E}"/>
-          </ac:spMkLst>
-        </pc:spChg>
-        <pc:spChg chg="mod">
-          <ac:chgData name="Ender Merlin" userId="b6c700318fa50b6b" providerId="LiveId" clId="{7C58C18B-0A27-44B7-9B45-AA675080F6E7}" dt="2021-12-02T08:37:06.040" v="830" actId="1076"/>
-          <ac:spMkLst>
-            <pc:docMk/>
-            <pc:sldMk cId="800652924" sldId="258"/>
-            <ac:spMk id="12" creationId="{E600360A-E7BF-B74A-BC57-691C8A8C922C}"/>
-          </ac:spMkLst>
-        </pc:spChg>
-        <pc:graphicFrameChg chg="mod modGraphic">
-          <ac:chgData name="Ender Merlin" userId="b6c700318fa50b6b" providerId="LiveId" clId="{7C58C18B-0A27-44B7-9B45-AA675080F6E7}" dt="2021-12-02T08:37:20.470" v="832" actId="1076"/>
-          <ac:graphicFrameMkLst>
-            <pc:docMk/>
-            <pc:sldMk cId="800652924" sldId="258"/>
-            <ac:graphicFrameMk id="8" creationId="{A318CABA-BA57-ED4E-8E08-AA00840B9656}"/>
-          </ac:graphicFrameMkLst>
-        </pc:graphicFrameChg>
-        <pc:graphicFrameChg chg="mod">
-          <ac:chgData name="Ender Merlin" userId="b6c700318fa50b6b" providerId="LiveId" clId="{7C58C18B-0A27-44B7-9B45-AA675080F6E7}" dt="2021-12-02T08:37:25.432" v="833" actId="1076"/>
-          <ac:graphicFrameMkLst>
-            <pc:docMk/>
-            <pc:sldMk cId="800652924" sldId="258"/>
-            <ac:graphicFrameMk id="10" creationId="{365A1E58-7A3C-CF4B-9EDD-8432DAA3C1A4}"/>
-          </ac:graphicFrameMkLst>
-        </pc:graphicFrameChg>
-      </pc:sldChg>
-      <pc:sldChg chg="addSp delSp modSp mod modAnim">
-        <pc:chgData name="Ender Merlin" userId="b6c700318fa50b6b" providerId="LiveId" clId="{7C58C18B-0A27-44B7-9B45-AA675080F6E7}" dt="2021-12-02T08:38:11.534" v="837" actId="1076"/>
+      <pc:sldChg chg="modNotesTx">
+        <pc:chgData name="Ender Merlin" userId="b6c700318fa50b6b" providerId="LiveId" clId="{8BCBCECC-AEE1-419B-916B-999E3489D6C8}" dt="2021-12-02T18:11:11.072" v="13" actId="20577"/>
         <pc:sldMkLst>
           <pc:docMk/>
           <pc:sldMk cId="1570510890" sldId="259"/>
         </pc:sldMkLst>
-        <pc:spChg chg="del mod">
-          <ac:chgData name="Ender Merlin" userId="b6c700318fa50b6b" providerId="LiveId" clId="{7C58C18B-0A27-44B7-9B45-AA675080F6E7}" dt="2021-12-02T07:10:33.996" v="98" actId="478"/>
-          <ac:spMkLst>
-            <pc:docMk/>
-            <pc:sldMk cId="1570510890" sldId="259"/>
-            <ac:spMk id="3" creationId="{7BBAF8E6-6108-7346-B1C4-6D0D2DF3F8FC}"/>
-          </ac:spMkLst>
-        </pc:spChg>
-        <pc:spChg chg="add mod">
-          <ac:chgData name="Ender Merlin" userId="b6c700318fa50b6b" providerId="LiveId" clId="{7C58C18B-0A27-44B7-9B45-AA675080F6E7}" dt="2021-12-02T07:35:38.015" v="331" actId="1076"/>
-          <ac:spMkLst>
-            <pc:docMk/>
-            <pc:sldMk cId="1570510890" sldId="259"/>
-            <ac:spMk id="12" creationId="{CC1B486D-D564-4D4F-84E6-0D4BC6D9C4D7}"/>
-          </ac:spMkLst>
-        </pc:spChg>
-        <pc:spChg chg="add mod">
-          <ac:chgData name="Ender Merlin" userId="b6c700318fa50b6b" providerId="LiveId" clId="{7C58C18B-0A27-44B7-9B45-AA675080F6E7}" dt="2021-12-02T07:36:53.566" v="346" actId="1076"/>
-          <ac:spMkLst>
-            <pc:docMk/>
-            <pc:sldMk cId="1570510890" sldId="259"/>
-            <ac:spMk id="13" creationId="{665B5804-E496-4E10-A8B5-4A1E93368868}"/>
-          </ac:spMkLst>
-        </pc:spChg>
-        <pc:spChg chg="add mod">
-          <ac:chgData name="Ender Merlin" userId="b6c700318fa50b6b" providerId="LiveId" clId="{7C58C18B-0A27-44B7-9B45-AA675080F6E7}" dt="2021-12-02T07:37:13.009" v="348" actId="1076"/>
-          <ac:spMkLst>
-            <pc:docMk/>
-            <pc:sldMk cId="1570510890" sldId="259"/>
-            <ac:spMk id="14" creationId="{05C10691-CA4B-4B50-9E8A-CA4865BCD621}"/>
-          </ac:spMkLst>
-        </pc:spChg>
-        <pc:spChg chg="add del mod">
-          <ac:chgData name="Ender Merlin" userId="b6c700318fa50b6b" providerId="LiveId" clId="{7C58C18B-0A27-44B7-9B45-AA675080F6E7}" dt="2021-12-02T07:10:37.456" v="99" actId="478"/>
-          <ac:spMkLst>
-            <pc:docMk/>
-            <pc:sldMk cId="1570510890" sldId="259"/>
-            <ac:spMk id="16" creationId="{D4C0629C-C160-4D2C-A65C-B346291CD32F}"/>
-          </ac:spMkLst>
-        </pc:spChg>
-        <pc:picChg chg="add mod">
-          <ac:chgData name="Ender Merlin" userId="b6c700318fa50b6b" providerId="LiveId" clId="{7C58C18B-0A27-44B7-9B45-AA675080F6E7}" dt="2021-12-02T07:36:16.777" v="339" actId="1076"/>
-          <ac:picMkLst>
-            <pc:docMk/>
-            <pc:sldMk cId="1570510890" sldId="259"/>
-            <ac:picMk id="6" creationId="{25E77581-0383-43A3-AAC8-3720B65C3912}"/>
-          </ac:picMkLst>
-        </pc:picChg>
-        <pc:picChg chg="add del mod">
-          <ac:chgData name="Ender Merlin" userId="b6c700318fa50b6b" providerId="LiveId" clId="{7C58C18B-0A27-44B7-9B45-AA675080F6E7}" dt="2021-12-02T07:07:17.340" v="24" actId="478"/>
-          <ac:picMkLst>
-            <pc:docMk/>
-            <pc:sldMk cId="1570510890" sldId="259"/>
-            <ac:picMk id="7" creationId="{1831EC4F-BA03-4224-99DF-11759A5C534A}"/>
-          </ac:picMkLst>
-        </pc:picChg>
-        <pc:picChg chg="add mod">
-          <ac:chgData name="Ender Merlin" userId="b6c700318fa50b6b" providerId="LiveId" clId="{7C58C18B-0A27-44B7-9B45-AA675080F6E7}" dt="2021-12-02T07:37:17.749" v="349" actId="1076"/>
-          <ac:picMkLst>
-            <pc:docMk/>
-            <pc:sldMk cId="1570510890" sldId="259"/>
-            <ac:picMk id="9" creationId="{09DC9EF8-91F1-4024-B6EE-DDC5C63D54E1}"/>
-          </ac:picMkLst>
-        </pc:picChg>
-        <pc:picChg chg="add mod">
-          <ac:chgData name="Ender Merlin" userId="b6c700318fa50b6b" providerId="LiveId" clId="{7C58C18B-0A27-44B7-9B45-AA675080F6E7}" dt="2021-12-02T08:38:11.534" v="837" actId="1076"/>
-          <ac:picMkLst>
-            <pc:docMk/>
-            <pc:sldMk cId="1570510890" sldId="259"/>
-            <ac:picMk id="11" creationId="{0BAFABCD-72EA-420E-BAD5-1A3232ED9E37}"/>
-          </ac:picMkLst>
-        </pc:picChg>
       </pc:sldChg>
-      <pc:sldChg chg="addSp delSp modSp mod modAnim">
-        <pc:chgData name="Ender Merlin" userId="b6c700318fa50b6b" providerId="LiveId" clId="{7C58C18B-0A27-44B7-9B45-AA675080F6E7}" dt="2021-12-02T08:35:22.657" v="822"/>
+      <pc:sldChg chg="modSp mod modAnim modNotesTx">
+        <pc:chgData name="Ender Merlin" userId="b6c700318fa50b6b" providerId="LiveId" clId="{8BCBCECC-AEE1-419B-916B-999E3489D6C8}" dt="2021-12-02T18:13:19.249" v="104" actId="20577"/>
         <pc:sldMkLst>
           <pc:docMk/>
           <pc:sldMk cId="2237529051" sldId="260"/>
         </pc:sldMkLst>
         <pc:spChg chg="mod">
-          <ac:chgData name="Ender Merlin" userId="b6c700318fa50b6b" providerId="LiveId" clId="{7C58C18B-0A27-44B7-9B45-AA675080F6E7}" dt="2021-12-02T08:03:35.681" v="497" actId="1076"/>
-          <ac:spMkLst>
-            <pc:docMk/>
-            <pc:sldMk cId="2237529051" sldId="260"/>
-            <ac:spMk id="2" creationId="{822227DC-CFFD-5145-A3E5-B71A5DCEBC4F}"/>
-          </ac:spMkLst>
-        </pc:spChg>
-        <pc:spChg chg="del mod">
-          <ac:chgData name="Ender Merlin" userId="b6c700318fa50b6b" providerId="LiveId" clId="{7C58C18B-0A27-44B7-9B45-AA675080F6E7}" dt="2021-12-02T08:02:22" v="483" actId="21"/>
-          <ac:spMkLst>
-            <pc:docMk/>
-            <pc:sldMk cId="2237529051" sldId="260"/>
-            <ac:spMk id="3" creationId="{4342BC06-8266-114E-837E-8D2DC729DDA3}"/>
-          </ac:spMkLst>
-        </pc:spChg>
-        <pc:spChg chg="mod">
-          <ac:chgData name="Ender Merlin" userId="b6c700318fa50b6b" providerId="LiveId" clId="{7C58C18B-0A27-44B7-9B45-AA675080F6E7}" dt="2021-12-02T08:01:24.870" v="462" actId="1076"/>
-          <ac:spMkLst>
-            <pc:docMk/>
-            <pc:sldMk cId="2237529051" sldId="260"/>
-            <ac:spMk id="4" creationId="{C8919947-DCF6-544A-9803-5984DE6FBED3}"/>
-          </ac:spMkLst>
-        </pc:spChg>
-        <pc:spChg chg="add mod">
-          <ac:chgData name="Ender Merlin" userId="b6c700318fa50b6b" providerId="LiveId" clId="{7C58C18B-0A27-44B7-9B45-AA675080F6E7}" dt="2021-12-02T08:04:25.282" v="505" actId="1076"/>
-          <ac:spMkLst>
-            <pc:docMk/>
-            <pc:sldMk cId="2237529051" sldId="260"/>
-            <ac:spMk id="9" creationId="{C1CB3013-E547-42F7-A8A4-A30B5097F422}"/>
-          </ac:spMkLst>
-        </pc:spChg>
-        <pc:spChg chg="add mod">
-          <ac:chgData name="Ender Merlin" userId="b6c700318fa50b6b" providerId="LiveId" clId="{7C58C18B-0A27-44B7-9B45-AA675080F6E7}" dt="2021-12-02T08:07:16.713" v="533" actId="1076"/>
+          <ac:chgData name="Ender Merlin" userId="b6c700318fa50b6b" providerId="LiveId" clId="{8BCBCECC-AEE1-419B-916B-999E3489D6C8}" dt="2021-12-02T18:10:26.600" v="11" actId="1076"/>
           <ac:spMkLst>
             <pc:docMk/>
             <pc:sldMk cId="2237529051" sldId="260"/>
             <ac:spMk id="10" creationId="{19051105-7BE8-4893-93C8-F0AA91C9AA7F}"/>
           </ac:spMkLst>
         </pc:spChg>
-        <pc:spChg chg="add mod">
-          <ac:chgData name="Ender Merlin" userId="b6c700318fa50b6b" providerId="LiveId" clId="{7C58C18B-0A27-44B7-9B45-AA675080F6E7}" dt="2021-12-02T08:03:59.239" v="500" actId="14100"/>
-          <ac:spMkLst>
-            <pc:docMk/>
-            <pc:sldMk cId="2237529051" sldId="260"/>
-            <ac:spMk id="13" creationId="{23F98581-D2B6-4689-8565-8174D73EEB67}"/>
-          </ac:spMkLst>
-        </pc:spChg>
-        <pc:spChg chg="add del mod">
-          <ac:chgData name="Ender Merlin" userId="b6c700318fa50b6b" providerId="LiveId" clId="{7C58C18B-0A27-44B7-9B45-AA675080F6E7}" dt="2021-12-02T08:02:24.629" v="484" actId="478"/>
-          <ac:spMkLst>
-            <pc:docMk/>
-            <pc:sldMk cId="2237529051" sldId="260"/>
-            <ac:spMk id="26" creationId="{14C8D98A-5397-4649-8258-DA7BC6FD4A5B}"/>
-          </ac:spMkLst>
-        </pc:spChg>
-        <pc:spChg chg="add mod">
-          <ac:chgData name="Ender Merlin" userId="b6c700318fa50b6b" providerId="LiveId" clId="{7C58C18B-0A27-44B7-9B45-AA675080F6E7}" dt="2021-12-02T08:03:18.987" v="495" actId="1076"/>
+        <pc:spChg chg="mod">
+          <ac:chgData name="Ender Merlin" userId="b6c700318fa50b6b" providerId="LiveId" clId="{8BCBCECC-AEE1-419B-916B-999E3489D6C8}" dt="2021-12-02T18:09:56.624" v="5" actId="1076"/>
           <ac:spMkLst>
             <pc:docMk/>
             <pc:sldMk cId="2237529051" sldId="260"/>
             <ac:spMk id="27" creationId="{A443DA9C-9647-40DE-AC5D-7CEF9BCF94BB}"/>
           </ac:spMkLst>
         </pc:spChg>
-        <pc:graphicFrameChg chg="add del mod">
-          <ac:chgData name="Ender Merlin" userId="b6c700318fa50b6b" providerId="LiveId" clId="{7C58C18B-0A27-44B7-9B45-AA675080F6E7}" dt="2021-12-02T08:05:45.249" v="517" actId="478"/>
-          <ac:graphicFrameMkLst>
-            <pc:docMk/>
-            <pc:sldMk cId="2237529051" sldId="260"/>
-            <ac:graphicFrameMk id="8" creationId="{FABE141A-0F53-4D1D-9565-8D83F7467486}"/>
-          </ac:graphicFrameMkLst>
-        </pc:graphicFrameChg>
-        <pc:graphicFrameChg chg="add del mod modGraphic">
-          <ac:chgData name="Ender Merlin" userId="b6c700318fa50b6b" providerId="LiveId" clId="{7C58C18B-0A27-44B7-9B45-AA675080F6E7}" dt="2021-12-02T07:57:27.773" v="401"/>
-          <ac:graphicFrameMkLst>
-            <pc:docMk/>
-            <pc:sldMk cId="2237529051" sldId="260"/>
-            <ac:graphicFrameMk id="14" creationId="{6EADD29D-B97E-420C-B995-90BAF13CC3DB}"/>
-          </ac:graphicFrameMkLst>
-        </pc:graphicFrameChg>
-        <pc:graphicFrameChg chg="add del mod">
-          <ac:chgData name="Ender Merlin" userId="b6c700318fa50b6b" providerId="LiveId" clId="{7C58C18B-0A27-44B7-9B45-AA675080F6E7}" dt="2021-12-02T08:06:16.149" v="526" actId="21"/>
-          <ac:graphicFrameMkLst>
-            <pc:docMk/>
-            <pc:sldMk cId="2237529051" sldId="260"/>
-            <ac:graphicFrameMk id="31" creationId="{88A9F251-3A22-4B38-8AEA-2AE975878FC3}"/>
-          </ac:graphicFrameMkLst>
-        </pc:graphicFrameChg>
-        <pc:graphicFrameChg chg="add mod">
-          <ac:chgData name="Ender Merlin" userId="b6c700318fa50b6b" providerId="LiveId" clId="{7C58C18B-0A27-44B7-9B45-AA675080F6E7}" dt="2021-12-02T08:06:28.947" v="532" actId="14100"/>
+        <pc:graphicFrameChg chg="mod">
+          <ac:chgData name="Ender Merlin" userId="b6c700318fa50b6b" providerId="LiveId" clId="{8BCBCECC-AEE1-419B-916B-999E3489D6C8}" dt="2021-12-02T18:10:26.600" v="11" actId="1076"/>
           <ac:graphicFrameMkLst>
             <pc:docMk/>
             <pc:sldMk cId="2237529051" sldId="260"/>
             <ac:graphicFrameMk id="32" creationId="{D8FBB47F-CEB5-46FE-AB3E-DFF6EDBE7D06}"/>
           </ac:graphicFrameMkLst>
         </pc:graphicFrameChg>
-        <pc:picChg chg="add mod">
-          <ac:chgData name="Ender Merlin" userId="b6c700318fa50b6b" providerId="LiveId" clId="{7C58C18B-0A27-44B7-9B45-AA675080F6E7}" dt="2021-12-02T08:04:17.692" v="504" actId="1076"/>
-          <ac:picMkLst>
-            <pc:docMk/>
-            <pc:sldMk cId="2237529051" sldId="260"/>
-            <ac:picMk id="7" creationId="{5440E81D-3600-4443-A68D-8A2229693E65}"/>
-          </ac:picMkLst>
-        </pc:picChg>
-        <pc:picChg chg="add del mod">
-          <ac:chgData name="Ender Merlin" userId="b6c700318fa50b6b" providerId="LiveId" clId="{7C58C18B-0A27-44B7-9B45-AA675080F6E7}" dt="2021-12-02T08:02:22" v="483" actId="21"/>
-          <ac:picMkLst>
-            <pc:docMk/>
-            <pc:sldMk cId="2237529051" sldId="260"/>
-            <ac:picMk id="12" creationId="{18315C48-0EE1-4A7B-AE41-69A518C1F516}"/>
-          </ac:picMkLst>
-        </pc:picChg>
-        <pc:picChg chg="add del">
-          <ac:chgData name="Ender Merlin" userId="b6c700318fa50b6b" providerId="LiveId" clId="{7C58C18B-0A27-44B7-9B45-AA675080F6E7}" dt="2021-12-02T07:57:37.792" v="403" actId="22"/>
-          <ac:picMkLst>
-            <pc:docMk/>
-            <pc:sldMk cId="2237529051" sldId="260"/>
-            <ac:picMk id="16" creationId="{0F2F0595-52B3-4CE9-9336-0CAD7C5B45D4}"/>
-          </ac:picMkLst>
-        </pc:picChg>
-        <pc:picChg chg="add mod">
-          <ac:chgData name="Ender Merlin" userId="b6c700318fa50b6b" providerId="LiveId" clId="{7C58C18B-0A27-44B7-9B45-AA675080F6E7}" dt="2021-12-02T08:02:58.578" v="492" actId="1076"/>
-          <ac:picMkLst>
-            <pc:docMk/>
-            <pc:sldMk cId="2237529051" sldId="260"/>
-            <ac:picMk id="18" creationId="{1A356D30-71CF-402E-B8ED-D27A0D1AC0BF}"/>
-          </ac:picMkLst>
-        </pc:picChg>
-        <pc:picChg chg="add mod">
-          <ac:chgData name="Ender Merlin" userId="b6c700318fa50b6b" providerId="LiveId" clId="{7C58C18B-0A27-44B7-9B45-AA675080F6E7}" dt="2021-12-02T08:02:58.578" v="492" actId="1076"/>
-          <ac:picMkLst>
-            <pc:docMk/>
-            <pc:sldMk cId="2237529051" sldId="260"/>
-            <ac:picMk id="20" creationId="{EDBB3302-297F-4093-9C08-93501E6A15E5}"/>
-          </ac:picMkLst>
-        </pc:picChg>
-        <pc:picChg chg="add del mod">
-          <ac:chgData name="Ender Merlin" userId="b6c700318fa50b6b" providerId="LiveId" clId="{7C58C18B-0A27-44B7-9B45-AA675080F6E7}" dt="2021-12-02T08:00:30.947" v="445" actId="478"/>
-          <ac:picMkLst>
-            <pc:docMk/>
-            <pc:sldMk cId="2237529051" sldId="260"/>
-            <ac:picMk id="22" creationId="{9976B596-8A33-4143-A097-9C4D5FC4FD60}"/>
-          </ac:picMkLst>
-        </pc:picChg>
-        <pc:picChg chg="add del mod">
-          <ac:chgData name="Ender Merlin" userId="b6c700318fa50b6b" providerId="LiveId" clId="{7C58C18B-0A27-44B7-9B45-AA675080F6E7}" dt="2021-12-02T08:00:21.338" v="436"/>
-          <ac:picMkLst>
-            <pc:docMk/>
-            <pc:sldMk cId="2237529051" sldId="260"/>
-            <ac:picMk id="23" creationId="{C842A050-6BD7-4BA8-ADB8-C82F87A77D64}"/>
-          </ac:picMkLst>
-        </pc:picChg>
-        <pc:picChg chg="add del mod">
-          <ac:chgData name="Ender Merlin" userId="b6c700318fa50b6b" providerId="LiveId" clId="{7C58C18B-0A27-44B7-9B45-AA675080F6E7}" dt="2021-12-02T08:00:20.730" v="434"/>
-          <ac:picMkLst>
-            <pc:docMk/>
-            <pc:sldMk cId="2237529051" sldId="260"/>
-            <ac:picMk id="24" creationId="{C533521D-F680-49E5-B7CB-0F537FDA1CFF}"/>
-          </ac:picMkLst>
-        </pc:picChg>
-        <pc:picChg chg="add mod">
-          <ac:chgData name="Ender Merlin" userId="b6c700318fa50b6b" providerId="LiveId" clId="{7C58C18B-0A27-44B7-9B45-AA675080F6E7}" dt="2021-12-02T08:04:31.609" v="506" actId="1076"/>
+        <pc:picChg chg="mod">
+          <ac:chgData name="Ender Merlin" userId="b6c700318fa50b6b" providerId="LiveId" clId="{8BCBCECC-AEE1-419B-916B-999E3489D6C8}" dt="2021-12-02T18:09:51.046" v="3" actId="1076"/>
           <ac:picMkLst>
             <pc:docMk/>
             <pc:sldMk cId="2237529051" sldId="260"/>
@@ -673,1046 +194,19 @@
           </ac:picMkLst>
         </pc:picChg>
       </pc:sldChg>
-      <pc:sldChg chg="addSp delSp modSp mod modAnim">
-        <pc:chgData name="Ender Merlin" userId="b6c700318fa50b6b" providerId="LiveId" clId="{7C58C18B-0A27-44B7-9B45-AA675080F6E7}" dt="2021-12-02T08:35:29.488" v="823"/>
+      <pc:sldChg chg="modNotesTx">
+        <pc:chgData name="Ender Merlin" userId="b6c700318fa50b6b" providerId="LiveId" clId="{8BCBCECC-AEE1-419B-916B-999E3489D6C8}" dt="2021-12-02T18:14:41.610" v="231" actId="20577"/>
         <pc:sldMkLst>
           <pc:docMk/>
           <pc:sldMk cId="2229930519" sldId="264"/>
         </pc:sldMkLst>
-        <pc:spChg chg="mod">
-          <ac:chgData name="Ender Merlin" userId="b6c700318fa50b6b" providerId="LiveId" clId="{7C58C18B-0A27-44B7-9B45-AA675080F6E7}" dt="2021-12-02T08:17:05.700" v="627" actId="1076"/>
-          <ac:spMkLst>
-            <pc:docMk/>
-            <pc:sldMk cId="2229930519" sldId="264"/>
-            <ac:spMk id="2" creationId="{3EEB4CF8-24FA-E346-803C-13F76BFB4B96}"/>
-          </ac:spMkLst>
-        </pc:spChg>
-        <pc:spChg chg="mod">
-          <ac:chgData name="Ender Merlin" userId="b6c700318fa50b6b" providerId="LiveId" clId="{7C58C18B-0A27-44B7-9B45-AA675080F6E7}" dt="2021-12-02T08:28:26.546" v="769" actId="20577"/>
-          <ac:spMkLst>
-            <pc:docMk/>
-            <pc:sldMk cId="2229930519" sldId="264"/>
-            <ac:spMk id="3" creationId="{40AF4B88-7E41-0940-A3CB-219830E08A6F}"/>
-          </ac:spMkLst>
-        </pc:spChg>
-        <pc:spChg chg="mod">
-          <ac:chgData name="Ender Merlin" userId="b6c700318fa50b6b" providerId="LiveId" clId="{7C58C18B-0A27-44B7-9B45-AA675080F6E7}" dt="2021-12-02T08:16:43.899" v="614" actId="1076"/>
-          <ac:spMkLst>
-            <pc:docMk/>
-            <pc:sldMk cId="2229930519" sldId="264"/>
-            <ac:spMk id="5" creationId="{948BDBF9-84B5-244E-9747-F3C21B6EE211}"/>
-          </ac:spMkLst>
-        </pc:spChg>
-        <pc:spChg chg="add mod">
-          <ac:chgData name="Ender Merlin" userId="b6c700318fa50b6b" providerId="LiveId" clId="{7C58C18B-0A27-44B7-9B45-AA675080F6E7}" dt="2021-12-02T08:17:44.878" v="633" actId="1076"/>
-          <ac:spMkLst>
-            <pc:docMk/>
-            <pc:sldMk cId="2229930519" sldId="264"/>
-            <ac:spMk id="6" creationId="{BEBEC022-13E2-45CD-9682-DCF411AD54A5}"/>
-          </ac:spMkLst>
-        </pc:spChg>
-        <pc:spChg chg="add mod">
-          <ac:chgData name="Ender Merlin" userId="b6c700318fa50b6b" providerId="LiveId" clId="{7C58C18B-0A27-44B7-9B45-AA675080F6E7}" dt="2021-12-02T08:26:51.936" v="751" actId="20577"/>
-          <ac:spMkLst>
-            <pc:docMk/>
-            <pc:sldMk cId="2229930519" sldId="264"/>
-            <ac:spMk id="7" creationId="{E901C20A-D4DE-49C2-9C9B-8827598BEE75}"/>
-          </ac:spMkLst>
-        </pc:spChg>
-        <pc:spChg chg="add del mod">
-          <ac:chgData name="Ender Merlin" userId="b6c700318fa50b6b" providerId="LiveId" clId="{7C58C18B-0A27-44B7-9B45-AA675080F6E7}" dt="2021-12-02T08:26:10.018" v="743" actId="478"/>
-          <ac:spMkLst>
-            <pc:docMk/>
-            <pc:sldMk cId="2229930519" sldId="264"/>
-            <ac:spMk id="18" creationId="{74EA0AFF-A72D-42BC-88E3-0510DAFFC25C}"/>
-          </ac:spMkLst>
-        </pc:spChg>
-        <pc:graphicFrameChg chg="add mod">
-          <ac:chgData name="Ender Merlin" userId="b6c700318fa50b6b" providerId="LiveId" clId="{7C58C18B-0A27-44B7-9B45-AA675080F6E7}" dt="2021-12-02T08:23:39.076" v="690" actId="1076"/>
-          <ac:graphicFrameMkLst>
-            <pc:docMk/>
-            <pc:sldMk cId="2229930519" sldId="264"/>
-            <ac:graphicFrameMk id="13" creationId="{46811B3E-0C26-44A2-8C0C-DC6754CEC712}"/>
-          </ac:graphicFrameMkLst>
-        </pc:graphicFrameChg>
-        <pc:picChg chg="add del mod">
-          <ac:chgData name="Ender Merlin" userId="b6c700318fa50b6b" providerId="LiveId" clId="{7C58C18B-0A27-44B7-9B45-AA675080F6E7}" dt="2021-12-02T07:32:33.201" v="302" actId="478"/>
-          <ac:picMkLst>
-            <pc:docMk/>
-            <pc:sldMk cId="2229930519" sldId="264"/>
-            <ac:picMk id="7" creationId="{213E712B-5F17-4401-A572-1EB333FBB935}"/>
-          </ac:picMkLst>
-        </pc:picChg>
-        <pc:picChg chg="add del mod">
-          <ac:chgData name="Ender Merlin" userId="b6c700318fa50b6b" providerId="LiveId" clId="{7C58C18B-0A27-44B7-9B45-AA675080F6E7}" dt="2021-12-02T07:05:20.963" v="5" actId="21"/>
-          <ac:picMkLst>
-            <pc:docMk/>
-            <pc:sldMk cId="2229930519" sldId="264"/>
-            <ac:picMk id="9" creationId="{50A3C140-2B11-42BD-A4E2-D3E19DCF0040}"/>
-          </ac:picMkLst>
-        </pc:picChg>
-        <pc:picChg chg="add del mod">
-          <ac:chgData name="Ender Merlin" userId="b6c700318fa50b6b" providerId="LiveId" clId="{7C58C18B-0A27-44B7-9B45-AA675080F6E7}" dt="2021-12-02T08:20:15.579" v="647" actId="931"/>
-          <ac:picMkLst>
-            <pc:docMk/>
-            <pc:sldMk cId="2229930519" sldId="264"/>
-            <ac:picMk id="9" creationId="{8E514F90-D1CC-4AAC-9B9D-2E79FFB742E5}"/>
-          </ac:picMkLst>
-        </pc:picChg>
-        <pc:picChg chg="add mod">
-          <ac:chgData name="Ender Merlin" userId="b6c700318fa50b6b" providerId="LiveId" clId="{7C58C18B-0A27-44B7-9B45-AA675080F6E7}" dt="2021-12-02T08:23:21.037" v="686" actId="1076"/>
-          <ac:picMkLst>
-            <pc:docMk/>
-            <pc:sldMk cId="2229930519" sldId="264"/>
-            <ac:picMk id="10" creationId="{FF063A98-42D7-46A3-AE46-1E8F42468868}"/>
-          </ac:picMkLst>
-        </pc:picChg>
-        <pc:picChg chg="add mod modCrop">
-          <ac:chgData name="Ender Merlin" userId="b6c700318fa50b6b" providerId="LiveId" clId="{7C58C18B-0A27-44B7-9B45-AA675080F6E7}" dt="2021-12-02T08:23:39.076" v="690" actId="1076"/>
-          <ac:picMkLst>
-            <pc:docMk/>
-            <pc:sldMk cId="2229930519" sldId="264"/>
-            <ac:picMk id="11" creationId="{63660C99-122B-44DE-81CE-AAE52034BCED}"/>
-          </ac:picMkLst>
-        </pc:picChg>
-        <pc:picChg chg="add mod ord">
-          <ac:chgData name="Ender Merlin" userId="b6c700318fa50b6b" providerId="LiveId" clId="{7C58C18B-0A27-44B7-9B45-AA675080F6E7}" dt="2021-12-02T08:23:39.076" v="690" actId="1076"/>
-          <ac:picMkLst>
-            <pc:docMk/>
-            <pc:sldMk cId="2229930519" sldId="264"/>
-            <ac:picMk id="12" creationId="{2D6D09B7-81D0-4849-9177-1596D3904610}"/>
-          </ac:picMkLst>
-        </pc:picChg>
-        <pc:picChg chg="add mod">
-          <ac:chgData name="Ender Merlin" userId="b6c700318fa50b6b" providerId="LiveId" clId="{7C58C18B-0A27-44B7-9B45-AA675080F6E7}" dt="2021-12-02T08:23:20.744" v="685" actId="1076"/>
-          <ac:picMkLst>
-            <pc:docMk/>
-            <pc:sldMk cId="2229930519" sldId="264"/>
-            <ac:picMk id="14" creationId="{26E8D2CA-C967-445F-86C5-8057CBA1208A}"/>
-          </ac:picMkLst>
-        </pc:picChg>
-        <pc:picChg chg="add mod">
-          <ac:chgData name="Ender Merlin" userId="b6c700318fa50b6b" providerId="LiveId" clId="{7C58C18B-0A27-44B7-9B45-AA675080F6E7}" dt="2021-12-02T08:24:05.412" v="700" actId="1076"/>
-          <ac:picMkLst>
-            <pc:docMk/>
-            <pc:sldMk cId="2229930519" sldId="264"/>
-            <ac:picMk id="15" creationId="{D5D424E1-5101-4A72-B6BC-B189CCAA7503}"/>
-          </ac:picMkLst>
-        </pc:picChg>
-        <pc:picChg chg="add mod ord">
-          <ac:chgData name="Ender Merlin" userId="b6c700318fa50b6b" providerId="LiveId" clId="{7C58C18B-0A27-44B7-9B45-AA675080F6E7}" dt="2021-12-02T08:26:40.877" v="747" actId="1076"/>
-          <ac:picMkLst>
-            <pc:docMk/>
-            <pc:sldMk cId="2229930519" sldId="264"/>
-            <ac:picMk id="16" creationId="{7CDF5E5E-22F2-41BC-BFD3-20ACF675268C}"/>
-          </ac:picMkLst>
-        </pc:picChg>
-        <pc:picChg chg="add mod">
-          <ac:chgData name="Ender Merlin" userId="b6c700318fa50b6b" providerId="LiveId" clId="{7C58C18B-0A27-44B7-9B45-AA675080F6E7}" dt="2021-12-02T08:26:47.266" v="748" actId="1076"/>
-          <ac:picMkLst>
-            <pc:docMk/>
-            <pc:sldMk cId="2229930519" sldId="264"/>
-            <ac:picMk id="17" creationId="{DD96755A-50BB-4E63-96D7-247F933EE9D6}"/>
-          </ac:picMkLst>
-        </pc:picChg>
-        <pc:picChg chg="add mod">
-          <ac:chgData name="Ender Merlin" userId="b6c700318fa50b6b" providerId="LiveId" clId="{7C58C18B-0A27-44B7-9B45-AA675080F6E7}" dt="2021-12-02T08:26:40.877" v="747" actId="1076"/>
-          <ac:picMkLst>
-            <pc:docMk/>
-            <pc:sldMk cId="2229930519" sldId="264"/>
-            <ac:picMk id="20" creationId="{42CE1669-8DBB-410F-8B90-D67A37BA90A7}"/>
-          </ac:picMkLst>
-        </pc:picChg>
-        <pc:picChg chg="add mod">
-          <ac:chgData name="Ender Merlin" userId="b6c700318fa50b6b" providerId="LiveId" clId="{7C58C18B-0A27-44B7-9B45-AA675080F6E7}" dt="2021-12-02T08:26:47.266" v="748" actId="1076"/>
-          <ac:picMkLst>
-            <pc:docMk/>
-            <pc:sldMk cId="2229930519" sldId="264"/>
-            <ac:picMk id="22" creationId="{B6B8F1E0-7244-4A83-93E3-EAC22D9363AB}"/>
-          </ac:picMkLst>
-        </pc:picChg>
       </pc:sldChg>
-      <pc:sldChg chg="addSp delSp modSp add mod modTransition modAnim">
-        <pc:chgData name="Ender Merlin" userId="b6c700318fa50b6b" providerId="LiveId" clId="{7C58C18B-0A27-44B7-9B45-AA675080F6E7}" dt="2021-12-02T08:34:49.576" v="819"/>
+      <pc:sldChg chg="modAnim modNotesTx">
+        <pc:chgData name="Ender Merlin" userId="b6c700318fa50b6b" providerId="LiveId" clId="{8BCBCECC-AEE1-419B-916B-999E3489D6C8}" dt="2021-12-02T18:16:23.420" v="302" actId="20577"/>
         <pc:sldMkLst>
           <pc:docMk/>
-          <pc:sldMk cId="2043457189" sldId="271"/>
+          <pc:sldMk cId="2034480571" sldId="269"/>
         </pc:sldMkLst>
-        <pc:spChg chg="mod">
-          <ac:chgData name="Ender Merlin" userId="b6c700318fa50b6b" providerId="LiveId" clId="{7C58C18B-0A27-44B7-9B45-AA675080F6E7}" dt="2021-12-02T08:33:42.877" v="797" actId="1076"/>
-          <ac:spMkLst>
-            <pc:docMk/>
-            <pc:sldMk cId="2043457189" sldId="271"/>
-            <ac:spMk id="2" creationId="{CA602554-BCBF-044C-9749-B37622C4E913}"/>
-          </ac:spMkLst>
-        </pc:spChg>
-        <pc:spChg chg="mod">
-          <ac:chgData name="Ender Merlin" userId="b6c700318fa50b6b" providerId="LiveId" clId="{7C58C18B-0A27-44B7-9B45-AA675080F6E7}" dt="2021-12-02T08:33:47.493" v="798" actId="1076"/>
-          <ac:spMkLst>
-            <pc:docMk/>
-            <pc:sldMk cId="2043457189" sldId="271"/>
-            <ac:spMk id="16" creationId="{666A4CFE-E5F3-407C-AEBD-EBD7310491F9}"/>
-          </ac:spMkLst>
-        </pc:spChg>
-        <pc:picChg chg="del">
-          <ac:chgData name="Ender Merlin" userId="b6c700318fa50b6b" providerId="LiveId" clId="{7C58C18B-0A27-44B7-9B45-AA675080F6E7}" dt="2021-12-02T08:32:05.918" v="787" actId="478"/>
-          <ac:picMkLst>
-            <pc:docMk/>
-            <pc:sldMk cId="2043457189" sldId="271"/>
-            <ac:picMk id="12" creationId="{7982447E-A225-4405-89DA-52EB8CAE2C70}"/>
-          </ac:picMkLst>
-        </pc:picChg>
-        <pc:picChg chg="add mod">
-          <ac:chgData name="Ender Merlin" userId="b6c700318fa50b6b" providerId="LiveId" clId="{7C58C18B-0A27-44B7-9B45-AA675080F6E7}" dt="2021-12-02T08:33:47.493" v="798" actId="1076"/>
-          <ac:picMkLst>
-            <pc:docMk/>
-            <pc:sldMk cId="2043457189" sldId="271"/>
-            <ac:picMk id="14" creationId="{DC4A6BB0-C278-46FE-ADD8-87DE2D3EC8AD}"/>
-          </ac:picMkLst>
-        </pc:picChg>
-        <pc:picChg chg="add mod">
-          <ac:chgData name="Ender Merlin" userId="b6c700318fa50b6b" providerId="LiveId" clId="{7C58C18B-0A27-44B7-9B45-AA675080F6E7}" dt="2021-12-02T08:33:47.493" v="798" actId="1076"/>
-          <ac:picMkLst>
-            <pc:docMk/>
-            <pc:sldMk cId="2043457189" sldId="271"/>
-            <ac:picMk id="15" creationId="{9172CF7B-505C-4553-B013-C8323DB84F19}"/>
-          </ac:picMkLst>
-        </pc:picChg>
-      </pc:sldChg>
-    </pc:docChg>
-  </pc:docChgLst>
-  <pc:docChgLst>
-    <pc:chgData name="Antonia ..." userId="df27490986ae0560" providerId="LiveId" clId="{D321EB78-646E-7546-8478-D5F05974E81C}"/>
-    <pc:docChg chg="undo custSel addSld delSld modSld">
-      <pc:chgData name="Antonia ..." userId="df27490986ae0560" providerId="LiveId" clId="{D321EB78-646E-7546-8478-D5F05974E81C}" dt="2021-12-02T16:25:38.441" v="1843" actId="207"/>
-      <pc:docMkLst>
-        <pc:docMk/>
-      </pc:docMkLst>
-      <pc:sldChg chg="modNotesTx">
-        <pc:chgData name="Antonia ..." userId="df27490986ae0560" providerId="LiveId" clId="{D321EB78-646E-7546-8478-D5F05974E81C}" dt="2021-12-02T14:33:44.148" v="1409" actId="20577"/>
-        <pc:sldMkLst>
-          <pc:docMk/>
-          <pc:sldMk cId="800652924" sldId="258"/>
-        </pc:sldMkLst>
-      </pc:sldChg>
-      <pc:sldChg chg="modSp mod">
-        <pc:chgData name="Antonia ..." userId="df27490986ae0560" providerId="LiveId" clId="{D321EB78-646E-7546-8478-D5F05974E81C}" dt="2021-12-02T14:43:24.101" v="1418" actId="20577"/>
-        <pc:sldMkLst>
-          <pc:docMk/>
-          <pc:sldMk cId="2237529051" sldId="260"/>
-        </pc:sldMkLst>
-        <pc:spChg chg="mod">
-          <ac:chgData name="Antonia ..." userId="df27490986ae0560" providerId="LiveId" clId="{D321EB78-646E-7546-8478-D5F05974E81C}" dt="2021-12-01T16:09:26.826" v="41" actId="20577"/>
-          <ac:spMkLst>
-            <pc:docMk/>
-            <pc:sldMk cId="2237529051" sldId="260"/>
-            <ac:spMk id="2" creationId="{822227DC-CFFD-5145-A3E5-B71A5DCEBC4F}"/>
-          </ac:spMkLst>
-        </pc:spChg>
-        <pc:spChg chg="mod">
-          <ac:chgData name="Antonia ..." userId="df27490986ae0560" providerId="LiveId" clId="{D321EB78-646E-7546-8478-D5F05974E81C}" dt="2021-12-01T16:10:15.713" v="229" actId="20577"/>
-          <ac:spMkLst>
-            <pc:docMk/>
-            <pc:sldMk cId="2237529051" sldId="260"/>
-            <ac:spMk id="3" creationId="{4342BC06-8266-114E-837E-8D2DC729DDA3}"/>
-          </ac:spMkLst>
-        </pc:spChg>
-        <pc:spChg chg="mod">
-          <ac:chgData name="Antonia ..." userId="df27490986ae0560" providerId="LiveId" clId="{D321EB78-646E-7546-8478-D5F05974E81C}" dt="2021-12-02T14:43:24.101" v="1418" actId="20577"/>
-          <ac:spMkLst>
-            <pc:docMk/>
-            <pc:sldMk cId="2237529051" sldId="260"/>
-            <ac:spMk id="27" creationId="{A443DA9C-9647-40DE-AC5D-7CEF9BCF94BB}"/>
-          </ac:spMkLst>
-        </pc:spChg>
-      </pc:sldChg>
-      <pc:sldChg chg="modNotesTx">
-        <pc:chgData name="Antonia ..." userId="df27490986ae0560" providerId="LiveId" clId="{D321EB78-646E-7546-8478-D5F05974E81C}" dt="2021-12-02T14:49:21.489" v="1421" actId="20577"/>
-        <pc:sldMkLst>
-          <pc:docMk/>
-          <pc:sldMk cId="464097652" sldId="261"/>
-        </pc:sldMkLst>
-      </pc:sldChg>
-      <pc:sldChg chg="addSp delSp modSp mod">
-        <pc:chgData name="Antonia ..." userId="df27490986ae0560" providerId="LiveId" clId="{D321EB78-646E-7546-8478-D5F05974E81C}" dt="2021-12-02T16:25:38.441" v="1843" actId="207"/>
-        <pc:sldMkLst>
-          <pc:docMk/>
-          <pc:sldMk cId="1634240290" sldId="262"/>
-        </pc:sldMkLst>
-        <pc:spChg chg="mod">
-          <ac:chgData name="Antonia ..." userId="df27490986ae0560" providerId="LiveId" clId="{D321EB78-646E-7546-8478-D5F05974E81C}" dt="2021-12-01T16:11:54.600" v="426" actId="20577"/>
-          <ac:spMkLst>
-            <pc:docMk/>
-            <pc:sldMk cId="1634240290" sldId="262"/>
-            <ac:spMk id="2" creationId="{CE9A98DF-6756-BA44-98B3-C02810FFD835}"/>
-          </ac:spMkLst>
-        </pc:spChg>
-        <pc:spChg chg="mod">
-          <ac:chgData name="Antonia ..." userId="df27490986ae0560" providerId="LiveId" clId="{D321EB78-646E-7546-8478-D5F05974E81C}" dt="2021-12-01T16:12:21.604" v="490" actId="20577"/>
-          <ac:spMkLst>
-            <pc:docMk/>
-            <pc:sldMk cId="1634240290" sldId="262"/>
-            <ac:spMk id="3" creationId="{1B0751E5-F111-2642-BB0C-F037C2D3D85B}"/>
-          </ac:spMkLst>
-        </pc:spChg>
-        <pc:spChg chg="add del mod">
-          <ac:chgData name="Antonia ..." userId="df27490986ae0560" providerId="LiveId" clId="{D321EB78-646E-7546-8478-D5F05974E81C}" dt="2021-12-02T16:19:35.843" v="1814"/>
-          <ac:spMkLst>
-            <pc:docMk/>
-            <pc:sldMk cId="1634240290" sldId="262"/>
-            <ac:spMk id="35" creationId="{3C0020D1-2E34-BF42-A2D3-BD35D0B6C098}"/>
-          </ac:spMkLst>
-        </pc:spChg>
-        <pc:picChg chg="add mod">
-          <ac:chgData name="Antonia ..." userId="df27490986ae0560" providerId="LiveId" clId="{D321EB78-646E-7546-8478-D5F05974E81C}" dt="2021-12-02T16:20:20.130" v="1818" actId="207"/>
-          <ac:picMkLst>
-            <pc:docMk/>
-            <pc:sldMk cId="1634240290" sldId="262"/>
-            <ac:picMk id="7" creationId="{BAB3E966-033B-2347-9583-D253EE679549}"/>
-          </ac:picMkLst>
-        </pc:picChg>
-        <pc:picChg chg="add mod">
-          <ac:chgData name="Antonia ..." userId="df27490986ae0560" providerId="LiveId" clId="{D321EB78-646E-7546-8478-D5F05974E81C}" dt="2021-12-02T16:20:40.849" v="1821" actId="207"/>
-          <ac:picMkLst>
-            <pc:docMk/>
-            <pc:sldMk cId="1634240290" sldId="262"/>
-            <ac:picMk id="8" creationId="{8E151B18-9FAF-174A-A36C-79017FB6F489}"/>
-          </ac:picMkLst>
-        </pc:picChg>
-        <pc:picChg chg="add mod">
-          <ac:chgData name="Antonia ..." userId="df27490986ae0560" providerId="LiveId" clId="{D321EB78-646E-7546-8478-D5F05974E81C}" dt="2021-12-02T16:20:53.015" v="1824" actId="207"/>
-          <ac:picMkLst>
-            <pc:docMk/>
-            <pc:sldMk cId="1634240290" sldId="262"/>
-            <ac:picMk id="9" creationId="{574FD98F-0460-0943-A2E5-892C0FD6EE30}"/>
-          </ac:picMkLst>
-        </pc:picChg>
-        <pc:picChg chg="add mod">
-          <ac:chgData name="Antonia ..." userId="df27490986ae0560" providerId="LiveId" clId="{D321EB78-646E-7546-8478-D5F05974E81C}" dt="2021-12-02T16:21:00.465" v="1825" actId="207"/>
-          <ac:picMkLst>
-            <pc:docMk/>
-            <pc:sldMk cId="1634240290" sldId="262"/>
-            <ac:picMk id="10" creationId="{B285CBB1-3A2D-044B-8F82-6CCCF1AA3683}"/>
-          </ac:picMkLst>
-        </pc:picChg>
-        <pc:picChg chg="add mod">
-          <ac:chgData name="Antonia ..." userId="df27490986ae0560" providerId="LiveId" clId="{D321EB78-646E-7546-8478-D5F05974E81C}" dt="2021-12-02T16:15:31.323" v="1763" actId="1076"/>
-          <ac:picMkLst>
-            <pc:docMk/>
-            <pc:sldMk cId="1634240290" sldId="262"/>
-            <ac:picMk id="11" creationId="{D3726FFF-2A07-2B48-9B3A-72BC08FE3DEE}"/>
-          </ac:picMkLst>
-        </pc:picChg>
-        <pc:picChg chg="add del mod">
-          <ac:chgData name="Antonia ..." userId="df27490986ae0560" providerId="LiveId" clId="{D321EB78-646E-7546-8478-D5F05974E81C}" dt="2021-12-02T16:18:58.788" v="1801" actId="21"/>
-          <ac:picMkLst>
-            <pc:docMk/>
-            <pc:sldMk cId="1634240290" sldId="262"/>
-            <ac:picMk id="13" creationId="{09C76CFD-10DC-864D-AF8C-BF5DBC3DA849}"/>
-          </ac:picMkLst>
-        </pc:picChg>
-        <pc:picChg chg="add del mod">
-          <ac:chgData name="Antonia ..." userId="df27490986ae0560" providerId="LiveId" clId="{D321EB78-646E-7546-8478-D5F05974E81C}" dt="2021-12-02T16:16:23.999" v="1766" actId="21"/>
-          <ac:picMkLst>
-            <pc:docMk/>
-            <pc:sldMk cId="1634240290" sldId="262"/>
-            <ac:picMk id="15" creationId="{4F922491-A79F-3F4A-8185-082571662749}"/>
-          </ac:picMkLst>
-        </pc:picChg>
-        <pc:picChg chg="add del mod">
-          <ac:chgData name="Antonia ..." userId="df27490986ae0560" providerId="LiveId" clId="{D321EB78-646E-7546-8478-D5F05974E81C}" dt="2021-12-02T16:20:20.130" v="1818" actId="207"/>
-          <ac:picMkLst>
-            <pc:docMk/>
-            <pc:sldMk cId="1634240290" sldId="262"/>
-            <ac:picMk id="16" creationId="{7FB110AD-048D-E844-846D-45EF0DC406C0}"/>
-          </ac:picMkLst>
-        </pc:picChg>
-        <pc:picChg chg="add del mod">
-          <ac:chgData name="Antonia ..." userId="df27490986ae0560" providerId="LiveId" clId="{D321EB78-646E-7546-8478-D5F05974E81C}" dt="2021-12-02T16:20:40.849" v="1821" actId="207"/>
-          <ac:picMkLst>
-            <pc:docMk/>
-            <pc:sldMk cId="1634240290" sldId="262"/>
-            <ac:picMk id="17" creationId="{784DF980-6AEF-574D-B8EA-6D1909B7CFC6}"/>
-          </ac:picMkLst>
-        </pc:picChg>
-        <pc:picChg chg="add del mod">
-          <ac:chgData name="Antonia ..." userId="df27490986ae0560" providerId="LiveId" clId="{D321EB78-646E-7546-8478-D5F05974E81C}" dt="2021-12-02T16:20:53.015" v="1824" actId="207"/>
-          <ac:picMkLst>
-            <pc:docMk/>
-            <pc:sldMk cId="1634240290" sldId="262"/>
-            <ac:picMk id="18" creationId="{D363C39D-FF9B-0F4C-ADF4-52DC580B8F05}"/>
-          </ac:picMkLst>
-        </pc:picChg>
-        <pc:picChg chg="add del mod">
-          <ac:chgData name="Antonia ..." userId="df27490986ae0560" providerId="LiveId" clId="{D321EB78-646E-7546-8478-D5F05974E81C}" dt="2021-12-02T16:21:00.465" v="1825" actId="207"/>
-          <ac:picMkLst>
-            <pc:docMk/>
-            <pc:sldMk cId="1634240290" sldId="262"/>
-            <ac:picMk id="19" creationId="{06693A05-27CC-6F4B-B353-FAB6BB180F03}"/>
-          </ac:picMkLst>
-        </pc:picChg>
-        <pc:picChg chg="add del mod">
-          <ac:chgData name="Antonia ..." userId="df27490986ae0560" providerId="LiveId" clId="{D321EB78-646E-7546-8478-D5F05974E81C}" dt="2021-12-02T16:17:40.770" v="1778" actId="21"/>
-          <ac:picMkLst>
-            <pc:docMk/>
-            <pc:sldMk cId="1634240290" sldId="262"/>
-            <ac:picMk id="21" creationId="{BF6BBE84-1E8C-1241-86E0-803B7903B65D}"/>
-          </ac:picMkLst>
-        </pc:picChg>
-        <pc:picChg chg="add del mod">
-          <ac:chgData name="Antonia ..." userId="df27490986ae0560" providerId="LiveId" clId="{D321EB78-646E-7546-8478-D5F05974E81C}" dt="2021-12-02T16:19:01.213" v="1806" actId="931"/>
-          <ac:picMkLst>
-            <pc:docMk/>
-            <pc:sldMk cId="1634240290" sldId="262"/>
-            <ac:picMk id="23" creationId="{007FE519-AD9C-8F4A-AA1B-05ACDD78E9F4}"/>
-          </ac:picMkLst>
-        </pc:picChg>
-        <pc:picChg chg="add del mod">
-          <ac:chgData name="Antonia ..." userId="df27490986ae0560" providerId="LiveId" clId="{D321EB78-646E-7546-8478-D5F05974E81C}" dt="2021-12-02T16:18:58.598" v="1800"/>
-          <ac:picMkLst>
-            <pc:docMk/>
-            <pc:sldMk cId="1634240290" sldId="262"/>
-            <ac:picMk id="24" creationId="{8F2C2C7B-0599-C44D-AAC3-29930677FC77}"/>
-          </ac:picMkLst>
-        </pc:picChg>
-        <pc:picChg chg="add del mod">
-          <ac:chgData name="Antonia ..." userId="df27490986ae0560" providerId="LiveId" clId="{D321EB78-646E-7546-8478-D5F05974E81C}" dt="2021-12-02T16:18:58.226" v="1798"/>
-          <ac:picMkLst>
-            <pc:docMk/>
-            <pc:sldMk cId="1634240290" sldId="262"/>
-            <ac:picMk id="25" creationId="{42259EC1-47F5-DB42-BC61-4471DA63E426}"/>
-          </ac:picMkLst>
-        </pc:picChg>
-        <pc:picChg chg="add del mod">
-          <ac:chgData name="Antonia ..." userId="df27490986ae0560" providerId="LiveId" clId="{D321EB78-646E-7546-8478-D5F05974E81C}" dt="2021-12-02T16:18:57.901" v="1796"/>
-          <ac:picMkLst>
-            <pc:docMk/>
-            <pc:sldMk cId="1634240290" sldId="262"/>
-            <ac:picMk id="26" creationId="{AED47CCF-44CE-664B-8F6C-F0E2A66EECDA}"/>
-          </ac:picMkLst>
-        </pc:picChg>
-        <pc:picChg chg="add del mod">
-          <ac:chgData name="Antonia ..." userId="df27490986ae0560" providerId="LiveId" clId="{D321EB78-646E-7546-8478-D5F05974E81C}" dt="2021-12-02T16:18:57.486" v="1794"/>
-          <ac:picMkLst>
-            <pc:docMk/>
-            <pc:sldMk cId="1634240290" sldId="262"/>
-            <ac:picMk id="27" creationId="{19E7081F-CF90-3441-A185-D7FAFE895E1B}"/>
-          </ac:picMkLst>
-        </pc:picChg>
-        <pc:picChg chg="add mod">
-          <ac:chgData name="Antonia ..." userId="df27490986ae0560" providerId="LiveId" clId="{D321EB78-646E-7546-8478-D5F05974E81C}" dt="2021-12-02T16:19:43.973" v="1815" actId="1076"/>
-          <ac:picMkLst>
-            <pc:docMk/>
-            <pc:sldMk cId="1634240290" sldId="262"/>
-            <ac:picMk id="29" creationId="{9CD216F1-F9DA-B24B-A1D4-766210165D8A}"/>
-          </ac:picMkLst>
-        </pc:picChg>
-        <pc:picChg chg="add del mod">
-          <ac:chgData name="Antonia ..." userId="df27490986ae0560" providerId="LiveId" clId="{D321EB78-646E-7546-8478-D5F05974E81C}" dt="2021-12-02T16:21:57.498" v="1829" actId="21"/>
-          <ac:picMkLst>
-            <pc:docMk/>
-            <pc:sldMk cId="1634240290" sldId="262"/>
-            <ac:picMk id="30" creationId="{413FD0E7-809F-D641-BCCF-FD4A908A7EA5}"/>
-          </ac:picMkLst>
-        </pc:picChg>
-        <pc:picChg chg="add del mod">
-          <ac:chgData name="Antonia ..." userId="df27490986ae0560" providerId="LiveId" clId="{D321EB78-646E-7546-8478-D5F05974E81C}" dt="2021-12-02T16:21:57.498" v="1829" actId="21"/>
-          <ac:picMkLst>
-            <pc:docMk/>
-            <pc:sldMk cId="1634240290" sldId="262"/>
-            <ac:picMk id="31" creationId="{5CF9DFB6-729D-514B-BA51-2CC31F89D30A}"/>
-          </ac:picMkLst>
-        </pc:picChg>
-        <pc:picChg chg="add del mod">
-          <ac:chgData name="Antonia ..." userId="df27490986ae0560" providerId="LiveId" clId="{D321EB78-646E-7546-8478-D5F05974E81C}" dt="2021-12-02T16:21:57.498" v="1829" actId="21"/>
-          <ac:picMkLst>
-            <pc:docMk/>
-            <pc:sldMk cId="1634240290" sldId="262"/>
-            <ac:picMk id="32" creationId="{F1AECF11-E813-594D-9715-7C1DCB1C2A1B}"/>
-          </ac:picMkLst>
-        </pc:picChg>
-        <pc:picChg chg="add del mod">
-          <ac:chgData name="Antonia ..." userId="df27490986ae0560" providerId="LiveId" clId="{D321EB78-646E-7546-8478-D5F05974E81C}" dt="2021-12-02T16:21:57.498" v="1829" actId="21"/>
-          <ac:picMkLst>
-            <pc:docMk/>
-            <pc:sldMk cId="1634240290" sldId="262"/>
-            <ac:picMk id="33" creationId="{76431B01-2F83-2E49-9466-08B13C7E0143}"/>
-          </ac:picMkLst>
-        </pc:picChg>
-        <pc:picChg chg="add mod">
-          <ac:chgData name="Antonia ..." userId="df27490986ae0560" providerId="LiveId" clId="{D321EB78-646E-7546-8478-D5F05974E81C}" dt="2021-12-02T16:19:43.973" v="1815" actId="1076"/>
-          <ac:picMkLst>
-            <pc:docMk/>
-            <pc:sldMk cId="1634240290" sldId="262"/>
-            <ac:picMk id="34" creationId="{670AAFF3-352C-ED4F-9BE1-8CC78E303C3E}"/>
-          </ac:picMkLst>
-        </pc:picChg>
-        <pc:picChg chg="add mod">
-          <ac:chgData name="Antonia ..." userId="df27490986ae0560" providerId="LiveId" clId="{D321EB78-646E-7546-8478-D5F05974E81C}" dt="2021-12-02T16:25:38.441" v="1843" actId="207"/>
-          <ac:picMkLst>
-            <pc:docMk/>
-            <pc:sldMk cId="1634240290" sldId="262"/>
-            <ac:picMk id="36" creationId="{9112E940-88C2-2447-82EA-F1E16EF4EAD1}"/>
-          </ac:picMkLst>
-        </pc:picChg>
-        <pc:picChg chg="add mod">
-          <ac:chgData name="Antonia ..." userId="df27490986ae0560" providerId="LiveId" clId="{D321EB78-646E-7546-8478-D5F05974E81C}" dt="2021-12-02T16:21:45.657" v="1828" actId="1076"/>
-          <ac:picMkLst>
-            <pc:docMk/>
-            <pc:sldMk cId="1634240290" sldId="262"/>
-            <ac:picMk id="37" creationId="{643333E2-092A-3A4C-A6C8-95C487CEAA90}"/>
-          </ac:picMkLst>
-        </pc:picChg>
-        <pc:picChg chg="add mod">
-          <ac:chgData name="Antonia ..." userId="df27490986ae0560" providerId="LiveId" clId="{D321EB78-646E-7546-8478-D5F05974E81C}" dt="2021-12-02T16:21:45.657" v="1828" actId="1076"/>
-          <ac:picMkLst>
-            <pc:docMk/>
-            <pc:sldMk cId="1634240290" sldId="262"/>
-            <ac:picMk id="38" creationId="{8BEA3BB9-628C-7545-BC08-5F77374390BE}"/>
-          </ac:picMkLst>
-        </pc:picChg>
-        <pc:picChg chg="add mod">
-          <ac:chgData name="Antonia ..." userId="df27490986ae0560" providerId="LiveId" clId="{D321EB78-646E-7546-8478-D5F05974E81C}" dt="2021-12-02T16:21:45.657" v="1828" actId="1076"/>
-          <ac:picMkLst>
-            <pc:docMk/>
-            <pc:sldMk cId="1634240290" sldId="262"/>
-            <ac:picMk id="39" creationId="{7DE68589-15B7-0F4F-8E33-81D2198290DA}"/>
-          </ac:picMkLst>
-        </pc:picChg>
-        <pc:picChg chg="add mod">
-          <ac:chgData name="Antonia ..." userId="df27490986ae0560" providerId="LiveId" clId="{D321EB78-646E-7546-8478-D5F05974E81C}" dt="2021-12-02T16:21:45.657" v="1828" actId="1076"/>
-          <ac:picMkLst>
-            <pc:docMk/>
-            <pc:sldMk cId="1634240290" sldId="262"/>
-            <ac:picMk id="40" creationId="{EBECFE3F-AEDC-B946-A8C6-3BD579168711}"/>
-          </ac:picMkLst>
-        </pc:picChg>
-        <pc:picChg chg="add mod">
-          <ac:chgData name="Antonia ..." userId="df27490986ae0560" providerId="LiveId" clId="{D321EB78-646E-7546-8478-D5F05974E81C}" dt="2021-12-02T16:24:33.654" v="1838" actId="1076"/>
-          <ac:picMkLst>
-            <pc:docMk/>
-            <pc:sldMk cId="1634240290" sldId="262"/>
-            <ac:picMk id="42" creationId="{B5A9EC30-FE17-9F4A-896C-F335E7F9D5AF}"/>
-          </ac:picMkLst>
-        </pc:picChg>
-        <pc:picChg chg="add mod">
-          <ac:chgData name="Antonia ..." userId="df27490986ae0560" providerId="LiveId" clId="{D321EB78-646E-7546-8478-D5F05974E81C}" dt="2021-12-02T16:24:44.856" v="1840" actId="1076"/>
-          <ac:picMkLst>
-            <pc:docMk/>
-            <pc:sldMk cId="1634240290" sldId="262"/>
-            <ac:picMk id="43" creationId="{D8C95D81-0CF2-404B-BEAA-5194B6F31394}"/>
-          </ac:picMkLst>
-        </pc:picChg>
-      </pc:sldChg>
-      <pc:sldChg chg="addSp delSp modSp mod">
-        <pc:chgData name="Antonia ..." userId="df27490986ae0560" providerId="LiveId" clId="{D321EB78-646E-7546-8478-D5F05974E81C}" dt="2021-12-02T16:13:37.905" v="1754" actId="14100"/>
-        <pc:sldMkLst>
-          <pc:docMk/>
-          <pc:sldMk cId="1650321165" sldId="263"/>
-        </pc:sldMkLst>
-        <pc:spChg chg="del">
-          <ac:chgData name="Antonia ..." userId="df27490986ae0560" providerId="LiveId" clId="{D321EB78-646E-7546-8478-D5F05974E81C}" dt="2021-12-02T15:56:01.712" v="1518" actId="21"/>
-          <ac:spMkLst>
-            <pc:docMk/>
-            <pc:sldMk cId="1650321165" sldId="263"/>
-            <ac:spMk id="2" creationId="{05860DA3-C4F4-EF4E-BB65-F4FAECBEB050}"/>
-          </ac:spMkLst>
-        </pc:spChg>
-        <pc:spChg chg="del">
-          <ac:chgData name="Antonia ..." userId="df27490986ae0560" providerId="LiveId" clId="{D321EB78-646E-7546-8478-D5F05974E81C}" dt="2021-12-02T15:55:56.905" v="1517" actId="21"/>
-          <ac:spMkLst>
-            <pc:docMk/>
-            <pc:sldMk cId="1650321165" sldId="263"/>
-            <ac:spMk id="3" creationId="{08356BB7-71EE-C24B-B628-CD59A9BA42B9}"/>
-          </ac:spMkLst>
-        </pc:spChg>
-        <pc:spChg chg="add mod">
-          <ac:chgData name="Antonia ..." userId="df27490986ae0560" providerId="LiveId" clId="{D321EB78-646E-7546-8478-D5F05974E81C}" dt="2021-12-02T15:56:25.680" v="1528" actId="20577"/>
-          <ac:spMkLst>
-            <pc:docMk/>
-            <pc:sldMk cId="1650321165" sldId="263"/>
-            <ac:spMk id="7" creationId="{E6D2EED2-F805-BF44-9E1D-4E1A0CE8033D}"/>
-          </ac:spMkLst>
-        </pc:spChg>
-        <pc:spChg chg="add mod">
-          <ac:chgData name="Antonia ..." userId="df27490986ae0560" providerId="LiveId" clId="{D321EB78-646E-7546-8478-D5F05974E81C}" dt="2021-12-02T15:59:35.615" v="1624" actId="20577"/>
-          <ac:spMkLst>
-            <pc:docMk/>
-            <pc:sldMk cId="1650321165" sldId="263"/>
-            <ac:spMk id="8" creationId="{DC6F63C1-D8A5-004D-BC0E-AF18764881F1}"/>
-          </ac:spMkLst>
-        </pc:spChg>
-        <pc:spChg chg="add del mod">
-          <ac:chgData name="Antonia ..." userId="df27490986ae0560" providerId="LiveId" clId="{D321EB78-646E-7546-8478-D5F05974E81C}" dt="2021-12-02T16:09:14.094" v="1719"/>
-          <ac:spMkLst>
-            <pc:docMk/>
-            <pc:sldMk cId="1650321165" sldId="263"/>
-            <ac:spMk id="11" creationId="{413C60B4-B971-2043-8F58-2828F6C66382}"/>
-          </ac:spMkLst>
-        </pc:spChg>
-        <pc:spChg chg="add del mod">
-          <ac:chgData name="Antonia ..." userId="df27490986ae0560" providerId="LiveId" clId="{D321EB78-646E-7546-8478-D5F05974E81C}" dt="2021-12-02T16:10:47.102" v="1732" actId="21"/>
-          <ac:spMkLst>
-            <pc:docMk/>
-            <pc:sldMk cId="1650321165" sldId="263"/>
-            <ac:spMk id="18" creationId="{772EFCF4-2269-554C-BC47-8EE0A71CE3A5}"/>
-          </ac:spMkLst>
-        </pc:spChg>
-        <pc:grpChg chg="add del mod">
-          <ac:chgData name="Antonia ..." userId="df27490986ae0560" providerId="LiveId" clId="{D321EB78-646E-7546-8478-D5F05974E81C}" dt="2021-12-02T16:09:49.721" v="1721" actId="165"/>
-          <ac:grpSpMkLst>
-            <pc:docMk/>
-            <pc:sldMk cId="1650321165" sldId="263"/>
-            <ac:grpSpMk id="12" creationId="{8B78B1E7-76BC-454C-92E9-63AB2F43FD10}"/>
-          </ac:grpSpMkLst>
-        </pc:grpChg>
-        <pc:picChg chg="add mod">
-          <ac:chgData name="Antonia ..." userId="df27490986ae0560" providerId="LiveId" clId="{D321EB78-646E-7546-8478-D5F05974E81C}" dt="2021-12-02T16:11:26.122" v="1737" actId="1076"/>
-          <ac:picMkLst>
-            <pc:docMk/>
-            <pc:sldMk cId="1650321165" sldId="263"/>
-            <ac:picMk id="10" creationId="{E310FD75-BAF0-B240-BE35-270AF7F8AA00}"/>
-          </ac:picMkLst>
-        </pc:picChg>
-        <pc:picChg chg="mod topLvl">
-          <ac:chgData name="Antonia ..." userId="df27490986ae0560" providerId="LiveId" clId="{D321EB78-646E-7546-8478-D5F05974E81C}" dt="2021-12-02T16:11:55.589" v="1741" actId="1076"/>
-          <ac:picMkLst>
-            <pc:docMk/>
-            <pc:sldMk cId="1650321165" sldId="263"/>
-            <ac:picMk id="13" creationId="{75FD593C-CD0F-C347-A3FD-010D8662E50D}"/>
-          </ac:picMkLst>
-        </pc:picChg>
-        <pc:picChg chg="mod topLvl">
-          <ac:chgData name="Antonia ..." userId="df27490986ae0560" providerId="LiveId" clId="{D321EB78-646E-7546-8478-D5F05974E81C}" dt="2021-12-02T16:11:55.589" v="1741" actId="1076"/>
-          <ac:picMkLst>
-            <pc:docMk/>
-            <pc:sldMk cId="1650321165" sldId="263"/>
-            <ac:picMk id="14" creationId="{8E43D681-24CC-DE4E-A12A-D868F293044B}"/>
-          </ac:picMkLst>
-        </pc:picChg>
-        <pc:picChg chg="mod topLvl">
-          <ac:chgData name="Antonia ..." userId="df27490986ae0560" providerId="LiveId" clId="{D321EB78-646E-7546-8478-D5F05974E81C}" dt="2021-12-02T16:11:55.589" v="1741" actId="1076"/>
-          <ac:picMkLst>
-            <pc:docMk/>
-            <pc:sldMk cId="1650321165" sldId="263"/>
-            <ac:picMk id="15" creationId="{A36C0AF7-7450-7444-90AC-A2E2F8F5B081}"/>
-          </ac:picMkLst>
-        </pc:picChg>
-        <pc:picChg chg="mod topLvl">
-          <ac:chgData name="Antonia ..." userId="df27490986ae0560" providerId="LiveId" clId="{D321EB78-646E-7546-8478-D5F05974E81C}" dt="2021-12-02T16:11:55.589" v="1741" actId="1076"/>
-          <ac:picMkLst>
-            <pc:docMk/>
-            <pc:sldMk cId="1650321165" sldId="263"/>
-            <ac:picMk id="16" creationId="{AA422057-704F-E44C-9CD2-1011CD9ABCB8}"/>
-          </ac:picMkLst>
-        </pc:picChg>
-        <pc:picChg chg="del mod topLvl">
-          <ac:chgData name="Antonia ..." userId="df27490986ae0560" providerId="LiveId" clId="{D321EB78-646E-7546-8478-D5F05974E81C}" dt="2021-12-02T16:09:58.312" v="1722" actId="21"/>
-          <ac:picMkLst>
-            <pc:docMk/>
-            <pc:sldMk cId="1650321165" sldId="263"/>
-            <ac:picMk id="17" creationId="{50248F2D-6012-B846-8D6D-31F10058136D}"/>
-          </ac:picMkLst>
-        </pc:picChg>
-        <pc:picChg chg="add mod">
-          <ac:chgData name="Antonia ..." userId="df27490986ae0560" providerId="LiveId" clId="{D321EB78-646E-7546-8478-D5F05974E81C}" dt="2021-12-02T16:12:23.139" v="1743" actId="1076"/>
-          <ac:picMkLst>
-            <pc:docMk/>
-            <pc:sldMk cId="1650321165" sldId="263"/>
-            <ac:picMk id="19" creationId="{B48EFAF9-A4C8-5244-BC93-208E0341ACBF}"/>
-          </ac:picMkLst>
-        </pc:picChg>
-        <pc:picChg chg="add mod">
-          <ac:chgData name="Antonia ..." userId="df27490986ae0560" providerId="LiveId" clId="{D321EB78-646E-7546-8478-D5F05974E81C}" dt="2021-12-02T16:12:39.106" v="1745" actId="1076"/>
-          <ac:picMkLst>
-            <pc:docMk/>
-            <pc:sldMk cId="1650321165" sldId="263"/>
-            <ac:picMk id="20" creationId="{DBDECE99-C576-0644-9429-E0D69AA287DD}"/>
-          </ac:picMkLst>
-        </pc:picChg>
-        <pc:picChg chg="add del mod">
-          <ac:chgData name="Antonia ..." userId="df27490986ae0560" providerId="LiveId" clId="{D321EB78-646E-7546-8478-D5F05974E81C}" dt="2021-12-02T16:13:31.119" v="1752" actId="21"/>
-          <ac:picMkLst>
-            <pc:docMk/>
-            <pc:sldMk cId="1650321165" sldId="263"/>
-            <ac:picMk id="22" creationId="{6B30D476-E092-8144-A3C0-86293A5E4F5E}"/>
-          </ac:picMkLst>
-        </pc:picChg>
-        <pc:picChg chg="add mod">
-          <ac:chgData name="Antonia ..." userId="df27490986ae0560" providerId="LiveId" clId="{D321EB78-646E-7546-8478-D5F05974E81C}" dt="2021-12-02T16:13:37.905" v="1754" actId="14100"/>
-          <ac:picMkLst>
-            <pc:docMk/>
-            <pc:sldMk cId="1650321165" sldId="263"/>
-            <ac:picMk id="24" creationId="{09E3B99C-90FF-C143-8066-9CDA8D4FACDD}"/>
-          </ac:picMkLst>
-        </pc:picChg>
-        <pc:picChg chg="add del mod">
-          <ac:chgData name="Antonia ..." userId="df27490986ae0560" providerId="LiveId" clId="{D321EB78-646E-7546-8478-D5F05974E81C}" dt="2021-12-02T16:13:28.343" v="1751" actId="21"/>
-          <ac:picMkLst>
-            <pc:docMk/>
-            <pc:sldMk cId="1650321165" sldId="263"/>
-            <ac:picMk id="26" creationId="{68100E0E-C37A-B344-ACA2-67A3D8AE574C}"/>
-          </ac:picMkLst>
-        </pc:picChg>
-      </pc:sldChg>
-      <pc:sldChg chg="modSp mod modAnim">
-        <pc:chgData name="Antonia ..." userId="df27490986ae0560" providerId="LiveId" clId="{D321EB78-646E-7546-8478-D5F05974E81C}" dt="2021-12-02T14:48:35.039" v="1420"/>
-        <pc:sldMkLst>
-          <pc:docMk/>
-          <pc:sldMk cId="2229930519" sldId="264"/>
-        </pc:sldMkLst>
-        <pc:spChg chg="mod">
-          <ac:chgData name="Antonia ..." userId="df27490986ae0560" providerId="LiveId" clId="{D321EB78-646E-7546-8478-D5F05974E81C}" dt="2021-12-01T16:10:24.268" v="246" actId="20577"/>
-          <ac:spMkLst>
-            <pc:docMk/>
-            <pc:sldMk cId="2229930519" sldId="264"/>
-            <ac:spMk id="2" creationId="{3EEB4CF8-24FA-E346-803C-13F76BFB4B96}"/>
-          </ac:spMkLst>
-        </pc:spChg>
-        <pc:spChg chg="mod">
-          <ac:chgData name="Antonia ..." userId="df27490986ae0560" providerId="LiveId" clId="{D321EB78-646E-7546-8478-D5F05974E81C}" dt="2021-12-01T16:11:20.063" v="377" actId="20577"/>
-          <ac:spMkLst>
-            <pc:docMk/>
-            <pc:sldMk cId="2229930519" sldId="264"/>
-            <ac:spMk id="3" creationId="{40AF4B88-7E41-0940-A3CB-219830E08A6F}"/>
-          </ac:spMkLst>
-        </pc:spChg>
-      </pc:sldChg>
-      <pc:sldChg chg="addSp delSp modSp mod modClrScheme chgLayout modNotesTx">
-        <pc:chgData name="Antonia ..." userId="df27490986ae0560" providerId="LiveId" clId="{D321EB78-646E-7546-8478-D5F05974E81C}" dt="2021-12-02T14:29:39.241" v="1392" actId="700"/>
-        <pc:sldMkLst>
-          <pc:docMk/>
-          <pc:sldMk cId="2401719195" sldId="265"/>
-        </pc:sldMkLst>
-        <pc:spChg chg="mod ord">
-          <ac:chgData name="Antonia ..." userId="df27490986ae0560" providerId="LiveId" clId="{D321EB78-646E-7546-8478-D5F05974E81C}" dt="2021-12-02T14:29:39.241" v="1392" actId="700"/>
-          <ac:spMkLst>
-            <pc:docMk/>
-            <pc:sldMk cId="2401719195" sldId="265"/>
-            <ac:spMk id="2" creationId="{FEBB81A3-B09F-9E4F-99C9-B6FA29532151}"/>
-          </ac:spMkLst>
-        </pc:spChg>
-        <pc:spChg chg="add del mod ord">
-          <ac:chgData name="Antonia ..." userId="df27490986ae0560" providerId="LiveId" clId="{D321EB78-646E-7546-8478-D5F05974E81C}" dt="2021-12-02T14:29:17.687" v="1390" actId="700"/>
-          <ac:spMkLst>
-            <pc:docMk/>
-            <pc:sldMk cId="2401719195" sldId="265"/>
-            <ac:spMk id="3" creationId="{12BB38CD-1ECB-DF48-832F-7853CD447D05}"/>
-          </ac:spMkLst>
-        </pc:spChg>
-        <pc:spChg chg="mod ord">
-          <ac:chgData name="Antonia ..." userId="df27490986ae0560" providerId="LiveId" clId="{D321EB78-646E-7546-8478-D5F05974E81C}" dt="2021-12-02T14:29:39.241" v="1392" actId="700"/>
-          <ac:spMkLst>
-            <pc:docMk/>
-            <pc:sldMk cId="2401719195" sldId="265"/>
-            <ac:spMk id="4" creationId="{37E5153A-0133-6446-8E9C-1E524EC4F28E}"/>
-          </ac:spMkLst>
-        </pc:spChg>
-        <pc:spChg chg="mod ord">
-          <ac:chgData name="Antonia ..." userId="df27490986ae0560" providerId="LiveId" clId="{D321EB78-646E-7546-8478-D5F05974E81C}" dt="2021-12-02T14:29:39.241" v="1392" actId="700"/>
-          <ac:spMkLst>
-            <pc:docMk/>
-            <pc:sldMk cId="2401719195" sldId="265"/>
-            <ac:spMk id="5" creationId="{83177281-6097-E248-B00D-0814B4886B8D}"/>
-          </ac:spMkLst>
-        </pc:spChg>
-        <pc:spChg chg="mod">
-          <ac:chgData name="Antonia ..." userId="df27490986ae0560" providerId="LiveId" clId="{D321EB78-646E-7546-8478-D5F05974E81C}" dt="2021-12-02T14:25:25.513" v="1378"/>
-          <ac:spMkLst>
-            <pc:docMk/>
-            <pc:sldMk cId="2401719195" sldId="265"/>
-            <ac:spMk id="6" creationId="{8A76C604-608B-4DA8-92CD-CD20B2C59395}"/>
-          </ac:spMkLst>
-        </pc:spChg>
-        <pc:spChg chg="mod">
-          <ac:chgData name="Antonia ..." userId="df27490986ae0560" providerId="LiveId" clId="{D321EB78-646E-7546-8478-D5F05974E81C}" dt="2021-12-02T14:25:16.315" v="1377"/>
-          <ac:spMkLst>
-            <pc:docMk/>
-            <pc:sldMk cId="2401719195" sldId="265"/>
-            <ac:spMk id="7" creationId="{2809ED00-FEDA-4690-A59A-884CFB5FDA2C}"/>
-          </ac:spMkLst>
-        </pc:spChg>
-        <pc:spChg chg="add del mod ord">
-          <ac:chgData name="Antonia ..." userId="df27490986ae0560" providerId="LiveId" clId="{D321EB78-646E-7546-8478-D5F05974E81C}" dt="2021-12-02T14:29:17.687" v="1390" actId="700"/>
-          <ac:spMkLst>
-            <pc:docMk/>
-            <pc:sldMk cId="2401719195" sldId="265"/>
-            <ac:spMk id="8" creationId="{E12BF70B-D777-7A4F-8A6F-0F91749D148C}"/>
-          </ac:spMkLst>
-        </pc:spChg>
-        <pc:spChg chg="add del mod ord">
-          <ac:chgData name="Antonia ..." userId="df27490986ae0560" providerId="LiveId" clId="{D321EB78-646E-7546-8478-D5F05974E81C}" dt="2021-12-02T14:29:39.241" v="1392" actId="700"/>
-          <ac:spMkLst>
-            <pc:docMk/>
-            <pc:sldMk cId="2401719195" sldId="265"/>
-            <ac:spMk id="9" creationId="{7CBC82FA-41AB-F64C-965C-FA0BE38A0B87}"/>
-          </ac:spMkLst>
-        </pc:spChg>
-        <pc:spChg chg="add del mod ord">
-          <ac:chgData name="Antonia ..." userId="df27490986ae0560" providerId="LiveId" clId="{D321EB78-646E-7546-8478-D5F05974E81C}" dt="2021-12-02T14:29:39.241" v="1392" actId="700"/>
-          <ac:spMkLst>
-            <pc:docMk/>
-            <pc:sldMk cId="2401719195" sldId="265"/>
-            <ac:spMk id="10" creationId="{7256DDBE-9B24-B149-956F-099BA1AD9FF8}"/>
-          </ac:spMkLst>
-        </pc:spChg>
-        <pc:spChg chg="add del mod ord">
-          <ac:chgData name="Antonia ..." userId="df27490986ae0560" providerId="LiveId" clId="{D321EB78-646E-7546-8478-D5F05974E81C}" dt="2021-12-02T14:29:39.241" v="1392" actId="700"/>
-          <ac:spMkLst>
-            <pc:docMk/>
-            <pc:sldMk cId="2401719195" sldId="265"/>
-            <ac:spMk id="11" creationId="{385A3929-26E9-C14E-8CCC-1FB9029840E7}"/>
-          </ac:spMkLst>
-        </pc:spChg>
-        <pc:spChg chg="add del mod ord">
-          <ac:chgData name="Antonia ..." userId="df27490986ae0560" providerId="LiveId" clId="{D321EB78-646E-7546-8478-D5F05974E81C}" dt="2021-12-02T14:29:39.241" v="1392" actId="700"/>
-          <ac:spMkLst>
-            <pc:docMk/>
-            <pc:sldMk cId="2401719195" sldId="265"/>
-            <ac:spMk id="12" creationId="{D3E31B34-3360-E348-9F27-C54AC96591E2}"/>
-          </ac:spMkLst>
-        </pc:spChg>
-      </pc:sldChg>
-      <pc:sldChg chg="modSp mod">
-        <pc:chgData name="Antonia ..." userId="df27490986ae0560" providerId="LiveId" clId="{D321EB78-646E-7546-8478-D5F05974E81C}" dt="2021-12-02T14:24:44.400" v="1374" actId="20577"/>
-        <pc:sldMkLst>
-          <pc:docMk/>
-          <pc:sldMk cId="2432425423" sldId="266"/>
-        </pc:sldMkLst>
-        <pc:spChg chg="mod">
-          <ac:chgData name="Antonia ..." userId="df27490986ae0560" providerId="LiveId" clId="{D321EB78-646E-7546-8478-D5F05974E81C}" dt="2021-12-02T14:24:44.400" v="1374" actId="20577"/>
-          <ac:spMkLst>
-            <pc:docMk/>
-            <pc:sldMk cId="2432425423" sldId="266"/>
-            <ac:spMk id="7" creationId="{52C3776E-0D32-4519-8F17-3FCD3E951196}"/>
-          </ac:spMkLst>
-        </pc:spChg>
-      </pc:sldChg>
-      <pc:sldChg chg="modSp del mod modNotesTx">
-        <pc:chgData name="Antonia ..." userId="df27490986ae0560" providerId="LiveId" clId="{D321EB78-646E-7546-8478-D5F05974E81C}" dt="2021-12-01T16:15:52.054" v="787" actId="2696"/>
-        <pc:sldMkLst>
-          <pc:docMk/>
-          <pc:sldMk cId="2184346236" sldId="267"/>
-        </pc:sldMkLst>
-        <pc:spChg chg="mod">
-          <ac:chgData name="Antonia ..." userId="df27490986ae0560" providerId="LiveId" clId="{D321EB78-646E-7546-8478-D5F05974E81C}" dt="2021-12-01T16:14:37.480" v="785" actId="20577"/>
-          <ac:spMkLst>
-            <pc:docMk/>
-            <pc:sldMk cId="2184346236" sldId="267"/>
-            <ac:spMk id="3" creationId="{DA4C6C3E-938F-D64A-9F08-F16461B9A766}"/>
-          </ac:spMkLst>
-        </pc:spChg>
-      </pc:sldChg>
-      <pc:sldChg chg="modNotesTx">
-        <pc:chgData name="Antonia ..." userId="df27490986ae0560" providerId="LiveId" clId="{D321EB78-646E-7546-8478-D5F05974E81C}" dt="2021-12-01T16:21:05.801" v="1365" actId="20577"/>
-        <pc:sldMkLst>
-          <pc:docMk/>
-          <pc:sldMk cId="1841952403" sldId="268"/>
-        </pc:sldMkLst>
-      </pc:sldChg>
-      <pc:sldChg chg="modSp new del mod modNotesTx">
-        <pc:chgData name="Antonia ..." userId="df27490986ae0560" providerId="LiveId" clId="{D321EB78-646E-7546-8478-D5F05974E81C}" dt="2021-12-02T14:28:03.913" v="1388" actId="2696"/>
-        <pc:sldMkLst>
-          <pc:docMk/>
-          <pc:sldMk cId="4009044167" sldId="270"/>
-        </pc:sldMkLst>
-        <pc:spChg chg="mod">
-          <ac:chgData name="Antonia ..." userId="df27490986ae0560" providerId="LiveId" clId="{D321EB78-646E-7546-8478-D5F05974E81C}" dt="2021-12-01T16:15:58.423" v="805" actId="20577"/>
-          <ac:spMkLst>
-            <pc:docMk/>
-            <pc:sldMk cId="4009044167" sldId="270"/>
-            <ac:spMk id="2" creationId="{DC10472C-A722-2447-B559-3E2A15526694}"/>
-          </ac:spMkLst>
-        </pc:spChg>
-        <pc:spChg chg="mod">
-          <ac:chgData name="Antonia ..." userId="df27490986ae0560" providerId="LiveId" clId="{D321EB78-646E-7546-8478-D5F05974E81C}" dt="2021-12-02T14:25:01.123" v="1375"/>
-          <ac:spMkLst>
-            <pc:docMk/>
-            <pc:sldMk cId="4009044167" sldId="270"/>
-            <ac:spMk id="3" creationId="{B4CE9685-B6BD-E54F-9949-8301147A8987}"/>
-          </ac:spMkLst>
-        </pc:spChg>
-        <pc:spChg chg="mod">
-          <ac:chgData name="Antonia ..." userId="df27490986ae0560" providerId="LiveId" clId="{D321EB78-646E-7546-8478-D5F05974E81C}" dt="2021-12-02T14:25:09.720" v="1376"/>
-          <ac:spMkLst>
-            <pc:docMk/>
-            <pc:sldMk cId="4009044167" sldId="270"/>
-            <ac:spMk id="4" creationId="{1825F776-8941-3A45-808C-5F30340B4C02}"/>
-          </ac:spMkLst>
-        </pc:spChg>
-      </pc:sldChg>
-      <pc:sldChg chg="modSp new mod">
-        <pc:chgData name="Antonia ..." userId="df27490986ae0560" providerId="LiveId" clId="{D321EB78-646E-7546-8478-D5F05974E81C}" dt="2021-12-02T14:30:26.361" v="1400" actId="20577"/>
-        <pc:sldMkLst>
-          <pc:docMk/>
-          <pc:sldMk cId="1883130276" sldId="272"/>
-        </pc:sldMkLst>
-        <pc:spChg chg="mod">
-          <ac:chgData name="Antonia ..." userId="df27490986ae0560" providerId="LiveId" clId="{D321EB78-646E-7546-8478-D5F05974E81C}" dt="2021-12-02T14:27:00.426" v="1380"/>
-          <ac:spMkLst>
-            <pc:docMk/>
-            <pc:sldMk cId="1883130276" sldId="272"/>
-            <ac:spMk id="2" creationId="{9EF74ED4-EDCA-D748-9952-DF41FD5CF420}"/>
-          </ac:spMkLst>
-        </pc:spChg>
-        <pc:spChg chg="mod">
-          <ac:chgData name="Antonia ..." userId="df27490986ae0560" providerId="LiveId" clId="{D321EB78-646E-7546-8478-D5F05974E81C}" dt="2021-12-02T14:30:26.361" v="1400" actId="20577"/>
-          <ac:spMkLst>
-            <pc:docMk/>
-            <pc:sldMk cId="1883130276" sldId="272"/>
-            <ac:spMk id="3" creationId="{3FE866CF-B6C6-904C-A6AF-EC2FE1F4D85B}"/>
-          </ac:spMkLst>
-        </pc:spChg>
-        <pc:spChg chg="mod">
-          <ac:chgData name="Antonia ..." userId="df27490986ae0560" providerId="LiveId" clId="{D321EB78-646E-7546-8478-D5F05974E81C}" dt="2021-12-02T14:27:20.200" v="1382"/>
-          <ac:spMkLst>
-            <pc:docMk/>
-            <pc:sldMk cId="1883130276" sldId="272"/>
-            <ac:spMk id="4" creationId="{8EF77B4E-BA8F-CE43-AD46-66DDB1F18DE2}"/>
-          </ac:spMkLst>
-        </pc:spChg>
-        <pc:spChg chg="mod">
-          <ac:chgData name="Antonia ..." userId="df27490986ae0560" providerId="LiveId" clId="{D321EB78-646E-7546-8478-D5F05974E81C}" dt="2021-12-02T14:30:20.973" v="1398" actId="403"/>
-          <ac:spMkLst>
-            <pc:docMk/>
-            <pc:sldMk cId="1883130276" sldId="272"/>
-            <ac:spMk id="5" creationId="{286F35E0-9823-2740-83DB-55B06E5F58F7}"/>
-          </ac:spMkLst>
-        </pc:spChg>
-        <pc:spChg chg="mod">
-          <ac:chgData name="Antonia ..." userId="df27490986ae0560" providerId="LiveId" clId="{D321EB78-646E-7546-8478-D5F05974E81C}" dt="2021-12-02T14:27:41.941" v="1387" actId="5793"/>
-          <ac:spMkLst>
-            <pc:docMk/>
-            <pc:sldMk cId="1883130276" sldId="272"/>
-            <ac:spMk id="6" creationId="{6BC29A98-522A-264A-8D1C-712076F2A66E}"/>
-          </ac:spMkLst>
-        </pc:spChg>
-      </pc:sldChg>
-      <pc:sldChg chg="modSp add mod">
-        <pc:chgData name="Antonia ..." userId="df27490986ae0560" providerId="LiveId" clId="{D321EB78-646E-7546-8478-D5F05974E81C}" dt="2021-12-02T14:56:27.540" v="1516" actId="20577"/>
-        <pc:sldMkLst>
-          <pc:docMk/>
-          <pc:sldMk cId="4103933490" sldId="273"/>
-        </pc:sldMkLst>
-        <pc:spChg chg="mod">
-          <ac:chgData name="Antonia ..." userId="df27490986ae0560" providerId="LiveId" clId="{D321EB78-646E-7546-8478-D5F05974E81C}" dt="2021-12-02T14:55:09.344" v="1463" actId="20577"/>
-          <ac:spMkLst>
-            <pc:docMk/>
-            <pc:sldMk cId="4103933490" sldId="273"/>
-            <ac:spMk id="2" creationId="{9EF74ED4-EDCA-D748-9952-DF41FD5CF420}"/>
-          </ac:spMkLst>
-        </pc:spChg>
-        <pc:spChg chg="mod">
-          <ac:chgData name="Antonia ..." userId="df27490986ae0560" providerId="LiveId" clId="{D321EB78-646E-7546-8478-D5F05974E81C}" dt="2021-12-02T14:55:12.401" v="1464" actId="20577"/>
-          <ac:spMkLst>
-            <pc:docMk/>
-            <pc:sldMk cId="4103933490" sldId="273"/>
-            <ac:spMk id="4" creationId="{8EF77B4E-BA8F-CE43-AD46-66DDB1F18DE2}"/>
-          </ac:spMkLst>
-        </pc:spChg>
-        <pc:spChg chg="mod">
-          <ac:chgData name="Antonia ..." userId="df27490986ae0560" providerId="LiveId" clId="{D321EB78-646E-7546-8478-D5F05974E81C}" dt="2021-12-02T14:56:27.540" v="1516" actId="20577"/>
-          <ac:spMkLst>
-            <pc:docMk/>
-            <pc:sldMk cId="4103933490" sldId="273"/>
-            <ac:spMk id="6" creationId="{6BC29A98-522A-264A-8D1C-712076F2A66E}"/>
-          </ac:spMkLst>
-        </pc:spChg>
-      </pc:sldChg>
-      <pc:sldChg chg="addSp delSp modSp add mod">
-        <pc:chgData name="Antonia ..." userId="df27490986ae0560" providerId="LiveId" clId="{D321EB78-646E-7546-8478-D5F05974E81C}" dt="2021-12-02T16:08:17.639" v="1711" actId="1076"/>
-        <pc:sldMkLst>
-          <pc:docMk/>
-          <pc:sldMk cId="363541327" sldId="274"/>
-        </pc:sldMkLst>
-        <pc:spChg chg="mod">
-          <ac:chgData name="Antonia ..." userId="df27490986ae0560" providerId="LiveId" clId="{D321EB78-646E-7546-8478-D5F05974E81C}" dt="2021-12-02T16:02:13.232" v="1645" actId="20577"/>
-          <ac:spMkLst>
-            <pc:docMk/>
-            <pc:sldMk cId="363541327" sldId="274"/>
-            <ac:spMk id="7" creationId="{E6D2EED2-F805-BF44-9E1D-4E1A0CE8033D}"/>
-          </ac:spMkLst>
-        </pc:spChg>
-        <pc:spChg chg="mod">
-          <ac:chgData name="Antonia ..." userId="df27490986ae0560" providerId="LiveId" clId="{D321EB78-646E-7546-8478-D5F05974E81C}" dt="2021-12-02T16:02:43.957" v="1669" actId="20577"/>
-          <ac:spMkLst>
-            <pc:docMk/>
-            <pc:sldMk cId="363541327" sldId="274"/>
-            <ac:spMk id="8" creationId="{DC6F63C1-D8A5-004D-BC0E-AF18764881F1}"/>
-          </ac:spMkLst>
-        </pc:spChg>
-        <pc:grpChg chg="add mod">
-          <ac:chgData name="Antonia ..." userId="df27490986ae0560" providerId="LiveId" clId="{D321EB78-646E-7546-8478-D5F05974E81C}" dt="2021-12-02T16:08:17.639" v="1711" actId="1076"/>
-          <ac:grpSpMkLst>
-            <pc:docMk/>
-            <pc:sldMk cId="363541327" sldId="274"/>
-            <ac:grpSpMk id="19" creationId="{E09D84A0-6B09-7C48-AB3B-100B5C9F7BCE}"/>
-          </ac:grpSpMkLst>
-        </pc:grpChg>
-        <pc:picChg chg="add del mod">
-          <ac:chgData name="Antonia ..." userId="df27490986ae0560" providerId="LiveId" clId="{D321EB78-646E-7546-8478-D5F05974E81C}" dt="2021-12-02T16:04:52.534" v="1679" actId="21"/>
-          <ac:picMkLst>
-            <pc:docMk/>
-            <pc:sldMk cId="363541327" sldId="274"/>
-            <ac:picMk id="3" creationId="{49FF85B7-35D2-0347-A4BB-CAD737CE4F1E}"/>
-          </ac:picMkLst>
-        </pc:picChg>
-        <pc:picChg chg="add mod">
-          <ac:chgData name="Antonia ..." userId="df27490986ae0560" providerId="LiveId" clId="{D321EB78-646E-7546-8478-D5F05974E81C}" dt="2021-12-02T16:07:55.620" v="1708" actId="1076"/>
-          <ac:picMkLst>
-            <pc:docMk/>
-            <pc:sldMk cId="363541327" sldId="274"/>
-            <ac:picMk id="9" creationId="{4051A9D0-1950-C547-9B29-4A5D6AA9BEC9}"/>
-          </ac:picMkLst>
-        </pc:picChg>
-        <pc:picChg chg="add del mod">
-          <ac:chgData name="Antonia ..." userId="df27490986ae0560" providerId="LiveId" clId="{D321EB78-646E-7546-8478-D5F05974E81C}" dt="2021-12-02T16:07:15.560" v="1703" actId="21"/>
-          <ac:picMkLst>
-            <pc:docMk/>
-            <pc:sldMk cId="363541327" sldId="274"/>
-            <ac:picMk id="11" creationId="{FD0E80CC-1871-6446-A438-DF2917CF3A3A}"/>
-          </ac:picMkLst>
-        </pc:picChg>
-        <pc:picChg chg="add mod">
-          <ac:chgData name="Antonia ..." userId="df27490986ae0560" providerId="LiveId" clId="{D321EB78-646E-7546-8478-D5F05974E81C}" dt="2021-12-02T16:08:13.568" v="1710" actId="164"/>
-          <ac:picMkLst>
-            <pc:docMk/>
-            <pc:sldMk cId="363541327" sldId="274"/>
-            <ac:picMk id="13" creationId="{2F3B0C79-028C-FF4D-8DCF-B8D18CDFECC4}"/>
-          </ac:picMkLst>
-        </pc:picChg>
-        <pc:picChg chg="add mod">
-          <ac:chgData name="Antonia ..." userId="df27490986ae0560" providerId="LiveId" clId="{D321EB78-646E-7546-8478-D5F05974E81C}" dt="2021-12-02T16:08:13.568" v="1710" actId="164"/>
-          <ac:picMkLst>
-            <pc:docMk/>
-            <pc:sldMk cId="363541327" sldId="274"/>
-            <ac:picMk id="14" creationId="{E58C370F-D365-CC44-8B73-2DE693A09029}"/>
-          </ac:picMkLst>
-        </pc:picChg>
-        <pc:picChg chg="add mod">
-          <ac:chgData name="Antonia ..." userId="df27490986ae0560" providerId="LiveId" clId="{D321EB78-646E-7546-8478-D5F05974E81C}" dt="2021-12-02T16:08:13.568" v="1710" actId="164"/>
-          <ac:picMkLst>
-            <pc:docMk/>
-            <pc:sldMk cId="363541327" sldId="274"/>
-            <ac:picMk id="15" creationId="{1DD4188D-7793-6441-B2F6-9C9D279542D1}"/>
-          </ac:picMkLst>
-        </pc:picChg>
-        <pc:picChg chg="add mod">
-          <ac:chgData name="Antonia ..." userId="df27490986ae0560" providerId="LiveId" clId="{D321EB78-646E-7546-8478-D5F05974E81C}" dt="2021-12-02T16:08:13.568" v="1710" actId="164"/>
-          <ac:picMkLst>
-            <pc:docMk/>
-            <pc:sldMk cId="363541327" sldId="274"/>
-            <ac:picMk id="16" creationId="{2D4254AB-CE7D-B84C-B1FA-CFB234866FA6}"/>
-          </ac:picMkLst>
-        </pc:picChg>
-        <pc:picChg chg="add mod">
-          <ac:chgData name="Antonia ..." userId="df27490986ae0560" providerId="LiveId" clId="{D321EB78-646E-7546-8478-D5F05974E81C}" dt="2021-12-02T16:08:13.568" v="1710" actId="164"/>
-          <ac:picMkLst>
-            <pc:docMk/>
-            <pc:sldMk cId="363541327" sldId="274"/>
-            <ac:picMk id="18" creationId="{19F7C8CF-F7F1-694D-88FB-8F9E96B281F7}"/>
-          </ac:picMkLst>
-        </pc:picChg>
       </pc:sldChg>
     </pc:docChg>
   </pc:docChgLst>
@@ -2640,7 +1134,17 @@
   <c:chart>
     <c:autoTitleDeleted val="1"/>
     <c:plotArea>
-      <c:layout/>
+      <c:layout>
+        <c:manualLayout>
+          <c:layoutTarget val="inner"/>
+          <c:xMode val="edge"/>
+          <c:yMode val="edge"/>
+          <c:x val="2.7606914370078738E-2"/>
+          <c:y val="0.10086336731893658"/>
+          <c:w val="0.94583058562992128"/>
+          <c:h val="0.76748654235442038"/>
+        </c:manualLayout>
+      </c:layout>
       <c:lineChart>
         <c:grouping val="standard"/>
         <c:varyColors val="0"/>
@@ -2697,16 +1201,16 @@
                 <c:formatCode>General</c:formatCode>
                 <c:ptCount val="4"/>
                 <c:pt idx="0">
-                  <c:v>4.3</c:v>
+                  <c:v>1.5</c:v>
                 </c:pt>
                 <c:pt idx="1">
-                  <c:v>5</c:v>
+                  <c:v>1.7</c:v>
                 </c:pt>
                 <c:pt idx="2">
-                  <c:v>10</c:v>
+                  <c:v>3.5</c:v>
                 </c:pt>
                 <c:pt idx="3">
-                  <c:v>18</c:v>
+                  <c:v>7</c:v>
                 </c:pt>
               </c:numCache>
             </c:numRef>
@@ -2714,7 +1218,7 @@
           <c:smooth val="0"/>
           <c:extLst>
             <c:ext xmlns:c16="http://schemas.microsoft.com/office/drawing/2014/chart" uri="{C3380CC4-5D6E-409C-BE32-E72D297353CC}">
-              <c16:uniqueId val="{00000000-3252-0346-8BDE-ABA37C2A3EC3}"/>
+              <c16:uniqueId val="{00000000-22FA-4D0A-9FBF-1043D4CCFFE0}"/>
             </c:ext>
           </c:extLst>
         </c:ser>
@@ -2771,16 +1275,16 @@
                 <c:formatCode>General</c:formatCode>
                 <c:ptCount val="4"/>
                 <c:pt idx="0">
+                  <c:v>1</c:v>
+                </c:pt>
+                <c:pt idx="1">
+                  <c:v>1.5</c:v>
+                </c:pt>
+                <c:pt idx="2">
                   <c:v>3</c:v>
                 </c:pt>
-                <c:pt idx="1">
-                  <c:v>6</c:v>
-                </c:pt>
-                <c:pt idx="2">
-                  <c:v>9</c:v>
-                </c:pt>
                 <c:pt idx="3">
-                  <c:v>14</c:v>
+                  <c:v>5</c:v>
                 </c:pt>
               </c:numCache>
             </c:numRef>
@@ -2788,7 +1292,81 @@
           <c:smooth val="0"/>
           <c:extLst>
             <c:ext xmlns:c16="http://schemas.microsoft.com/office/drawing/2014/chart" uri="{C3380CC4-5D6E-409C-BE32-E72D297353CC}">
-              <c16:uniqueId val="{00000001-3252-0346-8BDE-ABA37C2A3EC3}"/>
+              <c16:uniqueId val="{00000001-22FA-4D0A-9FBF-1043D4CCFFE0}"/>
+            </c:ext>
+          </c:extLst>
+        </c:ser>
+        <c:ser>
+          <c:idx val="2"/>
+          <c:order val="2"/>
+          <c:tx>
+            <c:strRef>
+              <c:f>Tabelle1!$D$1</c:f>
+              <c:strCache>
+                <c:ptCount val="1"/>
+                <c:pt idx="0">
+                  <c:v>Datenreihe 3</c:v>
+                </c:pt>
+              </c:strCache>
+            </c:strRef>
+          </c:tx>
+          <c:spPr>
+            <a:ln w="22225" cap="rnd" cmpd="sng" algn="ctr">
+              <a:solidFill>
+                <a:schemeClr val="accent3"/>
+              </a:solidFill>
+              <a:round/>
+            </a:ln>
+            <a:effectLst/>
+          </c:spPr>
+          <c:marker>
+            <c:symbol val="none"/>
+          </c:marker>
+          <c:cat>
+            <c:strRef>
+              <c:f>Tabelle1!$A$2:$A$5</c:f>
+              <c:strCache>
+                <c:ptCount val="4"/>
+                <c:pt idx="0">
+                  <c:v>Kategorie 1</c:v>
+                </c:pt>
+                <c:pt idx="1">
+                  <c:v>Kategorie 2</c:v>
+                </c:pt>
+                <c:pt idx="2">
+                  <c:v>Kategorie 3</c:v>
+                </c:pt>
+                <c:pt idx="3">
+                  <c:v>Kategorie 4</c:v>
+                </c:pt>
+              </c:strCache>
+            </c:strRef>
+          </c:cat>
+          <c:val>
+            <c:numRef>
+              <c:f>Tabelle1!$D$2:$D$5</c:f>
+              <c:numCache>
+                <c:formatCode>General</c:formatCode>
+                <c:ptCount val="4"/>
+                <c:pt idx="0">
+                  <c:v>1</c:v>
+                </c:pt>
+                <c:pt idx="1">
+                  <c:v>1.3</c:v>
+                </c:pt>
+                <c:pt idx="2">
+                  <c:v>2</c:v>
+                </c:pt>
+                <c:pt idx="3">
+                  <c:v>3.5</c:v>
+                </c:pt>
+              </c:numCache>
+            </c:numRef>
+          </c:val>
+          <c:smooth val="0"/>
+          <c:extLst>
+            <c:ext xmlns:c16="http://schemas.microsoft.com/office/drawing/2014/chart" uri="{C3380CC4-5D6E-409C-BE32-E72D297353CC}">
+              <c16:uniqueId val="{00000002-22FA-4D0A-9FBF-1043D4CCFFE0}"/>
             </c:ext>
           </c:extLst>
         </c:ser>
@@ -2800,12 +1378,27 @@
           <c:showPercent val="0"/>
           <c:showBubbleSize val="0"/>
         </c:dLbls>
+        <c:dropLines>
+          <c:spPr>
+            <a:ln w="9525" cap="flat" cmpd="sng" algn="ctr">
+              <a:solidFill>
+                <a:schemeClr val="dk1">
+                  <a:lumMod val="35000"/>
+                  <a:lumOff val="65000"/>
+                  <a:alpha val="33000"/>
+                </a:schemeClr>
+              </a:solidFill>
+              <a:round/>
+            </a:ln>
+            <a:effectLst/>
+          </c:spPr>
+        </c:dropLines>
         <c:smooth val="0"/>
-        <c:axId val="502896879"/>
-        <c:axId val="1333174336"/>
+        <c:axId val="2028555680"/>
+        <c:axId val="2028556096"/>
       </c:lineChart>
       <c:catAx>
-        <c:axId val="502896879"/>
+        <c:axId val="2028555680"/>
         <c:scaling>
           <c:orientation val="minMax"/>
         </c:scaling>
@@ -2815,7 +1408,7 @@
         <c:majorTickMark val="none"/>
         <c:minorTickMark val="none"/>
         <c:tickLblPos val="nextTo"/>
-        <c:crossAx val="1333174336"/>
+        <c:crossAx val="2028556096"/>
         <c:crosses val="autoZero"/>
         <c:auto val="1"/>
         <c:lblAlgn val="ctr"/>
@@ -2823,7 +1416,7 @@
         <c:noMultiLvlLbl val="0"/>
       </c:catAx>
       <c:valAx>
-        <c:axId val="1333174336"/>
+        <c:axId val="2028556096"/>
         <c:scaling>
           <c:orientation val="minMax"/>
         </c:scaling>
@@ -2833,7 +1426,301 @@
         <c:majorTickMark val="none"/>
         <c:minorTickMark val="none"/>
         <c:tickLblPos val="nextTo"/>
-        <c:crossAx val="502896879"/>
+        <c:crossAx val="2028555680"/>
+        <c:crosses val="autoZero"/>
+        <c:crossBetween val="between"/>
+      </c:valAx>
+      <c:spPr>
+        <a:gradFill>
+          <a:gsLst>
+            <a:gs pos="100000">
+              <a:schemeClr val="lt1">
+                <a:lumMod val="95000"/>
+              </a:schemeClr>
+            </a:gs>
+            <a:gs pos="0">
+              <a:schemeClr val="lt1"/>
+            </a:gs>
+          </a:gsLst>
+          <a:lin ang="5400000" scaled="0"/>
+        </a:gradFill>
+        <a:ln>
+          <a:noFill/>
+        </a:ln>
+        <a:effectLst/>
+      </c:spPr>
+    </c:plotArea>
+    <c:plotVisOnly val="1"/>
+    <c:dispBlanksAs val="gap"/>
+    <c:extLst>
+      <c:ext xmlns:c16r3="http://schemas.microsoft.com/office/drawing/2017/03/chart" uri="{56B9EC1D-385E-4148-901F-78D8002777C0}">
+        <c16r3:dataDisplayOptions16>
+          <c16r3:dispNaAsBlank val="1"/>
+        </c16r3:dataDisplayOptions16>
+      </c:ext>
+    </c:extLst>
+    <c:showDLblsOverMax val="0"/>
+  </c:chart>
+  <c:spPr>
+    <a:solidFill>
+      <a:schemeClr val="lt1"/>
+    </a:solidFill>
+    <a:ln>
+      <a:noFill/>
+    </a:ln>
+    <a:effectLst/>
+  </c:spPr>
+  <c:txPr>
+    <a:bodyPr/>
+    <a:lstStyle/>
+    <a:p>
+      <a:pPr>
+        <a:defRPr/>
+      </a:pPr>
+      <a:endParaRPr lang="de-DE"/>
+    </a:p>
+  </c:txPr>
+  <c:externalData r:id="rId3">
+    <c:autoUpdate val="0"/>
+  </c:externalData>
+</c:chartSpace>
+</file>
+
+<file path=ppt/charts/chart5.xml><?xml version="1.0" encoding="utf-8"?>
+<c:chartSpace xmlns:c="http://schemas.openxmlformats.org/drawingml/2006/chart" xmlns:a="http://schemas.openxmlformats.org/drawingml/2006/main" xmlns:r="http://schemas.openxmlformats.org/officeDocument/2006/relationships" xmlns:c16r2="http://schemas.microsoft.com/office/drawing/2015/06/chart">
+  <c:date1904 val="0"/>
+  <c:lang val="de-DE"/>
+  <c:roundedCorners val="0"/>
+  <mc:AlternateContent xmlns:mc="http://schemas.openxmlformats.org/markup-compatibility/2006">
+    <mc:Choice xmlns:c14="http://schemas.microsoft.com/office/drawing/2007/8/2/chart" Requires="c14">
+      <c14:style val="102"/>
+    </mc:Choice>
+    <mc:Fallback>
+      <c:style val="2"/>
+    </mc:Fallback>
+  </mc:AlternateContent>
+  <c:chart>
+    <c:autoTitleDeleted val="1"/>
+    <c:plotArea>
+      <c:layout>
+        <c:manualLayout>
+          <c:layoutTarget val="inner"/>
+          <c:xMode val="edge"/>
+          <c:yMode val="edge"/>
+          <c:x val="2.7606914370078738E-2"/>
+          <c:y val="0.10086336731893658"/>
+          <c:w val="0.94583058562992128"/>
+          <c:h val="0.76748654235442038"/>
+        </c:manualLayout>
+      </c:layout>
+      <c:lineChart>
+        <c:grouping val="standard"/>
+        <c:varyColors val="0"/>
+        <c:ser>
+          <c:idx val="1"/>
+          <c:order val="0"/>
+          <c:tx>
+            <c:strRef>
+              <c:f>Tabelle1!$C$1</c:f>
+              <c:strCache>
+                <c:ptCount val="1"/>
+                <c:pt idx="0">
+                  <c:v>Datenreihe 2</c:v>
+                </c:pt>
+              </c:strCache>
+            </c:strRef>
+          </c:tx>
+          <c:spPr>
+            <a:ln w="22225" cap="rnd" cmpd="sng" algn="ctr">
+              <a:solidFill>
+                <a:schemeClr val="accent2"/>
+              </a:solidFill>
+              <a:round/>
+            </a:ln>
+            <a:effectLst/>
+          </c:spPr>
+          <c:marker>
+            <c:symbol val="none"/>
+          </c:marker>
+          <c:cat>
+            <c:strRef>
+              <c:f>Tabelle1!$A$2:$A$5</c:f>
+              <c:strCache>
+                <c:ptCount val="4"/>
+                <c:pt idx="0">
+                  <c:v>Kategorie 1</c:v>
+                </c:pt>
+                <c:pt idx="1">
+                  <c:v>Kategorie 2</c:v>
+                </c:pt>
+                <c:pt idx="2">
+                  <c:v>Kategorie 3</c:v>
+                </c:pt>
+                <c:pt idx="3">
+                  <c:v>Kategorie 4</c:v>
+                </c:pt>
+              </c:strCache>
+            </c:strRef>
+          </c:cat>
+          <c:val>
+            <c:numRef>
+              <c:f>Tabelle1!$C$2:$C$5</c:f>
+              <c:numCache>
+                <c:formatCode>General</c:formatCode>
+                <c:ptCount val="4"/>
+                <c:pt idx="0">
+                  <c:v>1</c:v>
+                </c:pt>
+                <c:pt idx="1">
+                  <c:v>1.5</c:v>
+                </c:pt>
+                <c:pt idx="2">
+                  <c:v>3</c:v>
+                </c:pt>
+                <c:pt idx="3">
+                  <c:v>5</c:v>
+                </c:pt>
+              </c:numCache>
+            </c:numRef>
+          </c:val>
+          <c:smooth val="0"/>
+          <c:extLst>
+            <c:ext xmlns:c16="http://schemas.microsoft.com/office/drawing/2014/chart" uri="{C3380CC4-5D6E-409C-BE32-E72D297353CC}">
+              <c16:uniqueId val="{00000001-2A4D-4E91-B11C-D32631AE2BB3}"/>
+            </c:ext>
+          </c:extLst>
+        </c:ser>
+        <c:ser>
+          <c:idx val="2"/>
+          <c:order val="1"/>
+          <c:tx>
+            <c:strRef>
+              <c:f>Tabelle1!$D$1</c:f>
+              <c:strCache>
+                <c:ptCount val="1"/>
+                <c:pt idx="0">
+                  <c:v>Datenreihe 3</c:v>
+                </c:pt>
+              </c:strCache>
+            </c:strRef>
+          </c:tx>
+          <c:spPr>
+            <a:ln w="22225" cap="rnd" cmpd="sng" algn="ctr">
+              <a:solidFill>
+                <a:schemeClr val="accent3"/>
+              </a:solidFill>
+              <a:round/>
+            </a:ln>
+            <a:effectLst/>
+          </c:spPr>
+          <c:marker>
+            <c:symbol val="none"/>
+          </c:marker>
+          <c:cat>
+            <c:strRef>
+              <c:f>Tabelle1!$A$2:$A$5</c:f>
+              <c:strCache>
+                <c:ptCount val="4"/>
+                <c:pt idx="0">
+                  <c:v>Kategorie 1</c:v>
+                </c:pt>
+                <c:pt idx="1">
+                  <c:v>Kategorie 2</c:v>
+                </c:pt>
+                <c:pt idx="2">
+                  <c:v>Kategorie 3</c:v>
+                </c:pt>
+                <c:pt idx="3">
+                  <c:v>Kategorie 4</c:v>
+                </c:pt>
+              </c:strCache>
+            </c:strRef>
+          </c:cat>
+          <c:val>
+            <c:numRef>
+              <c:f>Tabelle1!$D$2:$D$5</c:f>
+              <c:numCache>
+                <c:formatCode>General</c:formatCode>
+                <c:ptCount val="4"/>
+                <c:pt idx="0">
+                  <c:v>1</c:v>
+                </c:pt>
+                <c:pt idx="1">
+                  <c:v>1.3</c:v>
+                </c:pt>
+                <c:pt idx="2">
+                  <c:v>2</c:v>
+                </c:pt>
+                <c:pt idx="3">
+                  <c:v>3.5</c:v>
+                </c:pt>
+              </c:numCache>
+            </c:numRef>
+          </c:val>
+          <c:smooth val="0"/>
+          <c:extLst>
+            <c:ext xmlns:c16="http://schemas.microsoft.com/office/drawing/2014/chart" uri="{C3380CC4-5D6E-409C-BE32-E72D297353CC}">
+              <c16:uniqueId val="{00000002-2A4D-4E91-B11C-D32631AE2BB3}"/>
+            </c:ext>
+          </c:extLst>
+        </c:ser>
+        <c:dLbls>
+          <c:showLegendKey val="0"/>
+          <c:showVal val="0"/>
+          <c:showCatName val="0"/>
+          <c:showSerName val="0"/>
+          <c:showPercent val="0"/>
+          <c:showBubbleSize val="0"/>
+        </c:dLbls>
+        <c:dropLines>
+          <c:spPr>
+            <a:ln w="9525" cap="flat" cmpd="sng" algn="ctr">
+              <a:solidFill>
+                <a:schemeClr val="dk1">
+                  <a:lumMod val="35000"/>
+                  <a:lumOff val="65000"/>
+                  <a:alpha val="33000"/>
+                </a:schemeClr>
+              </a:solidFill>
+              <a:round/>
+            </a:ln>
+            <a:effectLst/>
+          </c:spPr>
+        </c:dropLines>
+        <c:smooth val="0"/>
+        <c:axId val="2028555680"/>
+        <c:axId val="2028556096"/>
+      </c:lineChart>
+      <c:catAx>
+        <c:axId val="2028555680"/>
+        <c:scaling>
+          <c:orientation val="minMax"/>
+        </c:scaling>
+        <c:delete val="1"/>
+        <c:axPos val="b"/>
+        <c:numFmt formatCode="General" sourceLinked="1"/>
+        <c:majorTickMark val="none"/>
+        <c:minorTickMark val="none"/>
+        <c:tickLblPos val="nextTo"/>
+        <c:crossAx val="2028556096"/>
+        <c:crosses val="autoZero"/>
+        <c:auto val="1"/>
+        <c:lblAlgn val="ctr"/>
+        <c:lblOffset val="100"/>
+        <c:noMultiLvlLbl val="0"/>
+      </c:catAx>
+      <c:valAx>
+        <c:axId val="2028556096"/>
+        <c:scaling>
+          <c:orientation val="minMax"/>
+        </c:scaling>
+        <c:delete val="1"/>
+        <c:axPos val="l"/>
+        <c:numFmt formatCode="General" sourceLinked="1"/>
+        <c:majorTickMark val="none"/>
+        <c:minorTickMark val="none"/>
+        <c:tickLblPos val="nextTo"/>
+        <c:crossAx val="2028555680"/>
         <c:crosses val="autoZero"/>
         <c:crossBetween val="between"/>
       </c:valAx>
@@ -3014,6 +1901,46 @@
 </file>
 
 <file path=ppt/charts/colors4.xml><?xml version="1.0" encoding="utf-8"?>
+<cs:colorStyle xmlns:cs="http://schemas.microsoft.com/office/drawing/2012/chartStyle" xmlns:a="http://schemas.openxmlformats.org/drawingml/2006/main" meth="cycle" id="10">
+  <a:schemeClr val="accent1"/>
+  <a:schemeClr val="accent2"/>
+  <a:schemeClr val="accent3"/>
+  <a:schemeClr val="accent4"/>
+  <a:schemeClr val="accent5"/>
+  <a:schemeClr val="accent6"/>
+  <cs:variation/>
+  <cs:variation>
+    <a:lumMod val="60000"/>
+  </cs:variation>
+  <cs:variation>
+    <a:lumMod val="80000"/>
+    <a:lumOff val="20000"/>
+  </cs:variation>
+  <cs:variation>
+    <a:lumMod val="80000"/>
+  </cs:variation>
+  <cs:variation>
+    <a:lumMod val="60000"/>
+    <a:lumOff val="40000"/>
+  </cs:variation>
+  <cs:variation>
+    <a:lumMod val="50000"/>
+  </cs:variation>
+  <cs:variation>
+    <a:lumMod val="70000"/>
+    <a:lumOff val="30000"/>
+  </cs:variation>
+  <cs:variation>
+    <a:lumMod val="70000"/>
+  </cs:variation>
+  <cs:variation>
+    <a:lumMod val="50000"/>
+    <a:lumOff val="50000"/>
+  </cs:variation>
+</cs:colorStyle>
+</file>
+
+<file path=ppt/charts/colors5.xml><?xml version="1.0" encoding="utf-8"?>
 <cs:colorStyle xmlns:cs="http://schemas.microsoft.com/office/drawing/2012/chartStyle" xmlns:a="http://schemas.openxmlformats.org/drawingml/2006/main" meth="cycle" id="10">
   <a:schemeClr val="accent1"/>
   <a:schemeClr val="accent2"/>
@@ -5116,6 +4043,544 @@
 </cs:chartStyle>
 </file>
 
+<file path=ppt/charts/style5.xml><?xml version="1.0" encoding="utf-8"?>
+<cs:chartStyle xmlns:cs="http://schemas.microsoft.com/office/drawing/2012/chartStyle" xmlns:a="http://schemas.openxmlformats.org/drawingml/2006/main" id="230">
+  <cs:axisTitle>
+    <cs:lnRef idx="0"/>
+    <cs:fillRef idx="0"/>
+    <cs:effectRef idx="0"/>
+    <cs:fontRef idx="minor">
+      <a:schemeClr val="dk1">
+        <a:lumMod val="65000"/>
+        <a:lumOff val="35000"/>
+      </a:schemeClr>
+    </cs:fontRef>
+    <cs:defRPr sz="1197" kern="1200" cap="all"/>
+  </cs:axisTitle>
+  <cs:categoryAxis>
+    <cs:lnRef idx="0"/>
+    <cs:fillRef idx="0"/>
+    <cs:effectRef idx="0"/>
+    <cs:fontRef idx="minor">
+      <a:schemeClr val="dk1">
+        <a:lumMod val="65000"/>
+        <a:lumOff val="35000"/>
+      </a:schemeClr>
+    </cs:fontRef>
+    <cs:spPr>
+      <a:ln w="9525" cap="flat" cmpd="sng" algn="ctr">
+        <a:solidFill>
+          <a:schemeClr val="dk1">
+            <a:lumMod val="15000"/>
+            <a:lumOff val="85000"/>
+          </a:schemeClr>
+        </a:solidFill>
+        <a:round/>
+      </a:ln>
+    </cs:spPr>
+    <cs:defRPr sz="1197" b="0" kern="1200" spc="20" baseline="0"/>
+  </cs:categoryAxis>
+  <cs:chartArea mods="allowNoLineOverride">
+    <cs:lnRef idx="0"/>
+    <cs:fillRef idx="0"/>
+    <cs:effectRef idx="0"/>
+    <cs:fontRef idx="minor">
+      <a:schemeClr val="dk1"/>
+    </cs:fontRef>
+    <cs:spPr>
+      <a:solidFill>
+        <a:schemeClr val="lt1"/>
+      </a:solidFill>
+      <a:ln w="9525" cap="flat" cmpd="sng" algn="ctr">
+        <a:solidFill>
+          <a:schemeClr val="dk1">
+            <a:lumMod val="15000"/>
+            <a:lumOff val="85000"/>
+          </a:schemeClr>
+        </a:solidFill>
+        <a:round/>
+      </a:ln>
+    </cs:spPr>
+    <cs:defRPr sz="1197" kern="1200"/>
+  </cs:chartArea>
+  <cs:dataLabel>
+    <cs:lnRef idx="0"/>
+    <cs:fillRef idx="0"/>
+    <cs:effectRef idx="0"/>
+    <cs:fontRef idx="minor">
+      <a:schemeClr val="dk1">
+        <a:lumMod val="65000"/>
+        <a:lumOff val="35000"/>
+      </a:schemeClr>
+    </cs:fontRef>
+    <cs:defRPr sz="1197" kern="1200"/>
+  </cs:dataLabel>
+  <cs:dataLabelCallout>
+    <cs:lnRef idx="0"/>
+    <cs:fillRef idx="0"/>
+    <cs:effectRef idx="0"/>
+    <cs:fontRef idx="minor">
+      <a:schemeClr val="dk1">
+        <a:lumMod val="65000"/>
+        <a:lumOff val="35000"/>
+      </a:schemeClr>
+    </cs:fontRef>
+    <cs:spPr>
+      <a:solidFill>
+        <a:schemeClr val="lt1"/>
+      </a:solidFill>
+      <a:ln>
+        <a:solidFill>
+          <a:schemeClr val="dk1">
+            <a:lumMod val="25000"/>
+            <a:lumOff val="75000"/>
+          </a:schemeClr>
+        </a:solidFill>
+      </a:ln>
+    </cs:spPr>
+    <cs:defRPr sz="1197" kern="1200"/>
+    <cs:bodyPr rot="0" spcFirstLastPara="1" vertOverflow="clip" horzOverflow="clip" vert="horz" wrap="square" lIns="36576" tIns="18288" rIns="36576" bIns="18288" anchor="ctr" anchorCtr="1">
+      <a:spAutoFit/>
+    </cs:bodyPr>
+  </cs:dataLabelCallout>
+  <cs:dataPoint>
+    <cs:lnRef idx="0">
+      <cs:styleClr val="auto"/>
+    </cs:lnRef>
+    <cs:fillRef idx="2">
+      <cs:styleClr val="auto"/>
+    </cs:fillRef>
+    <cs:effectRef idx="1"/>
+    <cs:fontRef idx="minor">
+      <a:schemeClr val="dk1"/>
+    </cs:fontRef>
+    <cs:spPr>
+      <a:ln w="9525" cap="flat" cmpd="sng" algn="ctr">
+        <a:solidFill>
+          <a:schemeClr val="phClr">
+            <a:shade val="95000"/>
+          </a:schemeClr>
+        </a:solidFill>
+        <a:round/>
+      </a:ln>
+    </cs:spPr>
+  </cs:dataPoint>
+  <cs:dataPoint3D>
+    <cs:lnRef idx="0">
+      <cs:styleClr val="auto"/>
+    </cs:lnRef>
+    <cs:fillRef idx="2">
+      <cs:styleClr val="auto"/>
+    </cs:fillRef>
+    <cs:effectRef idx="1"/>
+    <cs:fontRef idx="minor">
+      <a:schemeClr val="dk1"/>
+    </cs:fontRef>
+    <cs:spPr>
+      <a:ln w="9525" cap="flat" cmpd="sng" algn="ctr">
+        <a:solidFill>
+          <a:schemeClr val="phClr">
+            <a:shade val="95000"/>
+          </a:schemeClr>
+        </a:solidFill>
+        <a:round/>
+      </a:ln>
+    </cs:spPr>
+  </cs:dataPoint3D>
+  <cs:dataPointLine>
+    <cs:lnRef idx="0">
+      <cs:styleClr val="auto"/>
+    </cs:lnRef>
+    <cs:fillRef idx="0"/>
+    <cs:effectRef idx="0"/>
+    <cs:fontRef idx="minor">
+      <a:schemeClr val="dk1"/>
+    </cs:fontRef>
+    <cs:spPr>
+      <a:ln w="22225" cap="rnd" cmpd="sng" algn="ctr">
+        <a:solidFill>
+          <a:schemeClr val="phClr"/>
+        </a:solidFill>
+        <a:round/>
+      </a:ln>
+    </cs:spPr>
+  </cs:dataPointLine>
+  <cs:dataPointMarker>
+    <cs:lnRef idx="0">
+      <cs:styleClr val="auto"/>
+    </cs:lnRef>
+    <cs:fillRef idx="0">
+      <cs:styleClr val="auto"/>
+    </cs:fillRef>
+    <cs:effectRef idx="0"/>
+    <cs:fontRef idx="minor">
+      <a:schemeClr val="dk1"/>
+    </cs:fontRef>
+    <cs:spPr>
+      <a:solidFill>
+        <a:schemeClr val="phClr"/>
+      </a:solidFill>
+      <a:ln w="9525" cap="flat" cmpd="sng" algn="ctr">
+        <a:solidFill>
+          <a:schemeClr val="phClr"/>
+        </a:solidFill>
+        <a:round/>
+      </a:ln>
+    </cs:spPr>
+  </cs:dataPointMarker>
+  <cs:dataPointMarkerLayout symbol="circle" size="4"/>
+  <cs:dataPointWireframe>
+    <cs:lnRef idx="0">
+      <cs:styleClr val="auto"/>
+    </cs:lnRef>
+    <cs:fillRef idx="0"/>
+    <cs:effectRef idx="0"/>
+    <cs:fontRef idx="minor">
+      <a:schemeClr val="dk1"/>
+    </cs:fontRef>
+    <cs:spPr>
+      <a:ln w="9525" cap="rnd">
+        <a:solidFill>
+          <a:schemeClr val="phClr"/>
+        </a:solidFill>
+        <a:round/>
+      </a:ln>
+    </cs:spPr>
+  </cs:dataPointWireframe>
+  <cs:dataTable>
+    <cs:lnRef idx="0"/>
+    <cs:fillRef idx="0"/>
+    <cs:effectRef idx="0"/>
+    <cs:fontRef idx="minor">
+      <a:schemeClr val="dk1">
+        <a:lumMod val="65000"/>
+        <a:lumOff val="35000"/>
+      </a:schemeClr>
+    </cs:fontRef>
+    <cs:spPr>
+      <a:ln w="9525">
+        <a:solidFill>
+          <a:schemeClr val="dk1">
+            <a:lumMod val="15000"/>
+            <a:lumOff val="85000"/>
+          </a:schemeClr>
+        </a:solidFill>
+      </a:ln>
+    </cs:spPr>
+    <cs:defRPr sz="1197" kern="1200"/>
+  </cs:dataTable>
+  <cs:downBar>
+    <cs:lnRef idx="0"/>
+    <cs:fillRef idx="0"/>
+    <cs:effectRef idx="0"/>
+    <cs:fontRef idx="minor">
+      <a:schemeClr val="dk1"/>
+    </cs:fontRef>
+    <cs:spPr>
+      <a:solidFill>
+        <a:schemeClr val="dk1">
+          <a:lumMod val="75000"/>
+          <a:lumOff val="25000"/>
+        </a:schemeClr>
+      </a:solidFill>
+      <a:ln w="9525">
+        <a:solidFill>
+          <a:schemeClr val="dk1">
+            <a:lumMod val="65000"/>
+            <a:lumOff val="35000"/>
+          </a:schemeClr>
+        </a:solidFill>
+      </a:ln>
+    </cs:spPr>
+  </cs:downBar>
+  <cs:dropLine>
+    <cs:lnRef idx="0"/>
+    <cs:fillRef idx="0"/>
+    <cs:effectRef idx="0"/>
+    <cs:fontRef idx="minor">
+      <a:schemeClr val="dk1"/>
+    </cs:fontRef>
+    <cs:spPr>
+      <a:ln w="9525" cap="flat" cmpd="sng" algn="ctr">
+        <a:solidFill>
+          <a:schemeClr val="dk1">
+            <a:lumMod val="35000"/>
+            <a:lumOff val="65000"/>
+            <a:alpha val="33000"/>
+          </a:schemeClr>
+        </a:solidFill>
+        <a:round/>
+      </a:ln>
+    </cs:spPr>
+  </cs:dropLine>
+  <cs:errorBar>
+    <cs:lnRef idx="0"/>
+    <cs:fillRef idx="0"/>
+    <cs:effectRef idx="0"/>
+    <cs:fontRef idx="minor">
+      <a:schemeClr val="dk1"/>
+    </cs:fontRef>
+    <cs:spPr>
+      <a:ln w="9525">
+        <a:solidFill>
+          <a:schemeClr val="dk1">
+            <a:lumMod val="65000"/>
+            <a:lumOff val="35000"/>
+          </a:schemeClr>
+        </a:solidFill>
+      </a:ln>
+    </cs:spPr>
+  </cs:errorBar>
+  <cs:floor>
+    <cs:lnRef idx="0"/>
+    <cs:fillRef idx="0"/>
+    <cs:effectRef idx="0"/>
+    <cs:fontRef idx="minor">
+      <a:schemeClr val="dk1"/>
+    </cs:fontRef>
+  </cs:floor>
+  <cs:gridlineMajor>
+    <cs:lnRef idx="0"/>
+    <cs:fillRef idx="0"/>
+    <cs:effectRef idx="0"/>
+    <cs:fontRef idx="minor">
+      <a:schemeClr val="dk1"/>
+    </cs:fontRef>
+    <cs:spPr>
+      <a:ln>
+        <a:solidFill>
+          <a:schemeClr val="dk1">
+            <a:lumMod val="15000"/>
+            <a:lumOff val="85000"/>
+          </a:schemeClr>
+        </a:solidFill>
+      </a:ln>
+    </cs:spPr>
+  </cs:gridlineMajor>
+  <cs:gridlineMinor>
+    <cs:lnRef idx="0"/>
+    <cs:fillRef idx="0"/>
+    <cs:effectRef idx="0"/>
+    <cs:fontRef idx="minor">
+      <a:schemeClr val="dk1"/>
+    </cs:fontRef>
+    <cs:spPr>
+      <a:ln>
+        <a:solidFill>
+          <a:schemeClr val="dk1">
+            <a:lumMod val="5000"/>
+            <a:lumOff val="95000"/>
+          </a:schemeClr>
+        </a:solidFill>
+      </a:ln>
+    </cs:spPr>
+  </cs:gridlineMinor>
+  <cs:hiLoLine>
+    <cs:lnRef idx="0"/>
+    <cs:fillRef idx="0"/>
+    <cs:effectRef idx="0"/>
+    <cs:fontRef idx="minor">
+      <a:schemeClr val="dk1"/>
+    </cs:fontRef>
+    <cs:spPr>
+      <a:ln w="9525">
+        <a:solidFill>
+          <a:schemeClr val="dk1">
+            <a:lumMod val="35000"/>
+            <a:lumOff val="65000"/>
+          </a:schemeClr>
+        </a:solidFill>
+      </a:ln>
+    </cs:spPr>
+  </cs:hiLoLine>
+  <cs:leaderLine>
+    <cs:lnRef idx="0"/>
+    <cs:fillRef idx="0"/>
+    <cs:effectRef idx="0"/>
+    <cs:fontRef idx="minor">
+      <a:schemeClr val="dk1"/>
+    </cs:fontRef>
+    <cs:spPr>
+      <a:ln w="9525">
+        <a:solidFill>
+          <a:schemeClr val="dk1">
+            <a:lumMod val="35000"/>
+            <a:lumOff val="65000"/>
+          </a:schemeClr>
+        </a:solidFill>
+      </a:ln>
+    </cs:spPr>
+  </cs:leaderLine>
+  <cs:legend>
+    <cs:lnRef idx="0"/>
+    <cs:fillRef idx="0"/>
+    <cs:effectRef idx="0"/>
+    <cs:fontRef idx="minor">
+      <a:schemeClr val="dk1">
+        <a:lumMod val="65000"/>
+        <a:lumOff val="35000"/>
+      </a:schemeClr>
+    </cs:fontRef>
+    <cs:defRPr sz="1197" kern="1200"/>
+  </cs:legend>
+  <cs:plotArea>
+    <cs:lnRef idx="0"/>
+    <cs:fillRef idx="0"/>
+    <cs:effectRef idx="0"/>
+    <cs:fontRef idx="minor">
+      <a:schemeClr val="dk1"/>
+    </cs:fontRef>
+    <cs:spPr>
+      <a:gradFill>
+        <a:gsLst>
+          <a:gs pos="100000">
+            <a:schemeClr val="lt1">
+              <a:lumMod val="95000"/>
+            </a:schemeClr>
+          </a:gs>
+          <a:gs pos="0">
+            <a:schemeClr val="lt1"/>
+          </a:gs>
+        </a:gsLst>
+        <a:lin ang="5400000" scaled="0"/>
+      </a:gradFill>
+    </cs:spPr>
+  </cs:plotArea>
+  <cs:plotArea3D>
+    <cs:lnRef idx="0"/>
+    <cs:fillRef idx="0"/>
+    <cs:effectRef idx="0"/>
+    <cs:fontRef idx="minor">
+      <a:schemeClr val="dk1"/>
+    </cs:fontRef>
+  </cs:plotArea3D>
+  <cs:seriesAxis>
+    <cs:lnRef idx="0"/>
+    <cs:fillRef idx="0"/>
+    <cs:effectRef idx="0"/>
+    <cs:fontRef idx="minor">
+      <a:schemeClr val="dk1">
+        <a:lumMod val="65000"/>
+        <a:lumOff val="35000"/>
+      </a:schemeClr>
+    </cs:fontRef>
+    <cs:spPr>
+      <a:ln w="9525" cap="flat" cmpd="sng" algn="ctr">
+        <a:solidFill>
+          <a:schemeClr val="dk1">
+            <a:lumMod val="15000"/>
+            <a:lumOff val="85000"/>
+          </a:schemeClr>
+        </a:solidFill>
+        <a:round/>
+      </a:ln>
+    </cs:spPr>
+    <cs:defRPr sz="1197" kern="1200"/>
+  </cs:seriesAxis>
+  <cs:seriesLine>
+    <cs:lnRef idx="0"/>
+    <cs:fillRef idx="0"/>
+    <cs:effectRef idx="0"/>
+    <cs:fontRef idx="minor">
+      <a:schemeClr val="dk1"/>
+    </cs:fontRef>
+    <cs:spPr>
+      <a:ln w="9525">
+        <a:solidFill>
+          <a:schemeClr val="dk1">
+            <a:lumMod val="35000"/>
+            <a:lumOff val="65000"/>
+          </a:schemeClr>
+        </a:solidFill>
+        <a:prstDash val="dash"/>
+      </a:ln>
+    </cs:spPr>
+  </cs:seriesLine>
+  <cs:title>
+    <cs:lnRef idx="0"/>
+    <cs:fillRef idx="0"/>
+    <cs:effectRef idx="0"/>
+    <cs:fontRef idx="minor">
+      <a:schemeClr val="dk1">
+        <a:lumMod val="50000"/>
+        <a:lumOff val="50000"/>
+      </a:schemeClr>
+    </cs:fontRef>
+    <cs:defRPr sz="1862" kern="1200" cap="none" spc="20" baseline="0"/>
+  </cs:title>
+  <cs:trendline>
+    <cs:lnRef idx="0">
+      <cs:styleClr val="auto"/>
+    </cs:lnRef>
+    <cs:fillRef idx="0"/>
+    <cs:effectRef idx="0"/>
+    <cs:fontRef idx="minor">
+      <a:schemeClr val="dk1"/>
+    </cs:fontRef>
+    <cs:spPr>
+      <a:ln w="9525" cap="rnd">
+        <a:solidFill>
+          <a:schemeClr val="phClr"/>
+        </a:solidFill>
+      </a:ln>
+    </cs:spPr>
+  </cs:trendline>
+  <cs:trendlineLabel>
+    <cs:lnRef idx="0"/>
+    <cs:fillRef idx="0"/>
+    <cs:effectRef idx="0"/>
+    <cs:fontRef idx="minor">
+      <a:schemeClr val="dk1">
+        <a:lumMod val="65000"/>
+        <a:lumOff val="35000"/>
+      </a:schemeClr>
+    </cs:fontRef>
+    <cs:defRPr sz="1197" kern="1200"/>
+  </cs:trendlineLabel>
+  <cs:upBar>
+    <cs:lnRef idx="0"/>
+    <cs:fillRef idx="0"/>
+    <cs:effectRef idx="0"/>
+    <cs:fontRef idx="minor">
+      <a:schemeClr val="dk1"/>
+    </cs:fontRef>
+    <cs:spPr>
+      <a:solidFill>
+        <a:schemeClr val="lt1"/>
+      </a:solidFill>
+      <a:ln w="9525">
+        <a:solidFill>
+          <a:schemeClr val="dk1">
+            <a:lumMod val="65000"/>
+            <a:lumOff val="35000"/>
+          </a:schemeClr>
+        </a:solidFill>
+      </a:ln>
+    </cs:spPr>
+  </cs:upBar>
+  <cs:valueAxis>
+    <cs:lnRef idx="0"/>
+    <cs:fillRef idx="0"/>
+    <cs:effectRef idx="0"/>
+    <cs:fontRef idx="minor">
+      <a:schemeClr val="dk1">
+        <a:lumMod val="65000"/>
+        <a:lumOff val="35000"/>
+      </a:schemeClr>
+    </cs:fontRef>
+    <cs:defRPr sz="1197" kern="1200" spc="20" baseline="0"/>
+  </cs:valueAxis>
+  <cs:wall>
+    <cs:lnRef idx="0"/>
+    <cs:fillRef idx="0"/>
+    <cs:effectRef idx="0"/>
+    <cs:fontRef idx="minor">
+      <a:schemeClr val="dk1"/>
+    </cs:fontRef>
+  </cs:wall>
+</cs:chartStyle>
+</file>
+
 <file path=ppt/notesMasters/notesMaster1.xml><?xml version="1.0" encoding="utf-8"?>
 <p:notesMaster xmlns:a="http://schemas.openxmlformats.org/drawingml/2006/main" xmlns:r="http://schemas.openxmlformats.org/officeDocument/2006/relationships" xmlns:p="http://schemas.openxmlformats.org/presentationml/2006/main">
   <p:cSld>
@@ -5198,7 +4663,7 @@
           <a:p>
             <a:fld id="{6BC12010-B929-8747-8496-F1869C02CD8D}" type="datetimeFigureOut">
               <a:rPr lang="de-DE" smtClean="0"/>
-              <a:t>02.12.21</a:t>
+              <a:t>02.12.2021</a:t>
             </a:fld>
             <a:endParaRPr lang="de-DE"/>
           </a:p>
@@ -5511,7 +4976,21 @@
           <a:p>
             <a:r>
               <a:rPr lang="de-DE" dirty="0"/>
-              <a:t>Merlin</a:t>
+              <a:t>Hallo </a:t>
+            </a:r>
+            <a:r>
+              <a:rPr lang="de-DE" dirty="0">
+                <a:sym typeface="Wingdings" panose="05000000000000000000" pitchFamily="2" charset="2"/>
+              </a:rPr>
+              <a:t>:) </a:t>
+            </a:r>
+          </a:p>
+          <a:p>
+            <a:r>
+              <a:rPr lang="de-DE" dirty="0">
+                <a:sym typeface="Wingdings" panose="05000000000000000000" pitchFamily="2" charset="2"/>
+              </a:rPr>
+              <a:t>Will kommen zu unserer Präsentation zur Definitionsphase</a:t>
             </a:r>
           </a:p>
         </p:txBody>
@@ -6850,16 +6329,94 @@
           <a:lstStyle/>
           <a:p>
             <a:r>
-              <a:rPr lang="de-DE" dirty="0"/>
-              <a:t>30 sec</a:t>
-            </a:r>
-          </a:p>
-          <a:p>
-            <a:r>
-              <a:rPr lang="de-DE"/>
-              <a:t>Merlin</a:t>
-            </a:r>
-            <a:endParaRPr lang="de-DE" dirty="0"/>
+              <a:rPr lang="de-DE" sz="1800" dirty="0">
+                <a:effectLst/>
+                <a:latin typeface="Calibri" panose="020F0502020204030204" pitchFamily="34" charset="0"/>
+                <a:ea typeface="Times New Roman" panose="02020603050405020304" pitchFamily="18" charset="0"/>
+              </a:rPr>
+              <a:t>Dank „Daily Data“ weiß Alice jetzt, dass sie mehr Kaffee als all ihre Freunde zusammen trinkt.</a:t>
+            </a:r>
+          </a:p>
+          <a:p>
+            <a:r>
+              <a:rPr lang="de-DE" sz="1800" dirty="0">
+                <a:effectLst/>
+                <a:latin typeface="Calibri" panose="020F0502020204030204" pitchFamily="34" charset="0"/>
+                <a:ea typeface="Times New Roman" panose="02020603050405020304" pitchFamily="18" charset="0"/>
+              </a:rPr>
+              <a:t>-&gt; Sie hat in der Tat ein Kaffee Problem</a:t>
+            </a:r>
+          </a:p>
+          <a:p>
+            <a:endParaRPr lang="de-DE" sz="1800" dirty="0">
+              <a:effectLst/>
+              <a:latin typeface="Calibri" panose="020F0502020204030204" pitchFamily="34" charset="0"/>
+              <a:ea typeface="Times New Roman" panose="02020603050405020304" pitchFamily="18" charset="0"/>
+            </a:endParaRPr>
+          </a:p>
+          <a:p>
+            <a:r>
+              <a:rPr lang="de-DE" sz="1800" dirty="0">
+                <a:effectLst/>
+                <a:latin typeface="Calibri" panose="020F0502020204030204" pitchFamily="34" charset="0"/>
+                <a:ea typeface="Times New Roman" panose="02020603050405020304" pitchFamily="18" charset="0"/>
+              </a:rPr>
+              <a:t>--------------------- Press</a:t>
+            </a:r>
+          </a:p>
+          <a:p>
+            <a:endParaRPr lang="de-DE" sz="1800" dirty="0">
+              <a:effectLst/>
+              <a:latin typeface="Calibri" panose="020F0502020204030204" pitchFamily="34" charset="0"/>
+              <a:ea typeface="Times New Roman" panose="02020603050405020304" pitchFamily="18" charset="0"/>
+            </a:endParaRPr>
+          </a:p>
+          <a:p>
+            <a:r>
+              <a:rPr lang="de-DE" sz="1800" dirty="0">
+                <a:effectLst/>
+                <a:latin typeface="Calibri" panose="020F0502020204030204" pitchFamily="34" charset="0"/>
+                <a:ea typeface="Times New Roman" panose="02020603050405020304" pitchFamily="18" charset="0"/>
+              </a:rPr>
+              <a:t>Aber sie hat ein noch viel schlimmeres Cola Problem.</a:t>
+            </a:r>
+          </a:p>
+          <a:p>
+            <a:endParaRPr lang="de-DE" sz="1800" dirty="0">
+              <a:effectLst/>
+              <a:latin typeface="Calibri" panose="020F0502020204030204" pitchFamily="34" charset="0"/>
+              <a:ea typeface="Times New Roman" panose="02020603050405020304" pitchFamily="18" charset="0"/>
+            </a:endParaRPr>
+          </a:p>
+          <a:p>
+            <a:endParaRPr lang="de-DE" sz="1800" dirty="0">
+              <a:effectLst/>
+              <a:latin typeface="Calibri" panose="020F0502020204030204" pitchFamily="34" charset="0"/>
+              <a:ea typeface="Times New Roman" panose="02020603050405020304" pitchFamily="18" charset="0"/>
+            </a:endParaRPr>
+          </a:p>
+          <a:p>
+            <a:r>
+              <a:rPr lang="de-DE" sz="1800" dirty="0">
+                <a:effectLst/>
+                <a:latin typeface="Calibri" panose="020F0502020204030204" pitchFamily="34" charset="0"/>
+                <a:ea typeface="Times New Roman" panose="02020603050405020304" pitchFamily="18" charset="0"/>
+              </a:rPr>
+              <a:t>Vielen Dank für </a:t>
+            </a:r>
+            <a:r>
+              <a:rPr lang="de-DE" sz="1800">
+                <a:effectLst/>
+                <a:latin typeface="Calibri" panose="020F0502020204030204" pitchFamily="34" charset="0"/>
+                <a:ea typeface="Times New Roman" panose="02020603050405020304" pitchFamily="18" charset="0"/>
+              </a:rPr>
+              <a:t>ihre Aufmerksamkeit :D</a:t>
+            </a:r>
+            <a:endParaRPr lang="de-DE" sz="1800" dirty="0">
+              <a:effectLst/>
+              <a:latin typeface="Calibri" panose="020F0502020204030204" pitchFamily="34" charset="0"/>
+              <a:ea typeface="Times New Roman" panose="02020603050405020304" pitchFamily="18" charset="0"/>
+            </a:endParaRPr>
           </a:p>
         </p:txBody>
       </p:sp>
@@ -6943,31 +6500,256 @@
           <a:bodyPr/>
           <a:lstStyle/>
           <a:p>
-            <a:r>
-              <a:rPr lang="de-DE" dirty="0"/>
-              <a:t>Alice will wissen, wieviel Kaffee sie trinkt –&gt; Mitschreiben um Überblick; als Graph</a:t>
-            </a:r>
-          </a:p>
-          <a:p>
-            <a:r>
-              <a:rPr lang="de-DE" dirty="0"/>
-              <a:t>App runterladen</a:t>
-            </a:r>
-          </a:p>
-          <a:p>
-            <a:r>
-              <a:rPr lang="de-DE" dirty="0"/>
-              <a:t>(1 min)</a:t>
-            </a:r>
-          </a:p>
-          <a:p>
-            <a:endParaRPr lang="de-DE" dirty="0"/>
-          </a:p>
-          <a:p>
-            <a:r>
-              <a:rPr lang="de-DE" dirty="0"/>
-              <a:t>Merlin</a:t>
-            </a:r>
+            <a:pPr>
+              <a:lnSpc>
+                <a:spcPct val="115000"/>
+              </a:lnSpc>
+              <a:spcAft>
+                <a:spcPts val="1000"/>
+              </a:spcAft>
+            </a:pPr>
+            <a:r>
+              <a:rPr lang="de-DE" sz="1800" dirty="0">
+                <a:effectLst/>
+                <a:latin typeface="Calibri" panose="020F0502020204030204" pitchFamily="34" charset="0"/>
+                <a:ea typeface="Times New Roman" panose="02020603050405020304" pitchFamily="18" charset="0"/>
+                <a:cs typeface="Calibri" panose="020F0502020204030204" pitchFamily="34" charset="0"/>
+              </a:rPr>
+              <a:t>Dies ist Alice </a:t>
+            </a:r>
+          </a:p>
+          <a:p>
+            <a:pPr>
+              <a:lnSpc>
+                <a:spcPct val="115000"/>
+              </a:lnSpc>
+              <a:spcAft>
+                <a:spcPts val="1000"/>
+              </a:spcAft>
+            </a:pPr>
+            <a:r>
+              <a:rPr lang="de-DE" sz="1800" dirty="0">
+                <a:effectLst/>
+                <a:latin typeface="Calibri" panose="020F0502020204030204" pitchFamily="34" charset="0"/>
+                <a:ea typeface="Times New Roman" panose="02020603050405020304" pitchFamily="18" charset="0"/>
+                <a:cs typeface="Calibri" panose="020F0502020204030204" pitchFamily="34" charset="0"/>
+              </a:rPr>
+              <a:t>--------------------Press</a:t>
+            </a:r>
+          </a:p>
+          <a:p>
+            <a:pPr marL="0" indent="0">
+              <a:lnSpc>
+                <a:spcPct val="115000"/>
+              </a:lnSpc>
+              <a:spcAft>
+                <a:spcPts val="1000"/>
+              </a:spcAft>
+              <a:buFontTx/>
+              <a:buNone/>
+            </a:pPr>
+            <a:r>
+              <a:rPr lang="de-DE" sz="1800" dirty="0">
+                <a:effectLst/>
+                <a:latin typeface="Calibri" panose="020F0502020204030204" pitchFamily="34" charset="0"/>
+                <a:ea typeface="Times New Roman" panose="02020603050405020304" pitchFamily="18" charset="0"/>
+                <a:cs typeface="Calibri" panose="020F0502020204030204" pitchFamily="34" charset="0"/>
+              </a:rPr>
+              <a:t>sie ist Studentin</a:t>
+            </a:r>
+            <a:endParaRPr lang="de-DE" sz="1800" dirty="0">
+              <a:effectLst/>
+              <a:latin typeface="Calibri" panose="020F0502020204030204" pitchFamily="34" charset="0"/>
+              <a:ea typeface="Times New Roman" panose="02020603050405020304" pitchFamily="18" charset="0"/>
+              <a:cs typeface="Times New Roman" panose="02020603050405020304" pitchFamily="18" charset="0"/>
+            </a:endParaRPr>
+          </a:p>
+          <a:p>
+            <a:pPr>
+              <a:lnSpc>
+                <a:spcPct val="115000"/>
+              </a:lnSpc>
+              <a:spcAft>
+                <a:spcPts val="1000"/>
+              </a:spcAft>
+            </a:pPr>
+            <a:r>
+              <a:rPr lang="de-DE" sz="1800" dirty="0">
+                <a:effectLst/>
+                <a:latin typeface="Calibri" panose="020F0502020204030204" pitchFamily="34" charset="0"/>
+                <a:ea typeface="Times New Roman" panose="02020603050405020304" pitchFamily="18" charset="0"/>
+                <a:cs typeface="Calibri" panose="020F0502020204030204" pitchFamily="34" charset="0"/>
+              </a:rPr>
+              <a:t>Stress, </a:t>
+            </a:r>
+            <a:r>
+              <a:rPr lang="de-DE" sz="1800" dirty="0" err="1">
+                <a:effectLst/>
+                <a:latin typeface="Calibri" panose="020F0502020204030204" pitchFamily="34" charset="0"/>
+                <a:ea typeface="Times New Roman" panose="02020603050405020304" pitchFamily="18" charset="0"/>
+                <a:cs typeface="Calibri" panose="020F0502020204030204" pitchFamily="34" charset="0"/>
+              </a:rPr>
+              <a:t>schlafmangel</a:t>
+            </a:r>
+            <a:endParaRPr lang="de-DE" sz="1800" dirty="0">
+              <a:effectLst/>
+              <a:latin typeface="Calibri" panose="020F0502020204030204" pitchFamily="34" charset="0"/>
+              <a:ea typeface="Times New Roman" panose="02020603050405020304" pitchFamily="18" charset="0"/>
+              <a:cs typeface="Calibri" panose="020F0502020204030204" pitchFamily="34" charset="0"/>
+            </a:endParaRPr>
+          </a:p>
+          <a:p>
+            <a:pPr>
+              <a:lnSpc>
+                <a:spcPct val="115000"/>
+              </a:lnSpc>
+              <a:spcAft>
+                <a:spcPts val="1000"/>
+              </a:spcAft>
+            </a:pPr>
+            <a:endParaRPr lang="de-DE" sz="1800" dirty="0">
+              <a:effectLst/>
+              <a:latin typeface="Calibri" panose="020F0502020204030204" pitchFamily="34" charset="0"/>
+              <a:ea typeface="Times New Roman" panose="02020603050405020304" pitchFamily="18" charset="0"/>
+              <a:cs typeface="Calibri" panose="020F0502020204030204" pitchFamily="34" charset="0"/>
+            </a:endParaRPr>
+          </a:p>
+          <a:p>
+            <a:pPr>
+              <a:lnSpc>
+                <a:spcPct val="115000"/>
+              </a:lnSpc>
+              <a:spcAft>
+                <a:spcPts val="1000"/>
+              </a:spcAft>
+            </a:pPr>
+            <a:r>
+              <a:rPr lang="de-DE" sz="1800" dirty="0">
+                <a:effectLst/>
+                <a:latin typeface="Calibri" panose="020F0502020204030204" pitchFamily="34" charset="0"/>
+                <a:ea typeface="Times New Roman" panose="02020603050405020304" pitchFamily="18" charset="0"/>
+                <a:cs typeface="Calibri" panose="020F0502020204030204" pitchFamily="34" charset="0"/>
+              </a:rPr>
+              <a:t>-Pause- (Implikation)</a:t>
+            </a:r>
+            <a:endParaRPr lang="de-DE" sz="1800" dirty="0">
+              <a:effectLst/>
+              <a:latin typeface="Calibri" panose="020F0502020204030204" pitchFamily="34" charset="0"/>
+              <a:ea typeface="Times New Roman" panose="02020603050405020304" pitchFamily="18" charset="0"/>
+              <a:cs typeface="Times New Roman" panose="02020603050405020304" pitchFamily="18" charset="0"/>
+            </a:endParaRPr>
+          </a:p>
+          <a:p>
+            <a:pPr>
+              <a:lnSpc>
+                <a:spcPct val="115000"/>
+              </a:lnSpc>
+              <a:spcAft>
+                <a:spcPts val="1000"/>
+              </a:spcAft>
+            </a:pPr>
+            <a:endParaRPr lang="de-DE" sz="1800" dirty="0">
+              <a:effectLst/>
+              <a:latin typeface="Calibri" panose="020F0502020204030204" pitchFamily="34" charset="0"/>
+              <a:ea typeface="Times New Roman" panose="02020603050405020304" pitchFamily="18" charset="0"/>
+              <a:cs typeface="Calibri" panose="020F0502020204030204" pitchFamily="34" charset="0"/>
+            </a:endParaRPr>
+          </a:p>
+          <a:p>
+            <a:pPr marL="0" marR="0" lvl="0" indent="0" algn="l" defTabSz="914400" rtl="0" eaLnBrk="1" fontAlgn="auto" latinLnBrk="0" hangingPunct="1">
+              <a:lnSpc>
+                <a:spcPct val="115000"/>
+              </a:lnSpc>
+              <a:spcBef>
+                <a:spcPts val="0"/>
+              </a:spcBef>
+              <a:spcAft>
+                <a:spcPts val="1000"/>
+              </a:spcAft>
+              <a:buClrTx/>
+              <a:buSzTx/>
+              <a:buFontTx/>
+              <a:buNone/>
+              <a:tabLst/>
+              <a:defRPr/>
+            </a:pPr>
+            <a:r>
+              <a:rPr lang="de-DE" sz="1800" dirty="0">
+                <a:effectLst/>
+                <a:latin typeface="Calibri" panose="020F0502020204030204" pitchFamily="34" charset="0"/>
+                <a:ea typeface="Times New Roman" panose="02020603050405020304" pitchFamily="18" charset="0"/>
+                <a:cs typeface="Calibri" panose="020F0502020204030204" pitchFamily="34" charset="0"/>
+              </a:rPr>
+              <a:t>--------------------Press</a:t>
+            </a:r>
+          </a:p>
+          <a:p>
+            <a:pPr>
+              <a:lnSpc>
+                <a:spcPct val="115000"/>
+              </a:lnSpc>
+              <a:spcAft>
+                <a:spcPts val="1000"/>
+              </a:spcAft>
+            </a:pPr>
+            <a:br>
+              <a:rPr lang="de-DE" sz="1800" dirty="0">
+                <a:effectLst/>
+                <a:latin typeface="Calibri" panose="020F0502020204030204" pitchFamily="34" charset="0"/>
+                <a:ea typeface="Times New Roman" panose="02020603050405020304" pitchFamily="18" charset="0"/>
+                <a:cs typeface="Calibri" panose="020F0502020204030204" pitchFamily="34" charset="0"/>
+              </a:rPr>
+            </a:br>
+            <a:r>
+              <a:rPr lang="de-DE" sz="1800" dirty="0">
+                <a:effectLst/>
+                <a:latin typeface="Calibri" panose="020F0502020204030204" pitchFamily="34" charset="0"/>
+                <a:ea typeface="Times New Roman" panose="02020603050405020304" pitchFamily="18" charset="0"/>
+                <a:cs typeface="Calibri" panose="020F0502020204030204" pitchFamily="34" charset="0"/>
+              </a:rPr>
+              <a:t>-&gt; Alice hat ein Kaffee Problem.</a:t>
+            </a:r>
+          </a:p>
+          <a:p>
+            <a:pPr>
+              <a:lnSpc>
+                <a:spcPct val="115000"/>
+              </a:lnSpc>
+              <a:spcAft>
+                <a:spcPts val="1000"/>
+              </a:spcAft>
+            </a:pPr>
+            <a:r>
+              <a:rPr lang="de-DE" sz="1800" dirty="0">
+                <a:effectLst/>
+                <a:latin typeface="Calibri" panose="020F0502020204030204" pitchFamily="34" charset="0"/>
+                <a:ea typeface="Times New Roman" panose="02020603050405020304" pitchFamily="18" charset="0"/>
+                <a:cs typeface="Calibri" panose="020F0502020204030204" pitchFamily="34" charset="0"/>
+              </a:rPr>
+              <a:t>Täglich trinkt sie Literweise Kaffee was wahrscheinlich nicht allzu gesund ist...</a:t>
+            </a:r>
+            <a:endParaRPr lang="de-DE" sz="1800" dirty="0">
+              <a:effectLst/>
+              <a:latin typeface="Calibri" panose="020F0502020204030204" pitchFamily="34" charset="0"/>
+              <a:ea typeface="Times New Roman" panose="02020603050405020304" pitchFamily="18" charset="0"/>
+              <a:cs typeface="Times New Roman" panose="02020603050405020304" pitchFamily="18" charset="0"/>
+            </a:endParaRPr>
+          </a:p>
+          <a:p>
+            <a:pPr>
+              <a:lnSpc>
+                <a:spcPct val="115000"/>
+              </a:lnSpc>
+              <a:spcAft>
+                <a:spcPts val="1000"/>
+              </a:spcAft>
+            </a:pPr>
+            <a:endParaRPr lang="de-DE" sz="1800" dirty="0">
+              <a:effectLst/>
+              <a:latin typeface="Calibri" panose="020F0502020204030204" pitchFamily="34" charset="0"/>
+              <a:ea typeface="Times New Roman" panose="02020603050405020304" pitchFamily="18" charset="0"/>
+              <a:cs typeface="Times New Roman" panose="02020603050405020304" pitchFamily="18" charset="0"/>
+            </a:endParaRPr>
           </a:p>
         </p:txBody>
       </p:sp>
@@ -7051,31 +6833,123 @@
           <a:bodyPr/>
           <a:lstStyle/>
           <a:p>
-            <a:r>
-              <a:rPr lang="de-DE" dirty="0"/>
-              <a:t>Alice will wissen, wieviel Kaffee sie trinkt –&gt; Mitschreiben um Überblick; als Graph</a:t>
-            </a:r>
-          </a:p>
-          <a:p>
-            <a:r>
-              <a:rPr lang="de-DE" dirty="0"/>
-              <a:t>App runterladen</a:t>
-            </a:r>
-          </a:p>
-          <a:p>
-            <a:r>
-              <a:rPr lang="de-DE" dirty="0"/>
-              <a:t>(1 min)</a:t>
-            </a:r>
-          </a:p>
-          <a:p>
-            <a:endParaRPr lang="de-DE" dirty="0"/>
-          </a:p>
-          <a:p>
-            <a:r>
-              <a:rPr lang="de-DE" dirty="0"/>
-              <a:t>Merlin</a:t>
-            </a:r>
+            <a:pPr>
+              <a:lnSpc>
+                <a:spcPct val="115000"/>
+              </a:lnSpc>
+              <a:spcAft>
+                <a:spcPts val="1000"/>
+              </a:spcAft>
+            </a:pPr>
+            <a:r>
+              <a:rPr lang="de-DE" sz="1200" dirty="0">
+                <a:effectLst/>
+                <a:latin typeface="Calibri" panose="020F0502020204030204" pitchFamily="34" charset="0"/>
+                <a:ea typeface="Times New Roman" panose="02020603050405020304" pitchFamily="18" charset="0"/>
+                <a:cs typeface="Calibri" panose="020F0502020204030204" pitchFamily="34" charset="0"/>
+              </a:rPr>
+              <a:t>Um dieses Problem zu (in den Griff zu bekommen) sucht sie nach einer Möglichkeit ihren Kaffeekonsum zu dokumentieren. </a:t>
+            </a:r>
+          </a:p>
+          <a:p>
+            <a:pPr>
+              <a:lnSpc>
+                <a:spcPct val="115000"/>
+              </a:lnSpc>
+              <a:spcAft>
+                <a:spcPts val="1000"/>
+              </a:spcAft>
+            </a:pPr>
+            <a:endParaRPr lang="de-DE" sz="1200" dirty="0">
+              <a:effectLst/>
+              <a:latin typeface="Calibri" panose="020F0502020204030204" pitchFamily="34" charset="0"/>
+              <a:ea typeface="Times New Roman" panose="02020603050405020304" pitchFamily="18" charset="0"/>
+              <a:cs typeface="Calibri" panose="020F0502020204030204" pitchFamily="34" charset="0"/>
+            </a:endParaRPr>
+          </a:p>
+          <a:p>
+            <a:pPr>
+              <a:lnSpc>
+                <a:spcPct val="115000"/>
+              </a:lnSpc>
+              <a:spcAft>
+                <a:spcPts val="1000"/>
+              </a:spcAft>
+            </a:pPr>
+            <a:r>
+              <a:rPr lang="de-DE" sz="1200" dirty="0">
+                <a:effectLst/>
+                <a:latin typeface="Calibri" panose="020F0502020204030204" pitchFamily="34" charset="0"/>
+                <a:ea typeface="Times New Roman" panose="02020603050405020304" pitchFamily="18" charset="0"/>
+                <a:cs typeface="Calibri" panose="020F0502020204030204" pitchFamily="34" charset="0"/>
+              </a:rPr>
+              <a:t>Während der Suche fällt ihr Blick auf die "Daily Data" App vom </a:t>
+            </a:r>
+            <a:r>
+              <a:rPr lang="de-DE" sz="1200" dirty="0" err="1">
+                <a:effectLst/>
+                <a:latin typeface="Calibri" panose="020F0502020204030204" pitchFamily="34" charset="0"/>
+                <a:ea typeface="Times New Roman" panose="02020603050405020304" pitchFamily="18" charset="0"/>
+                <a:cs typeface="Calibri" panose="020F0502020204030204" pitchFamily="34" charset="0"/>
+              </a:rPr>
+              <a:t>Andriod</a:t>
+            </a:r>
+            <a:r>
+              <a:rPr lang="de-DE" sz="1200" dirty="0">
+                <a:effectLst/>
+                <a:latin typeface="Calibri" panose="020F0502020204030204" pitchFamily="34" charset="0"/>
+                <a:ea typeface="Times New Roman" panose="02020603050405020304" pitchFamily="18" charset="0"/>
+                <a:cs typeface="Calibri" panose="020F0502020204030204" pitchFamily="34" charset="0"/>
+              </a:rPr>
+              <a:t> Team 2. </a:t>
+            </a:r>
+            <a:endParaRPr lang="de-DE" sz="1200" dirty="0">
+              <a:effectLst/>
+              <a:latin typeface="Calibri" panose="020F0502020204030204" pitchFamily="34" charset="0"/>
+              <a:ea typeface="Times New Roman" panose="02020603050405020304" pitchFamily="18" charset="0"/>
+              <a:cs typeface="Times New Roman" panose="02020603050405020304" pitchFamily="18" charset="0"/>
+            </a:endParaRPr>
+          </a:p>
+          <a:p>
+            <a:pPr>
+              <a:lnSpc>
+                <a:spcPct val="115000"/>
+              </a:lnSpc>
+              <a:spcAft>
+                <a:spcPts val="1000"/>
+              </a:spcAft>
+            </a:pPr>
+            <a:endParaRPr lang="de-DE" sz="1200" dirty="0">
+              <a:effectLst/>
+              <a:latin typeface="Calibri" panose="020F0502020204030204" pitchFamily="34" charset="0"/>
+              <a:ea typeface="Times New Roman" panose="02020603050405020304" pitchFamily="18" charset="0"/>
+              <a:cs typeface="Calibri" panose="020F0502020204030204" pitchFamily="34" charset="0"/>
+            </a:endParaRPr>
+          </a:p>
+          <a:p>
+            <a:pPr>
+              <a:lnSpc>
+                <a:spcPct val="115000"/>
+              </a:lnSpc>
+              <a:spcAft>
+                <a:spcPts val="1000"/>
+              </a:spcAft>
+            </a:pPr>
+            <a:r>
+              <a:rPr lang="de-DE" sz="1200" dirty="0">
+                <a:effectLst/>
+                <a:latin typeface="Calibri" panose="020F0502020204030204" pitchFamily="34" charset="0"/>
+                <a:ea typeface="Times New Roman" panose="02020603050405020304" pitchFamily="18" charset="0"/>
+                <a:cs typeface="Calibri" panose="020F0502020204030204" pitchFamily="34" charset="0"/>
+              </a:rPr>
+              <a:t>Diese ermöglicht es ihr intuitiv ihren Kaffeekonsum aufzuschreiben UND sogar noch grafisch darzustellen.</a:t>
+            </a:r>
+            <a:endParaRPr lang="de-DE" sz="1200" dirty="0">
+              <a:effectLst/>
+              <a:latin typeface="Calibri" panose="020F0502020204030204" pitchFamily="34" charset="0"/>
+              <a:ea typeface="Times New Roman" panose="02020603050405020304" pitchFamily="18" charset="0"/>
+              <a:cs typeface="Times New Roman" panose="02020603050405020304" pitchFamily="18" charset="0"/>
+            </a:endParaRPr>
           </a:p>
         </p:txBody>
       </p:sp>
@@ -7159,98 +7033,394 @@
           <a:bodyPr/>
           <a:lstStyle/>
           <a:p>
-            <a:r>
-              <a:rPr lang="de-DE" dirty="0"/>
-              <a:t>Vision: wo wollen wir hin? </a:t>
-            </a:r>
-          </a:p>
-          <a:p>
-            <a:pPr marL="171450" indent="-171450">
-              <a:buFontTx/>
+            <a:pPr marL="0" lvl="0" indent="0">
+              <a:lnSpc>
+                <a:spcPct val="115000"/>
+              </a:lnSpc>
+              <a:spcAft>
+                <a:spcPts val="1000"/>
+              </a:spcAft>
+              <a:buFont typeface="Calibri" panose="020F0502020204030204" pitchFamily="34" charset="0"/>
+              <a:buNone/>
+            </a:pPr>
+            <a:r>
+              <a:rPr lang="de-DE" sz="1800" dirty="0">
+                <a:effectLst/>
+                <a:latin typeface="Calibri" panose="020F0502020204030204" pitchFamily="34" charset="0"/>
+                <a:ea typeface="Times New Roman" panose="02020603050405020304" pitchFamily="18" charset="0"/>
+                <a:cs typeface="Calibri" panose="020F0502020204030204" pitchFamily="34" charset="0"/>
+              </a:rPr>
+              <a:t>Vision = unser Wunsch</a:t>
+            </a:r>
+          </a:p>
+          <a:p>
+            <a:pPr marL="342900" lvl="0" indent="-342900">
+              <a:lnSpc>
+                <a:spcPct val="115000"/>
+              </a:lnSpc>
+              <a:spcAft>
+                <a:spcPts val="1000"/>
+              </a:spcAft>
+              <a:buFont typeface="Calibri" panose="020F0502020204030204" pitchFamily="34" charset="0"/>
               <a:buChar char="-"/>
             </a:pPr>
             <a:r>
-              <a:rPr lang="de-DE" dirty="0"/>
-              <a:t>Daten sammeln (zu beliebigen Themen)</a:t>
-            </a:r>
-          </a:p>
-          <a:p>
-            <a:pPr marL="628650" lvl="1" indent="-171450">
-              <a:buFontTx/>
+              <a:rPr lang="de-DE" sz="1800" dirty="0">
+                <a:effectLst/>
+                <a:latin typeface="Calibri" panose="020F0502020204030204" pitchFamily="34" charset="0"/>
+                <a:ea typeface="Times New Roman" panose="02020603050405020304" pitchFamily="18" charset="0"/>
+                <a:cs typeface="Calibri" panose="020F0502020204030204" pitchFamily="34" charset="0"/>
+              </a:rPr>
+              <a:t>1.  Grundidee (Daten sammeln, Daten umwandeln , Graphisch darstellen) </a:t>
+            </a:r>
+            <a:endParaRPr lang="de-DE" sz="1800" dirty="0">
+              <a:effectLst/>
+              <a:latin typeface="Calibri" panose="020F0502020204030204" pitchFamily="34" charset="0"/>
+              <a:ea typeface="Times New Roman" panose="02020603050405020304" pitchFamily="18" charset="0"/>
+              <a:cs typeface="Times New Roman" panose="02020603050405020304" pitchFamily="18" charset="0"/>
+            </a:endParaRPr>
+          </a:p>
+          <a:p>
+            <a:pPr marL="342900" lvl="0" indent="-342900">
+              <a:lnSpc>
+                <a:spcPct val="115000"/>
+              </a:lnSpc>
+              <a:spcAft>
+                <a:spcPts val="1000"/>
+              </a:spcAft>
+              <a:buFont typeface="Calibri" panose="020F0502020204030204" pitchFamily="34" charset="0"/>
               <a:buChar char="-"/>
             </a:pPr>
             <a:r>
-              <a:rPr lang="de-DE" dirty="0"/>
-              <a:t>schnell</a:t>
-            </a:r>
-          </a:p>
-          <a:p>
-            <a:pPr marL="171450" indent="-171450">
-              <a:buFontTx/>
+              <a:rPr lang="de-DE" sz="1800" dirty="0">
+                <a:effectLst/>
+                <a:latin typeface="Calibri" panose="020F0502020204030204" pitchFamily="34" charset="0"/>
+                <a:ea typeface="Times New Roman" panose="02020603050405020304" pitchFamily="18" charset="0"/>
+                <a:cs typeface="Calibri" panose="020F0502020204030204" pitchFamily="34" charset="0"/>
+              </a:rPr>
+              <a:t>2.  eigene Projekte erstellen. Durch Templates oder alleine.</a:t>
+            </a:r>
+            <a:endParaRPr lang="de-DE" sz="1800" dirty="0">
+              <a:effectLst/>
+              <a:latin typeface="Calibri" panose="020F0502020204030204" pitchFamily="34" charset="0"/>
+              <a:ea typeface="Times New Roman" panose="02020603050405020304" pitchFamily="18" charset="0"/>
+              <a:cs typeface="Times New Roman" panose="02020603050405020304" pitchFamily="18" charset="0"/>
+            </a:endParaRPr>
+          </a:p>
+          <a:p>
+            <a:pPr marL="342900" lvl="0" indent="-342900">
+              <a:lnSpc>
+                <a:spcPct val="115000"/>
+              </a:lnSpc>
+              <a:spcAft>
+                <a:spcPts val="1000"/>
+              </a:spcAft>
+              <a:buFont typeface="Calibri" panose="020F0502020204030204" pitchFamily="34" charset="0"/>
               <a:buChar char="-"/>
             </a:pPr>
             <a:r>
-              <a:rPr lang="de-DE" dirty="0"/>
-              <a:t>Graphisch Darstellen</a:t>
-            </a:r>
-          </a:p>
-          <a:p>
-            <a:pPr marL="171450" indent="-171450">
-              <a:buFontTx/>
-              <a:buChar char="-"/>
-            </a:pPr>
-            <a:r>
-              <a:rPr lang="de-DE" dirty="0"/>
-              <a:t>Intuitiver nutzbar als z.B. Excel</a:t>
-            </a:r>
-          </a:p>
-          <a:p>
-            <a:pPr marL="171450" indent="-171450">
-              <a:buFontTx/>
-              <a:buChar char="-"/>
-            </a:pPr>
-            <a:endParaRPr lang="de-DE" dirty="0"/>
-          </a:p>
-          <a:p>
-            <a:pPr marL="171450" indent="-171450">
-              <a:buFontTx/>
-              <a:buChar char="-"/>
-            </a:pPr>
-            <a:endParaRPr lang="de-DE" dirty="0"/>
-          </a:p>
-          <a:p>
-            <a:pPr marL="171450" indent="-171450">
-              <a:buFontTx/>
-              <a:buChar char="-"/>
-            </a:pPr>
-            <a:r>
-              <a:rPr lang="de-DE" dirty="0"/>
-              <a:t>(Gruppe)</a:t>
-            </a:r>
-          </a:p>
-          <a:p>
-            <a:pPr marL="171450" indent="-171450">
-              <a:buFontTx/>
-              <a:buChar char="-"/>
-            </a:pPr>
-            <a:endParaRPr lang="de-DE" dirty="0"/>
-          </a:p>
-          <a:p>
-            <a:pPr marL="171450" indent="-171450">
-              <a:buFontTx/>
-              <a:buChar char="-"/>
-            </a:pPr>
-            <a:endParaRPr lang="de-DE" dirty="0"/>
-          </a:p>
-          <a:p>
-            <a:pPr marL="0" indent="0">
+              <a:rPr lang="de-DE" sz="1800" dirty="0">
+                <a:effectLst/>
+                <a:latin typeface="Calibri" panose="020F0502020204030204" pitchFamily="34" charset="0"/>
+                <a:ea typeface="Times New Roman" panose="02020603050405020304" pitchFamily="18" charset="0"/>
+                <a:cs typeface="Calibri" panose="020F0502020204030204" pitchFamily="34" charset="0"/>
+              </a:rPr>
+              <a:t>3.  schöne/verschiedene Graphen </a:t>
+            </a:r>
+          </a:p>
+          <a:p>
+            <a:pPr marL="457200" lvl="1" indent="0">
+              <a:lnSpc>
+                <a:spcPct val="115000"/>
+              </a:lnSpc>
+              <a:spcAft>
+                <a:spcPts val="1000"/>
+              </a:spcAft>
               <a:buFontTx/>
               <a:buNone/>
             </a:pPr>
             <a:r>
-              <a:rPr lang="de-DE" dirty="0"/>
-              <a:t>(1 min)</a:t>
-            </a:r>
+              <a:rPr lang="de-DE" sz="1800" dirty="0">
+                <a:effectLst/>
+                <a:latin typeface="Calibri" panose="020F0502020204030204" pitchFamily="34" charset="0"/>
+                <a:ea typeface="Times New Roman" panose="02020603050405020304" pitchFamily="18" charset="0"/>
+                <a:cs typeface="Calibri" panose="020F0502020204030204" pitchFamily="34" charset="0"/>
+              </a:rPr>
+              <a:t>-&gt; Verständlich</a:t>
+            </a:r>
+          </a:p>
+          <a:p>
+            <a:pPr marL="457200" lvl="1" indent="0">
+              <a:lnSpc>
+                <a:spcPct val="115000"/>
+              </a:lnSpc>
+              <a:spcAft>
+                <a:spcPts val="1000"/>
+              </a:spcAft>
+              <a:buFontTx/>
+              <a:buNone/>
+            </a:pPr>
+            <a:r>
+              <a:rPr lang="de-DE" sz="1800" dirty="0">
+                <a:effectLst/>
+                <a:latin typeface="Calibri" panose="020F0502020204030204" pitchFamily="34" charset="0"/>
+                <a:ea typeface="Times New Roman" panose="02020603050405020304" pitchFamily="18" charset="0"/>
+                <a:cs typeface="Calibri" panose="020F0502020204030204" pitchFamily="34" charset="0"/>
+              </a:rPr>
+              <a:t>-&gt; besserer Austausch</a:t>
+            </a:r>
+            <a:endParaRPr lang="de-DE" sz="1800" dirty="0">
+              <a:effectLst/>
+              <a:latin typeface="Calibri" panose="020F0502020204030204" pitchFamily="34" charset="0"/>
+              <a:ea typeface="Times New Roman" panose="02020603050405020304" pitchFamily="18" charset="0"/>
+              <a:cs typeface="Times New Roman" panose="02020603050405020304" pitchFamily="18" charset="0"/>
+            </a:endParaRPr>
+          </a:p>
+          <a:p>
+            <a:pPr marL="342900" lvl="0" indent="-342900">
+              <a:lnSpc>
+                <a:spcPct val="115000"/>
+              </a:lnSpc>
+              <a:spcAft>
+                <a:spcPts val="1000"/>
+              </a:spcAft>
+              <a:buFont typeface="Calibri" panose="020F0502020204030204" pitchFamily="34" charset="0"/>
+              <a:buChar char="-"/>
+            </a:pPr>
+            <a:r>
+              <a:rPr lang="de-DE" sz="1800" dirty="0">
+                <a:effectLst/>
+                <a:latin typeface="Calibri" panose="020F0502020204030204" pitchFamily="34" charset="0"/>
+                <a:ea typeface="Times New Roman" panose="02020603050405020304" pitchFamily="18" charset="0"/>
+                <a:cs typeface="Calibri" panose="020F0502020204030204" pitchFamily="34" charset="0"/>
+              </a:rPr>
+              <a:t>4.  mehrere Personen zusammen (Server) </a:t>
+            </a:r>
+            <a:endParaRPr lang="de-DE" sz="1800" dirty="0">
+              <a:effectLst/>
+              <a:latin typeface="Calibri" panose="020F0502020204030204" pitchFamily="34" charset="0"/>
+              <a:ea typeface="Times New Roman" panose="02020603050405020304" pitchFamily="18" charset="0"/>
+              <a:cs typeface="Times New Roman" panose="02020603050405020304" pitchFamily="18" charset="0"/>
+            </a:endParaRPr>
+          </a:p>
+          <a:p>
+            <a:pPr marL="342900" lvl="0" indent="-342900">
+              <a:lnSpc>
+                <a:spcPct val="115000"/>
+              </a:lnSpc>
+              <a:spcAft>
+                <a:spcPts val="1000"/>
+              </a:spcAft>
+              <a:buFont typeface="Calibri" panose="020F0502020204030204" pitchFamily="34" charset="0"/>
+              <a:buChar char="-"/>
+            </a:pPr>
+            <a:r>
+              <a:rPr lang="de-DE" sz="1800" dirty="0">
+                <a:effectLst/>
+                <a:latin typeface="Calibri" panose="020F0502020204030204" pitchFamily="34" charset="0"/>
+                <a:ea typeface="Times New Roman" panose="02020603050405020304" pitchFamily="18" charset="0"/>
+                <a:cs typeface="Calibri" panose="020F0502020204030204" pitchFamily="34" charset="0"/>
+              </a:rPr>
+              <a:t>5.  alle können App nutzen </a:t>
+            </a:r>
+          </a:p>
+          <a:p>
+            <a:pPr marL="0" lvl="0" indent="0">
+              <a:lnSpc>
+                <a:spcPct val="115000"/>
+              </a:lnSpc>
+              <a:spcAft>
+                <a:spcPts val="1000"/>
+              </a:spcAft>
+              <a:buFont typeface="Calibri" panose="020F0502020204030204" pitchFamily="34" charset="0"/>
+              <a:buNone/>
+            </a:pPr>
+            <a:r>
+              <a:rPr lang="de-DE" sz="1800" dirty="0">
+                <a:effectLst/>
+                <a:latin typeface="Calibri" panose="020F0502020204030204" pitchFamily="34" charset="0"/>
+                <a:ea typeface="Times New Roman" panose="02020603050405020304" pitchFamily="18" charset="0"/>
+                <a:cs typeface="Calibri" panose="020F0502020204030204" pitchFamily="34" charset="0"/>
+              </a:rPr>
+              <a:t>            -&gt; intuitiv </a:t>
+            </a:r>
+          </a:p>
+          <a:p>
+            <a:pPr marL="0" lvl="0" indent="0">
+              <a:lnSpc>
+                <a:spcPct val="115000"/>
+              </a:lnSpc>
+              <a:spcAft>
+                <a:spcPts val="1000"/>
+              </a:spcAft>
+              <a:buFont typeface="Calibri" panose="020F0502020204030204" pitchFamily="34" charset="0"/>
+              <a:buNone/>
+            </a:pPr>
+            <a:r>
+              <a:rPr lang="de-DE" sz="1800" dirty="0">
+                <a:effectLst/>
+                <a:latin typeface="Calibri" panose="020F0502020204030204" pitchFamily="34" charset="0"/>
+                <a:ea typeface="Times New Roman" panose="02020603050405020304" pitchFamily="18" charset="0"/>
+                <a:cs typeface="Calibri" panose="020F0502020204030204" pitchFamily="34" charset="0"/>
+              </a:rPr>
+              <a:t>            -&gt; einfach</a:t>
+            </a:r>
+          </a:p>
+          <a:p>
+            <a:pPr marL="0" marR="0" lvl="0" indent="0" algn="l" defTabSz="914400" rtl="0" eaLnBrk="1" fontAlgn="auto" latinLnBrk="0" hangingPunct="1">
+              <a:lnSpc>
+                <a:spcPct val="115000"/>
+              </a:lnSpc>
+              <a:spcBef>
+                <a:spcPts val="0"/>
+              </a:spcBef>
+              <a:spcAft>
+                <a:spcPts val="1000"/>
+              </a:spcAft>
+              <a:buClrTx/>
+              <a:buSzTx/>
+              <a:buFont typeface="Calibri" panose="020F0502020204030204" pitchFamily="34" charset="0"/>
+              <a:buNone/>
+              <a:tabLst/>
+              <a:defRPr/>
+            </a:pPr>
+            <a:r>
+              <a:rPr lang="de-DE" sz="1800" dirty="0">
+                <a:effectLst/>
+                <a:latin typeface="Calibri" panose="020F0502020204030204" pitchFamily="34" charset="0"/>
+                <a:ea typeface="Times New Roman" panose="02020603050405020304" pitchFamily="18" charset="0"/>
+                <a:cs typeface="Calibri" panose="020F0502020204030204" pitchFamily="34" charset="0"/>
+              </a:rPr>
+              <a:t>            -&gt; </a:t>
+            </a:r>
+            <a:r>
+              <a:rPr lang="de-DE" sz="1800" dirty="0"/>
+              <a:t>Intuitiver nutzbar als z.B. Excel</a:t>
+            </a:r>
+            <a:endParaRPr lang="de-DE" sz="1800" dirty="0">
+              <a:effectLst/>
+              <a:latin typeface="Calibri" panose="020F0502020204030204" pitchFamily="34" charset="0"/>
+              <a:ea typeface="Times New Roman" panose="02020603050405020304" pitchFamily="18" charset="0"/>
+              <a:cs typeface="Times New Roman" panose="02020603050405020304" pitchFamily="18" charset="0"/>
+            </a:endParaRPr>
+          </a:p>
+          <a:p>
+            <a:pPr marL="342900" lvl="0" indent="-342900">
+              <a:lnSpc>
+                <a:spcPct val="115000"/>
+              </a:lnSpc>
+              <a:spcAft>
+                <a:spcPts val="1000"/>
+              </a:spcAft>
+              <a:buFont typeface="Calibri" panose="020F0502020204030204" pitchFamily="34" charset="0"/>
+              <a:buChar char="-"/>
+            </a:pPr>
+            <a:r>
+              <a:rPr lang="de-DE" sz="1800" dirty="0">
+                <a:effectLst/>
+                <a:latin typeface="Calibri" panose="020F0502020204030204" pitchFamily="34" charset="0"/>
+                <a:ea typeface="Times New Roman" panose="02020603050405020304" pitchFamily="18" charset="0"/>
+                <a:cs typeface="Calibri" panose="020F0502020204030204" pitchFamily="34" charset="0"/>
+              </a:rPr>
+              <a:t>6.  eine App die Plattform zur Kreativität bietet </a:t>
+            </a:r>
+          </a:p>
+          <a:p>
+            <a:pPr marL="0" lvl="0" indent="0">
+              <a:lnSpc>
+                <a:spcPct val="115000"/>
+              </a:lnSpc>
+              <a:spcAft>
+                <a:spcPts val="1000"/>
+              </a:spcAft>
+              <a:buFont typeface="Calibri" panose="020F0502020204030204" pitchFamily="34" charset="0"/>
+              <a:buNone/>
+            </a:pPr>
+            <a:r>
+              <a:rPr lang="de-DE" sz="1800" dirty="0">
+                <a:effectLst/>
+                <a:latin typeface="Calibri" panose="020F0502020204030204" pitchFamily="34" charset="0"/>
+                <a:ea typeface="Times New Roman" panose="02020603050405020304" pitchFamily="18" charset="0"/>
+                <a:cs typeface="Calibri" panose="020F0502020204030204" pitchFamily="34" charset="0"/>
+              </a:rPr>
+              <a:t>            -&gt; fast alle Projekt bei uns umsetzbar</a:t>
+            </a:r>
+          </a:p>
+          <a:p>
+            <a:pPr marL="0" lvl="0" indent="0">
+              <a:lnSpc>
+                <a:spcPct val="115000"/>
+              </a:lnSpc>
+              <a:spcAft>
+                <a:spcPts val="1000"/>
+              </a:spcAft>
+              <a:buFont typeface="Calibri" panose="020F0502020204030204" pitchFamily="34" charset="0"/>
+              <a:buNone/>
+            </a:pPr>
+            <a:r>
+              <a:rPr lang="de-DE" sz="1800" dirty="0">
+                <a:effectLst/>
+                <a:latin typeface="Calibri" panose="020F0502020204030204" pitchFamily="34" charset="0"/>
+                <a:ea typeface="Times New Roman" panose="02020603050405020304" pitchFamily="18" charset="0"/>
+                <a:cs typeface="Calibri" panose="020F0502020204030204" pitchFamily="34" charset="0"/>
+              </a:rPr>
+              <a:t>            -&gt; Personalisierung möglich</a:t>
+            </a:r>
+          </a:p>
+          <a:p>
+            <a:pPr marL="0" lvl="0" indent="0">
+              <a:lnSpc>
+                <a:spcPct val="115000"/>
+              </a:lnSpc>
+              <a:spcAft>
+                <a:spcPts val="1000"/>
+              </a:spcAft>
+              <a:buFont typeface="Calibri" panose="020F0502020204030204" pitchFamily="34" charset="0"/>
+              <a:buNone/>
+            </a:pPr>
+            <a:r>
+              <a:rPr lang="de-DE" sz="1800" dirty="0">
+                <a:effectLst/>
+                <a:latin typeface="Calibri" panose="020F0502020204030204" pitchFamily="34" charset="0"/>
+                <a:cs typeface="Calibri" panose="020F0502020204030204" pitchFamily="34" charset="0"/>
+              </a:rPr>
+              <a:t>	-&gt; unterschiedliche Projektaussehen (Wallpaper, Werteeingabe-GUI)</a:t>
+            </a:r>
+            <a:endParaRPr lang="de-DE" sz="1800" dirty="0">
+              <a:effectLst/>
+              <a:latin typeface="Calibri" panose="020F0502020204030204" pitchFamily="34" charset="0"/>
+              <a:ea typeface="Times New Roman" panose="02020603050405020304" pitchFamily="18" charset="0"/>
+              <a:cs typeface="Calibri" panose="020F0502020204030204" pitchFamily="34" charset="0"/>
+            </a:endParaRPr>
+          </a:p>
+          <a:p>
+            <a:pPr marL="0" lvl="0" indent="0">
+              <a:lnSpc>
+                <a:spcPct val="115000"/>
+              </a:lnSpc>
+              <a:spcAft>
+                <a:spcPts val="1000"/>
+              </a:spcAft>
+              <a:buFont typeface="Calibri" panose="020F0502020204030204" pitchFamily="34" charset="0"/>
+              <a:buNone/>
+            </a:pPr>
+            <a:r>
+              <a:rPr lang="de-DE" sz="1800" dirty="0">
+                <a:effectLst/>
+                <a:latin typeface="Calibri" panose="020F0502020204030204" pitchFamily="34" charset="0"/>
+                <a:cs typeface="Calibri" panose="020F0502020204030204" pitchFamily="34" charset="0"/>
+              </a:rPr>
+              <a:t>	-&gt; unterschiedliche </a:t>
+            </a:r>
+            <a:r>
+              <a:rPr lang="de-DE" sz="1800" dirty="0" err="1">
+                <a:effectLst/>
+                <a:latin typeface="Calibri" panose="020F0502020204030204" pitchFamily="34" charset="0"/>
+                <a:cs typeface="Calibri" panose="020F0502020204030204" pitchFamily="34" charset="0"/>
+              </a:rPr>
+              <a:t>Graphaussehen</a:t>
+            </a:r>
+            <a:endParaRPr lang="de-DE" dirty="0"/>
           </a:p>
         </p:txBody>
       </p:sp>
@@ -7334,13 +7504,53 @@
           <a:bodyPr/>
           <a:lstStyle/>
           <a:p>
+            <a:pPr marL="0" marR="0" lvl="0" indent="0" algn="l" defTabSz="914400" rtl="0" eaLnBrk="1" fontAlgn="auto" latinLnBrk="0" hangingPunct="1">
+              <a:lnSpc>
+                <a:spcPct val="100000"/>
+              </a:lnSpc>
+              <a:spcBef>
+                <a:spcPts val="0"/>
+              </a:spcBef>
+              <a:spcAft>
+                <a:spcPts val="0"/>
+              </a:spcAft>
+              <a:buClrTx/>
+              <a:buSzTx/>
+              <a:buFontTx/>
+              <a:buNone/>
+              <a:tabLst/>
+              <a:defRPr/>
+            </a:pPr>
+            <a:r>
+              <a:rPr lang="de-DE" sz="1800" dirty="0">
+                <a:effectLst/>
+                <a:latin typeface="Calibri" panose="020F0502020204030204" pitchFamily="34" charset="0"/>
+                <a:ea typeface="Times New Roman" panose="02020603050405020304" pitchFamily="18" charset="0"/>
+                <a:cs typeface="Calibri" panose="020F0502020204030204" pitchFamily="34" charset="0"/>
+              </a:rPr>
+              <a:t>Vision zu groß - &gt; nicht in Pflichtkriterien umsetzbar</a:t>
+            </a:r>
+            <a:endParaRPr lang="de-DE" sz="1800" dirty="0">
+              <a:effectLst/>
+              <a:latin typeface="Calibri" panose="020F0502020204030204" pitchFamily="34" charset="0"/>
+              <a:ea typeface="Times New Roman" panose="02020603050405020304" pitchFamily="18" charset="0"/>
+              <a:cs typeface="Times New Roman" panose="02020603050405020304" pitchFamily="18" charset="0"/>
+            </a:endParaRPr>
+          </a:p>
+          <a:p>
             <a:r>
               <a:rPr lang="de-DE" dirty="0"/>
-              <a:t>Herunterbrechen auf Pflichtkriterien</a:t>
+              <a:t>Vision herunterbrechen auf Zielsetzung:</a:t>
             </a:r>
           </a:p>
           <a:p>
             <a:endParaRPr lang="de-DE" dirty="0"/>
+          </a:p>
+          <a:p>
+            <a:r>
+              <a:rPr lang="de-DE" dirty="0"/>
+              <a:t>Die App, die nur die Pflichtkriterien erfüllt muss:</a:t>
+            </a:r>
           </a:p>
           <a:p>
             <a:pPr marL="171450" indent="-171450">
@@ -7349,8 +7559,174 @@
             </a:pPr>
             <a:r>
               <a:rPr lang="de-DE" dirty="0"/>
-              <a:t>In sich geschlossen</a:t>
-            </a:r>
+              <a:t>intuitiv nutzbar:</a:t>
+            </a:r>
+          </a:p>
+          <a:p>
+            <a:pPr marL="457200" lvl="1" indent="0">
+              <a:buFontTx/>
+              <a:buNone/>
+            </a:pPr>
+            <a:r>
+              <a:rPr lang="de-DE" dirty="0"/>
+              <a:t>-&gt; </a:t>
+            </a:r>
+            <a:r>
+              <a:rPr lang="de-DE" sz="1800" dirty="0" err="1">
+                <a:effectLst/>
+                <a:latin typeface="Calibri" panose="020F0502020204030204" pitchFamily="34" charset="0"/>
+                <a:ea typeface="Times New Roman" panose="02020603050405020304" pitchFamily="18" charset="0"/>
+              </a:rPr>
+              <a:t>Selbt</a:t>
+            </a:r>
+            <a:r>
+              <a:rPr lang="de-DE" sz="1800" dirty="0">
+                <a:effectLst/>
+                <a:latin typeface="Calibri" panose="020F0502020204030204" pitchFamily="34" charset="0"/>
+                <a:ea typeface="Times New Roman" panose="02020603050405020304" pitchFamily="18" charset="0"/>
+              </a:rPr>
+              <a:t> ein unerfahrener User, wie zB Alice</a:t>
+            </a:r>
+            <a:endParaRPr lang="de-DE" dirty="0"/>
+          </a:p>
+          <a:p>
+            <a:pPr marL="457200" lvl="1" indent="0">
+              <a:buFontTx/>
+              <a:buNone/>
+            </a:pPr>
+            <a:r>
+              <a:rPr lang="de-DE" dirty="0"/>
+              <a:t>-&gt; schnell Daten eingeben</a:t>
+            </a:r>
+          </a:p>
+          <a:p>
+            <a:pPr marL="457200" lvl="1" indent="0">
+              <a:buFontTx/>
+              <a:buNone/>
+            </a:pPr>
+            <a:r>
+              <a:rPr lang="de-DE" dirty="0"/>
+              <a:t>-&gt; leicht schöne Graphen erstellen</a:t>
+            </a:r>
+          </a:p>
+          <a:p>
+            <a:pPr marL="457200" lvl="1" indent="0">
+              <a:buFontTx/>
+              <a:buNone/>
+            </a:pPr>
+            <a:r>
+              <a:rPr lang="de-DE" dirty="0"/>
+              <a:t>-&gt; </a:t>
+            </a:r>
+            <a:r>
+              <a:rPr lang="de-DE" sz="1800" dirty="0">
+                <a:effectLst/>
+                <a:latin typeface="Calibri" panose="020F0502020204030204" pitchFamily="34" charset="0"/>
+                <a:ea typeface="Times New Roman" panose="02020603050405020304" pitchFamily="18" charset="0"/>
+              </a:rPr>
+              <a:t>Beispiel: intuitiver als </a:t>
+            </a:r>
+            <a:r>
+              <a:rPr lang="de-DE" sz="1800" dirty="0" err="1">
+                <a:effectLst/>
+                <a:latin typeface="Calibri" panose="020F0502020204030204" pitchFamily="34" charset="0"/>
+                <a:ea typeface="Times New Roman" panose="02020603050405020304" pitchFamily="18" charset="0"/>
+              </a:rPr>
+              <a:t>Exel</a:t>
+            </a:r>
+            <a:r>
+              <a:rPr lang="de-DE" sz="1800" dirty="0">
+                <a:effectLst/>
+                <a:latin typeface="Calibri" panose="020F0502020204030204" pitchFamily="34" charset="0"/>
+                <a:ea typeface="Times New Roman" panose="02020603050405020304" pitchFamily="18" charset="0"/>
+              </a:rPr>
+              <a:t> sein</a:t>
+            </a:r>
+          </a:p>
+          <a:p>
+            <a:pPr marL="457200" lvl="1" indent="0">
+              <a:buFontTx/>
+              <a:buNone/>
+            </a:pPr>
+            <a:endParaRPr lang="de-DE" sz="1800" dirty="0">
+              <a:effectLst/>
+              <a:latin typeface="Calibri" panose="020F0502020204030204" pitchFamily="34" charset="0"/>
+              <a:ea typeface="Times New Roman" panose="02020603050405020304" pitchFamily="18" charset="0"/>
+            </a:endParaRPr>
+          </a:p>
+          <a:p>
+            <a:pPr marL="171450" marR="0" lvl="0" indent="-171450" algn="l" defTabSz="914400" rtl="0" eaLnBrk="1" fontAlgn="auto" latinLnBrk="0" hangingPunct="1">
+              <a:lnSpc>
+                <a:spcPct val="100000"/>
+              </a:lnSpc>
+              <a:spcBef>
+                <a:spcPts val="0"/>
+              </a:spcBef>
+              <a:spcAft>
+                <a:spcPts val="0"/>
+              </a:spcAft>
+              <a:buClrTx/>
+              <a:buSzTx/>
+              <a:buFontTx/>
+              <a:buChar char="-"/>
+              <a:tabLst/>
+              <a:defRPr/>
+            </a:pPr>
+            <a:r>
+              <a:rPr lang="de-DE" dirty="0"/>
+              <a:t>In sich geschlossen sein:</a:t>
+            </a:r>
+          </a:p>
+          <a:p>
+            <a:pPr marL="0" marR="0" lvl="0" indent="0" algn="l" defTabSz="914400" rtl="0" eaLnBrk="1" fontAlgn="auto" latinLnBrk="0" hangingPunct="1">
+              <a:lnSpc>
+                <a:spcPct val="100000"/>
+              </a:lnSpc>
+              <a:spcBef>
+                <a:spcPts val="0"/>
+              </a:spcBef>
+              <a:spcAft>
+                <a:spcPts val="0"/>
+              </a:spcAft>
+              <a:buClrTx/>
+              <a:buSzTx/>
+              <a:buFontTx/>
+              <a:buNone/>
+              <a:tabLst/>
+              <a:defRPr/>
+            </a:pPr>
+            <a:r>
+              <a:rPr lang="de-DE" dirty="0"/>
+              <a:t>            -&gt; </a:t>
+            </a:r>
+            <a:r>
+              <a:rPr lang="de-DE" sz="1200" dirty="0">
+                <a:effectLst/>
+                <a:latin typeface="Calibri" panose="020F0502020204030204" pitchFamily="34" charset="0"/>
+                <a:ea typeface="Times New Roman" panose="02020603050405020304" pitchFamily="18" charset="0"/>
+              </a:rPr>
+              <a:t>Erfüllen wir nur die Pflichtkriterien so haben wir trotzdem eine logisch aufgebaute und nutzbare App</a:t>
+            </a:r>
+          </a:p>
+          <a:p>
+            <a:pPr marL="0" marR="0" lvl="0" indent="0" algn="l" defTabSz="914400" rtl="0" eaLnBrk="1" fontAlgn="auto" latinLnBrk="0" hangingPunct="1">
+              <a:lnSpc>
+                <a:spcPct val="100000"/>
+              </a:lnSpc>
+              <a:spcBef>
+                <a:spcPts val="0"/>
+              </a:spcBef>
+              <a:spcAft>
+                <a:spcPts val="0"/>
+              </a:spcAft>
+              <a:buClrTx/>
+              <a:buSzTx/>
+              <a:buFontTx/>
+              <a:buNone/>
+              <a:tabLst/>
+              <a:defRPr/>
+            </a:pPr>
+            <a:endParaRPr lang="de-DE" dirty="0"/>
           </a:p>
           <a:p>
             <a:pPr marL="171450" indent="-171450">
@@ -7363,21 +7739,33 @@
             </a:r>
           </a:p>
           <a:p>
-            <a:pPr marL="171450" indent="-171450">
+            <a:pPr marL="457200" lvl="1" indent="0">
               <a:buFontTx/>
-              <a:buChar char="-"/>
+              <a:buNone/>
             </a:pPr>
             <a:r>
               <a:rPr lang="de-DE" dirty="0"/>
-              <a:t>Weiterhin intuitiv nutzbar (=&gt; Zielsetzung)</a:t>
-            </a:r>
-          </a:p>
-          <a:p>
-            <a:pPr marL="171450" indent="-171450">
+              <a:t>-&gt; </a:t>
+            </a:r>
+            <a:r>
+              <a:rPr lang="de-DE" sz="1800" dirty="0">
+                <a:effectLst/>
+                <a:latin typeface="Calibri" panose="020F0502020204030204" pitchFamily="34" charset="0"/>
+                <a:ea typeface="Times New Roman" panose="02020603050405020304" pitchFamily="18" charset="0"/>
+              </a:rPr>
+              <a:t>Die Wahlkriterien können leicht hinzugefügt werden</a:t>
+            </a:r>
+            <a:endParaRPr lang="de-DE" dirty="0"/>
+          </a:p>
+          <a:p>
+            <a:pPr marL="457200" lvl="1" indent="0">
               <a:buFontTx/>
-              <a:buChar char="-"/>
+              <a:buNone/>
             </a:pPr>
-            <a:endParaRPr lang="de-DE" dirty="0"/>
+            <a:r>
+              <a:rPr lang="de-DE" dirty="0"/>
+              <a:t>-&gt;</a:t>
+            </a:r>
           </a:p>
           <a:p>
             <a:pPr marL="0" indent="0">
@@ -7473,48 +7861,105 @@
           <a:p>
             <a:r>
               <a:rPr lang="de-DE" dirty="0"/>
-              <a:t>Resultat für die Pflichtkriterien/App </a:t>
-            </a:r>
-          </a:p>
-          <a:p>
-            <a:pPr marL="171450" indent="-171450">
+              <a:t>Die Zielsetzung resultiert für die Pflichtkriterien/App </a:t>
+            </a:r>
+          </a:p>
+          <a:p>
+            <a:pPr marL="171450" marR="0" lvl="0" indent="-171450" algn="l" defTabSz="914400" rtl="0" eaLnBrk="1" fontAlgn="auto" latinLnBrk="0" hangingPunct="1">
+              <a:lnSpc>
+                <a:spcPct val="100000"/>
+              </a:lnSpc>
+              <a:spcBef>
+                <a:spcPts val="0"/>
+              </a:spcBef>
+              <a:spcAft>
+                <a:spcPts val="0"/>
+              </a:spcAft>
+              <a:buClrTx/>
+              <a:buSzTx/>
               <a:buFontTx/>
               <a:buChar char="-"/>
+              <a:tabLst/>
+              <a:defRPr/>
             </a:pPr>
             <a:r>
               <a:rPr lang="de-DE" dirty="0"/>
-              <a:t>Eingeschränkte Funktionalität des Servers</a:t>
-            </a:r>
-          </a:p>
-          <a:p>
-            <a:pPr marL="171450" indent="-171450">
+              <a:t>Weniger flexibles Projekt ---------------------</a:t>
+            </a:r>
+          </a:p>
+          <a:p>
+            <a:pPr marL="0" marR="0" lvl="0" indent="0" algn="l" defTabSz="914400" rtl="0" eaLnBrk="1" fontAlgn="auto" latinLnBrk="0" hangingPunct="1">
+              <a:lnSpc>
+                <a:spcPct val="100000"/>
+              </a:lnSpc>
+              <a:spcBef>
+                <a:spcPts val="0"/>
+              </a:spcBef>
+              <a:spcAft>
+                <a:spcPts val="0"/>
+              </a:spcAft>
+              <a:buClrTx/>
+              <a:buSzTx/>
               <a:buFontTx/>
-              <a:buChar char="-"/>
+              <a:buNone/>
+              <a:tabLst/>
+              <a:defRPr/>
             </a:pPr>
             <a:r>
               <a:rPr lang="de-DE" dirty="0"/>
-              <a:t>Weniger Graphen</a:t>
-            </a:r>
-          </a:p>
-          <a:p>
-            <a:pPr marL="171450" indent="-171450">
+              <a:t>             -&gt; Nutzer kann zuerst nur weniger selbst festlegen</a:t>
+            </a:r>
+          </a:p>
+          <a:p>
+            <a:pPr marL="0" marR="0" lvl="0" indent="0" algn="l" defTabSz="914400" rtl="0" eaLnBrk="1" fontAlgn="auto" latinLnBrk="0" hangingPunct="1">
+              <a:lnSpc>
+                <a:spcPct val="100000"/>
+              </a:lnSpc>
+              <a:spcBef>
+                <a:spcPts val="0"/>
+              </a:spcBef>
+              <a:spcAft>
+                <a:spcPts val="0"/>
+              </a:spcAft>
+              <a:buClrTx/>
+              <a:buSzTx/>
               <a:buFontTx/>
-              <a:buChar char="-"/>
+              <a:buNone/>
+              <a:tabLst/>
+              <a:defRPr/>
             </a:pPr>
             <a:r>
               <a:rPr lang="de-DE" dirty="0"/>
-              <a:t>Weniger individuelles Projekt</a:t>
-            </a:r>
-          </a:p>
-          <a:p>
-            <a:pPr marL="171450" indent="-171450">
+              <a:t>             -&gt; keine Parametrisierung</a:t>
+            </a:r>
+          </a:p>
+          <a:p>
+            <a:pPr marL="0" marR="0" lvl="0" indent="0" algn="l" defTabSz="914400" rtl="0" eaLnBrk="1" fontAlgn="auto" latinLnBrk="0" hangingPunct="1">
+              <a:lnSpc>
+                <a:spcPct val="100000"/>
+              </a:lnSpc>
+              <a:spcBef>
+                <a:spcPts val="0"/>
+              </a:spcBef>
+              <a:spcAft>
+                <a:spcPts val="0"/>
+              </a:spcAft>
+              <a:buClrTx/>
+              <a:buSzTx/>
               <a:buFontTx/>
-              <a:buChar char="-"/>
+              <a:buNone/>
+              <a:tabLst/>
+              <a:defRPr/>
             </a:pPr>
             <a:r>
               <a:rPr lang="de-DE" dirty="0"/>
-              <a:t>Beschränktere Möglichkeiten, die Projekttabelle zu bearbeiten </a:t>
-            </a:r>
+              <a:t>             -&gt; ähnliche Graphen, da weniger </a:t>
+            </a:r>
+            <a:r>
+              <a:rPr lang="de-DE" dirty="0" err="1"/>
+              <a:t>Graogeb</a:t>
+            </a:r>
+            <a:endParaRPr lang="de-DE" dirty="0"/>
           </a:p>
           <a:p>
             <a:pPr marL="171450" indent="-171450">
@@ -7522,6 +7967,139 @@
               <a:buChar char="-"/>
             </a:pPr>
             <a:endParaRPr lang="de-DE" dirty="0"/>
+          </a:p>
+          <a:p>
+            <a:pPr marL="171450" marR="0" lvl="0" indent="-171450" algn="l" defTabSz="914400" rtl="0" eaLnBrk="1" fontAlgn="auto" latinLnBrk="0" hangingPunct="1">
+              <a:lnSpc>
+                <a:spcPct val="100000"/>
+              </a:lnSpc>
+              <a:spcBef>
+                <a:spcPts val="0"/>
+              </a:spcBef>
+              <a:spcAft>
+                <a:spcPts val="0"/>
+              </a:spcAft>
+              <a:buClrTx/>
+              <a:buSzTx/>
+              <a:buFontTx/>
+              <a:buChar char="-"/>
+              <a:tabLst/>
+              <a:defRPr/>
+            </a:pPr>
+            <a:r>
+              <a:rPr lang="de-DE" dirty="0"/>
+              <a:t>Weniger Graphen ---------------------</a:t>
+            </a:r>
+          </a:p>
+          <a:p>
+            <a:pPr marL="457200" lvl="1" indent="0">
+              <a:buFontTx/>
+              <a:buNone/>
+            </a:pPr>
+            <a:r>
+              <a:rPr lang="de-DE" dirty="0"/>
+              <a:t>-&gt; nur Kreisdiagramm, Liniendiagramm</a:t>
+            </a:r>
+          </a:p>
+          <a:p>
+            <a:pPr marL="457200" lvl="1" indent="0">
+              <a:buFontTx/>
+              <a:buNone/>
+            </a:pPr>
+            <a:r>
+              <a:rPr lang="de-DE" dirty="0"/>
+              <a:t>	-&gt; leichter für den User direkt Daten graphisch zu sehen</a:t>
+            </a:r>
+          </a:p>
+          <a:p>
+            <a:pPr marL="457200" lvl="1" indent="0">
+              <a:buFontTx/>
+              <a:buNone/>
+            </a:pPr>
+            <a:r>
+              <a:rPr lang="de-DE" dirty="0"/>
+              <a:t>-&gt; kein Balkendiagramm</a:t>
+            </a:r>
+          </a:p>
+          <a:p>
+            <a:pPr marL="0" indent="0">
+              <a:buFontTx/>
+              <a:buNone/>
+            </a:pPr>
+            <a:r>
+              <a:rPr lang="de-DE" dirty="0"/>
+              <a:t>	</a:t>
+            </a:r>
+          </a:p>
+          <a:p>
+            <a:pPr marL="0" marR="0" lvl="0" indent="0" algn="l" defTabSz="914400" rtl="0" eaLnBrk="1" fontAlgn="auto" latinLnBrk="0" hangingPunct="1">
+              <a:lnSpc>
+                <a:spcPct val="100000"/>
+              </a:lnSpc>
+              <a:spcBef>
+                <a:spcPts val="0"/>
+              </a:spcBef>
+              <a:spcAft>
+                <a:spcPts val="0"/>
+              </a:spcAft>
+              <a:buClrTx/>
+              <a:buSzTx/>
+              <a:buFontTx/>
+              <a:buNone/>
+              <a:tabLst/>
+              <a:defRPr/>
+            </a:pPr>
+            <a:r>
+              <a:rPr lang="de-DE" dirty="0"/>
+              <a:t>- Beschränktere Möglichkeiten, die Projekttabelle zu bearbeiten --</a:t>
+            </a:r>
+          </a:p>
+          <a:p>
+            <a:pPr marL="0" indent="0">
+              <a:buFontTx/>
+              <a:buNone/>
+            </a:pPr>
+            <a:r>
+              <a:rPr lang="de-DE" dirty="0"/>
+              <a:t>            -&gt; nur letzten Eintrag löschen</a:t>
+            </a:r>
+          </a:p>
+          <a:p>
+            <a:pPr marL="0" indent="0">
+              <a:buFontTx/>
+              <a:buNone/>
+            </a:pPr>
+            <a:r>
+              <a:rPr lang="de-DE" dirty="0"/>
+              <a:t>            -&gt; keine Spalten/Zeilen nachträglich hinzufügen</a:t>
+            </a:r>
+          </a:p>
+          <a:p>
+            <a:pPr marL="0" indent="0">
+              <a:buFontTx/>
+              <a:buNone/>
+            </a:pPr>
+            <a:endParaRPr lang="de-DE" dirty="0"/>
+          </a:p>
+          <a:p>
+            <a:pPr marL="171450" indent="-171450">
+              <a:buFontTx/>
+              <a:buChar char="-"/>
+            </a:pPr>
+            <a:r>
+              <a:rPr lang="de-DE" dirty="0"/>
+              <a:t>Eingeschränkte Funktionalität des Servers ----------</a:t>
+            </a:r>
+          </a:p>
+          <a:p>
+            <a:pPr marL="0" indent="0">
+              <a:buFontTx/>
+              <a:buNone/>
+            </a:pPr>
+            <a:r>
+              <a:rPr lang="de-DE" dirty="0"/>
+              <a:t>            -&gt; später genauer</a:t>
+            </a:r>
           </a:p>
           <a:p>
             <a:pPr marL="0" indent="0">
@@ -7627,7 +8205,7 @@
             </a:pPr>
             <a:r>
               <a:rPr lang="de-DE" dirty="0"/>
-              <a:t>Gerade weil die Pflichtkriterien eingeschränkt sind:</a:t>
+              <a:t>Weil Vision mit Pflichtkriterien alleine nicht erreichbar ist, wir sie aber erreichen wollen</a:t>
             </a:r>
           </a:p>
           <a:p>
@@ -7637,15 +8215,7 @@
             </a:pPr>
             <a:r>
               <a:rPr lang="de-DE" dirty="0"/>
-              <a:t>Z.B. Leicht neue </a:t>
-            </a:r>
-            <a:r>
-              <a:rPr lang="de-DE" dirty="0" err="1"/>
-              <a:t>Graphtypen</a:t>
-            </a:r>
-            <a:r>
-              <a:rPr lang="de-DE" dirty="0"/>
-              <a:t> hinzuzufügen</a:t>
+              <a:t>----------------------PRESS--------</a:t>
             </a:r>
           </a:p>
           <a:p>
@@ -7655,21 +8225,58 @@
             </a:pPr>
             <a:r>
               <a:rPr lang="de-DE" dirty="0"/>
-              <a:t>&gt; </a:t>
+              <a:t>Leichte Erweiterbarkeit benötigt</a:t>
+            </a:r>
+          </a:p>
+          <a:p>
+            <a:pPr marL="457200" lvl="1" indent="0">
+              <a:buFontTx/>
+              <a:buNone/>
+            </a:pPr>
+            <a:r>
+              <a:rPr lang="de-DE" dirty="0"/>
+              <a:t>-&gt; Somit Wunschkriterien umsetzen</a:t>
+            </a:r>
+          </a:p>
+          <a:p>
+            <a:pPr marL="0" indent="0">
+              <a:buFontTx/>
+              <a:buNone/>
+            </a:pPr>
+            <a:r>
+              <a:rPr lang="de-DE" dirty="0"/>
+              <a:t>            -&gt; Z.B. Leicht neue </a:t>
             </a:r>
             <a:r>
               <a:rPr lang="de-DE" dirty="0" err="1"/>
-              <a:t>auswirkung</a:t>
+              <a:t>Graphtypen</a:t>
             </a:r>
             <a:r>
               <a:rPr lang="de-DE" dirty="0"/>
-              <a:t> auf den Entwurf</a:t>
-            </a:r>
-          </a:p>
-          <a:p>
-            <a:pPr marL="171450" indent="-171450">
+              <a:t> hinzuzufügen</a:t>
+            </a:r>
+          </a:p>
+          <a:p>
+            <a:pPr marL="0" indent="0">
               <a:buFontTx/>
-              <a:buChar char="-"/>
+              <a:buNone/>
+            </a:pPr>
+            <a:endParaRPr lang="de-DE" dirty="0"/>
+          </a:p>
+          <a:p>
+            <a:pPr marL="0" indent="0">
+              <a:buFontTx/>
+              <a:buNone/>
+            </a:pPr>
+            <a:r>
+              <a:rPr lang="de-DE" dirty="0"/>
+              <a:t>----&gt; Auswirkung auf den Entwurf</a:t>
+            </a:r>
+          </a:p>
+          <a:p>
+            <a:pPr marL="0" indent="0">
+              <a:buFontTx/>
+              <a:buNone/>
             </a:pPr>
             <a:endParaRPr lang="de-DE" dirty="0"/>
           </a:p>
@@ -14138,6 +14745,42 @@
           <a:chExt cx="0" cy="0"/>
         </a:xfrm>
       </p:grpSpPr>
+      <p:pic>
+        <p:nvPicPr>
+          <p:cNvPr id="14" name="Grafik 13" descr="Kaffee mit einfarbiger Füllung">
+            <a:extLst>
+              <a:ext uri="{FF2B5EF4-FFF2-40B4-BE49-F238E27FC236}">
+                <a16:creationId xmlns:a16="http://schemas.microsoft.com/office/drawing/2014/main" id="{D64AFD73-1E6D-4907-97C9-5607FCEA8E20}"/>
+              </a:ext>
+            </a:extLst>
+          </p:cNvPr>
+          <p:cNvPicPr>
+            <a:picLocks noChangeAspect="1"/>
+          </p:cNvPicPr>
+          <p:nvPr/>
+        </p:nvPicPr>
+        <p:blipFill>
+          <a:blip r:embed="rId3">
+            <a:extLst>
+              <a:ext uri="{96DAC541-7B7A-43D3-8B79-37D633B846F1}">
+                <asvg:svgBlip xmlns:asvg="http://schemas.microsoft.com/office/drawing/2016/SVG/main" r:embed="rId4"/>
+              </a:ext>
+            </a:extLst>
+          </a:blip>
+          <a:stretch>
+            <a:fillRect/>
+          </a:stretch>
+        </p:blipFill>
+        <p:spPr>
+          <a:xfrm>
+            <a:off x="8136534" y="4657425"/>
+            <a:ext cx="1745672" cy="1745672"/>
+          </a:xfrm>
+          <a:prstGeom prst="rect">
+            <a:avLst/>
+          </a:prstGeom>
+        </p:spPr>
+      </p:pic>
       <p:sp>
         <p:nvSpPr>
           <p:cNvPr id="4" name="Datumsplatzhalter 3">
@@ -14212,10 +14855,10 @@
           </p:nvPr>
         </p:nvPicPr>
         <p:blipFill>
-          <a:blip r:embed="rId3">
+          <a:blip r:embed="rId5">
             <a:extLst>
               <a:ext uri="{96DAC541-7B7A-43D3-8B79-37D633B846F1}">
-                <asvg:svgBlip xmlns:asvg="http://schemas.microsoft.com/office/drawing/2016/SVG/main" r:embed="rId4"/>
+                <asvg:svgBlip xmlns:asvg="http://schemas.microsoft.com/office/drawing/2016/SVG/main" r:embed="rId6"/>
               </a:ext>
             </a:extLst>
           </a:blip>
@@ -14245,10 +14888,10 @@
           <p:nvPr/>
         </p:nvPicPr>
         <p:blipFill>
-          <a:blip r:embed="rId5">
+          <a:blip r:embed="rId7">
             <a:extLst>
               <a:ext uri="{96DAC541-7B7A-43D3-8B79-37D633B846F1}">
-                <asvg:svgBlip xmlns:asvg="http://schemas.microsoft.com/office/drawing/2016/SVG/main" r:embed="rId6"/>
+                <asvg:svgBlip xmlns:asvg="http://schemas.microsoft.com/office/drawing/2016/SVG/main" r:embed="rId8"/>
               </a:ext>
             </a:extLst>
           </a:blip>
@@ -14266,34 +14909,6 @@
           </a:prstGeom>
         </p:spPr>
       </p:pic>
-      <p:graphicFrame>
-        <p:nvGraphicFramePr>
-          <p:cNvPr id="11" name="Diagramm 10">
-            <a:extLst>
-              <a:ext uri="{FF2B5EF4-FFF2-40B4-BE49-F238E27FC236}">
-                <a16:creationId xmlns:a16="http://schemas.microsoft.com/office/drawing/2014/main" id="{5A943DF7-72BA-C34B-8B66-EDE77FD5F094}"/>
-              </a:ext>
-            </a:extLst>
-          </p:cNvPr>
-          <p:cNvGraphicFramePr/>
-          <p:nvPr>
-            <p:extLst>
-              <p:ext uri="{D42A27DB-BD31-4B8C-83A1-F6EECF244321}">
-                <p14:modId xmlns:p14="http://schemas.microsoft.com/office/powerpoint/2010/main" val="1092457885"/>
-              </p:ext>
-            </p:extLst>
-          </p:nvPr>
-        </p:nvGraphicFramePr>
-        <p:xfrm>
-          <a:off x="6001327" y="1738361"/>
-          <a:ext cx="5352473" cy="3381278"/>
-        </p:xfrm>
-        <a:graphic>
-          <a:graphicData uri="http://schemas.openxmlformats.org/drawingml/2006/chart">
-            <c:chart xmlns:c="http://schemas.openxmlformats.org/drawingml/2006/chart" xmlns:r="http://schemas.openxmlformats.org/officeDocument/2006/relationships" r:id="rId7"/>
-          </a:graphicData>
-        </a:graphic>
-      </p:graphicFrame>
       <p:pic>
         <p:nvPicPr>
           <p:cNvPr id="9" name="Grafik 8" descr="Flasche mit einfarbiger Füllung">
@@ -14309,10 +14924,10 @@
           <p:nvPr/>
         </p:nvPicPr>
         <p:blipFill>
-          <a:blip r:embed="rId8">
+          <a:blip r:embed="rId9">
             <a:extLst>
               <a:ext uri="{96DAC541-7B7A-43D3-8B79-37D633B846F1}">
-                <asvg:svgBlip xmlns:asvg="http://schemas.microsoft.com/office/drawing/2016/SVG/main" r:embed="rId9"/>
+                <asvg:svgBlip xmlns:asvg="http://schemas.microsoft.com/office/drawing/2016/SVG/main" r:embed="rId10"/>
               </a:ext>
             </a:extLst>
           </a:blip>
@@ -14322,7 +14937,7 @@
         </p:blipFill>
         <p:spPr>
           <a:xfrm>
-            <a:off x="6576295" y="4610677"/>
+            <a:off x="9646023" y="4657425"/>
             <a:ext cx="1745673" cy="1745673"/>
           </a:xfrm>
           <a:prstGeom prst="rect">
@@ -14345,10 +14960,10 @@
           <p:nvPr/>
         </p:nvPicPr>
         <p:blipFill>
-          <a:blip r:embed="rId10">
+          <a:blip r:embed="rId11">
             <a:extLst>
               <a:ext uri="{96DAC541-7B7A-43D3-8B79-37D633B846F1}">
-                <asvg:svgBlip xmlns:asvg="http://schemas.microsoft.com/office/drawing/2016/SVG/main" r:embed="rId11"/>
+                <asvg:svgBlip xmlns:asvg="http://schemas.microsoft.com/office/drawing/2016/SVG/main" r:embed="rId12"/>
               </a:ext>
             </a:extLst>
           </a:blip>
@@ -14358,8 +14973,342 @@
         </p:blipFill>
         <p:spPr>
           <a:xfrm>
-            <a:off x="8321968" y="4610678"/>
+            <a:off x="6390862" y="4610678"/>
             <a:ext cx="1745672" cy="1745672"/>
+          </a:xfrm>
+          <a:prstGeom prst="rect">
+            <a:avLst/>
+          </a:prstGeom>
+        </p:spPr>
+      </p:pic>
+      <p:graphicFrame>
+        <p:nvGraphicFramePr>
+          <p:cNvPr id="7" name="Diagramm 6">
+            <a:extLst>
+              <a:ext uri="{FF2B5EF4-FFF2-40B4-BE49-F238E27FC236}">
+                <a16:creationId xmlns:a16="http://schemas.microsoft.com/office/drawing/2014/main" id="{6525A799-4787-420C-B03D-38780CAB25E0}"/>
+              </a:ext>
+            </a:extLst>
+          </p:cNvPr>
+          <p:cNvGraphicFramePr/>
+          <p:nvPr>
+            <p:extLst>
+              <p:ext uri="{D42A27DB-BD31-4B8C-83A1-F6EECF244321}">
+                <p14:modId xmlns:p14="http://schemas.microsoft.com/office/powerpoint/2010/main" val="3189475977"/>
+              </p:ext>
+            </p:extLst>
+          </p:nvPr>
+        </p:nvGraphicFramePr>
+        <p:xfrm>
+          <a:off x="6472582" y="1812276"/>
+          <a:ext cx="4276035" cy="2709334"/>
+        </p:xfrm>
+        <a:graphic>
+          <a:graphicData uri="http://schemas.openxmlformats.org/drawingml/2006/chart">
+            <c:chart xmlns:c="http://schemas.openxmlformats.org/drawingml/2006/chart" xmlns:r="http://schemas.openxmlformats.org/officeDocument/2006/relationships" r:id="rId13"/>
+          </a:graphicData>
+        </a:graphic>
+      </p:graphicFrame>
+      <p:graphicFrame>
+        <p:nvGraphicFramePr>
+          <p:cNvPr id="12" name="Diagramm 11">
+            <a:extLst>
+              <a:ext uri="{FF2B5EF4-FFF2-40B4-BE49-F238E27FC236}">
+                <a16:creationId xmlns:a16="http://schemas.microsoft.com/office/drawing/2014/main" id="{89083737-8C93-4796-8CDA-33B08277118A}"/>
+              </a:ext>
+            </a:extLst>
+          </p:cNvPr>
+          <p:cNvGraphicFramePr/>
+          <p:nvPr>
+            <p:extLst>
+              <p:ext uri="{D42A27DB-BD31-4B8C-83A1-F6EECF244321}">
+                <p14:modId xmlns:p14="http://schemas.microsoft.com/office/powerpoint/2010/main" val="1290764170"/>
+              </p:ext>
+            </p:extLst>
+          </p:nvPr>
+        </p:nvGraphicFramePr>
+        <p:xfrm>
+          <a:off x="6497783" y="1901344"/>
+          <a:ext cx="4276035" cy="2709334"/>
+        </p:xfrm>
+        <a:graphic>
+          <a:graphicData uri="http://schemas.openxmlformats.org/drawingml/2006/chart">
+            <c:chart xmlns:c="http://schemas.openxmlformats.org/drawingml/2006/chart" xmlns:r="http://schemas.openxmlformats.org/officeDocument/2006/relationships" r:id="rId14"/>
+          </a:graphicData>
+        </a:graphic>
+      </p:graphicFrame>
+      <p:pic>
+        <p:nvPicPr>
+          <p:cNvPr id="13" name="Grafik 12" descr="Benutzer mit einfarbiger Füllung">
+            <a:extLst>
+              <a:ext uri="{FF2B5EF4-FFF2-40B4-BE49-F238E27FC236}">
+                <a16:creationId xmlns:a16="http://schemas.microsoft.com/office/drawing/2014/main" id="{143F5D79-0960-4D6F-B53D-4C6534D0D5F8}"/>
+              </a:ext>
+            </a:extLst>
+          </p:cNvPr>
+          <p:cNvPicPr>
+            <a:picLocks noChangeAspect="1"/>
+          </p:cNvPicPr>
+          <p:nvPr/>
+        </p:nvPicPr>
+        <p:blipFill>
+          <a:blip r:embed="rId15">
+            <a:extLst>
+              <a:ext uri="{96DAC541-7B7A-43D3-8B79-37D633B846F1}">
+                <asvg:svgBlip xmlns:asvg="http://schemas.microsoft.com/office/drawing/2016/SVG/main" r:embed="rId16"/>
+              </a:ext>
+            </a:extLst>
+          </a:blip>
+          <a:stretch>
+            <a:fillRect/>
+          </a:stretch>
+        </p:blipFill>
+        <p:spPr>
+          <a:xfrm>
+            <a:off x="8635800" y="5562166"/>
+            <a:ext cx="1159309" cy="1159309"/>
+          </a:xfrm>
+          <a:prstGeom prst="rect">
+            <a:avLst/>
+          </a:prstGeom>
+        </p:spPr>
+      </p:pic>
+      <p:pic>
+        <p:nvPicPr>
+          <p:cNvPr id="15" name="Grafik 14" descr="Ausrufezeichen mit einfarbiger Füllung">
+            <a:extLst>
+              <a:ext uri="{FF2B5EF4-FFF2-40B4-BE49-F238E27FC236}">
+                <a16:creationId xmlns:a16="http://schemas.microsoft.com/office/drawing/2014/main" id="{F74A0A90-3F9A-4D45-B53D-240A7CE2DC79}"/>
+              </a:ext>
+            </a:extLst>
+          </p:cNvPr>
+          <p:cNvPicPr>
+            <a:picLocks noChangeAspect="1"/>
+          </p:cNvPicPr>
+          <p:nvPr/>
+        </p:nvPicPr>
+        <p:blipFill>
+          <a:blip r:embed="rId7">
+            <a:extLst>
+              <a:ext uri="{96DAC541-7B7A-43D3-8B79-37D633B846F1}">
+                <asvg:svgBlip xmlns:asvg="http://schemas.microsoft.com/office/drawing/2016/SVG/main" r:embed="rId8"/>
+              </a:ext>
+            </a:extLst>
+          </a:blip>
+          <a:stretch>
+            <a:fillRect/>
+          </a:stretch>
+        </p:blipFill>
+        <p:spPr>
+          <a:xfrm>
+            <a:off x="3952860" y="2082848"/>
+            <a:ext cx="2029692" cy="2029692"/>
+          </a:xfrm>
+          <a:prstGeom prst="rect">
+            <a:avLst/>
+          </a:prstGeom>
+        </p:spPr>
+      </p:pic>
+      <p:pic>
+        <p:nvPicPr>
+          <p:cNvPr id="16" name="Grafik 15" descr="Ausrufezeichen mit einfarbiger Füllung">
+            <a:extLst>
+              <a:ext uri="{FF2B5EF4-FFF2-40B4-BE49-F238E27FC236}">
+                <a16:creationId xmlns:a16="http://schemas.microsoft.com/office/drawing/2014/main" id="{A37D94A1-14CE-4CFF-8EF1-977FEE483194}"/>
+              </a:ext>
+            </a:extLst>
+          </p:cNvPr>
+          <p:cNvPicPr>
+            <a:picLocks noChangeAspect="1"/>
+          </p:cNvPicPr>
+          <p:nvPr/>
+        </p:nvPicPr>
+        <p:blipFill>
+          <a:blip r:embed="rId7">
+            <a:extLst>
+              <a:ext uri="{96DAC541-7B7A-43D3-8B79-37D633B846F1}">
+                <asvg:svgBlip xmlns:asvg="http://schemas.microsoft.com/office/drawing/2016/SVG/main" r:embed="rId8"/>
+              </a:ext>
+            </a:extLst>
+          </a:blip>
+          <a:stretch>
+            <a:fillRect/>
+          </a:stretch>
+        </p:blipFill>
+        <p:spPr>
+          <a:xfrm>
+            <a:off x="3415444" y="2071253"/>
+            <a:ext cx="2029692" cy="2029692"/>
+          </a:xfrm>
+          <a:prstGeom prst="rect">
+            <a:avLst/>
+          </a:prstGeom>
+        </p:spPr>
+      </p:pic>
+      <p:sp>
+        <p:nvSpPr>
+          <p:cNvPr id="20" name="Ellipse 19">
+            <a:extLst>
+              <a:ext uri="{FF2B5EF4-FFF2-40B4-BE49-F238E27FC236}">
+                <a16:creationId xmlns:a16="http://schemas.microsoft.com/office/drawing/2014/main" id="{034655A1-85BC-485E-A0D6-F8A281650A11}"/>
+              </a:ext>
+            </a:extLst>
+          </p:cNvPr>
+          <p:cNvSpPr/>
+          <p:nvPr/>
+        </p:nvSpPr>
+        <p:spPr>
+          <a:xfrm>
+            <a:off x="2494048" y="1788231"/>
+            <a:ext cx="650471" cy="671830"/>
+          </a:xfrm>
+          <a:prstGeom prst="ellipse">
+            <a:avLst/>
+          </a:prstGeom>
+        </p:spPr>
+        <p:style>
+          <a:lnRef idx="2">
+            <a:schemeClr val="dk1"/>
+          </a:lnRef>
+          <a:fillRef idx="1">
+            <a:schemeClr val="lt1"/>
+          </a:fillRef>
+          <a:effectRef idx="0">
+            <a:schemeClr val="dk1"/>
+          </a:effectRef>
+          <a:fontRef idx="minor">
+            <a:schemeClr val="dk1"/>
+          </a:fontRef>
+        </p:style>
+        <p:txBody>
+          <a:bodyPr rtlCol="0" anchor="ctr"/>
+          <a:lstStyle/>
+          <a:p>
+            <a:pPr algn="ctr"/>
+            <a:endParaRPr lang="de-DE" dirty="0"/>
+          </a:p>
+        </p:txBody>
+      </p:sp>
+      <p:pic>
+        <p:nvPicPr>
+          <p:cNvPr id="21" name="Grafik 20" descr="Lachendes Gesicht mit einfarbiger Füllung mit einfarbiger Füllung">
+            <a:extLst>
+              <a:ext uri="{FF2B5EF4-FFF2-40B4-BE49-F238E27FC236}">
+                <a16:creationId xmlns:a16="http://schemas.microsoft.com/office/drawing/2014/main" id="{61FDE671-2C49-4792-90C0-9FC1F18CF5E8}"/>
+              </a:ext>
+            </a:extLst>
+          </p:cNvPr>
+          <p:cNvPicPr>
+            <a:picLocks noChangeAspect="1"/>
+          </p:cNvPicPr>
+          <p:nvPr/>
+        </p:nvPicPr>
+        <p:blipFill>
+          <a:blip r:embed="rId17">
+            <a:extLst>
+              <a:ext uri="{96DAC541-7B7A-43D3-8B79-37D633B846F1}">
+                <asvg:svgBlip xmlns:asvg="http://schemas.microsoft.com/office/drawing/2016/SVG/main" r:embed="rId18"/>
+              </a:ext>
+            </a:extLst>
+          </a:blip>
+          <a:stretch>
+            <a:fillRect/>
+          </a:stretch>
+        </p:blipFill>
+        <p:spPr>
+          <a:xfrm>
+            <a:off x="2356773" y="1641762"/>
+            <a:ext cx="914400" cy="914400"/>
+          </a:xfrm>
+          <a:prstGeom prst="rect">
+            <a:avLst/>
+          </a:prstGeom>
+        </p:spPr>
+      </p:pic>
+      <p:pic>
+        <p:nvPicPr>
+          <p:cNvPr id="23" name="Grafik 22">
+            <a:extLst>
+              <a:ext uri="{FF2B5EF4-FFF2-40B4-BE49-F238E27FC236}">
+                <a16:creationId xmlns:a16="http://schemas.microsoft.com/office/drawing/2014/main" id="{8CC7E7A3-DE39-4CCA-81E2-5C5FC9DB0140}"/>
+              </a:ext>
+            </a:extLst>
+          </p:cNvPr>
+          <p:cNvPicPr>
+            <a:picLocks noChangeAspect="1"/>
+          </p:cNvPicPr>
+          <p:nvPr/>
+        </p:nvPicPr>
+        <p:blipFill>
+          <a:blip r:embed="rId19"/>
+          <a:stretch>
+            <a:fillRect/>
+          </a:stretch>
+        </p:blipFill>
+        <p:spPr>
+          <a:xfrm>
+            <a:off x="2639163" y="2098962"/>
+            <a:ext cx="81292" cy="114343"/>
+          </a:xfrm>
+          <a:prstGeom prst="rect">
+            <a:avLst/>
+          </a:prstGeom>
+        </p:spPr>
+      </p:pic>
+      <p:pic>
+        <p:nvPicPr>
+          <p:cNvPr id="24" name="Grafik 23">
+            <a:extLst>
+              <a:ext uri="{FF2B5EF4-FFF2-40B4-BE49-F238E27FC236}">
+                <a16:creationId xmlns:a16="http://schemas.microsoft.com/office/drawing/2014/main" id="{C5265BF2-B7E3-496B-90E5-14C95E334792}"/>
+              </a:ext>
+            </a:extLst>
+          </p:cNvPr>
+          <p:cNvPicPr>
+            <a:picLocks noChangeAspect="1"/>
+          </p:cNvPicPr>
+          <p:nvPr/>
+        </p:nvPicPr>
+        <p:blipFill>
+          <a:blip r:embed="rId19"/>
+          <a:stretch>
+            <a:fillRect/>
+          </a:stretch>
+        </p:blipFill>
+        <p:spPr>
+          <a:xfrm>
+            <a:off x="2894303" y="2098962"/>
+            <a:ext cx="81292" cy="114343"/>
+          </a:xfrm>
+          <a:prstGeom prst="rect">
+            <a:avLst/>
+          </a:prstGeom>
+        </p:spPr>
+      </p:pic>
+      <p:pic>
+        <p:nvPicPr>
+          <p:cNvPr id="26" name="Grafik 25">
+            <a:extLst>
+              <a:ext uri="{FF2B5EF4-FFF2-40B4-BE49-F238E27FC236}">
+                <a16:creationId xmlns:a16="http://schemas.microsoft.com/office/drawing/2014/main" id="{DE6EB0AE-551F-4BDF-80F1-74294C5FD90D}"/>
+              </a:ext>
+            </a:extLst>
+          </p:cNvPr>
+          <p:cNvPicPr>
+            <a:picLocks noChangeAspect="1"/>
+          </p:cNvPicPr>
+          <p:nvPr/>
+        </p:nvPicPr>
+        <p:blipFill>
+          <a:blip r:embed="rId19"/>
+          <a:stretch>
+            <a:fillRect/>
+          </a:stretch>
+        </p:blipFill>
+        <p:spPr>
+          <a:xfrm>
+            <a:off x="2639163" y="2383819"/>
+            <a:ext cx="81292" cy="114343"/>
           </a:xfrm>
           <a:prstGeom prst="rect">
             <a:avLst/>
@@ -14376,6 +15325,267 @@
   <p:clrMapOvr>
     <a:masterClrMapping/>
   </p:clrMapOvr>
+  <p:timing>
+    <p:tnLst>
+      <p:par>
+        <p:cTn id="1" dur="indefinite" restart="never" nodeType="tmRoot">
+          <p:childTnLst>
+            <p:seq concurrent="1" nextAc="seek">
+              <p:cTn id="2" dur="indefinite" nodeType="mainSeq">
+                <p:childTnLst>
+                  <p:par>
+                    <p:cTn id="3" fill="hold">
+                      <p:stCondLst>
+                        <p:cond delay="indefinite"/>
+                      </p:stCondLst>
+                      <p:childTnLst>
+                        <p:par>
+                          <p:cTn id="4" fill="hold">
+                            <p:stCondLst>
+                              <p:cond delay="0"/>
+                            </p:stCondLst>
+                            <p:childTnLst>
+                              <p:par>
+                                <p:cTn id="5" presetID="1" presetClass="entr" presetSubtype="0" fill="hold" grpId="0" nodeType="clickEffect">
+                                  <p:stCondLst>
+                                    <p:cond delay="0"/>
+                                  </p:stCondLst>
+                                  <p:childTnLst>
+                                    <p:set>
+                                      <p:cBhvr>
+                                        <p:cTn id="6" dur="1" fill="hold">
+                                          <p:stCondLst>
+                                            <p:cond delay="0"/>
+                                          </p:stCondLst>
+                                        </p:cTn>
+                                        <p:tgtEl>
+                                          <p:spTgt spid="7"/>
+                                        </p:tgtEl>
+                                        <p:attrNameLst>
+                                          <p:attrName>style.visibility</p:attrName>
+                                        </p:attrNameLst>
+                                      </p:cBhvr>
+                                      <p:to>
+                                        <p:strVal val="visible"/>
+                                      </p:to>
+                                    </p:set>
+                                  </p:childTnLst>
+                                </p:cTn>
+                              </p:par>
+                              <p:par>
+                                <p:cTn id="7" presetID="1" presetClass="exit" presetSubtype="0" fill="hold" grpId="0" nodeType="withEffect">
+                                  <p:stCondLst>
+                                    <p:cond delay="0"/>
+                                  </p:stCondLst>
+                                  <p:childTnLst>
+                                    <p:set>
+                                      <p:cBhvr>
+                                        <p:cTn id="8" dur="1" fill="hold">
+                                          <p:stCondLst>
+                                            <p:cond delay="0"/>
+                                          </p:stCondLst>
+                                        </p:cTn>
+                                        <p:tgtEl>
+                                          <p:spTgt spid="12"/>
+                                        </p:tgtEl>
+                                        <p:attrNameLst>
+                                          <p:attrName>style.visibility</p:attrName>
+                                        </p:attrNameLst>
+                                      </p:cBhvr>
+                                      <p:to>
+                                        <p:strVal val="hidden"/>
+                                      </p:to>
+                                    </p:set>
+                                  </p:childTnLst>
+                                </p:cTn>
+                              </p:par>
+                              <p:par>
+                                <p:cTn id="9" presetID="10" presetClass="entr" presetSubtype="0" fill="hold" nodeType="withEffect">
+                                  <p:stCondLst>
+                                    <p:cond delay="0"/>
+                                  </p:stCondLst>
+                                  <p:childTnLst>
+                                    <p:set>
+                                      <p:cBhvr>
+                                        <p:cTn id="10" dur="1" fill="hold">
+                                          <p:stCondLst>
+                                            <p:cond delay="0"/>
+                                          </p:stCondLst>
+                                        </p:cTn>
+                                        <p:tgtEl>
+                                          <p:spTgt spid="9"/>
+                                        </p:tgtEl>
+                                        <p:attrNameLst>
+                                          <p:attrName>style.visibility</p:attrName>
+                                        </p:attrNameLst>
+                                      </p:cBhvr>
+                                      <p:to>
+                                        <p:strVal val="visible"/>
+                                      </p:to>
+                                    </p:set>
+                                    <p:animEffect transition="in" filter="fade">
+                                      <p:cBhvr>
+                                        <p:cTn id="11" dur="250"/>
+                                        <p:tgtEl>
+                                          <p:spTgt spid="9"/>
+                                        </p:tgtEl>
+                                      </p:cBhvr>
+                                    </p:animEffect>
+                                  </p:childTnLst>
+                                </p:cTn>
+                              </p:par>
+                              <p:par>
+                                <p:cTn id="12" presetID="1" presetClass="entr" presetSubtype="0" fill="hold" nodeType="withEffect">
+                                  <p:stCondLst>
+                                    <p:cond delay="0"/>
+                                  </p:stCondLst>
+                                  <p:childTnLst>
+                                    <p:set>
+                                      <p:cBhvr>
+                                        <p:cTn id="13" dur="1" fill="hold">
+                                          <p:stCondLst>
+                                            <p:cond delay="0"/>
+                                          </p:stCondLst>
+                                        </p:cTn>
+                                        <p:tgtEl>
+                                          <p:spTgt spid="16"/>
+                                        </p:tgtEl>
+                                        <p:attrNameLst>
+                                          <p:attrName>style.visibility</p:attrName>
+                                        </p:attrNameLst>
+                                      </p:cBhvr>
+                                      <p:to>
+                                        <p:strVal val="visible"/>
+                                      </p:to>
+                                    </p:set>
+                                  </p:childTnLst>
+                                </p:cTn>
+                              </p:par>
+                              <p:par>
+                                <p:cTn id="14" presetID="1" presetClass="entr" presetSubtype="0" fill="hold" nodeType="withEffect">
+                                  <p:stCondLst>
+                                    <p:cond delay="0"/>
+                                  </p:stCondLst>
+                                  <p:childTnLst>
+                                    <p:set>
+                                      <p:cBhvr>
+                                        <p:cTn id="15" dur="1" fill="hold">
+                                          <p:stCondLst>
+                                            <p:cond delay="0"/>
+                                          </p:stCondLst>
+                                        </p:cTn>
+                                        <p:tgtEl>
+                                          <p:spTgt spid="15"/>
+                                        </p:tgtEl>
+                                        <p:attrNameLst>
+                                          <p:attrName>style.visibility</p:attrName>
+                                        </p:attrNameLst>
+                                      </p:cBhvr>
+                                      <p:to>
+                                        <p:strVal val="visible"/>
+                                      </p:to>
+                                    </p:set>
+                                  </p:childTnLst>
+                                </p:cTn>
+                              </p:par>
+                              <p:par>
+                                <p:cTn id="16" presetID="1" presetClass="entr" presetSubtype="0" fill="hold" nodeType="withEffect">
+                                  <p:stCondLst>
+                                    <p:cond delay="0"/>
+                                  </p:stCondLst>
+                                  <p:childTnLst>
+                                    <p:set>
+                                      <p:cBhvr>
+                                        <p:cTn id="17" dur="1" fill="hold">
+                                          <p:stCondLst>
+                                            <p:cond delay="0"/>
+                                          </p:stCondLst>
+                                        </p:cTn>
+                                        <p:tgtEl>
+                                          <p:spTgt spid="24"/>
+                                        </p:tgtEl>
+                                        <p:attrNameLst>
+                                          <p:attrName>style.visibility</p:attrName>
+                                        </p:attrNameLst>
+                                      </p:cBhvr>
+                                      <p:to>
+                                        <p:strVal val="visible"/>
+                                      </p:to>
+                                    </p:set>
+                                  </p:childTnLst>
+                                </p:cTn>
+                              </p:par>
+                              <p:par>
+                                <p:cTn id="18" presetID="10" presetClass="entr" presetSubtype="0" fill="hold" nodeType="withEffect">
+                                  <p:stCondLst>
+                                    <p:cond delay="0"/>
+                                  </p:stCondLst>
+                                  <p:childTnLst>
+                                    <p:set>
+                                      <p:cBhvr>
+                                        <p:cTn id="19" dur="1" fill="hold">
+                                          <p:stCondLst>
+                                            <p:cond delay="0"/>
+                                          </p:stCondLst>
+                                        </p:cTn>
+                                        <p:tgtEl>
+                                          <p:spTgt spid="26"/>
+                                        </p:tgtEl>
+                                        <p:attrNameLst>
+                                          <p:attrName>style.visibility</p:attrName>
+                                        </p:attrNameLst>
+                                      </p:cBhvr>
+                                      <p:to>
+                                        <p:strVal val="visible"/>
+                                      </p:to>
+                                    </p:set>
+                                    <p:animEffect transition="in" filter="fade">
+                                      <p:cBhvr>
+                                        <p:cTn id="20" dur="250"/>
+                                        <p:tgtEl>
+                                          <p:spTgt spid="26"/>
+                                        </p:tgtEl>
+                                      </p:cBhvr>
+                                    </p:animEffect>
+                                  </p:childTnLst>
+                                </p:cTn>
+                              </p:par>
+                            </p:childTnLst>
+                          </p:cTn>
+                        </p:par>
+                      </p:childTnLst>
+                    </p:cTn>
+                  </p:par>
+                </p:childTnLst>
+              </p:cTn>
+              <p:prevCondLst>
+                <p:cond evt="onPrev" delay="0">
+                  <p:tgtEl>
+                    <p:sldTgt/>
+                  </p:tgtEl>
+                </p:cond>
+              </p:prevCondLst>
+              <p:nextCondLst>
+                <p:cond evt="onNext" delay="0">
+                  <p:tgtEl>
+                    <p:sldTgt/>
+                  </p:tgtEl>
+                </p:cond>
+              </p:nextCondLst>
+            </p:seq>
+          </p:childTnLst>
+        </p:cTn>
+      </p:par>
+    </p:tnLst>
+    <p:bldLst>
+      <p:bldGraphic spid="7" grpId="0">
+        <p:bldAsOne/>
+      </p:bldGraphic>
+      <p:bldGraphic spid="12" grpId="0">
+        <p:bldAsOne/>
+      </p:bldGraphic>
+    </p:bldLst>
+  </p:timing>
 </p:sld>
 </file>
 
@@ -18032,7 +19242,7 @@
         </p:blipFill>
         <p:spPr>
           <a:xfrm>
-            <a:off x="2988544" y="3890026"/>
+            <a:off x="8141090" y="3954763"/>
             <a:ext cx="1600917" cy="1600917"/>
           </a:xfrm>
           <a:prstGeom prst="rect">
@@ -18056,7 +19266,7 @@
         </p:nvSpPr>
         <p:spPr>
           <a:xfrm>
-            <a:off x="1544416" y="5324972"/>
+            <a:off x="6696961" y="5425911"/>
             <a:ext cx="4489174" cy="1031378"/>
           </a:xfrm>
           <a:prstGeom prst="rect">
@@ -18267,7 +19477,7 @@
         </p:nvSpPr>
         <p:spPr>
           <a:xfrm>
-            <a:off x="7574448" y="3094590"/>
+            <a:off x="7540003" y="3094590"/>
             <a:ext cx="2758107" cy="511839"/>
           </a:xfrm>
           <a:prstGeom prst="rect">
@@ -18469,7 +19679,7 @@
         </p:nvSpPr>
         <p:spPr>
           <a:xfrm>
-            <a:off x="6528354" y="5407293"/>
+            <a:off x="1363853" y="5371707"/>
             <a:ext cx="4850296" cy="1085582"/>
           </a:xfrm>
           <a:prstGeom prst="rect">
@@ -18686,7 +19896,7 @@
         </p:blipFill>
         <p:spPr>
           <a:xfrm>
-            <a:off x="7840840" y="4062320"/>
+            <a:off x="2512941" y="4070963"/>
             <a:ext cx="2170622" cy="1256330"/>
           </a:xfrm>
           <a:prstGeom prst="rect">
@@ -18722,7 +19932,7 @@
         </p:blipFill>
         <p:spPr>
           <a:xfrm>
-            <a:off x="9365656" y="3612120"/>
+            <a:off x="4037757" y="3620763"/>
             <a:ext cx="1148793" cy="1148793"/>
           </a:xfrm>
           <a:prstGeom prst="rect">
@@ -18748,8 +19958,8 @@
         </p:nvSpPr>
         <p:spPr>
           <a:xfrm>
-            <a:off x="1548550" y="3155956"/>
-            <a:ext cx="4489174" cy="456164"/>
+            <a:off x="1683469" y="3155956"/>
+            <a:ext cx="3829566" cy="456164"/>
           </a:xfrm>
         </p:spPr>
         <p:txBody>
@@ -18796,7 +20006,7 @@
         </p:blipFill>
         <p:spPr>
           <a:xfrm>
-            <a:off x="3055990" y="1628567"/>
+            <a:off x="2848388" y="1628567"/>
             <a:ext cx="1466023" cy="1466023"/>
           </a:xfrm>
           <a:prstGeom prst="rect">
@@ -18817,13 +20027,13 @@
           <p:nvPr>
             <p:extLst>
               <p:ext uri="{D42A27DB-BD31-4B8C-83A1-F6EECF244321}">
-                <p14:modId xmlns:p14="http://schemas.microsoft.com/office/powerpoint/2010/main" val="774809611"/>
+                <p14:modId xmlns:p14="http://schemas.microsoft.com/office/powerpoint/2010/main" val="3342991119"/>
               </p:ext>
             </p:extLst>
           </p:nvPr>
         </p:nvGraphicFramePr>
         <p:xfrm>
-          <a:off x="7583632" y="1690688"/>
+          <a:off x="7531613" y="1690688"/>
           <a:ext cx="2774888" cy="1421599"/>
         </p:xfrm>
         <a:graphic>
@@ -19060,7 +20270,7 @@
                                           </p:stCondLst>
                                         </p:cTn>
                                         <p:tgtEl>
-                                          <p:spTgt spid="9"/>
+                                          <p:spTgt spid="13"/>
                                         </p:tgtEl>
                                         <p:attrNameLst>
                                           <p:attrName>style.visibility</p:attrName>
@@ -19074,7 +20284,7 @@
                                       <p:cBhvr>
                                         <p:cTn id="23" dur="250"/>
                                         <p:tgtEl>
-                                          <p:spTgt spid="9"/>
+                                          <p:spTgt spid="13"/>
                                         </p:tgtEl>
                                       </p:cBhvr>
                                     </p:animEffect>
@@ -19095,7 +20305,7 @@
                                           </p:stCondLst>
                                         </p:cTn>
                                         <p:tgtEl>
-                                          <p:spTgt spid="7"/>
+                                          <p:spTgt spid="18"/>
                                         </p:tgtEl>
                                         <p:attrNameLst>
                                           <p:attrName>style.visibility</p:attrName>
@@ -19109,7 +20319,42 @@
                                       <p:cBhvr>
                                         <p:cTn id="26" dur="250"/>
                                         <p:tgtEl>
-                                          <p:spTgt spid="7"/>
+                                          <p:spTgt spid="18"/>
+                                        </p:tgtEl>
+                                      </p:cBhvr>
+                                    </p:animEffect>
+                                  </p:childTnLst>
+                                </p:cTn>
+                              </p:par>
+                              <p:par>
+                                <p:cTn id="27" presetID="10" presetClass="entr" presetSubtype="0" fill="hold" nodeType="withEffect">
+                                  <p:stCondLst>
+                                    <p:cond delay="0"/>
+                                  </p:stCondLst>
+                                  <p:childTnLst>
+                                    <p:set>
+                                      <p:cBhvr>
+                                        <p:cTn id="28" dur="1" fill="hold">
+                                          <p:stCondLst>
+                                            <p:cond delay="0"/>
+                                          </p:stCondLst>
+                                        </p:cTn>
+                                        <p:tgtEl>
+                                          <p:spTgt spid="20"/>
+                                        </p:tgtEl>
+                                        <p:attrNameLst>
+                                          <p:attrName>style.visibility</p:attrName>
+                                        </p:attrNameLst>
+                                      </p:cBhvr>
+                                      <p:to>
+                                        <p:strVal val="visible"/>
+                                      </p:to>
+                                    </p:set>
+                                    <p:animEffect transition="in" filter="fade">
+                                      <p:cBhvr>
+                                        <p:cTn id="29" dur="250"/>
+                                        <p:tgtEl>
+                                          <p:spTgt spid="20"/>
                                         </p:tgtEl>
                                       </p:cBhvr>
                                     </p:animEffect>
@@ -19123,54 +20368,19 @@
                     </p:cTn>
                   </p:par>
                   <p:par>
-                    <p:cTn id="27" fill="hold">
+                    <p:cTn id="30" fill="hold">
                       <p:stCondLst>
                         <p:cond delay="indefinite"/>
                       </p:stCondLst>
                       <p:childTnLst>
                         <p:par>
-                          <p:cTn id="28" fill="hold">
+                          <p:cTn id="31" fill="hold">
                             <p:stCondLst>
                               <p:cond delay="0"/>
                             </p:stCondLst>
                             <p:childTnLst>
                               <p:par>
-                                <p:cTn id="29" presetID="10" presetClass="entr" presetSubtype="0" fill="hold" grpId="0" nodeType="clickEffect">
-                                  <p:stCondLst>
-                                    <p:cond delay="0"/>
-                                  </p:stCondLst>
-                                  <p:childTnLst>
-                                    <p:set>
-                                      <p:cBhvr>
-                                        <p:cTn id="30" dur="1" fill="hold">
-                                          <p:stCondLst>
-                                            <p:cond delay="0"/>
-                                          </p:stCondLst>
-                                        </p:cTn>
-                                        <p:tgtEl>
-                                          <p:spTgt spid="13"/>
-                                        </p:tgtEl>
-                                        <p:attrNameLst>
-                                          <p:attrName>style.visibility</p:attrName>
-                                        </p:attrNameLst>
-                                      </p:cBhvr>
-                                      <p:to>
-                                        <p:strVal val="visible"/>
-                                      </p:to>
-                                    </p:set>
-                                    <p:animEffect transition="in" filter="fade">
-                                      <p:cBhvr>
-                                        <p:cTn id="31" dur="250"/>
-                                        <p:tgtEl>
-                                          <p:spTgt spid="13"/>
-                                        </p:tgtEl>
-                                      </p:cBhvr>
-                                    </p:animEffect>
-                                  </p:childTnLst>
-                                </p:cTn>
-                              </p:par>
-                              <p:par>
-                                <p:cTn id="32" presetID="10" presetClass="entr" presetSubtype="0" fill="hold" nodeType="withEffect">
+                                <p:cTn id="32" presetID="10" presetClass="entr" presetSubtype="0" fill="hold" grpId="0" nodeType="clickEffect">
                                   <p:stCondLst>
                                     <p:cond delay="0"/>
                                   </p:stCondLst>
@@ -19183,7 +20393,7 @@
                                           </p:stCondLst>
                                         </p:cTn>
                                         <p:tgtEl>
-                                          <p:spTgt spid="18"/>
+                                          <p:spTgt spid="9"/>
                                         </p:tgtEl>
                                         <p:attrNameLst>
                                           <p:attrName>style.visibility</p:attrName>
@@ -19197,7 +20407,7 @@
                                       <p:cBhvr>
                                         <p:cTn id="34" dur="250"/>
                                         <p:tgtEl>
-                                          <p:spTgt spid="18"/>
+                                          <p:spTgt spid="9"/>
                                         </p:tgtEl>
                                       </p:cBhvr>
                                     </p:animEffect>
@@ -19218,7 +20428,7 @@
                                           </p:stCondLst>
                                         </p:cTn>
                                         <p:tgtEl>
-                                          <p:spTgt spid="20"/>
+                                          <p:spTgt spid="7"/>
                                         </p:tgtEl>
                                         <p:attrNameLst>
                                           <p:attrName>style.visibility</p:attrName>
@@ -19232,7 +20442,7 @@
                                       <p:cBhvr>
                                         <p:cTn id="37" dur="250"/>
                                         <p:tgtEl>
-                                          <p:spTgt spid="20"/>
+                                          <p:spTgt spid="7"/>
                                         </p:tgtEl>
                                       </p:cBhvr>
                                     </p:animEffect>

--- a/Praesentationen/01-Definitionsphase/Präsentation.pptx
+++ b/Praesentationen/01-Definitionsphase/Präsentation.pptx
@@ -135,6 +135,7 @@
 <p1510:revInfo xmlns:a="http://schemas.openxmlformats.org/drawingml/2006/main" xmlns:r="http://schemas.openxmlformats.org/officeDocument/2006/relationships" xmlns:p1510="http://schemas.microsoft.com/office/powerpoint/2015/10/main">
   <p1510:revLst>
     <p1510:client id="{8BCBCECC-AEE1-419B-916B-999E3489D6C8}" v="7" dt="2021-12-02T18:15:44.327"/>
+    <p1510:client id="{D321EB78-646E-7546-8478-D5F05974E81C}" v="43" dt="2021-12-02T21:51:44.400"/>
   </p1510:revLst>
 </p1510:revInfo>
 </file>
@@ -207,6 +208,998 @@
           <pc:docMk/>
           <pc:sldMk cId="2034480571" sldId="269"/>
         </pc:sldMkLst>
+      </pc:sldChg>
+    </pc:docChg>
+  </pc:docChgLst>
+  <pc:docChgLst>
+    <pc:chgData name="Antonia ..." userId="df27490986ae0560" providerId="LiveId" clId="{D321EB78-646E-7546-8478-D5F05974E81C}"/>
+    <pc:docChg chg="undo custSel modSld">
+      <pc:chgData name="Antonia ..." userId="df27490986ae0560" providerId="LiveId" clId="{D321EB78-646E-7546-8478-D5F05974E81C}" dt="2021-12-02T21:59:20.089" v="1043" actId="20577"/>
+      <pc:docMkLst>
+        <pc:docMk/>
+      </pc:docMkLst>
+      <pc:sldChg chg="addSp delSp modSp mod">
+        <pc:chgData name="Antonia ..." userId="df27490986ae0560" providerId="LiveId" clId="{D321EB78-646E-7546-8478-D5F05974E81C}" dt="2021-12-02T21:32:47.320" v="66" actId="207"/>
+        <pc:sldMkLst>
+          <pc:docMk/>
+          <pc:sldMk cId="1944030504" sldId="256"/>
+        </pc:sldMkLst>
+        <pc:spChg chg="add mod">
+          <ac:chgData name="Antonia ..." userId="df27490986ae0560" providerId="LiveId" clId="{D321EB78-646E-7546-8478-D5F05974E81C}" dt="2021-12-02T21:32:47.320" v="66" actId="207"/>
+          <ac:spMkLst>
+            <pc:docMk/>
+            <pc:sldMk cId="1944030504" sldId="256"/>
+            <ac:spMk id="4" creationId="{FC4C8629-8A10-0C42-B17A-D27AA8B45372}"/>
+          </ac:spMkLst>
+        </pc:spChg>
+        <pc:spChg chg="add mod">
+          <ac:chgData name="Antonia ..." userId="df27490986ae0560" providerId="LiveId" clId="{D321EB78-646E-7546-8478-D5F05974E81C}" dt="2021-12-02T21:32:47.320" v="66" actId="207"/>
+          <ac:spMkLst>
+            <pc:docMk/>
+            <pc:sldMk cId="1944030504" sldId="256"/>
+            <ac:spMk id="5" creationId="{39B12DEF-4839-0D4E-AA69-DAC43B100905}"/>
+          </ac:spMkLst>
+        </pc:spChg>
+        <pc:spChg chg="add del mod">
+          <ac:chgData name="Antonia ..." userId="df27490986ae0560" providerId="LiveId" clId="{D321EB78-646E-7546-8478-D5F05974E81C}" dt="2021-12-02T21:32:09.275" v="61"/>
+          <ac:spMkLst>
+            <pc:docMk/>
+            <pc:sldMk cId="1944030504" sldId="256"/>
+            <ac:spMk id="6" creationId="{ABF6575B-C114-2D4A-943E-957581456D10}"/>
+          </ac:spMkLst>
+        </pc:spChg>
+        <pc:spChg chg="add mod">
+          <ac:chgData name="Antonia ..." userId="df27490986ae0560" providerId="LiveId" clId="{D321EB78-646E-7546-8478-D5F05974E81C}" dt="2021-12-02T21:32:47.320" v="66" actId="207"/>
+          <ac:spMkLst>
+            <pc:docMk/>
+            <pc:sldMk cId="1944030504" sldId="256"/>
+            <ac:spMk id="7" creationId="{B0EB4FAD-2F0A-084C-92BF-4A79349BCA25}"/>
+          </ac:spMkLst>
+        </pc:spChg>
+      </pc:sldChg>
+      <pc:sldChg chg="addSp modSp mod">
+        <pc:chgData name="Antonia ..." userId="df27490986ae0560" providerId="LiveId" clId="{D321EB78-646E-7546-8478-D5F05974E81C}" dt="2021-12-02T21:33:05.619" v="68" actId="207"/>
+        <pc:sldMkLst>
+          <pc:docMk/>
+          <pc:sldMk cId="735487197" sldId="257"/>
+        </pc:sldMkLst>
+        <pc:spChg chg="add mod">
+          <ac:chgData name="Antonia ..." userId="df27490986ae0560" providerId="LiveId" clId="{D321EB78-646E-7546-8478-D5F05974E81C}" dt="2021-12-02T21:33:05.619" v="68" actId="207"/>
+          <ac:spMkLst>
+            <pc:docMk/>
+            <pc:sldMk cId="735487197" sldId="257"/>
+            <ac:spMk id="19" creationId="{4842FFAD-477F-2D42-A2E6-1A204F31207E}"/>
+          </ac:spMkLst>
+        </pc:spChg>
+        <pc:spChg chg="add mod">
+          <ac:chgData name="Antonia ..." userId="df27490986ae0560" providerId="LiveId" clId="{D321EB78-646E-7546-8478-D5F05974E81C}" dt="2021-12-02T21:32:54.581" v="67"/>
+          <ac:spMkLst>
+            <pc:docMk/>
+            <pc:sldMk cId="735487197" sldId="257"/>
+            <ac:spMk id="25" creationId="{3891FD2B-CC98-CE44-8257-F996C603857D}"/>
+          </ac:spMkLst>
+        </pc:spChg>
+        <pc:spChg chg="add mod">
+          <ac:chgData name="Antonia ..." userId="df27490986ae0560" providerId="LiveId" clId="{D321EB78-646E-7546-8478-D5F05974E81C}" dt="2021-12-02T21:32:54.581" v="67"/>
+          <ac:spMkLst>
+            <pc:docMk/>
+            <pc:sldMk cId="735487197" sldId="257"/>
+            <ac:spMk id="26" creationId="{F33B0286-B089-1C45-AE98-EC779A93E21E}"/>
+          </ac:spMkLst>
+        </pc:spChg>
+      </pc:sldChg>
+      <pc:sldChg chg="addSp delSp modSp mod">
+        <pc:chgData name="Antonia ..." userId="df27490986ae0560" providerId="LiveId" clId="{D321EB78-646E-7546-8478-D5F05974E81C}" dt="2021-12-02T21:33:41.607" v="84"/>
+        <pc:sldMkLst>
+          <pc:docMk/>
+          <pc:sldMk cId="800652924" sldId="258"/>
+        </pc:sldMkLst>
+        <pc:spChg chg="add del mod">
+          <ac:chgData name="Antonia ..." userId="df27490986ae0560" providerId="LiveId" clId="{D321EB78-646E-7546-8478-D5F05974E81C}" dt="2021-12-02T21:33:39.059" v="83"/>
+          <ac:spMkLst>
+            <pc:docMk/>
+            <pc:sldMk cId="800652924" sldId="258"/>
+            <ac:spMk id="13" creationId="{E468EF93-2631-994C-8554-CF546683E2A4}"/>
+          </ac:spMkLst>
+        </pc:spChg>
+        <pc:spChg chg="add del mod">
+          <ac:chgData name="Antonia ..." userId="df27490986ae0560" providerId="LiveId" clId="{D321EB78-646E-7546-8478-D5F05974E81C}" dt="2021-12-02T21:33:39.059" v="83"/>
+          <ac:spMkLst>
+            <pc:docMk/>
+            <pc:sldMk cId="800652924" sldId="258"/>
+            <ac:spMk id="15" creationId="{A2247F12-5EF0-4340-B7D9-D4520C399DEB}"/>
+          </ac:spMkLst>
+        </pc:spChg>
+        <pc:spChg chg="add del mod">
+          <ac:chgData name="Antonia ..." userId="df27490986ae0560" providerId="LiveId" clId="{D321EB78-646E-7546-8478-D5F05974E81C}" dt="2021-12-02T21:33:39.059" v="83"/>
+          <ac:spMkLst>
+            <pc:docMk/>
+            <pc:sldMk cId="800652924" sldId="258"/>
+            <ac:spMk id="16" creationId="{DC2C235B-D7EB-B14F-BA24-41E47F9B5F3B}"/>
+          </ac:spMkLst>
+        </pc:spChg>
+        <pc:spChg chg="add mod">
+          <ac:chgData name="Antonia ..." userId="df27490986ae0560" providerId="LiveId" clId="{D321EB78-646E-7546-8478-D5F05974E81C}" dt="2021-12-02T21:33:41.607" v="84"/>
+          <ac:spMkLst>
+            <pc:docMk/>
+            <pc:sldMk cId="800652924" sldId="258"/>
+            <ac:spMk id="17" creationId="{F7DAAC21-C264-D94B-BC31-B2DCB9A7B35B}"/>
+          </ac:spMkLst>
+        </pc:spChg>
+        <pc:spChg chg="add mod">
+          <ac:chgData name="Antonia ..." userId="df27490986ae0560" providerId="LiveId" clId="{D321EB78-646E-7546-8478-D5F05974E81C}" dt="2021-12-02T21:33:41.607" v="84"/>
+          <ac:spMkLst>
+            <pc:docMk/>
+            <pc:sldMk cId="800652924" sldId="258"/>
+            <ac:spMk id="18" creationId="{2758A045-9AF9-7640-BAB5-CBF89A9D47F2}"/>
+          </ac:spMkLst>
+        </pc:spChg>
+        <pc:spChg chg="add mod">
+          <ac:chgData name="Antonia ..." userId="df27490986ae0560" providerId="LiveId" clId="{D321EB78-646E-7546-8478-D5F05974E81C}" dt="2021-12-02T21:33:41.607" v="84"/>
+          <ac:spMkLst>
+            <pc:docMk/>
+            <pc:sldMk cId="800652924" sldId="258"/>
+            <ac:spMk id="19" creationId="{F42A134E-48FE-764D-A5C8-6537880CBD0D}"/>
+          </ac:spMkLst>
+        </pc:spChg>
+      </pc:sldChg>
+      <pc:sldChg chg="addSp modSp">
+        <pc:chgData name="Antonia ..." userId="df27490986ae0560" providerId="LiveId" clId="{D321EB78-646E-7546-8478-D5F05974E81C}" dt="2021-12-02T21:33:46.615" v="85"/>
+        <pc:sldMkLst>
+          <pc:docMk/>
+          <pc:sldMk cId="1570510890" sldId="259"/>
+        </pc:sldMkLst>
+        <pc:spChg chg="add mod">
+          <ac:chgData name="Antonia ..." userId="df27490986ae0560" providerId="LiveId" clId="{D321EB78-646E-7546-8478-D5F05974E81C}" dt="2021-12-02T21:33:46.615" v="85"/>
+          <ac:spMkLst>
+            <pc:docMk/>
+            <pc:sldMk cId="1570510890" sldId="259"/>
+            <ac:spMk id="15" creationId="{676E689C-C4E1-0846-AD06-FAADDF643625}"/>
+          </ac:spMkLst>
+        </pc:spChg>
+        <pc:spChg chg="add mod">
+          <ac:chgData name="Antonia ..." userId="df27490986ae0560" providerId="LiveId" clId="{D321EB78-646E-7546-8478-D5F05974E81C}" dt="2021-12-02T21:33:46.615" v="85"/>
+          <ac:spMkLst>
+            <pc:docMk/>
+            <pc:sldMk cId="1570510890" sldId="259"/>
+            <ac:spMk id="16" creationId="{5E96037B-AEE7-C04E-AB7B-CC54C1079AA4}"/>
+          </ac:spMkLst>
+        </pc:spChg>
+        <pc:spChg chg="add mod">
+          <ac:chgData name="Antonia ..." userId="df27490986ae0560" providerId="LiveId" clId="{D321EB78-646E-7546-8478-D5F05974E81C}" dt="2021-12-02T21:33:46.615" v="85"/>
+          <ac:spMkLst>
+            <pc:docMk/>
+            <pc:sldMk cId="1570510890" sldId="259"/>
+            <ac:spMk id="17" creationId="{B998C052-2B47-D345-8A36-1486D825EA3E}"/>
+          </ac:spMkLst>
+        </pc:spChg>
+      </pc:sldChg>
+      <pc:sldChg chg="addSp modSp">
+        <pc:chgData name="Antonia ..." userId="df27490986ae0560" providerId="LiveId" clId="{D321EB78-646E-7546-8478-D5F05974E81C}" dt="2021-12-02T21:33:50.244" v="86"/>
+        <pc:sldMkLst>
+          <pc:docMk/>
+          <pc:sldMk cId="2237529051" sldId="260"/>
+        </pc:sldMkLst>
+        <pc:spChg chg="add mod">
+          <ac:chgData name="Antonia ..." userId="df27490986ae0560" providerId="LiveId" clId="{D321EB78-646E-7546-8478-D5F05974E81C}" dt="2021-12-02T21:33:50.244" v="86"/>
+          <ac:spMkLst>
+            <pc:docMk/>
+            <pc:sldMk cId="2237529051" sldId="260"/>
+            <ac:spMk id="14" creationId="{3CCE1D85-18E6-7C43-BA56-9BF22BDD2384}"/>
+          </ac:spMkLst>
+        </pc:spChg>
+        <pc:spChg chg="add mod">
+          <ac:chgData name="Antonia ..." userId="df27490986ae0560" providerId="LiveId" clId="{D321EB78-646E-7546-8478-D5F05974E81C}" dt="2021-12-02T21:33:50.244" v="86"/>
+          <ac:spMkLst>
+            <pc:docMk/>
+            <pc:sldMk cId="2237529051" sldId="260"/>
+            <ac:spMk id="15" creationId="{B221648D-59AC-5747-BD84-A7CC0A75EB35}"/>
+          </ac:spMkLst>
+        </pc:spChg>
+        <pc:spChg chg="add mod">
+          <ac:chgData name="Antonia ..." userId="df27490986ae0560" providerId="LiveId" clId="{D321EB78-646E-7546-8478-D5F05974E81C}" dt="2021-12-02T21:33:50.244" v="86"/>
+          <ac:spMkLst>
+            <pc:docMk/>
+            <pc:sldMk cId="2237529051" sldId="260"/>
+            <ac:spMk id="16" creationId="{79A153B0-4CFB-BF48-9CA6-48D813FAFFD8}"/>
+          </ac:spMkLst>
+        </pc:spChg>
+      </pc:sldChg>
+      <pc:sldChg chg="addSp modSp mod">
+        <pc:chgData name="Antonia ..." userId="df27490986ae0560" providerId="LiveId" clId="{D321EB78-646E-7546-8478-D5F05974E81C}" dt="2021-12-02T21:34:19.901" v="90" actId="207"/>
+        <pc:sldMkLst>
+          <pc:docMk/>
+          <pc:sldMk cId="464097652" sldId="261"/>
+        </pc:sldMkLst>
+        <pc:spChg chg="add mod">
+          <ac:chgData name="Antonia ..." userId="df27490986ae0560" providerId="LiveId" clId="{D321EB78-646E-7546-8478-D5F05974E81C}" dt="2021-12-02T21:34:08.719" v="89" actId="207"/>
+          <ac:spMkLst>
+            <pc:docMk/>
+            <pc:sldMk cId="464097652" sldId="261"/>
+            <ac:spMk id="19" creationId="{A8568702-5864-4644-81A8-6AD5132B9FD5}"/>
+          </ac:spMkLst>
+        </pc:spChg>
+        <pc:spChg chg="add mod">
+          <ac:chgData name="Antonia ..." userId="df27490986ae0560" providerId="LiveId" clId="{D321EB78-646E-7546-8478-D5F05974E81C}" dt="2021-12-02T21:34:19.901" v="90" actId="207"/>
+          <ac:spMkLst>
+            <pc:docMk/>
+            <pc:sldMk cId="464097652" sldId="261"/>
+            <ac:spMk id="20" creationId="{F2E7BBE6-AB22-354A-B5D1-6BD4BFB0E346}"/>
+          </ac:spMkLst>
+        </pc:spChg>
+        <pc:spChg chg="add mod">
+          <ac:chgData name="Antonia ..." userId="df27490986ae0560" providerId="LiveId" clId="{D321EB78-646E-7546-8478-D5F05974E81C}" dt="2021-12-02T21:33:56.150" v="88"/>
+          <ac:spMkLst>
+            <pc:docMk/>
+            <pc:sldMk cId="464097652" sldId="261"/>
+            <ac:spMk id="21" creationId="{42AA3614-89E1-DA47-8D4A-18EE144D4CB4}"/>
+          </ac:spMkLst>
+        </pc:spChg>
+      </pc:sldChg>
+      <pc:sldChg chg="addSp delSp modSp mod">
+        <pc:chgData name="Antonia ..." userId="df27490986ae0560" providerId="LiveId" clId="{D321EB78-646E-7546-8478-D5F05974E81C}" dt="2021-12-02T21:44:07.317" v="345"/>
+        <pc:sldMkLst>
+          <pc:docMk/>
+          <pc:sldMk cId="1634240290" sldId="262"/>
+        </pc:sldMkLst>
+        <pc:spChg chg="add del">
+          <ac:chgData name="Antonia ..." userId="df27490986ae0560" providerId="LiveId" clId="{D321EB78-646E-7546-8478-D5F05974E81C}" dt="2021-12-02T21:38:51.164" v="174" actId="478"/>
+          <ac:spMkLst>
+            <pc:docMk/>
+            <pc:sldMk cId="1634240290" sldId="262"/>
+            <ac:spMk id="6" creationId="{8EB11BF1-B0BF-4B4E-81D7-39864BB074CE}"/>
+          </ac:spMkLst>
+        </pc:spChg>
+        <pc:spChg chg="add mod">
+          <ac:chgData name="Antonia ..." userId="df27490986ae0560" providerId="LiveId" clId="{D321EB78-646E-7546-8478-D5F05974E81C}" dt="2021-12-02T21:43:38.256" v="342" actId="164"/>
+          <ac:spMkLst>
+            <pc:docMk/>
+            <pc:sldMk cId="1634240290" sldId="262"/>
+            <ac:spMk id="12" creationId="{B0F649AF-60CA-1943-8CC2-6256B06213EE}"/>
+          </ac:spMkLst>
+        </pc:spChg>
+        <pc:spChg chg="add del mod">
+          <ac:chgData name="Antonia ..." userId="df27490986ae0560" providerId="LiveId" clId="{D321EB78-646E-7546-8478-D5F05974E81C}" dt="2021-12-02T21:44:07.317" v="345"/>
+          <ac:spMkLst>
+            <pc:docMk/>
+            <pc:sldMk cId="1634240290" sldId="262"/>
+            <ac:spMk id="15" creationId="{06981629-BE3E-C648-AF22-0988E6065B5B}"/>
+          </ac:spMkLst>
+        </pc:spChg>
+        <pc:spChg chg="add mod">
+          <ac:chgData name="Antonia ..." userId="df27490986ae0560" providerId="LiveId" clId="{D321EB78-646E-7546-8478-D5F05974E81C}" dt="2021-12-02T21:34:30.282" v="91"/>
+          <ac:spMkLst>
+            <pc:docMk/>
+            <pc:sldMk cId="1634240290" sldId="262"/>
+            <ac:spMk id="25" creationId="{B8CE16F4-A341-D541-BF8B-E68EEB7699BC}"/>
+          </ac:spMkLst>
+        </pc:spChg>
+        <pc:spChg chg="add mod">
+          <ac:chgData name="Antonia ..." userId="df27490986ae0560" providerId="LiveId" clId="{D321EB78-646E-7546-8478-D5F05974E81C}" dt="2021-12-02T21:34:30.282" v="91"/>
+          <ac:spMkLst>
+            <pc:docMk/>
+            <pc:sldMk cId="1634240290" sldId="262"/>
+            <ac:spMk id="26" creationId="{C2DBE150-14E1-2B4A-9857-E2C3B8EACE9C}"/>
+          </ac:spMkLst>
+        </pc:spChg>
+        <pc:spChg chg="add mod">
+          <ac:chgData name="Antonia ..." userId="df27490986ae0560" providerId="LiveId" clId="{D321EB78-646E-7546-8478-D5F05974E81C}" dt="2021-12-02T21:34:30.282" v="91"/>
+          <ac:spMkLst>
+            <pc:docMk/>
+            <pc:sldMk cId="1634240290" sldId="262"/>
+            <ac:spMk id="27" creationId="{63E1430B-8AA9-DA44-AC52-8685B2312376}"/>
+          </ac:spMkLst>
+        </pc:spChg>
+        <pc:spChg chg="add mod">
+          <ac:chgData name="Antonia ..." userId="df27490986ae0560" providerId="LiveId" clId="{D321EB78-646E-7546-8478-D5F05974E81C}" dt="2021-12-02T21:43:38.256" v="342" actId="164"/>
+          <ac:spMkLst>
+            <pc:docMk/>
+            <pc:sldMk cId="1634240290" sldId="262"/>
+            <ac:spMk id="30" creationId="{159C6BD6-B710-864E-950A-52C4D438D90F}"/>
+          </ac:spMkLst>
+        </pc:spChg>
+        <pc:spChg chg="add mod">
+          <ac:chgData name="Antonia ..." userId="df27490986ae0560" providerId="LiveId" clId="{D321EB78-646E-7546-8478-D5F05974E81C}" dt="2021-12-02T21:43:38.256" v="342" actId="164"/>
+          <ac:spMkLst>
+            <pc:docMk/>
+            <pc:sldMk cId="1634240290" sldId="262"/>
+            <ac:spMk id="31" creationId="{F6D71711-CE1A-A744-8158-6E7E3FAC5B31}"/>
+          </ac:spMkLst>
+        </pc:spChg>
+        <pc:spChg chg="add mod">
+          <ac:chgData name="Antonia ..." userId="df27490986ae0560" providerId="LiveId" clId="{D321EB78-646E-7546-8478-D5F05974E81C}" dt="2021-12-02T21:43:38.256" v="342" actId="164"/>
+          <ac:spMkLst>
+            <pc:docMk/>
+            <pc:sldMk cId="1634240290" sldId="262"/>
+            <ac:spMk id="32" creationId="{9E850034-C71F-B342-8810-F9DFB3C0B85A}"/>
+          </ac:spMkLst>
+        </pc:spChg>
+        <pc:spChg chg="add mod">
+          <ac:chgData name="Antonia ..." userId="df27490986ae0560" providerId="LiveId" clId="{D321EB78-646E-7546-8478-D5F05974E81C}" dt="2021-12-02T21:43:38.256" v="342" actId="164"/>
+          <ac:spMkLst>
+            <pc:docMk/>
+            <pc:sldMk cId="1634240290" sldId="262"/>
+            <ac:spMk id="33" creationId="{CB2F1B93-BE1B-1546-8778-0A7578A09ABF}"/>
+          </ac:spMkLst>
+        </pc:spChg>
+        <pc:grpChg chg="add mod">
+          <ac:chgData name="Antonia ..." userId="df27490986ae0560" providerId="LiveId" clId="{D321EB78-646E-7546-8478-D5F05974E81C}" dt="2021-12-02T21:43:38.256" v="342" actId="164"/>
+          <ac:grpSpMkLst>
+            <pc:docMk/>
+            <pc:sldMk cId="1634240290" sldId="262"/>
+            <ac:grpSpMk id="14" creationId="{458AC2D0-C8F9-E44B-81A9-CA88AB678A3A}"/>
+          </ac:grpSpMkLst>
+        </pc:grpChg>
+        <pc:picChg chg="mod">
+          <ac:chgData name="Antonia ..." userId="df27490986ae0560" providerId="LiveId" clId="{D321EB78-646E-7546-8478-D5F05974E81C}" dt="2021-12-02T21:43:38.256" v="342" actId="164"/>
+          <ac:picMkLst>
+            <pc:docMk/>
+            <pc:sldMk cId="1634240290" sldId="262"/>
+            <ac:picMk id="36" creationId="{9112E940-88C2-2447-82EA-F1E16EF4EAD1}"/>
+          </ac:picMkLst>
+        </pc:picChg>
+      </pc:sldChg>
+      <pc:sldChg chg="addSp modSp">
+        <pc:chgData name="Antonia ..." userId="df27490986ae0560" providerId="LiveId" clId="{D321EB78-646E-7546-8478-D5F05974E81C}" dt="2021-12-02T21:34:32.767" v="92"/>
+        <pc:sldMkLst>
+          <pc:docMk/>
+          <pc:sldMk cId="1650321165" sldId="263"/>
+        </pc:sldMkLst>
+        <pc:spChg chg="add mod">
+          <ac:chgData name="Antonia ..." userId="df27490986ae0560" providerId="LiveId" clId="{D321EB78-646E-7546-8478-D5F05974E81C}" dt="2021-12-02T21:34:32.767" v="92"/>
+          <ac:spMkLst>
+            <pc:docMk/>
+            <pc:sldMk cId="1650321165" sldId="263"/>
+            <ac:spMk id="17" creationId="{80F1F06F-B4CC-3447-8D86-41BB82473DE5}"/>
+          </ac:spMkLst>
+        </pc:spChg>
+        <pc:spChg chg="add mod">
+          <ac:chgData name="Antonia ..." userId="df27490986ae0560" providerId="LiveId" clId="{D321EB78-646E-7546-8478-D5F05974E81C}" dt="2021-12-02T21:34:32.767" v="92"/>
+          <ac:spMkLst>
+            <pc:docMk/>
+            <pc:sldMk cId="1650321165" sldId="263"/>
+            <ac:spMk id="18" creationId="{C15342B0-9C8A-2540-B171-185C908E89C9}"/>
+          </ac:spMkLst>
+        </pc:spChg>
+        <pc:spChg chg="add mod">
+          <ac:chgData name="Antonia ..." userId="df27490986ae0560" providerId="LiveId" clId="{D321EB78-646E-7546-8478-D5F05974E81C}" dt="2021-12-02T21:34:32.767" v="92"/>
+          <ac:spMkLst>
+            <pc:docMk/>
+            <pc:sldMk cId="1650321165" sldId="263"/>
+            <ac:spMk id="21" creationId="{B9E62EDA-4C71-DC45-A06D-F561A8EF4944}"/>
+          </ac:spMkLst>
+        </pc:spChg>
+      </pc:sldChg>
+      <pc:sldChg chg="addSp modSp">
+        <pc:chgData name="Antonia ..." userId="df27490986ae0560" providerId="LiveId" clId="{D321EB78-646E-7546-8478-D5F05974E81C}" dt="2021-12-02T21:33:53.195" v="87"/>
+        <pc:sldMkLst>
+          <pc:docMk/>
+          <pc:sldMk cId="2229930519" sldId="264"/>
+        </pc:sldMkLst>
+        <pc:spChg chg="add mod">
+          <ac:chgData name="Antonia ..." userId="df27490986ae0560" providerId="LiveId" clId="{D321EB78-646E-7546-8478-D5F05974E81C}" dt="2021-12-02T21:33:53.195" v="87"/>
+          <ac:spMkLst>
+            <pc:docMk/>
+            <pc:sldMk cId="2229930519" sldId="264"/>
+            <ac:spMk id="18" creationId="{051504AA-A039-7D46-9F06-D1DE7791E340}"/>
+          </ac:spMkLst>
+        </pc:spChg>
+        <pc:spChg chg="add mod">
+          <ac:chgData name="Antonia ..." userId="df27490986ae0560" providerId="LiveId" clId="{D321EB78-646E-7546-8478-D5F05974E81C}" dt="2021-12-02T21:33:53.195" v="87"/>
+          <ac:spMkLst>
+            <pc:docMk/>
+            <pc:sldMk cId="2229930519" sldId="264"/>
+            <ac:spMk id="19" creationId="{4CE39AD9-07F3-7F44-A524-38C61E47C763}"/>
+          </ac:spMkLst>
+        </pc:spChg>
+        <pc:spChg chg="add mod">
+          <ac:chgData name="Antonia ..." userId="df27490986ae0560" providerId="LiveId" clId="{D321EB78-646E-7546-8478-D5F05974E81C}" dt="2021-12-02T21:33:53.195" v="87"/>
+          <ac:spMkLst>
+            <pc:docMk/>
+            <pc:sldMk cId="2229930519" sldId="264"/>
+            <ac:spMk id="21" creationId="{76523EAB-25CB-4541-8B89-977D87E6D27D}"/>
+          </ac:spMkLst>
+        </pc:spChg>
+      </pc:sldChg>
+      <pc:sldChg chg="addSp delSp modSp mod modClrScheme chgLayout">
+        <pc:chgData name="Antonia ..." userId="df27490986ae0560" providerId="LiveId" clId="{D321EB78-646E-7546-8478-D5F05974E81C}" dt="2021-12-02T21:51:48.291" v="395" actId="403"/>
+        <pc:sldMkLst>
+          <pc:docMk/>
+          <pc:sldMk cId="2401719195" sldId="265"/>
+        </pc:sldMkLst>
+        <pc:spChg chg="mod ord">
+          <ac:chgData name="Antonia ..." userId="df27490986ae0560" providerId="LiveId" clId="{D321EB78-646E-7546-8478-D5F05974E81C}" dt="2021-12-02T21:50:59.566" v="372" actId="700"/>
+          <ac:spMkLst>
+            <pc:docMk/>
+            <pc:sldMk cId="2401719195" sldId="265"/>
+            <ac:spMk id="2" creationId="{FEBB81A3-B09F-9E4F-99C9-B6FA29532151}"/>
+          </ac:spMkLst>
+        </pc:spChg>
+        <pc:spChg chg="add mod ord">
+          <ac:chgData name="Antonia ..." userId="df27490986ae0560" providerId="LiveId" clId="{D321EB78-646E-7546-8478-D5F05974E81C}" dt="2021-12-02T21:51:19.323" v="382" actId="404"/>
+          <ac:spMkLst>
+            <pc:docMk/>
+            <pc:sldMk cId="2401719195" sldId="265"/>
+            <ac:spMk id="3" creationId="{058B0666-9030-2E44-8854-9114DC86519F}"/>
+          </ac:spMkLst>
+        </pc:spChg>
+        <pc:spChg chg="mod ord">
+          <ac:chgData name="Antonia ..." userId="df27490986ae0560" providerId="LiveId" clId="{D321EB78-646E-7546-8478-D5F05974E81C}" dt="2021-12-02T21:50:59.566" v="372" actId="700"/>
+          <ac:spMkLst>
+            <pc:docMk/>
+            <pc:sldMk cId="2401719195" sldId="265"/>
+            <ac:spMk id="4" creationId="{37E5153A-0133-6446-8E9C-1E524EC4F28E}"/>
+          </ac:spMkLst>
+        </pc:spChg>
+        <pc:spChg chg="mod ord">
+          <ac:chgData name="Antonia ..." userId="df27490986ae0560" providerId="LiveId" clId="{D321EB78-646E-7546-8478-D5F05974E81C}" dt="2021-12-02T21:50:59.566" v="372" actId="700"/>
+          <ac:spMkLst>
+            <pc:docMk/>
+            <pc:sldMk cId="2401719195" sldId="265"/>
+            <ac:spMk id="5" creationId="{83177281-6097-E248-B00D-0814B4886B8D}"/>
+          </ac:spMkLst>
+        </pc:spChg>
+        <pc:spChg chg="del mod">
+          <ac:chgData name="Antonia ..." userId="df27490986ae0560" providerId="LiveId" clId="{D321EB78-646E-7546-8478-D5F05974E81C}" dt="2021-12-02T21:51:28.842" v="387" actId="478"/>
+          <ac:spMkLst>
+            <pc:docMk/>
+            <pc:sldMk cId="2401719195" sldId="265"/>
+            <ac:spMk id="6" creationId="{8A76C604-608B-4DA8-92CD-CD20B2C59395}"/>
+          </ac:spMkLst>
+        </pc:spChg>
+        <pc:spChg chg="mod">
+          <ac:chgData name="Antonia ..." userId="df27490986ae0560" providerId="LiveId" clId="{D321EB78-646E-7546-8478-D5F05974E81C}" dt="2021-12-02T21:51:42.855" v="391" actId="21"/>
+          <ac:spMkLst>
+            <pc:docMk/>
+            <pc:sldMk cId="2401719195" sldId="265"/>
+            <ac:spMk id="7" creationId="{2809ED00-FEDA-4690-A59A-884CFB5FDA2C}"/>
+          </ac:spMkLst>
+        </pc:spChg>
+        <pc:spChg chg="add mod">
+          <ac:chgData name="Antonia ..." userId="df27490986ae0560" providerId="LiveId" clId="{D321EB78-646E-7546-8478-D5F05974E81C}" dt="2021-12-02T21:35:42.040" v="101"/>
+          <ac:spMkLst>
+            <pc:docMk/>
+            <pc:sldMk cId="2401719195" sldId="265"/>
+            <ac:spMk id="8" creationId="{CEF000BC-3E0F-2C4A-81B5-3EA29CA5DBC9}"/>
+          </ac:spMkLst>
+        </pc:spChg>
+        <pc:spChg chg="add mod">
+          <ac:chgData name="Antonia ..." userId="df27490986ae0560" providerId="LiveId" clId="{D321EB78-646E-7546-8478-D5F05974E81C}" dt="2021-12-02T21:35:42.040" v="101"/>
+          <ac:spMkLst>
+            <pc:docMk/>
+            <pc:sldMk cId="2401719195" sldId="265"/>
+            <ac:spMk id="9" creationId="{BEF06E79-FA46-F744-AA97-76C5C8EF11FF}"/>
+          </ac:spMkLst>
+        </pc:spChg>
+        <pc:spChg chg="add mod">
+          <ac:chgData name="Antonia ..." userId="df27490986ae0560" providerId="LiveId" clId="{D321EB78-646E-7546-8478-D5F05974E81C}" dt="2021-12-02T21:35:42.040" v="101"/>
+          <ac:spMkLst>
+            <pc:docMk/>
+            <pc:sldMk cId="2401719195" sldId="265"/>
+            <ac:spMk id="10" creationId="{30F19903-33E6-E044-8819-DEC73C51F977}"/>
+          </ac:spMkLst>
+        </pc:spChg>
+        <pc:spChg chg="add mod ord">
+          <ac:chgData name="Antonia ..." userId="df27490986ae0560" providerId="LiveId" clId="{D321EB78-646E-7546-8478-D5F05974E81C}" dt="2021-12-02T21:51:26.788" v="386" actId="20577"/>
+          <ac:spMkLst>
+            <pc:docMk/>
+            <pc:sldMk cId="2401719195" sldId="265"/>
+            <ac:spMk id="11" creationId="{93F4F615-FEA6-D245-B1F3-BF53833A81C7}"/>
+          </ac:spMkLst>
+        </pc:spChg>
+        <pc:spChg chg="add mod ord">
+          <ac:chgData name="Antonia ..." userId="df27490986ae0560" providerId="LiveId" clId="{D321EB78-646E-7546-8478-D5F05974E81C}" dt="2021-12-02T21:51:48.291" v="395" actId="403"/>
+          <ac:spMkLst>
+            <pc:docMk/>
+            <pc:sldMk cId="2401719195" sldId="265"/>
+            <ac:spMk id="12" creationId="{7385F1F5-2896-E047-98D0-1550C479ADBD}"/>
+          </ac:spMkLst>
+        </pc:spChg>
+        <pc:spChg chg="add mod ord">
+          <ac:chgData name="Antonia ..." userId="df27490986ae0560" providerId="LiveId" clId="{D321EB78-646E-7546-8478-D5F05974E81C}" dt="2021-12-02T21:51:38.954" v="390"/>
+          <ac:spMkLst>
+            <pc:docMk/>
+            <pc:sldMk cId="2401719195" sldId="265"/>
+            <ac:spMk id="13" creationId="{4565E465-7FD6-7E4F-AF64-BB2A5DD05DFC}"/>
+          </ac:spMkLst>
+        </pc:spChg>
+      </pc:sldChg>
+      <pc:sldChg chg="addSp modSp mod modClrScheme chgLayout">
+        <pc:chgData name="Antonia ..." userId="df27490986ae0560" providerId="LiveId" clId="{D321EB78-646E-7546-8478-D5F05974E81C}" dt="2021-12-02T21:50:39.090" v="371" actId="403"/>
+        <pc:sldMkLst>
+          <pc:docMk/>
+          <pc:sldMk cId="2432425423" sldId="266"/>
+        </pc:sldMkLst>
+        <pc:spChg chg="mod ord">
+          <ac:chgData name="Antonia ..." userId="df27490986ae0560" providerId="LiveId" clId="{D321EB78-646E-7546-8478-D5F05974E81C}" dt="2021-12-02T21:48:50.566" v="346" actId="700"/>
+          <ac:spMkLst>
+            <pc:docMk/>
+            <pc:sldMk cId="2432425423" sldId="266"/>
+            <ac:spMk id="2" creationId="{42DB923A-A1B1-8648-BD87-4A32709229CC}"/>
+          </ac:spMkLst>
+        </pc:spChg>
+        <pc:spChg chg="add mod ord">
+          <ac:chgData name="Antonia ..." userId="df27490986ae0560" providerId="LiveId" clId="{D321EB78-646E-7546-8478-D5F05974E81C}" dt="2021-12-02T21:50:34.940" v="369" actId="403"/>
+          <ac:spMkLst>
+            <pc:docMk/>
+            <pc:sldMk cId="2432425423" sldId="266"/>
+            <ac:spMk id="3" creationId="{CBCC0F7C-2FD1-1048-9BE3-A890DE0DD523}"/>
+          </ac:spMkLst>
+        </pc:spChg>
+        <pc:spChg chg="mod ord">
+          <ac:chgData name="Antonia ..." userId="df27490986ae0560" providerId="LiveId" clId="{D321EB78-646E-7546-8478-D5F05974E81C}" dt="2021-12-02T21:48:50.566" v="346" actId="700"/>
+          <ac:spMkLst>
+            <pc:docMk/>
+            <pc:sldMk cId="2432425423" sldId="266"/>
+            <ac:spMk id="4" creationId="{792E0081-E7AC-E740-B2D3-182E8F042CCE}"/>
+          </ac:spMkLst>
+        </pc:spChg>
+        <pc:spChg chg="mod ord">
+          <ac:chgData name="Antonia ..." userId="df27490986ae0560" providerId="LiveId" clId="{D321EB78-646E-7546-8478-D5F05974E81C}" dt="2021-12-02T21:48:50.566" v="346" actId="700"/>
+          <ac:spMkLst>
+            <pc:docMk/>
+            <pc:sldMk cId="2432425423" sldId="266"/>
+            <ac:spMk id="5" creationId="{1DDFCF15-B3DF-E844-B016-FD1566765C8D}"/>
+          </ac:spMkLst>
+        </pc:spChg>
+        <pc:spChg chg="mod">
+          <ac:chgData name="Antonia ..." userId="df27490986ae0560" providerId="LiveId" clId="{D321EB78-646E-7546-8478-D5F05974E81C}" dt="2021-12-02T21:49:14.880" v="353" actId="27636"/>
+          <ac:spMkLst>
+            <pc:docMk/>
+            <pc:sldMk cId="2432425423" sldId="266"/>
+            <ac:spMk id="6" creationId="{64F14DAB-9492-48F6-9352-749778F15D15}"/>
+          </ac:spMkLst>
+        </pc:spChg>
+        <pc:spChg chg="mod">
+          <ac:chgData name="Antonia ..." userId="df27490986ae0560" providerId="LiveId" clId="{D321EB78-646E-7546-8478-D5F05974E81C}" dt="2021-12-02T21:49:35.893" v="361" actId="21"/>
+          <ac:spMkLst>
+            <pc:docMk/>
+            <pc:sldMk cId="2432425423" sldId="266"/>
+            <ac:spMk id="7" creationId="{52C3776E-0D32-4519-8F17-3FCD3E951196}"/>
+          </ac:spMkLst>
+        </pc:spChg>
+        <pc:spChg chg="add mod">
+          <ac:chgData name="Antonia ..." userId="df27490986ae0560" providerId="LiveId" clId="{D321EB78-646E-7546-8478-D5F05974E81C}" dt="2021-12-02T21:34:42.469" v="94"/>
+          <ac:spMkLst>
+            <pc:docMk/>
+            <pc:sldMk cId="2432425423" sldId="266"/>
+            <ac:spMk id="8" creationId="{99CB54DA-9696-6F4A-82BA-2531B3D92519}"/>
+          </ac:spMkLst>
+        </pc:spChg>
+        <pc:spChg chg="add mod">
+          <ac:chgData name="Antonia ..." userId="df27490986ae0560" providerId="LiveId" clId="{D321EB78-646E-7546-8478-D5F05974E81C}" dt="2021-12-02T21:35:12.619" v="96" actId="207"/>
+          <ac:spMkLst>
+            <pc:docMk/>
+            <pc:sldMk cId="2432425423" sldId="266"/>
+            <ac:spMk id="9" creationId="{E456DEDA-A3CF-4D4E-BEF4-B7ED503272EF}"/>
+          </ac:spMkLst>
+        </pc:spChg>
+        <pc:spChg chg="add mod">
+          <ac:chgData name="Antonia ..." userId="df27490986ae0560" providerId="LiveId" clId="{D321EB78-646E-7546-8478-D5F05974E81C}" dt="2021-12-02T21:35:18.248" v="97" actId="207"/>
+          <ac:spMkLst>
+            <pc:docMk/>
+            <pc:sldMk cId="2432425423" sldId="266"/>
+            <ac:spMk id="10" creationId="{7763F029-BBEF-C043-97A0-88B96A645FC3}"/>
+          </ac:spMkLst>
+        </pc:spChg>
+        <pc:spChg chg="add mod ord">
+          <ac:chgData name="Antonia ..." userId="df27490986ae0560" providerId="LiveId" clId="{D321EB78-646E-7546-8478-D5F05974E81C}" dt="2021-12-02T21:49:17.908" v="355" actId="5793"/>
+          <ac:spMkLst>
+            <pc:docMk/>
+            <pc:sldMk cId="2432425423" sldId="266"/>
+            <ac:spMk id="11" creationId="{6A34FF3E-370A-BD44-AA70-E453EBD3D6A0}"/>
+          </ac:spMkLst>
+        </pc:spChg>
+        <pc:spChg chg="add mod ord">
+          <ac:chgData name="Antonia ..." userId="df27490986ae0560" providerId="LiveId" clId="{D321EB78-646E-7546-8478-D5F05974E81C}" dt="2021-12-02T21:50:39.090" v="371" actId="403"/>
+          <ac:spMkLst>
+            <pc:docMk/>
+            <pc:sldMk cId="2432425423" sldId="266"/>
+            <ac:spMk id="12" creationId="{C978DDF0-D0D0-254F-954D-0A4B412356A6}"/>
+          </ac:spMkLst>
+        </pc:spChg>
+        <pc:spChg chg="add mod ord">
+          <ac:chgData name="Antonia ..." userId="df27490986ae0560" providerId="LiveId" clId="{D321EB78-646E-7546-8478-D5F05974E81C}" dt="2021-12-02T21:49:56.416" v="365" actId="20577"/>
+          <ac:spMkLst>
+            <pc:docMk/>
+            <pc:sldMk cId="2432425423" sldId="266"/>
+            <ac:spMk id="13" creationId="{B67565FF-D8F2-494B-9752-F72C7DCA5FBD}"/>
+          </ac:spMkLst>
+        </pc:spChg>
+      </pc:sldChg>
+      <pc:sldChg chg="addSp delSp modSp mod modNotesTx">
+        <pc:chgData name="Antonia ..." userId="df27490986ae0560" providerId="LiveId" clId="{D321EB78-646E-7546-8478-D5F05974E81C}" dt="2021-12-02T21:59:20.089" v="1043" actId="20577"/>
+        <pc:sldMkLst>
+          <pc:docMk/>
+          <pc:sldMk cId="1841952403" sldId="268"/>
+        </pc:sldMkLst>
+        <pc:spChg chg="add del mod">
+          <ac:chgData name="Antonia ..." userId="df27490986ae0560" providerId="LiveId" clId="{D321EB78-646E-7546-8478-D5F05974E81C}" dt="2021-12-02T21:35:31.465" v="98" actId="478"/>
+          <ac:spMkLst>
+            <pc:docMk/>
+            <pc:sldMk cId="1841952403" sldId="268"/>
+            <ac:spMk id="10" creationId="{5FF29D71-B9EF-0146-AC46-4DBE413169A7}"/>
+          </ac:spMkLst>
+        </pc:spChg>
+        <pc:spChg chg="add del mod">
+          <ac:chgData name="Antonia ..." userId="df27490986ae0560" providerId="LiveId" clId="{D321EB78-646E-7546-8478-D5F05974E81C}" dt="2021-12-02T21:35:31.465" v="98" actId="478"/>
+          <ac:spMkLst>
+            <pc:docMk/>
+            <pc:sldMk cId="1841952403" sldId="268"/>
+            <ac:spMk id="15" creationId="{1086371B-CDFB-034D-988C-5938D18486FF}"/>
+          </ac:spMkLst>
+        </pc:spChg>
+        <pc:spChg chg="add del mod">
+          <ac:chgData name="Antonia ..." userId="df27490986ae0560" providerId="LiveId" clId="{D321EB78-646E-7546-8478-D5F05974E81C}" dt="2021-12-02T21:35:31.465" v="98" actId="478"/>
+          <ac:spMkLst>
+            <pc:docMk/>
+            <pc:sldMk cId="1841952403" sldId="268"/>
+            <ac:spMk id="16" creationId="{F3FA879D-BC36-2D47-B867-609924C2784A}"/>
+          </ac:spMkLst>
+        </pc:spChg>
+        <pc:spChg chg="add mod">
+          <ac:chgData name="Antonia ..." userId="df27490986ae0560" providerId="LiveId" clId="{D321EB78-646E-7546-8478-D5F05974E81C}" dt="2021-12-02T21:35:33.295" v="99"/>
+          <ac:spMkLst>
+            <pc:docMk/>
+            <pc:sldMk cId="1841952403" sldId="268"/>
+            <ac:spMk id="17" creationId="{1C173ED4-0FB3-B64D-A540-C914E9525B5D}"/>
+          </ac:spMkLst>
+        </pc:spChg>
+        <pc:spChg chg="add mod">
+          <ac:chgData name="Antonia ..." userId="df27490986ae0560" providerId="LiveId" clId="{D321EB78-646E-7546-8478-D5F05974E81C}" dt="2021-12-02T21:35:33.295" v="99"/>
+          <ac:spMkLst>
+            <pc:docMk/>
+            <pc:sldMk cId="1841952403" sldId="268"/>
+            <ac:spMk id="18" creationId="{3816DC24-B468-EE43-9D63-051467A6401A}"/>
+          </ac:spMkLst>
+        </pc:spChg>
+        <pc:spChg chg="add mod">
+          <ac:chgData name="Antonia ..." userId="df27490986ae0560" providerId="LiveId" clId="{D321EB78-646E-7546-8478-D5F05974E81C}" dt="2021-12-02T21:35:33.295" v="99"/>
+          <ac:spMkLst>
+            <pc:docMk/>
+            <pc:sldMk cId="1841952403" sldId="268"/>
+            <ac:spMk id="19" creationId="{9C1A4E5A-FF5A-C345-AB81-507ED7418CD3}"/>
+          </ac:spMkLst>
+        </pc:spChg>
+      </pc:sldChg>
+      <pc:sldChg chg="addSp delSp modSp mod">
+        <pc:chgData name="Antonia ..." userId="df27490986ae0560" providerId="LiveId" clId="{D321EB78-646E-7546-8478-D5F05974E81C}" dt="2021-12-02T21:37:45.132" v="171"/>
+        <pc:sldMkLst>
+          <pc:docMk/>
+          <pc:sldMk cId="2034480571" sldId="269"/>
+        </pc:sldMkLst>
+        <pc:spChg chg="add del mod">
+          <ac:chgData name="Antonia ..." userId="df27490986ae0560" providerId="LiveId" clId="{D321EB78-646E-7546-8478-D5F05974E81C}" dt="2021-12-02T21:36:21.051" v="110" actId="767"/>
+          <ac:spMkLst>
+            <pc:docMk/>
+            <pc:sldMk cId="2034480571" sldId="269"/>
+            <ac:spMk id="2" creationId="{9F565567-043F-664E-8C30-578DA4E766DC}"/>
+          </ac:spMkLst>
+        </pc:spChg>
+        <pc:spChg chg="add del mod">
+          <ac:chgData name="Antonia ..." userId="df27490986ae0560" providerId="LiveId" clId="{D321EB78-646E-7546-8478-D5F05974E81C}" dt="2021-12-02T21:36:21.614" v="111"/>
+          <ac:spMkLst>
+            <pc:docMk/>
+            <pc:sldMk cId="2034480571" sldId="269"/>
+            <ac:spMk id="19" creationId="{7B84CBA0-7C2C-3845-B597-B401BB8649BC}"/>
+          </ac:spMkLst>
+        </pc:spChg>
+        <pc:spChg chg="mod">
+          <ac:chgData name="Antonia ..." userId="df27490986ae0560" providerId="LiveId" clId="{D321EB78-646E-7546-8478-D5F05974E81C}" dt="2021-12-02T21:37:25.162" v="151" actId="1036"/>
+          <ac:spMkLst>
+            <pc:docMk/>
+            <pc:sldMk cId="2034480571" sldId="269"/>
+            <ac:spMk id="20" creationId="{034655A1-85BC-485E-A0D6-F8A281650A11}"/>
+          </ac:spMkLst>
+        </pc:spChg>
+        <pc:spChg chg="add del mod">
+          <ac:chgData name="Antonia ..." userId="df27490986ae0560" providerId="LiveId" clId="{D321EB78-646E-7546-8478-D5F05974E81C}" dt="2021-12-02T21:36:21.614" v="111"/>
+          <ac:spMkLst>
+            <pc:docMk/>
+            <pc:sldMk cId="2034480571" sldId="269"/>
+            <ac:spMk id="22" creationId="{245536F4-593D-F040-839F-E1DD9FD0710C}"/>
+          </ac:spMkLst>
+        </pc:spChg>
+        <pc:spChg chg="add del mod">
+          <ac:chgData name="Antonia ..." userId="df27490986ae0560" providerId="LiveId" clId="{D321EB78-646E-7546-8478-D5F05974E81C}" dt="2021-12-02T21:36:21.614" v="111"/>
+          <ac:spMkLst>
+            <pc:docMk/>
+            <pc:sldMk cId="2034480571" sldId="269"/>
+            <ac:spMk id="25" creationId="{5329574A-F759-414E-917E-736605DD9FFB}"/>
+          </ac:spMkLst>
+        </pc:spChg>
+        <pc:spChg chg="add mod">
+          <ac:chgData name="Antonia ..." userId="df27490986ae0560" providerId="LiveId" clId="{D321EB78-646E-7546-8478-D5F05974E81C}" dt="2021-12-02T21:37:45.132" v="171"/>
+          <ac:spMkLst>
+            <pc:docMk/>
+            <pc:sldMk cId="2034480571" sldId="269"/>
+            <ac:spMk id="27" creationId="{409F0E56-AD62-8F49-A84F-8D6FA6AF4CA7}"/>
+          </ac:spMkLst>
+        </pc:spChg>
+        <pc:spChg chg="add mod">
+          <ac:chgData name="Antonia ..." userId="df27490986ae0560" providerId="LiveId" clId="{D321EB78-646E-7546-8478-D5F05974E81C}" dt="2021-12-02T21:37:45.132" v="171"/>
+          <ac:spMkLst>
+            <pc:docMk/>
+            <pc:sldMk cId="2034480571" sldId="269"/>
+            <ac:spMk id="28" creationId="{50B1596B-7726-8C4D-A845-F334F2396CAB}"/>
+          </ac:spMkLst>
+        </pc:spChg>
+        <pc:spChg chg="add mod">
+          <ac:chgData name="Antonia ..." userId="df27490986ae0560" providerId="LiveId" clId="{D321EB78-646E-7546-8478-D5F05974E81C}" dt="2021-12-02T21:37:45.132" v="171"/>
+          <ac:spMkLst>
+            <pc:docMk/>
+            <pc:sldMk cId="2034480571" sldId="269"/>
+            <ac:spMk id="29" creationId="{6CD5CCC8-C82A-ED47-967C-24FD558A7ADB}"/>
+          </ac:spMkLst>
+        </pc:spChg>
+        <pc:graphicFrameChg chg="mod">
+          <ac:chgData name="Antonia ..." userId="df27490986ae0560" providerId="LiveId" clId="{D321EB78-646E-7546-8478-D5F05974E81C}" dt="2021-12-02T21:37:25.162" v="151" actId="1036"/>
+          <ac:graphicFrameMkLst>
+            <pc:docMk/>
+            <pc:sldMk cId="2034480571" sldId="269"/>
+            <ac:graphicFrameMk id="7" creationId="{6525A799-4787-420C-B03D-38780CAB25E0}"/>
+          </ac:graphicFrameMkLst>
+        </pc:graphicFrameChg>
+        <pc:graphicFrameChg chg="mod">
+          <ac:chgData name="Antonia ..." userId="df27490986ae0560" providerId="LiveId" clId="{D321EB78-646E-7546-8478-D5F05974E81C}" dt="2021-12-02T21:37:25.162" v="151" actId="1036"/>
+          <ac:graphicFrameMkLst>
+            <pc:docMk/>
+            <pc:sldMk cId="2034480571" sldId="269"/>
+            <ac:graphicFrameMk id="12" creationId="{89083737-8C93-4796-8CDA-33B08277118A}"/>
+          </ac:graphicFrameMkLst>
+        </pc:graphicFrameChg>
+        <pc:picChg chg="mod">
+          <ac:chgData name="Antonia ..." userId="df27490986ae0560" providerId="LiveId" clId="{D321EB78-646E-7546-8478-D5F05974E81C}" dt="2021-12-02T21:37:38.881" v="170" actId="1036"/>
+          <ac:picMkLst>
+            <pc:docMk/>
+            <pc:sldMk cId="2034480571" sldId="269"/>
+            <ac:picMk id="6" creationId="{E99C643D-80E7-9B45-967B-B3AB62E24C03}"/>
+          </ac:picMkLst>
+        </pc:picChg>
+        <pc:picChg chg="mod">
+          <ac:chgData name="Antonia ..." userId="df27490986ae0560" providerId="LiveId" clId="{D321EB78-646E-7546-8478-D5F05974E81C}" dt="2021-12-02T21:37:25.162" v="151" actId="1036"/>
+          <ac:picMkLst>
+            <pc:docMk/>
+            <pc:sldMk cId="2034480571" sldId="269"/>
+            <ac:picMk id="8" creationId="{33CE8139-0AB5-474A-A8C6-9B35BBAE6E3B}"/>
+          </ac:picMkLst>
+        </pc:picChg>
+        <pc:picChg chg="mod">
+          <ac:chgData name="Antonia ..." userId="df27490986ae0560" providerId="LiveId" clId="{D321EB78-646E-7546-8478-D5F05974E81C}" dt="2021-12-02T21:37:25.162" v="151" actId="1036"/>
+          <ac:picMkLst>
+            <pc:docMk/>
+            <pc:sldMk cId="2034480571" sldId="269"/>
+            <ac:picMk id="9" creationId="{1A591931-F4BC-1A47-BBB7-0995AB2CB4FF}"/>
+          </ac:picMkLst>
+        </pc:picChg>
+        <pc:picChg chg="mod">
+          <ac:chgData name="Antonia ..." userId="df27490986ae0560" providerId="LiveId" clId="{D321EB78-646E-7546-8478-D5F05974E81C}" dt="2021-12-02T21:37:25.162" v="151" actId="1036"/>
+          <ac:picMkLst>
+            <pc:docMk/>
+            <pc:sldMk cId="2034480571" sldId="269"/>
+            <ac:picMk id="10" creationId="{934E816D-FFFC-0540-BCFE-DF29F789BD48}"/>
+          </ac:picMkLst>
+        </pc:picChg>
+        <pc:picChg chg="mod">
+          <ac:chgData name="Antonia ..." userId="df27490986ae0560" providerId="LiveId" clId="{D321EB78-646E-7546-8478-D5F05974E81C}" dt="2021-12-02T21:37:38.881" v="170" actId="1036"/>
+          <ac:picMkLst>
+            <pc:docMk/>
+            <pc:sldMk cId="2034480571" sldId="269"/>
+            <ac:picMk id="13" creationId="{143F5D79-0960-4D6F-B53D-4C6534D0D5F8}"/>
+          </ac:picMkLst>
+        </pc:picChg>
+        <pc:picChg chg="mod">
+          <ac:chgData name="Antonia ..." userId="df27490986ae0560" providerId="LiveId" clId="{D321EB78-646E-7546-8478-D5F05974E81C}" dt="2021-12-02T21:37:25.162" v="151" actId="1036"/>
+          <ac:picMkLst>
+            <pc:docMk/>
+            <pc:sldMk cId="2034480571" sldId="269"/>
+            <ac:picMk id="14" creationId="{D64AFD73-1E6D-4907-97C9-5607FCEA8E20}"/>
+          </ac:picMkLst>
+        </pc:picChg>
+        <pc:picChg chg="mod">
+          <ac:chgData name="Antonia ..." userId="df27490986ae0560" providerId="LiveId" clId="{D321EB78-646E-7546-8478-D5F05974E81C}" dt="2021-12-02T21:37:25.162" v="151" actId="1036"/>
+          <ac:picMkLst>
+            <pc:docMk/>
+            <pc:sldMk cId="2034480571" sldId="269"/>
+            <ac:picMk id="15" creationId="{F74A0A90-3F9A-4D45-B53D-240A7CE2DC79}"/>
+          </ac:picMkLst>
+        </pc:picChg>
+        <pc:picChg chg="mod">
+          <ac:chgData name="Antonia ..." userId="df27490986ae0560" providerId="LiveId" clId="{D321EB78-646E-7546-8478-D5F05974E81C}" dt="2021-12-02T21:37:25.162" v="151" actId="1036"/>
+          <ac:picMkLst>
+            <pc:docMk/>
+            <pc:sldMk cId="2034480571" sldId="269"/>
+            <ac:picMk id="16" creationId="{A37D94A1-14CE-4CFF-8EF1-977FEE483194}"/>
+          </ac:picMkLst>
+        </pc:picChg>
+        <pc:picChg chg="mod">
+          <ac:chgData name="Antonia ..." userId="df27490986ae0560" providerId="LiveId" clId="{D321EB78-646E-7546-8478-D5F05974E81C}" dt="2021-12-02T21:37:25.162" v="151" actId="1036"/>
+          <ac:picMkLst>
+            <pc:docMk/>
+            <pc:sldMk cId="2034480571" sldId="269"/>
+            <ac:picMk id="21" creationId="{61FDE671-2C49-4792-90C0-9FC1F18CF5E8}"/>
+          </ac:picMkLst>
+        </pc:picChg>
+        <pc:picChg chg="mod">
+          <ac:chgData name="Antonia ..." userId="df27490986ae0560" providerId="LiveId" clId="{D321EB78-646E-7546-8478-D5F05974E81C}" dt="2021-12-02T21:37:25.162" v="151" actId="1036"/>
+          <ac:picMkLst>
+            <pc:docMk/>
+            <pc:sldMk cId="2034480571" sldId="269"/>
+            <ac:picMk id="23" creationId="{8CC7E7A3-DE39-4CCA-81E2-5C5FC9DB0140}"/>
+          </ac:picMkLst>
+        </pc:picChg>
+        <pc:picChg chg="mod">
+          <ac:chgData name="Antonia ..." userId="df27490986ae0560" providerId="LiveId" clId="{D321EB78-646E-7546-8478-D5F05974E81C}" dt="2021-12-02T21:37:25.162" v="151" actId="1036"/>
+          <ac:picMkLst>
+            <pc:docMk/>
+            <pc:sldMk cId="2034480571" sldId="269"/>
+            <ac:picMk id="24" creationId="{C5265BF2-B7E3-496B-90E5-14C95E334792}"/>
+          </ac:picMkLst>
+        </pc:picChg>
+        <pc:picChg chg="mod">
+          <ac:chgData name="Antonia ..." userId="df27490986ae0560" providerId="LiveId" clId="{D321EB78-646E-7546-8478-D5F05974E81C}" dt="2021-12-02T21:37:25.162" v="151" actId="1036"/>
+          <ac:picMkLst>
+            <pc:docMk/>
+            <pc:sldMk cId="2034480571" sldId="269"/>
+            <ac:picMk id="26" creationId="{DE6EB0AE-551F-4BDF-80F1-74294C5FD90D}"/>
+          </ac:picMkLst>
+        </pc:picChg>
+      </pc:sldChg>
+      <pc:sldChg chg="addSp modSp mod">
+        <pc:chgData name="Antonia ..." userId="df27490986ae0560" providerId="LiveId" clId="{D321EB78-646E-7546-8478-D5F05974E81C}" dt="2021-12-02T21:33:23.977" v="71" actId="1035"/>
+        <pc:sldMkLst>
+          <pc:docMk/>
+          <pc:sldMk cId="2043457189" sldId="271"/>
+        </pc:sldMkLst>
+        <pc:spChg chg="add mod">
+          <ac:chgData name="Antonia ..." userId="df27490986ae0560" providerId="LiveId" clId="{D321EB78-646E-7546-8478-D5F05974E81C}" dt="2021-12-02T21:33:23.977" v="71" actId="1035"/>
+          <ac:spMkLst>
+            <pc:docMk/>
+            <pc:sldMk cId="2043457189" sldId="271"/>
+            <ac:spMk id="17" creationId="{CCE4DD9A-DC3D-0A45-90C7-4268372C3DD3}"/>
+          </ac:spMkLst>
+        </pc:spChg>
+        <pc:spChg chg="add mod">
+          <ac:chgData name="Antonia ..." userId="df27490986ae0560" providerId="LiveId" clId="{D321EB78-646E-7546-8478-D5F05974E81C}" dt="2021-12-02T21:33:23.977" v="71" actId="1035"/>
+          <ac:spMkLst>
+            <pc:docMk/>
+            <pc:sldMk cId="2043457189" sldId="271"/>
+            <ac:spMk id="18" creationId="{A116DCBE-79FC-B846-8285-37F1EA5B497F}"/>
+          </ac:spMkLst>
+        </pc:spChg>
+        <pc:spChg chg="add mod">
+          <ac:chgData name="Antonia ..." userId="df27490986ae0560" providerId="LiveId" clId="{D321EB78-646E-7546-8478-D5F05974E81C}" dt="2021-12-02T21:33:23.977" v="71" actId="1035"/>
+          <ac:spMkLst>
+            <pc:docMk/>
+            <pc:sldMk cId="2043457189" sldId="271"/>
+            <ac:spMk id="19" creationId="{4C3C61B4-26D2-E041-A86C-0D4DF5B5CE93}"/>
+          </ac:spMkLst>
+        </pc:spChg>
+      </pc:sldChg>
+      <pc:sldChg chg="addSp modSp mod modNotesTx">
+        <pc:chgData name="Antonia ..." userId="df27490986ae0560" providerId="LiveId" clId="{D321EB78-646E-7546-8478-D5F05974E81C}" dt="2021-12-02T21:57:46.462" v="983" actId="20577"/>
+        <pc:sldMkLst>
+          <pc:docMk/>
+          <pc:sldMk cId="1883130276" sldId="272"/>
+        </pc:sldMkLst>
+        <pc:spChg chg="mod">
+          <ac:chgData name="Antonia ..." userId="df27490986ae0560" providerId="LiveId" clId="{D321EB78-646E-7546-8478-D5F05974E81C}" dt="2021-12-02T21:50:04.982" v="366" actId="20577"/>
+          <ac:spMkLst>
+            <pc:docMk/>
+            <pc:sldMk cId="1883130276" sldId="272"/>
+            <ac:spMk id="4" creationId="{8EF77B4E-BA8F-CE43-AD46-66DDB1F18DE2}"/>
+          </ac:spMkLst>
+        </pc:spChg>
+        <pc:spChg chg="mod">
+          <ac:chgData name="Antonia ..." userId="df27490986ae0560" providerId="LiveId" clId="{D321EB78-646E-7546-8478-D5F05974E81C}" dt="2021-12-02T21:50:08.878" v="367" actId="20577"/>
+          <ac:spMkLst>
+            <pc:docMk/>
+            <pc:sldMk cId="1883130276" sldId="272"/>
+            <ac:spMk id="6" creationId="{6BC29A98-522A-264A-8D1C-712076F2A66E}"/>
+          </ac:spMkLst>
+        </pc:spChg>
+        <pc:spChg chg="add mod">
+          <ac:chgData name="Antonia ..." userId="df27490986ae0560" providerId="LiveId" clId="{D321EB78-646E-7546-8478-D5F05974E81C}" dt="2021-12-02T21:35:38.881" v="100"/>
+          <ac:spMkLst>
+            <pc:docMk/>
+            <pc:sldMk cId="1883130276" sldId="272"/>
+            <ac:spMk id="9" creationId="{CBBD770E-1DBA-D54B-8C7E-B8A29FF64190}"/>
+          </ac:spMkLst>
+        </pc:spChg>
+        <pc:spChg chg="add mod">
+          <ac:chgData name="Antonia ..." userId="df27490986ae0560" providerId="LiveId" clId="{D321EB78-646E-7546-8478-D5F05974E81C}" dt="2021-12-02T21:35:38.881" v="100"/>
+          <ac:spMkLst>
+            <pc:docMk/>
+            <pc:sldMk cId="1883130276" sldId="272"/>
+            <ac:spMk id="10" creationId="{47108F44-8D0B-7F4D-92ED-57C91B2ED751}"/>
+          </ac:spMkLst>
+        </pc:spChg>
+        <pc:spChg chg="add mod">
+          <ac:chgData name="Antonia ..." userId="df27490986ae0560" providerId="LiveId" clId="{D321EB78-646E-7546-8478-D5F05974E81C}" dt="2021-12-02T21:35:38.881" v="100"/>
+          <ac:spMkLst>
+            <pc:docMk/>
+            <pc:sldMk cId="1883130276" sldId="272"/>
+            <ac:spMk id="11" creationId="{4093AFB7-779C-2444-A536-3E334F76D64E}"/>
+          </ac:spMkLst>
+        </pc:spChg>
+      </pc:sldChg>
+      <pc:sldChg chg="addSp modSp mod modNotesTx">
+        <pc:chgData name="Antonia ..." userId="df27490986ae0560" providerId="LiveId" clId="{D321EB78-646E-7546-8478-D5F05974E81C}" dt="2021-12-02T21:58:18.021" v="1040" actId="20577"/>
+        <pc:sldMkLst>
+          <pc:docMk/>
+          <pc:sldMk cId="4103933490" sldId="273"/>
+        </pc:sldMkLst>
+        <pc:spChg chg="mod">
+          <ac:chgData name="Antonia ..." userId="df27490986ae0560" providerId="LiveId" clId="{D321EB78-646E-7546-8478-D5F05974E81C}" dt="2021-12-02T21:53:09.866" v="423" actId="20577"/>
+          <ac:spMkLst>
+            <pc:docMk/>
+            <pc:sldMk cId="4103933490" sldId="273"/>
+            <ac:spMk id="4" creationId="{8EF77B4E-BA8F-CE43-AD46-66DDB1F18DE2}"/>
+          </ac:spMkLst>
+        </pc:spChg>
+        <pc:spChg chg="mod">
+          <ac:chgData name="Antonia ..." userId="df27490986ae0560" providerId="LiveId" clId="{D321EB78-646E-7546-8478-D5F05974E81C}" dt="2021-12-02T21:58:18.021" v="1040" actId="20577"/>
+          <ac:spMkLst>
+            <pc:docMk/>
+            <pc:sldMk cId="4103933490" sldId="273"/>
+            <ac:spMk id="6" creationId="{6BC29A98-522A-264A-8D1C-712076F2A66E}"/>
+          </ac:spMkLst>
+        </pc:spChg>
+        <pc:spChg chg="add mod">
+          <ac:chgData name="Antonia ..." userId="df27490986ae0560" providerId="LiveId" clId="{D321EB78-646E-7546-8478-D5F05974E81C}" dt="2021-12-02T21:35:45.407" v="102"/>
+          <ac:spMkLst>
+            <pc:docMk/>
+            <pc:sldMk cId="4103933490" sldId="273"/>
+            <ac:spMk id="9" creationId="{08FBF2AE-EFB5-A24A-806C-3F9155DC7982}"/>
+          </ac:spMkLst>
+        </pc:spChg>
+        <pc:spChg chg="add mod">
+          <ac:chgData name="Antonia ..." userId="df27490986ae0560" providerId="LiveId" clId="{D321EB78-646E-7546-8478-D5F05974E81C}" dt="2021-12-02T21:35:45.407" v="102"/>
+          <ac:spMkLst>
+            <pc:docMk/>
+            <pc:sldMk cId="4103933490" sldId="273"/>
+            <ac:spMk id="10" creationId="{2419DBBC-27B6-D240-B949-D132A2943621}"/>
+          </ac:spMkLst>
+        </pc:spChg>
+        <pc:spChg chg="add mod">
+          <ac:chgData name="Antonia ..." userId="df27490986ae0560" providerId="LiveId" clId="{D321EB78-646E-7546-8478-D5F05974E81C}" dt="2021-12-02T21:35:45.407" v="102"/>
+          <ac:spMkLst>
+            <pc:docMk/>
+            <pc:sldMk cId="4103933490" sldId="273"/>
+            <ac:spMk id="11" creationId="{DFFFD88C-EEAB-824C-9A7E-AD551B93FB85}"/>
+          </ac:spMkLst>
+        </pc:spChg>
+      </pc:sldChg>
+      <pc:sldChg chg="addSp modSp">
+        <pc:chgData name="Antonia ..." userId="df27490986ae0560" providerId="LiveId" clId="{D321EB78-646E-7546-8478-D5F05974E81C}" dt="2021-12-02T21:34:39.759" v="93"/>
+        <pc:sldMkLst>
+          <pc:docMk/>
+          <pc:sldMk cId="363541327" sldId="274"/>
+        </pc:sldMkLst>
+        <pc:spChg chg="add mod">
+          <ac:chgData name="Antonia ..." userId="df27490986ae0560" providerId="LiveId" clId="{D321EB78-646E-7546-8478-D5F05974E81C}" dt="2021-12-02T21:34:39.759" v="93"/>
+          <ac:spMkLst>
+            <pc:docMk/>
+            <pc:sldMk cId="363541327" sldId="274"/>
+            <ac:spMk id="17" creationId="{BECFB241-D0E0-4547-AF81-A7196760FB78}"/>
+          </ac:spMkLst>
+        </pc:spChg>
+        <pc:spChg chg="add mod">
+          <ac:chgData name="Antonia ..." userId="df27490986ae0560" providerId="LiveId" clId="{D321EB78-646E-7546-8478-D5F05974E81C}" dt="2021-12-02T21:34:39.759" v="93"/>
+          <ac:spMkLst>
+            <pc:docMk/>
+            <pc:sldMk cId="363541327" sldId="274"/>
+            <ac:spMk id="20" creationId="{43B544B6-E1D8-3749-A6E6-E36A3ED8C8BB}"/>
+          </ac:spMkLst>
+        </pc:spChg>
+        <pc:spChg chg="add mod">
+          <ac:chgData name="Antonia ..." userId="df27490986ae0560" providerId="LiveId" clId="{D321EB78-646E-7546-8478-D5F05974E81C}" dt="2021-12-02T21:34:39.759" v="93"/>
+          <ac:spMkLst>
+            <pc:docMk/>
+            <pc:sldMk cId="363541327" sldId="274"/>
+            <ac:spMk id="21" creationId="{DACB74A9-05E7-904E-990D-FC6E56EFFCB5}"/>
+          </ac:spMkLst>
+        </pc:spChg>
       </pc:sldChg>
     </pc:docChg>
   </pc:docChgLst>
@@ -4663,7 +5656,7 @@
           <a:p>
             <a:fld id="{6BC12010-B929-8747-8496-F1869C02CD8D}" type="datetimeFigureOut">
               <a:rPr lang="de-DE" smtClean="0"/>
-              <a:t>02.12.2021</a:t>
+              <a:t>02.12.21</a:t>
             </a:fld>
             <a:endParaRPr lang="de-DE"/>
           </a:p>
@@ -5508,15 +6501,9 @@
               <a:rPr lang="de-DE" dirty="0">
                 <a:sym typeface="Wingdings" panose="05000000000000000000" pitchFamily="2" charset="2"/>
               </a:rPr>
-              <a:t>Bei Pflichtkriterien auch kein Mehrwert für Punkt 2, da nicht so aufwendige </a:t>
-            </a:r>
-            <a:r>
-              <a:rPr lang="de-DE">
-                <a:sym typeface="Wingdings" panose="05000000000000000000" pitchFamily="2" charset="2"/>
-              </a:rPr>
-              <a:t>Projekte möglich</a:t>
-            </a:r>
-            <a:endParaRPr lang="de-DE"/>
+              <a:t>Bei Pflichtkriterien auch kein Mehrwert für Punkt 2, da nicht so aufwendige Projekte möglich</a:t>
+            </a:r>
+            <a:endParaRPr lang="de-DE" dirty="0"/>
           </a:p>
         </p:txBody>
       </p:sp>
@@ -5602,20 +6589,6 @@
           <a:p>
             <a:r>
               <a:rPr lang="de-DE" dirty="0"/>
-              <a:t>Alice </a:t>
-            </a:r>
-            <a:r>
-              <a:rPr lang="de-DE" dirty="0" err="1"/>
-              <a:t>einzelprojekt</a:t>
-            </a:r>
-            <a:r>
-              <a:rPr lang="de-DE" dirty="0"/>
-              <a:t>:</a:t>
-            </a:r>
-          </a:p>
-          <a:p>
-            <a:r>
-              <a:rPr lang="de-DE" dirty="0"/>
               <a:t>Idee: Auch wissen wie viel Cola sie trinkt, gern auch im vergleich zum Kaffee</a:t>
             </a:r>
           </a:p>
@@ -5633,22 +6606,18 @@
             </a:r>
             <a:r>
               <a:rPr lang="de-DE" dirty="0"/>
-              <a:t> </a:t>
+              <a:t> das hinzuzufügen</a:t>
             </a:r>
             <a:r>
               <a:rPr lang="de-DE"/>
-              <a:t>das hinzuzufügen? </a:t>
-            </a:r>
+              <a:t>? </a:t>
+            </a:r>
+          </a:p>
+          <a:p>
             <a:endParaRPr lang="de-DE" dirty="0"/>
           </a:p>
           <a:p>
             <a:endParaRPr lang="de-DE" dirty="0"/>
-          </a:p>
-          <a:p>
-            <a:r>
-              <a:rPr lang="de-DE" dirty="0"/>
-              <a:t>Antonia</a:t>
-            </a:r>
           </a:p>
         </p:txBody>
       </p:sp>
@@ -5752,8 +6721,11 @@
           <a:p>
             <a:r>
               <a:rPr lang="de-DE" dirty="0"/>
-              <a:t>Zeilen &amp; Spalten hinzufügen</a:t>
-            </a:r>
+              <a:t>Zeilen &amp; Spalten hinzufügen, einzelne Felder verändern</a:t>
+            </a:r>
+          </a:p>
+          <a:p>
+            <a:endParaRPr lang="de-DE" dirty="0"/>
           </a:p>
           <a:p>
             <a:r>
@@ -5807,7 +6779,7 @@
             </a:r>
             <a:r>
               <a:rPr lang="de-DE" dirty="0"/>
-              <a:t> nicht</a:t>
+              <a:t> nicht (auf anderer Ebene als Rest der App)</a:t>
             </a:r>
           </a:p>
           <a:p>
@@ -5817,15 +6789,7 @@
             </a:pPr>
             <a:r>
               <a:rPr lang="de-DE" dirty="0"/>
-              <a:t>Bringt noch nicht so einen großen </a:t>
-            </a:r>
-            <a:r>
-              <a:rPr lang="de-DE" dirty="0" err="1"/>
-              <a:t>mehrwert</a:t>
-            </a:r>
-            <a:r>
-              <a:rPr lang="de-DE" dirty="0"/>
-              <a:t>, da noch wenig Graphen und die Projekte generell noch nicht so komplex. </a:t>
+              <a:t>Bringt noch nicht so einen großen Mehrwert, da noch wenig Graphen und die Projekte generell noch nicht so komplex. </a:t>
             </a:r>
           </a:p>
           <a:p>
@@ -6139,43 +7103,68 @@
           <a:p>
             <a:r>
               <a:rPr lang="de-DE" dirty="0"/>
-              <a:t>Antonia</a:t>
-            </a:r>
+              <a:t>Andere Graphen zu Projekt hinzufügen.</a:t>
+            </a:r>
+          </a:p>
+          <a:p>
+            <a:endParaRPr lang="de-DE" dirty="0"/>
           </a:p>
           <a:p>
             <a:r>
               <a:rPr lang="de-DE" dirty="0"/>
-              <a:t>(90 sec)</a:t>
+              <a:t>Interessant: </a:t>
             </a:r>
           </a:p>
           <a:p>
             <a:r>
               <a:rPr lang="de-DE" dirty="0"/>
-              <a:t>Coole Idee:</a:t>
+              <a:t>Mehrere Blickwinkel</a:t>
             </a:r>
           </a:p>
           <a:p>
             <a:r>
               <a:rPr lang="de-DE" dirty="0"/>
-              <a:t>Zeilen &amp; Spalten hinzufügen</a:t>
+              <a:t>	versch. Betrachtungspunkte auf dem selben Datensatz</a:t>
             </a:r>
           </a:p>
           <a:p>
             <a:r>
               <a:rPr lang="de-DE" dirty="0"/>
-              <a:t>Neue Ideen der Nutzenden umsetzbar</a:t>
-            </a:r>
+              <a:t>-&gt; höhere Aussagekraft</a:t>
+            </a:r>
+          </a:p>
+          <a:p>
+            <a:endParaRPr lang="de-DE" dirty="0"/>
           </a:p>
           <a:p>
             <a:r>
               <a:rPr lang="de-DE" dirty="0"/>
-              <a:t>Korrekturmöglichkeiten von ganz alten Daten</a:t>
-            </a:r>
+              <a:t>Leichtere Wiederverwendbarkeit (nicht alles neu basteln)</a:t>
+            </a:r>
+          </a:p>
+          <a:p>
+            <a:endParaRPr lang="de-DE" dirty="0"/>
           </a:p>
           <a:p>
             <a:r>
               <a:rPr lang="de-DE" dirty="0"/>
-              <a:t>Muss nicht alles neu gemacht werden</a:t>
+              <a:t>Möglichkeiten </a:t>
+            </a:r>
+            <a:r>
+              <a:rPr lang="de-DE" dirty="0" err="1"/>
+              <a:t>Graphtypen</a:t>
+            </a:r>
+            <a:r>
+              <a:rPr lang="de-DE" dirty="0"/>
+              <a:t> /</a:t>
+            </a:r>
+            <a:r>
+              <a:rPr lang="de-DE" dirty="0" err="1"/>
+              <a:t>Mappings</a:t>
+            </a:r>
+            <a:r>
+              <a:rPr lang="de-DE" dirty="0"/>
+              <a:t> auszuprobieren, ohne neue Daten eingeben zu müssen</a:t>
             </a:r>
           </a:p>
           <a:p>
@@ -6185,66 +7174,41 @@
             <a:endParaRPr lang="de-DE" dirty="0"/>
           </a:p>
           <a:p>
+            <a:r>
+              <a:rPr lang="de-DE" dirty="0"/>
+              <a:t>Wunsch: </a:t>
+            </a:r>
+          </a:p>
+          <a:p>
+            <a:r>
+              <a:rPr lang="de-DE" dirty="0"/>
+              <a:t>Braucht sinnvoll </a:t>
+            </a:r>
+            <a:r>
+              <a:rPr lang="de-DE" dirty="0" err="1"/>
+              <a:t>parametrisierung</a:t>
+            </a:r>
             <a:endParaRPr lang="de-DE" dirty="0"/>
           </a:p>
           <a:p>
-            <a:pPr marL="171450" indent="-171450">
-              <a:buFontTx/>
-              <a:buChar char="-"/>
-            </a:pPr>
             <a:r>
               <a:rPr lang="de-DE" dirty="0"/>
-              <a:t>Hohes Konfliktpotential durch Spalten und Zeilen hinzufügen</a:t>
-            </a:r>
-          </a:p>
-          <a:p>
-            <a:pPr marL="171450" indent="-171450">
-              <a:buFontTx/>
-              <a:buChar char="-"/>
-            </a:pPr>
+              <a:t>Nur zwei </a:t>
+            </a:r>
+            <a:r>
+              <a:rPr lang="de-DE" dirty="0" err="1"/>
+              <a:t>Graphtypen</a:t>
+            </a:r>
             <a:r>
               <a:rPr lang="de-DE" dirty="0"/>
-              <a:t>Hilft der </a:t>
-            </a:r>
-            <a:r>
-              <a:rPr lang="de-DE" dirty="0" err="1"/>
-              <a:t>Intuitivität</a:t>
-            </a:r>
+              <a:t> </a:t>
+            </a:r>
+          </a:p>
+          <a:p>
             <a:r>
               <a:rPr lang="de-DE" dirty="0"/>
-              <a:t> nicht</a:t>
-            </a:r>
-          </a:p>
-          <a:p>
-            <a:pPr marL="171450" indent="-171450">
-              <a:buFontTx/>
-              <a:buChar char="-"/>
-            </a:pPr>
-            <a:r>
-              <a:rPr lang="de-DE" dirty="0"/>
-              <a:t>Bringt noch nicht so einen großen </a:t>
-            </a:r>
-            <a:r>
-              <a:rPr lang="de-DE" dirty="0" err="1"/>
-              <a:t>mehrwert</a:t>
-            </a:r>
-            <a:r>
-              <a:rPr lang="de-DE" dirty="0"/>
-              <a:t>, da noch wenig Graphen und die Projekte generell noch nicht so komplex. </a:t>
-            </a:r>
-          </a:p>
-          <a:p>
-            <a:pPr marL="171450" indent="-171450">
-              <a:buFontTx/>
-              <a:buChar char="-"/>
-            </a:pPr>
-            <a:r>
-              <a:rPr lang="de-DE" dirty="0"/>
-              <a:t>Schöne Funktion aber eher weitergehend</a:t>
-            </a:r>
-          </a:p>
-          <a:p>
-            <a:endParaRPr lang="de-DE" dirty="0"/>
+              <a:t>-&gt; jetzt noch weiterbringend</a:t>
+            </a:r>
           </a:p>
         </p:txBody>
       </p:sp>
@@ -11904,6 +12868,149 @@
           </a:p>
         </p:txBody>
       </p:sp>
+      <p:sp>
+        <p:nvSpPr>
+          <p:cNvPr id="4" name="Textfeld 3">
+            <a:extLst>
+              <a:ext uri="{FF2B5EF4-FFF2-40B4-BE49-F238E27FC236}">
+                <a16:creationId xmlns:a16="http://schemas.microsoft.com/office/drawing/2014/main" id="{FC4C8629-8A10-0C42-B17A-D27AA8B45372}"/>
+              </a:ext>
+            </a:extLst>
+          </p:cNvPr>
+          <p:cNvSpPr txBox="1"/>
+          <p:nvPr/>
+        </p:nvSpPr>
+        <p:spPr>
+          <a:xfrm>
+            <a:off x="2960500" y="6301931"/>
+            <a:ext cx="1903855" cy="461665"/>
+          </a:xfrm>
+          <a:prstGeom prst="rect">
+            <a:avLst/>
+          </a:prstGeom>
+          <a:noFill/>
+        </p:spPr>
+        <p:txBody>
+          <a:bodyPr wrap="none" rtlCol="0">
+            <a:spAutoFit/>
+          </a:bodyPr>
+          <a:lstStyle/>
+          <a:p>
+            <a:r>
+              <a:rPr lang="de-DE" sz="2400" dirty="0">
+                <a:solidFill>
+                  <a:schemeClr val="bg1">
+                    <a:lumMod val="75000"/>
+                  </a:schemeClr>
+                </a:solidFill>
+              </a:rPr>
+              <a:t>Unsere Vision</a:t>
+            </a:r>
+          </a:p>
+        </p:txBody>
+      </p:sp>
+      <p:sp>
+        <p:nvSpPr>
+          <p:cNvPr id="5" name="Textfeld 4">
+            <a:extLst>
+              <a:ext uri="{FF2B5EF4-FFF2-40B4-BE49-F238E27FC236}">
+                <a16:creationId xmlns:a16="http://schemas.microsoft.com/office/drawing/2014/main" id="{39B12DEF-4839-0D4E-AA69-DAC43B100905}"/>
+              </a:ext>
+            </a:extLst>
+          </p:cNvPr>
+          <p:cNvSpPr txBox="1"/>
+          <p:nvPr/>
+        </p:nvSpPr>
+        <p:spPr>
+          <a:xfrm>
+            <a:off x="5167701" y="6296729"/>
+            <a:ext cx="1856598" cy="461665"/>
+          </a:xfrm>
+          <a:prstGeom prst="rect">
+            <a:avLst/>
+          </a:prstGeom>
+          <a:noFill/>
+        </p:spPr>
+        <p:txBody>
+          <a:bodyPr wrap="none" rtlCol="0">
+            <a:spAutoFit/>
+          </a:bodyPr>
+          <a:lstStyle/>
+          <a:p>
+            <a:r>
+              <a:rPr lang="de-DE" sz="2400" dirty="0">
+                <a:solidFill>
+                  <a:schemeClr val="bg1">
+                    <a:lumMod val="75000"/>
+                  </a:schemeClr>
+                </a:solidFill>
+              </a:rPr>
+              <a:t>Serveraufbau</a:t>
+            </a:r>
+          </a:p>
+        </p:txBody>
+      </p:sp>
+      <p:sp>
+        <p:nvSpPr>
+          <p:cNvPr id="7" name="Textfeld 6">
+            <a:extLst>
+              <a:ext uri="{FF2B5EF4-FFF2-40B4-BE49-F238E27FC236}">
+                <a16:creationId xmlns:a16="http://schemas.microsoft.com/office/drawing/2014/main" id="{B0EB4FAD-2F0A-084C-92BF-4A79349BCA25}"/>
+              </a:ext>
+            </a:extLst>
+          </p:cNvPr>
+          <p:cNvSpPr txBox="1"/>
+          <p:nvPr/>
+        </p:nvSpPr>
+        <p:spPr>
+          <a:xfrm>
+            <a:off x="7327645" y="6296728"/>
+            <a:ext cx="2369303" cy="461665"/>
+          </a:xfrm>
+          <a:prstGeom prst="rect">
+            <a:avLst/>
+          </a:prstGeom>
+          <a:noFill/>
+        </p:spPr>
+        <p:txBody>
+          <a:bodyPr wrap="none" rtlCol="0">
+            <a:spAutoFit/>
+          </a:bodyPr>
+          <a:lstStyle/>
+          <a:p>
+            <a:r>
+              <a:rPr lang="de-DE" sz="2400" dirty="0">
+                <a:solidFill>
+                  <a:schemeClr val="bg1">
+                    <a:lumMod val="75000"/>
+                  </a:schemeClr>
+                </a:solidFill>
+              </a:rPr>
+              <a:t>Wunsch </a:t>
+            </a:r>
+            <a:r>
+              <a:rPr lang="de-DE" sz="2400" dirty="0" err="1">
+                <a:solidFill>
+                  <a:schemeClr val="bg1">
+                    <a:lumMod val="75000"/>
+                  </a:schemeClr>
+                </a:solidFill>
+              </a:rPr>
+              <a:t>vs</a:t>
+            </a:r>
+            <a:r>
+              <a:rPr lang="de-DE" sz="2400" dirty="0">
+                <a:solidFill>
+                  <a:schemeClr val="bg1">
+                    <a:lumMod val="75000"/>
+                  </a:schemeClr>
+                </a:solidFill>
+              </a:rPr>
+              <a:t> Pflicht</a:t>
+            </a:r>
+          </a:p>
+        </p:txBody>
+      </p:sp>
     </p:spTree>
     <p:extLst>
       <p:ext uri="{BB962C8B-B14F-4D97-AF65-F5344CB8AC3E}">
@@ -12372,6 +13479,150 @@
           </a:prstGeom>
         </p:spPr>
       </p:pic>
+      <p:sp>
+        <p:nvSpPr>
+          <p:cNvPr id="17" name="Textfeld 16">
+            <a:extLst>
+              <a:ext uri="{FF2B5EF4-FFF2-40B4-BE49-F238E27FC236}">
+                <a16:creationId xmlns:a16="http://schemas.microsoft.com/office/drawing/2014/main" id="{80F1F06F-B4CC-3447-8D86-41BB82473DE5}"/>
+              </a:ext>
+            </a:extLst>
+          </p:cNvPr>
+          <p:cNvSpPr txBox="1"/>
+          <p:nvPr/>
+        </p:nvSpPr>
+        <p:spPr>
+          <a:xfrm>
+            <a:off x="2960500" y="6301931"/>
+            <a:ext cx="1903855" cy="461665"/>
+          </a:xfrm>
+          <a:prstGeom prst="rect">
+            <a:avLst/>
+          </a:prstGeom>
+          <a:noFill/>
+        </p:spPr>
+        <p:txBody>
+          <a:bodyPr wrap="none" rtlCol="0">
+            <a:spAutoFit/>
+          </a:bodyPr>
+          <a:lstStyle/>
+          <a:p>
+            <a:r>
+              <a:rPr lang="de-DE" sz="2400" dirty="0">
+                <a:solidFill>
+                  <a:schemeClr val="bg1">
+                    <a:lumMod val="75000"/>
+                  </a:schemeClr>
+                </a:solidFill>
+              </a:rPr>
+              <a:t>Unsere Vision</a:t>
+            </a:r>
+          </a:p>
+        </p:txBody>
+      </p:sp>
+      <p:sp>
+        <p:nvSpPr>
+          <p:cNvPr id="18" name="Textfeld 17">
+            <a:extLst>
+              <a:ext uri="{FF2B5EF4-FFF2-40B4-BE49-F238E27FC236}">
+                <a16:creationId xmlns:a16="http://schemas.microsoft.com/office/drawing/2014/main" id="{C15342B0-9C8A-2540-B171-185C908E89C9}"/>
+              </a:ext>
+            </a:extLst>
+          </p:cNvPr>
+          <p:cNvSpPr txBox="1"/>
+          <p:nvPr/>
+        </p:nvSpPr>
+        <p:spPr>
+          <a:xfrm>
+            <a:off x="5167701" y="6296729"/>
+            <a:ext cx="1856598" cy="461665"/>
+          </a:xfrm>
+          <a:prstGeom prst="rect">
+            <a:avLst/>
+          </a:prstGeom>
+          <a:noFill/>
+        </p:spPr>
+        <p:txBody>
+          <a:bodyPr wrap="none" rtlCol="0">
+            <a:spAutoFit/>
+          </a:bodyPr>
+          <a:lstStyle/>
+          <a:p>
+            <a:r>
+              <a:rPr lang="de-DE" sz="2400" dirty="0">
+                <a:solidFill>
+                  <a:schemeClr val="tx1">
+                    <a:lumMod val="65000"/>
+                    <a:lumOff val="35000"/>
+                  </a:schemeClr>
+                </a:solidFill>
+              </a:rPr>
+              <a:t>Serveraufbau</a:t>
+            </a:r>
+          </a:p>
+        </p:txBody>
+      </p:sp>
+      <p:sp>
+        <p:nvSpPr>
+          <p:cNvPr id="21" name="Textfeld 20">
+            <a:extLst>
+              <a:ext uri="{FF2B5EF4-FFF2-40B4-BE49-F238E27FC236}">
+                <a16:creationId xmlns:a16="http://schemas.microsoft.com/office/drawing/2014/main" id="{B9E62EDA-4C71-DC45-A06D-F561A8EF4944}"/>
+              </a:ext>
+            </a:extLst>
+          </p:cNvPr>
+          <p:cNvSpPr txBox="1"/>
+          <p:nvPr/>
+        </p:nvSpPr>
+        <p:spPr>
+          <a:xfrm>
+            <a:off x="7327645" y="6296728"/>
+            <a:ext cx="2369303" cy="461665"/>
+          </a:xfrm>
+          <a:prstGeom prst="rect">
+            <a:avLst/>
+          </a:prstGeom>
+          <a:noFill/>
+        </p:spPr>
+        <p:txBody>
+          <a:bodyPr wrap="none" rtlCol="0">
+            <a:spAutoFit/>
+          </a:bodyPr>
+          <a:lstStyle/>
+          <a:p>
+            <a:r>
+              <a:rPr lang="de-DE" sz="2400" dirty="0">
+                <a:solidFill>
+                  <a:schemeClr val="bg1">
+                    <a:lumMod val="75000"/>
+                  </a:schemeClr>
+                </a:solidFill>
+              </a:rPr>
+              <a:t>Wunsch </a:t>
+            </a:r>
+            <a:r>
+              <a:rPr lang="de-DE" sz="2400" dirty="0" err="1">
+                <a:solidFill>
+                  <a:schemeClr val="bg1">
+                    <a:lumMod val="75000"/>
+                  </a:schemeClr>
+                </a:solidFill>
+              </a:rPr>
+              <a:t>vs</a:t>
+            </a:r>
+            <a:r>
+              <a:rPr lang="de-DE" sz="2400" dirty="0">
+                <a:solidFill>
+                  <a:schemeClr val="bg1">
+                    <a:lumMod val="75000"/>
+                  </a:schemeClr>
+                </a:solidFill>
+              </a:rPr>
+              <a:t> Pflicht</a:t>
+            </a:r>
+          </a:p>
+        </p:txBody>
+      </p:sp>
     </p:spTree>
     <p:extLst>
       <p:ext uri="{BB962C8B-B14F-4D97-AF65-F5344CB8AC3E}">
@@ -12766,6 +14017,150 @@
           </p:spPr>
         </p:pic>
       </p:grpSp>
+      <p:sp>
+        <p:nvSpPr>
+          <p:cNvPr id="17" name="Textfeld 16">
+            <a:extLst>
+              <a:ext uri="{FF2B5EF4-FFF2-40B4-BE49-F238E27FC236}">
+                <a16:creationId xmlns:a16="http://schemas.microsoft.com/office/drawing/2014/main" id="{BECFB241-D0E0-4547-AF81-A7196760FB78}"/>
+              </a:ext>
+            </a:extLst>
+          </p:cNvPr>
+          <p:cNvSpPr txBox="1"/>
+          <p:nvPr/>
+        </p:nvSpPr>
+        <p:spPr>
+          <a:xfrm>
+            <a:off x="2960500" y="6301931"/>
+            <a:ext cx="1903855" cy="461665"/>
+          </a:xfrm>
+          <a:prstGeom prst="rect">
+            <a:avLst/>
+          </a:prstGeom>
+          <a:noFill/>
+        </p:spPr>
+        <p:txBody>
+          <a:bodyPr wrap="none" rtlCol="0">
+            <a:spAutoFit/>
+          </a:bodyPr>
+          <a:lstStyle/>
+          <a:p>
+            <a:r>
+              <a:rPr lang="de-DE" sz="2400" dirty="0">
+                <a:solidFill>
+                  <a:schemeClr val="bg1">
+                    <a:lumMod val="75000"/>
+                  </a:schemeClr>
+                </a:solidFill>
+              </a:rPr>
+              <a:t>Unsere Vision</a:t>
+            </a:r>
+          </a:p>
+        </p:txBody>
+      </p:sp>
+      <p:sp>
+        <p:nvSpPr>
+          <p:cNvPr id="20" name="Textfeld 19">
+            <a:extLst>
+              <a:ext uri="{FF2B5EF4-FFF2-40B4-BE49-F238E27FC236}">
+                <a16:creationId xmlns:a16="http://schemas.microsoft.com/office/drawing/2014/main" id="{43B544B6-E1D8-3749-A6E6-E36A3ED8C8BB}"/>
+              </a:ext>
+            </a:extLst>
+          </p:cNvPr>
+          <p:cNvSpPr txBox="1"/>
+          <p:nvPr/>
+        </p:nvSpPr>
+        <p:spPr>
+          <a:xfrm>
+            <a:off x="5167701" y="6296729"/>
+            <a:ext cx="1856598" cy="461665"/>
+          </a:xfrm>
+          <a:prstGeom prst="rect">
+            <a:avLst/>
+          </a:prstGeom>
+          <a:noFill/>
+        </p:spPr>
+        <p:txBody>
+          <a:bodyPr wrap="none" rtlCol="0">
+            <a:spAutoFit/>
+          </a:bodyPr>
+          <a:lstStyle/>
+          <a:p>
+            <a:r>
+              <a:rPr lang="de-DE" sz="2400" dirty="0">
+                <a:solidFill>
+                  <a:schemeClr val="tx1">
+                    <a:lumMod val="65000"/>
+                    <a:lumOff val="35000"/>
+                  </a:schemeClr>
+                </a:solidFill>
+              </a:rPr>
+              <a:t>Serveraufbau</a:t>
+            </a:r>
+          </a:p>
+        </p:txBody>
+      </p:sp>
+      <p:sp>
+        <p:nvSpPr>
+          <p:cNvPr id="21" name="Textfeld 20">
+            <a:extLst>
+              <a:ext uri="{FF2B5EF4-FFF2-40B4-BE49-F238E27FC236}">
+                <a16:creationId xmlns:a16="http://schemas.microsoft.com/office/drawing/2014/main" id="{DACB74A9-05E7-904E-990D-FC6E56EFFCB5}"/>
+              </a:ext>
+            </a:extLst>
+          </p:cNvPr>
+          <p:cNvSpPr txBox="1"/>
+          <p:nvPr/>
+        </p:nvSpPr>
+        <p:spPr>
+          <a:xfrm>
+            <a:off x="7327645" y="6296728"/>
+            <a:ext cx="2369303" cy="461665"/>
+          </a:xfrm>
+          <a:prstGeom prst="rect">
+            <a:avLst/>
+          </a:prstGeom>
+          <a:noFill/>
+        </p:spPr>
+        <p:txBody>
+          <a:bodyPr wrap="none" rtlCol="0">
+            <a:spAutoFit/>
+          </a:bodyPr>
+          <a:lstStyle/>
+          <a:p>
+            <a:r>
+              <a:rPr lang="de-DE" sz="2400" dirty="0">
+                <a:solidFill>
+                  <a:schemeClr val="bg1">
+                    <a:lumMod val="75000"/>
+                  </a:schemeClr>
+                </a:solidFill>
+              </a:rPr>
+              <a:t>Wunsch </a:t>
+            </a:r>
+            <a:r>
+              <a:rPr lang="de-DE" sz="2400" dirty="0" err="1">
+                <a:solidFill>
+                  <a:schemeClr val="bg1">
+                    <a:lumMod val="75000"/>
+                  </a:schemeClr>
+                </a:solidFill>
+              </a:rPr>
+              <a:t>vs</a:t>
+            </a:r>
+            <a:r>
+              <a:rPr lang="de-DE" sz="2400" dirty="0">
+                <a:solidFill>
+                  <a:schemeClr val="bg1">
+                    <a:lumMod val="75000"/>
+                  </a:schemeClr>
+                </a:solidFill>
+              </a:rPr>
+              <a:t> Pflicht</a:t>
+            </a:r>
+          </a:p>
+        </p:txBody>
+      </p:sp>
     </p:spTree>
     <p:extLst>
       <p:ext uri="{BB962C8B-B14F-4D97-AF65-F5344CB8AC3E}">
@@ -12826,6 +14221,149 @@
       </p:sp>
       <p:sp>
         <p:nvSpPr>
+          <p:cNvPr id="3" name="Textplatzhalter 2">
+            <a:extLst>
+              <a:ext uri="{FF2B5EF4-FFF2-40B4-BE49-F238E27FC236}">
+                <a16:creationId xmlns:a16="http://schemas.microsoft.com/office/drawing/2014/main" id="{CBCC0F7C-2FD1-1048-9BE3-A890DE0DD523}"/>
+              </a:ext>
+            </a:extLst>
+          </p:cNvPr>
+          <p:cNvSpPr>
+            <a:spLocks noGrp="1"/>
+          </p:cNvSpPr>
+          <p:nvPr>
+            <p:ph type="body" idx="1"/>
+          </p:nvPr>
+        </p:nvSpPr>
+        <p:spPr/>
+        <p:txBody>
+          <a:bodyPr>
+            <a:normAutofit/>
+          </a:bodyPr>
+          <a:lstStyle/>
+          <a:p>
+            <a:r>
+              <a:rPr lang="de-DE" sz="3200" i="1" dirty="0"/>
+              <a:t>Warum interessant: </a:t>
+            </a:r>
+          </a:p>
+        </p:txBody>
+      </p:sp>
+      <p:sp>
+        <p:nvSpPr>
+          <p:cNvPr id="11" name="Inhaltsplatzhalter 10">
+            <a:extLst>
+              <a:ext uri="{FF2B5EF4-FFF2-40B4-BE49-F238E27FC236}">
+                <a16:creationId xmlns:a16="http://schemas.microsoft.com/office/drawing/2014/main" id="{6A34FF3E-370A-BD44-AA70-E453EBD3D6A0}"/>
+              </a:ext>
+            </a:extLst>
+          </p:cNvPr>
+          <p:cNvSpPr>
+            <a:spLocks noGrp="1"/>
+          </p:cNvSpPr>
+          <p:nvPr>
+            <p:ph sz="half" idx="2"/>
+          </p:nvPr>
+        </p:nvSpPr>
+        <p:spPr/>
+        <p:txBody>
+          <a:bodyPr/>
+          <a:lstStyle/>
+          <a:p>
+            <a:pPr marL="0" indent="0">
+              <a:buNone/>
+            </a:pPr>
+            <a:endParaRPr lang="de-DE" dirty="0"/>
+          </a:p>
+          <a:p>
+            <a:r>
+              <a:rPr lang="de-DE" dirty="0"/>
+              <a:t>Inspiration für Projekte von anderen Nutzern</a:t>
+            </a:r>
+          </a:p>
+          <a:p>
+            <a:r>
+              <a:rPr lang="de-DE" dirty="0"/>
+              <a:t>Einfache Möglichkeit, aufwendigere Projekte zu starten</a:t>
+            </a:r>
+          </a:p>
+          <a:p>
+            <a:pPr marL="0" indent="0">
+              <a:buNone/>
+            </a:pPr>
+            <a:endParaRPr lang="de-DE" dirty="0"/>
+          </a:p>
+        </p:txBody>
+      </p:sp>
+      <p:sp>
+        <p:nvSpPr>
+          <p:cNvPr id="12" name="Textplatzhalter 11">
+            <a:extLst>
+              <a:ext uri="{FF2B5EF4-FFF2-40B4-BE49-F238E27FC236}">
+                <a16:creationId xmlns:a16="http://schemas.microsoft.com/office/drawing/2014/main" id="{C978DDF0-D0D0-254F-954D-0A4B412356A6}"/>
+              </a:ext>
+            </a:extLst>
+          </p:cNvPr>
+          <p:cNvSpPr>
+            <a:spLocks noGrp="1"/>
+          </p:cNvSpPr>
+          <p:nvPr>
+            <p:ph type="body" sz="quarter" idx="3"/>
+          </p:nvPr>
+        </p:nvSpPr>
+        <p:spPr/>
+        <p:txBody>
+          <a:bodyPr>
+            <a:normAutofit/>
+          </a:bodyPr>
+          <a:lstStyle/>
+          <a:p>
+            <a:r>
+              <a:rPr lang="de-DE" sz="3200" i="1" dirty="0"/>
+              <a:t>Warum Wunschkriterium:</a:t>
+            </a:r>
+          </a:p>
+        </p:txBody>
+      </p:sp>
+      <p:sp>
+        <p:nvSpPr>
+          <p:cNvPr id="13" name="Inhaltsplatzhalter 12">
+            <a:extLst>
+              <a:ext uri="{FF2B5EF4-FFF2-40B4-BE49-F238E27FC236}">
+                <a16:creationId xmlns:a16="http://schemas.microsoft.com/office/drawing/2014/main" id="{B67565FF-D8F2-494B-9752-F72C7DCA5FBD}"/>
+              </a:ext>
+            </a:extLst>
+          </p:cNvPr>
+          <p:cNvSpPr>
+            <a:spLocks noGrp="1"/>
+          </p:cNvSpPr>
+          <p:nvPr>
+            <p:ph sz="quarter" idx="4"/>
+          </p:nvPr>
+        </p:nvSpPr>
+        <p:spPr/>
+        <p:txBody>
+          <a:bodyPr/>
+          <a:lstStyle/>
+          <a:p>
+            <a:endParaRPr lang="de-DE" dirty="0"/>
+          </a:p>
+          <a:p>
+            <a:r>
+              <a:rPr lang="de-DE" dirty="0"/>
+              <a:t>Deutlich schwieriger einschätzbare Serverauslastung</a:t>
+            </a:r>
+          </a:p>
+          <a:p>
+            <a:r>
+              <a:rPr lang="de-DE" dirty="0"/>
+              <a:t>Kein Mehrwert bei Basisdatentypen /-graphen</a:t>
+            </a:r>
+          </a:p>
+        </p:txBody>
+      </p:sp>
+      <p:sp>
+        <p:nvSpPr>
           <p:cNvPr id="4" name="Datumsplatzhalter 3">
             <a:extLst>
               <a:ext uri="{FF2B5EF4-FFF2-40B4-BE49-F238E27FC236}">
@@ -12897,8 +14435,8 @@
         </p:nvSpPr>
         <p:spPr>
           <a:xfrm>
-            <a:off x="838200" y="1825625"/>
-            <a:ext cx="5181600" cy="4351338"/>
+            <a:off x="838200" y="4543425"/>
+            <a:ext cx="5181600" cy="1633538"/>
           </a:xfrm>
           <a:prstGeom prst="rect">
             <a:avLst/>
@@ -13077,29 +14615,7 @@
               <a:buFont typeface="Arial" panose="020B0604020202020204" pitchFamily="34" charset="0"/>
               <a:buNone/>
             </a:pPr>
-            <a:r>
-              <a:rPr lang="de-DE" i="1" dirty="0"/>
-              <a:t>Warum interessant: </a:t>
-            </a:r>
-          </a:p>
-          <a:p>
-            <a:pPr marL="0" indent="0">
-              <a:buFont typeface="Arial" panose="020B0604020202020204" pitchFamily="34" charset="0"/>
-              <a:buNone/>
-            </a:pPr>
             <a:endParaRPr lang="de-DE" dirty="0"/>
-          </a:p>
-          <a:p>
-            <a:r>
-              <a:rPr lang="de-DE" dirty="0"/>
-              <a:t>Inspiration für Projekte von anderen Nutzern</a:t>
-            </a:r>
-          </a:p>
-          <a:p>
-            <a:r>
-              <a:rPr lang="de-DE" dirty="0"/>
-              <a:t>Einfache Möglichkeit, aufwendigere Projekte zu starten</a:t>
-            </a:r>
           </a:p>
         </p:txBody>
       </p:sp>
@@ -13119,7 +14635,7 @@
         </p:nvSpPr>
         <p:spPr>
           <a:xfrm>
-            <a:off x="6172200" y="1825625"/>
+            <a:off x="6640700" y="3393281"/>
             <a:ext cx="5181600" cy="4351338"/>
           </a:xfrm>
           <a:prstGeom prst="rect">
@@ -13297,32 +14813,156 @@
               <a:buFont typeface="Arial" panose="020B0604020202020204" pitchFamily="34" charset="0"/>
               <a:buNone/>
             </a:pPr>
-            <a:r>
-              <a:rPr lang="de-DE" i="1" dirty="0"/>
-              <a:t>Warum Wunschkriterium:</a:t>
-            </a:r>
-          </a:p>
-          <a:p>
-            <a:pPr marL="0" indent="0">
-              <a:buFont typeface="Arial" panose="020B0604020202020204" pitchFamily="34" charset="0"/>
-              <a:buNone/>
-            </a:pPr>
             <a:endParaRPr lang="de-DE" dirty="0"/>
           </a:p>
           <a:p>
-            <a:r>
-              <a:rPr lang="de-DE" dirty="0"/>
-              <a:t>Deutlich schwieriger einschätzbare Serverauslastung</a:t>
-            </a:r>
-          </a:p>
-          <a:p>
-            <a:r>
-              <a:rPr lang="de-DE" dirty="0"/>
-              <a:t>Kein Mehrwert bei Basisdatentypen /-graphen</a:t>
-            </a:r>
-          </a:p>
-          <a:p>
             <a:endParaRPr lang="de-DE" dirty="0"/>
+          </a:p>
+        </p:txBody>
+      </p:sp>
+      <p:sp>
+        <p:nvSpPr>
+          <p:cNvPr id="8" name="Textfeld 7">
+            <a:extLst>
+              <a:ext uri="{FF2B5EF4-FFF2-40B4-BE49-F238E27FC236}">
+                <a16:creationId xmlns:a16="http://schemas.microsoft.com/office/drawing/2014/main" id="{99CB54DA-9696-6F4A-82BA-2531B3D92519}"/>
+              </a:ext>
+            </a:extLst>
+          </p:cNvPr>
+          <p:cNvSpPr txBox="1"/>
+          <p:nvPr/>
+        </p:nvSpPr>
+        <p:spPr>
+          <a:xfrm>
+            <a:off x="2960500" y="6301931"/>
+            <a:ext cx="1903855" cy="461665"/>
+          </a:xfrm>
+          <a:prstGeom prst="rect">
+            <a:avLst/>
+          </a:prstGeom>
+          <a:noFill/>
+        </p:spPr>
+        <p:txBody>
+          <a:bodyPr wrap="none" rtlCol="0">
+            <a:spAutoFit/>
+          </a:bodyPr>
+          <a:lstStyle/>
+          <a:p>
+            <a:r>
+              <a:rPr lang="de-DE" sz="2400" dirty="0">
+                <a:solidFill>
+                  <a:schemeClr val="bg1">
+                    <a:lumMod val="75000"/>
+                  </a:schemeClr>
+                </a:solidFill>
+              </a:rPr>
+              <a:t>Unsere Vision</a:t>
+            </a:r>
+          </a:p>
+        </p:txBody>
+      </p:sp>
+      <p:sp>
+        <p:nvSpPr>
+          <p:cNvPr id="9" name="Textfeld 8">
+            <a:extLst>
+              <a:ext uri="{FF2B5EF4-FFF2-40B4-BE49-F238E27FC236}">
+                <a16:creationId xmlns:a16="http://schemas.microsoft.com/office/drawing/2014/main" id="{E456DEDA-A3CF-4D4E-BEF4-B7ED503272EF}"/>
+              </a:ext>
+            </a:extLst>
+          </p:cNvPr>
+          <p:cNvSpPr txBox="1"/>
+          <p:nvPr/>
+        </p:nvSpPr>
+        <p:spPr>
+          <a:xfrm>
+            <a:off x="5167701" y="6296729"/>
+            <a:ext cx="1856598" cy="461665"/>
+          </a:xfrm>
+          <a:prstGeom prst="rect">
+            <a:avLst/>
+          </a:prstGeom>
+          <a:noFill/>
+        </p:spPr>
+        <p:txBody>
+          <a:bodyPr wrap="none" rtlCol="0">
+            <a:spAutoFit/>
+          </a:bodyPr>
+          <a:lstStyle/>
+          <a:p>
+            <a:r>
+              <a:rPr lang="de-DE" sz="2400" dirty="0">
+                <a:solidFill>
+                  <a:schemeClr val="bg1">
+                    <a:lumMod val="75000"/>
+                  </a:schemeClr>
+                </a:solidFill>
+              </a:rPr>
+              <a:t>Serveraufbau</a:t>
+            </a:r>
+          </a:p>
+        </p:txBody>
+      </p:sp>
+      <p:sp>
+        <p:nvSpPr>
+          <p:cNvPr id="10" name="Textfeld 9">
+            <a:extLst>
+              <a:ext uri="{FF2B5EF4-FFF2-40B4-BE49-F238E27FC236}">
+                <a16:creationId xmlns:a16="http://schemas.microsoft.com/office/drawing/2014/main" id="{7763F029-BBEF-C043-97A0-88B96A645FC3}"/>
+              </a:ext>
+            </a:extLst>
+          </p:cNvPr>
+          <p:cNvSpPr txBox="1"/>
+          <p:nvPr/>
+        </p:nvSpPr>
+        <p:spPr>
+          <a:xfrm>
+            <a:off x="7327645" y="6296728"/>
+            <a:ext cx="2369303" cy="461665"/>
+          </a:xfrm>
+          <a:prstGeom prst="rect">
+            <a:avLst/>
+          </a:prstGeom>
+          <a:noFill/>
+        </p:spPr>
+        <p:txBody>
+          <a:bodyPr wrap="none" rtlCol="0">
+            <a:spAutoFit/>
+          </a:bodyPr>
+          <a:lstStyle/>
+          <a:p>
+            <a:r>
+              <a:rPr lang="de-DE" sz="2400" dirty="0">
+                <a:solidFill>
+                  <a:schemeClr val="tx1">
+                    <a:lumMod val="65000"/>
+                    <a:lumOff val="35000"/>
+                  </a:schemeClr>
+                </a:solidFill>
+              </a:rPr>
+              <a:t>Wunsch </a:t>
+            </a:r>
+            <a:r>
+              <a:rPr lang="de-DE" sz="2400" dirty="0" err="1">
+                <a:solidFill>
+                  <a:schemeClr val="tx1">
+                    <a:lumMod val="65000"/>
+                    <a:lumOff val="35000"/>
+                  </a:schemeClr>
+                </a:solidFill>
+              </a:rPr>
+              <a:t>vs</a:t>
+            </a:r>
+            <a:r>
+              <a:rPr lang="de-DE" sz="2400" dirty="0">
+                <a:solidFill>
+                  <a:schemeClr val="tx1">
+                    <a:lumMod val="65000"/>
+                    <a:lumOff val="35000"/>
+                  </a:schemeClr>
+                </a:solidFill>
+              </a:rPr>
+              <a:t> Pflicht</a:t>
+            </a:r>
           </a:p>
         </p:txBody>
       </p:sp>
@@ -13628,6 +15268,152 @@
           </a:prstGeom>
         </p:spPr>
       </p:pic>
+      <p:sp>
+        <p:nvSpPr>
+          <p:cNvPr id="17" name="Textfeld 16">
+            <a:extLst>
+              <a:ext uri="{FF2B5EF4-FFF2-40B4-BE49-F238E27FC236}">
+                <a16:creationId xmlns:a16="http://schemas.microsoft.com/office/drawing/2014/main" id="{1C173ED4-0FB3-B64D-A540-C914E9525B5D}"/>
+              </a:ext>
+            </a:extLst>
+          </p:cNvPr>
+          <p:cNvSpPr txBox="1"/>
+          <p:nvPr/>
+        </p:nvSpPr>
+        <p:spPr>
+          <a:xfrm>
+            <a:off x="2960500" y="6301931"/>
+            <a:ext cx="1903855" cy="461665"/>
+          </a:xfrm>
+          <a:prstGeom prst="rect">
+            <a:avLst/>
+          </a:prstGeom>
+          <a:noFill/>
+        </p:spPr>
+        <p:txBody>
+          <a:bodyPr wrap="none" rtlCol="0">
+            <a:spAutoFit/>
+          </a:bodyPr>
+          <a:lstStyle/>
+          <a:p>
+            <a:r>
+              <a:rPr lang="de-DE" sz="2400" dirty="0">
+                <a:solidFill>
+                  <a:schemeClr val="bg1">
+                    <a:lumMod val="75000"/>
+                  </a:schemeClr>
+                </a:solidFill>
+              </a:rPr>
+              <a:t>Unsere Vision</a:t>
+            </a:r>
+          </a:p>
+        </p:txBody>
+      </p:sp>
+      <p:sp>
+        <p:nvSpPr>
+          <p:cNvPr id="18" name="Textfeld 17">
+            <a:extLst>
+              <a:ext uri="{FF2B5EF4-FFF2-40B4-BE49-F238E27FC236}">
+                <a16:creationId xmlns:a16="http://schemas.microsoft.com/office/drawing/2014/main" id="{3816DC24-B468-EE43-9D63-051467A6401A}"/>
+              </a:ext>
+            </a:extLst>
+          </p:cNvPr>
+          <p:cNvSpPr txBox="1"/>
+          <p:nvPr/>
+        </p:nvSpPr>
+        <p:spPr>
+          <a:xfrm>
+            <a:off x="5167701" y="6296729"/>
+            <a:ext cx="1856598" cy="461665"/>
+          </a:xfrm>
+          <a:prstGeom prst="rect">
+            <a:avLst/>
+          </a:prstGeom>
+          <a:noFill/>
+        </p:spPr>
+        <p:txBody>
+          <a:bodyPr wrap="none" rtlCol="0">
+            <a:spAutoFit/>
+          </a:bodyPr>
+          <a:lstStyle/>
+          <a:p>
+            <a:r>
+              <a:rPr lang="de-DE" sz="2400" dirty="0">
+                <a:solidFill>
+                  <a:schemeClr val="bg1">
+                    <a:lumMod val="75000"/>
+                  </a:schemeClr>
+                </a:solidFill>
+              </a:rPr>
+              <a:t>Serveraufbau</a:t>
+            </a:r>
+          </a:p>
+        </p:txBody>
+      </p:sp>
+      <p:sp>
+        <p:nvSpPr>
+          <p:cNvPr id="19" name="Textfeld 18">
+            <a:extLst>
+              <a:ext uri="{FF2B5EF4-FFF2-40B4-BE49-F238E27FC236}">
+                <a16:creationId xmlns:a16="http://schemas.microsoft.com/office/drawing/2014/main" id="{9C1A4E5A-FF5A-C345-AB81-507ED7418CD3}"/>
+              </a:ext>
+            </a:extLst>
+          </p:cNvPr>
+          <p:cNvSpPr txBox="1"/>
+          <p:nvPr/>
+        </p:nvSpPr>
+        <p:spPr>
+          <a:xfrm>
+            <a:off x="7327645" y="6296728"/>
+            <a:ext cx="2369303" cy="461665"/>
+          </a:xfrm>
+          <a:prstGeom prst="rect">
+            <a:avLst/>
+          </a:prstGeom>
+          <a:noFill/>
+        </p:spPr>
+        <p:txBody>
+          <a:bodyPr wrap="none" rtlCol="0">
+            <a:spAutoFit/>
+          </a:bodyPr>
+          <a:lstStyle/>
+          <a:p>
+            <a:r>
+              <a:rPr lang="de-DE" sz="2400" dirty="0">
+                <a:solidFill>
+                  <a:schemeClr val="tx1">
+                    <a:lumMod val="65000"/>
+                    <a:lumOff val="35000"/>
+                  </a:schemeClr>
+                </a:solidFill>
+              </a:rPr>
+              <a:t>Wunsch </a:t>
+            </a:r>
+            <a:r>
+              <a:rPr lang="de-DE" sz="2400" dirty="0" err="1">
+                <a:solidFill>
+                  <a:schemeClr val="tx1">
+                    <a:lumMod val="65000"/>
+                    <a:lumOff val="35000"/>
+                  </a:schemeClr>
+                </a:solidFill>
+              </a:rPr>
+              <a:t>vs</a:t>
+            </a:r>
+            <a:r>
+              <a:rPr lang="de-DE" sz="2400" dirty="0">
+                <a:solidFill>
+                  <a:schemeClr val="tx1">
+                    <a:lumMod val="65000"/>
+                    <a:lumOff val="35000"/>
+                  </a:schemeClr>
+                </a:solidFill>
+              </a:rPr>
+              <a:t> Pflicht</a:t>
+            </a:r>
+          </a:p>
+        </p:txBody>
+      </p:sp>
     </p:spTree>
     <p:extLst>
       <p:ext uri="{BB962C8B-B14F-4D97-AF65-F5344CB8AC3E}">
@@ -13737,6 +15523,9 @@
           <a:bodyPr/>
           <a:lstStyle/>
           <a:p>
+            <a:endParaRPr lang="de-DE" dirty="0"/>
+          </a:p>
+          <a:p>
             <a:r>
               <a:rPr lang="de-DE" dirty="0"/>
               <a:t>Zeilen &amp; Spalten hinzufügen</a:t>
@@ -13820,6 +15609,9 @@
           <a:bodyPr/>
           <a:lstStyle/>
           <a:p>
+            <a:endParaRPr lang="de-DE" dirty="0"/>
+          </a:p>
+          <a:p>
             <a:r>
               <a:rPr lang="de-DE" dirty="0"/>
               <a:t>Hohes Konfliktpotential</a:t>
@@ -13887,6 +15679,152 @@
               <a:t>14</a:t>
             </a:fld>
             <a:endParaRPr lang="de-DE"/>
+          </a:p>
+        </p:txBody>
+      </p:sp>
+      <p:sp>
+        <p:nvSpPr>
+          <p:cNvPr id="9" name="Textfeld 8">
+            <a:extLst>
+              <a:ext uri="{FF2B5EF4-FFF2-40B4-BE49-F238E27FC236}">
+                <a16:creationId xmlns:a16="http://schemas.microsoft.com/office/drawing/2014/main" id="{CBBD770E-1DBA-D54B-8C7E-B8A29FF64190}"/>
+              </a:ext>
+            </a:extLst>
+          </p:cNvPr>
+          <p:cNvSpPr txBox="1"/>
+          <p:nvPr/>
+        </p:nvSpPr>
+        <p:spPr>
+          <a:xfrm>
+            <a:off x="2960500" y="6301931"/>
+            <a:ext cx="1903855" cy="461665"/>
+          </a:xfrm>
+          <a:prstGeom prst="rect">
+            <a:avLst/>
+          </a:prstGeom>
+          <a:noFill/>
+        </p:spPr>
+        <p:txBody>
+          <a:bodyPr wrap="none" rtlCol="0">
+            <a:spAutoFit/>
+          </a:bodyPr>
+          <a:lstStyle/>
+          <a:p>
+            <a:r>
+              <a:rPr lang="de-DE" sz="2400" dirty="0">
+                <a:solidFill>
+                  <a:schemeClr val="bg1">
+                    <a:lumMod val="75000"/>
+                  </a:schemeClr>
+                </a:solidFill>
+              </a:rPr>
+              <a:t>Unsere Vision</a:t>
+            </a:r>
+          </a:p>
+        </p:txBody>
+      </p:sp>
+      <p:sp>
+        <p:nvSpPr>
+          <p:cNvPr id="10" name="Textfeld 9">
+            <a:extLst>
+              <a:ext uri="{FF2B5EF4-FFF2-40B4-BE49-F238E27FC236}">
+                <a16:creationId xmlns:a16="http://schemas.microsoft.com/office/drawing/2014/main" id="{47108F44-8D0B-7F4D-92ED-57C91B2ED751}"/>
+              </a:ext>
+            </a:extLst>
+          </p:cNvPr>
+          <p:cNvSpPr txBox="1"/>
+          <p:nvPr/>
+        </p:nvSpPr>
+        <p:spPr>
+          <a:xfrm>
+            <a:off x="5167701" y="6296729"/>
+            <a:ext cx="1856598" cy="461665"/>
+          </a:xfrm>
+          <a:prstGeom prst="rect">
+            <a:avLst/>
+          </a:prstGeom>
+          <a:noFill/>
+        </p:spPr>
+        <p:txBody>
+          <a:bodyPr wrap="none" rtlCol="0">
+            <a:spAutoFit/>
+          </a:bodyPr>
+          <a:lstStyle/>
+          <a:p>
+            <a:r>
+              <a:rPr lang="de-DE" sz="2400" dirty="0">
+                <a:solidFill>
+                  <a:schemeClr val="bg1">
+                    <a:lumMod val="75000"/>
+                  </a:schemeClr>
+                </a:solidFill>
+              </a:rPr>
+              <a:t>Serveraufbau</a:t>
+            </a:r>
+          </a:p>
+        </p:txBody>
+      </p:sp>
+      <p:sp>
+        <p:nvSpPr>
+          <p:cNvPr id="11" name="Textfeld 10">
+            <a:extLst>
+              <a:ext uri="{FF2B5EF4-FFF2-40B4-BE49-F238E27FC236}">
+                <a16:creationId xmlns:a16="http://schemas.microsoft.com/office/drawing/2014/main" id="{4093AFB7-779C-2444-A536-3E334F76D64E}"/>
+              </a:ext>
+            </a:extLst>
+          </p:cNvPr>
+          <p:cNvSpPr txBox="1"/>
+          <p:nvPr/>
+        </p:nvSpPr>
+        <p:spPr>
+          <a:xfrm>
+            <a:off x="7327645" y="6296728"/>
+            <a:ext cx="2369303" cy="461665"/>
+          </a:xfrm>
+          <a:prstGeom prst="rect">
+            <a:avLst/>
+          </a:prstGeom>
+          <a:noFill/>
+        </p:spPr>
+        <p:txBody>
+          <a:bodyPr wrap="none" rtlCol="0">
+            <a:spAutoFit/>
+          </a:bodyPr>
+          <a:lstStyle/>
+          <a:p>
+            <a:r>
+              <a:rPr lang="de-DE" sz="2400" dirty="0">
+                <a:solidFill>
+                  <a:schemeClr val="tx1">
+                    <a:lumMod val="65000"/>
+                    <a:lumOff val="35000"/>
+                  </a:schemeClr>
+                </a:solidFill>
+              </a:rPr>
+              <a:t>Wunsch </a:t>
+            </a:r>
+            <a:r>
+              <a:rPr lang="de-DE" sz="2400" dirty="0" err="1">
+                <a:solidFill>
+                  <a:schemeClr val="tx1">
+                    <a:lumMod val="65000"/>
+                    <a:lumOff val="35000"/>
+                  </a:schemeClr>
+                </a:solidFill>
+              </a:rPr>
+              <a:t>vs</a:t>
+            </a:r>
+            <a:r>
+              <a:rPr lang="de-DE" sz="2400" dirty="0">
+                <a:solidFill>
+                  <a:schemeClr val="tx1">
+                    <a:lumMod val="65000"/>
+                    <a:lumOff val="35000"/>
+                  </a:schemeClr>
+                </a:solidFill>
+              </a:rPr>
+              <a:t> Pflicht</a:t>
+            </a:r>
           </a:p>
         </p:txBody>
       </p:sp>
@@ -13950,6 +15888,155 @@
       </p:sp>
       <p:sp>
         <p:nvSpPr>
+          <p:cNvPr id="3" name="Textplatzhalter 2">
+            <a:extLst>
+              <a:ext uri="{FF2B5EF4-FFF2-40B4-BE49-F238E27FC236}">
+                <a16:creationId xmlns:a16="http://schemas.microsoft.com/office/drawing/2014/main" id="{058B0666-9030-2E44-8854-9114DC86519F}"/>
+              </a:ext>
+            </a:extLst>
+          </p:cNvPr>
+          <p:cNvSpPr>
+            <a:spLocks noGrp="1"/>
+          </p:cNvSpPr>
+          <p:nvPr>
+            <p:ph type="body" idx="1"/>
+          </p:nvPr>
+        </p:nvSpPr>
+        <p:spPr/>
+        <p:txBody>
+          <a:bodyPr>
+            <a:normAutofit/>
+          </a:bodyPr>
+          <a:lstStyle/>
+          <a:p>
+            <a:r>
+              <a:rPr lang="de-DE" sz="3200" i="1" dirty="0"/>
+              <a:t>Warum interessant: </a:t>
+            </a:r>
+          </a:p>
+        </p:txBody>
+      </p:sp>
+      <p:sp>
+        <p:nvSpPr>
+          <p:cNvPr id="11" name="Inhaltsplatzhalter 10">
+            <a:extLst>
+              <a:ext uri="{FF2B5EF4-FFF2-40B4-BE49-F238E27FC236}">
+                <a16:creationId xmlns:a16="http://schemas.microsoft.com/office/drawing/2014/main" id="{93F4F615-FEA6-D245-B1F3-BF53833A81C7}"/>
+              </a:ext>
+            </a:extLst>
+          </p:cNvPr>
+          <p:cNvSpPr>
+            <a:spLocks noGrp="1"/>
+          </p:cNvSpPr>
+          <p:nvPr>
+            <p:ph sz="half" idx="2"/>
+          </p:nvPr>
+        </p:nvSpPr>
+        <p:spPr/>
+        <p:txBody>
+          <a:bodyPr/>
+          <a:lstStyle/>
+          <a:p>
+            <a:endParaRPr lang="de-DE" dirty="0"/>
+          </a:p>
+          <a:p>
+            <a:r>
+              <a:rPr lang="de-DE" dirty="0"/>
+              <a:t>Neue Graphen</a:t>
+            </a:r>
+          </a:p>
+          <a:p>
+            <a:r>
+              <a:rPr lang="de-DE" dirty="0"/>
+              <a:t>Neue Datentypen</a:t>
+            </a:r>
+          </a:p>
+          <a:p>
+            <a:r>
+              <a:rPr lang="de-DE" dirty="0"/>
+              <a:t>Andere Verwendung der existierende Graphen</a:t>
+            </a:r>
+          </a:p>
+          <a:p>
+            <a:endParaRPr lang="de-DE" dirty="0"/>
+          </a:p>
+        </p:txBody>
+      </p:sp>
+      <p:sp>
+        <p:nvSpPr>
+          <p:cNvPr id="12" name="Textplatzhalter 11">
+            <a:extLst>
+              <a:ext uri="{FF2B5EF4-FFF2-40B4-BE49-F238E27FC236}">
+                <a16:creationId xmlns:a16="http://schemas.microsoft.com/office/drawing/2014/main" id="{7385F1F5-2896-E047-98D0-1550C479ADBD}"/>
+              </a:ext>
+            </a:extLst>
+          </p:cNvPr>
+          <p:cNvSpPr>
+            <a:spLocks noGrp="1"/>
+          </p:cNvSpPr>
+          <p:nvPr>
+            <p:ph type="body" sz="quarter" idx="3"/>
+          </p:nvPr>
+        </p:nvSpPr>
+        <p:spPr/>
+        <p:txBody>
+          <a:bodyPr>
+            <a:normAutofit/>
+          </a:bodyPr>
+          <a:lstStyle/>
+          <a:p>
+            <a:r>
+              <a:rPr lang="de-DE" sz="3200" i="1" dirty="0"/>
+              <a:t>Warum Wunschkriterium:</a:t>
+            </a:r>
+          </a:p>
+        </p:txBody>
+      </p:sp>
+      <p:sp>
+        <p:nvSpPr>
+          <p:cNvPr id="13" name="Inhaltsplatzhalter 12">
+            <a:extLst>
+              <a:ext uri="{FF2B5EF4-FFF2-40B4-BE49-F238E27FC236}">
+                <a16:creationId xmlns:a16="http://schemas.microsoft.com/office/drawing/2014/main" id="{4565E465-7FD6-7E4F-AF64-BB2A5DD05DFC}"/>
+              </a:ext>
+            </a:extLst>
+          </p:cNvPr>
+          <p:cNvSpPr>
+            <a:spLocks noGrp="1"/>
+          </p:cNvSpPr>
+          <p:nvPr>
+            <p:ph sz="quarter" idx="4"/>
+          </p:nvPr>
+        </p:nvSpPr>
+        <p:spPr/>
+        <p:txBody>
+          <a:bodyPr/>
+          <a:lstStyle/>
+          <a:p>
+            <a:pPr marL="0" indent="0">
+              <a:buNone/>
+            </a:pPr>
+            <a:endParaRPr lang="de-DE" dirty="0"/>
+          </a:p>
+          <a:p>
+            <a:r>
+              <a:rPr lang="de-DE" dirty="0"/>
+              <a:t>Bei Basisdatentypen /-graphen nicht notwendig</a:t>
+            </a:r>
+          </a:p>
+          <a:p>
+            <a:r>
+              <a:rPr lang="de-DE" dirty="0"/>
+              <a:t>Teilweise aufwendige Checks notwendig</a:t>
+            </a:r>
+          </a:p>
+          <a:p>
+            <a:endParaRPr lang="de-DE" dirty="0"/>
+          </a:p>
+        </p:txBody>
+      </p:sp>
+      <p:sp>
+        <p:nvSpPr>
           <p:cNvPr id="4" name="Datumsplatzhalter 3">
             <a:extLst>
               <a:ext uri="{FF2B5EF4-FFF2-40B4-BE49-F238E27FC236}">
@@ -14007,10 +16094,10 @@
       </p:sp>
       <p:sp>
         <p:nvSpPr>
-          <p:cNvPr id="6" name="Inhaltsplatzhalter 2">
-            <a:extLst>
-              <a:ext uri="{FF2B5EF4-FFF2-40B4-BE49-F238E27FC236}">
-                <a16:creationId xmlns:a16="http://schemas.microsoft.com/office/drawing/2014/main" id="{8A76C604-608B-4DA8-92CD-CD20B2C59395}"/>
+          <p:cNvPr id="7" name="Inhaltsplatzhalter 3">
+            <a:extLst>
+              <a:ext uri="{FF2B5EF4-FFF2-40B4-BE49-F238E27FC236}">
+                <a16:creationId xmlns:a16="http://schemas.microsoft.com/office/drawing/2014/main" id="{2809ED00-FEDA-4690-A59A-884CFB5FDA2C}"/>
               </a:ext>
             </a:extLst>
           </p:cNvPr>
@@ -14021,234 +16108,7 @@
         </p:nvSpPr>
         <p:spPr>
           <a:xfrm>
-            <a:off x="838200" y="1825625"/>
-            <a:ext cx="5181600" cy="4351338"/>
-          </a:xfrm>
-          <a:prstGeom prst="rect">
-            <a:avLst/>
-          </a:prstGeom>
-        </p:spPr>
-        <p:txBody>
-          <a:bodyPr vert="horz" lIns="91440" tIns="45720" rIns="91440" bIns="45720" rtlCol="0">
-            <a:normAutofit/>
-          </a:bodyPr>
-          <a:lstStyle>
-            <a:lvl1pPr marL="228600" indent="-228600" algn="l" defTabSz="914400" rtl="0" eaLnBrk="1" latinLnBrk="0" hangingPunct="1">
-              <a:lnSpc>
-                <a:spcPct val="90000"/>
-              </a:lnSpc>
-              <a:spcBef>
-                <a:spcPts val="1000"/>
-              </a:spcBef>
-              <a:buFont typeface="Arial" panose="020B0604020202020204" pitchFamily="34" charset="0"/>
-              <a:buChar char="•"/>
-              <a:defRPr sz="2800" kern="1200">
-                <a:solidFill>
-                  <a:schemeClr val="tx1"/>
-                </a:solidFill>
-                <a:latin typeface="+mn-lt"/>
-                <a:ea typeface="+mn-ea"/>
-                <a:cs typeface="+mn-cs"/>
-              </a:defRPr>
-            </a:lvl1pPr>
-            <a:lvl2pPr marL="685800" indent="-228600" algn="l" defTabSz="914400" rtl="0" eaLnBrk="1" latinLnBrk="0" hangingPunct="1">
-              <a:lnSpc>
-                <a:spcPct val="90000"/>
-              </a:lnSpc>
-              <a:spcBef>
-                <a:spcPts val="500"/>
-              </a:spcBef>
-              <a:buFont typeface="Arial" panose="020B0604020202020204" pitchFamily="34" charset="0"/>
-              <a:buChar char="•"/>
-              <a:defRPr sz="2400" kern="1200">
-                <a:solidFill>
-                  <a:schemeClr val="tx1"/>
-                </a:solidFill>
-                <a:latin typeface="+mn-lt"/>
-                <a:ea typeface="+mn-ea"/>
-                <a:cs typeface="+mn-cs"/>
-              </a:defRPr>
-            </a:lvl2pPr>
-            <a:lvl3pPr marL="1143000" indent="-228600" algn="l" defTabSz="914400" rtl="0" eaLnBrk="1" latinLnBrk="0" hangingPunct="1">
-              <a:lnSpc>
-                <a:spcPct val="90000"/>
-              </a:lnSpc>
-              <a:spcBef>
-                <a:spcPts val="500"/>
-              </a:spcBef>
-              <a:buFont typeface="Arial" panose="020B0604020202020204" pitchFamily="34" charset="0"/>
-              <a:buChar char="•"/>
-              <a:defRPr sz="2000" kern="1200">
-                <a:solidFill>
-                  <a:schemeClr val="tx1"/>
-                </a:solidFill>
-                <a:latin typeface="+mn-lt"/>
-                <a:ea typeface="+mn-ea"/>
-                <a:cs typeface="+mn-cs"/>
-              </a:defRPr>
-            </a:lvl3pPr>
-            <a:lvl4pPr marL="1600200" indent="-228600" algn="l" defTabSz="914400" rtl="0" eaLnBrk="1" latinLnBrk="0" hangingPunct="1">
-              <a:lnSpc>
-                <a:spcPct val="90000"/>
-              </a:lnSpc>
-              <a:spcBef>
-                <a:spcPts val="500"/>
-              </a:spcBef>
-              <a:buFont typeface="Arial" panose="020B0604020202020204" pitchFamily="34" charset="0"/>
-              <a:buChar char="•"/>
-              <a:defRPr sz="1800" kern="1200">
-                <a:solidFill>
-                  <a:schemeClr val="tx1"/>
-                </a:solidFill>
-                <a:latin typeface="+mn-lt"/>
-                <a:ea typeface="+mn-ea"/>
-                <a:cs typeface="+mn-cs"/>
-              </a:defRPr>
-            </a:lvl4pPr>
-            <a:lvl5pPr marL="2057400" indent="-228600" algn="l" defTabSz="914400" rtl="0" eaLnBrk="1" latinLnBrk="0" hangingPunct="1">
-              <a:lnSpc>
-                <a:spcPct val="90000"/>
-              </a:lnSpc>
-              <a:spcBef>
-                <a:spcPts val="500"/>
-              </a:spcBef>
-              <a:buFont typeface="Arial" panose="020B0604020202020204" pitchFamily="34" charset="0"/>
-              <a:buChar char="•"/>
-              <a:defRPr sz="1800" kern="1200">
-                <a:solidFill>
-                  <a:schemeClr val="tx1"/>
-                </a:solidFill>
-                <a:latin typeface="+mn-lt"/>
-                <a:ea typeface="+mn-ea"/>
-                <a:cs typeface="+mn-cs"/>
-              </a:defRPr>
-            </a:lvl5pPr>
-            <a:lvl6pPr marL="2514600" indent="-228600" algn="l" defTabSz="914400" rtl="0" eaLnBrk="1" latinLnBrk="0" hangingPunct="1">
-              <a:lnSpc>
-                <a:spcPct val="90000"/>
-              </a:lnSpc>
-              <a:spcBef>
-                <a:spcPts val="500"/>
-              </a:spcBef>
-              <a:buFont typeface="Arial" panose="020B0604020202020204" pitchFamily="34" charset="0"/>
-              <a:buChar char="•"/>
-              <a:defRPr sz="1800" kern="1200">
-                <a:solidFill>
-                  <a:schemeClr val="tx1"/>
-                </a:solidFill>
-                <a:latin typeface="+mn-lt"/>
-                <a:ea typeface="+mn-ea"/>
-                <a:cs typeface="+mn-cs"/>
-              </a:defRPr>
-            </a:lvl6pPr>
-            <a:lvl7pPr marL="2971800" indent="-228600" algn="l" defTabSz="914400" rtl="0" eaLnBrk="1" latinLnBrk="0" hangingPunct="1">
-              <a:lnSpc>
-                <a:spcPct val="90000"/>
-              </a:lnSpc>
-              <a:spcBef>
-                <a:spcPts val="500"/>
-              </a:spcBef>
-              <a:buFont typeface="Arial" panose="020B0604020202020204" pitchFamily="34" charset="0"/>
-              <a:buChar char="•"/>
-              <a:defRPr sz="1800" kern="1200">
-                <a:solidFill>
-                  <a:schemeClr val="tx1"/>
-                </a:solidFill>
-                <a:latin typeface="+mn-lt"/>
-                <a:ea typeface="+mn-ea"/>
-                <a:cs typeface="+mn-cs"/>
-              </a:defRPr>
-            </a:lvl7pPr>
-            <a:lvl8pPr marL="3429000" indent="-228600" algn="l" defTabSz="914400" rtl="0" eaLnBrk="1" latinLnBrk="0" hangingPunct="1">
-              <a:lnSpc>
-                <a:spcPct val="90000"/>
-              </a:lnSpc>
-              <a:spcBef>
-                <a:spcPts val="500"/>
-              </a:spcBef>
-              <a:buFont typeface="Arial" panose="020B0604020202020204" pitchFamily="34" charset="0"/>
-              <a:buChar char="•"/>
-              <a:defRPr sz="1800" kern="1200">
-                <a:solidFill>
-                  <a:schemeClr val="tx1"/>
-                </a:solidFill>
-                <a:latin typeface="+mn-lt"/>
-                <a:ea typeface="+mn-ea"/>
-                <a:cs typeface="+mn-cs"/>
-              </a:defRPr>
-            </a:lvl8pPr>
-            <a:lvl9pPr marL="3886200" indent="-228600" algn="l" defTabSz="914400" rtl="0" eaLnBrk="1" latinLnBrk="0" hangingPunct="1">
-              <a:lnSpc>
-                <a:spcPct val="90000"/>
-              </a:lnSpc>
-              <a:spcBef>
-                <a:spcPts val="500"/>
-              </a:spcBef>
-              <a:buFont typeface="Arial" panose="020B0604020202020204" pitchFamily="34" charset="0"/>
-              <a:buChar char="•"/>
-              <a:defRPr sz="1800" kern="1200">
-                <a:solidFill>
-                  <a:schemeClr val="tx1"/>
-                </a:solidFill>
-                <a:latin typeface="+mn-lt"/>
-                <a:ea typeface="+mn-ea"/>
-                <a:cs typeface="+mn-cs"/>
-              </a:defRPr>
-            </a:lvl9pPr>
-          </a:lstStyle>
-          <a:p>
-            <a:pPr marL="0" indent="0">
-              <a:buNone/>
-            </a:pPr>
-            <a:r>
-              <a:rPr lang="de-DE" i="1" dirty="0"/>
-              <a:t>Warum interessant: </a:t>
-            </a:r>
-          </a:p>
-          <a:p>
-            <a:pPr marL="0" indent="0">
-              <a:buFont typeface="Arial" panose="020B0604020202020204" pitchFamily="34" charset="0"/>
-              <a:buNone/>
-            </a:pPr>
-            <a:endParaRPr lang="de-DE" dirty="0"/>
-          </a:p>
-          <a:p>
-            <a:r>
-              <a:rPr lang="de-DE" dirty="0"/>
-              <a:t>Neue Graphen</a:t>
-            </a:r>
-          </a:p>
-          <a:p>
-            <a:r>
-              <a:rPr lang="de-DE" dirty="0"/>
-              <a:t>Neue Datentypen</a:t>
-            </a:r>
-          </a:p>
-          <a:p>
-            <a:r>
-              <a:rPr lang="de-DE" dirty="0"/>
-              <a:t>Andere Verwendung der existierende Graphen</a:t>
-            </a:r>
-          </a:p>
-        </p:txBody>
-      </p:sp>
-      <p:sp>
-        <p:nvSpPr>
-          <p:cNvPr id="7" name="Inhaltsplatzhalter 3">
-            <a:extLst>
-              <a:ext uri="{FF2B5EF4-FFF2-40B4-BE49-F238E27FC236}">
-                <a16:creationId xmlns:a16="http://schemas.microsoft.com/office/drawing/2014/main" id="{2809ED00-FEDA-4690-A59A-884CFB5FDA2C}"/>
-              </a:ext>
-            </a:extLst>
-          </p:cNvPr>
-          <p:cNvSpPr txBox="1">
-            <a:spLocks/>
-          </p:cNvSpPr>
-          <p:nvPr/>
-        </p:nvSpPr>
-        <p:spPr>
-          <a:xfrm>
-            <a:off x="6172200" y="1825625"/>
+            <a:off x="6348413" y="4363243"/>
             <a:ext cx="5181600" cy="4351338"/>
           </a:xfrm>
           <a:prstGeom prst="rect">
@@ -14422,35 +16282,153 @@
             </a:lvl9pPr>
           </a:lstStyle>
           <a:p>
-            <a:pPr marL="0" indent="0">
-              <a:buNone/>
-            </a:pPr>
-            <a:r>
-              <a:rPr lang="de-DE" i="1" dirty="0"/>
-              <a:t>Warum Wunschkriterium:</a:t>
-            </a:r>
-          </a:p>
-          <a:p>
-            <a:pPr marL="0" indent="0">
-              <a:buFont typeface="Arial" panose="020B0604020202020204" pitchFamily="34" charset="0"/>
-              <a:buNone/>
-            </a:pPr>
             <a:endParaRPr lang="de-DE" dirty="0"/>
           </a:p>
-          <a:p>
-            <a:r>
-              <a:rPr lang="de-DE" dirty="0"/>
-              <a:t>Bei Basisdatentypen /-graphen nicht notwendig</a:t>
-            </a:r>
-          </a:p>
-          <a:p>
-            <a:r>
-              <a:rPr lang="de-DE" dirty="0"/>
-              <a:t>Teilweise aufwendige Checks notwendig</a:t>
-            </a:r>
-          </a:p>
-          <a:p>
-            <a:endParaRPr lang="de-DE" dirty="0"/>
+        </p:txBody>
+      </p:sp>
+      <p:sp>
+        <p:nvSpPr>
+          <p:cNvPr id="8" name="Textfeld 7">
+            <a:extLst>
+              <a:ext uri="{FF2B5EF4-FFF2-40B4-BE49-F238E27FC236}">
+                <a16:creationId xmlns:a16="http://schemas.microsoft.com/office/drawing/2014/main" id="{CEF000BC-3E0F-2C4A-81B5-3EA29CA5DBC9}"/>
+              </a:ext>
+            </a:extLst>
+          </p:cNvPr>
+          <p:cNvSpPr txBox="1"/>
+          <p:nvPr/>
+        </p:nvSpPr>
+        <p:spPr>
+          <a:xfrm>
+            <a:off x="2960500" y="6301931"/>
+            <a:ext cx="1903855" cy="461665"/>
+          </a:xfrm>
+          <a:prstGeom prst="rect">
+            <a:avLst/>
+          </a:prstGeom>
+          <a:noFill/>
+        </p:spPr>
+        <p:txBody>
+          <a:bodyPr wrap="none" rtlCol="0">
+            <a:spAutoFit/>
+          </a:bodyPr>
+          <a:lstStyle/>
+          <a:p>
+            <a:r>
+              <a:rPr lang="de-DE" sz="2400" dirty="0">
+                <a:solidFill>
+                  <a:schemeClr val="bg1">
+                    <a:lumMod val="75000"/>
+                  </a:schemeClr>
+                </a:solidFill>
+              </a:rPr>
+              <a:t>Unsere Vision</a:t>
+            </a:r>
+          </a:p>
+        </p:txBody>
+      </p:sp>
+      <p:sp>
+        <p:nvSpPr>
+          <p:cNvPr id="9" name="Textfeld 8">
+            <a:extLst>
+              <a:ext uri="{FF2B5EF4-FFF2-40B4-BE49-F238E27FC236}">
+                <a16:creationId xmlns:a16="http://schemas.microsoft.com/office/drawing/2014/main" id="{BEF06E79-FA46-F744-AA97-76C5C8EF11FF}"/>
+              </a:ext>
+            </a:extLst>
+          </p:cNvPr>
+          <p:cNvSpPr txBox="1"/>
+          <p:nvPr/>
+        </p:nvSpPr>
+        <p:spPr>
+          <a:xfrm>
+            <a:off x="5167701" y="6296729"/>
+            <a:ext cx="1856598" cy="461665"/>
+          </a:xfrm>
+          <a:prstGeom prst="rect">
+            <a:avLst/>
+          </a:prstGeom>
+          <a:noFill/>
+        </p:spPr>
+        <p:txBody>
+          <a:bodyPr wrap="none" rtlCol="0">
+            <a:spAutoFit/>
+          </a:bodyPr>
+          <a:lstStyle/>
+          <a:p>
+            <a:r>
+              <a:rPr lang="de-DE" sz="2400" dirty="0">
+                <a:solidFill>
+                  <a:schemeClr val="bg1">
+                    <a:lumMod val="75000"/>
+                  </a:schemeClr>
+                </a:solidFill>
+              </a:rPr>
+              <a:t>Serveraufbau</a:t>
+            </a:r>
+          </a:p>
+        </p:txBody>
+      </p:sp>
+      <p:sp>
+        <p:nvSpPr>
+          <p:cNvPr id="10" name="Textfeld 9">
+            <a:extLst>
+              <a:ext uri="{FF2B5EF4-FFF2-40B4-BE49-F238E27FC236}">
+                <a16:creationId xmlns:a16="http://schemas.microsoft.com/office/drawing/2014/main" id="{30F19903-33E6-E044-8819-DEC73C51F977}"/>
+              </a:ext>
+            </a:extLst>
+          </p:cNvPr>
+          <p:cNvSpPr txBox="1"/>
+          <p:nvPr/>
+        </p:nvSpPr>
+        <p:spPr>
+          <a:xfrm>
+            <a:off x="7327645" y="6296728"/>
+            <a:ext cx="2369303" cy="461665"/>
+          </a:xfrm>
+          <a:prstGeom prst="rect">
+            <a:avLst/>
+          </a:prstGeom>
+          <a:noFill/>
+        </p:spPr>
+        <p:txBody>
+          <a:bodyPr wrap="none" rtlCol="0">
+            <a:spAutoFit/>
+          </a:bodyPr>
+          <a:lstStyle/>
+          <a:p>
+            <a:r>
+              <a:rPr lang="de-DE" sz="2400" dirty="0">
+                <a:solidFill>
+                  <a:schemeClr val="tx1">
+                    <a:lumMod val="65000"/>
+                    <a:lumOff val="35000"/>
+                  </a:schemeClr>
+                </a:solidFill>
+              </a:rPr>
+              <a:t>Wunsch </a:t>
+            </a:r>
+            <a:r>
+              <a:rPr lang="de-DE" sz="2400" dirty="0" err="1">
+                <a:solidFill>
+                  <a:schemeClr val="tx1">
+                    <a:lumMod val="65000"/>
+                    <a:lumOff val="35000"/>
+                  </a:schemeClr>
+                </a:solidFill>
+              </a:rPr>
+              <a:t>vs</a:t>
+            </a:r>
+            <a:r>
+              <a:rPr lang="de-DE" sz="2400" dirty="0">
+                <a:solidFill>
+                  <a:schemeClr val="tx1">
+                    <a:lumMod val="65000"/>
+                    <a:lumOff val="35000"/>
+                  </a:schemeClr>
+                </a:solidFill>
+              </a:rPr>
+              <a:t> Pflicht</a:t>
+            </a:r>
           </a:p>
         </p:txBody>
       </p:sp>
@@ -14565,6 +16543,18 @@
           <a:p>
             <a:endParaRPr lang="de-DE" dirty="0"/>
           </a:p>
+          <a:p>
+            <a:r>
+              <a:rPr lang="de-DE" dirty="0"/>
+              <a:t>Mehrere Blickwinkel</a:t>
+            </a:r>
+          </a:p>
+          <a:p>
+            <a:endParaRPr lang="de-DE" dirty="0"/>
+          </a:p>
+          <a:p>
+            <a:endParaRPr lang="de-DE" dirty="0"/>
+          </a:p>
         </p:txBody>
       </p:sp>
       <p:sp>
@@ -14628,25 +16618,22 @@
           <a:bodyPr/>
           <a:lstStyle/>
           <a:p>
-            <a:pPr marL="0" indent="0">
-              <a:buNone/>
-            </a:pPr>
+            <a:endParaRPr lang="de-DE" dirty="0"/>
+          </a:p>
+          <a:p>
             <a:r>
               <a:rPr lang="de-DE" dirty="0"/>
-              <a:t>. Parametrisierung</a:t>
-            </a:r>
-          </a:p>
-          <a:p>
-            <a:pPr marL="0" indent="0">
-              <a:buNone/>
-            </a:pPr>
+              <a:t>Parametrisierung</a:t>
+            </a:r>
+          </a:p>
+          <a:p>
             <a:r>
               <a:rPr lang="de-DE" dirty="0"/>
-              <a:t>. Nur 2 </a:t>
+              <a:t> Nur 2 </a:t>
             </a:r>
             <a:r>
               <a:rPr lang="de-DE" dirty="0" err="1"/>
-              <a:t>Graphentypen</a:t>
+              <a:t>Graphtypen</a:t>
             </a:r>
             <a:endParaRPr lang="de-DE" dirty="0"/>
           </a:p>
@@ -14712,6 +16699,152 @@
               <a:t>16</a:t>
             </a:fld>
             <a:endParaRPr lang="de-DE"/>
+          </a:p>
+        </p:txBody>
+      </p:sp>
+      <p:sp>
+        <p:nvSpPr>
+          <p:cNvPr id="9" name="Textfeld 8">
+            <a:extLst>
+              <a:ext uri="{FF2B5EF4-FFF2-40B4-BE49-F238E27FC236}">
+                <a16:creationId xmlns:a16="http://schemas.microsoft.com/office/drawing/2014/main" id="{08FBF2AE-EFB5-A24A-806C-3F9155DC7982}"/>
+              </a:ext>
+            </a:extLst>
+          </p:cNvPr>
+          <p:cNvSpPr txBox="1"/>
+          <p:nvPr/>
+        </p:nvSpPr>
+        <p:spPr>
+          <a:xfrm>
+            <a:off x="2960500" y="6301931"/>
+            <a:ext cx="1903855" cy="461665"/>
+          </a:xfrm>
+          <a:prstGeom prst="rect">
+            <a:avLst/>
+          </a:prstGeom>
+          <a:noFill/>
+        </p:spPr>
+        <p:txBody>
+          <a:bodyPr wrap="none" rtlCol="0">
+            <a:spAutoFit/>
+          </a:bodyPr>
+          <a:lstStyle/>
+          <a:p>
+            <a:r>
+              <a:rPr lang="de-DE" sz="2400" dirty="0">
+                <a:solidFill>
+                  <a:schemeClr val="bg1">
+                    <a:lumMod val="75000"/>
+                  </a:schemeClr>
+                </a:solidFill>
+              </a:rPr>
+              <a:t>Unsere Vision</a:t>
+            </a:r>
+          </a:p>
+        </p:txBody>
+      </p:sp>
+      <p:sp>
+        <p:nvSpPr>
+          <p:cNvPr id="10" name="Textfeld 9">
+            <a:extLst>
+              <a:ext uri="{FF2B5EF4-FFF2-40B4-BE49-F238E27FC236}">
+                <a16:creationId xmlns:a16="http://schemas.microsoft.com/office/drawing/2014/main" id="{2419DBBC-27B6-D240-B949-D132A2943621}"/>
+              </a:ext>
+            </a:extLst>
+          </p:cNvPr>
+          <p:cNvSpPr txBox="1"/>
+          <p:nvPr/>
+        </p:nvSpPr>
+        <p:spPr>
+          <a:xfrm>
+            <a:off x="5167701" y="6296729"/>
+            <a:ext cx="1856598" cy="461665"/>
+          </a:xfrm>
+          <a:prstGeom prst="rect">
+            <a:avLst/>
+          </a:prstGeom>
+          <a:noFill/>
+        </p:spPr>
+        <p:txBody>
+          <a:bodyPr wrap="none" rtlCol="0">
+            <a:spAutoFit/>
+          </a:bodyPr>
+          <a:lstStyle/>
+          <a:p>
+            <a:r>
+              <a:rPr lang="de-DE" sz="2400" dirty="0">
+                <a:solidFill>
+                  <a:schemeClr val="bg1">
+                    <a:lumMod val="75000"/>
+                  </a:schemeClr>
+                </a:solidFill>
+              </a:rPr>
+              <a:t>Serveraufbau</a:t>
+            </a:r>
+          </a:p>
+        </p:txBody>
+      </p:sp>
+      <p:sp>
+        <p:nvSpPr>
+          <p:cNvPr id="11" name="Textfeld 10">
+            <a:extLst>
+              <a:ext uri="{FF2B5EF4-FFF2-40B4-BE49-F238E27FC236}">
+                <a16:creationId xmlns:a16="http://schemas.microsoft.com/office/drawing/2014/main" id="{DFFFD88C-EEAB-824C-9A7E-AD551B93FB85}"/>
+              </a:ext>
+            </a:extLst>
+          </p:cNvPr>
+          <p:cNvSpPr txBox="1"/>
+          <p:nvPr/>
+        </p:nvSpPr>
+        <p:spPr>
+          <a:xfrm>
+            <a:off x="7327645" y="6296728"/>
+            <a:ext cx="2369303" cy="461665"/>
+          </a:xfrm>
+          <a:prstGeom prst="rect">
+            <a:avLst/>
+          </a:prstGeom>
+          <a:noFill/>
+        </p:spPr>
+        <p:txBody>
+          <a:bodyPr wrap="none" rtlCol="0">
+            <a:spAutoFit/>
+          </a:bodyPr>
+          <a:lstStyle/>
+          <a:p>
+            <a:r>
+              <a:rPr lang="de-DE" sz="2400" dirty="0">
+                <a:solidFill>
+                  <a:schemeClr val="tx1">
+                    <a:lumMod val="65000"/>
+                    <a:lumOff val="35000"/>
+                  </a:schemeClr>
+                </a:solidFill>
+              </a:rPr>
+              <a:t>Wunsch </a:t>
+            </a:r>
+            <a:r>
+              <a:rPr lang="de-DE" sz="2400" dirty="0" err="1">
+                <a:solidFill>
+                  <a:schemeClr val="tx1">
+                    <a:lumMod val="65000"/>
+                    <a:lumOff val="35000"/>
+                  </a:schemeClr>
+                </a:solidFill>
+              </a:rPr>
+              <a:t>vs</a:t>
+            </a:r>
+            <a:r>
+              <a:rPr lang="de-DE" sz="2400" dirty="0">
+                <a:solidFill>
+                  <a:schemeClr val="tx1">
+                    <a:lumMod val="65000"/>
+                    <a:lumOff val="35000"/>
+                  </a:schemeClr>
+                </a:solidFill>
+              </a:rPr>
+              <a:t> Pflicht</a:t>
+            </a:r>
           </a:p>
         </p:txBody>
       </p:sp>
@@ -14773,7 +16906,7 @@
         </p:blipFill>
         <p:spPr>
           <a:xfrm>
-            <a:off x="8136534" y="4657425"/>
+            <a:off x="8136534" y="4146791"/>
             <a:ext cx="1745672" cy="1745672"/>
           </a:xfrm>
           <a:prstGeom prst="rect">
@@ -14868,7 +17001,7 @@
         </p:blipFill>
         <p:spPr>
           <a:xfrm>
-            <a:off x="1620982" y="1812276"/>
+            <a:off x="1620982" y="1396640"/>
             <a:ext cx="2396836" cy="2396836"/>
           </a:xfrm>
         </p:spPr>
@@ -14901,7 +17034,7 @@
         </p:blipFill>
         <p:spPr>
           <a:xfrm>
-            <a:off x="4468091" y="2071253"/>
+            <a:off x="4468091" y="1560619"/>
             <a:ext cx="2029692" cy="2029692"/>
           </a:xfrm>
           <a:prstGeom prst="rect">
@@ -14937,7 +17070,7 @@
         </p:blipFill>
         <p:spPr>
           <a:xfrm>
-            <a:off x="9646023" y="4657425"/>
+            <a:off x="9646023" y="4146791"/>
             <a:ext cx="1745673" cy="1745673"/>
           </a:xfrm>
           <a:prstGeom prst="rect">
@@ -14973,7 +17106,7 @@
         </p:blipFill>
         <p:spPr>
           <a:xfrm>
-            <a:off x="6390862" y="4610678"/>
+            <a:off x="6390862" y="4100044"/>
             <a:ext cx="1745672" cy="1745672"/>
           </a:xfrm>
           <a:prstGeom prst="rect">
@@ -14994,13 +17127,13 @@
           <p:nvPr>
             <p:extLst>
               <p:ext uri="{D42A27DB-BD31-4B8C-83A1-F6EECF244321}">
-                <p14:modId xmlns:p14="http://schemas.microsoft.com/office/powerpoint/2010/main" val="3189475977"/>
+                <p14:modId xmlns:p14="http://schemas.microsoft.com/office/powerpoint/2010/main" val="3675423384"/>
               </p:ext>
             </p:extLst>
           </p:nvPr>
         </p:nvGraphicFramePr>
         <p:xfrm>
-          <a:off x="6472582" y="1812276"/>
+          <a:off x="6472582" y="1301642"/>
           <a:ext cx="4276035" cy="2709334"/>
         </p:xfrm>
         <a:graphic>
@@ -15022,13 +17155,13 @@
           <p:nvPr>
             <p:extLst>
               <p:ext uri="{D42A27DB-BD31-4B8C-83A1-F6EECF244321}">
-                <p14:modId xmlns:p14="http://schemas.microsoft.com/office/powerpoint/2010/main" val="1290764170"/>
+                <p14:modId xmlns:p14="http://schemas.microsoft.com/office/powerpoint/2010/main" val="1664355155"/>
               </p:ext>
             </p:extLst>
           </p:nvPr>
         </p:nvGraphicFramePr>
         <p:xfrm>
-          <a:off x="6497783" y="1901344"/>
+          <a:off x="6497783" y="1390710"/>
           <a:ext cx="4276035" cy="2709334"/>
         </p:xfrm>
         <a:graphic>
@@ -15065,7 +17198,7 @@
         </p:blipFill>
         <p:spPr>
           <a:xfrm>
-            <a:off x="8635800" y="5562166"/>
+            <a:off x="8635800" y="5146530"/>
             <a:ext cx="1159309" cy="1159309"/>
           </a:xfrm>
           <a:prstGeom prst="rect">
@@ -15101,7 +17234,7 @@
         </p:blipFill>
         <p:spPr>
           <a:xfrm>
-            <a:off x="3952860" y="2082848"/>
+            <a:off x="3952860" y="1572214"/>
             <a:ext cx="2029692" cy="2029692"/>
           </a:xfrm>
           <a:prstGeom prst="rect">
@@ -15137,7 +17270,7 @@
         </p:blipFill>
         <p:spPr>
           <a:xfrm>
-            <a:off x="3415444" y="2071253"/>
+            <a:off x="3415444" y="1560619"/>
             <a:ext cx="2029692" cy="2029692"/>
           </a:xfrm>
           <a:prstGeom prst="rect">
@@ -15159,7 +17292,7 @@
         </p:nvSpPr>
         <p:spPr>
           <a:xfrm>
-            <a:off x="2494048" y="1788231"/>
+            <a:off x="2494048" y="1277597"/>
             <a:ext cx="650471" cy="671830"/>
           </a:xfrm>
           <a:prstGeom prst="ellipse">
@@ -15217,7 +17350,7 @@
         </p:blipFill>
         <p:spPr>
           <a:xfrm>
-            <a:off x="2356773" y="1641762"/>
+            <a:off x="2356773" y="1131128"/>
             <a:ext cx="914400" cy="914400"/>
           </a:xfrm>
           <a:prstGeom prst="rect">
@@ -15247,7 +17380,7 @@
         </p:blipFill>
         <p:spPr>
           <a:xfrm>
-            <a:off x="2639163" y="2098962"/>
+            <a:off x="2639163" y="1588328"/>
             <a:ext cx="81292" cy="114343"/>
           </a:xfrm>
           <a:prstGeom prst="rect">
@@ -15277,7 +17410,7 @@
         </p:blipFill>
         <p:spPr>
           <a:xfrm>
-            <a:off x="2894303" y="2098962"/>
+            <a:off x="2894303" y="1588328"/>
             <a:ext cx="81292" cy="114343"/>
           </a:xfrm>
           <a:prstGeom prst="rect">
@@ -15307,7 +17440,7 @@
         </p:blipFill>
         <p:spPr>
           <a:xfrm>
-            <a:off x="2639163" y="2383819"/>
+            <a:off x="2639163" y="1873185"/>
             <a:ext cx="81292" cy="114343"/>
           </a:xfrm>
           <a:prstGeom prst="rect">
@@ -15315,6 +17448,152 @@
           </a:prstGeom>
         </p:spPr>
       </p:pic>
+      <p:sp>
+        <p:nvSpPr>
+          <p:cNvPr id="27" name="Textfeld 26">
+            <a:extLst>
+              <a:ext uri="{FF2B5EF4-FFF2-40B4-BE49-F238E27FC236}">
+                <a16:creationId xmlns:a16="http://schemas.microsoft.com/office/drawing/2014/main" id="{409F0E56-AD62-8F49-A84F-8D6FA6AF4CA7}"/>
+              </a:ext>
+            </a:extLst>
+          </p:cNvPr>
+          <p:cNvSpPr txBox="1"/>
+          <p:nvPr/>
+        </p:nvSpPr>
+        <p:spPr>
+          <a:xfrm>
+            <a:off x="2960500" y="6301931"/>
+            <a:ext cx="1903855" cy="461665"/>
+          </a:xfrm>
+          <a:prstGeom prst="rect">
+            <a:avLst/>
+          </a:prstGeom>
+          <a:noFill/>
+        </p:spPr>
+        <p:txBody>
+          <a:bodyPr wrap="none" rtlCol="0">
+            <a:spAutoFit/>
+          </a:bodyPr>
+          <a:lstStyle/>
+          <a:p>
+            <a:r>
+              <a:rPr lang="de-DE" sz="2400" dirty="0">
+                <a:solidFill>
+                  <a:schemeClr val="bg1">
+                    <a:lumMod val="75000"/>
+                  </a:schemeClr>
+                </a:solidFill>
+              </a:rPr>
+              <a:t>Unsere Vision</a:t>
+            </a:r>
+          </a:p>
+        </p:txBody>
+      </p:sp>
+      <p:sp>
+        <p:nvSpPr>
+          <p:cNvPr id="28" name="Textfeld 27">
+            <a:extLst>
+              <a:ext uri="{FF2B5EF4-FFF2-40B4-BE49-F238E27FC236}">
+                <a16:creationId xmlns:a16="http://schemas.microsoft.com/office/drawing/2014/main" id="{50B1596B-7726-8C4D-A845-F334F2396CAB}"/>
+              </a:ext>
+            </a:extLst>
+          </p:cNvPr>
+          <p:cNvSpPr txBox="1"/>
+          <p:nvPr/>
+        </p:nvSpPr>
+        <p:spPr>
+          <a:xfrm>
+            <a:off x="5167701" y="6296729"/>
+            <a:ext cx="1856598" cy="461665"/>
+          </a:xfrm>
+          <a:prstGeom prst="rect">
+            <a:avLst/>
+          </a:prstGeom>
+          <a:noFill/>
+        </p:spPr>
+        <p:txBody>
+          <a:bodyPr wrap="none" rtlCol="0">
+            <a:spAutoFit/>
+          </a:bodyPr>
+          <a:lstStyle/>
+          <a:p>
+            <a:r>
+              <a:rPr lang="de-DE" sz="2400" dirty="0">
+                <a:solidFill>
+                  <a:schemeClr val="bg1">
+                    <a:lumMod val="75000"/>
+                  </a:schemeClr>
+                </a:solidFill>
+              </a:rPr>
+              <a:t>Serveraufbau</a:t>
+            </a:r>
+          </a:p>
+        </p:txBody>
+      </p:sp>
+      <p:sp>
+        <p:nvSpPr>
+          <p:cNvPr id="29" name="Textfeld 28">
+            <a:extLst>
+              <a:ext uri="{FF2B5EF4-FFF2-40B4-BE49-F238E27FC236}">
+                <a16:creationId xmlns:a16="http://schemas.microsoft.com/office/drawing/2014/main" id="{6CD5CCC8-C82A-ED47-967C-24FD558A7ADB}"/>
+              </a:ext>
+            </a:extLst>
+          </p:cNvPr>
+          <p:cNvSpPr txBox="1"/>
+          <p:nvPr/>
+        </p:nvSpPr>
+        <p:spPr>
+          <a:xfrm>
+            <a:off x="7327645" y="6296728"/>
+            <a:ext cx="2369303" cy="461665"/>
+          </a:xfrm>
+          <a:prstGeom prst="rect">
+            <a:avLst/>
+          </a:prstGeom>
+          <a:noFill/>
+        </p:spPr>
+        <p:txBody>
+          <a:bodyPr wrap="none" rtlCol="0">
+            <a:spAutoFit/>
+          </a:bodyPr>
+          <a:lstStyle/>
+          <a:p>
+            <a:r>
+              <a:rPr lang="de-DE" sz="2400" dirty="0">
+                <a:solidFill>
+                  <a:schemeClr val="tx1">
+                    <a:lumMod val="65000"/>
+                    <a:lumOff val="35000"/>
+                  </a:schemeClr>
+                </a:solidFill>
+              </a:rPr>
+              <a:t>Wunsch </a:t>
+            </a:r>
+            <a:r>
+              <a:rPr lang="de-DE" sz="2400" dirty="0" err="1">
+                <a:solidFill>
+                  <a:schemeClr val="tx1">
+                    <a:lumMod val="65000"/>
+                    <a:lumOff val="35000"/>
+                  </a:schemeClr>
+                </a:solidFill>
+              </a:rPr>
+              <a:t>vs</a:t>
+            </a:r>
+            <a:r>
+              <a:rPr lang="de-DE" sz="2400" dirty="0">
+                <a:solidFill>
+                  <a:schemeClr val="tx1">
+                    <a:lumMod val="65000"/>
+                    <a:lumOff val="35000"/>
+                  </a:schemeClr>
+                </a:solidFill>
+              </a:rPr>
+              <a:t> Pflicht</a:t>
+            </a:r>
+          </a:p>
+        </p:txBody>
+      </p:sp>
     </p:spTree>
     <p:extLst>
       <p:ext uri="{BB962C8B-B14F-4D97-AF65-F5344CB8AC3E}">
@@ -16213,6 +18492,150 @@
           </a:prstGeom>
         </p:spPr>
       </p:pic>
+      <p:sp>
+        <p:nvSpPr>
+          <p:cNvPr id="19" name="Textfeld 18">
+            <a:extLst>
+              <a:ext uri="{FF2B5EF4-FFF2-40B4-BE49-F238E27FC236}">
+                <a16:creationId xmlns:a16="http://schemas.microsoft.com/office/drawing/2014/main" id="{4842FFAD-477F-2D42-A2E6-1A204F31207E}"/>
+              </a:ext>
+            </a:extLst>
+          </p:cNvPr>
+          <p:cNvSpPr txBox="1"/>
+          <p:nvPr/>
+        </p:nvSpPr>
+        <p:spPr>
+          <a:xfrm>
+            <a:off x="2960500" y="6301931"/>
+            <a:ext cx="1903855" cy="461665"/>
+          </a:xfrm>
+          <a:prstGeom prst="rect">
+            <a:avLst/>
+          </a:prstGeom>
+          <a:noFill/>
+        </p:spPr>
+        <p:txBody>
+          <a:bodyPr wrap="none" rtlCol="0">
+            <a:spAutoFit/>
+          </a:bodyPr>
+          <a:lstStyle/>
+          <a:p>
+            <a:r>
+              <a:rPr lang="de-DE" sz="2400" dirty="0">
+                <a:solidFill>
+                  <a:schemeClr val="tx1">
+                    <a:lumMod val="65000"/>
+                    <a:lumOff val="35000"/>
+                  </a:schemeClr>
+                </a:solidFill>
+              </a:rPr>
+              <a:t>Unsere Vision</a:t>
+            </a:r>
+          </a:p>
+        </p:txBody>
+      </p:sp>
+      <p:sp>
+        <p:nvSpPr>
+          <p:cNvPr id="25" name="Textfeld 24">
+            <a:extLst>
+              <a:ext uri="{FF2B5EF4-FFF2-40B4-BE49-F238E27FC236}">
+                <a16:creationId xmlns:a16="http://schemas.microsoft.com/office/drawing/2014/main" id="{3891FD2B-CC98-CE44-8257-F996C603857D}"/>
+              </a:ext>
+            </a:extLst>
+          </p:cNvPr>
+          <p:cNvSpPr txBox="1"/>
+          <p:nvPr/>
+        </p:nvSpPr>
+        <p:spPr>
+          <a:xfrm>
+            <a:off x="5167701" y="6296729"/>
+            <a:ext cx="1856598" cy="461665"/>
+          </a:xfrm>
+          <a:prstGeom prst="rect">
+            <a:avLst/>
+          </a:prstGeom>
+          <a:noFill/>
+        </p:spPr>
+        <p:txBody>
+          <a:bodyPr wrap="none" rtlCol="0">
+            <a:spAutoFit/>
+          </a:bodyPr>
+          <a:lstStyle/>
+          <a:p>
+            <a:r>
+              <a:rPr lang="de-DE" sz="2400" dirty="0">
+                <a:solidFill>
+                  <a:schemeClr val="bg1">
+                    <a:lumMod val="75000"/>
+                  </a:schemeClr>
+                </a:solidFill>
+              </a:rPr>
+              <a:t>Serveraufbau</a:t>
+            </a:r>
+          </a:p>
+        </p:txBody>
+      </p:sp>
+      <p:sp>
+        <p:nvSpPr>
+          <p:cNvPr id="26" name="Textfeld 25">
+            <a:extLst>
+              <a:ext uri="{FF2B5EF4-FFF2-40B4-BE49-F238E27FC236}">
+                <a16:creationId xmlns:a16="http://schemas.microsoft.com/office/drawing/2014/main" id="{F33B0286-B089-1C45-AE98-EC779A93E21E}"/>
+              </a:ext>
+            </a:extLst>
+          </p:cNvPr>
+          <p:cNvSpPr txBox="1"/>
+          <p:nvPr/>
+        </p:nvSpPr>
+        <p:spPr>
+          <a:xfrm>
+            <a:off x="7327645" y="6296728"/>
+            <a:ext cx="2369303" cy="461665"/>
+          </a:xfrm>
+          <a:prstGeom prst="rect">
+            <a:avLst/>
+          </a:prstGeom>
+          <a:noFill/>
+        </p:spPr>
+        <p:txBody>
+          <a:bodyPr wrap="none" rtlCol="0">
+            <a:spAutoFit/>
+          </a:bodyPr>
+          <a:lstStyle/>
+          <a:p>
+            <a:r>
+              <a:rPr lang="de-DE" sz="2400" dirty="0">
+                <a:solidFill>
+                  <a:schemeClr val="bg1">
+                    <a:lumMod val="75000"/>
+                  </a:schemeClr>
+                </a:solidFill>
+              </a:rPr>
+              <a:t>Wunsch </a:t>
+            </a:r>
+            <a:r>
+              <a:rPr lang="de-DE" sz="2400" dirty="0" err="1">
+                <a:solidFill>
+                  <a:schemeClr val="bg1">
+                    <a:lumMod val="75000"/>
+                  </a:schemeClr>
+                </a:solidFill>
+              </a:rPr>
+              <a:t>vs</a:t>
+            </a:r>
+            <a:r>
+              <a:rPr lang="de-DE" sz="2400" dirty="0">
+                <a:solidFill>
+                  <a:schemeClr val="bg1">
+                    <a:lumMod val="75000"/>
+                  </a:schemeClr>
+                </a:solidFill>
+              </a:rPr>
+              <a:t> Pflicht</a:t>
+            </a:r>
+          </a:p>
+        </p:txBody>
+      </p:sp>
     </p:spTree>
     <p:extLst>
       <p:ext uri="{BB962C8B-B14F-4D97-AF65-F5344CB8AC3E}">
@@ -17142,6 +19565,150 @@
           </a:prstGeom>
         </p:spPr>
       </p:pic>
+      <p:sp>
+        <p:nvSpPr>
+          <p:cNvPr id="17" name="Textfeld 16">
+            <a:extLst>
+              <a:ext uri="{FF2B5EF4-FFF2-40B4-BE49-F238E27FC236}">
+                <a16:creationId xmlns:a16="http://schemas.microsoft.com/office/drawing/2014/main" id="{CCE4DD9A-DC3D-0A45-90C7-4268372C3DD3}"/>
+              </a:ext>
+            </a:extLst>
+          </p:cNvPr>
+          <p:cNvSpPr txBox="1"/>
+          <p:nvPr/>
+        </p:nvSpPr>
+        <p:spPr>
+          <a:xfrm>
+            <a:off x="2960500" y="6301931"/>
+            <a:ext cx="1903855" cy="461665"/>
+          </a:xfrm>
+          <a:prstGeom prst="rect">
+            <a:avLst/>
+          </a:prstGeom>
+          <a:noFill/>
+        </p:spPr>
+        <p:txBody>
+          <a:bodyPr wrap="none" rtlCol="0">
+            <a:spAutoFit/>
+          </a:bodyPr>
+          <a:lstStyle/>
+          <a:p>
+            <a:r>
+              <a:rPr lang="de-DE" sz="2400" dirty="0">
+                <a:solidFill>
+                  <a:schemeClr val="tx1">
+                    <a:lumMod val="65000"/>
+                    <a:lumOff val="35000"/>
+                  </a:schemeClr>
+                </a:solidFill>
+              </a:rPr>
+              <a:t>Unsere Vision</a:t>
+            </a:r>
+          </a:p>
+        </p:txBody>
+      </p:sp>
+      <p:sp>
+        <p:nvSpPr>
+          <p:cNvPr id="18" name="Textfeld 17">
+            <a:extLst>
+              <a:ext uri="{FF2B5EF4-FFF2-40B4-BE49-F238E27FC236}">
+                <a16:creationId xmlns:a16="http://schemas.microsoft.com/office/drawing/2014/main" id="{A116DCBE-79FC-B846-8285-37F1EA5B497F}"/>
+              </a:ext>
+            </a:extLst>
+          </p:cNvPr>
+          <p:cNvSpPr txBox="1"/>
+          <p:nvPr/>
+        </p:nvSpPr>
+        <p:spPr>
+          <a:xfrm>
+            <a:off x="5167701" y="6296729"/>
+            <a:ext cx="1856598" cy="461665"/>
+          </a:xfrm>
+          <a:prstGeom prst="rect">
+            <a:avLst/>
+          </a:prstGeom>
+          <a:noFill/>
+        </p:spPr>
+        <p:txBody>
+          <a:bodyPr wrap="none" rtlCol="0">
+            <a:spAutoFit/>
+          </a:bodyPr>
+          <a:lstStyle/>
+          <a:p>
+            <a:r>
+              <a:rPr lang="de-DE" sz="2400" dirty="0">
+                <a:solidFill>
+                  <a:schemeClr val="bg1">
+                    <a:lumMod val="75000"/>
+                  </a:schemeClr>
+                </a:solidFill>
+              </a:rPr>
+              <a:t>Serveraufbau</a:t>
+            </a:r>
+          </a:p>
+        </p:txBody>
+      </p:sp>
+      <p:sp>
+        <p:nvSpPr>
+          <p:cNvPr id="19" name="Textfeld 18">
+            <a:extLst>
+              <a:ext uri="{FF2B5EF4-FFF2-40B4-BE49-F238E27FC236}">
+                <a16:creationId xmlns:a16="http://schemas.microsoft.com/office/drawing/2014/main" id="{4C3C61B4-26D2-E041-A86C-0D4DF5B5CE93}"/>
+              </a:ext>
+            </a:extLst>
+          </p:cNvPr>
+          <p:cNvSpPr txBox="1"/>
+          <p:nvPr/>
+        </p:nvSpPr>
+        <p:spPr>
+          <a:xfrm>
+            <a:off x="7327645" y="6296728"/>
+            <a:ext cx="2369303" cy="461665"/>
+          </a:xfrm>
+          <a:prstGeom prst="rect">
+            <a:avLst/>
+          </a:prstGeom>
+          <a:noFill/>
+        </p:spPr>
+        <p:txBody>
+          <a:bodyPr wrap="none" rtlCol="0">
+            <a:spAutoFit/>
+          </a:bodyPr>
+          <a:lstStyle/>
+          <a:p>
+            <a:r>
+              <a:rPr lang="de-DE" sz="2400" dirty="0">
+                <a:solidFill>
+                  <a:schemeClr val="bg1">
+                    <a:lumMod val="75000"/>
+                  </a:schemeClr>
+                </a:solidFill>
+              </a:rPr>
+              <a:t>Wunsch </a:t>
+            </a:r>
+            <a:r>
+              <a:rPr lang="de-DE" sz="2400" dirty="0" err="1">
+                <a:solidFill>
+                  <a:schemeClr val="bg1">
+                    <a:lumMod val="75000"/>
+                  </a:schemeClr>
+                </a:solidFill>
+              </a:rPr>
+              <a:t>vs</a:t>
+            </a:r>
+            <a:r>
+              <a:rPr lang="de-DE" sz="2400" dirty="0">
+                <a:solidFill>
+                  <a:schemeClr val="bg1">
+                    <a:lumMod val="75000"/>
+                  </a:schemeClr>
+                </a:solidFill>
+              </a:rPr>
+              <a:t> Pflicht</a:t>
+            </a:r>
+          </a:p>
+        </p:txBody>
+      </p:sp>
     </p:spTree>
     <p:extLst>
       <p:ext uri="{BB962C8B-B14F-4D97-AF65-F5344CB8AC3E}">
@@ -17811,6 +20378,150 @@
           </a:p>
         </p:txBody>
       </p:sp>
+      <p:sp>
+        <p:nvSpPr>
+          <p:cNvPr id="17" name="Textfeld 16">
+            <a:extLst>
+              <a:ext uri="{FF2B5EF4-FFF2-40B4-BE49-F238E27FC236}">
+                <a16:creationId xmlns:a16="http://schemas.microsoft.com/office/drawing/2014/main" id="{F7DAAC21-C264-D94B-BC31-B2DCB9A7B35B}"/>
+              </a:ext>
+            </a:extLst>
+          </p:cNvPr>
+          <p:cNvSpPr txBox="1"/>
+          <p:nvPr/>
+        </p:nvSpPr>
+        <p:spPr>
+          <a:xfrm>
+            <a:off x="2960500" y="6301931"/>
+            <a:ext cx="1903855" cy="461665"/>
+          </a:xfrm>
+          <a:prstGeom prst="rect">
+            <a:avLst/>
+          </a:prstGeom>
+          <a:noFill/>
+        </p:spPr>
+        <p:txBody>
+          <a:bodyPr wrap="none" rtlCol="0">
+            <a:spAutoFit/>
+          </a:bodyPr>
+          <a:lstStyle/>
+          <a:p>
+            <a:r>
+              <a:rPr lang="de-DE" sz="2400" dirty="0">
+                <a:solidFill>
+                  <a:schemeClr val="tx1">
+                    <a:lumMod val="65000"/>
+                    <a:lumOff val="35000"/>
+                  </a:schemeClr>
+                </a:solidFill>
+              </a:rPr>
+              <a:t>Unsere Vision</a:t>
+            </a:r>
+          </a:p>
+        </p:txBody>
+      </p:sp>
+      <p:sp>
+        <p:nvSpPr>
+          <p:cNvPr id="18" name="Textfeld 17">
+            <a:extLst>
+              <a:ext uri="{FF2B5EF4-FFF2-40B4-BE49-F238E27FC236}">
+                <a16:creationId xmlns:a16="http://schemas.microsoft.com/office/drawing/2014/main" id="{2758A045-9AF9-7640-BAB5-CBF89A9D47F2}"/>
+              </a:ext>
+            </a:extLst>
+          </p:cNvPr>
+          <p:cNvSpPr txBox="1"/>
+          <p:nvPr/>
+        </p:nvSpPr>
+        <p:spPr>
+          <a:xfrm>
+            <a:off x="5167701" y="6296729"/>
+            <a:ext cx="1856598" cy="461665"/>
+          </a:xfrm>
+          <a:prstGeom prst="rect">
+            <a:avLst/>
+          </a:prstGeom>
+          <a:noFill/>
+        </p:spPr>
+        <p:txBody>
+          <a:bodyPr wrap="none" rtlCol="0">
+            <a:spAutoFit/>
+          </a:bodyPr>
+          <a:lstStyle/>
+          <a:p>
+            <a:r>
+              <a:rPr lang="de-DE" sz="2400" dirty="0">
+                <a:solidFill>
+                  <a:schemeClr val="bg1">
+                    <a:lumMod val="75000"/>
+                  </a:schemeClr>
+                </a:solidFill>
+              </a:rPr>
+              <a:t>Serveraufbau</a:t>
+            </a:r>
+          </a:p>
+        </p:txBody>
+      </p:sp>
+      <p:sp>
+        <p:nvSpPr>
+          <p:cNvPr id="19" name="Textfeld 18">
+            <a:extLst>
+              <a:ext uri="{FF2B5EF4-FFF2-40B4-BE49-F238E27FC236}">
+                <a16:creationId xmlns:a16="http://schemas.microsoft.com/office/drawing/2014/main" id="{F42A134E-48FE-764D-A5C8-6537880CBD0D}"/>
+              </a:ext>
+            </a:extLst>
+          </p:cNvPr>
+          <p:cNvSpPr txBox="1"/>
+          <p:nvPr/>
+        </p:nvSpPr>
+        <p:spPr>
+          <a:xfrm>
+            <a:off x="7327645" y="6296728"/>
+            <a:ext cx="2369303" cy="461665"/>
+          </a:xfrm>
+          <a:prstGeom prst="rect">
+            <a:avLst/>
+          </a:prstGeom>
+          <a:noFill/>
+        </p:spPr>
+        <p:txBody>
+          <a:bodyPr wrap="none" rtlCol="0">
+            <a:spAutoFit/>
+          </a:bodyPr>
+          <a:lstStyle/>
+          <a:p>
+            <a:r>
+              <a:rPr lang="de-DE" sz="2400" dirty="0">
+                <a:solidFill>
+                  <a:schemeClr val="bg1">
+                    <a:lumMod val="75000"/>
+                  </a:schemeClr>
+                </a:solidFill>
+              </a:rPr>
+              <a:t>Wunsch </a:t>
+            </a:r>
+            <a:r>
+              <a:rPr lang="de-DE" sz="2400" dirty="0" err="1">
+                <a:solidFill>
+                  <a:schemeClr val="bg1">
+                    <a:lumMod val="75000"/>
+                  </a:schemeClr>
+                </a:solidFill>
+              </a:rPr>
+              <a:t>vs</a:t>
+            </a:r>
+            <a:r>
+              <a:rPr lang="de-DE" sz="2400" dirty="0">
+                <a:solidFill>
+                  <a:schemeClr val="bg1">
+                    <a:lumMod val="75000"/>
+                  </a:schemeClr>
+                </a:solidFill>
+              </a:rPr>
+              <a:t> Pflicht</a:t>
+            </a:r>
+          </a:p>
+        </p:txBody>
+      </p:sp>
     </p:spTree>
     <p:extLst>
       <p:ext uri="{BB962C8B-B14F-4D97-AF65-F5344CB8AC3E}">
@@ -18796,6 +21507,150 @@
             <a:r>
               <a:rPr lang="de-DE" dirty="0"/>
               <a:t>Intuitiv nutzbar</a:t>
+            </a:r>
+          </a:p>
+        </p:txBody>
+      </p:sp>
+      <p:sp>
+        <p:nvSpPr>
+          <p:cNvPr id="15" name="Textfeld 14">
+            <a:extLst>
+              <a:ext uri="{FF2B5EF4-FFF2-40B4-BE49-F238E27FC236}">
+                <a16:creationId xmlns:a16="http://schemas.microsoft.com/office/drawing/2014/main" id="{676E689C-C4E1-0846-AD06-FAADDF643625}"/>
+              </a:ext>
+            </a:extLst>
+          </p:cNvPr>
+          <p:cNvSpPr txBox="1"/>
+          <p:nvPr/>
+        </p:nvSpPr>
+        <p:spPr>
+          <a:xfrm>
+            <a:off x="2960500" y="6301931"/>
+            <a:ext cx="1903855" cy="461665"/>
+          </a:xfrm>
+          <a:prstGeom prst="rect">
+            <a:avLst/>
+          </a:prstGeom>
+          <a:noFill/>
+        </p:spPr>
+        <p:txBody>
+          <a:bodyPr wrap="none" rtlCol="0">
+            <a:spAutoFit/>
+          </a:bodyPr>
+          <a:lstStyle/>
+          <a:p>
+            <a:r>
+              <a:rPr lang="de-DE" sz="2400" dirty="0">
+                <a:solidFill>
+                  <a:schemeClr val="tx1">
+                    <a:lumMod val="65000"/>
+                    <a:lumOff val="35000"/>
+                  </a:schemeClr>
+                </a:solidFill>
+              </a:rPr>
+              <a:t>Unsere Vision</a:t>
+            </a:r>
+          </a:p>
+        </p:txBody>
+      </p:sp>
+      <p:sp>
+        <p:nvSpPr>
+          <p:cNvPr id="16" name="Textfeld 15">
+            <a:extLst>
+              <a:ext uri="{FF2B5EF4-FFF2-40B4-BE49-F238E27FC236}">
+                <a16:creationId xmlns:a16="http://schemas.microsoft.com/office/drawing/2014/main" id="{5E96037B-AEE7-C04E-AB7B-CC54C1079AA4}"/>
+              </a:ext>
+            </a:extLst>
+          </p:cNvPr>
+          <p:cNvSpPr txBox="1"/>
+          <p:nvPr/>
+        </p:nvSpPr>
+        <p:spPr>
+          <a:xfrm>
+            <a:off x="5167701" y="6296729"/>
+            <a:ext cx="1856598" cy="461665"/>
+          </a:xfrm>
+          <a:prstGeom prst="rect">
+            <a:avLst/>
+          </a:prstGeom>
+          <a:noFill/>
+        </p:spPr>
+        <p:txBody>
+          <a:bodyPr wrap="none" rtlCol="0">
+            <a:spAutoFit/>
+          </a:bodyPr>
+          <a:lstStyle/>
+          <a:p>
+            <a:r>
+              <a:rPr lang="de-DE" sz="2400" dirty="0">
+                <a:solidFill>
+                  <a:schemeClr val="bg1">
+                    <a:lumMod val="75000"/>
+                  </a:schemeClr>
+                </a:solidFill>
+              </a:rPr>
+              <a:t>Serveraufbau</a:t>
+            </a:r>
+          </a:p>
+        </p:txBody>
+      </p:sp>
+      <p:sp>
+        <p:nvSpPr>
+          <p:cNvPr id="17" name="Textfeld 16">
+            <a:extLst>
+              <a:ext uri="{FF2B5EF4-FFF2-40B4-BE49-F238E27FC236}">
+                <a16:creationId xmlns:a16="http://schemas.microsoft.com/office/drawing/2014/main" id="{B998C052-2B47-D345-8A36-1486D825EA3E}"/>
+              </a:ext>
+            </a:extLst>
+          </p:cNvPr>
+          <p:cNvSpPr txBox="1"/>
+          <p:nvPr/>
+        </p:nvSpPr>
+        <p:spPr>
+          <a:xfrm>
+            <a:off x="7327645" y="6296728"/>
+            <a:ext cx="2369303" cy="461665"/>
+          </a:xfrm>
+          <a:prstGeom prst="rect">
+            <a:avLst/>
+          </a:prstGeom>
+          <a:noFill/>
+        </p:spPr>
+        <p:txBody>
+          <a:bodyPr wrap="none" rtlCol="0">
+            <a:spAutoFit/>
+          </a:bodyPr>
+          <a:lstStyle/>
+          <a:p>
+            <a:r>
+              <a:rPr lang="de-DE" sz="2400" dirty="0">
+                <a:solidFill>
+                  <a:schemeClr val="bg1">
+                    <a:lumMod val="75000"/>
+                  </a:schemeClr>
+                </a:solidFill>
+              </a:rPr>
+              <a:t>Wunsch </a:t>
+            </a:r>
+            <a:r>
+              <a:rPr lang="de-DE" sz="2400" dirty="0" err="1">
+                <a:solidFill>
+                  <a:schemeClr val="bg1">
+                    <a:lumMod val="75000"/>
+                  </a:schemeClr>
+                </a:solidFill>
+              </a:rPr>
+              <a:t>vs</a:t>
+            </a:r>
+            <a:r>
+              <a:rPr lang="de-DE" sz="2400" dirty="0">
+                <a:solidFill>
+                  <a:schemeClr val="bg1">
+                    <a:lumMod val="75000"/>
+                  </a:schemeClr>
+                </a:solidFill>
+              </a:rPr>
+              <a:t> Pflicht</a:t>
             </a:r>
           </a:p>
         </p:txBody>
@@ -20042,6 +22897,150 @@
           </a:graphicData>
         </a:graphic>
       </p:graphicFrame>
+      <p:sp>
+        <p:nvSpPr>
+          <p:cNvPr id="14" name="Textfeld 13">
+            <a:extLst>
+              <a:ext uri="{FF2B5EF4-FFF2-40B4-BE49-F238E27FC236}">
+                <a16:creationId xmlns:a16="http://schemas.microsoft.com/office/drawing/2014/main" id="{3CCE1D85-18E6-7C43-BA56-9BF22BDD2384}"/>
+              </a:ext>
+            </a:extLst>
+          </p:cNvPr>
+          <p:cNvSpPr txBox="1"/>
+          <p:nvPr/>
+        </p:nvSpPr>
+        <p:spPr>
+          <a:xfrm>
+            <a:off x="2960500" y="6301931"/>
+            <a:ext cx="1903855" cy="461665"/>
+          </a:xfrm>
+          <a:prstGeom prst="rect">
+            <a:avLst/>
+          </a:prstGeom>
+          <a:noFill/>
+        </p:spPr>
+        <p:txBody>
+          <a:bodyPr wrap="none" rtlCol="0">
+            <a:spAutoFit/>
+          </a:bodyPr>
+          <a:lstStyle/>
+          <a:p>
+            <a:r>
+              <a:rPr lang="de-DE" sz="2400" dirty="0">
+                <a:solidFill>
+                  <a:schemeClr val="tx1">
+                    <a:lumMod val="65000"/>
+                    <a:lumOff val="35000"/>
+                  </a:schemeClr>
+                </a:solidFill>
+              </a:rPr>
+              <a:t>Unsere Vision</a:t>
+            </a:r>
+          </a:p>
+        </p:txBody>
+      </p:sp>
+      <p:sp>
+        <p:nvSpPr>
+          <p:cNvPr id="15" name="Textfeld 14">
+            <a:extLst>
+              <a:ext uri="{FF2B5EF4-FFF2-40B4-BE49-F238E27FC236}">
+                <a16:creationId xmlns:a16="http://schemas.microsoft.com/office/drawing/2014/main" id="{B221648D-59AC-5747-BD84-A7CC0A75EB35}"/>
+              </a:ext>
+            </a:extLst>
+          </p:cNvPr>
+          <p:cNvSpPr txBox="1"/>
+          <p:nvPr/>
+        </p:nvSpPr>
+        <p:spPr>
+          <a:xfrm>
+            <a:off x="5167701" y="6296729"/>
+            <a:ext cx="1856598" cy="461665"/>
+          </a:xfrm>
+          <a:prstGeom prst="rect">
+            <a:avLst/>
+          </a:prstGeom>
+          <a:noFill/>
+        </p:spPr>
+        <p:txBody>
+          <a:bodyPr wrap="none" rtlCol="0">
+            <a:spAutoFit/>
+          </a:bodyPr>
+          <a:lstStyle/>
+          <a:p>
+            <a:r>
+              <a:rPr lang="de-DE" sz="2400" dirty="0">
+                <a:solidFill>
+                  <a:schemeClr val="bg1">
+                    <a:lumMod val="75000"/>
+                  </a:schemeClr>
+                </a:solidFill>
+              </a:rPr>
+              <a:t>Serveraufbau</a:t>
+            </a:r>
+          </a:p>
+        </p:txBody>
+      </p:sp>
+      <p:sp>
+        <p:nvSpPr>
+          <p:cNvPr id="16" name="Textfeld 15">
+            <a:extLst>
+              <a:ext uri="{FF2B5EF4-FFF2-40B4-BE49-F238E27FC236}">
+                <a16:creationId xmlns:a16="http://schemas.microsoft.com/office/drawing/2014/main" id="{79A153B0-4CFB-BF48-9CA6-48D813FAFFD8}"/>
+              </a:ext>
+            </a:extLst>
+          </p:cNvPr>
+          <p:cNvSpPr txBox="1"/>
+          <p:nvPr/>
+        </p:nvSpPr>
+        <p:spPr>
+          <a:xfrm>
+            <a:off x="7327645" y="6296728"/>
+            <a:ext cx="2369303" cy="461665"/>
+          </a:xfrm>
+          <a:prstGeom prst="rect">
+            <a:avLst/>
+          </a:prstGeom>
+          <a:noFill/>
+        </p:spPr>
+        <p:txBody>
+          <a:bodyPr wrap="none" rtlCol="0">
+            <a:spAutoFit/>
+          </a:bodyPr>
+          <a:lstStyle/>
+          <a:p>
+            <a:r>
+              <a:rPr lang="de-DE" sz="2400" dirty="0">
+                <a:solidFill>
+                  <a:schemeClr val="bg1">
+                    <a:lumMod val="75000"/>
+                  </a:schemeClr>
+                </a:solidFill>
+              </a:rPr>
+              <a:t>Wunsch </a:t>
+            </a:r>
+            <a:r>
+              <a:rPr lang="de-DE" sz="2400" dirty="0" err="1">
+                <a:solidFill>
+                  <a:schemeClr val="bg1">
+                    <a:lumMod val="75000"/>
+                  </a:schemeClr>
+                </a:solidFill>
+              </a:rPr>
+              <a:t>vs</a:t>
+            </a:r>
+            <a:r>
+              <a:rPr lang="de-DE" sz="2400" dirty="0">
+                <a:solidFill>
+                  <a:schemeClr val="bg1">
+                    <a:lumMod val="75000"/>
+                  </a:schemeClr>
+                </a:solidFill>
+              </a:rPr>
+              <a:t> Pflicht</a:t>
+            </a:r>
+          </a:p>
+        </p:txBody>
+      </p:sp>
     </p:spTree>
     <p:extLst>
       <p:ext uri="{BB962C8B-B14F-4D97-AF65-F5344CB8AC3E}">
@@ -21218,6 +24217,150 @@
           </a:prstGeom>
         </p:spPr>
       </p:pic>
+      <p:sp>
+        <p:nvSpPr>
+          <p:cNvPr id="18" name="Textfeld 17">
+            <a:extLst>
+              <a:ext uri="{FF2B5EF4-FFF2-40B4-BE49-F238E27FC236}">
+                <a16:creationId xmlns:a16="http://schemas.microsoft.com/office/drawing/2014/main" id="{051504AA-A039-7D46-9F06-D1DE7791E340}"/>
+              </a:ext>
+            </a:extLst>
+          </p:cNvPr>
+          <p:cNvSpPr txBox="1"/>
+          <p:nvPr/>
+        </p:nvSpPr>
+        <p:spPr>
+          <a:xfrm>
+            <a:off x="2960500" y="6301931"/>
+            <a:ext cx="1903855" cy="461665"/>
+          </a:xfrm>
+          <a:prstGeom prst="rect">
+            <a:avLst/>
+          </a:prstGeom>
+          <a:noFill/>
+        </p:spPr>
+        <p:txBody>
+          <a:bodyPr wrap="none" rtlCol="0">
+            <a:spAutoFit/>
+          </a:bodyPr>
+          <a:lstStyle/>
+          <a:p>
+            <a:r>
+              <a:rPr lang="de-DE" sz="2400" dirty="0">
+                <a:solidFill>
+                  <a:schemeClr val="tx1">
+                    <a:lumMod val="65000"/>
+                    <a:lumOff val="35000"/>
+                  </a:schemeClr>
+                </a:solidFill>
+              </a:rPr>
+              <a:t>Unsere Vision</a:t>
+            </a:r>
+          </a:p>
+        </p:txBody>
+      </p:sp>
+      <p:sp>
+        <p:nvSpPr>
+          <p:cNvPr id="19" name="Textfeld 18">
+            <a:extLst>
+              <a:ext uri="{FF2B5EF4-FFF2-40B4-BE49-F238E27FC236}">
+                <a16:creationId xmlns:a16="http://schemas.microsoft.com/office/drawing/2014/main" id="{4CE39AD9-07F3-7F44-A524-38C61E47C763}"/>
+              </a:ext>
+            </a:extLst>
+          </p:cNvPr>
+          <p:cNvSpPr txBox="1"/>
+          <p:nvPr/>
+        </p:nvSpPr>
+        <p:spPr>
+          <a:xfrm>
+            <a:off x="5167701" y="6296729"/>
+            <a:ext cx="1856598" cy="461665"/>
+          </a:xfrm>
+          <a:prstGeom prst="rect">
+            <a:avLst/>
+          </a:prstGeom>
+          <a:noFill/>
+        </p:spPr>
+        <p:txBody>
+          <a:bodyPr wrap="none" rtlCol="0">
+            <a:spAutoFit/>
+          </a:bodyPr>
+          <a:lstStyle/>
+          <a:p>
+            <a:r>
+              <a:rPr lang="de-DE" sz="2400" dirty="0">
+                <a:solidFill>
+                  <a:schemeClr val="bg1">
+                    <a:lumMod val="75000"/>
+                  </a:schemeClr>
+                </a:solidFill>
+              </a:rPr>
+              <a:t>Serveraufbau</a:t>
+            </a:r>
+          </a:p>
+        </p:txBody>
+      </p:sp>
+      <p:sp>
+        <p:nvSpPr>
+          <p:cNvPr id="21" name="Textfeld 20">
+            <a:extLst>
+              <a:ext uri="{FF2B5EF4-FFF2-40B4-BE49-F238E27FC236}">
+                <a16:creationId xmlns:a16="http://schemas.microsoft.com/office/drawing/2014/main" id="{76523EAB-25CB-4541-8B89-977D87E6D27D}"/>
+              </a:ext>
+            </a:extLst>
+          </p:cNvPr>
+          <p:cNvSpPr txBox="1"/>
+          <p:nvPr/>
+        </p:nvSpPr>
+        <p:spPr>
+          <a:xfrm>
+            <a:off x="7327645" y="6296728"/>
+            <a:ext cx="2369303" cy="461665"/>
+          </a:xfrm>
+          <a:prstGeom prst="rect">
+            <a:avLst/>
+          </a:prstGeom>
+          <a:noFill/>
+        </p:spPr>
+        <p:txBody>
+          <a:bodyPr wrap="none" rtlCol="0">
+            <a:spAutoFit/>
+          </a:bodyPr>
+          <a:lstStyle/>
+          <a:p>
+            <a:r>
+              <a:rPr lang="de-DE" sz="2400" dirty="0">
+                <a:solidFill>
+                  <a:schemeClr val="bg1">
+                    <a:lumMod val="75000"/>
+                  </a:schemeClr>
+                </a:solidFill>
+              </a:rPr>
+              <a:t>Wunsch </a:t>
+            </a:r>
+            <a:r>
+              <a:rPr lang="de-DE" sz="2400" dirty="0" err="1">
+                <a:solidFill>
+                  <a:schemeClr val="bg1">
+                    <a:lumMod val="75000"/>
+                  </a:schemeClr>
+                </a:solidFill>
+              </a:rPr>
+              <a:t>vs</a:t>
+            </a:r>
+            <a:r>
+              <a:rPr lang="de-DE" sz="2400" dirty="0">
+                <a:solidFill>
+                  <a:schemeClr val="bg1">
+                    <a:lumMod val="75000"/>
+                  </a:schemeClr>
+                </a:solidFill>
+              </a:rPr>
+              <a:t> Pflicht</a:t>
+            </a:r>
+          </a:p>
+        </p:txBody>
+      </p:sp>
     </p:spTree>
     <p:extLst>
       <p:ext uri="{BB962C8B-B14F-4D97-AF65-F5344CB8AC3E}">
@@ -22194,6 +25337,150 @@
           </a:prstGeom>
         </p:spPr>
       </p:pic>
+      <p:sp>
+        <p:nvSpPr>
+          <p:cNvPr id="19" name="Textfeld 18">
+            <a:extLst>
+              <a:ext uri="{FF2B5EF4-FFF2-40B4-BE49-F238E27FC236}">
+                <a16:creationId xmlns:a16="http://schemas.microsoft.com/office/drawing/2014/main" id="{A8568702-5864-4644-81A8-6AD5132B9FD5}"/>
+              </a:ext>
+            </a:extLst>
+          </p:cNvPr>
+          <p:cNvSpPr txBox="1"/>
+          <p:nvPr/>
+        </p:nvSpPr>
+        <p:spPr>
+          <a:xfrm>
+            <a:off x="2960500" y="6301931"/>
+            <a:ext cx="1903855" cy="461665"/>
+          </a:xfrm>
+          <a:prstGeom prst="rect">
+            <a:avLst/>
+          </a:prstGeom>
+          <a:noFill/>
+        </p:spPr>
+        <p:txBody>
+          <a:bodyPr wrap="none" rtlCol="0">
+            <a:spAutoFit/>
+          </a:bodyPr>
+          <a:lstStyle/>
+          <a:p>
+            <a:r>
+              <a:rPr lang="de-DE" sz="2400" dirty="0">
+                <a:solidFill>
+                  <a:schemeClr val="bg1">
+                    <a:lumMod val="75000"/>
+                  </a:schemeClr>
+                </a:solidFill>
+              </a:rPr>
+              <a:t>Unsere Vision</a:t>
+            </a:r>
+          </a:p>
+        </p:txBody>
+      </p:sp>
+      <p:sp>
+        <p:nvSpPr>
+          <p:cNvPr id="20" name="Textfeld 19">
+            <a:extLst>
+              <a:ext uri="{FF2B5EF4-FFF2-40B4-BE49-F238E27FC236}">
+                <a16:creationId xmlns:a16="http://schemas.microsoft.com/office/drawing/2014/main" id="{F2E7BBE6-AB22-354A-B5D1-6BD4BFB0E346}"/>
+              </a:ext>
+            </a:extLst>
+          </p:cNvPr>
+          <p:cNvSpPr txBox="1"/>
+          <p:nvPr/>
+        </p:nvSpPr>
+        <p:spPr>
+          <a:xfrm>
+            <a:off x="5167701" y="6296729"/>
+            <a:ext cx="1856598" cy="461665"/>
+          </a:xfrm>
+          <a:prstGeom prst="rect">
+            <a:avLst/>
+          </a:prstGeom>
+          <a:noFill/>
+        </p:spPr>
+        <p:txBody>
+          <a:bodyPr wrap="none" rtlCol="0">
+            <a:spAutoFit/>
+          </a:bodyPr>
+          <a:lstStyle/>
+          <a:p>
+            <a:r>
+              <a:rPr lang="de-DE" sz="2400" dirty="0">
+                <a:solidFill>
+                  <a:schemeClr val="tx1">
+                    <a:lumMod val="65000"/>
+                    <a:lumOff val="35000"/>
+                  </a:schemeClr>
+                </a:solidFill>
+              </a:rPr>
+              <a:t>Serveraufbau</a:t>
+            </a:r>
+          </a:p>
+        </p:txBody>
+      </p:sp>
+      <p:sp>
+        <p:nvSpPr>
+          <p:cNvPr id="21" name="Textfeld 20">
+            <a:extLst>
+              <a:ext uri="{FF2B5EF4-FFF2-40B4-BE49-F238E27FC236}">
+                <a16:creationId xmlns:a16="http://schemas.microsoft.com/office/drawing/2014/main" id="{42AA3614-89E1-DA47-8D4A-18EE144D4CB4}"/>
+              </a:ext>
+            </a:extLst>
+          </p:cNvPr>
+          <p:cNvSpPr txBox="1"/>
+          <p:nvPr/>
+        </p:nvSpPr>
+        <p:spPr>
+          <a:xfrm>
+            <a:off x="7327645" y="6296728"/>
+            <a:ext cx="2369303" cy="461665"/>
+          </a:xfrm>
+          <a:prstGeom prst="rect">
+            <a:avLst/>
+          </a:prstGeom>
+          <a:noFill/>
+        </p:spPr>
+        <p:txBody>
+          <a:bodyPr wrap="none" rtlCol="0">
+            <a:spAutoFit/>
+          </a:bodyPr>
+          <a:lstStyle/>
+          <a:p>
+            <a:r>
+              <a:rPr lang="de-DE" sz="2400" dirty="0">
+                <a:solidFill>
+                  <a:schemeClr val="bg1">
+                    <a:lumMod val="75000"/>
+                  </a:schemeClr>
+                </a:solidFill>
+              </a:rPr>
+              <a:t>Wunsch </a:t>
+            </a:r>
+            <a:r>
+              <a:rPr lang="de-DE" sz="2400" dirty="0" err="1">
+                <a:solidFill>
+                  <a:schemeClr val="bg1">
+                    <a:lumMod val="75000"/>
+                  </a:schemeClr>
+                </a:solidFill>
+              </a:rPr>
+              <a:t>vs</a:t>
+            </a:r>
+            <a:r>
+              <a:rPr lang="de-DE" sz="2400" dirty="0">
+                <a:solidFill>
+                  <a:schemeClr val="bg1">
+                    <a:lumMod val="75000"/>
+                  </a:schemeClr>
+                </a:solidFill>
+              </a:rPr>
+              <a:t> Pflicht</a:t>
+            </a:r>
+          </a:p>
+        </p:txBody>
+      </p:sp>
     </p:spTree>
     <p:extLst>
       <p:ext uri="{BB962C8B-B14F-4D97-AF65-F5344CB8AC3E}">
@@ -22780,42 +26067,6 @@
       </p:pic>
       <p:pic>
         <p:nvPicPr>
-          <p:cNvPr id="36" name="Grafik 35" descr="Balkendiagramm mit einfarbiger Füllung">
-            <a:extLst>
-              <a:ext uri="{FF2B5EF4-FFF2-40B4-BE49-F238E27FC236}">
-                <a16:creationId xmlns:a16="http://schemas.microsoft.com/office/drawing/2014/main" id="{9112E940-88C2-2447-82EA-F1E16EF4EAD1}"/>
-              </a:ext>
-            </a:extLst>
-          </p:cNvPr>
-          <p:cNvPicPr>
-            <a:picLocks noChangeAspect="1"/>
-          </p:cNvPicPr>
-          <p:nvPr/>
-        </p:nvPicPr>
-        <p:blipFill>
-          <a:blip r:embed="rId25">
-            <a:extLst>
-              <a:ext uri="{96DAC541-7B7A-43D3-8B79-37D633B846F1}">
-                <asvg:svgBlip xmlns:asvg="http://schemas.microsoft.com/office/drawing/2016/SVG/main" r:embed="rId26"/>
-              </a:ext>
-            </a:extLst>
-          </a:blip>
-          <a:stretch>
-            <a:fillRect/>
-          </a:stretch>
-        </p:blipFill>
-        <p:spPr>
-          <a:xfrm>
-            <a:off x="9442730" y="4694638"/>
-            <a:ext cx="914400" cy="914400"/>
-          </a:xfrm>
-          <a:prstGeom prst="rect">
-            <a:avLst/>
-          </a:prstGeom>
-        </p:spPr>
-      </p:pic>
-      <p:pic>
-        <p:nvPicPr>
           <p:cNvPr id="37" name="Grafik 36" descr="Benutzer Silhouette">
             <a:extLst>
               <a:ext uri="{FF2B5EF4-FFF2-40B4-BE49-F238E27FC236}">
@@ -22973,10 +26224,10 @@
           <p:nvPr/>
         </p:nvPicPr>
         <p:blipFill>
-          <a:blip r:embed="rId27">
+          <a:blip r:embed="rId25">
             <a:extLst>
               <a:ext uri="{96DAC541-7B7A-43D3-8B79-37D633B846F1}">
-                <asvg:svgBlip xmlns:asvg="http://schemas.microsoft.com/office/drawing/2016/SVG/main" r:embed="rId28"/>
+                <asvg:svgBlip xmlns:asvg="http://schemas.microsoft.com/office/drawing/2016/SVG/main" r:embed="rId26"/>
               </a:ext>
             </a:extLst>
           </a:blip>
@@ -23009,10 +26260,10 @@
           <p:nvPr/>
         </p:nvPicPr>
         <p:blipFill>
-          <a:blip r:embed="rId27">
+          <a:blip r:embed="rId25">
             <a:extLst>
               <a:ext uri="{96DAC541-7B7A-43D3-8B79-37D633B846F1}">
-                <asvg:svgBlip xmlns:asvg="http://schemas.microsoft.com/office/drawing/2016/SVG/main" r:embed="rId28"/>
+                <asvg:svgBlip xmlns:asvg="http://schemas.microsoft.com/office/drawing/2016/SVG/main" r:embed="rId26"/>
               </a:ext>
             </a:extLst>
           </a:blip>
@@ -23030,6 +26281,467 @@
           </a:prstGeom>
         </p:spPr>
       </p:pic>
+      <p:sp>
+        <p:nvSpPr>
+          <p:cNvPr id="25" name="Textfeld 24">
+            <a:extLst>
+              <a:ext uri="{FF2B5EF4-FFF2-40B4-BE49-F238E27FC236}">
+                <a16:creationId xmlns:a16="http://schemas.microsoft.com/office/drawing/2014/main" id="{B8CE16F4-A341-D541-BF8B-E68EEB7699BC}"/>
+              </a:ext>
+            </a:extLst>
+          </p:cNvPr>
+          <p:cNvSpPr txBox="1"/>
+          <p:nvPr/>
+        </p:nvSpPr>
+        <p:spPr>
+          <a:xfrm>
+            <a:off x="2960500" y="6301931"/>
+            <a:ext cx="1903855" cy="461665"/>
+          </a:xfrm>
+          <a:prstGeom prst="rect">
+            <a:avLst/>
+          </a:prstGeom>
+          <a:noFill/>
+        </p:spPr>
+        <p:txBody>
+          <a:bodyPr wrap="none" rtlCol="0">
+            <a:spAutoFit/>
+          </a:bodyPr>
+          <a:lstStyle/>
+          <a:p>
+            <a:r>
+              <a:rPr lang="de-DE" sz="2400" dirty="0">
+                <a:solidFill>
+                  <a:schemeClr val="bg1">
+                    <a:lumMod val="75000"/>
+                  </a:schemeClr>
+                </a:solidFill>
+              </a:rPr>
+              <a:t>Unsere Vision</a:t>
+            </a:r>
+          </a:p>
+        </p:txBody>
+      </p:sp>
+      <p:sp>
+        <p:nvSpPr>
+          <p:cNvPr id="26" name="Textfeld 25">
+            <a:extLst>
+              <a:ext uri="{FF2B5EF4-FFF2-40B4-BE49-F238E27FC236}">
+                <a16:creationId xmlns:a16="http://schemas.microsoft.com/office/drawing/2014/main" id="{C2DBE150-14E1-2B4A-9857-E2C3B8EACE9C}"/>
+              </a:ext>
+            </a:extLst>
+          </p:cNvPr>
+          <p:cNvSpPr txBox="1"/>
+          <p:nvPr/>
+        </p:nvSpPr>
+        <p:spPr>
+          <a:xfrm>
+            <a:off x="5167701" y="6296729"/>
+            <a:ext cx="1856598" cy="461665"/>
+          </a:xfrm>
+          <a:prstGeom prst="rect">
+            <a:avLst/>
+          </a:prstGeom>
+          <a:noFill/>
+        </p:spPr>
+        <p:txBody>
+          <a:bodyPr wrap="none" rtlCol="0">
+            <a:spAutoFit/>
+          </a:bodyPr>
+          <a:lstStyle/>
+          <a:p>
+            <a:r>
+              <a:rPr lang="de-DE" sz="2400" dirty="0">
+                <a:solidFill>
+                  <a:schemeClr val="tx1">
+                    <a:lumMod val="65000"/>
+                    <a:lumOff val="35000"/>
+                  </a:schemeClr>
+                </a:solidFill>
+              </a:rPr>
+              <a:t>Serveraufbau</a:t>
+            </a:r>
+          </a:p>
+        </p:txBody>
+      </p:sp>
+      <p:sp>
+        <p:nvSpPr>
+          <p:cNvPr id="27" name="Textfeld 26">
+            <a:extLst>
+              <a:ext uri="{FF2B5EF4-FFF2-40B4-BE49-F238E27FC236}">
+                <a16:creationId xmlns:a16="http://schemas.microsoft.com/office/drawing/2014/main" id="{63E1430B-8AA9-DA44-AC52-8685B2312376}"/>
+              </a:ext>
+            </a:extLst>
+          </p:cNvPr>
+          <p:cNvSpPr txBox="1"/>
+          <p:nvPr/>
+        </p:nvSpPr>
+        <p:spPr>
+          <a:xfrm>
+            <a:off x="7327645" y="6296728"/>
+            <a:ext cx="2369303" cy="461665"/>
+          </a:xfrm>
+          <a:prstGeom prst="rect">
+            <a:avLst/>
+          </a:prstGeom>
+          <a:noFill/>
+        </p:spPr>
+        <p:txBody>
+          <a:bodyPr wrap="none" rtlCol="0">
+            <a:spAutoFit/>
+          </a:bodyPr>
+          <a:lstStyle/>
+          <a:p>
+            <a:r>
+              <a:rPr lang="de-DE" sz="2400" dirty="0">
+                <a:solidFill>
+                  <a:schemeClr val="bg1">
+                    <a:lumMod val="75000"/>
+                  </a:schemeClr>
+                </a:solidFill>
+              </a:rPr>
+              <a:t>Wunsch </a:t>
+            </a:r>
+            <a:r>
+              <a:rPr lang="de-DE" sz="2400" dirty="0" err="1">
+                <a:solidFill>
+                  <a:schemeClr val="bg1">
+                    <a:lumMod val="75000"/>
+                  </a:schemeClr>
+                </a:solidFill>
+              </a:rPr>
+              <a:t>vs</a:t>
+            </a:r>
+            <a:r>
+              <a:rPr lang="de-DE" sz="2400" dirty="0">
+                <a:solidFill>
+                  <a:schemeClr val="bg1">
+                    <a:lumMod val="75000"/>
+                  </a:schemeClr>
+                </a:solidFill>
+              </a:rPr>
+              <a:t> Pflicht</a:t>
+            </a:r>
+          </a:p>
+        </p:txBody>
+      </p:sp>
+      <p:grpSp>
+        <p:nvGrpSpPr>
+          <p:cNvPr id="14" name="Gruppieren 13">
+            <a:extLst>
+              <a:ext uri="{FF2B5EF4-FFF2-40B4-BE49-F238E27FC236}">
+                <a16:creationId xmlns:a16="http://schemas.microsoft.com/office/drawing/2014/main" id="{458AC2D0-C8F9-E44B-81A9-CA88AB678A3A}"/>
+              </a:ext>
+            </a:extLst>
+          </p:cNvPr>
+          <p:cNvGrpSpPr/>
+          <p:nvPr/>
+        </p:nvGrpSpPr>
+        <p:grpSpPr>
+          <a:xfrm>
+            <a:off x="9442730" y="4694638"/>
+            <a:ext cx="914400" cy="914400"/>
+            <a:chOff x="9442730" y="4694638"/>
+            <a:chExt cx="914400" cy="914400"/>
+          </a:xfrm>
+        </p:grpSpPr>
+        <p:pic>
+          <p:nvPicPr>
+            <p:cNvPr id="36" name="Grafik 35" descr="Balkendiagramm mit einfarbiger Füllung">
+              <a:extLst>
+                <a:ext uri="{FF2B5EF4-FFF2-40B4-BE49-F238E27FC236}">
+                  <a16:creationId xmlns:a16="http://schemas.microsoft.com/office/drawing/2014/main" id="{9112E940-88C2-2447-82EA-F1E16EF4EAD1}"/>
+                </a:ext>
+              </a:extLst>
+            </p:cNvPr>
+            <p:cNvPicPr>
+              <a:picLocks noChangeAspect="1"/>
+            </p:cNvPicPr>
+            <p:nvPr/>
+          </p:nvPicPr>
+          <p:blipFill>
+            <a:blip r:embed="rId27">
+              <a:extLst>
+                <a:ext uri="{96DAC541-7B7A-43D3-8B79-37D633B846F1}">
+                  <asvg:svgBlip xmlns:asvg="http://schemas.microsoft.com/office/drawing/2016/SVG/main" r:embed="rId28"/>
+                </a:ext>
+              </a:extLst>
+            </a:blip>
+            <a:stretch>
+              <a:fillRect/>
+            </a:stretch>
+          </p:blipFill>
+          <p:spPr>
+            <a:xfrm>
+              <a:off x="9442730" y="4694638"/>
+              <a:ext cx="914400" cy="914400"/>
+            </a:xfrm>
+            <a:prstGeom prst="rect">
+              <a:avLst/>
+            </a:prstGeom>
+          </p:spPr>
+        </p:pic>
+        <p:sp>
+          <p:nvSpPr>
+            <p:cNvPr id="33" name="Rechteck 32">
+              <a:extLst>
+                <a:ext uri="{FF2B5EF4-FFF2-40B4-BE49-F238E27FC236}">
+                  <a16:creationId xmlns:a16="http://schemas.microsoft.com/office/drawing/2014/main" id="{CB2F1B93-BE1B-1546-8778-0A7578A09ABF}"/>
+                </a:ext>
+              </a:extLst>
+            </p:cNvPr>
+            <p:cNvSpPr/>
+            <p:nvPr/>
+          </p:nvSpPr>
+          <p:spPr>
+            <a:xfrm>
+              <a:off x="9642760" y="4717818"/>
+              <a:ext cx="652470" cy="685110"/>
+            </a:xfrm>
+            <a:prstGeom prst="rect">
+              <a:avLst/>
+            </a:prstGeom>
+            <a:solidFill>
+              <a:schemeClr val="bg1"/>
+            </a:solidFill>
+            <a:ln>
+              <a:noFill/>
+            </a:ln>
+          </p:spPr>
+          <p:style>
+            <a:lnRef idx="2">
+              <a:schemeClr val="accent1">
+                <a:shade val="50000"/>
+              </a:schemeClr>
+            </a:lnRef>
+            <a:fillRef idx="1">
+              <a:schemeClr val="accent1"/>
+            </a:fillRef>
+            <a:effectRef idx="0">
+              <a:schemeClr val="accent1"/>
+            </a:effectRef>
+            <a:fontRef idx="minor">
+              <a:schemeClr val="lt1"/>
+            </a:fontRef>
+          </p:style>
+          <p:txBody>
+            <a:bodyPr rtlCol="0" anchor="ctr"/>
+            <a:lstStyle/>
+            <a:p>
+              <a:pPr algn="ctr"/>
+              <a:endParaRPr lang="de-DE"/>
+            </a:p>
+          </p:txBody>
+        </p:sp>
+        <p:sp>
+          <p:nvSpPr>
+            <p:cNvPr id="12" name="Rechteck 11">
+              <a:extLst>
+                <a:ext uri="{FF2B5EF4-FFF2-40B4-BE49-F238E27FC236}">
+                  <a16:creationId xmlns:a16="http://schemas.microsoft.com/office/drawing/2014/main" id="{B0F649AF-60CA-1943-8CC2-6256B06213EE}"/>
+                </a:ext>
+              </a:extLst>
+            </p:cNvPr>
+            <p:cNvSpPr/>
+            <p:nvPr/>
+          </p:nvSpPr>
+          <p:spPr>
+            <a:xfrm>
+              <a:off x="9690597" y="5029200"/>
+              <a:ext cx="104277" cy="333085"/>
+            </a:xfrm>
+            <a:prstGeom prst="rect">
+              <a:avLst/>
+            </a:prstGeom>
+            <a:solidFill>
+              <a:srgbClr val="FF0000"/>
+            </a:solidFill>
+            <a:ln>
+              <a:noFill/>
+            </a:ln>
+          </p:spPr>
+          <p:style>
+            <a:lnRef idx="2">
+              <a:schemeClr val="accent1">
+                <a:shade val="50000"/>
+              </a:schemeClr>
+            </a:lnRef>
+            <a:fillRef idx="1">
+              <a:schemeClr val="accent1"/>
+            </a:fillRef>
+            <a:effectRef idx="0">
+              <a:schemeClr val="accent1"/>
+            </a:effectRef>
+            <a:fontRef idx="minor">
+              <a:schemeClr val="lt1"/>
+            </a:fontRef>
+          </p:style>
+          <p:txBody>
+            <a:bodyPr rtlCol="0" anchor="ctr"/>
+            <a:lstStyle/>
+            <a:p>
+              <a:pPr algn="ctr"/>
+              <a:endParaRPr lang="de-DE"/>
+            </a:p>
+          </p:txBody>
+        </p:sp>
+        <p:sp>
+          <p:nvSpPr>
+            <p:cNvPr id="30" name="Rechteck 29">
+              <a:extLst>
+                <a:ext uri="{FF2B5EF4-FFF2-40B4-BE49-F238E27FC236}">
+                  <a16:creationId xmlns:a16="http://schemas.microsoft.com/office/drawing/2014/main" id="{159C6BD6-B710-864E-950A-52C4D438D90F}"/>
+                </a:ext>
+              </a:extLst>
+            </p:cNvPr>
+            <p:cNvSpPr/>
+            <p:nvPr/>
+          </p:nvSpPr>
+          <p:spPr>
+            <a:xfrm>
+              <a:off x="9833472" y="4829575"/>
+              <a:ext cx="104277" cy="529535"/>
+            </a:xfrm>
+            <a:prstGeom prst="rect">
+              <a:avLst/>
+            </a:prstGeom>
+            <a:solidFill>
+              <a:srgbClr val="0070C0"/>
+            </a:solidFill>
+            <a:ln>
+              <a:noFill/>
+            </a:ln>
+          </p:spPr>
+          <p:style>
+            <a:lnRef idx="2">
+              <a:schemeClr val="accent1">
+                <a:shade val="50000"/>
+              </a:schemeClr>
+            </a:lnRef>
+            <a:fillRef idx="1">
+              <a:schemeClr val="accent1"/>
+            </a:fillRef>
+            <a:effectRef idx="0">
+              <a:schemeClr val="accent1"/>
+            </a:effectRef>
+            <a:fontRef idx="minor">
+              <a:schemeClr val="lt1"/>
+            </a:fontRef>
+          </p:style>
+          <p:txBody>
+            <a:bodyPr rtlCol="0" anchor="ctr"/>
+            <a:lstStyle/>
+            <a:p>
+              <a:pPr algn="ctr"/>
+              <a:endParaRPr lang="de-DE"/>
+            </a:p>
+          </p:txBody>
+        </p:sp>
+        <p:sp>
+          <p:nvSpPr>
+            <p:cNvPr id="31" name="Rechteck 30">
+              <a:extLst>
+                <a:ext uri="{FF2B5EF4-FFF2-40B4-BE49-F238E27FC236}">
+                  <a16:creationId xmlns:a16="http://schemas.microsoft.com/office/drawing/2014/main" id="{F6D71711-CE1A-A744-8158-6E7E3FAC5B31}"/>
+                </a:ext>
+              </a:extLst>
+            </p:cNvPr>
+            <p:cNvSpPr/>
+            <p:nvPr/>
+          </p:nvSpPr>
+          <p:spPr>
+            <a:xfrm>
+              <a:off x="9976347" y="5029200"/>
+              <a:ext cx="104277" cy="329910"/>
+            </a:xfrm>
+            <a:prstGeom prst="rect">
+              <a:avLst/>
+            </a:prstGeom>
+            <a:solidFill>
+              <a:srgbClr val="00B050"/>
+            </a:solidFill>
+            <a:ln>
+              <a:noFill/>
+            </a:ln>
+          </p:spPr>
+          <p:style>
+            <a:lnRef idx="2">
+              <a:schemeClr val="accent1">
+                <a:shade val="50000"/>
+              </a:schemeClr>
+            </a:lnRef>
+            <a:fillRef idx="1">
+              <a:schemeClr val="accent1"/>
+            </a:fillRef>
+            <a:effectRef idx="0">
+              <a:schemeClr val="accent1"/>
+            </a:effectRef>
+            <a:fontRef idx="minor">
+              <a:schemeClr val="lt1"/>
+            </a:fontRef>
+          </p:style>
+          <p:txBody>
+            <a:bodyPr rtlCol="0" anchor="ctr"/>
+            <a:lstStyle/>
+            <a:p>
+              <a:pPr algn="ctr"/>
+              <a:endParaRPr lang="de-DE"/>
+            </a:p>
+          </p:txBody>
+        </p:sp>
+        <p:sp>
+          <p:nvSpPr>
+            <p:cNvPr id="32" name="Rechteck 31">
+              <a:extLst>
+                <a:ext uri="{FF2B5EF4-FFF2-40B4-BE49-F238E27FC236}">
+                  <a16:creationId xmlns:a16="http://schemas.microsoft.com/office/drawing/2014/main" id="{9E850034-C71F-B342-8810-F9DFB3C0B85A}"/>
+                </a:ext>
+              </a:extLst>
+            </p:cNvPr>
+            <p:cNvSpPr/>
+            <p:nvPr/>
+          </p:nvSpPr>
+          <p:spPr>
+            <a:xfrm>
+              <a:off x="10119222" y="5184775"/>
+              <a:ext cx="104277" cy="174335"/>
+            </a:xfrm>
+            <a:prstGeom prst="rect">
+              <a:avLst/>
+            </a:prstGeom>
+            <a:solidFill>
+              <a:srgbClr val="7030A0"/>
+            </a:solidFill>
+            <a:ln>
+              <a:noFill/>
+            </a:ln>
+          </p:spPr>
+          <p:style>
+            <a:lnRef idx="2">
+              <a:schemeClr val="accent1">
+                <a:shade val="50000"/>
+              </a:schemeClr>
+            </a:lnRef>
+            <a:fillRef idx="1">
+              <a:schemeClr val="accent1"/>
+            </a:fillRef>
+            <a:effectRef idx="0">
+              <a:schemeClr val="accent1"/>
+            </a:effectRef>
+            <a:fontRef idx="minor">
+              <a:schemeClr val="lt1"/>
+            </a:fontRef>
+          </p:style>
+          <p:txBody>
+            <a:bodyPr rtlCol="0" anchor="ctr"/>
+            <a:lstStyle/>
+            <a:p>
+              <a:pPr algn="ctr"/>
+              <a:endParaRPr lang="de-DE"/>
+            </a:p>
+          </p:txBody>
+        </p:sp>
+      </p:grpSp>
     </p:spTree>
     <p:extLst>
       <p:ext uri="{BB962C8B-B14F-4D97-AF65-F5344CB8AC3E}">

--- a/Praesentationen/01-Definitionsphase/Präsentation.pptx
+++ b/Praesentationen/01-Definitionsphase/Präsentation.pptx
@@ -135,7 +135,7 @@
 <p1510:revInfo xmlns:a="http://schemas.openxmlformats.org/drawingml/2006/main" xmlns:r="http://schemas.openxmlformats.org/officeDocument/2006/relationships" xmlns:p1510="http://schemas.microsoft.com/office/powerpoint/2015/10/main">
   <p1510:revLst>
     <p1510:client id="{8BCBCECC-AEE1-419B-916B-999E3489D6C8}" v="7" dt="2021-12-02T18:15:44.327"/>
-    <p1510:client id="{D321EB78-646E-7546-8478-D5F05974E81C}" v="43" dt="2021-12-02T21:51:44.400"/>
+    <p1510:client id="{D321EB78-646E-7546-8478-D5F05974E81C}" v="47" dt="2021-12-03T08:21:55.359"/>
   </p1510:revLst>
 </p1510:revInfo>
 </file>
@@ -214,7 +214,7 @@
   <pc:docChgLst>
     <pc:chgData name="Antonia ..." userId="df27490986ae0560" providerId="LiveId" clId="{D321EB78-646E-7546-8478-D5F05974E81C}"/>
     <pc:docChg chg="undo custSel modSld">
-      <pc:chgData name="Antonia ..." userId="df27490986ae0560" providerId="LiveId" clId="{D321EB78-646E-7546-8478-D5F05974E81C}" dt="2021-12-02T21:59:20.089" v="1043" actId="20577"/>
+      <pc:chgData name="Antonia ..." userId="df27490986ae0560" providerId="LiveId" clId="{D321EB78-646E-7546-8478-D5F05974E81C}" dt="2021-12-03T08:23:21.685" v="1062" actId="20577"/>
       <pc:docMkLst>
         <pc:docMk/>
       </pc:docMkLst>
@@ -539,12 +539,20 @@
           </ac:picMkLst>
         </pc:picChg>
       </pc:sldChg>
-      <pc:sldChg chg="addSp modSp">
-        <pc:chgData name="Antonia ..." userId="df27490986ae0560" providerId="LiveId" clId="{D321EB78-646E-7546-8478-D5F05974E81C}" dt="2021-12-02T21:34:32.767" v="92"/>
+      <pc:sldChg chg="addSp modSp mod">
+        <pc:chgData name="Antonia ..." userId="df27490986ae0560" providerId="LiveId" clId="{D321EB78-646E-7546-8478-D5F05974E81C}" dt="2021-12-03T08:23:21.685" v="1062" actId="20577"/>
         <pc:sldMkLst>
           <pc:docMk/>
           <pc:sldMk cId="1650321165" sldId="263"/>
         </pc:sldMkLst>
+        <pc:spChg chg="mod">
+          <ac:chgData name="Antonia ..." userId="df27490986ae0560" providerId="LiveId" clId="{D321EB78-646E-7546-8478-D5F05974E81C}" dt="2021-12-03T08:23:21.685" v="1062" actId="20577"/>
+          <ac:spMkLst>
+            <pc:docMk/>
+            <pc:sldMk cId="1650321165" sldId="263"/>
+            <ac:spMk id="8" creationId="{DC6F63C1-D8A5-004D-BC0E-AF18764881F1}"/>
+          </ac:spMkLst>
+        </pc:spChg>
         <pc:spChg chg="add mod">
           <ac:chgData name="Antonia ..." userId="df27490986ae0560" providerId="LiveId" clId="{D321EB78-646E-7546-8478-D5F05974E81C}" dt="2021-12-02T21:34:32.767" v="92"/>
           <ac:spMkLst>
@@ -602,7 +610,7 @@
         </pc:spChg>
       </pc:sldChg>
       <pc:sldChg chg="addSp delSp modSp mod modClrScheme chgLayout">
-        <pc:chgData name="Antonia ..." userId="df27490986ae0560" providerId="LiveId" clId="{D321EB78-646E-7546-8478-D5F05974E81C}" dt="2021-12-02T21:51:48.291" v="395" actId="403"/>
+        <pc:chgData name="Antonia ..." userId="df27490986ae0560" providerId="LiveId" clId="{D321EB78-646E-7546-8478-D5F05974E81C}" dt="2021-12-03T08:22:03.185" v="1055" actId="404"/>
         <pc:sldMkLst>
           <pc:docMk/>
           <pc:sldMk cId="2401719195" sldId="265"/>
@@ -687,8 +695,8 @@
             <ac:spMk id="11" creationId="{93F4F615-FEA6-D245-B1F3-BF53833A81C7}"/>
           </ac:spMkLst>
         </pc:spChg>
-        <pc:spChg chg="add mod ord">
-          <ac:chgData name="Antonia ..." userId="df27490986ae0560" providerId="LiveId" clId="{D321EB78-646E-7546-8478-D5F05974E81C}" dt="2021-12-02T21:51:48.291" v="395" actId="403"/>
+        <pc:spChg chg="add del mod ord">
+          <ac:chgData name="Antonia ..." userId="df27490986ae0560" providerId="LiveId" clId="{D321EB78-646E-7546-8478-D5F05974E81C}" dt="2021-12-03T08:21:24.411" v="1045" actId="478"/>
           <ac:spMkLst>
             <pc:docMk/>
             <pc:sldMk cId="2401719195" sldId="265"/>
@@ -701,6 +709,22 @@
             <pc:docMk/>
             <pc:sldMk cId="2401719195" sldId="265"/>
             <ac:spMk id="13" creationId="{4565E465-7FD6-7E4F-AF64-BB2A5DD05DFC}"/>
+          </ac:spMkLst>
+        </pc:spChg>
+        <pc:spChg chg="add del mod">
+          <ac:chgData name="Antonia ..." userId="df27490986ae0560" providerId="LiveId" clId="{D321EB78-646E-7546-8478-D5F05974E81C}" dt="2021-12-03T08:22:03.185" v="1055" actId="404"/>
+          <ac:spMkLst>
+            <pc:docMk/>
+            <pc:sldMk cId="2401719195" sldId="265"/>
+            <ac:spMk id="14" creationId="{0EE7CA7D-7A20-964C-8EE9-F14BACD1AA46}"/>
+          </ac:spMkLst>
+        </pc:spChg>
+        <pc:spChg chg="add del mod">
+          <ac:chgData name="Antonia ..." userId="df27490986ae0560" providerId="LiveId" clId="{D321EB78-646E-7546-8478-D5F05974E81C}" dt="2021-12-03T08:21:48.509" v="1049"/>
+          <ac:spMkLst>
+            <pc:docMk/>
+            <pc:sldMk cId="2401719195" sldId="265"/>
+            <ac:spMk id="15" creationId="{50638DDE-D10D-884F-A4AB-58E27B7A30AC}"/>
           </ac:spMkLst>
         </pc:spChg>
       </pc:sldChg>
@@ -1077,7 +1101,7 @@
         </pc:spChg>
       </pc:sldChg>
       <pc:sldChg chg="addSp modSp mod modNotesTx">
-        <pc:chgData name="Antonia ..." userId="df27490986ae0560" providerId="LiveId" clId="{D321EB78-646E-7546-8478-D5F05974E81C}" dt="2021-12-02T21:57:46.462" v="983" actId="20577"/>
+        <pc:chgData name="Antonia ..." userId="df27490986ae0560" providerId="LiveId" clId="{D321EB78-646E-7546-8478-D5F05974E81C}" dt="2021-12-03T08:22:49.458" v="1060" actId="255"/>
         <pc:sldMkLst>
           <pc:docMk/>
           <pc:sldMk cId="1883130276" sldId="272"/>
@@ -1088,6 +1112,14 @@
             <pc:docMk/>
             <pc:sldMk cId="1883130276" sldId="272"/>
             <ac:spMk id="4" creationId="{8EF77B4E-BA8F-CE43-AD46-66DDB1F18DE2}"/>
+          </ac:spMkLst>
+        </pc:spChg>
+        <pc:spChg chg="mod">
+          <ac:chgData name="Antonia ..." userId="df27490986ae0560" providerId="LiveId" clId="{D321EB78-646E-7546-8478-D5F05974E81C}" dt="2021-12-03T08:22:49.458" v="1060" actId="255"/>
+          <ac:spMkLst>
+            <pc:docMk/>
+            <pc:sldMk cId="1883130276" sldId="272"/>
+            <ac:spMk id="5" creationId="{286F35E0-9823-2740-83DB-55B06E5F58F7}"/>
           </ac:spMkLst>
         </pc:spChg>
         <pc:spChg chg="mod">
@@ -1124,7 +1156,7 @@
         </pc:spChg>
       </pc:sldChg>
       <pc:sldChg chg="addSp modSp mod modNotesTx">
-        <pc:chgData name="Antonia ..." userId="df27490986ae0560" providerId="LiveId" clId="{D321EB78-646E-7546-8478-D5F05974E81C}" dt="2021-12-02T21:58:18.021" v="1040" actId="20577"/>
+        <pc:chgData name="Antonia ..." userId="df27490986ae0560" providerId="LiveId" clId="{D321EB78-646E-7546-8478-D5F05974E81C}" dt="2021-12-03T08:23:02.042" v="1061" actId="255"/>
         <pc:sldMkLst>
           <pc:docMk/>
           <pc:sldMk cId="4103933490" sldId="273"/>
@@ -1135,6 +1167,14 @@
             <pc:docMk/>
             <pc:sldMk cId="4103933490" sldId="273"/>
             <ac:spMk id="4" creationId="{8EF77B4E-BA8F-CE43-AD46-66DDB1F18DE2}"/>
+          </ac:spMkLst>
+        </pc:spChg>
+        <pc:spChg chg="mod">
+          <ac:chgData name="Antonia ..." userId="df27490986ae0560" providerId="LiveId" clId="{D321EB78-646E-7546-8478-D5F05974E81C}" dt="2021-12-03T08:23:02.042" v="1061" actId="255"/>
+          <ac:spMkLst>
+            <pc:docMk/>
+            <pc:sldMk cId="4103933490" sldId="273"/>
+            <ac:spMk id="5" creationId="{286F35E0-9823-2740-83DB-55B06E5F58F7}"/>
           </ac:spMkLst>
         </pc:spChg>
         <pc:spChg chg="mod">
@@ -5656,7 +5696,7 @@
           <a:p>
             <a:fld id="{6BC12010-B929-8747-8496-F1869C02CD8D}" type="datetimeFigureOut">
               <a:rPr lang="de-DE" smtClean="0"/>
-              <a:t>02.12.21</a:t>
+              <a:t>03.12.21</a:t>
             </a:fld>
             <a:endParaRPr lang="de-DE"/>
           </a:p>
@@ -13154,13 +13194,8 @@
           <a:p>
             <a:r>
               <a:rPr lang="de-DE" dirty="0"/>
-              <a:t>Damm-</a:t>
-            </a:r>
-            <a:r>
-              <a:rPr lang="de-DE" dirty="0" err="1"/>
-              <a:t>Prinizip</a:t>
-            </a:r>
-            <a:endParaRPr lang="de-DE" dirty="0"/>
+              <a:t>Damm-Prinzip</a:t>
+            </a:r>
           </a:p>
           <a:p>
             <a:r>
@@ -15571,19 +15606,7 @@
           <a:p>
             <a:r>
               <a:rPr lang="de-DE" sz="3200" i="1" dirty="0"/>
-              <a:t>Warum</a:t>
-            </a:r>
-            <a:r>
-              <a:rPr lang="de-DE" i="1" dirty="0"/>
-              <a:t> </a:t>
-            </a:r>
-            <a:r>
-              <a:rPr lang="de-DE" sz="3200" i="1" dirty="0"/>
-              <a:t>Wunschkriterium</a:t>
-            </a:r>
-            <a:r>
-              <a:rPr lang="de-DE" i="1" dirty="0"/>
-              <a:t>:</a:t>
+              <a:t>Warum Wunschkriterium:</a:t>
             </a:r>
           </a:p>
         </p:txBody>
@@ -15959,36 +15982,6 @@
           </a:p>
           <a:p>
             <a:endParaRPr lang="de-DE" dirty="0"/>
-          </a:p>
-        </p:txBody>
-      </p:sp>
-      <p:sp>
-        <p:nvSpPr>
-          <p:cNvPr id="12" name="Textplatzhalter 11">
-            <a:extLst>
-              <a:ext uri="{FF2B5EF4-FFF2-40B4-BE49-F238E27FC236}">
-                <a16:creationId xmlns:a16="http://schemas.microsoft.com/office/drawing/2014/main" id="{7385F1F5-2896-E047-98D0-1550C479ADBD}"/>
-              </a:ext>
-            </a:extLst>
-          </p:cNvPr>
-          <p:cNvSpPr>
-            <a:spLocks noGrp="1"/>
-          </p:cNvSpPr>
-          <p:nvPr>
-            <p:ph type="body" sz="quarter" idx="3"/>
-          </p:nvPr>
-        </p:nvSpPr>
-        <p:spPr/>
-        <p:txBody>
-          <a:bodyPr>
-            <a:normAutofit/>
-          </a:bodyPr>
-          <a:lstStyle/>
-          <a:p>
-            <a:r>
-              <a:rPr lang="de-DE" sz="3200" i="1" dirty="0"/>
-              <a:t>Warum Wunschkriterium:</a:t>
-            </a:r>
           </a:p>
         </p:txBody>
       </p:sp>
@@ -16432,6 +16425,36 @@
           </a:p>
         </p:txBody>
       </p:sp>
+      <p:sp>
+        <p:nvSpPr>
+          <p:cNvPr id="14" name="Textplatzhalter 13">
+            <a:extLst>
+              <a:ext uri="{FF2B5EF4-FFF2-40B4-BE49-F238E27FC236}">
+                <a16:creationId xmlns:a16="http://schemas.microsoft.com/office/drawing/2014/main" id="{0EE7CA7D-7A20-964C-8EE9-F14BACD1AA46}"/>
+              </a:ext>
+            </a:extLst>
+          </p:cNvPr>
+          <p:cNvSpPr>
+            <a:spLocks noGrp="1"/>
+          </p:cNvSpPr>
+          <p:nvPr>
+            <p:ph type="body" sz="quarter" idx="3"/>
+          </p:nvPr>
+        </p:nvSpPr>
+        <p:spPr/>
+        <p:txBody>
+          <a:bodyPr>
+            <a:normAutofit/>
+          </a:bodyPr>
+          <a:lstStyle/>
+          <a:p>
+            <a:r>
+              <a:rPr lang="de-DE" sz="3200" i="1" dirty="0"/>
+              <a:t>Warum Wunschkriterium:</a:t>
+            </a:r>
+          </a:p>
+        </p:txBody>
+      </p:sp>
     </p:spTree>
     <p:extLst>
       <p:ext uri="{BB962C8B-B14F-4D97-AF65-F5344CB8AC3E}">
@@ -16575,24 +16598,14 @@
         </p:nvSpPr>
         <p:spPr/>
         <p:txBody>
-          <a:bodyPr/>
+          <a:bodyPr>
+            <a:normAutofit/>
+          </a:bodyPr>
           <a:lstStyle/>
           <a:p>
             <a:r>
               <a:rPr lang="de-DE" sz="3200" i="1" dirty="0"/>
-              <a:t>Warum</a:t>
-            </a:r>
-            <a:r>
-              <a:rPr lang="de-DE" i="1" dirty="0"/>
-              <a:t> </a:t>
-            </a:r>
-            <a:r>
-              <a:rPr lang="de-DE" sz="3200" i="1" dirty="0"/>
-              <a:t>Wunschkriterium</a:t>
-            </a:r>
-            <a:r>
-              <a:rPr lang="de-DE" i="1" dirty="0"/>
-              <a:t>:</a:t>
+              <a:t>Warum Wunschkriterium:</a:t>
             </a:r>
           </a:p>
         </p:txBody>
